--- a/座標変換.pptx
+++ b/座標変換.pptx
@@ -4646,7 +4646,7 @@
         </p:nvSpPr>
         <p:spPr>
           <a:xfrm>
-            <a:off x="1715016" y="707391"/>
+            <a:off x="1611532" y="701479"/>
             <a:ext cx="5583420" cy="914400"/>
           </a:xfrm>
           <a:prstGeom prst="rect">

--- a/座標変換.pptx
+++ b/座標変換.pptx
@@ -6,7 +6,7 @@
   </p:sldMasterIdLst>
   <p:sldIdLst>
     <p:sldId id="259" r:id="rId2"/>
-    <p:sldId id="258" r:id="rId3"/>
+    <p:sldId id="260" r:id="rId3"/>
     <p:sldId id="257" r:id="rId4"/>
   </p:sldIdLst>
   <p:sldSz cx="12192000" cy="6858000"/>
@@ -3613,6 +3613,1239 @@
       </p:grpSpPr>
       <p:sp>
         <p:nvSpPr>
+          <p:cNvPr id="2" name="正方形/長方形 1">
+            <a:extLst>
+              <a:ext uri="{FF2B5EF4-FFF2-40B4-BE49-F238E27FC236}">
+                <a16:creationId xmlns:a16="http://schemas.microsoft.com/office/drawing/2014/main" id="{22DB38B0-00D8-49A3-8CB1-ABC347C98654}"/>
+              </a:ext>
+            </a:extLst>
+          </p:cNvPr>
+          <p:cNvSpPr/>
+          <p:nvPr/>
+        </p:nvSpPr>
+        <p:spPr>
+          <a:xfrm>
+            <a:off x="1816577" y="4761386"/>
+            <a:ext cx="1896204" cy="584775"/>
+          </a:xfrm>
+          <a:prstGeom prst="rect">
+            <a:avLst/>
+          </a:prstGeom>
+          <a:solidFill>
+            <a:schemeClr val="accent1">
+              <a:lumMod val="50000"/>
+            </a:schemeClr>
+          </a:solidFill>
+          <a:ln>
+            <a:solidFill>
+              <a:schemeClr val="tx2">
+                <a:lumMod val="50000"/>
+              </a:schemeClr>
+            </a:solidFill>
+          </a:ln>
+        </p:spPr>
+        <p:style>
+          <a:lnRef idx="2">
+            <a:schemeClr val="accent1">
+              <a:shade val="50000"/>
+            </a:schemeClr>
+          </a:lnRef>
+          <a:fillRef idx="1">
+            <a:schemeClr val="accent1"/>
+          </a:fillRef>
+          <a:effectRef idx="0">
+            <a:schemeClr val="accent1"/>
+          </a:effectRef>
+          <a:fontRef idx="minor">
+            <a:schemeClr val="lt1"/>
+          </a:fontRef>
+        </p:style>
+        <p:txBody>
+          <a:bodyPr rtlCol="0" anchor="ctr"/>
+          <a:lstStyle/>
+          <a:p>
+            <a:pPr algn="ctr"/>
+            <a:r>
+              <a:rPr kumimoji="1" lang="ja-JP" altLang="en-US" sz="2400" dirty="0">
+                <a:latin typeface="ＭＳ Ｐゴシック" panose="020B0600070205080204" pitchFamily="50" charset="-128"/>
+                <a:ea typeface="ＭＳ Ｐゴシック" panose="020B0600070205080204" pitchFamily="50" charset="-128"/>
+              </a:rPr>
+              <a:t>世界座標系</a:t>
+            </a:r>
+          </a:p>
+        </p:txBody>
+      </p:sp>
+      <p:sp>
+        <p:nvSpPr>
+          <p:cNvPr id="20" name="正方形/長方形 19">
+            <a:extLst>
+              <a:ext uri="{FF2B5EF4-FFF2-40B4-BE49-F238E27FC236}">
+                <a16:creationId xmlns:a16="http://schemas.microsoft.com/office/drawing/2014/main" id="{686E6AC7-E732-43AE-96BE-AAE92851EDFB}"/>
+              </a:ext>
+            </a:extLst>
+          </p:cNvPr>
+          <p:cNvSpPr/>
+          <p:nvPr/>
+        </p:nvSpPr>
+        <p:spPr>
+          <a:xfrm>
+            <a:off x="4199566" y="2276499"/>
+            <a:ext cx="1896204" cy="584775"/>
+          </a:xfrm>
+          <a:prstGeom prst="rect">
+            <a:avLst/>
+          </a:prstGeom>
+          <a:solidFill>
+            <a:schemeClr val="accent2">
+              <a:lumMod val="75000"/>
+            </a:schemeClr>
+          </a:solidFill>
+          <a:ln>
+            <a:solidFill>
+              <a:schemeClr val="accent2">
+                <a:lumMod val="50000"/>
+              </a:schemeClr>
+            </a:solidFill>
+          </a:ln>
+        </p:spPr>
+        <p:style>
+          <a:lnRef idx="2">
+            <a:schemeClr val="accent1">
+              <a:shade val="50000"/>
+            </a:schemeClr>
+          </a:lnRef>
+          <a:fillRef idx="1">
+            <a:schemeClr val="accent1"/>
+          </a:fillRef>
+          <a:effectRef idx="0">
+            <a:schemeClr val="accent1"/>
+          </a:effectRef>
+          <a:fontRef idx="minor">
+            <a:schemeClr val="lt1"/>
+          </a:fontRef>
+        </p:style>
+        <p:txBody>
+          <a:bodyPr rtlCol="0" anchor="ctr"/>
+          <a:lstStyle/>
+          <a:p>
+            <a:pPr algn="ctr"/>
+            <a:r>
+              <a:rPr lang="ja-JP" altLang="en-US" sz="2400" dirty="0">
+                <a:latin typeface="ＭＳ Ｐゴシック" panose="020B0600070205080204" pitchFamily="50" charset="-128"/>
+                <a:ea typeface="ＭＳ Ｐゴシック" panose="020B0600070205080204" pitchFamily="50" charset="-128"/>
+              </a:rPr>
+              <a:t>体内</a:t>
+            </a:r>
+            <a:r>
+              <a:rPr kumimoji="1" lang="ja-JP" altLang="en-US" sz="2400" dirty="0">
+                <a:latin typeface="ＭＳ Ｐゴシック" panose="020B0600070205080204" pitchFamily="50" charset="-128"/>
+                <a:ea typeface="ＭＳ Ｐゴシック" panose="020B0600070205080204" pitchFamily="50" charset="-128"/>
+              </a:rPr>
+              <a:t>座標系</a:t>
+            </a:r>
+          </a:p>
+        </p:txBody>
+      </p:sp>
+      <p:sp>
+        <p:nvSpPr>
+          <p:cNvPr id="5" name="正方形/長方形 4">
+            <a:extLst>
+              <a:ext uri="{FF2B5EF4-FFF2-40B4-BE49-F238E27FC236}">
+                <a16:creationId xmlns:a16="http://schemas.microsoft.com/office/drawing/2014/main" id="{122B7469-D09F-48C7-A7BB-5F6A9038380C}"/>
+              </a:ext>
+            </a:extLst>
+          </p:cNvPr>
+          <p:cNvSpPr/>
+          <p:nvPr/>
+        </p:nvSpPr>
+        <p:spPr>
+          <a:xfrm>
+            <a:off x="2047946" y="947278"/>
+            <a:ext cx="5583420" cy="914400"/>
+          </a:xfrm>
+          <a:prstGeom prst="rect">
+            <a:avLst/>
+          </a:prstGeom>
+        </p:spPr>
+        <p:style>
+          <a:lnRef idx="2">
+            <a:schemeClr val="accent1">
+              <a:shade val="50000"/>
+            </a:schemeClr>
+          </a:lnRef>
+          <a:fillRef idx="1">
+            <a:schemeClr val="accent1"/>
+          </a:fillRef>
+          <a:effectRef idx="0">
+            <a:schemeClr val="accent1"/>
+          </a:effectRef>
+          <a:fontRef idx="minor">
+            <a:schemeClr val="lt1"/>
+          </a:fontRef>
+        </p:style>
+        <p:txBody>
+          <a:bodyPr rtlCol="0" anchor="ctr"/>
+          <a:lstStyle/>
+          <a:p>
+            <a:pPr algn="ctr"/>
+            <a:r>
+              <a:rPr kumimoji="1" lang="ja-JP" altLang="en-US" sz="2800" dirty="0">
+                <a:latin typeface="ＭＳ Ｐゴシック" panose="020B0600070205080204" pitchFamily="50" charset="-128"/>
+                <a:ea typeface="ＭＳ Ｐゴシック" panose="020B0600070205080204" pitchFamily="50" charset="-128"/>
+              </a:rPr>
+              <a:t>体内座標系の原点を世界座標系を</a:t>
+            </a:r>
+            <a:endParaRPr kumimoji="1" lang="en-US" altLang="ja-JP" sz="2800" dirty="0">
+              <a:latin typeface="ＭＳ Ｐゴシック" panose="020B0600070205080204" pitchFamily="50" charset="-128"/>
+              <a:ea typeface="ＭＳ Ｐゴシック" panose="020B0600070205080204" pitchFamily="50" charset="-128"/>
+            </a:endParaRPr>
+          </a:p>
+          <a:p>
+            <a:pPr algn="ctr"/>
+            <a:r>
+              <a:rPr kumimoji="1" lang="ja-JP" altLang="en-US" sz="2800" dirty="0">
+                <a:latin typeface="ＭＳ Ｐゴシック" panose="020B0600070205080204" pitchFamily="50" charset="-128"/>
+                <a:ea typeface="ＭＳ Ｐゴシック" panose="020B0600070205080204" pitchFamily="50" charset="-128"/>
+              </a:rPr>
+              <a:t>並進移動のみで表せる場合</a:t>
+            </a:r>
+          </a:p>
+        </p:txBody>
+      </p:sp>
+      <p:grpSp>
+        <p:nvGrpSpPr>
+          <p:cNvPr id="23" name="グループ化 22">
+            <a:extLst>
+              <a:ext uri="{FF2B5EF4-FFF2-40B4-BE49-F238E27FC236}">
+                <a16:creationId xmlns:a16="http://schemas.microsoft.com/office/drawing/2014/main" id="{430D62B5-A2E9-4B3B-BB25-1B5865BBB9F9}"/>
+              </a:ext>
+            </a:extLst>
+          </p:cNvPr>
+          <p:cNvGrpSpPr/>
+          <p:nvPr/>
+        </p:nvGrpSpPr>
+        <p:grpSpPr>
+          <a:xfrm>
+            <a:off x="3075517" y="2710088"/>
+            <a:ext cx="4999769" cy="4039972"/>
+            <a:chOff x="3075517" y="2710088"/>
+            <a:chExt cx="4999769" cy="4039972"/>
+          </a:xfrm>
+        </p:grpSpPr>
+        <p:sp>
+          <p:nvSpPr>
+            <p:cNvPr id="24" name="直方体 23">
+              <a:extLst>
+                <a:ext uri="{FF2B5EF4-FFF2-40B4-BE49-F238E27FC236}">
+                  <a16:creationId xmlns:a16="http://schemas.microsoft.com/office/drawing/2014/main" id="{BB43AFFC-41AC-4615-985E-7A94297CB2E3}"/>
+                </a:ext>
+              </a:extLst>
+            </p:cNvPr>
+            <p:cNvSpPr/>
+            <p:nvPr/>
+          </p:nvSpPr>
+          <p:spPr>
+            <a:xfrm rot="3126979" flipV="1">
+              <a:off x="5890742" y="2956826"/>
+              <a:ext cx="947832" cy="769459"/>
+            </a:xfrm>
+            <a:prstGeom prst="cube">
+              <a:avLst>
+                <a:gd name="adj" fmla="val 43413"/>
+              </a:avLst>
+            </a:prstGeom>
+            <a:solidFill>
+              <a:schemeClr val="accent6"/>
+            </a:solidFill>
+            <a:ln>
+              <a:solidFill>
+                <a:schemeClr val="accent6">
+                  <a:lumMod val="50000"/>
+                </a:schemeClr>
+              </a:solidFill>
+            </a:ln>
+          </p:spPr>
+          <p:style>
+            <a:lnRef idx="2">
+              <a:schemeClr val="accent1">
+                <a:shade val="50000"/>
+              </a:schemeClr>
+            </a:lnRef>
+            <a:fillRef idx="1">
+              <a:schemeClr val="accent1"/>
+            </a:fillRef>
+            <a:effectRef idx="0">
+              <a:schemeClr val="accent1"/>
+            </a:effectRef>
+            <a:fontRef idx="minor">
+              <a:schemeClr val="lt1"/>
+            </a:fontRef>
+          </p:style>
+          <p:txBody>
+            <a:bodyPr rtlCol="0" anchor="ctr"/>
+            <a:lstStyle/>
+            <a:p>
+              <a:pPr algn="ctr"/>
+              <a:endParaRPr kumimoji="1" lang="ja-JP" altLang="en-US"/>
+            </a:p>
+          </p:txBody>
+        </p:sp>
+        <p:cxnSp>
+          <p:nvCxnSpPr>
+            <p:cNvPr id="25" name="直線矢印コネクタ 24">
+              <a:extLst>
+                <a:ext uri="{FF2B5EF4-FFF2-40B4-BE49-F238E27FC236}">
+                  <a16:creationId xmlns:a16="http://schemas.microsoft.com/office/drawing/2014/main" id="{E8E22A49-667F-4573-A8CE-4C00AFF31DCE}"/>
+                </a:ext>
+              </a:extLst>
+            </p:cNvPr>
+            <p:cNvCxnSpPr>
+              <a:cxnSpLocks/>
+            </p:cNvCxnSpPr>
+            <p:nvPr/>
+          </p:nvCxnSpPr>
+          <p:spPr>
+            <a:xfrm flipV="1">
+              <a:off x="3743473" y="4242817"/>
+              <a:ext cx="230601" cy="2004182"/>
+            </a:xfrm>
+            <a:prstGeom prst="straightConnector1">
+              <a:avLst/>
+            </a:prstGeom>
+            <a:ln w="76200">
+              <a:tailEnd type="triangle"/>
+            </a:ln>
+          </p:spPr>
+          <p:style>
+            <a:lnRef idx="1">
+              <a:schemeClr val="dk1"/>
+            </a:lnRef>
+            <a:fillRef idx="0">
+              <a:schemeClr val="dk1"/>
+            </a:fillRef>
+            <a:effectRef idx="0">
+              <a:schemeClr val="dk1"/>
+            </a:effectRef>
+            <a:fontRef idx="minor">
+              <a:schemeClr val="tx1"/>
+            </a:fontRef>
+          </p:style>
+        </p:cxnSp>
+        <p:cxnSp>
+          <p:nvCxnSpPr>
+            <p:cNvPr id="26" name="直線矢印コネクタ 25">
+              <a:extLst>
+                <a:ext uri="{FF2B5EF4-FFF2-40B4-BE49-F238E27FC236}">
+                  <a16:creationId xmlns:a16="http://schemas.microsoft.com/office/drawing/2014/main" id="{06EC8E29-7474-4EA2-B413-DA5855643282}"/>
+                </a:ext>
+              </a:extLst>
+            </p:cNvPr>
+            <p:cNvCxnSpPr>
+              <a:cxnSpLocks/>
+            </p:cNvCxnSpPr>
+            <p:nvPr/>
+          </p:nvCxnSpPr>
+          <p:spPr>
+            <a:xfrm flipV="1">
+              <a:off x="3736374" y="5589531"/>
+              <a:ext cx="964742" cy="698835"/>
+            </a:xfrm>
+            <a:prstGeom prst="straightConnector1">
+              <a:avLst/>
+            </a:prstGeom>
+            <a:ln w="76200">
+              <a:tailEnd type="triangle"/>
+            </a:ln>
+          </p:spPr>
+          <p:style>
+            <a:lnRef idx="1">
+              <a:schemeClr val="dk1"/>
+            </a:lnRef>
+            <a:fillRef idx="0">
+              <a:schemeClr val="dk1"/>
+            </a:fillRef>
+            <a:effectRef idx="0">
+              <a:schemeClr val="dk1"/>
+            </a:effectRef>
+            <a:fontRef idx="minor">
+              <a:schemeClr val="tx1"/>
+            </a:fontRef>
+          </p:style>
+        </p:cxnSp>
+        <p:cxnSp>
+          <p:nvCxnSpPr>
+            <p:cNvPr id="27" name="直線矢印コネクタ 26">
+              <a:extLst>
+                <a:ext uri="{FF2B5EF4-FFF2-40B4-BE49-F238E27FC236}">
+                  <a16:creationId xmlns:a16="http://schemas.microsoft.com/office/drawing/2014/main" id="{194B5198-F50F-4D14-9517-996419472EA6}"/>
+                </a:ext>
+              </a:extLst>
+            </p:cNvPr>
+            <p:cNvCxnSpPr>
+              <a:cxnSpLocks/>
+            </p:cNvCxnSpPr>
+            <p:nvPr/>
+          </p:nvCxnSpPr>
+          <p:spPr>
+            <a:xfrm flipH="1" flipV="1">
+              <a:off x="3075517" y="5470759"/>
+              <a:ext cx="660857" cy="828475"/>
+            </a:xfrm>
+            <a:prstGeom prst="straightConnector1">
+              <a:avLst/>
+            </a:prstGeom>
+            <a:ln w="76200">
+              <a:tailEnd type="triangle"/>
+            </a:ln>
+          </p:spPr>
+          <p:style>
+            <a:lnRef idx="1">
+              <a:schemeClr val="dk1"/>
+            </a:lnRef>
+            <a:fillRef idx="0">
+              <a:schemeClr val="dk1"/>
+            </a:fillRef>
+            <a:effectRef idx="0">
+              <a:schemeClr val="dk1"/>
+            </a:effectRef>
+            <a:fontRef idx="minor">
+              <a:schemeClr val="tx1"/>
+            </a:fontRef>
+          </p:style>
+        </p:cxnSp>
+        <mc:AlternateContent xmlns:mc="http://schemas.openxmlformats.org/markup-compatibility/2006">
+          <mc:Choice xmlns:a14="http://schemas.microsoft.com/office/drawing/2010/main" Requires="a14">
+            <p:sp>
+              <p:nvSpPr>
+                <p:cNvPr id="28" name="テキスト ボックス 27">
+                  <a:extLst>
+                    <a:ext uri="{FF2B5EF4-FFF2-40B4-BE49-F238E27FC236}">
+                      <a16:creationId xmlns:a16="http://schemas.microsoft.com/office/drawing/2014/main" id="{2035DBB9-8364-45D0-B5C3-B459085C2169}"/>
+                    </a:ext>
+                  </a:extLst>
+                </p:cNvPr>
+                <p:cNvSpPr txBox="1"/>
+                <p:nvPr/>
+              </p:nvSpPr>
+              <p:spPr>
+                <a:xfrm>
+                  <a:off x="3405945" y="6165285"/>
+                  <a:ext cx="1994595" cy="584775"/>
+                </a:xfrm>
+                <a:prstGeom prst="rect">
+                  <a:avLst/>
+                </a:prstGeom>
+                <a:noFill/>
+              </p:spPr>
+              <p:txBody>
+                <a:bodyPr wrap="square" rtlCol="0">
+                  <a:spAutoFit/>
+                </a:bodyPr>
+                <a:lstStyle/>
+                <a:p>
+                  <a:pPr/>
+                  <a14:m>
+                    <m:oMathPara xmlns:m="http://schemas.openxmlformats.org/officeDocument/2006/math">
+                      <m:oMathParaPr>
+                        <m:jc m:val="centerGroup"/>
+                      </m:oMathParaPr>
+                      <m:oMath xmlns:m="http://schemas.openxmlformats.org/officeDocument/2006/math">
+                        <m:sSub>
+                          <m:sSubPr>
+                            <m:ctrlPr>
+                              <a:rPr kumimoji="1" lang="en-US" altLang="ja-JP" sz="3200" b="0" i="1" smtClean="0">
+                                <a:latin typeface="Cambria Math" panose="02040503050406030204" pitchFamily="18" charset="0"/>
+                              </a:rPr>
+                            </m:ctrlPr>
+                          </m:sSubPr>
+                          <m:e>
+                            <m:r>
+                              <a:rPr kumimoji="1" lang="en-US" altLang="ja-JP" sz="3200" b="1" i="1" smtClean="0">
+                                <a:latin typeface="Cambria Math" panose="02040503050406030204" pitchFamily="18" charset="0"/>
+                              </a:rPr>
+                              <m:t>𝒙</m:t>
+                            </m:r>
+                          </m:e>
+                          <m:sub>
+                            <m:r>
+                              <a:rPr kumimoji="1" lang="en-US" altLang="ja-JP" sz="3200" b="0" i="1" smtClean="0">
+                                <a:latin typeface="Cambria Math" panose="02040503050406030204" pitchFamily="18" charset="0"/>
+                              </a:rPr>
+                              <m:t>𝑤</m:t>
+                            </m:r>
+                          </m:sub>
+                        </m:sSub>
+                        <m:r>
+                          <a:rPr kumimoji="1" lang="en-US" altLang="ja-JP" sz="3200" b="0" i="1" smtClean="0">
+                            <a:latin typeface="Cambria Math" panose="02040503050406030204" pitchFamily="18" charset="0"/>
+                          </a:rPr>
+                          <m:t>=</m:t>
+                        </m:r>
+                        <m:r>
+                          <a:rPr kumimoji="1" lang="en-US" altLang="ja-JP" sz="3200" b="1" i="1" smtClean="0">
+                            <a:latin typeface="Cambria Math" panose="02040503050406030204" pitchFamily="18" charset="0"/>
+                          </a:rPr>
+                          <m:t>𝑶</m:t>
+                        </m:r>
+                      </m:oMath>
+                    </m:oMathPara>
+                  </a14:m>
+                  <a:endParaRPr kumimoji="1" lang="ja-JP" altLang="en-US" sz="3200" b="1" dirty="0"/>
+                </a:p>
+              </p:txBody>
+            </p:sp>
+          </mc:Choice>
+          <mc:Fallback>
+            <p:sp>
+              <p:nvSpPr>
+                <p:cNvPr id="28" name="テキスト ボックス 27">
+                  <a:extLst>
+                    <a:ext uri="{FF2B5EF4-FFF2-40B4-BE49-F238E27FC236}">
+                      <a16:creationId xmlns:a16="http://schemas.microsoft.com/office/drawing/2014/main" id="{2035DBB9-8364-45D0-B5C3-B459085C2169}"/>
+                    </a:ext>
+                  </a:extLst>
+                </p:cNvPr>
+                <p:cNvSpPr txBox="1">
+                  <a:spLocks noRot="1" noChangeAspect="1" noMove="1" noResize="1" noEditPoints="1" noAdjustHandles="1" noChangeArrowheads="1" noChangeShapeType="1" noTextEdit="1"/>
+                </p:cNvSpPr>
+                <p:nvPr/>
+              </p:nvSpPr>
+              <p:spPr>
+                <a:xfrm>
+                  <a:off x="3405945" y="6165285"/>
+                  <a:ext cx="1994595" cy="584775"/>
+                </a:xfrm>
+                <a:prstGeom prst="rect">
+                  <a:avLst/>
+                </a:prstGeom>
+                <a:blipFill>
+                  <a:blip r:embed="rId2"/>
+                  <a:stretch>
+                    <a:fillRect/>
+                  </a:stretch>
+                </a:blipFill>
+              </p:spPr>
+              <p:txBody>
+                <a:bodyPr/>
+                <a:lstStyle/>
+                <a:p>
+                  <a:r>
+                    <a:rPr lang="ja-JP" altLang="en-US">
+                      <a:noFill/>
+                    </a:rPr>
+                    <a:t> </a:t>
+                  </a:r>
+                </a:p>
+              </p:txBody>
+            </p:sp>
+          </mc:Fallback>
+        </mc:AlternateContent>
+        <mc:AlternateContent xmlns:mc="http://schemas.openxmlformats.org/markup-compatibility/2006">
+          <mc:Choice xmlns:a14="http://schemas.microsoft.com/office/drawing/2010/main" Requires="a14">
+            <p:sp>
+              <p:nvSpPr>
+                <p:cNvPr id="29" name="テキスト ボックス 28">
+                  <a:extLst>
+                    <a:ext uri="{FF2B5EF4-FFF2-40B4-BE49-F238E27FC236}">
+                      <a16:creationId xmlns:a16="http://schemas.microsoft.com/office/drawing/2014/main" id="{9442C12C-52DE-400D-868D-9AAB947F31BA}"/>
+                    </a:ext>
+                  </a:extLst>
+                </p:cNvPr>
+                <p:cNvSpPr txBox="1"/>
+                <p:nvPr/>
+              </p:nvSpPr>
+              <p:spPr>
+                <a:xfrm>
+                  <a:off x="5292849" y="4622006"/>
+                  <a:ext cx="618567" cy="584775"/>
+                </a:xfrm>
+                <a:prstGeom prst="rect">
+                  <a:avLst/>
+                </a:prstGeom>
+                <a:noFill/>
+              </p:spPr>
+              <p:txBody>
+                <a:bodyPr wrap="square" rtlCol="0">
+                  <a:spAutoFit/>
+                </a:bodyPr>
+                <a:lstStyle/>
+                <a:p>
+                  <a:pPr/>
+                  <a14:m>
+                    <m:oMathPara xmlns:m="http://schemas.openxmlformats.org/officeDocument/2006/math">
+                      <m:oMathParaPr>
+                        <m:jc m:val="centerGroup"/>
+                      </m:oMathParaPr>
+                      <m:oMath xmlns:m="http://schemas.openxmlformats.org/officeDocument/2006/math">
+                        <m:sSub>
+                          <m:sSubPr>
+                            <m:ctrlPr>
+                              <a:rPr kumimoji="1" lang="en-US" altLang="ja-JP" sz="3200" b="0" i="1" smtClean="0">
+                                <a:latin typeface="Cambria Math" panose="02040503050406030204" pitchFamily="18" charset="0"/>
+                              </a:rPr>
+                            </m:ctrlPr>
+                          </m:sSubPr>
+                          <m:e>
+                            <m:r>
+                              <a:rPr kumimoji="1" lang="en-US" altLang="ja-JP" sz="3200" b="1" i="1" smtClean="0">
+                                <a:latin typeface="Cambria Math" panose="02040503050406030204" pitchFamily="18" charset="0"/>
+                              </a:rPr>
+                              <m:t>𝒙</m:t>
+                            </m:r>
+                          </m:e>
+                          <m:sub>
+                            <m:r>
+                              <a:rPr kumimoji="1" lang="en-US" altLang="ja-JP" sz="3200" b="0" i="1" smtClean="0">
+                                <a:latin typeface="Cambria Math" panose="02040503050406030204" pitchFamily="18" charset="0"/>
+                              </a:rPr>
+                              <m:t>𝑏</m:t>
+                            </m:r>
+                          </m:sub>
+                        </m:sSub>
+                      </m:oMath>
+                    </m:oMathPara>
+                  </a14:m>
+                  <a:endParaRPr kumimoji="1" lang="ja-JP" altLang="en-US" sz="3200" dirty="0"/>
+                </a:p>
+              </p:txBody>
+            </p:sp>
+          </mc:Choice>
+          <mc:Fallback>
+            <p:sp>
+              <p:nvSpPr>
+                <p:cNvPr id="29" name="テキスト ボックス 28">
+                  <a:extLst>
+                    <a:ext uri="{FF2B5EF4-FFF2-40B4-BE49-F238E27FC236}">
+                      <a16:creationId xmlns:a16="http://schemas.microsoft.com/office/drawing/2014/main" id="{9442C12C-52DE-400D-868D-9AAB947F31BA}"/>
+                    </a:ext>
+                  </a:extLst>
+                </p:cNvPr>
+                <p:cNvSpPr txBox="1">
+                  <a:spLocks noRot="1" noChangeAspect="1" noMove="1" noResize="1" noEditPoints="1" noAdjustHandles="1" noChangeArrowheads="1" noChangeShapeType="1" noTextEdit="1"/>
+                </p:cNvSpPr>
+                <p:nvPr/>
+              </p:nvSpPr>
+              <p:spPr>
+                <a:xfrm>
+                  <a:off x="5292849" y="4622006"/>
+                  <a:ext cx="618567" cy="584775"/>
+                </a:xfrm>
+                <a:prstGeom prst="rect">
+                  <a:avLst/>
+                </a:prstGeom>
+                <a:blipFill>
+                  <a:blip r:embed="rId3"/>
+                  <a:stretch>
+                    <a:fillRect/>
+                  </a:stretch>
+                </a:blipFill>
+              </p:spPr>
+              <p:txBody>
+                <a:bodyPr/>
+                <a:lstStyle/>
+                <a:p>
+                  <a:r>
+                    <a:rPr lang="ja-JP" altLang="en-US">
+                      <a:noFill/>
+                    </a:rPr>
+                    <a:t> </a:t>
+                  </a:r>
+                </a:p>
+              </p:txBody>
+            </p:sp>
+          </mc:Fallback>
+        </mc:AlternateContent>
+        <p:cxnSp>
+          <p:nvCxnSpPr>
+            <p:cNvPr id="30" name="直線矢印コネクタ 29">
+              <a:extLst>
+                <a:ext uri="{FF2B5EF4-FFF2-40B4-BE49-F238E27FC236}">
+                  <a16:creationId xmlns:a16="http://schemas.microsoft.com/office/drawing/2014/main" id="{FB1D2424-1792-4E28-8BA6-E7F7CF0E580C}"/>
+                </a:ext>
+              </a:extLst>
+            </p:cNvPr>
+            <p:cNvCxnSpPr>
+              <a:cxnSpLocks/>
+            </p:cNvCxnSpPr>
+            <p:nvPr/>
+          </p:nvCxnSpPr>
+          <p:spPr>
+            <a:xfrm flipH="1">
+              <a:off x="3787551" y="3948968"/>
+              <a:ext cx="2510611" cy="2127400"/>
+            </a:xfrm>
+            <a:prstGeom prst="straightConnector1">
+              <a:avLst/>
+            </a:prstGeom>
+            <a:ln w="38100">
+              <a:tailEnd type="triangle"/>
+            </a:ln>
+          </p:spPr>
+          <p:style>
+            <a:lnRef idx="1">
+              <a:schemeClr val="dk1"/>
+            </a:lnRef>
+            <a:fillRef idx="0">
+              <a:schemeClr val="dk1"/>
+            </a:fillRef>
+            <a:effectRef idx="0">
+              <a:schemeClr val="dk1"/>
+            </a:effectRef>
+            <a:fontRef idx="minor">
+              <a:schemeClr val="tx1"/>
+            </a:fontRef>
+          </p:style>
+        </p:cxnSp>
+        <mc:AlternateContent xmlns:mc="http://schemas.openxmlformats.org/markup-compatibility/2006">
+          <mc:Choice xmlns:a14="http://schemas.microsoft.com/office/drawing/2010/main" Requires="a14">
+            <p:sp>
+              <p:nvSpPr>
+                <p:cNvPr id="31" name="テキスト ボックス 30">
+                  <a:extLst>
+                    <a:ext uri="{FF2B5EF4-FFF2-40B4-BE49-F238E27FC236}">
+                      <a16:creationId xmlns:a16="http://schemas.microsoft.com/office/drawing/2014/main" id="{F44C9D58-E9F7-44C1-9D04-B40FC69CFDC4}"/>
+                    </a:ext>
+                  </a:extLst>
+                </p:cNvPr>
+                <p:cNvSpPr txBox="1"/>
+                <p:nvPr/>
+              </p:nvSpPr>
+              <p:spPr>
+                <a:xfrm>
+                  <a:off x="5331256" y="3798205"/>
+                  <a:ext cx="618567" cy="584775"/>
+                </a:xfrm>
+                <a:prstGeom prst="rect">
+                  <a:avLst/>
+                </a:prstGeom>
+                <a:noFill/>
+              </p:spPr>
+              <p:txBody>
+                <a:bodyPr wrap="square" rtlCol="0">
+                  <a:spAutoFit/>
+                </a:bodyPr>
+                <a:lstStyle/>
+                <a:p>
+                  <a:pPr/>
+                  <a14:m>
+                    <m:oMathPara xmlns:m="http://schemas.openxmlformats.org/officeDocument/2006/math">
+                      <m:oMathParaPr>
+                        <m:jc m:val="centerGroup"/>
+                      </m:oMathParaPr>
+                      <m:oMath xmlns:m="http://schemas.openxmlformats.org/officeDocument/2006/math">
+                        <m:sSubSup>
+                          <m:sSubSupPr>
+                            <m:ctrlPr>
+                              <a:rPr kumimoji="1" lang="en-US" altLang="ja-JP" sz="3200" i="1" smtClean="0">
+                                <a:latin typeface="Cambria Math" panose="02040503050406030204" pitchFamily="18" charset="0"/>
+                              </a:rPr>
+                            </m:ctrlPr>
+                          </m:sSubSupPr>
+                          <m:e>
+                            <m:r>
+                              <a:rPr kumimoji="1" lang="en-US" altLang="ja-JP" sz="3200" b="1" i="1" smtClean="0">
+                                <a:latin typeface="Cambria Math" panose="02040503050406030204" pitchFamily="18" charset="0"/>
+                              </a:rPr>
+                              <m:t>𝒙</m:t>
+                            </m:r>
+                          </m:e>
+                          <m:sub>
+                            <m:r>
+                              <a:rPr kumimoji="1" lang="en-US" altLang="ja-JP" sz="3200" b="0" i="1" smtClean="0">
+                                <a:latin typeface="Cambria Math" panose="02040503050406030204" pitchFamily="18" charset="0"/>
+                              </a:rPr>
+                              <m:t>𝑤</m:t>
+                            </m:r>
+                          </m:sub>
+                          <m:sup>
+                            <m:r>
+                              <a:rPr kumimoji="1" lang="en-US" altLang="ja-JP" sz="3200" b="0" i="1" smtClean="0">
+                                <a:latin typeface="Cambria Math" panose="02040503050406030204" pitchFamily="18" charset="0"/>
+                              </a:rPr>
+                              <m:t>′</m:t>
+                            </m:r>
+                          </m:sup>
+                        </m:sSubSup>
+                      </m:oMath>
+                    </m:oMathPara>
+                  </a14:m>
+                  <a:endParaRPr kumimoji="1" lang="ja-JP" altLang="en-US" sz="3200" dirty="0"/>
+                </a:p>
+              </p:txBody>
+            </p:sp>
+          </mc:Choice>
+          <mc:Fallback>
+            <p:sp>
+              <p:nvSpPr>
+                <p:cNvPr id="31" name="テキスト ボックス 30">
+                  <a:extLst>
+                    <a:ext uri="{FF2B5EF4-FFF2-40B4-BE49-F238E27FC236}">
+                      <a16:creationId xmlns:a16="http://schemas.microsoft.com/office/drawing/2014/main" id="{F44C9D58-E9F7-44C1-9D04-B40FC69CFDC4}"/>
+                    </a:ext>
+                  </a:extLst>
+                </p:cNvPr>
+                <p:cNvSpPr txBox="1">
+                  <a:spLocks noRot="1" noChangeAspect="1" noMove="1" noResize="1" noEditPoints="1" noAdjustHandles="1" noChangeArrowheads="1" noChangeShapeType="1" noTextEdit="1"/>
+                </p:cNvSpPr>
+                <p:nvPr/>
+              </p:nvSpPr>
+              <p:spPr>
+                <a:xfrm>
+                  <a:off x="5331256" y="3798205"/>
+                  <a:ext cx="618567" cy="584775"/>
+                </a:xfrm>
+                <a:prstGeom prst="rect">
+                  <a:avLst/>
+                </a:prstGeom>
+                <a:blipFill>
+                  <a:blip r:embed="rId4"/>
+                  <a:stretch>
+                    <a:fillRect/>
+                  </a:stretch>
+                </a:blipFill>
+              </p:spPr>
+              <p:txBody>
+                <a:bodyPr/>
+                <a:lstStyle/>
+                <a:p>
+                  <a:r>
+                    <a:rPr lang="ja-JP" altLang="en-US">
+                      <a:noFill/>
+                    </a:rPr>
+                    <a:t> </a:t>
+                  </a:r>
+                </a:p>
+              </p:txBody>
+            </p:sp>
+          </mc:Fallback>
+        </mc:AlternateContent>
+        <p:cxnSp>
+          <p:nvCxnSpPr>
+            <p:cNvPr id="32" name="直線矢印コネクタ 31">
+              <a:extLst>
+                <a:ext uri="{FF2B5EF4-FFF2-40B4-BE49-F238E27FC236}">
+                  <a16:creationId xmlns:a16="http://schemas.microsoft.com/office/drawing/2014/main" id="{AE2A24DD-36AA-406F-8351-C003E225DD56}"/>
+                </a:ext>
+              </a:extLst>
+            </p:cNvPr>
+            <p:cNvCxnSpPr>
+              <a:cxnSpLocks/>
+            </p:cNvCxnSpPr>
+            <p:nvPr/>
+          </p:nvCxnSpPr>
+          <p:spPr>
+            <a:xfrm flipV="1">
+              <a:off x="3848935" y="3982834"/>
+              <a:ext cx="2564101" cy="2141881"/>
+            </a:xfrm>
+            <a:prstGeom prst="straightConnector1">
+              <a:avLst/>
+            </a:prstGeom>
+            <a:ln w="38100">
+              <a:tailEnd type="triangle"/>
+            </a:ln>
+          </p:spPr>
+          <p:style>
+            <a:lnRef idx="1">
+              <a:schemeClr val="dk1"/>
+            </a:lnRef>
+            <a:fillRef idx="0">
+              <a:schemeClr val="dk1"/>
+            </a:fillRef>
+            <a:effectRef idx="0">
+              <a:schemeClr val="dk1"/>
+            </a:effectRef>
+            <a:fontRef idx="minor">
+              <a:schemeClr val="tx1"/>
+            </a:fontRef>
+          </p:style>
+        </p:cxnSp>
+        <mc:AlternateContent xmlns:mc="http://schemas.openxmlformats.org/markup-compatibility/2006">
+          <mc:Choice xmlns:a14="http://schemas.microsoft.com/office/drawing/2010/main" Requires="a14">
+            <p:sp>
+              <p:nvSpPr>
+                <p:cNvPr id="33" name="テキスト ボックス 32">
+                  <a:extLst>
+                    <a:ext uri="{FF2B5EF4-FFF2-40B4-BE49-F238E27FC236}">
+                      <a16:creationId xmlns:a16="http://schemas.microsoft.com/office/drawing/2014/main" id="{F49336E6-A391-44BC-969F-EBCDA7359B47}"/>
+                    </a:ext>
+                  </a:extLst>
+                </p:cNvPr>
+                <p:cNvSpPr txBox="1"/>
+                <p:nvPr/>
+              </p:nvSpPr>
+              <p:spPr>
+                <a:xfrm>
+                  <a:off x="6179082" y="3810221"/>
+                  <a:ext cx="1896204" cy="584775"/>
+                </a:xfrm>
+                <a:prstGeom prst="rect">
+                  <a:avLst/>
+                </a:prstGeom>
+                <a:noFill/>
+              </p:spPr>
+              <p:txBody>
+                <a:bodyPr wrap="square" rtlCol="0">
+                  <a:spAutoFit/>
+                </a:bodyPr>
+                <a:lstStyle/>
+                <a:p>
+                  <a:pPr/>
+                  <a14:m>
+                    <m:oMathPara xmlns:m="http://schemas.openxmlformats.org/officeDocument/2006/math">
+                      <m:oMathParaPr>
+                        <m:jc m:val="centerGroup"/>
+                      </m:oMathParaPr>
+                      <m:oMath xmlns:m="http://schemas.openxmlformats.org/officeDocument/2006/math">
+                        <m:sSubSup>
+                          <m:sSubSupPr>
+                            <m:ctrlPr>
+                              <a:rPr kumimoji="1" lang="en-US" altLang="ja-JP" sz="3200" i="1" smtClean="0">
+                                <a:latin typeface="Cambria Math" panose="02040503050406030204" pitchFamily="18" charset="0"/>
+                              </a:rPr>
+                            </m:ctrlPr>
+                          </m:sSubSupPr>
+                          <m:e>
+                            <m:r>
+                              <a:rPr kumimoji="1" lang="en-US" altLang="ja-JP" sz="3200" b="1" i="1" smtClean="0">
+                                <a:latin typeface="Cambria Math" panose="02040503050406030204" pitchFamily="18" charset="0"/>
+                              </a:rPr>
+                              <m:t>𝒙</m:t>
+                            </m:r>
+                          </m:e>
+                          <m:sub>
+                            <m:r>
+                              <a:rPr kumimoji="1" lang="en-US" altLang="ja-JP" sz="3200" b="0" i="1" smtClean="0">
+                                <a:latin typeface="Cambria Math" panose="02040503050406030204" pitchFamily="18" charset="0"/>
+                              </a:rPr>
+                              <m:t>𝑏</m:t>
+                            </m:r>
+                          </m:sub>
+                          <m:sup>
+                            <m:r>
+                              <a:rPr kumimoji="1" lang="en-US" altLang="ja-JP" sz="3200" b="0" i="1" smtClean="0">
+                                <a:latin typeface="Cambria Math" panose="02040503050406030204" pitchFamily="18" charset="0"/>
+                              </a:rPr>
+                              <m:t>′</m:t>
+                            </m:r>
+                          </m:sup>
+                        </m:sSubSup>
+                        <m:r>
+                          <a:rPr kumimoji="1" lang="en-US" altLang="ja-JP" sz="3200" b="0" i="1" smtClean="0">
+                            <a:latin typeface="Cambria Math" panose="02040503050406030204" pitchFamily="18" charset="0"/>
+                          </a:rPr>
+                          <m:t>=</m:t>
+                        </m:r>
+                        <m:r>
+                          <a:rPr kumimoji="1" lang="en-US" altLang="ja-JP" sz="3200" b="1" i="1" smtClean="0">
+                            <a:latin typeface="Cambria Math" panose="02040503050406030204" pitchFamily="18" charset="0"/>
+                          </a:rPr>
+                          <m:t>𝑶</m:t>
+                        </m:r>
+                      </m:oMath>
+                    </m:oMathPara>
+                  </a14:m>
+                  <a:endParaRPr kumimoji="1" lang="ja-JP" altLang="en-US" sz="3200" b="1" dirty="0"/>
+                </a:p>
+              </p:txBody>
+            </p:sp>
+          </mc:Choice>
+          <mc:Fallback>
+            <p:sp>
+              <p:nvSpPr>
+                <p:cNvPr id="33" name="テキスト ボックス 32">
+                  <a:extLst>
+                    <a:ext uri="{FF2B5EF4-FFF2-40B4-BE49-F238E27FC236}">
+                      <a16:creationId xmlns:a16="http://schemas.microsoft.com/office/drawing/2014/main" id="{F49336E6-A391-44BC-969F-EBCDA7359B47}"/>
+                    </a:ext>
+                  </a:extLst>
+                </p:cNvPr>
+                <p:cNvSpPr txBox="1">
+                  <a:spLocks noRot="1" noChangeAspect="1" noMove="1" noResize="1" noEditPoints="1" noAdjustHandles="1" noChangeArrowheads="1" noChangeShapeType="1" noTextEdit="1"/>
+                </p:cNvSpPr>
+                <p:nvPr/>
+              </p:nvSpPr>
+              <p:spPr>
+                <a:xfrm>
+                  <a:off x="6179082" y="3810221"/>
+                  <a:ext cx="1896204" cy="584775"/>
+                </a:xfrm>
+                <a:prstGeom prst="rect">
+                  <a:avLst/>
+                </a:prstGeom>
+                <a:blipFill>
+                  <a:blip r:embed="rId5"/>
+                  <a:stretch>
+                    <a:fillRect/>
+                  </a:stretch>
+                </a:blipFill>
+              </p:spPr>
+              <p:txBody>
+                <a:bodyPr/>
+                <a:lstStyle/>
+                <a:p>
+                  <a:r>
+                    <a:rPr lang="ja-JP" altLang="en-US">
+                      <a:noFill/>
+                    </a:rPr>
+                    <a:t> </a:t>
+                  </a:r>
+                </a:p>
+              </p:txBody>
+            </p:sp>
+          </mc:Fallback>
+        </mc:AlternateContent>
+        <p:cxnSp>
+          <p:nvCxnSpPr>
+            <p:cNvPr id="34" name="直線矢印コネクタ 33">
+              <a:extLst>
+                <a:ext uri="{FF2B5EF4-FFF2-40B4-BE49-F238E27FC236}">
+                  <a16:creationId xmlns:a16="http://schemas.microsoft.com/office/drawing/2014/main" id="{0276690A-1598-4DDD-A64D-52D244C6D970}"/>
+                </a:ext>
+              </a:extLst>
+            </p:cNvPr>
+            <p:cNvCxnSpPr>
+              <a:cxnSpLocks/>
+            </p:cNvCxnSpPr>
+            <p:nvPr/>
+          </p:nvCxnSpPr>
+          <p:spPr>
+            <a:xfrm flipV="1">
+              <a:off x="6359546" y="2710088"/>
+              <a:ext cx="142893" cy="1285436"/>
+            </a:xfrm>
+            <a:prstGeom prst="straightConnector1">
+              <a:avLst/>
+            </a:prstGeom>
+            <a:ln w="57150">
+              <a:tailEnd type="triangle"/>
+            </a:ln>
+          </p:spPr>
+          <p:style>
+            <a:lnRef idx="1">
+              <a:schemeClr val="dk1"/>
+            </a:lnRef>
+            <a:fillRef idx="0">
+              <a:schemeClr val="dk1"/>
+            </a:fillRef>
+            <a:effectRef idx="0">
+              <a:schemeClr val="dk1"/>
+            </a:effectRef>
+            <a:fontRef idx="minor">
+              <a:schemeClr val="tx1"/>
+            </a:fontRef>
+          </p:style>
+        </p:cxnSp>
+        <p:cxnSp>
+          <p:nvCxnSpPr>
+            <p:cNvPr id="35" name="直線矢印コネクタ 34">
+              <a:extLst>
+                <a:ext uri="{FF2B5EF4-FFF2-40B4-BE49-F238E27FC236}">
+                  <a16:creationId xmlns:a16="http://schemas.microsoft.com/office/drawing/2014/main" id="{9075D600-FD9B-4C91-9063-8F53423FB547}"/>
+                </a:ext>
+              </a:extLst>
+            </p:cNvPr>
+            <p:cNvCxnSpPr>
+              <a:cxnSpLocks/>
+            </p:cNvCxnSpPr>
+            <p:nvPr/>
+          </p:nvCxnSpPr>
+          <p:spPr>
+            <a:xfrm flipV="1">
+              <a:off x="6359547" y="3527196"/>
+              <a:ext cx="599775" cy="434464"/>
+            </a:xfrm>
+            <a:prstGeom prst="straightConnector1">
+              <a:avLst/>
+            </a:prstGeom>
+            <a:ln w="57150">
+              <a:tailEnd type="triangle"/>
+            </a:ln>
+          </p:spPr>
+          <p:style>
+            <a:lnRef idx="1">
+              <a:schemeClr val="dk1"/>
+            </a:lnRef>
+            <a:fillRef idx="0">
+              <a:schemeClr val="dk1"/>
+            </a:fillRef>
+            <a:effectRef idx="0">
+              <a:schemeClr val="dk1"/>
+            </a:effectRef>
+            <a:fontRef idx="minor">
+              <a:schemeClr val="tx1"/>
+            </a:fontRef>
+          </p:style>
+        </p:cxnSp>
+        <p:cxnSp>
+          <p:nvCxnSpPr>
+            <p:cNvPr id="36" name="直線矢印コネクタ 35">
+              <a:extLst>
+                <a:ext uri="{FF2B5EF4-FFF2-40B4-BE49-F238E27FC236}">
+                  <a16:creationId xmlns:a16="http://schemas.microsoft.com/office/drawing/2014/main" id="{245EB156-2AF8-4F6F-97FD-B8E78B537B35}"/>
+                </a:ext>
+              </a:extLst>
+            </p:cNvPr>
+            <p:cNvCxnSpPr>
+              <a:cxnSpLocks/>
+            </p:cNvCxnSpPr>
+            <p:nvPr/>
+          </p:nvCxnSpPr>
+          <p:spPr>
+            <a:xfrm flipH="1" flipV="1">
+              <a:off x="5850335" y="3334159"/>
+              <a:ext cx="509213" cy="638368"/>
+            </a:xfrm>
+            <a:prstGeom prst="straightConnector1">
+              <a:avLst/>
+            </a:prstGeom>
+            <a:ln w="57150">
+              <a:tailEnd type="triangle"/>
+            </a:ln>
+          </p:spPr>
+          <p:style>
+            <a:lnRef idx="1">
+              <a:schemeClr val="dk1"/>
+            </a:lnRef>
+            <a:fillRef idx="0">
+              <a:schemeClr val="dk1"/>
+            </a:fillRef>
+            <a:effectRef idx="0">
+              <a:schemeClr val="dk1"/>
+            </a:effectRef>
+            <a:fontRef idx="minor">
+              <a:schemeClr val="tx1"/>
+            </a:fontRef>
+          </p:style>
+        </p:cxnSp>
+        <mc:AlternateContent xmlns:mc="http://schemas.openxmlformats.org/markup-compatibility/2006">
+          <mc:Choice xmlns:a14="http://schemas.microsoft.com/office/drawing/2010/main" Requires="a14">
+            <p:sp>
+              <p:nvSpPr>
+                <p:cNvPr id="39" name="テキスト ボックス 38">
+                  <a:extLst>
+                    <a:ext uri="{FF2B5EF4-FFF2-40B4-BE49-F238E27FC236}">
+                      <a16:creationId xmlns:a16="http://schemas.microsoft.com/office/drawing/2014/main" id="{27F511DA-3C7C-4E7A-9572-6E6A6FAA7679}"/>
+                    </a:ext>
+                  </a:extLst>
+                </p:cNvPr>
+                <p:cNvSpPr txBox="1"/>
+                <p:nvPr/>
+              </p:nvSpPr>
+              <p:spPr>
+                <a:xfrm>
+                  <a:off x="5247869" y="3182778"/>
+                  <a:ext cx="354263" cy="492443"/>
+                </a:xfrm>
+                <a:prstGeom prst="rect">
+                  <a:avLst/>
+                </a:prstGeom>
+                <a:noFill/>
+              </p:spPr>
+              <p:txBody>
+                <a:bodyPr wrap="none" lIns="0" tIns="0" rIns="0" bIns="0" rtlCol="0">
+                  <a:spAutoFit/>
+                </a:bodyPr>
+                <a:lstStyle/>
+                <a:p>
+                  <a14:m>
+                    <m:oMathPara xmlns:m="http://schemas.openxmlformats.org/officeDocument/2006/math">
+                      <m:oMathParaPr>
+                        <m:jc m:val="centerGroup"/>
+                      </m:oMathParaPr>
+                      <m:oMath xmlns:m="http://schemas.openxmlformats.org/officeDocument/2006/math">
+                        <m:r>
+                          <a:rPr kumimoji="1" lang="en-US" altLang="ja-JP" sz="3200" b="1" i="1" smtClean="0">
+                            <a:latin typeface="Cambria Math" panose="02040503050406030204" pitchFamily="18" charset="0"/>
+                          </a:rPr>
+                          <m:t>𝒙</m:t>
+                        </m:r>
+                      </m:oMath>
+                    </m:oMathPara>
+                  </a14:m>
+                  <a:endParaRPr kumimoji="1" lang="ja-JP" altLang="en-US" sz="3200" b="1" dirty="0"/>
+                </a:p>
+              </p:txBody>
+            </p:sp>
+          </mc:Choice>
+          <mc:Fallback>
+            <p:sp>
+              <p:nvSpPr>
+                <p:cNvPr id="39" name="テキスト ボックス 38">
+                  <a:extLst>
+                    <a:ext uri="{FF2B5EF4-FFF2-40B4-BE49-F238E27FC236}">
+                      <a16:creationId xmlns:a16="http://schemas.microsoft.com/office/drawing/2014/main" id="{27F511DA-3C7C-4E7A-9572-6E6A6FAA7679}"/>
+                    </a:ext>
+                  </a:extLst>
+                </p:cNvPr>
+                <p:cNvSpPr txBox="1">
+                  <a:spLocks noRot="1" noChangeAspect="1" noMove="1" noResize="1" noEditPoints="1" noAdjustHandles="1" noChangeArrowheads="1" noChangeShapeType="1" noTextEdit="1"/>
+                </p:cNvSpPr>
+                <p:nvPr/>
+              </p:nvSpPr>
+              <p:spPr>
+                <a:xfrm>
+                  <a:off x="5247869" y="3182778"/>
+                  <a:ext cx="354263" cy="492443"/>
+                </a:xfrm>
+                <a:prstGeom prst="rect">
+                  <a:avLst/>
+                </a:prstGeom>
+                <a:blipFill>
+                  <a:blip r:embed="rId6"/>
+                  <a:stretch>
+                    <a:fillRect/>
+                  </a:stretch>
+                </a:blipFill>
+              </p:spPr>
+              <p:txBody>
+                <a:bodyPr/>
+                <a:lstStyle/>
+                <a:p>
+                  <a:r>
+                    <a:rPr lang="ja-JP" altLang="en-US">
+                      <a:noFill/>
+                    </a:rPr>
+                    <a:t> </a:t>
+                  </a:r>
+                </a:p>
+              </p:txBody>
+            </p:sp>
+          </mc:Fallback>
+        </mc:AlternateContent>
+      </p:grpSp>
+    </p:spTree>
+    <p:extLst>
+      <p:ext uri="{BB962C8B-B14F-4D97-AF65-F5344CB8AC3E}">
+        <p14:creationId xmlns:p14="http://schemas.microsoft.com/office/powerpoint/2010/main" val="3043194409"/>
+      </p:ext>
+    </p:extLst>
+  </p:cSld>
+  <p:clrMapOvr>
+    <a:masterClrMapping/>
+  </p:clrMapOvr>
+</p:sld>
+</file>
+
+<file path=ppt/slides/slide2.xml><?xml version="1.0" encoding="utf-8"?>
+<p:sld xmlns:a="http://schemas.openxmlformats.org/drawingml/2006/main" xmlns:r="http://schemas.openxmlformats.org/officeDocument/2006/relationships" xmlns:p="http://schemas.openxmlformats.org/presentationml/2006/main">
+  <p:cSld>
+    <p:spTree>
+      <p:nvGrpSpPr>
+        <p:cNvPr id="1" name=""/>
+        <p:cNvGrpSpPr/>
+        <p:nvPr/>
+      </p:nvGrpSpPr>
+      <p:grpSpPr>
+        <a:xfrm>
+          <a:off x="0" y="0"/>
+          <a:ext cx="0" cy="0"/>
+          <a:chOff x="0" y="0"/>
+          <a:chExt cx="0" cy="0"/>
+        </a:xfrm>
+      </p:grpSpPr>
+      <p:sp>
+        <p:nvSpPr>
           <p:cNvPr id="78" name="直方体 77">
             <a:extLst>
               <a:ext uri="{FF2B5EF4-FFF2-40B4-BE49-F238E27FC236}">
@@ -3669,6 +4902,269 @@
           </a:p>
         </p:txBody>
       </p:sp>
+      <p:cxnSp>
+        <p:nvCxnSpPr>
+          <p:cNvPr id="66" name="直線矢印コネクタ 65">
+            <a:extLst>
+              <a:ext uri="{FF2B5EF4-FFF2-40B4-BE49-F238E27FC236}">
+                <a16:creationId xmlns:a16="http://schemas.microsoft.com/office/drawing/2014/main" id="{7E206A71-A19C-489C-8BA2-7D852ED259BC}"/>
+              </a:ext>
+            </a:extLst>
+          </p:cNvPr>
+          <p:cNvCxnSpPr>
+            <a:cxnSpLocks/>
+          </p:cNvCxnSpPr>
+          <p:nvPr/>
+        </p:nvCxnSpPr>
+        <p:spPr>
+          <a:xfrm flipV="1">
+            <a:off x="6359546" y="2710088"/>
+            <a:ext cx="142893" cy="1285436"/>
+          </a:xfrm>
+          <a:prstGeom prst="straightConnector1">
+            <a:avLst/>
+          </a:prstGeom>
+          <a:ln w="57150">
+            <a:tailEnd type="triangle"/>
+          </a:ln>
+        </p:spPr>
+        <p:style>
+          <a:lnRef idx="1">
+            <a:schemeClr val="dk1"/>
+          </a:lnRef>
+          <a:fillRef idx="0">
+            <a:schemeClr val="dk1"/>
+          </a:fillRef>
+          <a:effectRef idx="0">
+            <a:schemeClr val="dk1"/>
+          </a:effectRef>
+          <a:fontRef idx="minor">
+            <a:schemeClr val="tx1"/>
+          </a:fontRef>
+        </p:style>
+      </p:cxnSp>
+      <p:cxnSp>
+        <p:nvCxnSpPr>
+          <p:cNvPr id="67" name="直線矢印コネクタ 66">
+            <a:extLst>
+              <a:ext uri="{FF2B5EF4-FFF2-40B4-BE49-F238E27FC236}">
+                <a16:creationId xmlns:a16="http://schemas.microsoft.com/office/drawing/2014/main" id="{A0579B43-B510-4F9B-AF01-8184B6F5E10B}"/>
+              </a:ext>
+            </a:extLst>
+          </p:cNvPr>
+          <p:cNvCxnSpPr>
+            <a:cxnSpLocks/>
+          </p:cNvCxnSpPr>
+          <p:nvPr/>
+        </p:nvCxnSpPr>
+        <p:spPr>
+          <a:xfrm flipV="1">
+            <a:off x="6359547" y="3527196"/>
+            <a:ext cx="599775" cy="434464"/>
+          </a:xfrm>
+          <a:prstGeom prst="straightConnector1">
+            <a:avLst/>
+          </a:prstGeom>
+          <a:ln w="57150">
+            <a:tailEnd type="triangle"/>
+          </a:ln>
+        </p:spPr>
+        <p:style>
+          <a:lnRef idx="1">
+            <a:schemeClr val="dk1"/>
+          </a:lnRef>
+          <a:fillRef idx="0">
+            <a:schemeClr val="dk1"/>
+          </a:fillRef>
+          <a:effectRef idx="0">
+            <a:schemeClr val="dk1"/>
+          </a:effectRef>
+          <a:fontRef idx="minor">
+            <a:schemeClr val="tx1"/>
+          </a:fontRef>
+        </p:style>
+      </p:cxnSp>
+      <p:cxnSp>
+        <p:nvCxnSpPr>
+          <p:cNvPr id="68" name="直線矢印コネクタ 67">
+            <a:extLst>
+              <a:ext uri="{FF2B5EF4-FFF2-40B4-BE49-F238E27FC236}">
+                <a16:creationId xmlns:a16="http://schemas.microsoft.com/office/drawing/2014/main" id="{8C8465D9-D48A-476A-84DC-9A4C152A3C96}"/>
+              </a:ext>
+            </a:extLst>
+          </p:cNvPr>
+          <p:cNvCxnSpPr>
+            <a:cxnSpLocks/>
+          </p:cNvCxnSpPr>
+          <p:nvPr/>
+        </p:nvCxnSpPr>
+        <p:spPr>
+          <a:xfrm flipH="1" flipV="1">
+            <a:off x="5850335" y="3334159"/>
+            <a:ext cx="509213" cy="638368"/>
+          </a:xfrm>
+          <a:prstGeom prst="straightConnector1">
+            <a:avLst/>
+          </a:prstGeom>
+          <a:ln w="57150">
+            <a:tailEnd type="triangle"/>
+          </a:ln>
+        </p:spPr>
+        <p:style>
+          <a:lnRef idx="1">
+            <a:schemeClr val="dk1"/>
+          </a:lnRef>
+          <a:fillRef idx="0">
+            <a:schemeClr val="dk1"/>
+          </a:fillRef>
+          <a:effectRef idx="0">
+            <a:schemeClr val="dk1"/>
+          </a:effectRef>
+          <a:fontRef idx="minor">
+            <a:schemeClr val="tx1"/>
+          </a:fontRef>
+        </p:style>
+      </p:cxnSp>
+      <p:sp>
+        <p:nvSpPr>
+          <p:cNvPr id="19" name="楕円 18">
+            <a:extLst>
+              <a:ext uri="{FF2B5EF4-FFF2-40B4-BE49-F238E27FC236}">
+                <a16:creationId xmlns:a16="http://schemas.microsoft.com/office/drawing/2014/main" id="{095A533F-AB43-49FE-AB65-C2A18736011A}"/>
+              </a:ext>
+            </a:extLst>
+          </p:cNvPr>
+          <p:cNvSpPr/>
+          <p:nvPr/>
+        </p:nvSpPr>
+        <p:spPr>
+          <a:xfrm>
+            <a:off x="7178704" y="1180719"/>
+            <a:ext cx="152400" cy="152400"/>
+          </a:xfrm>
+          <a:prstGeom prst="ellipse">
+            <a:avLst/>
+          </a:prstGeom>
+          <a:solidFill>
+            <a:schemeClr val="accent2">
+              <a:lumMod val="75000"/>
+            </a:schemeClr>
+          </a:solidFill>
+          <a:ln>
+            <a:noFill/>
+          </a:ln>
+        </p:spPr>
+        <p:style>
+          <a:lnRef idx="2">
+            <a:schemeClr val="accent1">
+              <a:shade val="50000"/>
+            </a:schemeClr>
+          </a:lnRef>
+          <a:fillRef idx="1">
+            <a:schemeClr val="accent1"/>
+          </a:fillRef>
+          <a:effectRef idx="0">
+            <a:schemeClr val="accent1"/>
+          </a:effectRef>
+          <a:fontRef idx="minor">
+            <a:schemeClr val="lt1"/>
+          </a:fontRef>
+        </p:style>
+        <p:txBody>
+          <a:bodyPr rtlCol="0" anchor="ctr"/>
+          <a:lstStyle/>
+          <a:p>
+            <a:pPr algn="ctr"/>
+            <a:endParaRPr kumimoji="1" lang="ja-JP" altLang="en-US"/>
+          </a:p>
+        </p:txBody>
+      </p:sp>
+      <p:cxnSp>
+        <p:nvCxnSpPr>
+          <p:cNvPr id="21" name="直線矢印コネクタ 20">
+            <a:extLst>
+              <a:ext uri="{FF2B5EF4-FFF2-40B4-BE49-F238E27FC236}">
+                <a16:creationId xmlns:a16="http://schemas.microsoft.com/office/drawing/2014/main" id="{425BCBAC-EB40-4932-8107-105DAB540F45}"/>
+              </a:ext>
+            </a:extLst>
+          </p:cNvPr>
+          <p:cNvCxnSpPr>
+            <a:cxnSpLocks/>
+            <a:endCxn id="19" idx="3"/>
+          </p:cNvCxnSpPr>
+          <p:nvPr/>
+        </p:nvCxnSpPr>
+        <p:spPr>
+          <a:xfrm flipV="1">
+            <a:off x="3726167" y="1310801"/>
+            <a:ext cx="3474855" cy="4936198"/>
+          </a:xfrm>
+          <a:prstGeom prst="straightConnector1">
+            <a:avLst/>
+          </a:prstGeom>
+          <a:ln w="19050">
+            <a:prstDash val="dash"/>
+            <a:tailEnd type="triangle"/>
+          </a:ln>
+        </p:spPr>
+        <p:style>
+          <a:lnRef idx="1">
+            <a:schemeClr val="dk1"/>
+          </a:lnRef>
+          <a:fillRef idx="0">
+            <a:schemeClr val="dk1"/>
+          </a:fillRef>
+          <a:effectRef idx="0">
+            <a:schemeClr val="dk1"/>
+          </a:effectRef>
+          <a:fontRef idx="minor">
+            <a:schemeClr val="tx1"/>
+          </a:fontRef>
+        </p:style>
+      </p:cxnSp>
+      <p:cxnSp>
+        <p:nvCxnSpPr>
+          <p:cNvPr id="22" name="直線矢印コネクタ 21">
+            <a:extLst>
+              <a:ext uri="{FF2B5EF4-FFF2-40B4-BE49-F238E27FC236}">
+                <a16:creationId xmlns:a16="http://schemas.microsoft.com/office/drawing/2014/main" id="{1A5DB525-B8B9-463C-872C-BE444C12CA7F}"/>
+              </a:ext>
+            </a:extLst>
+          </p:cNvPr>
+          <p:cNvCxnSpPr>
+            <a:cxnSpLocks/>
+            <a:endCxn id="19" idx="4"/>
+          </p:cNvCxnSpPr>
+          <p:nvPr/>
+        </p:nvCxnSpPr>
+        <p:spPr>
+          <a:xfrm flipV="1">
+            <a:off x="6342240" y="1333119"/>
+            <a:ext cx="912664" cy="2628542"/>
+          </a:xfrm>
+          <a:prstGeom prst="straightConnector1">
+            <a:avLst/>
+          </a:prstGeom>
+          <a:ln w="19050">
+            <a:prstDash val="dash"/>
+            <a:tailEnd type="triangle"/>
+          </a:ln>
+        </p:spPr>
+        <p:style>
+          <a:lnRef idx="1">
+            <a:schemeClr val="dk1"/>
+          </a:lnRef>
+          <a:fillRef idx="0">
+            <a:schemeClr val="dk1"/>
+          </a:fillRef>
+          <a:effectRef idx="0">
+            <a:schemeClr val="dk1"/>
+          </a:effectRef>
+          <a:fontRef idx="minor">
+            <a:schemeClr val="tx1"/>
+          </a:fontRef>
+        </p:style>
+      </p:cxnSp>
       <p:cxnSp>
         <p:nvCxnSpPr>
           <p:cNvPr id="3" name="直線矢印コネクタ 2">
@@ -3839,10 +5335,10 @@
                         </m:sSubPr>
                         <m:e>
                           <m:r>
-                            <a:rPr kumimoji="1" lang="en-US" altLang="ja-JP" sz="3200" b="0" i="1" smtClean="0">
+                            <a:rPr kumimoji="1" lang="en-US" altLang="ja-JP" sz="3200" b="1" i="1" smtClean="0">
                               <a:latin typeface="Cambria Math" panose="02040503050406030204" pitchFamily="18" charset="0"/>
                             </a:rPr>
-                            <m:t>𝑥</m:t>
+                            <m:t>𝒙</m:t>
                           </m:r>
                         </m:e>
                         <m:sub>
@@ -3861,15 +5357,15 @@
                         <m:t>=</m:t>
                       </m:r>
                       <m:r>
-                        <a:rPr kumimoji="1" lang="en-US" altLang="ja-JP" sz="3200" b="0" i="1" smtClean="0">
+                        <a:rPr kumimoji="1" lang="en-US" altLang="ja-JP" sz="3200" b="1" i="1" smtClean="0">
                           <a:latin typeface="Cambria Math" panose="02040503050406030204" pitchFamily="18" charset="0"/>
                         </a:rPr>
-                        <m:t>𝑂</m:t>
+                        <m:t>𝑶</m:t>
                       </m:r>
                     </m:oMath>
                   </m:oMathPara>
                 </a14:m>
-                <a:endParaRPr kumimoji="1" lang="ja-JP" altLang="en-US" sz="3200" dirty="0"/>
+                <a:endParaRPr kumimoji="1" lang="ja-JP" altLang="en-US" sz="3200" b="1" dirty="0"/>
               </a:p>
             </p:txBody>
           </p:sp>
@@ -4036,170 +5532,6 @@
       </mc:AlternateContent>
       <p:cxnSp>
         <p:nvCxnSpPr>
-          <p:cNvPr id="41" name="直線矢印コネクタ 40">
-            <a:extLst>
-              <a:ext uri="{FF2B5EF4-FFF2-40B4-BE49-F238E27FC236}">
-                <a16:creationId xmlns:a16="http://schemas.microsoft.com/office/drawing/2014/main" id="{FC807B0D-587C-4E50-9B84-834EB02039B5}"/>
-              </a:ext>
-            </a:extLst>
-          </p:cNvPr>
-          <p:cNvCxnSpPr>
-            <a:cxnSpLocks/>
-          </p:cNvCxnSpPr>
-          <p:nvPr/>
-        </p:nvCxnSpPr>
-        <p:spPr>
-          <a:xfrm flipH="1">
-            <a:off x="3787551" y="3948968"/>
-            <a:ext cx="2510611" cy="2127400"/>
-          </a:xfrm>
-          <a:prstGeom prst="straightConnector1">
-            <a:avLst/>
-          </a:prstGeom>
-          <a:ln w="38100">
-            <a:tailEnd type="triangle"/>
-          </a:ln>
-        </p:spPr>
-        <p:style>
-          <a:lnRef idx="1">
-            <a:schemeClr val="dk1"/>
-          </a:lnRef>
-          <a:fillRef idx="0">
-            <a:schemeClr val="dk1"/>
-          </a:fillRef>
-          <a:effectRef idx="0">
-            <a:schemeClr val="dk1"/>
-          </a:effectRef>
-          <a:fontRef idx="minor">
-            <a:schemeClr val="tx1"/>
-          </a:fontRef>
-        </p:style>
-      </p:cxnSp>
-      <mc:AlternateContent xmlns:mc="http://schemas.openxmlformats.org/markup-compatibility/2006">
-        <mc:Choice xmlns:a14="http://schemas.microsoft.com/office/drawing/2010/main" Requires="a14">
-          <p:sp>
-            <p:nvSpPr>
-              <p:cNvPr id="45" name="テキスト ボックス 44">
-                <a:extLst>
-                  <a:ext uri="{FF2B5EF4-FFF2-40B4-BE49-F238E27FC236}">
-                    <a16:creationId xmlns:a16="http://schemas.microsoft.com/office/drawing/2014/main" id="{EE6FA2DD-D3EE-4BBC-A9D2-DB5D02E6C31E}"/>
-                  </a:ext>
-                </a:extLst>
-              </p:cNvPr>
-              <p:cNvSpPr txBox="1"/>
-              <p:nvPr/>
-            </p:nvSpPr>
-            <p:spPr>
-              <a:xfrm>
-                <a:off x="5331256" y="3798205"/>
-                <a:ext cx="618567" cy="584775"/>
-              </a:xfrm>
-              <a:prstGeom prst="rect">
-                <a:avLst/>
-              </a:prstGeom>
-              <a:noFill/>
-            </p:spPr>
-            <p:txBody>
-              <a:bodyPr wrap="square" rtlCol="0">
-                <a:spAutoFit/>
-              </a:bodyPr>
-              <a:lstStyle/>
-              <a:p>
-                <a:pPr/>
-                <a14:m>
-                  <m:oMathPara xmlns:m="http://schemas.openxmlformats.org/officeDocument/2006/math">
-                    <m:oMathParaPr>
-                      <m:jc m:val="centerGroup"/>
-                    </m:oMathParaPr>
-                    <m:oMath xmlns:m="http://schemas.openxmlformats.org/officeDocument/2006/math">
-                      <m:sSubSup>
-                        <m:sSubSupPr>
-                          <m:ctrlPr>
-                            <a:rPr kumimoji="1" lang="en-US" altLang="ja-JP" sz="3200" i="1" smtClean="0">
-                              <a:latin typeface="Cambria Math" panose="02040503050406030204" pitchFamily="18" charset="0"/>
-                            </a:rPr>
-                          </m:ctrlPr>
-                        </m:sSubSupPr>
-                        <m:e>
-                          <m:r>
-                            <a:rPr kumimoji="1" lang="en-US" altLang="ja-JP" sz="3200" b="1" i="1" smtClean="0">
-                              <a:latin typeface="Cambria Math" panose="02040503050406030204" pitchFamily="18" charset="0"/>
-                            </a:rPr>
-                            <m:t>𝒙</m:t>
-                          </m:r>
-                        </m:e>
-                        <m:sub>
-                          <m:r>
-                            <a:rPr kumimoji="1" lang="en-US" altLang="ja-JP" sz="3200" b="0" i="1" smtClean="0">
-                              <a:latin typeface="Cambria Math" panose="02040503050406030204" pitchFamily="18" charset="0"/>
-                            </a:rPr>
-                            <m:t>𝑤</m:t>
-                          </m:r>
-                        </m:sub>
-                        <m:sup>
-                          <m:r>
-                            <a:rPr kumimoji="1" lang="en-US" altLang="ja-JP" sz="3200" b="0" i="1" smtClean="0">
-                              <a:latin typeface="Cambria Math" panose="02040503050406030204" pitchFamily="18" charset="0"/>
-                            </a:rPr>
-                            <m:t>′</m:t>
-                          </m:r>
-                        </m:sup>
-                      </m:sSubSup>
-                    </m:oMath>
-                  </m:oMathPara>
-                </a14:m>
-                <a:endParaRPr kumimoji="1" lang="ja-JP" altLang="en-US" sz="3200" dirty="0"/>
-              </a:p>
-            </p:txBody>
-          </p:sp>
-        </mc:Choice>
-        <mc:Fallback>
-          <p:sp>
-            <p:nvSpPr>
-              <p:cNvPr id="45" name="テキスト ボックス 44">
-                <a:extLst>
-                  <a:ext uri="{FF2B5EF4-FFF2-40B4-BE49-F238E27FC236}">
-                    <a16:creationId xmlns:a16="http://schemas.microsoft.com/office/drawing/2014/main" id="{EE6FA2DD-D3EE-4BBC-A9D2-DB5D02E6C31E}"/>
-                  </a:ext>
-                </a:extLst>
-              </p:cNvPr>
-              <p:cNvSpPr txBox="1">
-                <a:spLocks noRot="1" noChangeAspect="1" noMove="1" noResize="1" noEditPoints="1" noAdjustHandles="1" noChangeArrowheads="1" noChangeShapeType="1" noTextEdit="1"/>
-              </p:cNvSpPr>
-              <p:nvPr/>
-            </p:nvSpPr>
-            <p:spPr>
-              <a:xfrm>
-                <a:off x="5331256" y="3798205"/>
-                <a:ext cx="618567" cy="584775"/>
-              </a:xfrm>
-              <a:prstGeom prst="rect">
-                <a:avLst/>
-              </a:prstGeom>
-              <a:blipFill>
-                <a:blip r:embed="rId4"/>
-                <a:stretch>
-                  <a:fillRect/>
-                </a:stretch>
-              </a:blipFill>
-            </p:spPr>
-            <p:txBody>
-              <a:bodyPr/>
-              <a:lstStyle/>
-              <a:p>
-                <a:r>
-                  <a:rPr lang="ja-JP" altLang="en-US">
-                    <a:noFill/>
-                  </a:rPr>
-                  <a:t> </a:t>
-                </a:r>
-              </a:p>
-            </p:txBody>
-          </p:sp>
-        </mc:Fallback>
-      </mc:AlternateContent>
-      <p:cxnSp>
-        <p:nvCxnSpPr>
           <p:cNvPr id="48" name="直線矢印コネクタ 47">
             <a:extLst>
               <a:ext uri="{FF2B5EF4-FFF2-40B4-BE49-F238E27FC236}">
@@ -4243,1388 +5575,10 @@
         <mc:Choice xmlns:a14="http://schemas.microsoft.com/office/drawing/2010/main" Requires="a14">
           <p:sp>
             <p:nvSpPr>
-              <p:cNvPr id="49" name="テキスト ボックス 48">
+              <p:cNvPr id="23" name="テキスト ボックス 22">
                 <a:extLst>
                   <a:ext uri="{FF2B5EF4-FFF2-40B4-BE49-F238E27FC236}">
-                    <a16:creationId xmlns:a16="http://schemas.microsoft.com/office/drawing/2014/main" id="{5608E7D4-F0CE-427F-94E5-D04603767598}"/>
-                  </a:ext>
-                </a:extLst>
-              </p:cNvPr>
-              <p:cNvSpPr txBox="1"/>
-              <p:nvPr/>
-            </p:nvSpPr>
-            <p:spPr>
-              <a:xfrm>
-                <a:off x="6179082" y="3810221"/>
-                <a:ext cx="1896204" cy="584775"/>
-              </a:xfrm>
-              <a:prstGeom prst="rect">
-                <a:avLst/>
-              </a:prstGeom>
-              <a:noFill/>
-            </p:spPr>
-            <p:txBody>
-              <a:bodyPr wrap="square" rtlCol="0">
-                <a:spAutoFit/>
-              </a:bodyPr>
-              <a:lstStyle/>
-              <a:p>
-                <a:pPr/>
-                <a14:m>
-                  <m:oMathPara xmlns:m="http://schemas.openxmlformats.org/officeDocument/2006/math">
-                    <m:oMathParaPr>
-                      <m:jc m:val="centerGroup"/>
-                    </m:oMathParaPr>
-                    <m:oMath xmlns:m="http://schemas.openxmlformats.org/officeDocument/2006/math">
-                      <m:sSubSup>
-                        <m:sSubSupPr>
-                          <m:ctrlPr>
-                            <a:rPr kumimoji="1" lang="en-US" altLang="ja-JP" sz="3200" i="1" smtClean="0">
-                              <a:latin typeface="Cambria Math" panose="02040503050406030204" pitchFamily="18" charset="0"/>
-                            </a:rPr>
-                          </m:ctrlPr>
-                        </m:sSubSupPr>
-                        <m:e>
-                          <m:r>
-                            <a:rPr kumimoji="1" lang="en-US" altLang="ja-JP" sz="3200" b="0" i="1" smtClean="0">
-                              <a:latin typeface="Cambria Math" panose="02040503050406030204" pitchFamily="18" charset="0"/>
-                            </a:rPr>
-                            <m:t>𝑥</m:t>
-                          </m:r>
-                        </m:e>
-                        <m:sub>
-                          <m:r>
-                            <a:rPr kumimoji="1" lang="en-US" altLang="ja-JP" sz="3200" b="0" i="1" smtClean="0">
-                              <a:latin typeface="Cambria Math" panose="02040503050406030204" pitchFamily="18" charset="0"/>
-                            </a:rPr>
-                            <m:t>𝑏</m:t>
-                          </m:r>
-                        </m:sub>
-                        <m:sup>
-                          <m:r>
-                            <a:rPr kumimoji="1" lang="en-US" altLang="ja-JP" sz="3200" b="0" i="1" smtClean="0">
-                              <a:latin typeface="Cambria Math" panose="02040503050406030204" pitchFamily="18" charset="0"/>
-                            </a:rPr>
-                            <m:t>′</m:t>
-                          </m:r>
-                        </m:sup>
-                      </m:sSubSup>
-                      <m:r>
-                        <a:rPr kumimoji="1" lang="en-US" altLang="ja-JP" sz="3200" b="0" i="1" smtClean="0">
-                          <a:latin typeface="Cambria Math" panose="02040503050406030204" pitchFamily="18" charset="0"/>
-                        </a:rPr>
-                        <m:t>=</m:t>
-                      </m:r>
-                      <m:r>
-                        <a:rPr kumimoji="1" lang="en-US" altLang="ja-JP" sz="3200" b="0" i="1" smtClean="0">
-                          <a:latin typeface="Cambria Math" panose="02040503050406030204" pitchFamily="18" charset="0"/>
-                        </a:rPr>
-                        <m:t>𝑂</m:t>
-                      </m:r>
-                    </m:oMath>
-                  </m:oMathPara>
-                </a14:m>
-                <a:endParaRPr kumimoji="1" lang="ja-JP" altLang="en-US" sz="3200" dirty="0"/>
-              </a:p>
-            </p:txBody>
-          </p:sp>
-        </mc:Choice>
-        <mc:Fallback>
-          <p:sp>
-            <p:nvSpPr>
-              <p:cNvPr id="49" name="テキスト ボックス 48">
-                <a:extLst>
-                  <a:ext uri="{FF2B5EF4-FFF2-40B4-BE49-F238E27FC236}">
-                    <a16:creationId xmlns:a16="http://schemas.microsoft.com/office/drawing/2014/main" id="{5608E7D4-F0CE-427F-94E5-D04603767598}"/>
-                  </a:ext>
-                </a:extLst>
-              </p:cNvPr>
-              <p:cNvSpPr txBox="1">
-                <a:spLocks noRot="1" noChangeAspect="1" noMove="1" noResize="1" noEditPoints="1" noAdjustHandles="1" noChangeArrowheads="1" noChangeShapeType="1" noTextEdit="1"/>
-              </p:cNvSpPr>
-              <p:nvPr/>
-            </p:nvSpPr>
-            <p:spPr>
-              <a:xfrm>
-                <a:off x="6179082" y="3810221"/>
-                <a:ext cx="1896204" cy="584775"/>
-              </a:xfrm>
-              <a:prstGeom prst="rect">
-                <a:avLst/>
-              </a:prstGeom>
-              <a:blipFill>
-                <a:blip r:embed="rId5"/>
-                <a:stretch>
-                  <a:fillRect/>
-                </a:stretch>
-              </a:blipFill>
-            </p:spPr>
-            <p:txBody>
-              <a:bodyPr/>
-              <a:lstStyle/>
-              <a:p>
-                <a:r>
-                  <a:rPr lang="ja-JP" altLang="en-US">
-                    <a:noFill/>
-                  </a:rPr>
-                  <a:t> </a:t>
-                </a:r>
-              </a:p>
-            </p:txBody>
-          </p:sp>
-        </mc:Fallback>
-      </mc:AlternateContent>
-      <p:cxnSp>
-        <p:nvCxnSpPr>
-          <p:cNvPr id="66" name="直線矢印コネクタ 65">
-            <a:extLst>
-              <a:ext uri="{FF2B5EF4-FFF2-40B4-BE49-F238E27FC236}">
-                <a16:creationId xmlns:a16="http://schemas.microsoft.com/office/drawing/2014/main" id="{7E206A71-A19C-489C-8BA2-7D852ED259BC}"/>
-              </a:ext>
-            </a:extLst>
-          </p:cNvPr>
-          <p:cNvCxnSpPr>
-            <a:cxnSpLocks/>
-          </p:cNvCxnSpPr>
-          <p:nvPr/>
-        </p:nvCxnSpPr>
-        <p:spPr>
-          <a:xfrm flipV="1">
-            <a:off x="6359546" y="2710088"/>
-            <a:ext cx="142893" cy="1285436"/>
-          </a:xfrm>
-          <a:prstGeom prst="straightConnector1">
-            <a:avLst/>
-          </a:prstGeom>
-          <a:ln w="57150">
-            <a:tailEnd type="triangle"/>
-          </a:ln>
-        </p:spPr>
-        <p:style>
-          <a:lnRef idx="1">
-            <a:schemeClr val="dk1"/>
-          </a:lnRef>
-          <a:fillRef idx="0">
-            <a:schemeClr val="dk1"/>
-          </a:fillRef>
-          <a:effectRef idx="0">
-            <a:schemeClr val="dk1"/>
-          </a:effectRef>
-          <a:fontRef idx="minor">
-            <a:schemeClr val="tx1"/>
-          </a:fontRef>
-        </p:style>
-      </p:cxnSp>
-      <p:cxnSp>
-        <p:nvCxnSpPr>
-          <p:cNvPr id="67" name="直線矢印コネクタ 66">
-            <a:extLst>
-              <a:ext uri="{FF2B5EF4-FFF2-40B4-BE49-F238E27FC236}">
-                <a16:creationId xmlns:a16="http://schemas.microsoft.com/office/drawing/2014/main" id="{A0579B43-B510-4F9B-AF01-8184B6F5E10B}"/>
-              </a:ext>
-            </a:extLst>
-          </p:cNvPr>
-          <p:cNvCxnSpPr>
-            <a:cxnSpLocks/>
-          </p:cNvCxnSpPr>
-          <p:nvPr/>
-        </p:nvCxnSpPr>
-        <p:spPr>
-          <a:xfrm flipV="1">
-            <a:off x="6359547" y="3527196"/>
-            <a:ext cx="599775" cy="434464"/>
-          </a:xfrm>
-          <a:prstGeom prst="straightConnector1">
-            <a:avLst/>
-          </a:prstGeom>
-          <a:ln w="57150">
-            <a:tailEnd type="triangle"/>
-          </a:ln>
-        </p:spPr>
-        <p:style>
-          <a:lnRef idx="1">
-            <a:schemeClr val="dk1"/>
-          </a:lnRef>
-          <a:fillRef idx="0">
-            <a:schemeClr val="dk1"/>
-          </a:fillRef>
-          <a:effectRef idx="0">
-            <a:schemeClr val="dk1"/>
-          </a:effectRef>
-          <a:fontRef idx="minor">
-            <a:schemeClr val="tx1"/>
-          </a:fontRef>
-        </p:style>
-      </p:cxnSp>
-      <p:cxnSp>
-        <p:nvCxnSpPr>
-          <p:cNvPr id="68" name="直線矢印コネクタ 67">
-            <a:extLst>
-              <a:ext uri="{FF2B5EF4-FFF2-40B4-BE49-F238E27FC236}">
-                <a16:creationId xmlns:a16="http://schemas.microsoft.com/office/drawing/2014/main" id="{8C8465D9-D48A-476A-84DC-9A4C152A3C96}"/>
-              </a:ext>
-            </a:extLst>
-          </p:cNvPr>
-          <p:cNvCxnSpPr>
-            <a:cxnSpLocks/>
-          </p:cNvCxnSpPr>
-          <p:nvPr/>
-        </p:nvCxnSpPr>
-        <p:spPr>
-          <a:xfrm flipH="1" flipV="1">
-            <a:off x="5850335" y="3334159"/>
-            <a:ext cx="509213" cy="638368"/>
-          </a:xfrm>
-          <a:prstGeom prst="straightConnector1">
-            <a:avLst/>
-          </a:prstGeom>
-          <a:ln w="57150">
-            <a:tailEnd type="triangle"/>
-          </a:ln>
-        </p:spPr>
-        <p:style>
-          <a:lnRef idx="1">
-            <a:schemeClr val="dk1"/>
-          </a:lnRef>
-          <a:fillRef idx="0">
-            <a:schemeClr val="dk1"/>
-          </a:fillRef>
-          <a:effectRef idx="0">
-            <a:schemeClr val="dk1"/>
-          </a:effectRef>
-          <a:fontRef idx="minor">
-            <a:schemeClr val="tx1"/>
-          </a:fontRef>
-        </p:style>
-      </p:cxnSp>
-      <p:sp>
-        <p:nvSpPr>
-          <p:cNvPr id="2" name="正方形/長方形 1">
-            <a:extLst>
-              <a:ext uri="{FF2B5EF4-FFF2-40B4-BE49-F238E27FC236}">
-                <a16:creationId xmlns:a16="http://schemas.microsoft.com/office/drawing/2014/main" id="{22DB38B0-00D8-49A3-8CB1-ABC347C98654}"/>
-              </a:ext>
-            </a:extLst>
-          </p:cNvPr>
-          <p:cNvSpPr/>
-          <p:nvPr/>
-        </p:nvSpPr>
-        <p:spPr>
-          <a:xfrm>
-            <a:off x="1816577" y="4761386"/>
-            <a:ext cx="1896204" cy="584775"/>
-          </a:xfrm>
-          <a:prstGeom prst="rect">
-            <a:avLst/>
-          </a:prstGeom>
-          <a:solidFill>
-            <a:schemeClr val="accent1">
-              <a:lumMod val="50000"/>
-            </a:schemeClr>
-          </a:solidFill>
-          <a:ln>
-            <a:solidFill>
-              <a:schemeClr val="tx2">
-                <a:lumMod val="50000"/>
-              </a:schemeClr>
-            </a:solidFill>
-          </a:ln>
-        </p:spPr>
-        <p:style>
-          <a:lnRef idx="2">
-            <a:schemeClr val="accent1">
-              <a:shade val="50000"/>
-            </a:schemeClr>
-          </a:lnRef>
-          <a:fillRef idx="1">
-            <a:schemeClr val="accent1"/>
-          </a:fillRef>
-          <a:effectRef idx="0">
-            <a:schemeClr val="accent1"/>
-          </a:effectRef>
-          <a:fontRef idx="minor">
-            <a:schemeClr val="lt1"/>
-          </a:fontRef>
-        </p:style>
-        <p:txBody>
-          <a:bodyPr rtlCol="0" anchor="ctr"/>
-          <a:lstStyle/>
-          <a:p>
-            <a:pPr algn="ctr"/>
-            <a:r>
-              <a:rPr kumimoji="1" lang="ja-JP" altLang="en-US" sz="2400" dirty="0">
-                <a:latin typeface="ＭＳ Ｐゴシック" panose="020B0600070205080204" pitchFamily="50" charset="-128"/>
-                <a:ea typeface="ＭＳ Ｐゴシック" panose="020B0600070205080204" pitchFamily="50" charset="-128"/>
-              </a:rPr>
-              <a:t>世界座標系</a:t>
-            </a:r>
-          </a:p>
-        </p:txBody>
-      </p:sp>
-      <p:sp>
-        <p:nvSpPr>
-          <p:cNvPr id="20" name="正方形/長方形 19">
-            <a:extLst>
-              <a:ext uri="{FF2B5EF4-FFF2-40B4-BE49-F238E27FC236}">
-                <a16:creationId xmlns:a16="http://schemas.microsoft.com/office/drawing/2014/main" id="{686E6AC7-E732-43AE-96BE-AAE92851EDFB}"/>
-              </a:ext>
-            </a:extLst>
-          </p:cNvPr>
-          <p:cNvSpPr/>
-          <p:nvPr/>
-        </p:nvSpPr>
-        <p:spPr>
-          <a:xfrm>
-            <a:off x="4199566" y="2276499"/>
-            <a:ext cx="1896204" cy="584775"/>
-          </a:xfrm>
-          <a:prstGeom prst="rect">
-            <a:avLst/>
-          </a:prstGeom>
-          <a:solidFill>
-            <a:schemeClr val="accent2">
-              <a:lumMod val="75000"/>
-            </a:schemeClr>
-          </a:solidFill>
-          <a:ln>
-            <a:solidFill>
-              <a:schemeClr val="accent2">
-                <a:lumMod val="50000"/>
-              </a:schemeClr>
-            </a:solidFill>
-          </a:ln>
-        </p:spPr>
-        <p:style>
-          <a:lnRef idx="2">
-            <a:schemeClr val="accent1">
-              <a:shade val="50000"/>
-            </a:schemeClr>
-          </a:lnRef>
-          <a:fillRef idx="1">
-            <a:schemeClr val="accent1"/>
-          </a:fillRef>
-          <a:effectRef idx="0">
-            <a:schemeClr val="accent1"/>
-          </a:effectRef>
-          <a:fontRef idx="minor">
-            <a:schemeClr val="lt1"/>
-          </a:fontRef>
-        </p:style>
-        <p:txBody>
-          <a:bodyPr rtlCol="0" anchor="ctr"/>
-          <a:lstStyle/>
-          <a:p>
-            <a:pPr algn="ctr"/>
-            <a:r>
-              <a:rPr lang="ja-JP" altLang="en-US" sz="2400" dirty="0">
-                <a:latin typeface="ＭＳ Ｐゴシック" panose="020B0600070205080204" pitchFamily="50" charset="-128"/>
-                <a:ea typeface="ＭＳ Ｐゴシック" panose="020B0600070205080204" pitchFamily="50" charset="-128"/>
-              </a:rPr>
-              <a:t>体内</a:t>
-            </a:r>
-            <a:r>
-              <a:rPr kumimoji="1" lang="ja-JP" altLang="en-US" sz="2400" dirty="0">
-                <a:latin typeface="ＭＳ Ｐゴシック" panose="020B0600070205080204" pitchFamily="50" charset="-128"/>
-                <a:ea typeface="ＭＳ Ｐゴシック" panose="020B0600070205080204" pitchFamily="50" charset="-128"/>
-              </a:rPr>
-              <a:t>座標系</a:t>
-            </a:r>
-          </a:p>
-        </p:txBody>
-      </p:sp>
-      <p:sp>
-        <p:nvSpPr>
-          <p:cNvPr id="5" name="正方形/長方形 4">
-            <a:extLst>
-              <a:ext uri="{FF2B5EF4-FFF2-40B4-BE49-F238E27FC236}">
-                <a16:creationId xmlns:a16="http://schemas.microsoft.com/office/drawing/2014/main" id="{122B7469-D09F-48C7-A7BB-5F6A9038380C}"/>
-              </a:ext>
-            </a:extLst>
-          </p:cNvPr>
-          <p:cNvSpPr/>
-          <p:nvPr/>
-        </p:nvSpPr>
-        <p:spPr>
-          <a:xfrm>
-            <a:off x="1611532" y="701479"/>
-            <a:ext cx="5583420" cy="914400"/>
-          </a:xfrm>
-          <a:prstGeom prst="rect">
-            <a:avLst/>
-          </a:prstGeom>
-        </p:spPr>
-        <p:style>
-          <a:lnRef idx="2">
-            <a:schemeClr val="accent1">
-              <a:shade val="50000"/>
-            </a:schemeClr>
-          </a:lnRef>
-          <a:fillRef idx="1">
-            <a:schemeClr val="accent1"/>
-          </a:fillRef>
-          <a:effectRef idx="0">
-            <a:schemeClr val="accent1"/>
-          </a:effectRef>
-          <a:fontRef idx="minor">
-            <a:schemeClr val="lt1"/>
-          </a:fontRef>
-        </p:style>
-        <p:txBody>
-          <a:bodyPr rtlCol="0" anchor="ctr"/>
-          <a:lstStyle/>
-          <a:p>
-            <a:pPr algn="ctr"/>
-            <a:r>
-              <a:rPr kumimoji="1" lang="ja-JP" altLang="en-US" sz="2800" dirty="0">
-                <a:latin typeface="ＭＳ Ｐゴシック" panose="020B0600070205080204" pitchFamily="50" charset="-128"/>
-                <a:ea typeface="ＭＳ Ｐゴシック" panose="020B0600070205080204" pitchFamily="50" charset="-128"/>
-              </a:rPr>
-              <a:t>体内座標系の原点を世界座標系を</a:t>
-            </a:r>
-            <a:endParaRPr kumimoji="1" lang="en-US" altLang="ja-JP" sz="2800" dirty="0">
-              <a:latin typeface="ＭＳ Ｐゴシック" panose="020B0600070205080204" pitchFamily="50" charset="-128"/>
-              <a:ea typeface="ＭＳ Ｐゴシック" panose="020B0600070205080204" pitchFamily="50" charset="-128"/>
-            </a:endParaRPr>
-          </a:p>
-          <a:p>
-            <a:pPr algn="ctr"/>
-            <a:r>
-              <a:rPr kumimoji="1" lang="ja-JP" altLang="en-US" sz="2800" dirty="0">
-                <a:latin typeface="ＭＳ Ｐゴシック" panose="020B0600070205080204" pitchFamily="50" charset="-128"/>
-                <a:ea typeface="ＭＳ Ｐゴシック" panose="020B0600070205080204" pitchFamily="50" charset="-128"/>
-              </a:rPr>
-              <a:t>並進移動のみで表せる場合</a:t>
-            </a:r>
-          </a:p>
-        </p:txBody>
-      </p:sp>
-    </p:spTree>
-    <p:extLst>
-      <p:ext uri="{BB962C8B-B14F-4D97-AF65-F5344CB8AC3E}">
-        <p14:creationId xmlns:p14="http://schemas.microsoft.com/office/powerpoint/2010/main" val="3043194409"/>
-      </p:ext>
-    </p:extLst>
-  </p:cSld>
-  <p:clrMapOvr>
-    <a:masterClrMapping/>
-  </p:clrMapOvr>
-</p:sld>
-</file>
-
-<file path=ppt/slides/slide2.xml><?xml version="1.0" encoding="utf-8"?>
-<p:sld xmlns:a="http://schemas.openxmlformats.org/drawingml/2006/main" xmlns:r="http://schemas.openxmlformats.org/officeDocument/2006/relationships" xmlns:p="http://schemas.openxmlformats.org/presentationml/2006/main">
-  <p:cSld>
-    <p:spTree>
-      <p:nvGrpSpPr>
-        <p:cNvPr id="1" name=""/>
-        <p:cNvGrpSpPr/>
-        <p:nvPr/>
-      </p:nvGrpSpPr>
-      <p:grpSpPr>
-        <a:xfrm>
-          <a:off x="0" y="0"/>
-          <a:ext cx="0" cy="0"/>
-          <a:chOff x="0" y="0"/>
-          <a:chExt cx="0" cy="0"/>
-        </a:xfrm>
-      </p:grpSpPr>
-      <p:sp>
-        <p:nvSpPr>
-          <p:cNvPr id="78" name="直方体 77">
-            <a:extLst>
-              <a:ext uri="{FF2B5EF4-FFF2-40B4-BE49-F238E27FC236}">
-                <a16:creationId xmlns:a16="http://schemas.microsoft.com/office/drawing/2014/main" id="{405F62F8-935D-46E9-B552-D930F1E1756F}"/>
-              </a:ext>
-            </a:extLst>
-          </p:cNvPr>
-          <p:cNvSpPr/>
-          <p:nvPr/>
-        </p:nvSpPr>
-        <p:spPr>
-          <a:xfrm rot="3126979" flipV="1">
-            <a:off x="5890742" y="2956826"/>
-            <a:ext cx="947832" cy="769459"/>
-          </a:xfrm>
-          <a:prstGeom prst="cube">
-            <a:avLst>
-              <a:gd name="adj" fmla="val 43413"/>
-            </a:avLst>
-          </a:prstGeom>
-        </p:spPr>
-        <p:style>
-          <a:lnRef idx="2">
-            <a:schemeClr val="accent1">
-              <a:shade val="50000"/>
-            </a:schemeClr>
-          </a:lnRef>
-          <a:fillRef idx="1">
-            <a:schemeClr val="accent1"/>
-          </a:fillRef>
-          <a:effectRef idx="0">
-            <a:schemeClr val="accent1"/>
-          </a:effectRef>
-          <a:fontRef idx="minor">
-            <a:schemeClr val="lt1"/>
-          </a:fontRef>
-        </p:style>
-        <p:txBody>
-          <a:bodyPr rtlCol="0" anchor="ctr"/>
-          <a:lstStyle/>
-          <a:p>
-            <a:pPr algn="ctr"/>
-            <a:endParaRPr kumimoji="1" lang="ja-JP" altLang="en-US"/>
-          </a:p>
-        </p:txBody>
-      </p:sp>
-      <p:cxnSp>
-        <p:nvCxnSpPr>
-          <p:cNvPr id="3" name="直線矢印コネクタ 2">
-            <a:extLst>
-              <a:ext uri="{FF2B5EF4-FFF2-40B4-BE49-F238E27FC236}">
-                <a16:creationId xmlns:a16="http://schemas.microsoft.com/office/drawing/2014/main" id="{334C7DD2-3D40-4FC1-8A27-096B14791D43}"/>
-              </a:ext>
-            </a:extLst>
-          </p:cNvPr>
-          <p:cNvCxnSpPr>
-            <a:cxnSpLocks/>
-          </p:cNvCxnSpPr>
-          <p:nvPr/>
-        </p:nvCxnSpPr>
-        <p:spPr>
-          <a:xfrm flipV="1">
-            <a:off x="3743473" y="4242817"/>
-            <a:ext cx="230601" cy="2004182"/>
-          </a:xfrm>
-          <a:prstGeom prst="straightConnector1">
-            <a:avLst/>
-          </a:prstGeom>
-          <a:ln w="76200">
-            <a:tailEnd type="triangle"/>
-          </a:ln>
-        </p:spPr>
-        <p:style>
-          <a:lnRef idx="1">
-            <a:schemeClr val="dk1"/>
-          </a:lnRef>
-          <a:fillRef idx="0">
-            <a:schemeClr val="dk1"/>
-          </a:fillRef>
-          <a:effectRef idx="0">
-            <a:schemeClr val="dk1"/>
-          </a:effectRef>
-          <a:fontRef idx="minor">
-            <a:schemeClr val="tx1"/>
-          </a:fontRef>
-        </p:style>
-      </p:cxnSp>
-      <p:cxnSp>
-        <p:nvCxnSpPr>
-          <p:cNvPr id="4" name="直線矢印コネクタ 3">
-            <a:extLst>
-              <a:ext uri="{FF2B5EF4-FFF2-40B4-BE49-F238E27FC236}">
-                <a16:creationId xmlns:a16="http://schemas.microsoft.com/office/drawing/2014/main" id="{EE2CD5A7-5E87-4C84-A825-8874C31F4BA4}"/>
-              </a:ext>
-            </a:extLst>
-          </p:cNvPr>
-          <p:cNvCxnSpPr>
-            <a:cxnSpLocks/>
-          </p:cNvCxnSpPr>
-          <p:nvPr/>
-        </p:nvCxnSpPr>
-        <p:spPr>
-          <a:xfrm flipV="1">
-            <a:off x="3736374" y="5589531"/>
-            <a:ext cx="964742" cy="698835"/>
-          </a:xfrm>
-          <a:prstGeom prst="straightConnector1">
-            <a:avLst/>
-          </a:prstGeom>
-          <a:ln w="76200">
-            <a:tailEnd type="triangle"/>
-          </a:ln>
-        </p:spPr>
-        <p:style>
-          <a:lnRef idx="1">
-            <a:schemeClr val="dk1"/>
-          </a:lnRef>
-          <a:fillRef idx="0">
-            <a:schemeClr val="dk1"/>
-          </a:fillRef>
-          <a:effectRef idx="0">
-            <a:schemeClr val="dk1"/>
-          </a:effectRef>
-          <a:fontRef idx="minor">
-            <a:schemeClr val="tx1"/>
-          </a:fontRef>
-        </p:style>
-      </p:cxnSp>
-      <p:cxnSp>
-        <p:nvCxnSpPr>
-          <p:cNvPr id="12" name="直線矢印コネクタ 11">
-            <a:extLst>
-              <a:ext uri="{FF2B5EF4-FFF2-40B4-BE49-F238E27FC236}">
-                <a16:creationId xmlns:a16="http://schemas.microsoft.com/office/drawing/2014/main" id="{010634AD-3684-4FB4-84B7-D5AE3F858DE4}"/>
-              </a:ext>
-            </a:extLst>
-          </p:cNvPr>
-          <p:cNvCxnSpPr>
-            <a:cxnSpLocks/>
-          </p:cNvCxnSpPr>
-          <p:nvPr/>
-        </p:nvCxnSpPr>
-        <p:spPr>
-          <a:xfrm flipH="1" flipV="1">
-            <a:off x="3075517" y="5470759"/>
-            <a:ext cx="660857" cy="828475"/>
-          </a:xfrm>
-          <a:prstGeom prst="straightConnector1">
-            <a:avLst/>
-          </a:prstGeom>
-          <a:ln w="76200">
-            <a:tailEnd type="triangle"/>
-          </a:ln>
-        </p:spPr>
-        <p:style>
-          <a:lnRef idx="1">
-            <a:schemeClr val="dk1"/>
-          </a:lnRef>
-          <a:fillRef idx="0">
-            <a:schemeClr val="dk1"/>
-          </a:fillRef>
-          <a:effectRef idx="0">
-            <a:schemeClr val="dk1"/>
-          </a:effectRef>
-          <a:fontRef idx="minor">
-            <a:schemeClr val="tx1"/>
-          </a:fontRef>
-        </p:style>
-      </p:cxnSp>
-      <mc:AlternateContent xmlns:mc="http://schemas.openxmlformats.org/markup-compatibility/2006">
-        <mc:Choice xmlns:a14="http://schemas.microsoft.com/office/drawing/2010/main" Requires="a14">
-          <p:sp>
-            <p:nvSpPr>
-              <p:cNvPr id="37" name="テキスト ボックス 36">
-                <a:extLst>
-                  <a:ext uri="{FF2B5EF4-FFF2-40B4-BE49-F238E27FC236}">
-                    <a16:creationId xmlns:a16="http://schemas.microsoft.com/office/drawing/2014/main" id="{E25DB52F-F35D-47E2-A696-21736FAB75CC}"/>
-                  </a:ext>
-                </a:extLst>
-              </p:cNvPr>
-              <p:cNvSpPr txBox="1"/>
-              <p:nvPr/>
-            </p:nvSpPr>
-            <p:spPr>
-              <a:xfrm>
-                <a:off x="3405945" y="6165285"/>
-                <a:ext cx="1994595" cy="584775"/>
-              </a:xfrm>
-              <a:prstGeom prst="rect">
-                <a:avLst/>
-              </a:prstGeom>
-              <a:noFill/>
-            </p:spPr>
-            <p:txBody>
-              <a:bodyPr wrap="square" rtlCol="0">
-                <a:spAutoFit/>
-              </a:bodyPr>
-              <a:lstStyle/>
-              <a:p>
-                <a14:m>
-                  <m:oMathPara xmlns:m="http://schemas.openxmlformats.org/officeDocument/2006/math">
-                    <m:oMathParaPr>
-                      <m:jc m:val="centerGroup"/>
-                    </m:oMathParaPr>
-                    <m:oMath xmlns:m="http://schemas.openxmlformats.org/officeDocument/2006/math">
-                      <m:sSub>
-                        <m:sSubPr>
-                          <m:ctrlPr>
-                            <a:rPr kumimoji="1" lang="en-US" altLang="ja-JP" sz="3200" b="0" i="1" smtClean="0">
-                              <a:latin typeface="Cambria Math" panose="02040503050406030204" pitchFamily="18" charset="0"/>
-                            </a:rPr>
-                          </m:ctrlPr>
-                        </m:sSubPr>
-                        <m:e>
-                          <m:r>
-                            <a:rPr kumimoji="1" lang="en-US" altLang="ja-JP" sz="3200" b="0" i="1" smtClean="0">
-                              <a:latin typeface="Cambria Math" panose="02040503050406030204" pitchFamily="18" charset="0"/>
-                            </a:rPr>
-                            <m:t>𝑥</m:t>
-                          </m:r>
-                        </m:e>
-                        <m:sub>
-                          <m:r>
-                            <a:rPr kumimoji="1" lang="en-US" altLang="ja-JP" sz="3200" b="0" i="1" smtClean="0">
-                              <a:latin typeface="Cambria Math" panose="02040503050406030204" pitchFamily="18" charset="0"/>
-                            </a:rPr>
-                            <m:t>𝑤</m:t>
-                          </m:r>
-                        </m:sub>
-                      </m:sSub>
-                      <m:r>
-                        <a:rPr kumimoji="1" lang="en-US" altLang="ja-JP" sz="3200" b="0" i="1" smtClean="0">
-                          <a:latin typeface="Cambria Math" panose="02040503050406030204" pitchFamily="18" charset="0"/>
-                        </a:rPr>
-                        <m:t>=</m:t>
-                      </m:r>
-                      <m:r>
-                        <a:rPr kumimoji="1" lang="en-US" altLang="ja-JP" sz="3200" b="0" i="1" smtClean="0">
-                          <a:latin typeface="Cambria Math" panose="02040503050406030204" pitchFamily="18" charset="0"/>
-                        </a:rPr>
-                        <m:t>𝑂</m:t>
-                      </m:r>
-                    </m:oMath>
-                  </m:oMathPara>
-                </a14:m>
-                <a:endParaRPr kumimoji="1" lang="ja-JP" altLang="en-US" sz="3200" dirty="0"/>
-              </a:p>
-            </p:txBody>
-          </p:sp>
-        </mc:Choice>
-        <mc:Fallback>
-          <p:sp>
-            <p:nvSpPr>
-              <p:cNvPr id="37" name="テキスト ボックス 36">
-                <a:extLst>
-                  <a:ext uri="{FF2B5EF4-FFF2-40B4-BE49-F238E27FC236}">
-                    <a16:creationId xmlns:a16="http://schemas.microsoft.com/office/drawing/2014/main" id="{E25DB52F-F35D-47E2-A696-21736FAB75CC}"/>
-                  </a:ext>
-                </a:extLst>
-              </p:cNvPr>
-              <p:cNvSpPr txBox="1">
-                <a:spLocks noRot="1" noChangeAspect="1" noMove="1" noResize="1" noEditPoints="1" noAdjustHandles="1" noChangeArrowheads="1" noChangeShapeType="1" noTextEdit="1"/>
-              </p:cNvSpPr>
-              <p:nvPr/>
-            </p:nvSpPr>
-            <p:spPr>
-              <a:xfrm>
-                <a:off x="3405945" y="6165285"/>
-                <a:ext cx="1994595" cy="584775"/>
-              </a:xfrm>
-              <a:prstGeom prst="rect">
-                <a:avLst/>
-              </a:prstGeom>
-              <a:blipFill>
-                <a:blip r:embed="rId2"/>
-                <a:stretch>
-                  <a:fillRect/>
-                </a:stretch>
-              </a:blipFill>
-            </p:spPr>
-            <p:txBody>
-              <a:bodyPr/>
-              <a:lstStyle/>
-              <a:p>
-                <a:r>
-                  <a:rPr lang="ja-JP" altLang="en-US">
-                    <a:noFill/>
-                  </a:rPr>
-                  <a:t> </a:t>
-                </a:r>
-              </a:p>
-            </p:txBody>
-          </p:sp>
-        </mc:Fallback>
-      </mc:AlternateContent>
-      <mc:AlternateContent xmlns:mc="http://schemas.openxmlformats.org/markup-compatibility/2006">
-        <mc:Choice xmlns:a14="http://schemas.microsoft.com/office/drawing/2010/main" Requires="a14">
-          <p:sp>
-            <p:nvSpPr>
-              <p:cNvPr id="38" name="テキスト ボックス 37">
-                <a:extLst>
-                  <a:ext uri="{FF2B5EF4-FFF2-40B4-BE49-F238E27FC236}">
-                    <a16:creationId xmlns:a16="http://schemas.microsoft.com/office/drawing/2014/main" id="{CD60469F-BB40-48BD-A576-7AEA551A928C}"/>
-                  </a:ext>
-                </a:extLst>
-              </p:cNvPr>
-              <p:cNvSpPr txBox="1"/>
-              <p:nvPr/>
-            </p:nvSpPr>
-            <p:spPr>
-              <a:xfrm>
-                <a:off x="5292849" y="4622006"/>
-                <a:ext cx="618567" cy="584775"/>
-              </a:xfrm>
-              <a:prstGeom prst="rect">
-                <a:avLst/>
-              </a:prstGeom>
-              <a:noFill/>
-            </p:spPr>
-            <p:txBody>
-              <a:bodyPr wrap="square" rtlCol="0">
-                <a:spAutoFit/>
-              </a:bodyPr>
-              <a:lstStyle/>
-              <a:p>
-                <a14:m>
-                  <m:oMathPara xmlns:m="http://schemas.openxmlformats.org/officeDocument/2006/math">
-                    <m:oMathParaPr>
-                      <m:jc m:val="centerGroup"/>
-                    </m:oMathParaPr>
-                    <m:oMath xmlns:m="http://schemas.openxmlformats.org/officeDocument/2006/math">
-                      <m:sSub>
-                        <m:sSubPr>
-                          <m:ctrlPr>
-                            <a:rPr kumimoji="1" lang="en-US" altLang="ja-JP" sz="3200" b="0" i="1" smtClean="0">
-                              <a:latin typeface="Cambria Math" panose="02040503050406030204" pitchFamily="18" charset="0"/>
-                            </a:rPr>
-                          </m:ctrlPr>
-                        </m:sSubPr>
-                        <m:e>
-                          <m:r>
-                            <a:rPr kumimoji="1" lang="en-US" altLang="ja-JP" sz="3200" b="1" i="1" smtClean="0">
-                              <a:latin typeface="Cambria Math" panose="02040503050406030204" pitchFamily="18" charset="0"/>
-                            </a:rPr>
-                            <m:t>𝒙</m:t>
-                          </m:r>
-                        </m:e>
-                        <m:sub>
-                          <m:r>
-                            <a:rPr kumimoji="1" lang="en-US" altLang="ja-JP" sz="3200" b="0" i="1" smtClean="0">
-                              <a:latin typeface="Cambria Math" panose="02040503050406030204" pitchFamily="18" charset="0"/>
-                            </a:rPr>
-                            <m:t>𝑏</m:t>
-                          </m:r>
-                        </m:sub>
-                      </m:sSub>
-                    </m:oMath>
-                  </m:oMathPara>
-                </a14:m>
-                <a:endParaRPr kumimoji="1" lang="ja-JP" altLang="en-US" sz="3200" dirty="0"/>
-              </a:p>
-            </p:txBody>
-          </p:sp>
-        </mc:Choice>
-        <mc:Fallback>
-          <p:sp>
-            <p:nvSpPr>
-              <p:cNvPr id="38" name="テキスト ボックス 37">
-                <a:extLst>
-                  <a:ext uri="{FF2B5EF4-FFF2-40B4-BE49-F238E27FC236}">
-                    <a16:creationId xmlns:a16="http://schemas.microsoft.com/office/drawing/2014/main" id="{CD60469F-BB40-48BD-A576-7AEA551A928C}"/>
-                  </a:ext>
-                </a:extLst>
-              </p:cNvPr>
-              <p:cNvSpPr txBox="1">
-                <a:spLocks noRot="1" noChangeAspect="1" noMove="1" noResize="1" noEditPoints="1" noAdjustHandles="1" noChangeArrowheads="1" noChangeShapeType="1" noTextEdit="1"/>
-              </p:cNvSpPr>
-              <p:nvPr/>
-            </p:nvSpPr>
-            <p:spPr>
-              <a:xfrm>
-                <a:off x="5292849" y="4622006"/>
-                <a:ext cx="618567" cy="584775"/>
-              </a:xfrm>
-              <a:prstGeom prst="rect">
-                <a:avLst/>
-              </a:prstGeom>
-              <a:blipFill>
-                <a:blip r:embed="rId3"/>
-                <a:stretch>
-                  <a:fillRect/>
-                </a:stretch>
-              </a:blipFill>
-            </p:spPr>
-            <p:txBody>
-              <a:bodyPr/>
-              <a:lstStyle/>
-              <a:p>
-                <a:r>
-                  <a:rPr lang="ja-JP" altLang="en-US">
-                    <a:noFill/>
-                  </a:rPr>
-                  <a:t> </a:t>
-                </a:r>
-              </a:p>
-            </p:txBody>
-          </p:sp>
-        </mc:Fallback>
-      </mc:AlternateContent>
-      <p:cxnSp>
-        <p:nvCxnSpPr>
-          <p:cNvPr id="41" name="直線矢印コネクタ 40">
-            <a:extLst>
-              <a:ext uri="{FF2B5EF4-FFF2-40B4-BE49-F238E27FC236}">
-                <a16:creationId xmlns:a16="http://schemas.microsoft.com/office/drawing/2014/main" id="{FC807B0D-587C-4E50-9B84-834EB02039B5}"/>
-              </a:ext>
-            </a:extLst>
-          </p:cNvPr>
-          <p:cNvCxnSpPr>
-            <a:cxnSpLocks/>
-          </p:cNvCxnSpPr>
-          <p:nvPr/>
-        </p:nvCxnSpPr>
-        <p:spPr>
-          <a:xfrm flipH="1">
-            <a:off x="3787551" y="3948968"/>
-            <a:ext cx="2510611" cy="2127400"/>
-          </a:xfrm>
-          <a:prstGeom prst="straightConnector1">
-            <a:avLst/>
-          </a:prstGeom>
-          <a:ln w="38100">
-            <a:tailEnd type="triangle"/>
-          </a:ln>
-        </p:spPr>
-        <p:style>
-          <a:lnRef idx="1">
-            <a:schemeClr val="dk1"/>
-          </a:lnRef>
-          <a:fillRef idx="0">
-            <a:schemeClr val="dk1"/>
-          </a:fillRef>
-          <a:effectRef idx="0">
-            <a:schemeClr val="dk1"/>
-          </a:effectRef>
-          <a:fontRef idx="minor">
-            <a:schemeClr val="tx1"/>
-          </a:fontRef>
-        </p:style>
-      </p:cxnSp>
-      <mc:AlternateContent xmlns:mc="http://schemas.openxmlformats.org/markup-compatibility/2006">
-        <mc:Choice xmlns:a14="http://schemas.microsoft.com/office/drawing/2010/main" Requires="a14">
-          <p:sp>
-            <p:nvSpPr>
-              <p:cNvPr id="45" name="テキスト ボックス 44">
-                <a:extLst>
-                  <a:ext uri="{FF2B5EF4-FFF2-40B4-BE49-F238E27FC236}">
-                    <a16:creationId xmlns:a16="http://schemas.microsoft.com/office/drawing/2014/main" id="{EE6FA2DD-D3EE-4BBC-A9D2-DB5D02E6C31E}"/>
-                  </a:ext>
-                </a:extLst>
-              </p:cNvPr>
-              <p:cNvSpPr txBox="1"/>
-              <p:nvPr/>
-            </p:nvSpPr>
-            <p:spPr>
-              <a:xfrm>
-                <a:off x="5331256" y="3798205"/>
-                <a:ext cx="618567" cy="584775"/>
-              </a:xfrm>
-              <a:prstGeom prst="rect">
-                <a:avLst/>
-              </a:prstGeom>
-              <a:noFill/>
-            </p:spPr>
-            <p:txBody>
-              <a:bodyPr wrap="square" rtlCol="0">
-                <a:spAutoFit/>
-              </a:bodyPr>
-              <a:lstStyle/>
-              <a:p>
-                <a14:m>
-                  <m:oMathPara xmlns:m="http://schemas.openxmlformats.org/officeDocument/2006/math">
-                    <m:oMathParaPr>
-                      <m:jc m:val="centerGroup"/>
-                    </m:oMathParaPr>
-                    <m:oMath xmlns:m="http://schemas.openxmlformats.org/officeDocument/2006/math">
-                      <m:sSubSup>
-                        <m:sSubSupPr>
-                          <m:ctrlPr>
-                            <a:rPr kumimoji="1" lang="en-US" altLang="ja-JP" sz="3200" i="1" smtClean="0">
-                              <a:latin typeface="Cambria Math" panose="02040503050406030204" pitchFamily="18" charset="0"/>
-                            </a:rPr>
-                          </m:ctrlPr>
-                        </m:sSubSupPr>
-                        <m:e>
-                          <m:r>
-                            <a:rPr kumimoji="1" lang="en-US" altLang="ja-JP" sz="3200" b="1" i="1" smtClean="0">
-                              <a:latin typeface="Cambria Math" panose="02040503050406030204" pitchFamily="18" charset="0"/>
-                            </a:rPr>
-                            <m:t>𝒙</m:t>
-                          </m:r>
-                        </m:e>
-                        <m:sub>
-                          <m:r>
-                            <a:rPr kumimoji="1" lang="en-US" altLang="ja-JP" sz="3200" b="0" i="1" smtClean="0">
-                              <a:latin typeface="Cambria Math" panose="02040503050406030204" pitchFamily="18" charset="0"/>
-                            </a:rPr>
-                            <m:t>𝑤</m:t>
-                          </m:r>
-                        </m:sub>
-                        <m:sup>
-                          <m:r>
-                            <a:rPr kumimoji="1" lang="en-US" altLang="ja-JP" sz="3200" b="0" i="1" smtClean="0">
-                              <a:latin typeface="Cambria Math" panose="02040503050406030204" pitchFamily="18" charset="0"/>
-                            </a:rPr>
-                            <m:t>′</m:t>
-                          </m:r>
-                        </m:sup>
-                      </m:sSubSup>
-                    </m:oMath>
-                  </m:oMathPara>
-                </a14:m>
-                <a:endParaRPr kumimoji="1" lang="ja-JP" altLang="en-US" sz="3200" dirty="0"/>
-              </a:p>
-            </p:txBody>
-          </p:sp>
-        </mc:Choice>
-        <mc:Fallback>
-          <p:sp>
-            <p:nvSpPr>
-              <p:cNvPr id="45" name="テキスト ボックス 44">
-                <a:extLst>
-                  <a:ext uri="{FF2B5EF4-FFF2-40B4-BE49-F238E27FC236}">
-                    <a16:creationId xmlns:a16="http://schemas.microsoft.com/office/drawing/2014/main" id="{EE6FA2DD-D3EE-4BBC-A9D2-DB5D02E6C31E}"/>
-                  </a:ext>
-                </a:extLst>
-              </p:cNvPr>
-              <p:cNvSpPr txBox="1">
-                <a:spLocks noRot="1" noChangeAspect="1" noMove="1" noResize="1" noEditPoints="1" noAdjustHandles="1" noChangeArrowheads="1" noChangeShapeType="1" noTextEdit="1"/>
-              </p:cNvSpPr>
-              <p:nvPr/>
-            </p:nvSpPr>
-            <p:spPr>
-              <a:xfrm>
-                <a:off x="5331256" y="3798205"/>
-                <a:ext cx="618567" cy="584775"/>
-              </a:xfrm>
-              <a:prstGeom prst="rect">
-                <a:avLst/>
-              </a:prstGeom>
-              <a:blipFill>
-                <a:blip r:embed="rId4"/>
-                <a:stretch>
-                  <a:fillRect/>
-                </a:stretch>
-              </a:blipFill>
-            </p:spPr>
-            <p:txBody>
-              <a:bodyPr/>
-              <a:lstStyle/>
-              <a:p>
-                <a:r>
-                  <a:rPr lang="ja-JP" altLang="en-US">
-                    <a:noFill/>
-                  </a:rPr>
-                  <a:t> </a:t>
-                </a:r>
-              </a:p>
-            </p:txBody>
-          </p:sp>
-        </mc:Fallback>
-      </mc:AlternateContent>
-      <p:cxnSp>
-        <p:nvCxnSpPr>
-          <p:cNvPr id="48" name="直線矢印コネクタ 47">
-            <a:extLst>
-              <a:ext uri="{FF2B5EF4-FFF2-40B4-BE49-F238E27FC236}">
-                <a16:creationId xmlns:a16="http://schemas.microsoft.com/office/drawing/2014/main" id="{DD4396AF-B7E5-4513-ABC2-15EFAD9FCEA5}"/>
-              </a:ext>
-            </a:extLst>
-          </p:cNvPr>
-          <p:cNvCxnSpPr>
-            <a:cxnSpLocks/>
-          </p:cNvCxnSpPr>
-          <p:nvPr/>
-        </p:nvCxnSpPr>
-        <p:spPr>
-          <a:xfrm flipV="1">
-            <a:off x="3848935" y="3982834"/>
-            <a:ext cx="2564101" cy="2141881"/>
-          </a:xfrm>
-          <a:prstGeom prst="straightConnector1">
-            <a:avLst/>
-          </a:prstGeom>
-          <a:ln w="38100">
-            <a:tailEnd type="triangle"/>
-          </a:ln>
-        </p:spPr>
-        <p:style>
-          <a:lnRef idx="1">
-            <a:schemeClr val="dk1"/>
-          </a:lnRef>
-          <a:fillRef idx="0">
-            <a:schemeClr val="dk1"/>
-          </a:fillRef>
-          <a:effectRef idx="0">
-            <a:schemeClr val="dk1"/>
-          </a:effectRef>
-          <a:fontRef idx="minor">
-            <a:schemeClr val="tx1"/>
-          </a:fontRef>
-        </p:style>
-      </p:cxnSp>
-      <mc:AlternateContent xmlns:mc="http://schemas.openxmlformats.org/markup-compatibility/2006">
-        <mc:Choice xmlns:a14="http://schemas.microsoft.com/office/drawing/2010/main" Requires="a14">
-          <p:sp>
-            <p:nvSpPr>
-              <p:cNvPr id="49" name="テキスト ボックス 48">
-                <a:extLst>
-                  <a:ext uri="{FF2B5EF4-FFF2-40B4-BE49-F238E27FC236}">
-                    <a16:creationId xmlns:a16="http://schemas.microsoft.com/office/drawing/2014/main" id="{5608E7D4-F0CE-427F-94E5-D04603767598}"/>
-                  </a:ext>
-                </a:extLst>
-              </p:cNvPr>
-              <p:cNvSpPr txBox="1"/>
-              <p:nvPr/>
-            </p:nvSpPr>
-            <p:spPr>
-              <a:xfrm>
-                <a:off x="6179082" y="3810221"/>
-                <a:ext cx="1896204" cy="584775"/>
-              </a:xfrm>
-              <a:prstGeom prst="rect">
-                <a:avLst/>
-              </a:prstGeom>
-              <a:noFill/>
-            </p:spPr>
-            <p:txBody>
-              <a:bodyPr wrap="square" rtlCol="0">
-                <a:spAutoFit/>
-              </a:bodyPr>
-              <a:lstStyle/>
-              <a:p>
-                <a14:m>
-                  <m:oMathPara xmlns:m="http://schemas.openxmlformats.org/officeDocument/2006/math">
-                    <m:oMathParaPr>
-                      <m:jc m:val="centerGroup"/>
-                    </m:oMathParaPr>
-                    <m:oMath xmlns:m="http://schemas.openxmlformats.org/officeDocument/2006/math">
-                      <m:sSubSup>
-                        <m:sSubSupPr>
-                          <m:ctrlPr>
-                            <a:rPr kumimoji="1" lang="en-US" altLang="ja-JP" sz="3200" i="1" smtClean="0">
-                              <a:latin typeface="Cambria Math" panose="02040503050406030204" pitchFamily="18" charset="0"/>
-                            </a:rPr>
-                          </m:ctrlPr>
-                        </m:sSubSupPr>
-                        <m:e>
-                          <m:r>
-                            <a:rPr kumimoji="1" lang="en-US" altLang="ja-JP" sz="3200" b="0" i="1" smtClean="0">
-                              <a:latin typeface="Cambria Math" panose="02040503050406030204" pitchFamily="18" charset="0"/>
-                            </a:rPr>
-                            <m:t>𝑥</m:t>
-                          </m:r>
-                        </m:e>
-                        <m:sub>
-                          <m:r>
-                            <a:rPr kumimoji="1" lang="en-US" altLang="ja-JP" sz="3200" b="0" i="1" smtClean="0">
-                              <a:latin typeface="Cambria Math" panose="02040503050406030204" pitchFamily="18" charset="0"/>
-                            </a:rPr>
-                            <m:t>𝑏</m:t>
-                          </m:r>
-                        </m:sub>
-                        <m:sup>
-                          <m:r>
-                            <a:rPr kumimoji="1" lang="en-US" altLang="ja-JP" sz="3200" b="0" i="1" smtClean="0">
-                              <a:latin typeface="Cambria Math" panose="02040503050406030204" pitchFamily="18" charset="0"/>
-                            </a:rPr>
-                            <m:t>′</m:t>
-                          </m:r>
-                        </m:sup>
-                      </m:sSubSup>
-                      <m:r>
-                        <a:rPr kumimoji="1" lang="en-US" altLang="ja-JP" sz="3200" b="0" i="1" smtClean="0">
-                          <a:latin typeface="Cambria Math" panose="02040503050406030204" pitchFamily="18" charset="0"/>
-                        </a:rPr>
-                        <m:t>=</m:t>
-                      </m:r>
-                      <m:r>
-                        <a:rPr kumimoji="1" lang="en-US" altLang="ja-JP" sz="3200" b="0" i="1" smtClean="0">
-                          <a:latin typeface="Cambria Math" panose="02040503050406030204" pitchFamily="18" charset="0"/>
-                        </a:rPr>
-                        <m:t>𝑂</m:t>
-                      </m:r>
-                    </m:oMath>
-                  </m:oMathPara>
-                </a14:m>
-                <a:endParaRPr kumimoji="1" lang="ja-JP" altLang="en-US" sz="3200" dirty="0"/>
-              </a:p>
-            </p:txBody>
-          </p:sp>
-        </mc:Choice>
-        <mc:Fallback>
-          <p:sp>
-            <p:nvSpPr>
-              <p:cNvPr id="49" name="テキスト ボックス 48">
-                <a:extLst>
-                  <a:ext uri="{FF2B5EF4-FFF2-40B4-BE49-F238E27FC236}">
-                    <a16:creationId xmlns:a16="http://schemas.microsoft.com/office/drawing/2014/main" id="{5608E7D4-F0CE-427F-94E5-D04603767598}"/>
-                  </a:ext>
-                </a:extLst>
-              </p:cNvPr>
-              <p:cNvSpPr txBox="1">
-                <a:spLocks noRot="1" noChangeAspect="1" noMove="1" noResize="1" noEditPoints="1" noAdjustHandles="1" noChangeArrowheads="1" noChangeShapeType="1" noTextEdit="1"/>
-              </p:cNvSpPr>
-              <p:nvPr/>
-            </p:nvSpPr>
-            <p:spPr>
-              <a:xfrm>
-                <a:off x="6179082" y="3810221"/>
-                <a:ext cx="1896204" cy="584775"/>
-              </a:xfrm>
-              <a:prstGeom prst="rect">
-                <a:avLst/>
-              </a:prstGeom>
-              <a:blipFill>
-                <a:blip r:embed="rId5"/>
-                <a:stretch>
-                  <a:fillRect/>
-                </a:stretch>
-              </a:blipFill>
-            </p:spPr>
-            <p:txBody>
-              <a:bodyPr/>
-              <a:lstStyle/>
-              <a:p>
-                <a:r>
-                  <a:rPr lang="ja-JP" altLang="en-US">
-                    <a:noFill/>
-                  </a:rPr>
-                  <a:t> </a:t>
-                </a:r>
-              </a:p>
-            </p:txBody>
-          </p:sp>
-        </mc:Fallback>
-      </mc:AlternateContent>
-      <p:sp>
-        <p:nvSpPr>
-          <p:cNvPr id="50" name="楕円 49">
-            <a:extLst>
-              <a:ext uri="{FF2B5EF4-FFF2-40B4-BE49-F238E27FC236}">
-                <a16:creationId xmlns:a16="http://schemas.microsoft.com/office/drawing/2014/main" id="{7BA2705C-CE05-4D35-98FC-319D99E08F58}"/>
-              </a:ext>
-            </a:extLst>
-          </p:cNvPr>
-          <p:cNvSpPr/>
-          <p:nvPr/>
-        </p:nvSpPr>
-        <p:spPr>
-          <a:xfrm>
-            <a:off x="7178704" y="1180719"/>
-            <a:ext cx="152400" cy="152400"/>
-          </a:xfrm>
-          <a:prstGeom prst="ellipse">
-            <a:avLst/>
-          </a:prstGeom>
-          <a:solidFill>
-            <a:schemeClr val="accent2">
-              <a:lumMod val="75000"/>
-            </a:schemeClr>
-          </a:solidFill>
-          <a:ln>
-            <a:noFill/>
-          </a:ln>
-        </p:spPr>
-        <p:style>
-          <a:lnRef idx="2">
-            <a:schemeClr val="accent1">
-              <a:shade val="50000"/>
-            </a:schemeClr>
-          </a:lnRef>
-          <a:fillRef idx="1">
-            <a:schemeClr val="accent1"/>
-          </a:fillRef>
-          <a:effectRef idx="0">
-            <a:schemeClr val="accent1"/>
-          </a:effectRef>
-          <a:fontRef idx="minor">
-            <a:schemeClr val="lt1"/>
-          </a:fontRef>
-        </p:style>
-        <p:txBody>
-          <a:bodyPr rtlCol="0" anchor="ctr"/>
-          <a:lstStyle/>
-          <a:p>
-            <a:pPr algn="ctr"/>
-            <a:endParaRPr kumimoji="1" lang="ja-JP" altLang="en-US"/>
-          </a:p>
-        </p:txBody>
-      </p:sp>
-      <p:cxnSp>
-        <p:nvCxnSpPr>
-          <p:cNvPr id="51" name="直線矢印コネクタ 50">
-            <a:extLst>
-              <a:ext uri="{FF2B5EF4-FFF2-40B4-BE49-F238E27FC236}">
-                <a16:creationId xmlns:a16="http://schemas.microsoft.com/office/drawing/2014/main" id="{A7BBFDB0-7C32-4536-A062-6698CEE30DB8}"/>
-              </a:ext>
-            </a:extLst>
-          </p:cNvPr>
-          <p:cNvCxnSpPr>
-            <a:cxnSpLocks/>
-            <a:endCxn id="50" idx="3"/>
-          </p:cNvCxnSpPr>
-          <p:nvPr/>
-        </p:nvCxnSpPr>
-        <p:spPr>
-          <a:xfrm flipV="1">
-            <a:off x="3726167" y="1310801"/>
-            <a:ext cx="3474855" cy="4936198"/>
-          </a:xfrm>
-          <a:prstGeom prst="straightConnector1">
-            <a:avLst/>
-          </a:prstGeom>
-          <a:ln w="19050">
-            <a:prstDash val="dash"/>
-            <a:tailEnd type="triangle"/>
-          </a:ln>
-        </p:spPr>
-        <p:style>
-          <a:lnRef idx="1">
-            <a:schemeClr val="dk1"/>
-          </a:lnRef>
-          <a:fillRef idx="0">
-            <a:schemeClr val="dk1"/>
-          </a:fillRef>
-          <a:effectRef idx="0">
-            <a:schemeClr val="dk1"/>
-          </a:effectRef>
-          <a:fontRef idx="minor">
-            <a:schemeClr val="tx1"/>
-          </a:fontRef>
-        </p:style>
-      </p:cxnSp>
-      <p:cxnSp>
-        <p:nvCxnSpPr>
-          <p:cNvPr id="59" name="直線矢印コネクタ 58">
-            <a:extLst>
-              <a:ext uri="{FF2B5EF4-FFF2-40B4-BE49-F238E27FC236}">
-                <a16:creationId xmlns:a16="http://schemas.microsoft.com/office/drawing/2014/main" id="{B4D3C5ED-A5C4-41FD-BB0F-7B5ECBBC6893}"/>
-              </a:ext>
-            </a:extLst>
-          </p:cNvPr>
-          <p:cNvCxnSpPr>
-            <a:cxnSpLocks/>
-            <a:endCxn id="50" idx="4"/>
-          </p:cNvCxnSpPr>
-          <p:nvPr/>
-        </p:nvCxnSpPr>
-        <p:spPr>
-          <a:xfrm flipV="1">
-            <a:off x="6342240" y="1333119"/>
-            <a:ext cx="912664" cy="2628542"/>
-          </a:xfrm>
-          <a:prstGeom prst="straightConnector1">
-            <a:avLst/>
-          </a:prstGeom>
-          <a:ln w="19050">
-            <a:prstDash val="dash"/>
-            <a:tailEnd type="triangle"/>
-          </a:ln>
-        </p:spPr>
-        <p:style>
-          <a:lnRef idx="1">
-            <a:schemeClr val="dk1"/>
-          </a:lnRef>
-          <a:fillRef idx="0">
-            <a:schemeClr val="dk1"/>
-          </a:fillRef>
-          <a:effectRef idx="0">
-            <a:schemeClr val="dk1"/>
-          </a:effectRef>
-          <a:fontRef idx="minor">
-            <a:schemeClr val="tx1"/>
-          </a:fontRef>
-        </p:style>
-      </p:cxnSp>
-      <mc:AlternateContent xmlns:mc="http://schemas.openxmlformats.org/markup-compatibility/2006">
-        <mc:Choice xmlns:a14="http://schemas.microsoft.com/office/drawing/2010/main" Requires="a14">
-          <p:sp>
-            <p:nvSpPr>
-              <p:cNvPr id="62" name="テキスト ボックス 61">
-                <a:extLst>
-                  <a:ext uri="{FF2B5EF4-FFF2-40B4-BE49-F238E27FC236}">
-                    <a16:creationId xmlns:a16="http://schemas.microsoft.com/office/drawing/2014/main" id="{0837FE91-8F96-4914-A1C6-F666E092F174}"/>
+                    <a16:creationId xmlns:a16="http://schemas.microsoft.com/office/drawing/2014/main" id="{17DECC2D-494B-4B5D-A2B1-5BFCC24AE75D}"/>
                   </a:ext>
                 </a:extLst>
               </p:cNvPr>
@@ -5670,10 +5624,10 @@
         <mc:Fallback>
           <p:sp>
             <p:nvSpPr>
-              <p:cNvPr id="62" name="テキスト ボックス 61">
+              <p:cNvPr id="23" name="テキスト ボックス 22">
                 <a:extLst>
                   <a:ext uri="{FF2B5EF4-FFF2-40B4-BE49-F238E27FC236}">
-                    <a16:creationId xmlns:a16="http://schemas.microsoft.com/office/drawing/2014/main" id="{0837FE91-8F96-4914-A1C6-F666E092F174}"/>
+                    <a16:creationId xmlns:a16="http://schemas.microsoft.com/office/drawing/2014/main" id="{17DECC2D-494B-4B5D-A2B1-5BFCC24AE75D}"/>
                   </a:ext>
                 </a:extLst>
               </p:cNvPr>
@@ -5686,6 +5640,216 @@
               <a:xfrm>
                 <a:off x="5247869" y="3182778"/>
                 <a:ext cx="354263" cy="492443"/>
+              </a:xfrm>
+              <a:prstGeom prst="rect">
+                <a:avLst/>
+              </a:prstGeom>
+              <a:blipFill>
+                <a:blip r:embed="rId4"/>
+                <a:stretch>
+                  <a:fillRect/>
+                </a:stretch>
+              </a:blipFill>
+            </p:spPr>
+            <p:txBody>
+              <a:bodyPr/>
+              <a:lstStyle/>
+              <a:p>
+                <a:r>
+                  <a:rPr lang="ja-JP" altLang="en-US">
+                    <a:noFill/>
+                  </a:rPr>
+                  <a:t> </a:t>
+                </a:r>
+              </a:p>
+            </p:txBody>
+          </p:sp>
+        </mc:Fallback>
+      </mc:AlternateContent>
+      <mc:AlternateContent xmlns:mc="http://schemas.openxmlformats.org/markup-compatibility/2006">
+        <mc:Choice xmlns:a14="http://schemas.microsoft.com/office/drawing/2010/main" Requires="a14">
+          <p:sp>
+            <p:nvSpPr>
+              <p:cNvPr id="25" name="テキスト ボックス 24">
+                <a:extLst>
+                  <a:ext uri="{FF2B5EF4-FFF2-40B4-BE49-F238E27FC236}">
+                    <a16:creationId xmlns:a16="http://schemas.microsoft.com/office/drawing/2014/main" id="{15609AEE-29BA-4013-AA28-FF20F7560693}"/>
+                  </a:ext>
+                </a:extLst>
+              </p:cNvPr>
+              <p:cNvSpPr txBox="1"/>
+              <p:nvPr/>
+            </p:nvSpPr>
+            <p:spPr>
+              <a:xfrm>
+                <a:off x="6858336" y="2232189"/>
+                <a:ext cx="618567" cy="584775"/>
+              </a:xfrm>
+              <a:prstGeom prst="rect">
+                <a:avLst/>
+              </a:prstGeom>
+              <a:noFill/>
+            </p:spPr>
+            <p:txBody>
+              <a:bodyPr wrap="square" rtlCol="0">
+                <a:spAutoFit/>
+              </a:bodyPr>
+              <a:lstStyle/>
+              <a:p>
+                <a:pPr/>
+                <a14:m>
+                  <m:oMathPara xmlns:m="http://schemas.openxmlformats.org/officeDocument/2006/math">
+                    <m:oMathParaPr>
+                      <m:jc m:val="centerGroup"/>
+                    </m:oMathParaPr>
+                    <m:oMath xmlns:m="http://schemas.openxmlformats.org/officeDocument/2006/math">
+                      <m:sSup>
+                        <m:sSupPr>
+                          <m:ctrlPr>
+                            <a:rPr kumimoji="1" lang="en-US" altLang="ja-JP" sz="3200" i="1" smtClean="0">
+                              <a:latin typeface="Cambria Math" panose="02040503050406030204" pitchFamily="18" charset="0"/>
+                            </a:rPr>
+                          </m:ctrlPr>
+                        </m:sSupPr>
+                        <m:e>
+                          <m:r>
+                            <a:rPr kumimoji="1" lang="en-US" altLang="ja-JP" sz="3200" b="1" i="1" smtClean="0">
+                              <a:latin typeface="Cambria Math" panose="02040503050406030204" pitchFamily="18" charset="0"/>
+                            </a:rPr>
+                            <m:t>𝒙</m:t>
+                          </m:r>
+                        </m:e>
+                        <m:sup>
+                          <m:r>
+                            <a:rPr kumimoji="1" lang="en-US" altLang="ja-JP" sz="3200" b="0" i="1" smtClean="0">
+                              <a:latin typeface="Cambria Math" panose="02040503050406030204" pitchFamily="18" charset="0"/>
+                            </a:rPr>
+                            <m:t>′</m:t>
+                          </m:r>
+                        </m:sup>
+                      </m:sSup>
+                    </m:oMath>
+                  </m:oMathPara>
+                </a14:m>
+                <a:endParaRPr kumimoji="1" lang="ja-JP" altLang="en-US" sz="3200" dirty="0"/>
+              </a:p>
+            </p:txBody>
+          </p:sp>
+        </mc:Choice>
+        <mc:Fallback>
+          <p:sp>
+            <p:nvSpPr>
+              <p:cNvPr id="25" name="テキスト ボックス 24">
+                <a:extLst>
+                  <a:ext uri="{FF2B5EF4-FFF2-40B4-BE49-F238E27FC236}">
+                    <a16:creationId xmlns:a16="http://schemas.microsoft.com/office/drawing/2014/main" id="{15609AEE-29BA-4013-AA28-FF20F7560693}"/>
+                  </a:ext>
+                </a:extLst>
+              </p:cNvPr>
+              <p:cNvSpPr txBox="1">
+                <a:spLocks noRot="1" noChangeAspect="1" noMove="1" noResize="1" noEditPoints="1" noAdjustHandles="1" noChangeArrowheads="1" noChangeShapeType="1" noTextEdit="1"/>
+              </p:cNvSpPr>
+              <p:nvPr/>
+            </p:nvSpPr>
+            <p:spPr>
+              <a:xfrm>
+                <a:off x="6858336" y="2232189"/>
+                <a:ext cx="618567" cy="584775"/>
+              </a:xfrm>
+              <a:prstGeom prst="rect">
+                <a:avLst/>
+              </a:prstGeom>
+              <a:blipFill>
+                <a:blip r:embed="rId5"/>
+                <a:stretch>
+                  <a:fillRect/>
+                </a:stretch>
+              </a:blipFill>
+            </p:spPr>
+            <p:txBody>
+              <a:bodyPr/>
+              <a:lstStyle/>
+              <a:p>
+                <a:r>
+                  <a:rPr lang="ja-JP" altLang="en-US">
+                    <a:noFill/>
+                  </a:rPr>
+                  <a:t> </a:t>
+                </a:r>
+              </a:p>
+            </p:txBody>
+          </p:sp>
+        </mc:Fallback>
+      </mc:AlternateContent>
+      <mc:AlternateContent xmlns:mc="http://schemas.openxmlformats.org/markup-compatibility/2006">
+        <mc:Choice xmlns:a14="http://schemas.microsoft.com/office/drawing/2010/main" Requires="a14">
+          <p:sp>
+            <p:nvSpPr>
+              <p:cNvPr id="26" name="テキスト ボックス 25">
+                <a:extLst>
+                  <a:ext uri="{FF2B5EF4-FFF2-40B4-BE49-F238E27FC236}">
+                    <a16:creationId xmlns:a16="http://schemas.microsoft.com/office/drawing/2014/main" id="{7D2ED762-03A3-4CF7-990F-A9D62D51AD67}"/>
+                  </a:ext>
+                </a:extLst>
+              </p:cNvPr>
+              <p:cNvSpPr txBox="1"/>
+              <p:nvPr/>
+            </p:nvSpPr>
+            <p:spPr>
+              <a:xfrm>
+                <a:off x="7395559" y="934497"/>
+                <a:ext cx="351250" cy="492443"/>
+              </a:xfrm>
+              <a:prstGeom prst="rect">
+                <a:avLst/>
+              </a:prstGeom>
+              <a:noFill/>
+            </p:spPr>
+            <p:txBody>
+              <a:bodyPr wrap="none" lIns="0" tIns="0" rIns="0" bIns="0" rtlCol="0">
+                <a:spAutoFit/>
+              </a:bodyPr>
+              <a:lstStyle/>
+              <a:p>
+                <a14:m>
+                  <m:oMathPara xmlns:m="http://schemas.openxmlformats.org/officeDocument/2006/math">
+                    <m:oMathParaPr>
+                      <m:jc m:val="centerGroup"/>
+                    </m:oMathParaPr>
+                    <m:oMath xmlns:m="http://schemas.openxmlformats.org/officeDocument/2006/math">
+                      <m:r>
+                        <a:rPr kumimoji="1" lang="en-US" altLang="ja-JP" sz="3200" b="0" i="1" smtClean="0">
+                          <a:latin typeface="Cambria Math" panose="02040503050406030204" pitchFamily="18" charset="0"/>
+                        </a:rPr>
+                        <m:t>𝑝</m:t>
+                      </m:r>
+                    </m:oMath>
+                  </m:oMathPara>
+                </a14:m>
+                <a:endParaRPr kumimoji="1" lang="ja-JP" altLang="en-US" sz="3200" dirty="0"/>
+              </a:p>
+            </p:txBody>
+          </p:sp>
+        </mc:Choice>
+        <mc:Fallback>
+          <p:sp>
+            <p:nvSpPr>
+              <p:cNvPr id="26" name="テキスト ボックス 25">
+                <a:extLst>
+                  <a:ext uri="{FF2B5EF4-FFF2-40B4-BE49-F238E27FC236}">
+                    <a16:creationId xmlns:a16="http://schemas.microsoft.com/office/drawing/2014/main" id="{7D2ED762-03A3-4CF7-990F-A9D62D51AD67}"/>
+                  </a:ext>
+                </a:extLst>
+              </p:cNvPr>
+              <p:cNvSpPr txBox="1">
+                <a:spLocks noRot="1" noChangeAspect="1" noMove="1" noResize="1" noEditPoints="1" noAdjustHandles="1" noChangeArrowheads="1" noChangeShapeType="1" noTextEdit="1"/>
+              </p:cNvSpPr>
+              <p:nvPr/>
+            </p:nvSpPr>
+            <p:spPr>
+              <a:xfrm>
+                <a:off x="7395559" y="934497"/>
+                <a:ext cx="351250" cy="492443"/>
               </a:xfrm>
               <a:prstGeom prst="rect">
                 <a:avLst/>
@@ -5712,133 +5876,10 @@
           </p:sp>
         </mc:Fallback>
       </mc:AlternateContent>
-      <p:cxnSp>
-        <p:nvCxnSpPr>
-          <p:cNvPr id="66" name="直線矢印コネクタ 65">
-            <a:extLst>
-              <a:ext uri="{FF2B5EF4-FFF2-40B4-BE49-F238E27FC236}">
-                <a16:creationId xmlns:a16="http://schemas.microsoft.com/office/drawing/2014/main" id="{7E206A71-A19C-489C-8BA2-7D852ED259BC}"/>
-              </a:ext>
-            </a:extLst>
-          </p:cNvPr>
-          <p:cNvCxnSpPr>
-            <a:cxnSpLocks/>
-          </p:cNvCxnSpPr>
-          <p:nvPr/>
-        </p:nvCxnSpPr>
-        <p:spPr>
-          <a:xfrm flipV="1">
-            <a:off x="6359546" y="2710088"/>
-            <a:ext cx="142893" cy="1285436"/>
-          </a:xfrm>
-          <a:prstGeom prst="straightConnector1">
-            <a:avLst/>
-          </a:prstGeom>
-          <a:ln w="57150">
-            <a:tailEnd type="triangle"/>
-          </a:ln>
-        </p:spPr>
-        <p:style>
-          <a:lnRef idx="1">
-            <a:schemeClr val="dk1"/>
-          </a:lnRef>
-          <a:fillRef idx="0">
-            <a:schemeClr val="dk1"/>
-          </a:fillRef>
-          <a:effectRef idx="0">
-            <a:schemeClr val="dk1"/>
-          </a:effectRef>
-          <a:fontRef idx="minor">
-            <a:schemeClr val="tx1"/>
-          </a:fontRef>
-        </p:style>
-      </p:cxnSp>
-      <p:cxnSp>
-        <p:nvCxnSpPr>
-          <p:cNvPr id="67" name="直線矢印コネクタ 66">
-            <a:extLst>
-              <a:ext uri="{FF2B5EF4-FFF2-40B4-BE49-F238E27FC236}">
-                <a16:creationId xmlns:a16="http://schemas.microsoft.com/office/drawing/2014/main" id="{A0579B43-B510-4F9B-AF01-8184B6F5E10B}"/>
-              </a:ext>
-            </a:extLst>
-          </p:cNvPr>
-          <p:cNvCxnSpPr>
-            <a:cxnSpLocks/>
-          </p:cNvCxnSpPr>
-          <p:nvPr/>
-        </p:nvCxnSpPr>
-        <p:spPr>
-          <a:xfrm flipV="1">
-            <a:off x="6359547" y="3527196"/>
-            <a:ext cx="599775" cy="434464"/>
-          </a:xfrm>
-          <a:prstGeom prst="straightConnector1">
-            <a:avLst/>
-          </a:prstGeom>
-          <a:ln w="57150">
-            <a:tailEnd type="triangle"/>
-          </a:ln>
-        </p:spPr>
-        <p:style>
-          <a:lnRef idx="1">
-            <a:schemeClr val="dk1"/>
-          </a:lnRef>
-          <a:fillRef idx="0">
-            <a:schemeClr val="dk1"/>
-          </a:fillRef>
-          <a:effectRef idx="0">
-            <a:schemeClr val="dk1"/>
-          </a:effectRef>
-          <a:fontRef idx="minor">
-            <a:schemeClr val="tx1"/>
-          </a:fontRef>
-        </p:style>
-      </p:cxnSp>
-      <p:cxnSp>
-        <p:nvCxnSpPr>
-          <p:cNvPr id="68" name="直線矢印コネクタ 67">
-            <a:extLst>
-              <a:ext uri="{FF2B5EF4-FFF2-40B4-BE49-F238E27FC236}">
-                <a16:creationId xmlns:a16="http://schemas.microsoft.com/office/drawing/2014/main" id="{8C8465D9-D48A-476A-84DC-9A4C152A3C96}"/>
-              </a:ext>
-            </a:extLst>
-          </p:cNvPr>
-          <p:cNvCxnSpPr>
-            <a:cxnSpLocks/>
-          </p:cNvCxnSpPr>
-          <p:nvPr/>
-        </p:nvCxnSpPr>
-        <p:spPr>
-          <a:xfrm flipH="1" flipV="1">
-            <a:off x="5850335" y="3334159"/>
-            <a:ext cx="509213" cy="638368"/>
-          </a:xfrm>
-          <a:prstGeom prst="straightConnector1">
-            <a:avLst/>
-          </a:prstGeom>
-          <a:ln w="57150">
-            <a:tailEnd type="triangle"/>
-          </a:ln>
-        </p:spPr>
-        <p:style>
-          <a:lnRef idx="1">
-            <a:schemeClr val="dk1"/>
-          </a:lnRef>
-          <a:fillRef idx="0">
-            <a:schemeClr val="dk1"/>
-          </a:fillRef>
-          <a:effectRef idx="0">
-            <a:schemeClr val="dk1"/>
-          </a:effectRef>
-          <a:fontRef idx="minor">
-            <a:schemeClr val="tx1"/>
-          </a:fontRef>
-        </p:style>
-      </p:cxnSp>
     </p:spTree>
     <p:extLst>
       <p:ext uri="{BB962C8B-B14F-4D97-AF65-F5344CB8AC3E}">
-        <p14:creationId xmlns:p14="http://schemas.microsoft.com/office/powerpoint/2010/main" val="2190208595"/>
+        <p14:creationId xmlns:p14="http://schemas.microsoft.com/office/powerpoint/2010/main" val="3815207818"/>
       </p:ext>
     </p:extLst>
   </p:cSld>

--- a/座標変換.pptx
+++ b/座標変換.pptx
@@ -7,7 +7,10 @@
   <p:sldIdLst>
     <p:sldId id="259" r:id="rId2"/>
     <p:sldId id="260" r:id="rId3"/>
-    <p:sldId id="257" r:id="rId4"/>
+    <p:sldId id="261" r:id="rId4"/>
+    <p:sldId id="257" r:id="rId5"/>
+    <p:sldId id="262" r:id="rId6"/>
+    <p:sldId id="263" r:id="rId7"/>
   </p:sldIdLst>
   <p:sldSz cx="12192000" cy="6858000"/>
   <p:notesSz cx="6858000" cy="9144000"/>
@@ -3812,1008 +3815,987 @@
           </a:p>
         </p:txBody>
       </p:sp>
-      <p:grpSp>
-        <p:nvGrpSpPr>
-          <p:cNvPr id="23" name="グループ化 22">
-            <a:extLst>
-              <a:ext uri="{FF2B5EF4-FFF2-40B4-BE49-F238E27FC236}">
-                <a16:creationId xmlns:a16="http://schemas.microsoft.com/office/drawing/2014/main" id="{430D62B5-A2E9-4B3B-BB25-1B5865BBB9F9}"/>
-              </a:ext>
-            </a:extLst>
-          </p:cNvPr>
-          <p:cNvGrpSpPr/>
+      <p:sp>
+        <p:nvSpPr>
+          <p:cNvPr id="24" name="直方体 23">
+            <a:extLst>
+              <a:ext uri="{FF2B5EF4-FFF2-40B4-BE49-F238E27FC236}">
+                <a16:creationId xmlns:a16="http://schemas.microsoft.com/office/drawing/2014/main" id="{BB43AFFC-41AC-4615-985E-7A94297CB2E3}"/>
+              </a:ext>
+            </a:extLst>
+          </p:cNvPr>
+          <p:cNvSpPr/>
           <p:nvPr/>
-        </p:nvGrpSpPr>
-        <p:grpSpPr>
-          <a:xfrm>
-            <a:off x="3075517" y="2710088"/>
-            <a:ext cx="4999769" cy="4039972"/>
-            <a:chOff x="3075517" y="2710088"/>
-            <a:chExt cx="4999769" cy="4039972"/>
+        </p:nvSpPr>
+        <p:spPr>
+          <a:xfrm rot="3126979" flipV="1">
+            <a:off x="5890742" y="2956826"/>
+            <a:ext cx="947832" cy="769459"/>
           </a:xfrm>
-        </p:grpSpPr>
-        <p:sp>
-          <p:nvSpPr>
-            <p:cNvPr id="24" name="直方体 23">
-              <a:extLst>
-                <a:ext uri="{FF2B5EF4-FFF2-40B4-BE49-F238E27FC236}">
-                  <a16:creationId xmlns:a16="http://schemas.microsoft.com/office/drawing/2014/main" id="{BB43AFFC-41AC-4615-985E-7A94297CB2E3}"/>
-                </a:ext>
-              </a:extLst>
-            </p:cNvPr>
-            <p:cNvSpPr/>
-            <p:nvPr/>
-          </p:nvSpPr>
-          <p:spPr>
-            <a:xfrm rot="3126979" flipV="1">
-              <a:off x="5890742" y="2956826"/>
-              <a:ext cx="947832" cy="769459"/>
-            </a:xfrm>
-            <a:prstGeom prst="cube">
-              <a:avLst>
-                <a:gd name="adj" fmla="val 43413"/>
-              </a:avLst>
-            </a:prstGeom>
+          <a:prstGeom prst="cube">
+            <a:avLst>
+              <a:gd name="adj" fmla="val 43413"/>
+            </a:avLst>
+          </a:prstGeom>
+          <a:solidFill>
+            <a:schemeClr val="accent6"/>
+          </a:solidFill>
+          <a:ln>
             <a:solidFill>
-              <a:schemeClr val="accent6"/>
+              <a:schemeClr val="accent6">
+                <a:lumMod val="50000"/>
+              </a:schemeClr>
             </a:solidFill>
-            <a:ln>
-              <a:solidFill>
-                <a:schemeClr val="accent6">
-                  <a:lumMod val="50000"/>
-                </a:schemeClr>
-              </a:solidFill>
-            </a:ln>
-          </p:spPr>
-          <p:style>
-            <a:lnRef idx="2">
-              <a:schemeClr val="accent1">
-                <a:shade val="50000"/>
-              </a:schemeClr>
-            </a:lnRef>
-            <a:fillRef idx="1">
-              <a:schemeClr val="accent1"/>
-            </a:fillRef>
-            <a:effectRef idx="0">
-              <a:schemeClr val="accent1"/>
-            </a:effectRef>
-            <a:fontRef idx="minor">
-              <a:schemeClr val="lt1"/>
-            </a:fontRef>
-          </p:style>
-          <p:txBody>
-            <a:bodyPr rtlCol="0" anchor="ctr"/>
-            <a:lstStyle/>
-            <a:p>
-              <a:pPr algn="ctr"/>
-              <a:endParaRPr kumimoji="1" lang="ja-JP" altLang="en-US"/>
-            </a:p>
-          </p:txBody>
-        </p:sp>
-        <p:cxnSp>
-          <p:nvCxnSpPr>
-            <p:cNvPr id="25" name="直線矢印コネクタ 24">
-              <a:extLst>
-                <a:ext uri="{FF2B5EF4-FFF2-40B4-BE49-F238E27FC236}">
-                  <a16:creationId xmlns:a16="http://schemas.microsoft.com/office/drawing/2014/main" id="{E8E22A49-667F-4573-A8CE-4C00AFF31DCE}"/>
-                </a:ext>
-              </a:extLst>
-            </p:cNvPr>
-            <p:cNvCxnSpPr>
-              <a:cxnSpLocks/>
-            </p:cNvCxnSpPr>
-            <p:nvPr/>
-          </p:nvCxnSpPr>
-          <p:spPr>
-            <a:xfrm flipV="1">
-              <a:off x="3743473" y="4242817"/>
-              <a:ext cx="230601" cy="2004182"/>
-            </a:xfrm>
-            <a:prstGeom prst="straightConnector1">
-              <a:avLst/>
-            </a:prstGeom>
-            <a:ln w="76200">
-              <a:tailEnd type="triangle"/>
-            </a:ln>
-          </p:spPr>
-          <p:style>
-            <a:lnRef idx="1">
-              <a:schemeClr val="dk1"/>
-            </a:lnRef>
-            <a:fillRef idx="0">
-              <a:schemeClr val="dk1"/>
-            </a:fillRef>
-            <a:effectRef idx="0">
-              <a:schemeClr val="dk1"/>
-            </a:effectRef>
-            <a:fontRef idx="minor">
-              <a:schemeClr val="tx1"/>
-            </a:fontRef>
-          </p:style>
-        </p:cxnSp>
-        <p:cxnSp>
-          <p:nvCxnSpPr>
-            <p:cNvPr id="26" name="直線矢印コネクタ 25">
-              <a:extLst>
-                <a:ext uri="{FF2B5EF4-FFF2-40B4-BE49-F238E27FC236}">
-                  <a16:creationId xmlns:a16="http://schemas.microsoft.com/office/drawing/2014/main" id="{06EC8E29-7474-4EA2-B413-DA5855643282}"/>
-                </a:ext>
-              </a:extLst>
-            </p:cNvPr>
-            <p:cNvCxnSpPr>
-              <a:cxnSpLocks/>
-            </p:cNvCxnSpPr>
-            <p:nvPr/>
-          </p:nvCxnSpPr>
-          <p:spPr>
-            <a:xfrm flipV="1">
-              <a:off x="3736374" y="5589531"/>
-              <a:ext cx="964742" cy="698835"/>
-            </a:xfrm>
-            <a:prstGeom prst="straightConnector1">
-              <a:avLst/>
-            </a:prstGeom>
-            <a:ln w="76200">
-              <a:tailEnd type="triangle"/>
-            </a:ln>
-          </p:spPr>
-          <p:style>
-            <a:lnRef idx="1">
-              <a:schemeClr val="dk1"/>
-            </a:lnRef>
-            <a:fillRef idx="0">
-              <a:schemeClr val="dk1"/>
-            </a:fillRef>
-            <a:effectRef idx="0">
-              <a:schemeClr val="dk1"/>
-            </a:effectRef>
-            <a:fontRef idx="minor">
-              <a:schemeClr val="tx1"/>
-            </a:fontRef>
-          </p:style>
-        </p:cxnSp>
-        <p:cxnSp>
-          <p:nvCxnSpPr>
-            <p:cNvPr id="27" name="直線矢印コネクタ 26">
-              <a:extLst>
-                <a:ext uri="{FF2B5EF4-FFF2-40B4-BE49-F238E27FC236}">
-                  <a16:creationId xmlns:a16="http://schemas.microsoft.com/office/drawing/2014/main" id="{194B5198-F50F-4D14-9517-996419472EA6}"/>
-                </a:ext>
-              </a:extLst>
-            </p:cNvPr>
-            <p:cNvCxnSpPr>
-              <a:cxnSpLocks/>
-            </p:cNvCxnSpPr>
-            <p:nvPr/>
-          </p:nvCxnSpPr>
-          <p:spPr>
-            <a:xfrm flipH="1" flipV="1">
-              <a:off x="3075517" y="5470759"/>
-              <a:ext cx="660857" cy="828475"/>
-            </a:xfrm>
-            <a:prstGeom prst="straightConnector1">
-              <a:avLst/>
-            </a:prstGeom>
-            <a:ln w="76200">
-              <a:tailEnd type="triangle"/>
-            </a:ln>
-          </p:spPr>
-          <p:style>
-            <a:lnRef idx="1">
-              <a:schemeClr val="dk1"/>
-            </a:lnRef>
-            <a:fillRef idx="0">
-              <a:schemeClr val="dk1"/>
-            </a:fillRef>
-            <a:effectRef idx="0">
-              <a:schemeClr val="dk1"/>
-            </a:effectRef>
-            <a:fontRef idx="minor">
-              <a:schemeClr val="tx1"/>
-            </a:fontRef>
-          </p:style>
-        </p:cxnSp>
-        <mc:AlternateContent xmlns:mc="http://schemas.openxmlformats.org/markup-compatibility/2006">
-          <mc:Choice xmlns:a14="http://schemas.microsoft.com/office/drawing/2010/main" Requires="a14">
-            <p:sp>
-              <p:nvSpPr>
-                <p:cNvPr id="28" name="テキスト ボックス 27">
-                  <a:extLst>
-                    <a:ext uri="{FF2B5EF4-FFF2-40B4-BE49-F238E27FC236}">
-                      <a16:creationId xmlns:a16="http://schemas.microsoft.com/office/drawing/2014/main" id="{2035DBB9-8364-45D0-B5C3-B459085C2169}"/>
-                    </a:ext>
-                  </a:extLst>
-                </p:cNvPr>
-                <p:cNvSpPr txBox="1"/>
-                <p:nvPr/>
-              </p:nvSpPr>
-              <p:spPr>
-                <a:xfrm>
-                  <a:off x="3405945" y="6165285"/>
-                  <a:ext cx="1994595" cy="584775"/>
-                </a:xfrm>
-                <a:prstGeom prst="rect">
-                  <a:avLst/>
-                </a:prstGeom>
-                <a:noFill/>
-              </p:spPr>
-              <p:txBody>
-                <a:bodyPr wrap="square" rtlCol="0">
-                  <a:spAutoFit/>
-                </a:bodyPr>
-                <a:lstStyle/>
-                <a:p>
-                  <a:pPr/>
-                  <a14:m>
-                    <m:oMathPara xmlns:m="http://schemas.openxmlformats.org/officeDocument/2006/math">
-                      <m:oMathParaPr>
-                        <m:jc m:val="centerGroup"/>
-                      </m:oMathParaPr>
-                      <m:oMath xmlns:m="http://schemas.openxmlformats.org/officeDocument/2006/math">
-                        <m:sSub>
-                          <m:sSubPr>
-                            <m:ctrlPr>
-                              <a:rPr kumimoji="1" lang="en-US" altLang="ja-JP" sz="3200" b="0" i="1" smtClean="0">
-                                <a:latin typeface="Cambria Math" panose="02040503050406030204" pitchFamily="18" charset="0"/>
-                              </a:rPr>
-                            </m:ctrlPr>
-                          </m:sSubPr>
-                          <m:e>
-                            <m:r>
-                              <a:rPr kumimoji="1" lang="en-US" altLang="ja-JP" sz="3200" b="1" i="1" smtClean="0">
-                                <a:latin typeface="Cambria Math" panose="02040503050406030204" pitchFamily="18" charset="0"/>
-                              </a:rPr>
-                              <m:t>𝒙</m:t>
-                            </m:r>
-                          </m:e>
-                          <m:sub>
-                            <m:r>
-                              <a:rPr kumimoji="1" lang="en-US" altLang="ja-JP" sz="3200" b="0" i="1" smtClean="0">
-                                <a:latin typeface="Cambria Math" panose="02040503050406030204" pitchFamily="18" charset="0"/>
-                              </a:rPr>
-                              <m:t>𝑤</m:t>
-                            </m:r>
-                          </m:sub>
-                        </m:sSub>
-                        <m:r>
-                          <a:rPr kumimoji="1" lang="en-US" altLang="ja-JP" sz="3200" b="0" i="1" smtClean="0">
-                            <a:latin typeface="Cambria Math" panose="02040503050406030204" pitchFamily="18" charset="0"/>
-                          </a:rPr>
-                          <m:t>=</m:t>
-                        </m:r>
-                        <m:r>
-                          <a:rPr kumimoji="1" lang="en-US" altLang="ja-JP" sz="3200" b="1" i="1" smtClean="0">
-                            <a:latin typeface="Cambria Math" panose="02040503050406030204" pitchFamily="18" charset="0"/>
-                          </a:rPr>
-                          <m:t>𝑶</m:t>
-                        </m:r>
-                      </m:oMath>
-                    </m:oMathPara>
-                  </a14:m>
-                  <a:endParaRPr kumimoji="1" lang="ja-JP" altLang="en-US" sz="3200" b="1" dirty="0"/>
-                </a:p>
-              </p:txBody>
-            </p:sp>
-          </mc:Choice>
-          <mc:Fallback>
-            <p:sp>
-              <p:nvSpPr>
-                <p:cNvPr id="28" name="テキスト ボックス 27">
-                  <a:extLst>
-                    <a:ext uri="{FF2B5EF4-FFF2-40B4-BE49-F238E27FC236}">
-                      <a16:creationId xmlns:a16="http://schemas.microsoft.com/office/drawing/2014/main" id="{2035DBB9-8364-45D0-B5C3-B459085C2169}"/>
-                    </a:ext>
-                  </a:extLst>
-                </p:cNvPr>
-                <p:cNvSpPr txBox="1">
-                  <a:spLocks noRot="1" noChangeAspect="1" noMove="1" noResize="1" noEditPoints="1" noAdjustHandles="1" noChangeArrowheads="1" noChangeShapeType="1" noTextEdit="1"/>
-                </p:cNvSpPr>
-                <p:nvPr/>
-              </p:nvSpPr>
-              <p:spPr>
-                <a:xfrm>
-                  <a:off x="3405945" y="6165285"/>
-                  <a:ext cx="1994595" cy="584775"/>
-                </a:xfrm>
-                <a:prstGeom prst="rect">
-                  <a:avLst/>
-                </a:prstGeom>
-                <a:blipFill>
-                  <a:blip r:embed="rId2"/>
-                  <a:stretch>
-                    <a:fillRect/>
-                  </a:stretch>
-                </a:blipFill>
-              </p:spPr>
-              <p:txBody>
-                <a:bodyPr/>
-                <a:lstStyle/>
-                <a:p>
-                  <a:r>
-                    <a:rPr lang="ja-JP" altLang="en-US">
-                      <a:noFill/>
-                    </a:rPr>
-                    <a:t> </a:t>
-                  </a:r>
-                </a:p>
-              </p:txBody>
-            </p:sp>
-          </mc:Fallback>
-        </mc:AlternateContent>
-        <mc:AlternateContent xmlns:mc="http://schemas.openxmlformats.org/markup-compatibility/2006">
-          <mc:Choice xmlns:a14="http://schemas.microsoft.com/office/drawing/2010/main" Requires="a14">
-            <p:sp>
-              <p:nvSpPr>
-                <p:cNvPr id="29" name="テキスト ボックス 28">
-                  <a:extLst>
-                    <a:ext uri="{FF2B5EF4-FFF2-40B4-BE49-F238E27FC236}">
-                      <a16:creationId xmlns:a16="http://schemas.microsoft.com/office/drawing/2014/main" id="{9442C12C-52DE-400D-868D-9AAB947F31BA}"/>
-                    </a:ext>
-                  </a:extLst>
-                </p:cNvPr>
-                <p:cNvSpPr txBox="1"/>
-                <p:nvPr/>
-              </p:nvSpPr>
-              <p:spPr>
-                <a:xfrm>
-                  <a:off x="5292849" y="4622006"/>
-                  <a:ext cx="618567" cy="584775"/>
-                </a:xfrm>
-                <a:prstGeom prst="rect">
-                  <a:avLst/>
-                </a:prstGeom>
-                <a:noFill/>
-              </p:spPr>
-              <p:txBody>
-                <a:bodyPr wrap="square" rtlCol="0">
-                  <a:spAutoFit/>
-                </a:bodyPr>
-                <a:lstStyle/>
-                <a:p>
-                  <a:pPr/>
-                  <a14:m>
-                    <m:oMathPara xmlns:m="http://schemas.openxmlformats.org/officeDocument/2006/math">
-                      <m:oMathParaPr>
-                        <m:jc m:val="centerGroup"/>
-                      </m:oMathParaPr>
-                      <m:oMath xmlns:m="http://schemas.openxmlformats.org/officeDocument/2006/math">
-                        <m:sSub>
-                          <m:sSubPr>
-                            <m:ctrlPr>
-                              <a:rPr kumimoji="1" lang="en-US" altLang="ja-JP" sz="3200" b="0" i="1" smtClean="0">
-                                <a:latin typeface="Cambria Math" panose="02040503050406030204" pitchFamily="18" charset="0"/>
-                              </a:rPr>
-                            </m:ctrlPr>
-                          </m:sSubPr>
-                          <m:e>
-                            <m:r>
-                              <a:rPr kumimoji="1" lang="en-US" altLang="ja-JP" sz="3200" b="1" i="1" smtClean="0">
-                                <a:latin typeface="Cambria Math" panose="02040503050406030204" pitchFamily="18" charset="0"/>
-                              </a:rPr>
-                              <m:t>𝒙</m:t>
-                            </m:r>
-                          </m:e>
-                          <m:sub>
-                            <m:r>
-                              <a:rPr kumimoji="1" lang="en-US" altLang="ja-JP" sz="3200" b="0" i="1" smtClean="0">
-                                <a:latin typeface="Cambria Math" panose="02040503050406030204" pitchFamily="18" charset="0"/>
-                              </a:rPr>
-                              <m:t>𝑏</m:t>
-                            </m:r>
-                          </m:sub>
-                        </m:sSub>
-                      </m:oMath>
-                    </m:oMathPara>
-                  </a14:m>
-                  <a:endParaRPr kumimoji="1" lang="ja-JP" altLang="en-US" sz="3200" dirty="0"/>
-                </a:p>
-              </p:txBody>
-            </p:sp>
-          </mc:Choice>
-          <mc:Fallback>
-            <p:sp>
-              <p:nvSpPr>
-                <p:cNvPr id="29" name="テキスト ボックス 28">
-                  <a:extLst>
-                    <a:ext uri="{FF2B5EF4-FFF2-40B4-BE49-F238E27FC236}">
-                      <a16:creationId xmlns:a16="http://schemas.microsoft.com/office/drawing/2014/main" id="{9442C12C-52DE-400D-868D-9AAB947F31BA}"/>
-                    </a:ext>
-                  </a:extLst>
-                </p:cNvPr>
-                <p:cNvSpPr txBox="1">
-                  <a:spLocks noRot="1" noChangeAspect="1" noMove="1" noResize="1" noEditPoints="1" noAdjustHandles="1" noChangeArrowheads="1" noChangeShapeType="1" noTextEdit="1"/>
-                </p:cNvSpPr>
-                <p:nvPr/>
-              </p:nvSpPr>
-              <p:spPr>
-                <a:xfrm>
-                  <a:off x="5292849" y="4622006"/>
-                  <a:ext cx="618567" cy="584775"/>
-                </a:xfrm>
-                <a:prstGeom prst="rect">
-                  <a:avLst/>
-                </a:prstGeom>
-                <a:blipFill>
-                  <a:blip r:embed="rId3"/>
-                  <a:stretch>
-                    <a:fillRect/>
-                  </a:stretch>
-                </a:blipFill>
-              </p:spPr>
-              <p:txBody>
-                <a:bodyPr/>
-                <a:lstStyle/>
-                <a:p>
-                  <a:r>
-                    <a:rPr lang="ja-JP" altLang="en-US">
-                      <a:noFill/>
-                    </a:rPr>
-                    <a:t> </a:t>
-                  </a:r>
-                </a:p>
-              </p:txBody>
-            </p:sp>
-          </mc:Fallback>
-        </mc:AlternateContent>
-        <p:cxnSp>
-          <p:nvCxnSpPr>
-            <p:cNvPr id="30" name="直線矢印コネクタ 29">
-              <a:extLst>
-                <a:ext uri="{FF2B5EF4-FFF2-40B4-BE49-F238E27FC236}">
-                  <a16:creationId xmlns:a16="http://schemas.microsoft.com/office/drawing/2014/main" id="{FB1D2424-1792-4E28-8BA6-E7F7CF0E580C}"/>
-                </a:ext>
-              </a:extLst>
-            </p:cNvPr>
-            <p:cNvCxnSpPr>
-              <a:cxnSpLocks/>
-            </p:cNvCxnSpPr>
-            <p:nvPr/>
-          </p:nvCxnSpPr>
-          <p:spPr>
-            <a:xfrm flipH="1">
-              <a:off x="3787551" y="3948968"/>
-              <a:ext cx="2510611" cy="2127400"/>
-            </a:xfrm>
-            <a:prstGeom prst="straightConnector1">
-              <a:avLst/>
-            </a:prstGeom>
-            <a:ln w="38100">
-              <a:tailEnd type="triangle"/>
-            </a:ln>
-          </p:spPr>
-          <p:style>
-            <a:lnRef idx="1">
-              <a:schemeClr val="dk1"/>
-            </a:lnRef>
-            <a:fillRef idx="0">
-              <a:schemeClr val="dk1"/>
-            </a:fillRef>
-            <a:effectRef idx="0">
-              <a:schemeClr val="dk1"/>
-            </a:effectRef>
-            <a:fontRef idx="minor">
-              <a:schemeClr val="tx1"/>
-            </a:fontRef>
-          </p:style>
-        </p:cxnSp>
-        <mc:AlternateContent xmlns:mc="http://schemas.openxmlformats.org/markup-compatibility/2006">
-          <mc:Choice xmlns:a14="http://schemas.microsoft.com/office/drawing/2010/main" Requires="a14">
-            <p:sp>
-              <p:nvSpPr>
-                <p:cNvPr id="31" name="テキスト ボックス 30">
-                  <a:extLst>
-                    <a:ext uri="{FF2B5EF4-FFF2-40B4-BE49-F238E27FC236}">
-                      <a16:creationId xmlns:a16="http://schemas.microsoft.com/office/drawing/2014/main" id="{F44C9D58-E9F7-44C1-9D04-B40FC69CFDC4}"/>
-                    </a:ext>
-                  </a:extLst>
-                </p:cNvPr>
-                <p:cNvSpPr txBox="1"/>
-                <p:nvPr/>
-              </p:nvSpPr>
-              <p:spPr>
-                <a:xfrm>
-                  <a:off x="5331256" y="3798205"/>
-                  <a:ext cx="618567" cy="584775"/>
-                </a:xfrm>
-                <a:prstGeom prst="rect">
-                  <a:avLst/>
-                </a:prstGeom>
-                <a:noFill/>
-              </p:spPr>
-              <p:txBody>
-                <a:bodyPr wrap="square" rtlCol="0">
-                  <a:spAutoFit/>
-                </a:bodyPr>
-                <a:lstStyle/>
-                <a:p>
-                  <a:pPr/>
-                  <a14:m>
-                    <m:oMathPara xmlns:m="http://schemas.openxmlformats.org/officeDocument/2006/math">
-                      <m:oMathParaPr>
-                        <m:jc m:val="centerGroup"/>
-                      </m:oMathParaPr>
-                      <m:oMath xmlns:m="http://schemas.openxmlformats.org/officeDocument/2006/math">
-                        <m:sSubSup>
-                          <m:sSubSupPr>
-                            <m:ctrlPr>
-                              <a:rPr kumimoji="1" lang="en-US" altLang="ja-JP" sz="3200" i="1" smtClean="0">
-                                <a:latin typeface="Cambria Math" panose="02040503050406030204" pitchFamily="18" charset="0"/>
-                              </a:rPr>
-                            </m:ctrlPr>
-                          </m:sSubSupPr>
-                          <m:e>
-                            <m:r>
-                              <a:rPr kumimoji="1" lang="en-US" altLang="ja-JP" sz="3200" b="1" i="1" smtClean="0">
-                                <a:latin typeface="Cambria Math" panose="02040503050406030204" pitchFamily="18" charset="0"/>
-                              </a:rPr>
-                              <m:t>𝒙</m:t>
-                            </m:r>
-                          </m:e>
-                          <m:sub>
-                            <m:r>
-                              <a:rPr kumimoji="1" lang="en-US" altLang="ja-JP" sz="3200" b="0" i="1" smtClean="0">
-                                <a:latin typeface="Cambria Math" panose="02040503050406030204" pitchFamily="18" charset="0"/>
-                              </a:rPr>
-                              <m:t>𝑤</m:t>
-                            </m:r>
-                          </m:sub>
-                          <m:sup>
-                            <m:r>
-                              <a:rPr kumimoji="1" lang="en-US" altLang="ja-JP" sz="3200" b="0" i="1" smtClean="0">
-                                <a:latin typeface="Cambria Math" panose="02040503050406030204" pitchFamily="18" charset="0"/>
-                              </a:rPr>
-                              <m:t>′</m:t>
-                            </m:r>
-                          </m:sup>
-                        </m:sSubSup>
-                      </m:oMath>
-                    </m:oMathPara>
-                  </a14:m>
-                  <a:endParaRPr kumimoji="1" lang="ja-JP" altLang="en-US" sz="3200" dirty="0"/>
-                </a:p>
-              </p:txBody>
-            </p:sp>
-          </mc:Choice>
-          <mc:Fallback>
-            <p:sp>
-              <p:nvSpPr>
-                <p:cNvPr id="31" name="テキスト ボックス 30">
-                  <a:extLst>
-                    <a:ext uri="{FF2B5EF4-FFF2-40B4-BE49-F238E27FC236}">
-                      <a16:creationId xmlns:a16="http://schemas.microsoft.com/office/drawing/2014/main" id="{F44C9D58-E9F7-44C1-9D04-B40FC69CFDC4}"/>
-                    </a:ext>
-                  </a:extLst>
-                </p:cNvPr>
-                <p:cNvSpPr txBox="1">
-                  <a:spLocks noRot="1" noChangeAspect="1" noMove="1" noResize="1" noEditPoints="1" noAdjustHandles="1" noChangeArrowheads="1" noChangeShapeType="1" noTextEdit="1"/>
-                </p:cNvSpPr>
-                <p:nvPr/>
-              </p:nvSpPr>
-              <p:spPr>
-                <a:xfrm>
-                  <a:off x="5331256" y="3798205"/>
-                  <a:ext cx="618567" cy="584775"/>
-                </a:xfrm>
-                <a:prstGeom prst="rect">
-                  <a:avLst/>
-                </a:prstGeom>
-                <a:blipFill>
-                  <a:blip r:embed="rId4"/>
-                  <a:stretch>
-                    <a:fillRect/>
-                  </a:stretch>
-                </a:blipFill>
-              </p:spPr>
-              <p:txBody>
-                <a:bodyPr/>
-                <a:lstStyle/>
-                <a:p>
-                  <a:r>
-                    <a:rPr lang="ja-JP" altLang="en-US">
-                      <a:noFill/>
-                    </a:rPr>
-                    <a:t> </a:t>
-                  </a:r>
-                </a:p>
-              </p:txBody>
-            </p:sp>
-          </mc:Fallback>
-        </mc:AlternateContent>
-        <p:cxnSp>
-          <p:nvCxnSpPr>
-            <p:cNvPr id="32" name="直線矢印コネクタ 31">
-              <a:extLst>
-                <a:ext uri="{FF2B5EF4-FFF2-40B4-BE49-F238E27FC236}">
-                  <a16:creationId xmlns:a16="http://schemas.microsoft.com/office/drawing/2014/main" id="{AE2A24DD-36AA-406F-8351-C003E225DD56}"/>
-                </a:ext>
-              </a:extLst>
-            </p:cNvPr>
-            <p:cNvCxnSpPr>
-              <a:cxnSpLocks/>
-            </p:cNvCxnSpPr>
-            <p:nvPr/>
-          </p:nvCxnSpPr>
-          <p:spPr>
-            <a:xfrm flipV="1">
-              <a:off x="3848935" y="3982834"/>
-              <a:ext cx="2564101" cy="2141881"/>
-            </a:xfrm>
-            <a:prstGeom prst="straightConnector1">
-              <a:avLst/>
-            </a:prstGeom>
-            <a:ln w="38100">
-              <a:tailEnd type="triangle"/>
-            </a:ln>
-          </p:spPr>
-          <p:style>
-            <a:lnRef idx="1">
-              <a:schemeClr val="dk1"/>
-            </a:lnRef>
-            <a:fillRef idx="0">
-              <a:schemeClr val="dk1"/>
-            </a:fillRef>
-            <a:effectRef idx="0">
-              <a:schemeClr val="dk1"/>
-            </a:effectRef>
-            <a:fontRef idx="minor">
-              <a:schemeClr val="tx1"/>
-            </a:fontRef>
-          </p:style>
-        </p:cxnSp>
-        <mc:AlternateContent xmlns:mc="http://schemas.openxmlformats.org/markup-compatibility/2006">
-          <mc:Choice xmlns:a14="http://schemas.microsoft.com/office/drawing/2010/main" Requires="a14">
-            <p:sp>
-              <p:nvSpPr>
-                <p:cNvPr id="33" name="テキスト ボックス 32">
-                  <a:extLst>
-                    <a:ext uri="{FF2B5EF4-FFF2-40B4-BE49-F238E27FC236}">
-                      <a16:creationId xmlns:a16="http://schemas.microsoft.com/office/drawing/2014/main" id="{F49336E6-A391-44BC-969F-EBCDA7359B47}"/>
-                    </a:ext>
-                  </a:extLst>
-                </p:cNvPr>
-                <p:cNvSpPr txBox="1"/>
-                <p:nvPr/>
-              </p:nvSpPr>
-              <p:spPr>
-                <a:xfrm>
-                  <a:off x="6179082" y="3810221"/>
-                  <a:ext cx="1896204" cy="584775"/>
-                </a:xfrm>
-                <a:prstGeom prst="rect">
-                  <a:avLst/>
-                </a:prstGeom>
-                <a:noFill/>
-              </p:spPr>
-              <p:txBody>
-                <a:bodyPr wrap="square" rtlCol="0">
-                  <a:spAutoFit/>
-                </a:bodyPr>
-                <a:lstStyle/>
-                <a:p>
-                  <a:pPr/>
-                  <a14:m>
-                    <m:oMathPara xmlns:m="http://schemas.openxmlformats.org/officeDocument/2006/math">
-                      <m:oMathParaPr>
-                        <m:jc m:val="centerGroup"/>
-                      </m:oMathParaPr>
-                      <m:oMath xmlns:m="http://schemas.openxmlformats.org/officeDocument/2006/math">
-                        <m:sSubSup>
-                          <m:sSubSupPr>
-                            <m:ctrlPr>
-                              <a:rPr kumimoji="1" lang="en-US" altLang="ja-JP" sz="3200" i="1" smtClean="0">
-                                <a:latin typeface="Cambria Math" panose="02040503050406030204" pitchFamily="18" charset="0"/>
-                              </a:rPr>
-                            </m:ctrlPr>
-                          </m:sSubSupPr>
-                          <m:e>
-                            <m:r>
-                              <a:rPr kumimoji="1" lang="en-US" altLang="ja-JP" sz="3200" b="1" i="1" smtClean="0">
-                                <a:latin typeface="Cambria Math" panose="02040503050406030204" pitchFamily="18" charset="0"/>
-                              </a:rPr>
-                              <m:t>𝒙</m:t>
-                            </m:r>
-                          </m:e>
-                          <m:sub>
-                            <m:r>
-                              <a:rPr kumimoji="1" lang="en-US" altLang="ja-JP" sz="3200" b="0" i="1" smtClean="0">
-                                <a:latin typeface="Cambria Math" panose="02040503050406030204" pitchFamily="18" charset="0"/>
-                              </a:rPr>
-                              <m:t>𝑏</m:t>
-                            </m:r>
-                          </m:sub>
-                          <m:sup>
-                            <m:r>
-                              <a:rPr kumimoji="1" lang="en-US" altLang="ja-JP" sz="3200" b="0" i="1" smtClean="0">
-                                <a:latin typeface="Cambria Math" panose="02040503050406030204" pitchFamily="18" charset="0"/>
-                              </a:rPr>
-                              <m:t>′</m:t>
-                            </m:r>
-                          </m:sup>
-                        </m:sSubSup>
-                        <m:r>
-                          <a:rPr kumimoji="1" lang="en-US" altLang="ja-JP" sz="3200" b="0" i="1" smtClean="0">
-                            <a:latin typeface="Cambria Math" panose="02040503050406030204" pitchFamily="18" charset="0"/>
-                          </a:rPr>
-                          <m:t>=</m:t>
-                        </m:r>
-                        <m:r>
-                          <a:rPr kumimoji="1" lang="en-US" altLang="ja-JP" sz="3200" b="1" i="1" smtClean="0">
-                            <a:latin typeface="Cambria Math" panose="02040503050406030204" pitchFamily="18" charset="0"/>
-                          </a:rPr>
-                          <m:t>𝑶</m:t>
-                        </m:r>
-                      </m:oMath>
-                    </m:oMathPara>
-                  </a14:m>
-                  <a:endParaRPr kumimoji="1" lang="ja-JP" altLang="en-US" sz="3200" b="1" dirty="0"/>
-                </a:p>
-              </p:txBody>
-            </p:sp>
-          </mc:Choice>
-          <mc:Fallback>
-            <p:sp>
-              <p:nvSpPr>
-                <p:cNvPr id="33" name="テキスト ボックス 32">
-                  <a:extLst>
-                    <a:ext uri="{FF2B5EF4-FFF2-40B4-BE49-F238E27FC236}">
-                      <a16:creationId xmlns:a16="http://schemas.microsoft.com/office/drawing/2014/main" id="{F49336E6-A391-44BC-969F-EBCDA7359B47}"/>
-                    </a:ext>
-                  </a:extLst>
-                </p:cNvPr>
-                <p:cNvSpPr txBox="1">
-                  <a:spLocks noRot="1" noChangeAspect="1" noMove="1" noResize="1" noEditPoints="1" noAdjustHandles="1" noChangeArrowheads="1" noChangeShapeType="1" noTextEdit="1"/>
-                </p:cNvSpPr>
-                <p:nvPr/>
-              </p:nvSpPr>
-              <p:spPr>
-                <a:xfrm>
-                  <a:off x="6179082" y="3810221"/>
-                  <a:ext cx="1896204" cy="584775"/>
-                </a:xfrm>
-                <a:prstGeom prst="rect">
-                  <a:avLst/>
-                </a:prstGeom>
-                <a:blipFill>
-                  <a:blip r:embed="rId5"/>
-                  <a:stretch>
-                    <a:fillRect/>
-                  </a:stretch>
-                </a:blipFill>
-              </p:spPr>
-              <p:txBody>
-                <a:bodyPr/>
-                <a:lstStyle/>
-                <a:p>
-                  <a:r>
-                    <a:rPr lang="ja-JP" altLang="en-US">
-                      <a:noFill/>
-                    </a:rPr>
-                    <a:t> </a:t>
-                  </a:r>
-                </a:p>
-              </p:txBody>
-            </p:sp>
-          </mc:Fallback>
-        </mc:AlternateContent>
-        <p:cxnSp>
-          <p:nvCxnSpPr>
-            <p:cNvPr id="34" name="直線矢印コネクタ 33">
-              <a:extLst>
-                <a:ext uri="{FF2B5EF4-FFF2-40B4-BE49-F238E27FC236}">
-                  <a16:creationId xmlns:a16="http://schemas.microsoft.com/office/drawing/2014/main" id="{0276690A-1598-4DDD-A64D-52D244C6D970}"/>
-                </a:ext>
-              </a:extLst>
-            </p:cNvPr>
-            <p:cNvCxnSpPr>
-              <a:cxnSpLocks/>
-            </p:cNvCxnSpPr>
-            <p:nvPr/>
-          </p:nvCxnSpPr>
-          <p:spPr>
-            <a:xfrm flipV="1">
-              <a:off x="6359546" y="2710088"/>
-              <a:ext cx="142893" cy="1285436"/>
-            </a:xfrm>
-            <a:prstGeom prst="straightConnector1">
-              <a:avLst/>
-            </a:prstGeom>
-            <a:ln w="57150">
-              <a:tailEnd type="triangle"/>
-            </a:ln>
-          </p:spPr>
-          <p:style>
-            <a:lnRef idx="1">
-              <a:schemeClr val="dk1"/>
-            </a:lnRef>
-            <a:fillRef idx="0">
-              <a:schemeClr val="dk1"/>
-            </a:fillRef>
-            <a:effectRef idx="0">
-              <a:schemeClr val="dk1"/>
-            </a:effectRef>
-            <a:fontRef idx="minor">
-              <a:schemeClr val="tx1"/>
-            </a:fontRef>
-          </p:style>
-        </p:cxnSp>
-        <p:cxnSp>
-          <p:nvCxnSpPr>
-            <p:cNvPr id="35" name="直線矢印コネクタ 34">
-              <a:extLst>
-                <a:ext uri="{FF2B5EF4-FFF2-40B4-BE49-F238E27FC236}">
-                  <a16:creationId xmlns:a16="http://schemas.microsoft.com/office/drawing/2014/main" id="{9075D600-FD9B-4C91-9063-8F53423FB547}"/>
-                </a:ext>
-              </a:extLst>
-            </p:cNvPr>
-            <p:cNvCxnSpPr>
-              <a:cxnSpLocks/>
-            </p:cNvCxnSpPr>
-            <p:nvPr/>
-          </p:nvCxnSpPr>
-          <p:spPr>
-            <a:xfrm flipV="1">
-              <a:off x="6359547" y="3527196"/>
-              <a:ext cx="599775" cy="434464"/>
-            </a:xfrm>
-            <a:prstGeom prst="straightConnector1">
-              <a:avLst/>
-            </a:prstGeom>
-            <a:ln w="57150">
-              <a:tailEnd type="triangle"/>
-            </a:ln>
-          </p:spPr>
-          <p:style>
-            <a:lnRef idx="1">
-              <a:schemeClr val="dk1"/>
-            </a:lnRef>
-            <a:fillRef idx="0">
-              <a:schemeClr val="dk1"/>
-            </a:fillRef>
-            <a:effectRef idx="0">
-              <a:schemeClr val="dk1"/>
-            </a:effectRef>
-            <a:fontRef idx="minor">
-              <a:schemeClr val="tx1"/>
-            </a:fontRef>
-          </p:style>
-        </p:cxnSp>
-        <p:cxnSp>
-          <p:nvCxnSpPr>
-            <p:cNvPr id="36" name="直線矢印コネクタ 35">
-              <a:extLst>
-                <a:ext uri="{FF2B5EF4-FFF2-40B4-BE49-F238E27FC236}">
-                  <a16:creationId xmlns:a16="http://schemas.microsoft.com/office/drawing/2014/main" id="{245EB156-2AF8-4F6F-97FD-B8E78B537B35}"/>
-                </a:ext>
-              </a:extLst>
-            </p:cNvPr>
-            <p:cNvCxnSpPr>
-              <a:cxnSpLocks/>
-            </p:cNvCxnSpPr>
-            <p:nvPr/>
-          </p:nvCxnSpPr>
-          <p:spPr>
-            <a:xfrm flipH="1" flipV="1">
-              <a:off x="5850335" y="3334159"/>
-              <a:ext cx="509213" cy="638368"/>
-            </a:xfrm>
-            <a:prstGeom prst="straightConnector1">
-              <a:avLst/>
-            </a:prstGeom>
-            <a:ln w="57150">
-              <a:tailEnd type="triangle"/>
-            </a:ln>
-          </p:spPr>
-          <p:style>
-            <a:lnRef idx="1">
-              <a:schemeClr val="dk1"/>
-            </a:lnRef>
-            <a:fillRef idx="0">
-              <a:schemeClr val="dk1"/>
-            </a:fillRef>
-            <a:effectRef idx="0">
-              <a:schemeClr val="dk1"/>
-            </a:effectRef>
-            <a:fontRef idx="minor">
-              <a:schemeClr val="tx1"/>
-            </a:fontRef>
-          </p:style>
-        </p:cxnSp>
-        <mc:AlternateContent xmlns:mc="http://schemas.openxmlformats.org/markup-compatibility/2006">
-          <mc:Choice xmlns:a14="http://schemas.microsoft.com/office/drawing/2010/main" Requires="a14">
-            <p:sp>
-              <p:nvSpPr>
-                <p:cNvPr id="39" name="テキスト ボックス 38">
-                  <a:extLst>
-                    <a:ext uri="{FF2B5EF4-FFF2-40B4-BE49-F238E27FC236}">
-                      <a16:creationId xmlns:a16="http://schemas.microsoft.com/office/drawing/2014/main" id="{27F511DA-3C7C-4E7A-9572-6E6A6FAA7679}"/>
-                    </a:ext>
-                  </a:extLst>
-                </p:cNvPr>
-                <p:cNvSpPr txBox="1"/>
-                <p:nvPr/>
-              </p:nvSpPr>
-              <p:spPr>
-                <a:xfrm>
-                  <a:off x="5247869" y="3182778"/>
-                  <a:ext cx="354263" cy="492443"/>
-                </a:xfrm>
-                <a:prstGeom prst="rect">
-                  <a:avLst/>
-                </a:prstGeom>
-                <a:noFill/>
-              </p:spPr>
-              <p:txBody>
-                <a:bodyPr wrap="none" lIns="0" tIns="0" rIns="0" bIns="0" rtlCol="0">
-                  <a:spAutoFit/>
-                </a:bodyPr>
-                <a:lstStyle/>
-                <a:p>
-                  <a14:m>
-                    <m:oMathPara xmlns:m="http://schemas.openxmlformats.org/officeDocument/2006/math">
-                      <m:oMathParaPr>
-                        <m:jc m:val="centerGroup"/>
-                      </m:oMathParaPr>
-                      <m:oMath xmlns:m="http://schemas.openxmlformats.org/officeDocument/2006/math">
-                        <m:r>
-                          <a:rPr kumimoji="1" lang="en-US" altLang="ja-JP" sz="3200" b="1" i="1" smtClean="0">
-                            <a:latin typeface="Cambria Math" panose="02040503050406030204" pitchFamily="18" charset="0"/>
-                          </a:rPr>
-                          <m:t>𝒙</m:t>
-                        </m:r>
-                      </m:oMath>
-                    </m:oMathPara>
-                  </a14:m>
-                  <a:endParaRPr kumimoji="1" lang="ja-JP" altLang="en-US" sz="3200" b="1" dirty="0"/>
-                </a:p>
-              </p:txBody>
-            </p:sp>
-          </mc:Choice>
-          <mc:Fallback>
-            <p:sp>
-              <p:nvSpPr>
-                <p:cNvPr id="39" name="テキスト ボックス 38">
-                  <a:extLst>
-                    <a:ext uri="{FF2B5EF4-FFF2-40B4-BE49-F238E27FC236}">
-                      <a16:creationId xmlns:a16="http://schemas.microsoft.com/office/drawing/2014/main" id="{27F511DA-3C7C-4E7A-9572-6E6A6FAA7679}"/>
-                    </a:ext>
-                  </a:extLst>
-                </p:cNvPr>
-                <p:cNvSpPr txBox="1">
-                  <a:spLocks noRot="1" noChangeAspect="1" noMove="1" noResize="1" noEditPoints="1" noAdjustHandles="1" noChangeArrowheads="1" noChangeShapeType="1" noTextEdit="1"/>
-                </p:cNvSpPr>
-                <p:nvPr/>
-              </p:nvSpPr>
-              <p:spPr>
-                <a:xfrm>
-                  <a:off x="5247869" y="3182778"/>
-                  <a:ext cx="354263" cy="492443"/>
-                </a:xfrm>
-                <a:prstGeom prst="rect">
-                  <a:avLst/>
-                </a:prstGeom>
-                <a:blipFill>
-                  <a:blip r:embed="rId6"/>
-                  <a:stretch>
-                    <a:fillRect/>
-                  </a:stretch>
-                </a:blipFill>
-              </p:spPr>
-              <p:txBody>
-                <a:bodyPr/>
-                <a:lstStyle/>
-                <a:p>
-                  <a:r>
-                    <a:rPr lang="ja-JP" altLang="en-US">
-                      <a:noFill/>
-                    </a:rPr>
-                    <a:t> </a:t>
-                  </a:r>
-                </a:p>
-              </p:txBody>
-            </p:sp>
-          </mc:Fallback>
-        </mc:AlternateContent>
-      </p:grpSp>
+          </a:ln>
+        </p:spPr>
+        <p:style>
+          <a:lnRef idx="2">
+            <a:schemeClr val="accent1">
+              <a:shade val="50000"/>
+            </a:schemeClr>
+          </a:lnRef>
+          <a:fillRef idx="1">
+            <a:schemeClr val="accent1"/>
+          </a:fillRef>
+          <a:effectRef idx="0">
+            <a:schemeClr val="accent1"/>
+          </a:effectRef>
+          <a:fontRef idx="minor">
+            <a:schemeClr val="lt1"/>
+          </a:fontRef>
+        </p:style>
+        <p:txBody>
+          <a:bodyPr rtlCol="0" anchor="ctr"/>
+          <a:lstStyle/>
+          <a:p>
+            <a:pPr algn="ctr"/>
+            <a:endParaRPr kumimoji="1" lang="ja-JP" altLang="en-US"/>
+          </a:p>
+        </p:txBody>
+      </p:sp>
+      <p:cxnSp>
+        <p:nvCxnSpPr>
+          <p:cNvPr id="25" name="直線矢印コネクタ 24">
+            <a:extLst>
+              <a:ext uri="{FF2B5EF4-FFF2-40B4-BE49-F238E27FC236}">
+                <a16:creationId xmlns:a16="http://schemas.microsoft.com/office/drawing/2014/main" id="{E8E22A49-667F-4573-A8CE-4C00AFF31DCE}"/>
+              </a:ext>
+            </a:extLst>
+          </p:cNvPr>
+          <p:cNvCxnSpPr>
+            <a:cxnSpLocks/>
+          </p:cNvCxnSpPr>
+          <p:nvPr/>
+        </p:nvCxnSpPr>
+        <p:spPr>
+          <a:xfrm flipV="1">
+            <a:off x="3743473" y="4242817"/>
+            <a:ext cx="230601" cy="2004182"/>
+          </a:xfrm>
+          <a:prstGeom prst="straightConnector1">
+            <a:avLst/>
+          </a:prstGeom>
+          <a:ln w="76200">
+            <a:tailEnd type="triangle"/>
+          </a:ln>
+        </p:spPr>
+        <p:style>
+          <a:lnRef idx="1">
+            <a:schemeClr val="dk1"/>
+          </a:lnRef>
+          <a:fillRef idx="0">
+            <a:schemeClr val="dk1"/>
+          </a:fillRef>
+          <a:effectRef idx="0">
+            <a:schemeClr val="dk1"/>
+          </a:effectRef>
+          <a:fontRef idx="minor">
+            <a:schemeClr val="tx1"/>
+          </a:fontRef>
+        </p:style>
+      </p:cxnSp>
+      <p:cxnSp>
+        <p:nvCxnSpPr>
+          <p:cNvPr id="26" name="直線矢印コネクタ 25">
+            <a:extLst>
+              <a:ext uri="{FF2B5EF4-FFF2-40B4-BE49-F238E27FC236}">
+                <a16:creationId xmlns:a16="http://schemas.microsoft.com/office/drawing/2014/main" id="{06EC8E29-7474-4EA2-B413-DA5855643282}"/>
+              </a:ext>
+            </a:extLst>
+          </p:cNvPr>
+          <p:cNvCxnSpPr>
+            <a:cxnSpLocks/>
+          </p:cNvCxnSpPr>
+          <p:nvPr/>
+        </p:nvCxnSpPr>
+        <p:spPr>
+          <a:xfrm flipV="1">
+            <a:off x="3736374" y="5589531"/>
+            <a:ext cx="964742" cy="698835"/>
+          </a:xfrm>
+          <a:prstGeom prst="straightConnector1">
+            <a:avLst/>
+          </a:prstGeom>
+          <a:ln w="76200">
+            <a:tailEnd type="triangle"/>
+          </a:ln>
+        </p:spPr>
+        <p:style>
+          <a:lnRef idx="1">
+            <a:schemeClr val="dk1"/>
+          </a:lnRef>
+          <a:fillRef idx="0">
+            <a:schemeClr val="dk1"/>
+          </a:fillRef>
+          <a:effectRef idx="0">
+            <a:schemeClr val="dk1"/>
+          </a:effectRef>
+          <a:fontRef idx="minor">
+            <a:schemeClr val="tx1"/>
+          </a:fontRef>
+        </p:style>
+      </p:cxnSp>
+      <p:cxnSp>
+        <p:nvCxnSpPr>
+          <p:cNvPr id="27" name="直線矢印コネクタ 26">
+            <a:extLst>
+              <a:ext uri="{FF2B5EF4-FFF2-40B4-BE49-F238E27FC236}">
+                <a16:creationId xmlns:a16="http://schemas.microsoft.com/office/drawing/2014/main" id="{194B5198-F50F-4D14-9517-996419472EA6}"/>
+              </a:ext>
+            </a:extLst>
+          </p:cNvPr>
+          <p:cNvCxnSpPr>
+            <a:cxnSpLocks/>
+          </p:cNvCxnSpPr>
+          <p:nvPr/>
+        </p:nvCxnSpPr>
+        <p:spPr>
+          <a:xfrm flipH="1" flipV="1">
+            <a:off x="3075517" y="5470759"/>
+            <a:ext cx="660857" cy="828475"/>
+          </a:xfrm>
+          <a:prstGeom prst="straightConnector1">
+            <a:avLst/>
+          </a:prstGeom>
+          <a:ln w="76200">
+            <a:tailEnd type="triangle"/>
+          </a:ln>
+        </p:spPr>
+        <p:style>
+          <a:lnRef idx="1">
+            <a:schemeClr val="dk1"/>
+          </a:lnRef>
+          <a:fillRef idx="0">
+            <a:schemeClr val="dk1"/>
+          </a:fillRef>
+          <a:effectRef idx="0">
+            <a:schemeClr val="dk1"/>
+          </a:effectRef>
+          <a:fontRef idx="minor">
+            <a:schemeClr val="tx1"/>
+          </a:fontRef>
+        </p:style>
+      </p:cxnSp>
+      <mc:AlternateContent xmlns:mc="http://schemas.openxmlformats.org/markup-compatibility/2006">
+        <mc:Choice xmlns:a14="http://schemas.microsoft.com/office/drawing/2010/main" Requires="a14">
+          <p:sp>
+            <p:nvSpPr>
+              <p:cNvPr id="28" name="テキスト ボックス 27">
+                <a:extLst>
+                  <a:ext uri="{FF2B5EF4-FFF2-40B4-BE49-F238E27FC236}">
+                    <a16:creationId xmlns:a16="http://schemas.microsoft.com/office/drawing/2014/main" id="{2035DBB9-8364-45D0-B5C3-B459085C2169}"/>
+                  </a:ext>
+                </a:extLst>
+              </p:cNvPr>
+              <p:cNvSpPr txBox="1"/>
+              <p:nvPr/>
+            </p:nvSpPr>
+            <p:spPr>
+              <a:xfrm>
+                <a:off x="3405945" y="6165285"/>
+                <a:ext cx="1994595" cy="584775"/>
+              </a:xfrm>
+              <a:prstGeom prst="rect">
+                <a:avLst/>
+              </a:prstGeom>
+              <a:noFill/>
+            </p:spPr>
+            <p:txBody>
+              <a:bodyPr wrap="square" rtlCol="0">
+                <a:spAutoFit/>
+              </a:bodyPr>
+              <a:lstStyle/>
+              <a:p>
+                <a:pPr/>
+                <a14:m>
+                  <m:oMathPara xmlns:m="http://schemas.openxmlformats.org/officeDocument/2006/math">
+                    <m:oMathParaPr>
+                      <m:jc m:val="centerGroup"/>
+                    </m:oMathParaPr>
+                    <m:oMath xmlns:m="http://schemas.openxmlformats.org/officeDocument/2006/math">
+                      <m:sSub>
+                        <m:sSubPr>
+                          <m:ctrlPr>
+                            <a:rPr kumimoji="1" lang="en-US" altLang="ja-JP" sz="3200" b="0" i="1" smtClean="0">
+                              <a:latin typeface="Cambria Math" panose="02040503050406030204" pitchFamily="18" charset="0"/>
+                            </a:rPr>
+                          </m:ctrlPr>
+                        </m:sSubPr>
+                        <m:e>
+                          <m:r>
+                            <a:rPr kumimoji="1" lang="en-US" altLang="ja-JP" sz="3200" b="1" i="1" smtClean="0">
+                              <a:latin typeface="Cambria Math" panose="02040503050406030204" pitchFamily="18" charset="0"/>
+                            </a:rPr>
+                            <m:t>𝒙</m:t>
+                          </m:r>
+                        </m:e>
+                        <m:sub>
+                          <m:r>
+                            <a:rPr kumimoji="1" lang="en-US" altLang="ja-JP" sz="3200" b="0" i="1" smtClean="0">
+                              <a:latin typeface="Cambria Math" panose="02040503050406030204" pitchFamily="18" charset="0"/>
+                            </a:rPr>
+                            <m:t>𝑤</m:t>
+                          </m:r>
+                        </m:sub>
+                      </m:sSub>
+                      <m:r>
+                        <a:rPr kumimoji="1" lang="en-US" altLang="ja-JP" sz="3200" b="0" i="1" smtClean="0">
+                          <a:latin typeface="Cambria Math" panose="02040503050406030204" pitchFamily="18" charset="0"/>
+                        </a:rPr>
+                        <m:t>=</m:t>
+                      </m:r>
+                      <m:r>
+                        <a:rPr kumimoji="1" lang="en-US" altLang="ja-JP" sz="3200" b="1" i="1" smtClean="0">
+                          <a:latin typeface="Cambria Math" panose="02040503050406030204" pitchFamily="18" charset="0"/>
+                        </a:rPr>
+                        <m:t>𝑶</m:t>
+                      </m:r>
+                    </m:oMath>
+                  </m:oMathPara>
+                </a14:m>
+                <a:endParaRPr kumimoji="1" lang="ja-JP" altLang="en-US" sz="3200" b="1" dirty="0"/>
+              </a:p>
+            </p:txBody>
+          </p:sp>
+        </mc:Choice>
+        <mc:Fallback>
+          <p:sp>
+            <p:nvSpPr>
+              <p:cNvPr id="28" name="テキスト ボックス 27">
+                <a:extLst>
+                  <a:ext uri="{FF2B5EF4-FFF2-40B4-BE49-F238E27FC236}">
+                    <a16:creationId xmlns:a16="http://schemas.microsoft.com/office/drawing/2014/main" id="{2035DBB9-8364-45D0-B5C3-B459085C2169}"/>
+                  </a:ext>
+                </a:extLst>
+              </p:cNvPr>
+              <p:cNvSpPr txBox="1">
+                <a:spLocks noRot="1" noChangeAspect="1" noMove="1" noResize="1" noEditPoints="1" noAdjustHandles="1" noChangeArrowheads="1" noChangeShapeType="1" noTextEdit="1"/>
+              </p:cNvSpPr>
+              <p:nvPr/>
+            </p:nvSpPr>
+            <p:spPr>
+              <a:xfrm>
+                <a:off x="3405945" y="6165285"/>
+                <a:ext cx="1994595" cy="584775"/>
+              </a:xfrm>
+              <a:prstGeom prst="rect">
+                <a:avLst/>
+              </a:prstGeom>
+              <a:blipFill>
+                <a:blip r:embed="rId2"/>
+                <a:stretch>
+                  <a:fillRect/>
+                </a:stretch>
+              </a:blipFill>
+            </p:spPr>
+            <p:txBody>
+              <a:bodyPr/>
+              <a:lstStyle/>
+              <a:p>
+                <a:r>
+                  <a:rPr lang="ja-JP" altLang="en-US">
+                    <a:noFill/>
+                  </a:rPr>
+                  <a:t> </a:t>
+                </a:r>
+              </a:p>
+            </p:txBody>
+          </p:sp>
+        </mc:Fallback>
+      </mc:AlternateContent>
+      <mc:AlternateContent xmlns:mc="http://schemas.openxmlformats.org/markup-compatibility/2006">
+        <mc:Choice xmlns:a14="http://schemas.microsoft.com/office/drawing/2010/main" Requires="a14">
+          <p:sp>
+            <p:nvSpPr>
+              <p:cNvPr id="29" name="テキスト ボックス 28">
+                <a:extLst>
+                  <a:ext uri="{FF2B5EF4-FFF2-40B4-BE49-F238E27FC236}">
+                    <a16:creationId xmlns:a16="http://schemas.microsoft.com/office/drawing/2014/main" id="{9442C12C-52DE-400D-868D-9AAB947F31BA}"/>
+                  </a:ext>
+                </a:extLst>
+              </p:cNvPr>
+              <p:cNvSpPr txBox="1"/>
+              <p:nvPr/>
+            </p:nvSpPr>
+            <p:spPr>
+              <a:xfrm>
+                <a:off x="5292849" y="4622006"/>
+                <a:ext cx="618567" cy="584775"/>
+              </a:xfrm>
+              <a:prstGeom prst="rect">
+                <a:avLst/>
+              </a:prstGeom>
+              <a:noFill/>
+            </p:spPr>
+            <p:txBody>
+              <a:bodyPr wrap="square" rtlCol="0">
+                <a:spAutoFit/>
+              </a:bodyPr>
+              <a:lstStyle/>
+              <a:p>
+                <a:pPr/>
+                <a14:m>
+                  <m:oMathPara xmlns:m="http://schemas.openxmlformats.org/officeDocument/2006/math">
+                    <m:oMathParaPr>
+                      <m:jc m:val="centerGroup"/>
+                    </m:oMathParaPr>
+                    <m:oMath xmlns:m="http://schemas.openxmlformats.org/officeDocument/2006/math">
+                      <m:sSub>
+                        <m:sSubPr>
+                          <m:ctrlPr>
+                            <a:rPr kumimoji="1" lang="en-US" altLang="ja-JP" sz="3200" b="0" i="1" smtClean="0">
+                              <a:latin typeface="Cambria Math" panose="02040503050406030204" pitchFamily="18" charset="0"/>
+                            </a:rPr>
+                          </m:ctrlPr>
+                        </m:sSubPr>
+                        <m:e>
+                          <m:r>
+                            <a:rPr kumimoji="1" lang="en-US" altLang="ja-JP" sz="3200" b="1" i="1" smtClean="0">
+                              <a:latin typeface="Cambria Math" panose="02040503050406030204" pitchFamily="18" charset="0"/>
+                            </a:rPr>
+                            <m:t>𝒙</m:t>
+                          </m:r>
+                        </m:e>
+                        <m:sub>
+                          <m:r>
+                            <a:rPr kumimoji="1" lang="en-US" altLang="ja-JP" sz="3200" b="0" i="1" smtClean="0">
+                              <a:latin typeface="Cambria Math" panose="02040503050406030204" pitchFamily="18" charset="0"/>
+                            </a:rPr>
+                            <m:t>𝑏</m:t>
+                          </m:r>
+                        </m:sub>
+                      </m:sSub>
+                    </m:oMath>
+                  </m:oMathPara>
+                </a14:m>
+                <a:endParaRPr kumimoji="1" lang="ja-JP" altLang="en-US" sz="3200" dirty="0"/>
+              </a:p>
+            </p:txBody>
+          </p:sp>
+        </mc:Choice>
+        <mc:Fallback>
+          <p:sp>
+            <p:nvSpPr>
+              <p:cNvPr id="29" name="テキスト ボックス 28">
+                <a:extLst>
+                  <a:ext uri="{FF2B5EF4-FFF2-40B4-BE49-F238E27FC236}">
+                    <a16:creationId xmlns:a16="http://schemas.microsoft.com/office/drawing/2014/main" id="{9442C12C-52DE-400D-868D-9AAB947F31BA}"/>
+                  </a:ext>
+                </a:extLst>
+              </p:cNvPr>
+              <p:cNvSpPr txBox="1">
+                <a:spLocks noRot="1" noChangeAspect="1" noMove="1" noResize="1" noEditPoints="1" noAdjustHandles="1" noChangeArrowheads="1" noChangeShapeType="1" noTextEdit="1"/>
+              </p:cNvSpPr>
+              <p:nvPr/>
+            </p:nvSpPr>
+            <p:spPr>
+              <a:xfrm>
+                <a:off x="5292849" y="4622006"/>
+                <a:ext cx="618567" cy="584775"/>
+              </a:xfrm>
+              <a:prstGeom prst="rect">
+                <a:avLst/>
+              </a:prstGeom>
+              <a:blipFill>
+                <a:blip r:embed="rId3"/>
+                <a:stretch>
+                  <a:fillRect/>
+                </a:stretch>
+              </a:blipFill>
+            </p:spPr>
+            <p:txBody>
+              <a:bodyPr/>
+              <a:lstStyle/>
+              <a:p>
+                <a:r>
+                  <a:rPr lang="ja-JP" altLang="en-US">
+                    <a:noFill/>
+                  </a:rPr>
+                  <a:t> </a:t>
+                </a:r>
+              </a:p>
+            </p:txBody>
+          </p:sp>
+        </mc:Fallback>
+      </mc:AlternateContent>
+      <p:cxnSp>
+        <p:nvCxnSpPr>
+          <p:cNvPr id="30" name="直線矢印コネクタ 29">
+            <a:extLst>
+              <a:ext uri="{FF2B5EF4-FFF2-40B4-BE49-F238E27FC236}">
+                <a16:creationId xmlns:a16="http://schemas.microsoft.com/office/drawing/2014/main" id="{FB1D2424-1792-4E28-8BA6-E7F7CF0E580C}"/>
+              </a:ext>
+            </a:extLst>
+          </p:cNvPr>
+          <p:cNvCxnSpPr>
+            <a:cxnSpLocks/>
+          </p:cNvCxnSpPr>
+          <p:nvPr/>
+        </p:nvCxnSpPr>
+        <p:spPr>
+          <a:xfrm flipH="1">
+            <a:off x="3787551" y="3948968"/>
+            <a:ext cx="2510611" cy="2127400"/>
+          </a:xfrm>
+          <a:prstGeom prst="straightConnector1">
+            <a:avLst/>
+          </a:prstGeom>
+          <a:ln w="38100">
+            <a:tailEnd type="triangle"/>
+          </a:ln>
+        </p:spPr>
+        <p:style>
+          <a:lnRef idx="1">
+            <a:schemeClr val="dk1"/>
+          </a:lnRef>
+          <a:fillRef idx="0">
+            <a:schemeClr val="dk1"/>
+          </a:fillRef>
+          <a:effectRef idx="0">
+            <a:schemeClr val="dk1"/>
+          </a:effectRef>
+          <a:fontRef idx="minor">
+            <a:schemeClr val="tx1"/>
+          </a:fontRef>
+        </p:style>
+      </p:cxnSp>
+      <mc:AlternateContent xmlns:mc="http://schemas.openxmlformats.org/markup-compatibility/2006">
+        <mc:Choice xmlns:a14="http://schemas.microsoft.com/office/drawing/2010/main" Requires="a14">
+          <p:sp>
+            <p:nvSpPr>
+              <p:cNvPr id="31" name="テキスト ボックス 30">
+                <a:extLst>
+                  <a:ext uri="{FF2B5EF4-FFF2-40B4-BE49-F238E27FC236}">
+                    <a16:creationId xmlns:a16="http://schemas.microsoft.com/office/drawing/2014/main" id="{F44C9D58-E9F7-44C1-9D04-B40FC69CFDC4}"/>
+                  </a:ext>
+                </a:extLst>
+              </p:cNvPr>
+              <p:cNvSpPr txBox="1"/>
+              <p:nvPr/>
+            </p:nvSpPr>
+            <p:spPr>
+              <a:xfrm>
+                <a:off x="5331256" y="3798205"/>
+                <a:ext cx="618567" cy="584775"/>
+              </a:xfrm>
+              <a:prstGeom prst="rect">
+                <a:avLst/>
+              </a:prstGeom>
+              <a:noFill/>
+            </p:spPr>
+            <p:txBody>
+              <a:bodyPr wrap="square" rtlCol="0">
+                <a:spAutoFit/>
+              </a:bodyPr>
+              <a:lstStyle/>
+              <a:p>
+                <a:pPr/>
+                <a14:m>
+                  <m:oMathPara xmlns:m="http://schemas.openxmlformats.org/officeDocument/2006/math">
+                    <m:oMathParaPr>
+                      <m:jc m:val="centerGroup"/>
+                    </m:oMathParaPr>
+                    <m:oMath xmlns:m="http://schemas.openxmlformats.org/officeDocument/2006/math">
+                      <m:sSubSup>
+                        <m:sSubSupPr>
+                          <m:ctrlPr>
+                            <a:rPr kumimoji="1" lang="en-US" altLang="ja-JP" sz="3200" i="1" smtClean="0">
+                              <a:latin typeface="Cambria Math" panose="02040503050406030204" pitchFamily="18" charset="0"/>
+                            </a:rPr>
+                          </m:ctrlPr>
+                        </m:sSubSupPr>
+                        <m:e>
+                          <m:r>
+                            <a:rPr kumimoji="1" lang="en-US" altLang="ja-JP" sz="3200" b="1" i="1" smtClean="0">
+                              <a:latin typeface="Cambria Math" panose="02040503050406030204" pitchFamily="18" charset="0"/>
+                            </a:rPr>
+                            <m:t>𝒙</m:t>
+                          </m:r>
+                        </m:e>
+                        <m:sub>
+                          <m:r>
+                            <a:rPr kumimoji="1" lang="en-US" altLang="ja-JP" sz="3200" b="0" i="1" smtClean="0">
+                              <a:latin typeface="Cambria Math" panose="02040503050406030204" pitchFamily="18" charset="0"/>
+                            </a:rPr>
+                            <m:t>𝑤</m:t>
+                          </m:r>
+                        </m:sub>
+                        <m:sup>
+                          <m:r>
+                            <a:rPr kumimoji="1" lang="en-US" altLang="ja-JP" sz="3200" b="0" i="1" smtClean="0">
+                              <a:latin typeface="Cambria Math" panose="02040503050406030204" pitchFamily="18" charset="0"/>
+                            </a:rPr>
+                            <m:t>′</m:t>
+                          </m:r>
+                        </m:sup>
+                      </m:sSubSup>
+                    </m:oMath>
+                  </m:oMathPara>
+                </a14:m>
+                <a:endParaRPr kumimoji="1" lang="ja-JP" altLang="en-US" sz="3200" dirty="0"/>
+              </a:p>
+            </p:txBody>
+          </p:sp>
+        </mc:Choice>
+        <mc:Fallback>
+          <p:sp>
+            <p:nvSpPr>
+              <p:cNvPr id="31" name="テキスト ボックス 30">
+                <a:extLst>
+                  <a:ext uri="{FF2B5EF4-FFF2-40B4-BE49-F238E27FC236}">
+                    <a16:creationId xmlns:a16="http://schemas.microsoft.com/office/drawing/2014/main" id="{F44C9D58-E9F7-44C1-9D04-B40FC69CFDC4}"/>
+                  </a:ext>
+                </a:extLst>
+              </p:cNvPr>
+              <p:cNvSpPr txBox="1">
+                <a:spLocks noRot="1" noChangeAspect="1" noMove="1" noResize="1" noEditPoints="1" noAdjustHandles="1" noChangeArrowheads="1" noChangeShapeType="1" noTextEdit="1"/>
+              </p:cNvSpPr>
+              <p:nvPr/>
+            </p:nvSpPr>
+            <p:spPr>
+              <a:xfrm>
+                <a:off x="5331256" y="3798205"/>
+                <a:ext cx="618567" cy="584775"/>
+              </a:xfrm>
+              <a:prstGeom prst="rect">
+                <a:avLst/>
+              </a:prstGeom>
+              <a:blipFill>
+                <a:blip r:embed="rId4"/>
+                <a:stretch>
+                  <a:fillRect/>
+                </a:stretch>
+              </a:blipFill>
+            </p:spPr>
+            <p:txBody>
+              <a:bodyPr/>
+              <a:lstStyle/>
+              <a:p>
+                <a:r>
+                  <a:rPr lang="ja-JP" altLang="en-US">
+                    <a:noFill/>
+                  </a:rPr>
+                  <a:t> </a:t>
+                </a:r>
+              </a:p>
+            </p:txBody>
+          </p:sp>
+        </mc:Fallback>
+      </mc:AlternateContent>
+      <p:cxnSp>
+        <p:nvCxnSpPr>
+          <p:cNvPr id="32" name="直線矢印コネクタ 31">
+            <a:extLst>
+              <a:ext uri="{FF2B5EF4-FFF2-40B4-BE49-F238E27FC236}">
+                <a16:creationId xmlns:a16="http://schemas.microsoft.com/office/drawing/2014/main" id="{AE2A24DD-36AA-406F-8351-C003E225DD56}"/>
+              </a:ext>
+            </a:extLst>
+          </p:cNvPr>
+          <p:cNvCxnSpPr>
+            <a:cxnSpLocks/>
+          </p:cNvCxnSpPr>
+          <p:nvPr/>
+        </p:nvCxnSpPr>
+        <p:spPr>
+          <a:xfrm flipV="1">
+            <a:off x="3848935" y="3982834"/>
+            <a:ext cx="2564101" cy="2141881"/>
+          </a:xfrm>
+          <a:prstGeom prst="straightConnector1">
+            <a:avLst/>
+          </a:prstGeom>
+          <a:ln w="38100">
+            <a:tailEnd type="triangle"/>
+          </a:ln>
+        </p:spPr>
+        <p:style>
+          <a:lnRef idx="1">
+            <a:schemeClr val="dk1"/>
+          </a:lnRef>
+          <a:fillRef idx="0">
+            <a:schemeClr val="dk1"/>
+          </a:fillRef>
+          <a:effectRef idx="0">
+            <a:schemeClr val="dk1"/>
+          </a:effectRef>
+          <a:fontRef idx="minor">
+            <a:schemeClr val="tx1"/>
+          </a:fontRef>
+        </p:style>
+      </p:cxnSp>
+      <mc:AlternateContent xmlns:mc="http://schemas.openxmlformats.org/markup-compatibility/2006">
+        <mc:Choice xmlns:a14="http://schemas.microsoft.com/office/drawing/2010/main" Requires="a14">
+          <p:sp>
+            <p:nvSpPr>
+              <p:cNvPr id="33" name="テキスト ボックス 32">
+                <a:extLst>
+                  <a:ext uri="{FF2B5EF4-FFF2-40B4-BE49-F238E27FC236}">
+                    <a16:creationId xmlns:a16="http://schemas.microsoft.com/office/drawing/2014/main" id="{F49336E6-A391-44BC-969F-EBCDA7359B47}"/>
+                  </a:ext>
+                </a:extLst>
+              </p:cNvPr>
+              <p:cNvSpPr txBox="1"/>
+              <p:nvPr/>
+            </p:nvSpPr>
+            <p:spPr>
+              <a:xfrm>
+                <a:off x="6179082" y="3810221"/>
+                <a:ext cx="1896204" cy="584775"/>
+              </a:xfrm>
+              <a:prstGeom prst="rect">
+                <a:avLst/>
+              </a:prstGeom>
+              <a:noFill/>
+            </p:spPr>
+            <p:txBody>
+              <a:bodyPr wrap="square" rtlCol="0">
+                <a:spAutoFit/>
+              </a:bodyPr>
+              <a:lstStyle/>
+              <a:p>
+                <a:pPr/>
+                <a14:m>
+                  <m:oMathPara xmlns:m="http://schemas.openxmlformats.org/officeDocument/2006/math">
+                    <m:oMathParaPr>
+                      <m:jc m:val="centerGroup"/>
+                    </m:oMathParaPr>
+                    <m:oMath xmlns:m="http://schemas.openxmlformats.org/officeDocument/2006/math">
+                      <m:sSubSup>
+                        <m:sSubSupPr>
+                          <m:ctrlPr>
+                            <a:rPr kumimoji="1" lang="en-US" altLang="ja-JP" sz="3200" i="1" smtClean="0">
+                              <a:latin typeface="Cambria Math" panose="02040503050406030204" pitchFamily="18" charset="0"/>
+                            </a:rPr>
+                          </m:ctrlPr>
+                        </m:sSubSupPr>
+                        <m:e>
+                          <m:r>
+                            <a:rPr kumimoji="1" lang="en-US" altLang="ja-JP" sz="3200" b="1" i="1" smtClean="0">
+                              <a:latin typeface="Cambria Math" panose="02040503050406030204" pitchFamily="18" charset="0"/>
+                            </a:rPr>
+                            <m:t>𝒙</m:t>
+                          </m:r>
+                        </m:e>
+                        <m:sub>
+                          <m:r>
+                            <a:rPr kumimoji="1" lang="en-US" altLang="ja-JP" sz="3200" b="0" i="1" smtClean="0">
+                              <a:latin typeface="Cambria Math" panose="02040503050406030204" pitchFamily="18" charset="0"/>
+                            </a:rPr>
+                            <m:t>𝑏</m:t>
+                          </m:r>
+                        </m:sub>
+                        <m:sup>
+                          <m:r>
+                            <a:rPr kumimoji="1" lang="en-US" altLang="ja-JP" sz="3200" b="0" i="1" smtClean="0">
+                              <a:latin typeface="Cambria Math" panose="02040503050406030204" pitchFamily="18" charset="0"/>
+                            </a:rPr>
+                            <m:t>′</m:t>
+                          </m:r>
+                        </m:sup>
+                      </m:sSubSup>
+                      <m:r>
+                        <a:rPr kumimoji="1" lang="en-US" altLang="ja-JP" sz="3200" b="0" i="1" smtClean="0">
+                          <a:latin typeface="Cambria Math" panose="02040503050406030204" pitchFamily="18" charset="0"/>
+                        </a:rPr>
+                        <m:t>=</m:t>
+                      </m:r>
+                      <m:r>
+                        <a:rPr kumimoji="1" lang="en-US" altLang="ja-JP" sz="3200" b="1" i="1" smtClean="0">
+                          <a:latin typeface="Cambria Math" panose="02040503050406030204" pitchFamily="18" charset="0"/>
+                        </a:rPr>
+                        <m:t>𝑶</m:t>
+                      </m:r>
+                    </m:oMath>
+                  </m:oMathPara>
+                </a14:m>
+                <a:endParaRPr kumimoji="1" lang="ja-JP" altLang="en-US" sz="3200" b="1" dirty="0"/>
+              </a:p>
+            </p:txBody>
+          </p:sp>
+        </mc:Choice>
+        <mc:Fallback>
+          <p:sp>
+            <p:nvSpPr>
+              <p:cNvPr id="33" name="テキスト ボックス 32">
+                <a:extLst>
+                  <a:ext uri="{FF2B5EF4-FFF2-40B4-BE49-F238E27FC236}">
+                    <a16:creationId xmlns:a16="http://schemas.microsoft.com/office/drawing/2014/main" id="{F49336E6-A391-44BC-969F-EBCDA7359B47}"/>
+                  </a:ext>
+                </a:extLst>
+              </p:cNvPr>
+              <p:cNvSpPr txBox="1">
+                <a:spLocks noRot="1" noChangeAspect="1" noMove="1" noResize="1" noEditPoints="1" noAdjustHandles="1" noChangeArrowheads="1" noChangeShapeType="1" noTextEdit="1"/>
+              </p:cNvSpPr>
+              <p:nvPr/>
+            </p:nvSpPr>
+            <p:spPr>
+              <a:xfrm>
+                <a:off x="6179082" y="3810221"/>
+                <a:ext cx="1896204" cy="584775"/>
+              </a:xfrm>
+              <a:prstGeom prst="rect">
+                <a:avLst/>
+              </a:prstGeom>
+              <a:blipFill>
+                <a:blip r:embed="rId5"/>
+                <a:stretch>
+                  <a:fillRect/>
+                </a:stretch>
+              </a:blipFill>
+            </p:spPr>
+            <p:txBody>
+              <a:bodyPr/>
+              <a:lstStyle/>
+              <a:p>
+                <a:r>
+                  <a:rPr lang="ja-JP" altLang="en-US">
+                    <a:noFill/>
+                  </a:rPr>
+                  <a:t> </a:t>
+                </a:r>
+              </a:p>
+            </p:txBody>
+          </p:sp>
+        </mc:Fallback>
+      </mc:AlternateContent>
+      <p:cxnSp>
+        <p:nvCxnSpPr>
+          <p:cNvPr id="34" name="直線矢印コネクタ 33">
+            <a:extLst>
+              <a:ext uri="{FF2B5EF4-FFF2-40B4-BE49-F238E27FC236}">
+                <a16:creationId xmlns:a16="http://schemas.microsoft.com/office/drawing/2014/main" id="{0276690A-1598-4DDD-A64D-52D244C6D970}"/>
+              </a:ext>
+            </a:extLst>
+          </p:cNvPr>
+          <p:cNvCxnSpPr>
+            <a:cxnSpLocks/>
+          </p:cNvCxnSpPr>
+          <p:nvPr/>
+        </p:nvCxnSpPr>
+        <p:spPr>
+          <a:xfrm flipV="1">
+            <a:off x="6359546" y="2710088"/>
+            <a:ext cx="142893" cy="1285436"/>
+          </a:xfrm>
+          <a:prstGeom prst="straightConnector1">
+            <a:avLst/>
+          </a:prstGeom>
+          <a:ln w="57150">
+            <a:tailEnd type="triangle"/>
+          </a:ln>
+        </p:spPr>
+        <p:style>
+          <a:lnRef idx="1">
+            <a:schemeClr val="dk1"/>
+          </a:lnRef>
+          <a:fillRef idx="0">
+            <a:schemeClr val="dk1"/>
+          </a:fillRef>
+          <a:effectRef idx="0">
+            <a:schemeClr val="dk1"/>
+          </a:effectRef>
+          <a:fontRef idx="minor">
+            <a:schemeClr val="tx1"/>
+          </a:fontRef>
+        </p:style>
+      </p:cxnSp>
+      <p:cxnSp>
+        <p:nvCxnSpPr>
+          <p:cNvPr id="35" name="直線矢印コネクタ 34">
+            <a:extLst>
+              <a:ext uri="{FF2B5EF4-FFF2-40B4-BE49-F238E27FC236}">
+                <a16:creationId xmlns:a16="http://schemas.microsoft.com/office/drawing/2014/main" id="{9075D600-FD9B-4C91-9063-8F53423FB547}"/>
+              </a:ext>
+            </a:extLst>
+          </p:cNvPr>
+          <p:cNvCxnSpPr>
+            <a:cxnSpLocks/>
+          </p:cNvCxnSpPr>
+          <p:nvPr/>
+        </p:nvCxnSpPr>
+        <p:spPr>
+          <a:xfrm flipV="1">
+            <a:off x="6359547" y="3527196"/>
+            <a:ext cx="599775" cy="434464"/>
+          </a:xfrm>
+          <a:prstGeom prst="straightConnector1">
+            <a:avLst/>
+          </a:prstGeom>
+          <a:ln w="57150">
+            <a:tailEnd type="triangle"/>
+          </a:ln>
+        </p:spPr>
+        <p:style>
+          <a:lnRef idx="1">
+            <a:schemeClr val="dk1"/>
+          </a:lnRef>
+          <a:fillRef idx="0">
+            <a:schemeClr val="dk1"/>
+          </a:fillRef>
+          <a:effectRef idx="0">
+            <a:schemeClr val="dk1"/>
+          </a:effectRef>
+          <a:fontRef idx="minor">
+            <a:schemeClr val="tx1"/>
+          </a:fontRef>
+        </p:style>
+      </p:cxnSp>
+      <p:cxnSp>
+        <p:nvCxnSpPr>
+          <p:cNvPr id="36" name="直線矢印コネクタ 35">
+            <a:extLst>
+              <a:ext uri="{FF2B5EF4-FFF2-40B4-BE49-F238E27FC236}">
+                <a16:creationId xmlns:a16="http://schemas.microsoft.com/office/drawing/2014/main" id="{245EB156-2AF8-4F6F-97FD-B8E78B537B35}"/>
+              </a:ext>
+            </a:extLst>
+          </p:cNvPr>
+          <p:cNvCxnSpPr>
+            <a:cxnSpLocks/>
+          </p:cNvCxnSpPr>
+          <p:nvPr/>
+        </p:nvCxnSpPr>
+        <p:spPr>
+          <a:xfrm flipH="1" flipV="1">
+            <a:off x="5850335" y="3334159"/>
+            <a:ext cx="509213" cy="638368"/>
+          </a:xfrm>
+          <a:prstGeom prst="straightConnector1">
+            <a:avLst/>
+          </a:prstGeom>
+          <a:ln w="57150">
+            <a:tailEnd type="triangle"/>
+          </a:ln>
+        </p:spPr>
+        <p:style>
+          <a:lnRef idx="1">
+            <a:schemeClr val="dk1"/>
+          </a:lnRef>
+          <a:fillRef idx="0">
+            <a:schemeClr val="dk1"/>
+          </a:fillRef>
+          <a:effectRef idx="0">
+            <a:schemeClr val="dk1"/>
+          </a:effectRef>
+          <a:fontRef idx="minor">
+            <a:schemeClr val="tx1"/>
+          </a:fontRef>
+        </p:style>
+      </p:cxnSp>
+      <mc:AlternateContent xmlns:mc="http://schemas.openxmlformats.org/markup-compatibility/2006">
+        <mc:Choice xmlns:a14="http://schemas.microsoft.com/office/drawing/2010/main" Requires="a14">
+          <p:sp>
+            <p:nvSpPr>
+              <p:cNvPr id="39" name="テキスト ボックス 38">
+                <a:extLst>
+                  <a:ext uri="{FF2B5EF4-FFF2-40B4-BE49-F238E27FC236}">
+                    <a16:creationId xmlns:a16="http://schemas.microsoft.com/office/drawing/2014/main" id="{27F511DA-3C7C-4E7A-9572-6E6A6FAA7679}"/>
+                  </a:ext>
+                </a:extLst>
+              </p:cNvPr>
+              <p:cNvSpPr txBox="1"/>
+              <p:nvPr/>
+            </p:nvSpPr>
+            <p:spPr>
+              <a:xfrm>
+                <a:off x="5247869" y="3182778"/>
+                <a:ext cx="354263" cy="492443"/>
+              </a:xfrm>
+              <a:prstGeom prst="rect">
+                <a:avLst/>
+              </a:prstGeom>
+              <a:noFill/>
+            </p:spPr>
+            <p:txBody>
+              <a:bodyPr wrap="none" lIns="0" tIns="0" rIns="0" bIns="0" rtlCol="0">
+                <a:spAutoFit/>
+              </a:bodyPr>
+              <a:lstStyle/>
+              <a:p>
+                <a14:m>
+                  <m:oMathPara xmlns:m="http://schemas.openxmlformats.org/officeDocument/2006/math">
+                    <m:oMathParaPr>
+                      <m:jc m:val="centerGroup"/>
+                    </m:oMathParaPr>
+                    <m:oMath xmlns:m="http://schemas.openxmlformats.org/officeDocument/2006/math">
+                      <m:r>
+                        <a:rPr kumimoji="1" lang="en-US" altLang="ja-JP" sz="3200" b="1" i="1" smtClean="0">
+                          <a:latin typeface="Cambria Math" panose="02040503050406030204" pitchFamily="18" charset="0"/>
+                        </a:rPr>
+                        <m:t>𝒙</m:t>
+                      </m:r>
+                    </m:oMath>
+                  </m:oMathPara>
+                </a14:m>
+                <a:endParaRPr kumimoji="1" lang="ja-JP" altLang="en-US" sz="3200" b="1" dirty="0"/>
+              </a:p>
+            </p:txBody>
+          </p:sp>
+        </mc:Choice>
+        <mc:Fallback>
+          <p:sp>
+            <p:nvSpPr>
+              <p:cNvPr id="39" name="テキスト ボックス 38">
+                <a:extLst>
+                  <a:ext uri="{FF2B5EF4-FFF2-40B4-BE49-F238E27FC236}">
+                    <a16:creationId xmlns:a16="http://schemas.microsoft.com/office/drawing/2014/main" id="{27F511DA-3C7C-4E7A-9572-6E6A6FAA7679}"/>
+                  </a:ext>
+                </a:extLst>
+              </p:cNvPr>
+              <p:cNvSpPr txBox="1">
+                <a:spLocks noRot="1" noChangeAspect="1" noMove="1" noResize="1" noEditPoints="1" noAdjustHandles="1" noChangeArrowheads="1" noChangeShapeType="1" noTextEdit="1"/>
+              </p:cNvSpPr>
+              <p:nvPr/>
+            </p:nvSpPr>
+            <p:spPr>
+              <a:xfrm>
+                <a:off x="5247869" y="3182778"/>
+                <a:ext cx="354263" cy="492443"/>
+              </a:xfrm>
+              <a:prstGeom prst="rect">
+                <a:avLst/>
+              </a:prstGeom>
+              <a:blipFill>
+                <a:blip r:embed="rId6"/>
+                <a:stretch>
+                  <a:fillRect/>
+                </a:stretch>
+              </a:blipFill>
+            </p:spPr>
+            <p:txBody>
+              <a:bodyPr/>
+              <a:lstStyle/>
+              <a:p>
+                <a:r>
+                  <a:rPr lang="ja-JP" altLang="en-US">
+                    <a:noFill/>
+                  </a:rPr>
+                  <a:t> </a:t>
+                </a:r>
+              </a:p>
+            </p:txBody>
+          </p:sp>
+        </mc:Fallback>
+      </mc:AlternateContent>
     </p:spTree>
     <p:extLst>
       <p:ext uri="{BB962C8B-B14F-4D97-AF65-F5344CB8AC3E}">
@@ -5928,6 +5910,1211 @@
               <a:gd name="adj" fmla="val 43413"/>
             </a:avLst>
           </a:prstGeom>
+          <a:solidFill>
+            <a:schemeClr val="accent6"/>
+          </a:solidFill>
+          <a:ln>
+            <a:solidFill>
+              <a:schemeClr val="accent6">
+                <a:lumMod val="50000"/>
+              </a:schemeClr>
+            </a:solidFill>
+          </a:ln>
+        </p:spPr>
+        <p:style>
+          <a:lnRef idx="2">
+            <a:schemeClr val="accent1">
+              <a:shade val="50000"/>
+            </a:schemeClr>
+          </a:lnRef>
+          <a:fillRef idx="1">
+            <a:schemeClr val="accent1"/>
+          </a:fillRef>
+          <a:effectRef idx="0">
+            <a:schemeClr val="accent1"/>
+          </a:effectRef>
+          <a:fontRef idx="minor">
+            <a:schemeClr val="lt1"/>
+          </a:fontRef>
+        </p:style>
+        <p:txBody>
+          <a:bodyPr rtlCol="0" anchor="ctr"/>
+          <a:lstStyle/>
+          <a:p>
+            <a:pPr algn="ctr"/>
+            <a:endParaRPr kumimoji="1" lang="ja-JP" altLang="en-US"/>
+          </a:p>
+        </p:txBody>
+      </p:sp>
+      <p:cxnSp>
+        <p:nvCxnSpPr>
+          <p:cNvPr id="66" name="直線矢印コネクタ 65">
+            <a:extLst>
+              <a:ext uri="{FF2B5EF4-FFF2-40B4-BE49-F238E27FC236}">
+                <a16:creationId xmlns:a16="http://schemas.microsoft.com/office/drawing/2014/main" id="{7E206A71-A19C-489C-8BA2-7D852ED259BC}"/>
+              </a:ext>
+            </a:extLst>
+          </p:cNvPr>
+          <p:cNvCxnSpPr>
+            <a:cxnSpLocks/>
+          </p:cNvCxnSpPr>
+          <p:nvPr/>
+        </p:nvCxnSpPr>
+        <p:spPr>
+          <a:xfrm flipV="1">
+            <a:off x="6359546" y="2710088"/>
+            <a:ext cx="142893" cy="1285436"/>
+          </a:xfrm>
+          <a:prstGeom prst="straightConnector1">
+            <a:avLst/>
+          </a:prstGeom>
+          <a:ln w="57150">
+            <a:tailEnd type="triangle"/>
+          </a:ln>
+        </p:spPr>
+        <p:style>
+          <a:lnRef idx="1">
+            <a:schemeClr val="dk1"/>
+          </a:lnRef>
+          <a:fillRef idx="0">
+            <a:schemeClr val="dk1"/>
+          </a:fillRef>
+          <a:effectRef idx="0">
+            <a:schemeClr val="dk1"/>
+          </a:effectRef>
+          <a:fontRef idx="minor">
+            <a:schemeClr val="tx1"/>
+          </a:fontRef>
+        </p:style>
+      </p:cxnSp>
+      <p:cxnSp>
+        <p:nvCxnSpPr>
+          <p:cNvPr id="67" name="直線矢印コネクタ 66">
+            <a:extLst>
+              <a:ext uri="{FF2B5EF4-FFF2-40B4-BE49-F238E27FC236}">
+                <a16:creationId xmlns:a16="http://schemas.microsoft.com/office/drawing/2014/main" id="{A0579B43-B510-4F9B-AF01-8184B6F5E10B}"/>
+              </a:ext>
+            </a:extLst>
+          </p:cNvPr>
+          <p:cNvCxnSpPr>
+            <a:cxnSpLocks/>
+          </p:cNvCxnSpPr>
+          <p:nvPr/>
+        </p:nvCxnSpPr>
+        <p:spPr>
+          <a:xfrm flipV="1">
+            <a:off x="6359547" y="3527196"/>
+            <a:ext cx="599775" cy="434464"/>
+          </a:xfrm>
+          <a:prstGeom prst="straightConnector1">
+            <a:avLst/>
+          </a:prstGeom>
+          <a:ln w="57150">
+            <a:tailEnd type="triangle"/>
+          </a:ln>
+        </p:spPr>
+        <p:style>
+          <a:lnRef idx="1">
+            <a:schemeClr val="dk1"/>
+          </a:lnRef>
+          <a:fillRef idx="0">
+            <a:schemeClr val="dk1"/>
+          </a:fillRef>
+          <a:effectRef idx="0">
+            <a:schemeClr val="dk1"/>
+          </a:effectRef>
+          <a:fontRef idx="minor">
+            <a:schemeClr val="tx1"/>
+          </a:fontRef>
+        </p:style>
+      </p:cxnSp>
+      <p:cxnSp>
+        <p:nvCxnSpPr>
+          <p:cNvPr id="68" name="直線矢印コネクタ 67">
+            <a:extLst>
+              <a:ext uri="{FF2B5EF4-FFF2-40B4-BE49-F238E27FC236}">
+                <a16:creationId xmlns:a16="http://schemas.microsoft.com/office/drawing/2014/main" id="{8C8465D9-D48A-476A-84DC-9A4C152A3C96}"/>
+              </a:ext>
+            </a:extLst>
+          </p:cNvPr>
+          <p:cNvCxnSpPr>
+            <a:cxnSpLocks/>
+          </p:cNvCxnSpPr>
+          <p:nvPr/>
+        </p:nvCxnSpPr>
+        <p:spPr>
+          <a:xfrm flipH="1" flipV="1">
+            <a:off x="5850335" y="3334159"/>
+            <a:ext cx="509213" cy="638368"/>
+          </a:xfrm>
+          <a:prstGeom prst="straightConnector1">
+            <a:avLst/>
+          </a:prstGeom>
+          <a:ln w="57150">
+            <a:tailEnd type="triangle"/>
+          </a:ln>
+        </p:spPr>
+        <p:style>
+          <a:lnRef idx="1">
+            <a:schemeClr val="dk1"/>
+          </a:lnRef>
+          <a:fillRef idx="0">
+            <a:schemeClr val="dk1"/>
+          </a:fillRef>
+          <a:effectRef idx="0">
+            <a:schemeClr val="dk1"/>
+          </a:effectRef>
+          <a:fontRef idx="minor">
+            <a:schemeClr val="tx1"/>
+          </a:fontRef>
+        </p:style>
+      </p:cxnSp>
+      <p:sp>
+        <p:nvSpPr>
+          <p:cNvPr id="19" name="楕円 18">
+            <a:extLst>
+              <a:ext uri="{FF2B5EF4-FFF2-40B4-BE49-F238E27FC236}">
+                <a16:creationId xmlns:a16="http://schemas.microsoft.com/office/drawing/2014/main" id="{095A533F-AB43-49FE-AB65-C2A18736011A}"/>
+              </a:ext>
+            </a:extLst>
+          </p:cNvPr>
+          <p:cNvSpPr/>
+          <p:nvPr/>
+        </p:nvSpPr>
+        <p:spPr>
+          <a:xfrm>
+            <a:off x="7178704" y="1180719"/>
+            <a:ext cx="152400" cy="152400"/>
+          </a:xfrm>
+          <a:prstGeom prst="ellipse">
+            <a:avLst/>
+          </a:prstGeom>
+          <a:solidFill>
+            <a:schemeClr val="accent2">
+              <a:lumMod val="75000"/>
+            </a:schemeClr>
+          </a:solidFill>
+          <a:ln>
+            <a:noFill/>
+          </a:ln>
+        </p:spPr>
+        <p:style>
+          <a:lnRef idx="2">
+            <a:schemeClr val="accent1">
+              <a:shade val="50000"/>
+            </a:schemeClr>
+          </a:lnRef>
+          <a:fillRef idx="1">
+            <a:schemeClr val="accent1"/>
+          </a:fillRef>
+          <a:effectRef idx="0">
+            <a:schemeClr val="accent1"/>
+          </a:effectRef>
+          <a:fontRef idx="minor">
+            <a:schemeClr val="lt1"/>
+          </a:fontRef>
+        </p:style>
+        <p:txBody>
+          <a:bodyPr rtlCol="0" anchor="ctr"/>
+          <a:lstStyle/>
+          <a:p>
+            <a:pPr algn="ctr"/>
+            <a:endParaRPr kumimoji="1" lang="ja-JP" altLang="en-US"/>
+          </a:p>
+        </p:txBody>
+      </p:sp>
+      <p:cxnSp>
+        <p:nvCxnSpPr>
+          <p:cNvPr id="21" name="直線矢印コネクタ 20">
+            <a:extLst>
+              <a:ext uri="{FF2B5EF4-FFF2-40B4-BE49-F238E27FC236}">
+                <a16:creationId xmlns:a16="http://schemas.microsoft.com/office/drawing/2014/main" id="{425BCBAC-EB40-4932-8107-105DAB540F45}"/>
+              </a:ext>
+            </a:extLst>
+          </p:cNvPr>
+          <p:cNvCxnSpPr>
+            <a:cxnSpLocks/>
+            <a:endCxn id="19" idx="3"/>
+          </p:cNvCxnSpPr>
+          <p:nvPr/>
+        </p:nvCxnSpPr>
+        <p:spPr>
+          <a:xfrm flipV="1">
+            <a:off x="3726167" y="1310801"/>
+            <a:ext cx="3474855" cy="4936198"/>
+          </a:xfrm>
+          <a:prstGeom prst="straightConnector1">
+            <a:avLst/>
+          </a:prstGeom>
+          <a:ln w="19050">
+            <a:prstDash val="dash"/>
+            <a:tailEnd type="triangle"/>
+          </a:ln>
+        </p:spPr>
+        <p:style>
+          <a:lnRef idx="1">
+            <a:schemeClr val="dk1"/>
+          </a:lnRef>
+          <a:fillRef idx="0">
+            <a:schemeClr val="dk1"/>
+          </a:fillRef>
+          <a:effectRef idx="0">
+            <a:schemeClr val="dk1"/>
+          </a:effectRef>
+          <a:fontRef idx="minor">
+            <a:schemeClr val="tx1"/>
+          </a:fontRef>
+        </p:style>
+      </p:cxnSp>
+      <p:cxnSp>
+        <p:nvCxnSpPr>
+          <p:cNvPr id="22" name="直線矢印コネクタ 21">
+            <a:extLst>
+              <a:ext uri="{FF2B5EF4-FFF2-40B4-BE49-F238E27FC236}">
+                <a16:creationId xmlns:a16="http://schemas.microsoft.com/office/drawing/2014/main" id="{1A5DB525-B8B9-463C-872C-BE444C12CA7F}"/>
+              </a:ext>
+            </a:extLst>
+          </p:cNvPr>
+          <p:cNvCxnSpPr>
+            <a:cxnSpLocks/>
+            <a:endCxn id="19" idx="4"/>
+          </p:cNvCxnSpPr>
+          <p:nvPr/>
+        </p:nvCxnSpPr>
+        <p:spPr>
+          <a:xfrm flipV="1">
+            <a:off x="6342240" y="1333119"/>
+            <a:ext cx="912664" cy="2628542"/>
+          </a:xfrm>
+          <a:prstGeom prst="straightConnector1">
+            <a:avLst/>
+          </a:prstGeom>
+          <a:ln w="19050">
+            <a:prstDash val="dash"/>
+            <a:tailEnd type="triangle"/>
+          </a:ln>
+        </p:spPr>
+        <p:style>
+          <a:lnRef idx="1">
+            <a:schemeClr val="dk1"/>
+          </a:lnRef>
+          <a:fillRef idx="0">
+            <a:schemeClr val="dk1"/>
+          </a:fillRef>
+          <a:effectRef idx="0">
+            <a:schemeClr val="dk1"/>
+          </a:effectRef>
+          <a:fontRef idx="minor">
+            <a:schemeClr val="tx1"/>
+          </a:fontRef>
+        </p:style>
+      </p:cxnSp>
+      <p:cxnSp>
+        <p:nvCxnSpPr>
+          <p:cNvPr id="3" name="直線矢印コネクタ 2">
+            <a:extLst>
+              <a:ext uri="{FF2B5EF4-FFF2-40B4-BE49-F238E27FC236}">
+                <a16:creationId xmlns:a16="http://schemas.microsoft.com/office/drawing/2014/main" id="{334C7DD2-3D40-4FC1-8A27-096B14791D43}"/>
+              </a:ext>
+            </a:extLst>
+          </p:cNvPr>
+          <p:cNvCxnSpPr>
+            <a:cxnSpLocks/>
+          </p:cNvCxnSpPr>
+          <p:nvPr/>
+        </p:nvCxnSpPr>
+        <p:spPr>
+          <a:xfrm flipV="1">
+            <a:off x="3743473" y="4242817"/>
+            <a:ext cx="230601" cy="2004182"/>
+          </a:xfrm>
+          <a:prstGeom prst="straightConnector1">
+            <a:avLst/>
+          </a:prstGeom>
+          <a:ln w="76200">
+            <a:tailEnd type="triangle"/>
+          </a:ln>
+        </p:spPr>
+        <p:style>
+          <a:lnRef idx="1">
+            <a:schemeClr val="dk1"/>
+          </a:lnRef>
+          <a:fillRef idx="0">
+            <a:schemeClr val="dk1"/>
+          </a:fillRef>
+          <a:effectRef idx="0">
+            <a:schemeClr val="dk1"/>
+          </a:effectRef>
+          <a:fontRef idx="minor">
+            <a:schemeClr val="tx1"/>
+          </a:fontRef>
+        </p:style>
+      </p:cxnSp>
+      <p:cxnSp>
+        <p:nvCxnSpPr>
+          <p:cNvPr id="4" name="直線矢印コネクタ 3">
+            <a:extLst>
+              <a:ext uri="{FF2B5EF4-FFF2-40B4-BE49-F238E27FC236}">
+                <a16:creationId xmlns:a16="http://schemas.microsoft.com/office/drawing/2014/main" id="{EE2CD5A7-5E87-4C84-A825-8874C31F4BA4}"/>
+              </a:ext>
+            </a:extLst>
+          </p:cNvPr>
+          <p:cNvCxnSpPr>
+            <a:cxnSpLocks/>
+          </p:cNvCxnSpPr>
+          <p:nvPr/>
+        </p:nvCxnSpPr>
+        <p:spPr>
+          <a:xfrm flipV="1">
+            <a:off x="3736374" y="5589531"/>
+            <a:ext cx="964742" cy="698835"/>
+          </a:xfrm>
+          <a:prstGeom prst="straightConnector1">
+            <a:avLst/>
+          </a:prstGeom>
+          <a:ln w="76200">
+            <a:tailEnd type="triangle"/>
+          </a:ln>
+        </p:spPr>
+        <p:style>
+          <a:lnRef idx="1">
+            <a:schemeClr val="dk1"/>
+          </a:lnRef>
+          <a:fillRef idx="0">
+            <a:schemeClr val="dk1"/>
+          </a:fillRef>
+          <a:effectRef idx="0">
+            <a:schemeClr val="dk1"/>
+          </a:effectRef>
+          <a:fontRef idx="minor">
+            <a:schemeClr val="tx1"/>
+          </a:fontRef>
+        </p:style>
+      </p:cxnSp>
+      <p:cxnSp>
+        <p:nvCxnSpPr>
+          <p:cNvPr id="12" name="直線矢印コネクタ 11">
+            <a:extLst>
+              <a:ext uri="{FF2B5EF4-FFF2-40B4-BE49-F238E27FC236}">
+                <a16:creationId xmlns:a16="http://schemas.microsoft.com/office/drawing/2014/main" id="{010634AD-3684-4FB4-84B7-D5AE3F858DE4}"/>
+              </a:ext>
+            </a:extLst>
+          </p:cNvPr>
+          <p:cNvCxnSpPr>
+            <a:cxnSpLocks/>
+          </p:cNvCxnSpPr>
+          <p:nvPr/>
+        </p:nvCxnSpPr>
+        <p:spPr>
+          <a:xfrm flipH="1" flipV="1">
+            <a:off x="3075517" y="5470759"/>
+            <a:ext cx="660857" cy="828475"/>
+          </a:xfrm>
+          <a:prstGeom prst="straightConnector1">
+            <a:avLst/>
+          </a:prstGeom>
+          <a:ln w="76200">
+            <a:tailEnd type="triangle"/>
+          </a:ln>
+        </p:spPr>
+        <p:style>
+          <a:lnRef idx="1">
+            <a:schemeClr val="dk1"/>
+          </a:lnRef>
+          <a:fillRef idx="0">
+            <a:schemeClr val="dk1"/>
+          </a:fillRef>
+          <a:effectRef idx="0">
+            <a:schemeClr val="dk1"/>
+          </a:effectRef>
+          <a:fontRef idx="minor">
+            <a:schemeClr val="tx1"/>
+          </a:fontRef>
+        </p:style>
+      </p:cxnSp>
+      <mc:AlternateContent xmlns:mc="http://schemas.openxmlformats.org/markup-compatibility/2006">
+        <mc:Choice xmlns:a14="http://schemas.microsoft.com/office/drawing/2010/main" Requires="a14">
+          <p:sp>
+            <p:nvSpPr>
+              <p:cNvPr id="37" name="テキスト ボックス 36">
+                <a:extLst>
+                  <a:ext uri="{FF2B5EF4-FFF2-40B4-BE49-F238E27FC236}">
+                    <a16:creationId xmlns:a16="http://schemas.microsoft.com/office/drawing/2014/main" id="{E25DB52F-F35D-47E2-A696-21736FAB75CC}"/>
+                  </a:ext>
+                </a:extLst>
+              </p:cNvPr>
+              <p:cNvSpPr txBox="1"/>
+              <p:nvPr/>
+            </p:nvSpPr>
+            <p:spPr>
+              <a:xfrm>
+                <a:off x="3405945" y="6165285"/>
+                <a:ext cx="1994595" cy="584775"/>
+              </a:xfrm>
+              <a:prstGeom prst="rect">
+                <a:avLst/>
+              </a:prstGeom>
+              <a:noFill/>
+            </p:spPr>
+            <p:txBody>
+              <a:bodyPr wrap="square" rtlCol="0">
+                <a:spAutoFit/>
+              </a:bodyPr>
+              <a:lstStyle/>
+              <a:p>
+                <a:pPr/>
+                <a14:m>
+                  <m:oMathPara xmlns:m="http://schemas.openxmlformats.org/officeDocument/2006/math">
+                    <m:oMathParaPr>
+                      <m:jc m:val="centerGroup"/>
+                    </m:oMathParaPr>
+                    <m:oMath xmlns:m="http://schemas.openxmlformats.org/officeDocument/2006/math">
+                      <m:sSub>
+                        <m:sSubPr>
+                          <m:ctrlPr>
+                            <a:rPr kumimoji="1" lang="en-US" altLang="ja-JP" sz="3200" b="0" i="1" smtClean="0">
+                              <a:latin typeface="Cambria Math" panose="02040503050406030204" pitchFamily="18" charset="0"/>
+                            </a:rPr>
+                          </m:ctrlPr>
+                        </m:sSubPr>
+                        <m:e>
+                          <m:r>
+                            <a:rPr kumimoji="1" lang="en-US" altLang="ja-JP" sz="3200" b="1" i="1" smtClean="0">
+                              <a:latin typeface="Cambria Math" panose="02040503050406030204" pitchFamily="18" charset="0"/>
+                            </a:rPr>
+                            <m:t>𝒙</m:t>
+                          </m:r>
+                        </m:e>
+                        <m:sub>
+                          <m:r>
+                            <a:rPr kumimoji="1" lang="en-US" altLang="ja-JP" sz="3200" b="0" i="1" smtClean="0">
+                              <a:latin typeface="Cambria Math" panose="02040503050406030204" pitchFamily="18" charset="0"/>
+                            </a:rPr>
+                            <m:t>𝑤</m:t>
+                          </m:r>
+                        </m:sub>
+                      </m:sSub>
+                      <m:r>
+                        <a:rPr kumimoji="1" lang="en-US" altLang="ja-JP" sz="3200" b="0" i="1" smtClean="0">
+                          <a:latin typeface="Cambria Math" panose="02040503050406030204" pitchFamily="18" charset="0"/>
+                        </a:rPr>
+                        <m:t>=</m:t>
+                      </m:r>
+                      <m:r>
+                        <a:rPr kumimoji="1" lang="en-US" altLang="ja-JP" sz="3200" b="1" i="1" smtClean="0">
+                          <a:latin typeface="Cambria Math" panose="02040503050406030204" pitchFamily="18" charset="0"/>
+                        </a:rPr>
+                        <m:t>𝑶</m:t>
+                      </m:r>
+                    </m:oMath>
+                  </m:oMathPara>
+                </a14:m>
+                <a:endParaRPr kumimoji="1" lang="ja-JP" altLang="en-US" sz="3200" b="1" dirty="0"/>
+              </a:p>
+            </p:txBody>
+          </p:sp>
+        </mc:Choice>
+        <mc:Fallback>
+          <p:sp>
+            <p:nvSpPr>
+              <p:cNvPr id="37" name="テキスト ボックス 36">
+                <a:extLst>
+                  <a:ext uri="{FF2B5EF4-FFF2-40B4-BE49-F238E27FC236}">
+                    <a16:creationId xmlns:a16="http://schemas.microsoft.com/office/drawing/2014/main" id="{E25DB52F-F35D-47E2-A696-21736FAB75CC}"/>
+                  </a:ext>
+                </a:extLst>
+              </p:cNvPr>
+              <p:cNvSpPr txBox="1">
+                <a:spLocks noRot="1" noChangeAspect="1" noMove="1" noResize="1" noEditPoints="1" noAdjustHandles="1" noChangeArrowheads="1" noChangeShapeType="1" noTextEdit="1"/>
+              </p:cNvSpPr>
+              <p:nvPr/>
+            </p:nvSpPr>
+            <p:spPr>
+              <a:xfrm>
+                <a:off x="3405945" y="6165285"/>
+                <a:ext cx="1994595" cy="584775"/>
+              </a:xfrm>
+              <a:prstGeom prst="rect">
+                <a:avLst/>
+              </a:prstGeom>
+              <a:blipFill>
+                <a:blip r:embed="rId2"/>
+                <a:stretch>
+                  <a:fillRect/>
+                </a:stretch>
+              </a:blipFill>
+            </p:spPr>
+            <p:txBody>
+              <a:bodyPr/>
+              <a:lstStyle/>
+              <a:p>
+                <a:r>
+                  <a:rPr lang="ja-JP" altLang="en-US">
+                    <a:noFill/>
+                  </a:rPr>
+                  <a:t> </a:t>
+                </a:r>
+              </a:p>
+            </p:txBody>
+          </p:sp>
+        </mc:Fallback>
+      </mc:AlternateContent>
+      <mc:AlternateContent xmlns:mc="http://schemas.openxmlformats.org/markup-compatibility/2006">
+        <mc:Choice xmlns:a14="http://schemas.microsoft.com/office/drawing/2010/main" Requires="a14">
+          <p:sp>
+            <p:nvSpPr>
+              <p:cNvPr id="23" name="テキスト ボックス 22">
+                <a:extLst>
+                  <a:ext uri="{FF2B5EF4-FFF2-40B4-BE49-F238E27FC236}">
+                    <a16:creationId xmlns:a16="http://schemas.microsoft.com/office/drawing/2014/main" id="{17DECC2D-494B-4B5D-A2B1-5BFCC24AE75D}"/>
+                  </a:ext>
+                </a:extLst>
+              </p:cNvPr>
+              <p:cNvSpPr txBox="1"/>
+              <p:nvPr/>
+            </p:nvSpPr>
+            <p:spPr>
+              <a:xfrm>
+                <a:off x="5247869" y="3182778"/>
+                <a:ext cx="354263" cy="492443"/>
+              </a:xfrm>
+              <a:prstGeom prst="rect">
+                <a:avLst/>
+              </a:prstGeom>
+              <a:noFill/>
+            </p:spPr>
+            <p:txBody>
+              <a:bodyPr wrap="none" lIns="0" tIns="0" rIns="0" bIns="0" rtlCol="0">
+                <a:spAutoFit/>
+              </a:bodyPr>
+              <a:lstStyle/>
+              <a:p>
+                <a14:m>
+                  <m:oMathPara xmlns:m="http://schemas.openxmlformats.org/officeDocument/2006/math">
+                    <m:oMathParaPr>
+                      <m:jc m:val="centerGroup"/>
+                    </m:oMathParaPr>
+                    <m:oMath xmlns:m="http://schemas.openxmlformats.org/officeDocument/2006/math">
+                      <m:r>
+                        <a:rPr kumimoji="1" lang="en-US" altLang="ja-JP" sz="3200" b="1" i="1" smtClean="0">
+                          <a:latin typeface="Cambria Math" panose="02040503050406030204" pitchFamily="18" charset="0"/>
+                        </a:rPr>
+                        <m:t>𝒙</m:t>
+                      </m:r>
+                    </m:oMath>
+                  </m:oMathPara>
+                </a14:m>
+                <a:endParaRPr kumimoji="1" lang="ja-JP" altLang="en-US" sz="3200" b="1" dirty="0"/>
+              </a:p>
+            </p:txBody>
+          </p:sp>
+        </mc:Choice>
+        <mc:Fallback>
+          <p:sp>
+            <p:nvSpPr>
+              <p:cNvPr id="23" name="テキスト ボックス 22">
+                <a:extLst>
+                  <a:ext uri="{FF2B5EF4-FFF2-40B4-BE49-F238E27FC236}">
+                    <a16:creationId xmlns:a16="http://schemas.microsoft.com/office/drawing/2014/main" id="{17DECC2D-494B-4B5D-A2B1-5BFCC24AE75D}"/>
+                  </a:ext>
+                </a:extLst>
+              </p:cNvPr>
+              <p:cNvSpPr txBox="1">
+                <a:spLocks noRot="1" noChangeAspect="1" noMove="1" noResize="1" noEditPoints="1" noAdjustHandles="1" noChangeArrowheads="1" noChangeShapeType="1" noTextEdit="1"/>
+              </p:cNvSpPr>
+              <p:nvPr/>
+            </p:nvSpPr>
+            <p:spPr>
+              <a:xfrm>
+                <a:off x="5247869" y="3182778"/>
+                <a:ext cx="354263" cy="492443"/>
+              </a:xfrm>
+              <a:prstGeom prst="rect">
+                <a:avLst/>
+              </a:prstGeom>
+              <a:blipFill>
+                <a:blip r:embed="rId3"/>
+                <a:stretch>
+                  <a:fillRect/>
+                </a:stretch>
+              </a:blipFill>
+            </p:spPr>
+            <p:txBody>
+              <a:bodyPr/>
+              <a:lstStyle/>
+              <a:p>
+                <a:r>
+                  <a:rPr lang="ja-JP" altLang="en-US">
+                    <a:noFill/>
+                  </a:rPr>
+                  <a:t> </a:t>
+                </a:r>
+              </a:p>
+            </p:txBody>
+          </p:sp>
+        </mc:Fallback>
+      </mc:AlternateContent>
+      <mc:AlternateContent xmlns:mc="http://schemas.openxmlformats.org/markup-compatibility/2006">
+        <mc:Choice xmlns:a14="http://schemas.microsoft.com/office/drawing/2010/main" Requires="a14">
+          <p:sp>
+            <p:nvSpPr>
+              <p:cNvPr id="25" name="テキスト ボックス 24">
+                <a:extLst>
+                  <a:ext uri="{FF2B5EF4-FFF2-40B4-BE49-F238E27FC236}">
+                    <a16:creationId xmlns:a16="http://schemas.microsoft.com/office/drawing/2014/main" id="{15609AEE-29BA-4013-AA28-FF20F7560693}"/>
+                  </a:ext>
+                </a:extLst>
+              </p:cNvPr>
+              <p:cNvSpPr txBox="1"/>
+              <p:nvPr/>
+            </p:nvSpPr>
+            <p:spPr>
+              <a:xfrm>
+                <a:off x="6858336" y="2232189"/>
+                <a:ext cx="618567" cy="584775"/>
+              </a:xfrm>
+              <a:prstGeom prst="rect">
+                <a:avLst/>
+              </a:prstGeom>
+              <a:noFill/>
+            </p:spPr>
+            <p:txBody>
+              <a:bodyPr wrap="square" rtlCol="0">
+                <a:spAutoFit/>
+              </a:bodyPr>
+              <a:lstStyle/>
+              <a:p>
+                <a:pPr/>
+                <a14:m>
+                  <m:oMathPara xmlns:m="http://schemas.openxmlformats.org/officeDocument/2006/math">
+                    <m:oMathParaPr>
+                      <m:jc m:val="centerGroup"/>
+                    </m:oMathParaPr>
+                    <m:oMath xmlns:m="http://schemas.openxmlformats.org/officeDocument/2006/math">
+                      <m:sSup>
+                        <m:sSupPr>
+                          <m:ctrlPr>
+                            <a:rPr kumimoji="1" lang="en-US" altLang="ja-JP" sz="3200" i="1" smtClean="0">
+                              <a:latin typeface="Cambria Math" panose="02040503050406030204" pitchFamily="18" charset="0"/>
+                            </a:rPr>
+                          </m:ctrlPr>
+                        </m:sSupPr>
+                        <m:e>
+                          <m:r>
+                            <a:rPr kumimoji="1" lang="en-US" altLang="ja-JP" sz="3200" b="1" i="1" smtClean="0">
+                              <a:latin typeface="Cambria Math" panose="02040503050406030204" pitchFamily="18" charset="0"/>
+                            </a:rPr>
+                            <m:t>𝒙</m:t>
+                          </m:r>
+                        </m:e>
+                        <m:sup>
+                          <m:r>
+                            <a:rPr kumimoji="1" lang="en-US" altLang="ja-JP" sz="3200" b="0" i="1" smtClean="0">
+                              <a:latin typeface="Cambria Math" panose="02040503050406030204" pitchFamily="18" charset="0"/>
+                            </a:rPr>
+                            <m:t>′</m:t>
+                          </m:r>
+                        </m:sup>
+                      </m:sSup>
+                    </m:oMath>
+                  </m:oMathPara>
+                </a14:m>
+                <a:endParaRPr kumimoji="1" lang="ja-JP" altLang="en-US" sz="3200" dirty="0"/>
+              </a:p>
+            </p:txBody>
+          </p:sp>
+        </mc:Choice>
+        <mc:Fallback>
+          <p:sp>
+            <p:nvSpPr>
+              <p:cNvPr id="25" name="テキスト ボックス 24">
+                <a:extLst>
+                  <a:ext uri="{FF2B5EF4-FFF2-40B4-BE49-F238E27FC236}">
+                    <a16:creationId xmlns:a16="http://schemas.microsoft.com/office/drawing/2014/main" id="{15609AEE-29BA-4013-AA28-FF20F7560693}"/>
+                  </a:ext>
+                </a:extLst>
+              </p:cNvPr>
+              <p:cNvSpPr txBox="1">
+                <a:spLocks noRot="1" noChangeAspect="1" noMove="1" noResize="1" noEditPoints="1" noAdjustHandles="1" noChangeArrowheads="1" noChangeShapeType="1" noTextEdit="1"/>
+              </p:cNvSpPr>
+              <p:nvPr/>
+            </p:nvSpPr>
+            <p:spPr>
+              <a:xfrm>
+                <a:off x="6858336" y="2232189"/>
+                <a:ext cx="618567" cy="584775"/>
+              </a:xfrm>
+              <a:prstGeom prst="rect">
+                <a:avLst/>
+              </a:prstGeom>
+              <a:blipFill>
+                <a:blip r:embed="rId4"/>
+                <a:stretch>
+                  <a:fillRect/>
+                </a:stretch>
+              </a:blipFill>
+            </p:spPr>
+            <p:txBody>
+              <a:bodyPr/>
+              <a:lstStyle/>
+              <a:p>
+                <a:r>
+                  <a:rPr lang="ja-JP" altLang="en-US">
+                    <a:noFill/>
+                  </a:rPr>
+                  <a:t> </a:t>
+                </a:r>
+              </a:p>
+            </p:txBody>
+          </p:sp>
+        </mc:Fallback>
+      </mc:AlternateContent>
+      <mc:AlternateContent xmlns:mc="http://schemas.openxmlformats.org/markup-compatibility/2006">
+        <mc:Choice xmlns:a14="http://schemas.microsoft.com/office/drawing/2010/main" Requires="a14">
+          <p:sp>
+            <p:nvSpPr>
+              <p:cNvPr id="26" name="テキスト ボックス 25">
+                <a:extLst>
+                  <a:ext uri="{FF2B5EF4-FFF2-40B4-BE49-F238E27FC236}">
+                    <a16:creationId xmlns:a16="http://schemas.microsoft.com/office/drawing/2014/main" id="{7D2ED762-03A3-4CF7-990F-A9D62D51AD67}"/>
+                  </a:ext>
+                </a:extLst>
+              </p:cNvPr>
+              <p:cNvSpPr txBox="1"/>
+              <p:nvPr/>
+            </p:nvSpPr>
+            <p:spPr>
+              <a:xfrm>
+                <a:off x="7395559" y="934497"/>
+                <a:ext cx="351250" cy="492443"/>
+              </a:xfrm>
+              <a:prstGeom prst="rect">
+                <a:avLst/>
+              </a:prstGeom>
+              <a:noFill/>
+            </p:spPr>
+            <p:txBody>
+              <a:bodyPr wrap="none" lIns="0" tIns="0" rIns="0" bIns="0" rtlCol="0">
+                <a:spAutoFit/>
+              </a:bodyPr>
+              <a:lstStyle/>
+              <a:p>
+                <a14:m>
+                  <m:oMathPara xmlns:m="http://schemas.openxmlformats.org/officeDocument/2006/math">
+                    <m:oMathParaPr>
+                      <m:jc m:val="centerGroup"/>
+                    </m:oMathParaPr>
+                    <m:oMath xmlns:m="http://schemas.openxmlformats.org/officeDocument/2006/math">
+                      <m:r>
+                        <a:rPr kumimoji="1" lang="en-US" altLang="ja-JP" sz="3200" b="0" i="1" smtClean="0">
+                          <a:latin typeface="Cambria Math" panose="02040503050406030204" pitchFamily="18" charset="0"/>
+                        </a:rPr>
+                        <m:t>𝑝</m:t>
+                      </m:r>
+                    </m:oMath>
+                  </m:oMathPara>
+                </a14:m>
+                <a:endParaRPr kumimoji="1" lang="ja-JP" altLang="en-US" sz="3200" dirty="0"/>
+              </a:p>
+            </p:txBody>
+          </p:sp>
+        </mc:Choice>
+        <mc:Fallback>
+          <p:sp>
+            <p:nvSpPr>
+              <p:cNvPr id="26" name="テキスト ボックス 25">
+                <a:extLst>
+                  <a:ext uri="{FF2B5EF4-FFF2-40B4-BE49-F238E27FC236}">
+                    <a16:creationId xmlns:a16="http://schemas.microsoft.com/office/drawing/2014/main" id="{7D2ED762-03A3-4CF7-990F-A9D62D51AD67}"/>
+                  </a:ext>
+                </a:extLst>
+              </p:cNvPr>
+              <p:cNvSpPr txBox="1">
+                <a:spLocks noRot="1" noChangeAspect="1" noMove="1" noResize="1" noEditPoints="1" noAdjustHandles="1" noChangeArrowheads="1" noChangeShapeType="1" noTextEdit="1"/>
+              </p:cNvSpPr>
+              <p:nvPr/>
+            </p:nvSpPr>
+            <p:spPr>
+              <a:xfrm>
+                <a:off x="7395559" y="934497"/>
+                <a:ext cx="351250" cy="492443"/>
+              </a:xfrm>
+              <a:prstGeom prst="rect">
+                <a:avLst/>
+              </a:prstGeom>
+              <a:blipFill>
+                <a:blip r:embed="rId5"/>
+                <a:stretch>
+                  <a:fillRect/>
+                </a:stretch>
+              </a:blipFill>
+            </p:spPr>
+            <p:txBody>
+              <a:bodyPr/>
+              <a:lstStyle/>
+              <a:p>
+                <a:r>
+                  <a:rPr lang="ja-JP" altLang="en-US">
+                    <a:noFill/>
+                  </a:rPr>
+                  <a:t> </a:t>
+                </a:r>
+              </a:p>
+            </p:txBody>
+          </p:sp>
+        </mc:Fallback>
+      </mc:AlternateContent>
+      <p:cxnSp>
+        <p:nvCxnSpPr>
+          <p:cNvPr id="18" name="直線矢印コネクタ 17">
+            <a:extLst>
+              <a:ext uri="{FF2B5EF4-FFF2-40B4-BE49-F238E27FC236}">
+                <a16:creationId xmlns:a16="http://schemas.microsoft.com/office/drawing/2014/main" id="{18F95BF3-6C7B-451E-9800-FCCBE565516A}"/>
+              </a:ext>
+            </a:extLst>
+          </p:cNvPr>
+          <p:cNvCxnSpPr>
+            <a:cxnSpLocks/>
+          </p:cNvCxnSpPr>
+          <p:nvPr/>
+        </p:nvCxnSpPr>
+        <p:spPr>
+          <a:xfrm flipH="1">
+            <a:off x="3831093" y="4007024"/>
+            <a:ext cx="2510611" cy="2127400"/>
+          </a:xfrm>
+          <a:prstGeom prst="straightConnector1">
+            <a:avLst/>
+          </a:prstGeom>
+          <a:ln w="38100">
+            <a:tailEnd type="triangle"/>
+          </a:ln>
+        </p:spPr>
+        <p:style>
+          <a:lnRef idx="1">
+            <a:schemeClr val="dk1"/>
+          </a:lnRef>
+          <a:fillRef idx="0">
+            <a:schemeClr val="dk1"/>
+          </a:fillRef>
+          <a:effectRef idx="0">
+            <a:schemeClr val="dk1"/>
+          </a:effectRef>
+          <a:fontRef idx="minor">
+            <a:schemeClr val="tx1"/>
+          </a:fontRef>
+        </p:style>
+      </p:cxnSp>
+      <mc:AlternateContent xmlns:mc="http://schemas.openxmlformats.org/markup-compatibility/2006">
+        <mc:Choice xmlns:a14="http://schemas.microsoft.com/office/drawing/2010/main" Requires="a14">
+          <p:sp>
+            <p:nvSpPr>
+              <p:cNvPr id="20" name="テキスト ボックス 19">
+                <a:extLst>
+                  <a:ext uri="{FF2B5EF4-FFF2-40B4-BE49-F238E27FC236}">
+                    <a16:creationId xmlns:a16="http://schemas.microsoft.com/office/drawing/2014/main" id="{08D4747B-B333-48A8-8D7C-AA586992C17D}"/>
+                  </a:ext>
+                </a:extLst>
+              </p:cNvPr>
+              <p:cNvSpPr txBox="1"/>
+              <p:nvPr/>
+            </p:nvSpPr>
+            <p:spPr>
+              <a:xfrm>
+                <a:off x="5374798" y="3856261"/>
+                <a:ext cx="618567" cy="584775"/>
+              </a:xfrm>
+              <a:prstGeom prst="rect">
+                <a:avLst/>
+              </a:prstGeom>
+              <a:noFill/>
+            </p:spPr>
+            <p:txBody>
+              <a:bodyPr wrap="square" rtlCol="0">
+                <a:spAutoFit/>
+              </a:bodyPr>
+              <a:lstStyle/>
+              <a:p>
+                <a:pPr/>
+                <a14:m>
+                  <m:oMathPara xmlns:m="http://schemas.openxmlformats.org/officeDocument/2006/math">
+                    <m:oMathParaPr>
+                      <m:jc m:val="centerGroup"/>
+                    </m:oMathParaPr>
+                    <m:oMath xmlns:m="http://schemas.openxmlformats.org/officeDocument/2006/math">
+                      <m:sSubSup>
+                        <m:sSubSupPr>
+                          <m:ctrlPr>
+                            <a:rPr kumimoji="1" lang="en-US" altLang="ja-JP" sz="3200" i="1" smtClean="0">
+                              <a:latin typeface="Cambria Math" panose="02040503050406030204" pitchFamily="18" charset="0"/>
+                            </a:rPr>
+                          </m:ctrlPr>
+                        </m:sSubSupPr>
+                        <m:e>
+                          <m:r>
+                            <a:rPr kumimoji="1" lang="en-US" altLang="ja-JP" sz="3200" b="1" i="1" smtClean="0">
+                              <a:latin typeface="Cambria Math" panose="02040503050406030204" pitchFamily="18" charset="0"/>
+                            </a:rPr>
+                            <m:t>𝒙</m:t>
+                          </m:r>
+                        </m:e>
+                        <m:sub>
+                          <m:r>
+                            <a:rPr kumimoji="1" lang="en-US" altLang="ja-JP" sz="3200" b="0" i="1" smtClean="0">
+                              <a:latin typeface="Cambria Math" panose="02040503050406030204" pitchFamily="18" charset="0"/>
+                            </a:rPr>
+                            <m:t>𝑤</m:t>
+                          </m:r>
+                        </m:sub>
+                        <m:sup>
+                          <m:r>
+                            <a:rPr kumimoji="1" lang="en-US" altLang="ja-JP" sz="3200" b="0" i="1" smtClean="0">
+                              <a:latin typeface="Cambria Math" panose="02040503050406030204" pitchFamily="18" charset="0"/>
+                            </a:rPr>
+                            <m:t>′</m:t>
+                          </m:r>
+                        </m:sup>
+                      </m:sSubSup>
+                    </m:oMath>
+                  </m:oMathPara>
+                </a14:m>
+                <a:endParaRPr kumimoji="1" lang="ja-JP" altLang="en-US" sz="3200" dirty="0"/>
+              </a:p>
+            </p:txBody>
+          </p:sp>
+        </mc:Choice>
+        <mc:Fallback>
+          <p:sp>
+            <p:nvSpPr>
+              <p:cNvPr id="20" name="テキスト ボックス 19">
+                <a:extLst>
+                  <a:ext uri="{FF2B5EF4-FFF2-40B4-BE49-F238E27FC236}">
+                    <a16:creationId xmlns:a16="http://schemas.microsoft.com/office/drawing/2014/main" id="{08D4747B-B333-48A8-8D7C-AA586992C17D}"/>
+                  </a:ext>
+                </a:extLst>
+              </p:cNvPr>
+              <p:cNvSpPr txBox="1">
+                <a:spLocks noRot="1" noChangeAspect="1" noMove="1" noResize="1" noEditPoints="1" noAdjustHandles="1" noChangeArrowheads="1" noChangeShapeType="1" noTextEdit="1"/>
+              </p:cNvSpPr>
+              <p:nvPr/>
+            </p:nvSpPr>
+            <p:spPr>
+              <a:xfrm>
+                <a:off x="5374798" y="3856261"/>
+                <a:ext cx="618567" cy="584775"/>
+              </a:xfrm>
+              <a:prstGeom prst="rect">
+                <a:avLst/>
+              </a:prstGeom>
+              <a:blipFill>
+                <a:blip r:embed="rId6"/>
+                <a:stretch>
+                  <a:fillRect/>
+                </a:stretch>
+              </a:blipFill>
+            </p:spPr>
+            <p:txBody>
+              <a:bodyPr/>
+              <a:lstStyle/>
+              <a:p>
+                <a:r>
+                  <a:rPr lang="ja-JP" altLang="en-US">
+                    <a:noFill/>
+                  </a:rPr>
+                  <a:t> </a:t>
+                </a:r>
+              </a:p>
+            </p:txBody>
+          </p:sp>
+        </mc:Fallback>
+      </mc:AlternateContent>
+      <mc:AlternateContent xmlns:mc="http://schemas.openxmlformats.org/markup-compatibility/2006">
+        <mc:Choice xmlns:a14="http://schemas.microsoft.com/office/drawing/2010/main" Requires="a14">
+          <p:sp>
+            <p:nvSpPr>
+              <p:cNvPr id="24" name="テキスト ボックス 23">
+                <a:extLst>
+                  <a:ext uri="{FF2B5EF4-FFF2-40B4-BE49-F238E27FC236}">
+                    <a16:creationId xmlns:a16="http://schemas.microsoft.com/office/drawing/2014/main" id="{1AC151F6-EEE5-47F4-A767-419DC070AAA1}"/>
+                  </a:ext>
+                </a:extLst>
+              </p:cNvPr>
+              <p:cNvSpPr txBox="1"/>
+              <p:nvPr/>
+            </p:nvSpPr>
+            <p:spPr>
+              <a:xfrm>
+                <a:off x="6179082" y="3810221"/>
+                <a:ext cx="1896204" cy="584775"/>
+              </a:xfrm>
+              <a:prstGeom prst="rect">
+                <a:avLst/>
+              </a:prstGeom>
+              <a:noFill/>
+            </p:spPr>
+            <p:txBody>
+              <a:bodyPr wrap="square" rtlCol="0">
+                <a:spAutoFit/>
+              </a:bodyPr>
+              <a:lstStyle/>
+              <a:p>
+                <a:pPr/>
+                <a14:m>
+                  <m:oMathPara xmlns:m="http://schemas.openxmlformats.org/officeDocument/2006/math">
+                    <m:oMathParaPr>
+                      <m:jc m:val="centerGroup"/>
+                    </m:oMathParaPr>
+                    <m:oMath xmlns:m="http://schemas.openxmlformats.org/officeDocument/2006/math">
+                      <m:sSubSup>
+                        <m:sSubSupPr>
+                          <m:ctrlPr>
+                            <a:rPr kumimoji="1" lang="en-US" altLang="ja-JP" sz="3200" i="1" smtClean="0">
+                              <a:latin typeface="Cambria Math" panose="02040503050406030204" pitchFamily="18" charset="0"/>
+                            </a:rPr>
+                          </m:ctrlPr>
+                        </m:sSubSupPr>
+                        <m:e>
+                          <m:r>
+                            <a:rPr kumimoji="1" lang="en-US" altLang="ja-JP" sz="3200" b="1" i="1" smtClean="0">
+                              <a:latin typeface="Cambria Math" panose="02040503050406030204" pitchFamily="18" charset="0"/>
+                            </a:rPr>
+                            <m:t>𝒙</m:t>
+                          </m:r>
+                        </m:e>
+                        <m:sub>
+                          <m:r>
+                            <a:rPr kumimoji="1" lang="en-US" altLang="ja-JP" sz="3200" b="0" i="1" smtClean="0">
+                              <a:latin typeface="Cambria Math" panose="02040503050406030204" pitchFamily="18" charset="0"/>
+                            </a:rPr>
+                            <m:t>𝑏</m:t>
+                          </m:r>
+                        </m:sub>
+                        <m:sup>
+                          <m:r>
+                            <a:rPr kumimoji="1" lang="en-US" altLang="ja-JP" sz="3200" b="0" i="1" smtClean="0">
+                              <a:latin typeface="Cambria Math" panose="02040503050406030204" pitchFamily="18" charset="0"/>
+                            </a:rPr>
+                            <m:t>′</m:t>
+                          </m:r>
+                        </m:sup>
+                      </m:sSubSup>
+                      <m:r>
+                        <a:rPr kumimoji="1" lang="en-US" altLang="ja-JP" sz="3200" b="0" i="1" smtClean="0">
+                          <a:latin typeface="Cambria Math" panose="02040503050406030204" pitchFamily="18" charset="0"/>
+                        </a:rPr>
+                        <m:t>=</m:t>
+                      </m:r>
+                      <m:r>
+                        <a:rPr kumimoji="1" lang="en-US" altLang="ja-JP" sz="3200" b="1" i="1" smtClean="0">
+                          <a:latin typeface="Cambria Math" panose="02040503050406030204" pitchFamily="18" charset="0"/>
+                        </a:rPr>
+                        <m:t>𝑶</m:t>
+                      </m:r>
+                    </m:oMath>
+                  </m:oMathPara>
+                </a14:m>
+                <a:endParaRPr kumimoji="1" lang="ja-JP" altLang="en-US" sz="3200" b="1" dirty="0"/>
+              </a:p>
+            </p:txBody>
+          </p:sp>
+        </mc:Choice>
+        <mc:Fallback>
+          <p:sp>
+            <p:nvSpPr>
+              <p:cNvPr id="24" name="テキスト ボックス 23">
+                <a:extLst>
+                  <a:ext uri="{FF2B5EF4-FFF2-40B4-BE49-F238E27FC236}">
+                    <a16:creationId xmlns:a16="http://schemas.microsoft.com/office/drawing/2014/main" id="{1AC151F6-EEE5-47F4-A767-419DC070AAA1}"/>
+                  </a:ext>
+                </a:extLst>
+              </p:cNvPr>
+              <p:cNvSpPr txBox="1">
+                <a:spLocks noRot="1" noChangeAspect="1" noMove="1" noResize="1" noEditPoints="1" noAdjustHandles="1" noChangeArrowheads="1" noChangeShapeType="1" noTextEdit="1"/>
+              </p:cNvSpPr>
+              <p:nvPr/>
+            </p:nvSpPr>
+            <p:spPr>
+              <a:xfrm>
+                <a:off x="6179082" y="3810221"/>
+                <a:ext cx="1896204" cy="584775"/>
+              </a:xfrm>
+              <a:prstGeom prst="rect">
+                <a:avLst/>
+              </a:prstGeom>
+              <a:blipFill>
+                <a:blip r:embed="rId7"/>
+                <a:stretch>
+                  <a:fillRect/>
+                </a:stretch>
+              </a:blipFill>
+            </p:spPr>
+            <p:txBody>
+              <a:bodyPr/>
+              <a:lstStyle/>
+              <a:p>
+                <a:r>
+                  <a:rPr lang="ja-JP" altLang="en-US">
+                    <a:noFill/>
+                  </a:rPr>
+                  <a:t> </a:t>
+                </a:r>
+              </a:p>
+            </p:txBody>
+          </p:sp>
+        </mc:Fallback>
+      </mc:AlternateContent>
+    </p:spTree>
+    <p:extLst>
+      <p:ext uri="{BB962C8B-B14F-4D97-AF65-F5344CB8AC3E}">
+        <p14:creationId xmlns:p14="http://schemas.microsoft.com/office/powerpoint/2010/main" val="627974923"/>
+      </p:ext>
+    </p:extLst>
+  </p:cSld>
+  <p:clrMapOvr>
+    <a:masterClrMapping/>
+  </p:clrMapOvr>
+</p:sld>
+</file>
+
+<file path=ppt/slides/slide4.xml><?xml version="1.0" encoding="utf-8"?>
+<p:sld xmlns:a="http://schemas.openxmlformats.org/drawingml/2006/main" xmlns:r="http://schemas.openxmlformats.org/officeDocument/2006/relationships" xmlns:p="http://schemas.openxmlformats.org/presentationml/2006/main">
+  <p:cSld>
+    <p:spTree>
+      <p:nvGrpSpPr>
+        <p:cNvPr id="1" name=""/>
+        <p:cNvGrpSpPr/>
+        <p:nvPr/>
+      </p:nvGrpSpPr>
+      <p:grpSpPr>
+        <a:xfrm>
+          <a:off x="0" y="0"/>
+          <a:ext cx="0" cy="0"/>
+          <a:chOff x="0" y="0"/>
+          <a:chExt cx="0" cy="0"/>
+        </a:xfrm>
+      </p:grpSpPr>
+      <p:sp>
+        <p:nvSpPr>
+          <p:cNvPr id="78" name="直方体 77">
+            <a:extLst>
+              <a:ext uri="{FF2B5EF4-FFF2-40B4-BE49-F238E27FC236}">
+                <a16:creationId xmlns:a16="http://schemas.microsoft.com/office/drawing/2014/main" id="{405F62F8-935D-46E9-B552-D930F1E1756F}"/>
+              </a:ext>
+            </a:extLst>
+          </p:cNvPr>
+          <p:cNvSpPr/>
+          <p:nvPr/>
+        </p:nvSpPr>
+        <p:spPr>
+          <a:xfrm rot="3126979" flipV="1">
+            <a:off x="5890742" y="2956826"/>
+            <a:ext cx="947832" cy="769459"/>
+          </a:xfrm>
+          <a:prstGeom prst="cube">
+            <a:avLst>
+              <a:gd name="adj" fmla="val 43413"/>
+            </a:avLst>
+          </a:prstGeom>
         </p:spPr>
         <p:style>
           <a:lnRef idx="2">
@@ -7643,6 +8830,3753 @@
     <p:extLst>
       <p:ext uri="{BB962C8B-B14F-4D97-AF65-F5344CB8AC3E}">
         <p14:creationId xmlns:p14="http://schemas.microsoft.com/office/powerpoint/2010/main" val="317996212"/>
+      </p:ext>
+    </p:extLst>
+  </p:cSld>
+  <p:clrMapOvr>
+    <a:masterClrMapping/>
+  </p:clrMapOvr>
+</p:sld>
+</file>
+
+<file path=ppt/slides/slide5.xml><?xml version="1.0" encoding="utf-8"?>
+<p:sld xmlns:a="http://schemas.openxmlformats.org/drawingml/2006/main" xmlns:r="http://schemas.openxmlformats.org/officeDocument/2006/relationships" xmlns:p="http://schemas.openxmlformats.org/presentationml/2006/main">
+  <p:cSld>
+    <p:spTree>
+      <p:nvGrpSpPr>
+        <p:cNvPr id="1" name=""/>
+        <p:cNvGrpSpPr/>
+        <p:nvPr/>
+      </p:nvGrpSpPr>
+      <p:grpSpPr>
+        <a:xfrm>
+          <a:off x="0" y="0"/>
+          <a:ext cx="0" cy="0"/>
+          <a:chOff x="0" y="0"/>
+          <a:chExt cx="0" cy="0"/>
+        </a:xfrm>
+      </p:grpSpPr>
+      <p:sp>
+        <p:nvSpPr>
+          <p:cNvPr id="2" name="正方形/長方形 1">
+            <a:extLst>
+              <a:ext uri="{FF2B5EF4-FFF2-40B4-BE49-F238E27FC236}">
+                <a16:creationId xmlns:a16="http://schemas.microsoft.com/office/drawing/2014/main" id="{22DB38B0-00D8-49A3-8CB1-ABC347C98654}"/>
+              </a:ext>
+            </a:extLst>
+          </p:cNvPr>
+          <p:cNvSpPr/>
+          <p:nvPr/>
+        </p:nvSpPr>
+        <p:spPr>
+          <a:xfrm>
+            <a:off x="1467857" y="6006846"/>
+            <a:ext cx="1896204" cy="584775"/>
+          </a:xfrm>
+          <a:prstGeom prst="rect">
+            <a:avLst/>
+          </a:prstGeom>
+          <a:solidFill>
+            <a:schemeClr val="accent1">
+              <a:lumMod val="50000"/>
+            </a:schemeClr>
+          </a:solidFill>
+          <a:ln>
+            <a:solidFill>
+              <a:schemeClr val="tx2">
+                <a:lumMod val="50000"/>
+              </a:schemeClr>
+            </a:solidFill>
+          </a:ln>
+        </p:spPr>
+        <p:style>
+          <a:lnRef idx="2">
+            <a:schemeClr val="accent1">
+              <a:shade val="50000"/>
+            </a:schemeClr>
+          </a:lnRef>
+          <a:fillRef idx="1">
+            <a:schemeClr val="accent1"/>
+          </a:fillRef>
+          <a:effectRef idx="0">
+            <a:schemeClr val="accent1"/>
+          </a:effectRef>
+          <a:fontRef idx="minor">
+            <a:schemeClr val="lt1"/>
+          </a:fontRef>
+        </p:style>
+        <p:txBody>
+          <a:bodyPr rtlCol="0" anchor="ctr"/>
+          <a:lstStyle/>
+          <a:p>
+            <a:pPr algn="ctr"/>
+            <a:r>
+              <a:rPr kumimoji="1" lang="ja-JP" altLang="en-US" sz="2400" dirty="0">
+                <a:latin typeface="ＭＳ Ｐゴシック" panose="020B0600070205080204" pitchFamily="50" charset="-128"/>
+                <a:ea typeface="ＭＳ Ｐゴシック" panose="020B0600070205080204" pitchFamily="50" charset="-128"/>
+              </a:rPr>
+              <a:t>世界座標系</a:t>
+            </a:r>
+          </a:p>
+        </p:txBody>
+      </p:sp>
+      <p:sp>
+        <p:nvSpPr>
+          <p:cNvPr id="20" name="正方形/長方形 19">
+            <a:extLst>
+              <a:ext uri="{FF2B5EF4-FFF2-40B4-BE49-F238E27FC236}">
+                <a16:creationId xmlns:a16="http://schemas.microsoft.com/office/drawing/2014/main" id="{686E6AC7-E732-43AE-96BE-AAE92851EDFB}"/>
+              </a:ext>
+            </a:extLst>
+          </p:cNvPr>
+          <p:cNvSpPr/>
+          <p:nvPr/>
+        </p:nvSpPr>
+        <p:spPr>
+          <a:xfrm>
+            <a:off x="988638" y="1845088"/>
+            <a:ext cx="1896204" cy="584775"/>
+          </a:xfrm>
+          <a:prstGeom prst="rect">
+            <a:avLst/>
+          </a:prstGeom>
+          <a:solidFill>
+            <a:schemeClr val="accent2">
+              <a:lumMod val="75000"/>
+            </a:schemeClr>
+          </a:solidFill>
+          <a:ln>
+            <a:solidFill>
+              <a:schemeClr val="accent2">
+                <a:lumMod val="50000"/>
+              </a:schemeClr>
+            </a:solidFill>
+          </a:ln>
+        </p:spPr>
+        <p:style>
+          <a:lnRef idx="2">
+            <a:schemeClr val="accent1">
+              <a:shade val="50000"/>
+            </a:schemeClr>
+          </a:lnRef>
+          <a:fillRef idx="1">
+            <a:schemeClr val="accent1"/>
+          </a:fillRef>
+          <a:effectRef idx="0">
+            <a:schemeClr val="accent1"/>
+          </a:effectRef>
+          <a:fontRef idx="minor">
+            <a:schemeClr val="lt1"/>
+          </a:fontRef>
+        </p:style>
+        <p:txBody>
+          <a:bodyPr rtlCol="0" anchor="ctr"/>
+          <a:lstStyle/>
+          <a:p>
+            <a:pPr algn="ctr"/>
+            <a:r>
+              <a:rPr lang="ja-JP" altLang="en-US" sz="2400" dirty="0">
+                <a:latin typeface="ＭＳ Ｐゴシック" panose="020B0600070205080204" pitchFamily="50" charset="-128"/>
+                <a:ea typeface="ＭＳ Ｐゴシック" panose="020B0600070205080204" pitchFamily="50" charset="-128"/>
+              </a:rPr>
+              <a:t>体内</a:t>
+            </a:r>
+            <a:r>
+              <a:rPr kumimoji="1" lang="ja-JP" altLang="en-US" sz="2400" dirty="0">
+                <a:latin typeface="ＭＳ Ｐゴシック" panose="020B0600070205080204" pitchFamily="50" charset="-128"/>
+                <a:ea typeface="ＭＳ Ｐゴシック" panose="020B0600070205080204" pitchFamily="50" charset="-128"/>
+              </a:rPr>
+              <a:t>座標系</a:t>
+            </a:r>
+          </a:p>
+        </p:txBody>
+      </p:sp>
+      <p:sp>
+        <p:nvSpPr>
+          <p:cNvPr id="5" name="正方形/長方形 4">
+            <a:extLst>
+              <a:ext uri="{FF2B5EF4-FFF2-40B4-BE49-F238E27FC236}">
+                <a16:creationId xmlns:a16="http://schemas.microsoft.com/office/drawing/2014/main" id="{122B7469-D09F-48C7-A7BB-5F6A9038380C}"/>
+              </a:ext>
+            </a:extLst>
+          </p:cNvPr>
+          <p:cNvSpPr/>
+          <p:nvPr/>
+        </p:nvSpPr>
+        <p:spPr>
+          <a:xfrm>
+            <a:off x="2047946" y="163511"/>
+            <a:ext cx="5583420" cy="914400"/>
+          </a:xfrm>
+          <a:prstGeom prst="rect">
+            <a:avLst/>
+          </a:prstGeom>
+        </p:spPr>
+        <p:style>
+          <a:lnRef idx="2">
+            <a:schemeClr val="accent1">
+              <a:shade val="50000"/>
+            </a:schemeClr>
+          </a:lnRef>
+          <a:fillRef idx="1">
+            <a:schemeClr val="accent1"/>
+          </a:fillRef>
+          <a:effectRef idx="0">
+            <a:schemeClr val="accent1"/>
+          </a:effectRef>
+          <a:fontRef idx="minor">
+            <a:schemeClr val="lt1"/>
+          </a:fontRef>
+        </p:style>
+        <p:txBody>
+          <a:bodyPr rtlCol="0" anchor="ctr"/>
+          <a:lstStyle/>
+          <a:p>
+            <a:pPr algn="ctr"/>
+            <a:r>
+              <a:rPr kumimoji="1" lang="ja-JP" altLang="en-US" sz="2800" dirty="0">
+                <a:latin typeface="ＭＳ Ｐゴシック" panose="020B0600070205080204" pitchFamily="50" charset="-128"/>
+                <a:ea typeface="ＭＳ Ｐゴシック" panose="020B0600070205080204" pitchFamily="50" charset="-128"/>
+              </a:rPr>
+              <a:t>体内座標系の原点を世界座標系を</a:t>
+            </a:r>
+            <a:endParaRPr kumimoji="1" lang="en-US" altLang="ja-JP" sz="2800" dirty="0">
+              <a:latin typeface="ＭＳ Ｐゴシック" panose="020B0600070205080204" pitchFamily="50" charset="-128"/>
+              <a:ea typeface="ＭＳ Ｐゴシック" panose="020B0600070205080204" pitchFamily="50" charset="-128"/>
+            </a:endParaRPr>
+          </a:p>
+          <a:p>
+            <a:pPr algn="ctr"/>
+            <a:r>
+              <a:rPr kumimoji="1" lang="ja-JP" altLang="en-US" sz="2800" dirty="0">
+                <a:latin typeface="ＭＳ Ｐゴシック" panose="020B0600070205080204" pitchFamily="50" charset="-128"/>
+                <a:ea typeface="ＭＳ Ｐゴシック" panose="020B0600070205080204" pitchFamily="50" charset="-128"/>
+              </a:rPr>
+              <a:t>並進</a:t>
+            </a:r>
+            <a:r>
+              <a:rPr kumimoji="1" lang="en-US" altLang="ja-JP" sz="2800" dirty="0">
+                <a:latin typeface="ＭＳ Ｐゴシック" panose="020B0600070205080204" pitchFamily="50" charset="-128"/>
+                <a:ea typeface="ＭＳ Ｐゴシック" panose="020B0600070205080204" pitchFamily="50" charset="-128"/>
+              </a:rPr>
+              <a:t>+</a:t>
+            </a:r>
+            <a:r>
+              <a:rPr kumimoji="1" lang="ja-JP" altLang="en-US" sz="2800" dirty="0">
+                <a:latin typeface="ＭＳ Ｐゴシック" panose="020B0600070205080204" pitchFamily="50" charset="-128"/>
+                <a:ea typeface="ＭＳ Ｐゴシック" panose="020B0600070205080204" pitchFamily="50" charset="-128"/>
+              </a:rPr>
+              <a:t>回転移動で表す場合</a:t>
+            </a:r>
+          </a:p>
+        </p:txBody>
+      </p:sp>
+      <p:sp>
+        <p:nvSpPr>
+          <p:cNvPr id="24" name="直方体 23">
+            <a:extLst>
+              <a:ext uri="{FF2B5EF4-FFF2-40B4-BE49-F238E27FC236}">
+                <a16:creationId xmlns:a16="http://schemas.microsoft.com/office/drawing/2014/main" id="{BB43AFFC-41AC-4615-985E-7A94297CB2E3}"/>
+              </a:ext>
+            </a:extLst>
+          </p:cNvPr>
+          <p:cNvSpPr/>
+          <p:nvPr/>
+        </p:nvSpPr>
+        <p:spPr>
+          <a:xfrm rot="3126979" flipV="1">
+            <a:off x="5890742" y="2956826"/>
+            <a:ext cx="947832" cy="769459"/>
+          </a:xfrm>
+          <a:prstGeom prst="cube">
+            <a:avLst>
+              <a:gd name="adj" fmla="val 43413"/>
+            </a:avLst>
+          </a:prstGeom>
+          <a:solidFill>
+            <a:schemeClr val="accent6"/>
+          </a:solidFill>
+          <a:ln>
+            <a:solidFill>
+              <a:schemeClr val="accent6">
+                <a:lumMod val="50000"/>
+              </a:schemeClr>
+            </a:solidFill>
+          </a:ln>
+        </p:spPr>
+        <p:style>
+          <a:lnRef idx="2">
+            <a:schemeClr val="accent1">
+              <a:shade val="50000"/>
+            </a:schemeClr>
+          </a:lnRef>
+          <a:fillRef idx="1">
+            <a:schemeClr val="accent1"/>
+          </a:fillRef>
+          <a:effectRef idx="0">
+            <a:schemeClr val="accent1"/>
+          </a:effectRef>
+          <a:fontRef idx="minor">
+            <a:schemeClr val="lt1"/>
+          </a:fontRef>
+        </p:style>
+        <p:txBody>
+          <a:bodyPr rtlCol="0" anchor="ctr"/>
+          <a:lstStyle/>
+          <a:p>
+            <a:pPr algn="ctr"/>
+            <a:endParaRPr kumimoji="1" lang="ja-JP" altLang="en-US"/>
+          </a:p>
+        </p:txBody>
+      </p:sp>
+      <p:cxnSp>
+        <p:nvCxnSpPr>
+          <p:cNvPr id="25" name="直線矢印コネクタ 24">
+            <a:extLst>
+              <a:ext uri="{FF2B5EF4-FFF2-40B4-BE49-F238E27FC236}">
+                <a16:creationId xmlns:a16="http://schemas.microsoft.com/office/drawing/2014/main" id="{E8E22A49-667F-4573-A8CE-4C00AFF31DCE}"/>
+              </a:ext>
+            </a:extLst>
+          </p:cNvPr>
+          <p:cNvCxnSpPr>
+            <a:cxnSpLocks/>
+          </p:cNvCxnSpPr>
+          <p:nvPr/>
+        </p:nvCxnSpPr>
+        <p:spPr>
+          <a:xfrm flipV="1">
+            <a:off x="3743473" y="4242817"/>
+            <a:ext cx="230601" cy="2004182"/>
+          </a:xfrm>
+          <a:prstGeom prst="straightConnector1">
+            <a:avLst/>
+          </a:prstGeom>
+          <a:ln w="76200">
+            <a:tailEnd type="triangle"/>
+          </a:ln>
+        </p:spPr>
+        <p:style>
+          <a:lnRef idx="1">
+            <a:schemeClr val="dk1"/>
+          </a:lnRef>
+          <a:fillRef idx="0">
+            <a:schemeClr val="dk1"/>
+          </a:fillRef>
+          <a:effectRef idx="0">
+            <a:schemeClr val="dk1"/>
+          </a:effectRef>
+          <a:fontRef idx="minor">
+            <a:schemeClr val="tx1"/>
+          </a:fontRef>
+        </p:style>
+      </p:cxnSp>
+      <p:cxnSp>
+        <p:nvCxnSpPr>
+          <p:cNvPr id="26" name="直線矢印コネクタ 25">
+            <a:extLst>
+              <a:ext uri="{FF2B5EF4-FFF2-40B4-BE49-F238E27FC236}">
+                <a16:creationId xmlns:a16="http://schemas.microsoft.com/office/drawing/2014/main" id="{06EC8E29-7474-4EA2-B413-DA5855643282}"/>
+              </a:ext>
+            </a:extLst>
+          </p:cNvPr>
+          <p:cNvCxnSpPr>
+            <a:cxnSpLocks/>
+          </p:cNvCxnSpPr>
+          <p:nvPr/>
+        </p:nvCxnSpPr>
+        <p:spPr>
+          <a:xfrm flipV="1">
+            <a:off x="3736374" y="5589531"/>
+            <a:ext cx="964742" cy="698835"/>
+          </a:xfrm>
+          <a:prstGeom prst="straightConnector1">
+            <a:avLst/>
+          </a:prstGeom>
+          <a:ln w="76200">
+            <a:tailEnd type="triangle"/>
+          </a:ln>
+        </p:spPr>
+        <p:style>
+          <a:lnRef idx="1">
+            <a:schemeClr val="dk1"/>
+          </a:lnRef>
+          <a:fillRef idx="0">
+            <a:schemeClr val="dk1"/>
+          </a:fillRef>
+          <a:effectRef idx="0">
+            <a:schemeClr val="dk1"/>
+          </a:effectRef>
+          <a:fontRef idx="minor">
+            <a:schemeClr val="tx1"/>
+          </a:fontRef>
+        </p:style>
+      </p:cxnSp>
+      <p:cxnSp>
+        <p:nvCxnSpPr>
+          <p:cNvPr id="27" name="直線矢印コネクタ 26">
+            <a:extLst>
+              <a:ext uri="{FF2B5EF4-FFF2-40B4-BE49-F238E27FC236}">
+                <a16:creationId xmlns:a16="http://schemas.microsoft.com/office/drawing/2014/main" id="{194B5198-F50F-4D14-9517-996419472EA6}"/>
+              </a:ext>
+            </a:extLst>
+          </p:cNvPr>
+          <p:cNvCxnSpPr>
+            <a:cxnSpLocks/>
+          </p:cNvCxnSpPr>
+          <p:nvPr/>
+        </p:nvCxnSpPr>
+        <p:spPr>
+          <a:xfrm flipH="1" flipV="1">
+            <a:off x="3075517" y="5470759"/>
+            <a:ext cx="660857" cy="828475"/>
+          </a:xfrm>
+          <a:prstGeom prst="straightConnector1">
+            <a:avLst/>
+          </a:prstGeom>
+          <a:ln w="76200">
+            <a:tailEnd type="triangle"/>
+          </a:ln>
+        </p:spPr>
+        <p:style>
+          <a:lnRef idx="1">
+            <a:schemeClr val="dk1"/>
+          </a:lnRef>
+          <a:fillRef idx="0">
+            <a:schemeClr val="dk1"/>
+          </a:fillRef>
+          <a:effectRef idx="0">
+            <a:schemeClr val="dk1"/>
+          </a:effectRef>
+          <a:fontRef idx="minor">
+            <a:schemeClr val="tx1"/>
+          </a:fontRef>
+        </p:style>
+      </p:cxnSp>
+      <mc:AlternateContent xmlns:mc="http://schemas.openxmlformats.org/markup-compatibility/2006">
+        <mc:Choice xmlns:a14="http://schemas.microsoft.com/office/drawing/2010/main" Requires="a14">
+          <p:sp>
+            <p:nvSpPr>
+              <p:cNvPr id="28" name="テキスト ボックス 27">
+                <a:extLst>
+                  <a:ext uri="{FF2B5EF4-FFF2-40B4-BE49-F238E27FC236}">
+                    <a16:creationId xmlns:a16="http://schemas.microsoft.com/office/drawing/2014/main" id="{2035DBB9-8364-45D0-B5C3-B459085C2169}"/>
+                  </a:ext>
+                </a:extLst>
+              </p:cNvPr>
+              <p:cNvSpPr txBox="1"/>
+              <p:nvPr/>
+            </p:nvSpPr>
+            <p:spPr>
+              <a:xfrm>
+                <a:off x="3405945" y="6165285"/>
+                <a:ext cx="1994595" cy="584775"/>
+              </a:xfrm>
+              <a:prstGeom prst="rect">
+                <a:avLst/>
+              </a:prstGeom>
+              <a:noFill/>
+            </p:spPr>
+            <p:txBody>
+              <a:bodyPr wrap="square" rtlCol="0">
+                <a:spAutoFit/>
+              </a:bodyPr>
+              <a:lstStyle/>
+              <a:p>
+                <a:pPr/>
+                <a14:m>
+                  <m:oMathPara xmlns:m="http://schemas.openxmlformats.org/officeDocument/2006/math">
+                    <m:oMathParaPr>
+                      <m:jc m:val="centerGroup"/>
+                    </m:oMathParaPr>
+                    <m:oMath xmlns:m="http://schemas.openxmlformats.org/officeDocument/2006/math">
+                      <m:sSub>
+                        <m:sSubPr>
+                          <m:ctrlPr>
+                            <a:rPr kumimoji="1" lang="en-US" altLang="ja-JP" sz="3200" b="0" i="1" smtClean="0">
+                              <a:latin typeface="Cambria Math" panose="02040503050406030204" pitchFamily="18" charset="0"/>
+                            </a:rPr>
+                          </m:ctrlPr>
+                        </m:sSubPr>
+                        <m:e>
+                          <m:r>
+                            <a:rPr kumimoji="1" lang="en-US" altLang="ja-JP" sz="3200" b="1" i="1" smtClean="0">
+                              <a:latin typeface="Cambria Math" panose="02040503050406030204" pitchFamily="18" charset="0"/>
+                            </a:rPr>
+                            <m:t>𝒙</m:t>
+                          </m:r>
+                        </m:e>
+                        <m:sub>
+                          <m:r>
+                            <a:rPr kumimoji="1" lang="en-US" altLang="ja-JP" sz="3200" b="0" i="1" smtClean="0">
+                              <a:latin typeface="Cambria Math" panose="02040503050406030204" pitchFamily="18" charset="0"/>
+                            </a:rPr>
+                            <m:t>𝑤</m:t>
+                          </m:r>
+                        </m:sub>
+                      </m:sSub>
+                      <m:r>
+                        <a:rPr kumimoji="1" lang="en-US" altLang="ja-JP" sz="3200" b="0" i="1" smtClean="0">
+                          <a:latin typeface="Cambria Math" panose="02040503050406030204" pitchFamily="18" charset="0"/>
+                        </a:rPr>
+                        <m:t>=</m:t>
+                      </m:r>
+                      <m:r>
+                        <a:rPr kumimoji="1" lang="en-US" altLang="ja-JP" sz="3200" b="1" i="1" smtClean="0">
+                          <a:latin typeface="Cambria Math" panose="02040503050406030204" pitchFamily="18" charset="0"/>
+                        </a:rPr>
+                        <m:t>𝑶</m:t>
+                      </m:r>
+                    </m:oMath>
+                  </m:oMathPara>
+                </a14:m>
+                <a:endParaRPr kumimoji="1" lang="ja-JP" altLang="en-US" sz="3200" b="1" dirty="0"/>
+              </a:p>
+            </p:txBody>
+          </p:sp>
+        </mc:Choice>
+        <mc:Fallback>
+          <p:sp>
+            <p:nvSpPr>
+              <p:cNvPr id="28" name="テキスト ボックス 27">
+                <a:extLst>
+                  <a:ext uri="{FF2B5EF4-FFF2-40B4-BE49-F238E27FC236}">
+                    <a16:creationId xmlns:a16="http://schemas.microsoft.com/office/drawing/2014/main" id="{2035DBB9-8364-45D0-B5C3-B459085C2169}"/>
+                  </a:ext>
+                </a:extLst>
+              </p:cNvPr>
+              <p:cNvSpPr txBox="1">
+                <a:spLocks noRot="1" noChangeAspect="1" noMove="1" noResize="1" noEditPoints="1" noAdjustHandles="1" noChangeArrowheads="1" noChangeShapeType="1" noTextEdit="1"/>
+              </p:cNvSpPr>
+              <p:nvPr/>
+            </p:nvSpPr>
+            <p:spPr>
+              <a:xfrm>
+                <a:off x="3405945" y="6165285"/>
+                <a:ext cx="1994595" cy="584775"/>
+              </a:xfrm>
+              <a:prstGeom prst="rect">
+                <a:avLst/>
+              </a:prstGeom>
+              <a:blipFill>
+                <a:blip r:embed="rId2"/>
+                <a:stretch>
+                  <a:fillRect/>
+                </a:stretch>
+              </a:blipFill>
+            </p:spPr>
+            <p:txBody>
+              <a:bodyPr/>
+              <a:lstStyle/>
+              <a:p>
+                <a:r>
+                  <a:rPr lang="ja-JP" altLang="en-US">
+                    <a:noFill/>
+                  </a:rPr>
+                  <a:t> </a:t>
+                </a:r>
+              </a:p>
+            </p:txBody>
+          </p:sp>
+        </mc:Fallback>
+      </mc:AlternateContent>
+      <mc:AlternateContent xmlns:mc="http://schemas.openxmlformats.org/markup-compatibility/2006">
+        <mc:Choice xmlns:a14="http://schemas.microsoft.com/office/drawing/2010/main" Requires="a14">
+          <p:sp>
+            <p:nvSpPr>
+              <p:cNvPr id="29" name="テキスト ボックス 28">
+                <a:extLst>
+                  <a:ext uri="{FF2B5EF4-FFF2-40B4-BE49-F238E27FC236}">
+                    <a16:creationId xmlns:a16="http://schemas.microsoft.com/office/drawing/2014/main" id="{9442C12C-52DE-400D-868D-9AAB947F31BA}"/>
+                  </a:ext>
+                </a:extLst>
+              </p:cNvPr>
+              <p:cNvSpPr txBox="1"/>
+              <p:nvPr/>
+            </p:nvSpPr>
+            <p:spPr>
+              <a:xfrm>
+                <a:off x="3538150" y="2748299"/>
+                <a:ext cx="618567" cy="584775"/>
+              </a:xfrm>
+              <a:prstGeom prst="rect">
+                <a:avLst/>
+              </a:prstGeom>
+              <a:noFill/>
+            </p:spPr>
+            <p:txBody>
+              <a:bodyPr wrap="square" rtlCol="0">
+                <a:spAutoFit/>
+              </a:bodyPr>
+              <a:lstStyle/>
+              <a:p>
+                <a:pPr/>
+                <a14:m>
+                  <m:oMathPara xmlns:m="http://schemas.openxmlformats.org/officeDocument/2006/math">
+                    <m:oMathParaPr>
+                      <m:jc m:val="centerGroup"/>
+                    </m:oMathParaPr>
+                    <m:oMath xmlns:m="http://schemas.openxmlformats.org/officeDocument/2006/math">
+                      <m:sSub>
+                        <m:sSubPr>
+                          <m:ctrlPr>
+                            <a:rPr kumimoji="1" lang="en-US" altLang="ja-JP" sz="3200" b="0" i="1" smtClean="0">
+                              <a:latin typeface="Cambria Math" panose="02040503050406030204" pitchFamily="18" charset="0"/>
+                            </a:rPr>
+                          </m:ctrlPr>
+                        </m:sSubPr>
+                        <m:e>
+                          <m:r>
+                            <a:rPr kumimoji="1" lang="en-US" altLang="ja-JP" sz="3200" b="0" i="1" smtClean="0">
+                              <a:latin typeface="Cambria Math" panose="02040503050406030204" pitchFamily="18" charset="0"/>
+                            </a:rPr>
+                            <m:t>𝑅</m:t>
+                          </m:r>
+                          <m:r>
+                            <a:rPr kumimoji="1" lang="en-US" altLang="ja-JP" sz="3200" b="1" i="1" smtClean="0">
+                              <a:latin typeface="Cambria Math" panose="02040503050406030204" pitchFamily="18" charset="0"/>
+                            </a:rPr>
+                            <m:t>𝒙</m:t>
+                          </m:r>
+                        </m:e>
+                        <m:sub>
+                          <m:r>
+                            <a:rPr kumimoji="1" lang="en-US" altLang="ja-JP" sz="3200" b="0" i="1" smtClean="0">
+                              <a:latin typeface="Cambria Math" panose="02040503050406030204" pitchFamily="18" charset="0"/>
+                            </a:rPr>
+                            <m:t>𝑏</m:t>
+                          </m:r>
+                        </m:sub>
+                      </m:sSub>
+                    </m:oMath>
+                  </m:oMathPara>
+                </a14:m>
+                <a:endParaRPr kumimoji="1" lang="ja-JP" altLang="en-US" sz="3200" dirty="0"/>
+              </a:p>
+            </p:txBody>
+          </p:sp>
+        </mc:Choice>
+        <mc:Fallback>
+          <p:sp>
+            <p:nvSpPr>
+              <p:cNvPr id="29" name="テキスト ボックス 28">
+                <a:extLst>
+                  <a:ext uri="{FF2B5EF4-FFF2-40B4-BE49-F238E27FC236}">
+                    <a16:creationId xmlns:a16="http://schemas.microsoft.com/office/drawing/2014/main" id="{9442C12C-52DE-400D-868D-9AAB947F31BA}"/>
+                  </a:ext>
+                </a:extLst>
+              </p:cNvPr>
+              <p:cNvSpPr txBox="1">
+                <a:spLocks noRot="1" noChangeAspect="1" noMove="1" noResize="1" noEditPoints="1" noAdjustHandles="1" noChangeArrowheads="1" noChangeShapeType="1" noTextEdit="1"/>
+              </p:cNvSpPr>
+              <p:nvPr/>
+            </p:nvSpPr>
+            <p:spPr>
+              <a:xfrm>
+                <a:off x="3538150" y="2748299"/>
+                <a:ext cx="618567" cy="584775"/>
+              </a:xfrm>
+              <a:prstGeom prst="rect">
+                <a:avLst/>
+              </a:prstGeom>
+              <a:blipFill>
+                <a:blip r:embed="rId3"/>
+                <a:stretch>
+                  <a:fillRect r="-21569"/>
+                </a:stretch>
+              </a:blipFill>
+            </p:spPr>
+            <p:txBody>
+              <a:bodyPr/>
+              <a:lstStyle/>
+              <a:p>
+                <a:r>
+                  <a:rPr lang="ja-JP" altLang="en-US">
+                    <a:noFill/>
+                  </a:rPr>
+                  <a:t> </a:t>
+                </a:r>
+              </a:p>
+            </p:txBody>
+          </p:sp>
+        </mc:Fallback>
+      </mc:AlternateContent>
+      <p:cxnSp>
+        <p:nvCxnSpPr>
+          <p:cNvPr id="30" name="直線矢印コネクタ 29">
+            <a:extLst>
+              <a:ext uri="{FF2B5EF4-FFF2-40B4-BE49-F238E27FC236}">
+                <a16:creationId xmlns:a16="http://schemas.microsoft.com/office/drawing/2014/main" id="{FB1D2424-1792-4E28-8BA6-E7F7CF0E580C}"/>
+              </a:ext>
+            </a:extLst>
+          </p:cNvPr>
+          <p:cNvCxnSpPr>
+            <a:cxnSpLocks/>
+          </p:cNvCxnSpPr>
+          <p:nvPr/>
+        </p:nvCxnSpPr>
+        <p:spPr>
+          <a:xfrm>
+            <a:off x="3492526" y="2489538"/>
+            <a:ext cx="180266" cy="3594033"/>
+          </a:xfrm>
+          <a:prstGeom prst="straightConnector1">
+            <a:avLst/>
+          </a:prstGeom>
+          <a:ln w="38100">
+            <a:tailEnd type="triangle"/>
+          </a:ln>
+        </p:spPr>
+        <p:style>
+          <a:lnRef idx="1">
+            <a:schemeClr val="dk1"/>
+          </a:lnRef>
+          <a:fillRef idx="0">
+            <a:schemeClr val="dk1"/>
+          </a:fillRef>
+          <a:effectRef idx="0">
+            <a:schemeClr val="dk1"/>
+          </a:effectRef>
+          <a:fontRef idx="minor">
+            <a:schemeClr val="tx1"/>
+          </a:fontRef>
+        </p:style>
+      </p:cxnSp>
+      <mc:AlternateContent xmlns:mc="http://schemas.openxmlformats.org/markup-compatibility/2006">
+        <mc:Choice xmlns:a14="http://schemas.microsoft.com/office/drawing/2010/main" Requires="a14">
+          <p:sp>
+            <p:nvSpPr>
+              <p:cNvPr id="31" name="テキスト ボックス 30">
+                <a:extLst>
+                  <a:ext uri="{FF2B5EF4-FFF2-40B4-BE49-F238E27FC236}">
+                    <a16:creationId xmlns:a16="http://schemas.microsoft.com/office/drawing/2014/main" id="{F44C9D58-E9F7-44C1-9D04-B40FC69CFDC4}"/>
+                  </a:ext>
+                </a:extLst>
+              </p:cNvPr>
+              <p:cNvSpPr txBox="1"/>
+              <p:nvPr/>
+            </p:nvSpPr>
+            <p:spPr>
+              <a:xfrm>
+                <a:off x="2657113" y="3197040"/>
+                <a:ext cx="618567" cy="584775"/>
+              </a:xfrm>
+              <a:prstGeom prst="rect">
+                <a:avLst/>
+              </a:prstGeom>
+              <a:noFill/>
+            </p:spPr>
+            <p:txBody>
+              <a:bodyPr wrap="square" rtlCol="0">
+                <a:spAutoFit/>
+              </a:bodyPr>
+              <a:lstStyle/>
+              <a:p>
+                <a:pPr/>
+                <a14:m>
+                  <m:oMathPara xmlns:m="http://schemas.openxmlformats.org/officeDocument/2006/math">
+                    <m:oMathParaPr>
+                      <m:jc m:val="centerGroup"/>
+                    </m:oMathParaPr>
+                    <m:oMath xmlns:m="http://schemas.openxmlformats.org/officeDocument/2006/math">
+                      <m:sSubSup>
+                        <m:sSubSupPr>
+                          <m:ctrlPr>
+                            <a:rPr kumimoji="1" lang="en-US" altLang="ja-JP" sz="3200" i="1" smtClean="0">
+                              <a:latin typeface="Cambria Math" panose="02040503050406030204" pitchFamily="18" charset="0"/>
+                            </a:rPr>
+                          </m:ctrlPr>
+                        </m:sSubSupPr>
+                        <m:e>
+                          <m:r>
+                            <a:rPr kumimoji="1" lang="en-US" altLang="ja-JP" sz="3200" b="0" i="1" smtClean="0">
+                              <a:latin typeface="Cambria Math" panose="02040503050406030204" pitchFamily="18" charset="0"/>
+                            </a:rPr>
+                            <m:t>𝑅</m:t>
+                          </m:r>
+                          <m:r>
+                            <a:rPr kumimoji="1" lang="en-US" altLang="ja-JP" sz="3200" b="1" i="1" smtClean="0">
+                              <a:latin typeface="Cambria Math" panose="02040503050406030204" pitchFamily="18" charset="0"/>
+                            </a:rPr>
+                            <m:t>𝒙</m:t>
+                          </m:r>
+                        </m:e>
+                        <m:sub>
+                          <m:r>
+                            <a:rPr kumimoji="1" lang="en-US" altLang="ja-JP" sz="3200" b="0" i="1" smtClean="0">
+                              <a:latin typeface="Cambria Math" panose="02040503050406030204" pitchFamily="18" charset="0"/>
+                            </a:rPr>
+                            <m:t>𝑤</m:t>
+                          </m:r>
+                        </m:sub>
+                        <m:sup>
+                          <m:r>
+                            <a:rPr kumimoji="1" lang="en-US" altLang="ja-JP" sz="3200" b="0" i="1" smtClean="0">
+                              <a:latin typeface="Cambria Math" panose="02040503050406030204" pitchFamily="18" charset="0"/>
+                            </a:rPr>
+                            <m:t>′</m:t>
+                          </m:r>
+                        </m:sup>
+                      </m:sSubSup>
+                    </m:oMath>
+                  </m:oMathPara>
+                </a14:m>
+                <a:endParaRPr kumimoji="1" lang="ja-JP" altLang="en-US" sz="3200" dirty="0"/>
+              </a:p>
+            </p:txBody>
+          </p:sp>
+        </mc:Choice>
+        <mc:Fallback>
+          <p:sp>
+            <p:nvSpPr>
+              <p:cNvPr id="31" name="テキスト ボックス 30">
+                <a:extLst>
+                  <a:ext uri="{FF2B5EF4-FFF2-40B4-BE49-F238E27FC236}">
+                    <a16:creationId xmlns:a16="http://schemas.microsoft.com/office/drawing/2014/main" id="{F44C9D58-E9F7-44C1-9D04-B40FC69CFDC4}"/>
+                  </a:ext>
+                </a:extLst>
+              </p:cNvPr>
+              <p:cNvSpPr txBox="1">
+                <a:spLocks noRot="1" noChangeAspect="1" noMove="1" noResize="1" noEditPoints="1" noAdjustHandles="1" noChangeArrowheads="1" noChangeShapeType="1" noTextEdit="1"/>
+              </p:cNvSpPr>
+              <p:nvPr/>
+            </p:nvSpPr>
+            <p:spPr>
+              <a:xfrm>
+                <a:off x="2657113" y="3197040"/>
+                <a:ext cx="618567" cy="584775"/>
+              </a:xfrm>
+              <a:prstGeom prst="rect">
+                <a:avLst/>
+              </a:prstGeom>
+              <a:blipFill>
+                <a:blip r:embed="rId4"/>
+                <a:stretch>
+                  <a:fillRect r="-34653"/>
+                </a:stretch>
+              </a:blipFill>
+            </p:spPr>
+            <p:txBody>
+              <a:bodyPr/>
+              <a:lstStyle/>
+              <a:p>
+                <a:r>
+                  <a:rPr lang="ja-JP" altLang="en-US">
+                    <a:noFill/>
+                  </a:rPr>
+                  <a:t> </a:t>
+                </a:r>
+              </a:p>
+            </p:txBody>
+          </p:sp>
+        </mc:Fallback>
+      </mc:AlternateContent>
+      <p:cxnSp>
+        <p:nvCxnSpPr>
+          <p:cNvPr id="32" name="直線矢印コネクタ 31">
+            <a:extLst>
+              <a:ext uri="{FF2B5EF4-FFF2-40B4-BE49-F238E27FC236}">
+                <a16:creationId xmlns:a16="http://schemas.microsoft.com/office/drawing/2014/main" id="{AE2A24DD-36AA-406F-8351-C003E225DD56}"/>
+              </a:ext>
+            </a:extLst>
+          </p:cNvPr>
+          <p:cNvCxnSpPr>
+            <a:cxnSpLocks/>
+          </p:cNvCxnSpPr>
+          <p:nvPr/>
+        </p:nvCxnSpPr>
+        <p:spPr>
+          <a:xfrm flipH="1" flipV="1">
+            <a:off x="3580587" y="2436342"/>
+            <a:ext cx="193578" cy="3728943"/>
+          </a:xfrm>
+          <a:prstGeom prst="straightConnector1">
+            <a:avLst/>
+          </a:prstGeom>
+          <a:ln w="38100">
+            <a:tailEnd type="triangle"/>
+          </a:ln>
+        </p:spPr>
+        <p:style>
+          <a:lnRef idx="1">
+            <a:schemeClr val="dk1"/>
+          </a:lnRef>
+          <a:fillRef idx="0">
+            <a:schemeClr val="dk1"/>
+          </a:fillRef>
+          <a:effectRef idx="0">
+            <a:schemeClr val="dk1"/>
+          </a:effectRef>
+          <a:fontRef idx="minor">
+            <a:schemeClr val="tx1"/>
+          </a:fontRef>
+        </p:style>
+      </p:cxnSp>
+      <p:cxnSp>
+        <p:nvCxnSpPr>
+          <p:cNvPr id="34" name="直線矢印コネクタ 33">
+            <a:extLst>
+              <a:ext uri="{FF2B5EF4-FFF2-40B4-BE49-F238E27FC236}">
+                <a16:creationId xmlns:a16="http://schemas.microsoft.com/office/drawing/2014/main" id="{0276690A-1598-4DDD-A64D-52D244C6D970}"/>
+              </a:ext>
+            </a:extLst>
+          </p:cNvPr>
+          <p:cNvCxnSpPr>
+            <a:cxnSpLocks/>
+          </p:cNvCxnSpPr>
+          <p:nvPr/>
+        </p:nvCxnSpPr>
+        <p:spPr>
+          <a:xfrm flipV="1">
+            <a:off x="6359546" y="2710088"/>
+            <a:ext cx="142893" cy="1285436"/>
+          </a:xfrm>
+          <a:prstGeom prst="straightConnector1">
+            <a:avLst/>
+          </a:prstGeom>
+          <a:ln w="57150">
+            <a:tailEnd type="triangle"/>
+          </a:ln>
+        </p:spPr>
+        <p:style>
+          <a:lnRef idx="1">
+            <a:schemeClr val="dk1"/>
+          </a:lnRef>
+          <a:fillRef idx="0">
+            <a:schemeClr val="dk1"/>
+          </a:fillRef>
+          <a:effectRef idx="0">
+            <a:schemeClr val="dk1"/>
+          </a:effectRef>
+          <a:fontRef idx="minor">
+            <a:schemeClr val="tx1"/>
+          </a:fontRef>
+        </p:style>
+      </p:cxnSp>
+      <p:cxnSp>
+        <p:nvCxnSpPr>
+          <p:cNvPr id="35" name="直線矢印コネクタ 34">
+            <a:extLst>
+              <a:ext uri="{FF2B5EF4-FFF2-40B4-BE49-F238E27FC236}">
+                <a16:creationId xmlns:a16="http://schemas.microsoft.com/office/drawing/2014/main" id="{9075D600-FD9B-4C91-9063-8F53423FB547}"/>
+              </a:ext>
+            </a:extLst>
+          </p:cNvPr>
+          <p:cNvCxnSpPr>
+            <a:cxnSpLocks/>
+          </p:cNvCxnSpPr>
+          <p:nvPr/>
+        </p:nvCxnSpPr>
+        <p:spPr>
+          <a:xfrm flipV="1">
+            <a:off x="6359547" y="3527196"/>
+            <a:ext cx="599775" cy="434464"/>
+          </a:xfrm>
+          <a:prstGeom prst="straightConnector1">
+            <a:avLst/>
+          </a:prstGeom>
+          <a:ln w="57150">
+            <a:tailEnd type="triangle"/>
+          </a:ln>
+        </p:spPr>
+        <p:style>
+          <a:lnRef idx="1">
+            <a:schemeClr val="dk1"/>
+          </a:lnRef>
+          <a:fillRef idx="0">
+            <a:schemeClr val="dk1"/>
+          </a:fillRef>
+          <a:effectRef idx="0">
+            <a:schemeClr val="dk1"/>
+          </a:effectRef>
+          <a:fontRef idx="minor">
+            <a:schemeClr val="tx1"/>
+          </a:fontRef>
+        </p:style>
+      </p:cxnSp>
+      <p:cxnSp>
+        <p:nvCxnSpPr>
+          <p:cNvPr id="36" name="直線矢印コネクタ 35">
+            <a:extLst>
+              <a:ext uri="{FF2B5EF4-FFF2-40B4-BE49-F238E27FC236}">
+                <a16:creationId xmlns:a16="http://schemas.microsoft.com/office/drawing/2014/main" id="{245EB156-2AF8-4F6F-97FD-B8E78B537B35}"/>
+              </a:ext>
+            </a:extLst>
+          </p:cNvPr>
+          <p:cNvCxnSpPr>
+            <a:cxnSpLocks/>
+          </p:cNvCxnSpPr>
+          <p:nvPr/>
+        </p:nvCxnSpPr>
+        <p:spPr>
+          <a:xfrm flipH="1" flipV="1">
+            <a:off x="5850335" y="3334159"/>
+            <a:ext cx="509213" cy="638368"/>
+          </a:xfrm>
+          <a:prstGeom prst="straightConnector1">
+            <a:avLst/>
+          </a:prstGeom>
+          <a:ln w="57150">
+            <a:tailEnd type="triangle"/>
+          </a:ln>
+        </p:spPr>
+        <p:style>
+          <a:lnRef idx="1">
+            <a:schemeClr val="dk1"/>
+          </a:lnRef>
+          <a:fillRef idx="0">
+            <a:schemeClr val="dk1"/>
+          </a:fillRef>
+          <a:effectRef idx="0">
+            <a:schemeClr val="dk1"/>
+          </a:effectRef>
+          <a:fontRef idx="minor">
+            <a:schemeClr val="tx1"/>
+          </a:fontRef>
+        </p:style>
+      </p:cxnSp>
+      <p:sp>
+        <p:nvSpPr>
+          <p:cNvPr id="21" name="直方体 20">
+            <a:extLst>
+              <a:ext uri="{FF2B5EF4-FFF2-40B4-BE49-F238E27FC236}">
+                <a16:creationId xmlns:a16="http://schemas.microsoft.com/office/drawing/2014/main" id="{3AB75076-CC78-4ECE-935A-B3AE465442B8}"/>
+              </a:ext>
+            </a:extLst>
+          </p:cNvPr>
+          <p:cNvSpPr/>
+          <p:nvPr/>
+        </p:nvSpPr>
+        <p:spPr>
+          <a:xfrm rot="20594060" flipH="1">
+            <a:off x="3244381" y="1584952"/>
+            <a:ext cx="963571" cy="782236"/>
+          </a:xfrm>
+          <a:prstGeom prst="cube">
+            <a:avLst/>
+          </a:prstGeom>
+          <a:solidFill>
+            <a:schemeClr val="accent6"/>
+          </a:solidFill>
+          <a:ln>
+            <a:solidFill>
+              <a:schemeClr val="accent6">
+                <a:lumMod val="50000"/>
+              </a:schemeClr>
+            </a:solidFill>
+          </a:ln>
+        </p:spPr>
+        <p:style>
+          <a:lnRef idx="2">
+            <a:schemeClr val="accent1">
+              <a:shade val="50000"/>
+            </a:schemeClr>
+          </a:lnRef>
+          <a:fillRef idx="1">
+            <a:schemeClr val="accent1"/>
+          </a:fillRef>
+          <a:effectRef idx="0">
+            <a:schemeClr val="accent1"/>
+          </a:effectRef>
+          <a:fontRef idx="minor">
+            <a:schemeClr val="lt1"/>
+          </a:fontRef>
+        </p:style>
+        <p:txBody>
+          <a:bodyPr rtlCol="0" anchor="ctr"/>
+          <a:lstStyle/>
+          <a:p>
+            <a:pPr algn="ctr"/>
+            <a:endParaRPr kumimoji="1" lang="ja-JP" altLang="en-US"/>
+          </a:p>
+        </p:txBody>
+      </p:sp>
+      <p:cxnSp>
+        <p:nvCxnSpPr>
+          <p:cNvPr id="22" name="直線矢印コネクタ 21">
+            <a:extLst>
+              <a:ext uri="{FF2B5EF4-FFF2-40B4-BE49-F238E27FC236}">
+                <a16:creationId xmlns:a16="http://schemas.microsoft.com/office/drawing/2014/main" id="{064DB839-CE5D-4B2B-B4C0-BD7F744BC34B}"/>
+              </a:ext>
+            </a:extLst>
+          </p:cNvPr>
+          <p:cNvCxnSpPr>
+            <a:cxnSpLocks/>
+          </p:cNvCxnSpPr>
+          <p:nvPr/>
+        </p:nvCxnSpPr>
+        <p:spPr>
+          <a:xfrm flipH="1" flipV="1">
+            <a:off x="3272663" y="1408030"/>
+            <a:ext cx="278681" cy="1021833"/>
+          </a:xfrm>
+          <a:prstGeom prst="straightConnector1">
+            <a:avLst/>
+          </a:prstGeom>
+          <a:ln w="57150">
+            <a:tailEnd type="triangle"/>
+          </a:ln>
+        </p:spPr>
+        <p:style>
+          <a:lnRef idx="1">
+            <a:schemeClr val="dk1"/>
+          </a:lnRef>
+          <a:fillRef idx="0">
+            <a:schemeClr val="dk1"/>
+          </a:fillRef>
+          <a:effectRef idx="0">
+            <a:schemeClr val="dk1"/>
+          </a:effectRef>
+          <a:fontRef idx="minor">
+            <a:schemeClr val="tx1"/>
+          </a:fontRef>
+        </p:style>
+      </p:cxnSp>
+      <p:cxnSp>
+        <p:nvCxnSpPr>
+          <p:cNvPr id="37" name="直線矢印コネクタ 36">
+            <a:extLst>
+              <a:ext uri="{FF2B5EF4-FFF2-40B4-BE49-F238E27FC236}">
+                <a16:creationId xmlns:a16="http://schemas.microsoft.com/office/drawing/2014/main" id="{BA24BB61-1A29-4853-B190-84722D822005}"/>
+              </a:ext>
+            </a:extLst>
+          </p:cNvPr>
+          <p:cNvCxnSpPr>
+            <a:cxnSpLocks/>
+          </p:cNvCxnSpPr>
+          <p:nvPr/>
+        </p:nvCxnSpPr>
+        <p:spPr>
+          <a:xfrm flipV="1">
+            <a:off x="3551344" y="2111688"/>
+            <a:ext cx="1046742" cy="318175"/>
+          </a:xfrm>
+          <a:prstGeom prst="straightConnector1">
+            <a:avLst/>
+          </a:prstGeom>
+          <a:ln w="57150">
+            <a:tailEnd type="triangle"/>
+          </a:ln>
+        </p:spPr>
+        <p:style>
+          <a:lnRef idx="1">
+            <a:schemeClr val="dk1"/>
+          </a:lnRef>
+          <a:fillRef idx="0">
+            <a:schemeClr val="dk1"/>
+          </a:fillRef>
+          <a:effectRef idx="0">
+            <a:schemeClr val="dk1"/>
+          </a:effectRef>
+          <a:fontRef idx="minor">
+            <a:schemeClr val="tx1"/>
+          </a:fontRef>
+        </p:style>
+      </p:cxnSp>
+      <p:cxnSp>
+        <p:nvCxnSpPr>
+          <p:cNvPr id="38" name="直線矢印コネクタ 37">
+            <a:extLst>
+              <a:ext uri="{FF2B5EF4-FFF2-40B4-BE49-F238E27FC236}">
+                <a16:creationId xmlns:a16="http://schemas.microsoft.com/office/drawing/2014/main" id="{BCC7594A-1961-4F9C-94F0-6EB13B37B8A1}"/>
+              </a:ext>
+            </a:extLst>
+          </p:cNvPr>
+          <p:cNvCxnSpPr>
+            <a:cxnSpLocks/>
+          </p:cNvCxnSpPr>
+          <p:nvPr/>
+        </p:nvCxnSpPr>
+        <p:spPr>
+          <a:xfrm flipH="1" flipV="1">
+            <a:off x="2985219" y="2120505"/>
+            <a:ext cx="566128" cy="309359"/>
+          </a:xfrm>
+          <a:prstGeom prst="straightConnector1">
+            <a:avLst/>
+          </a:prstGeom>
+          <a:ln w="57150">
+            <a:tailEnd type="triangle"/>
+          </a:ln>
+        </p:spPr>
+        <p:style>
+          <a:lnRef idx="1">
+            <a:schemeClr val="dk1"/>
+          </a:lnRef>
+          <a:fillRef idx="0">
+            <a:schemeClr val="dk1"/>
+          </a:fillRef>
+          <a:effectRef idx="0">
+            <a:schemeClr val="dk1"/>
+          </a:effectRef>
+          <a:fontRef idx="minor">
+            <a:schemeClr val="tx1"/>
+          </a:fontRef>
+        </p:style>
+      </p:cxnSp>
+      <mc:AlternateContent xmlns:mc="http://schemas.openxmlformats.org/markup-compatibility/2006">
+        <mc:Choice xmlns:a14="http://schemas.microsoft.com/office/drawing/2010/main" Requires="a14">
+          <p:sp>
+            <p:nvSpPr>
+              <p:cNvPr id="40" name="テキスト ボックス 39">
+                <a:extLst>
+                  <a:ext uri="{FF2B5EF4-FFF2-40B4-BE49-F238E27FC236}">
+                    <a16:creationId xmlns:a16="http://schemas.microsoft.com/office/drawing/2014/main" id="{DC7FC1C0-7B48-43EF-A6F8-5ED09F12CE2B}"/>
+                  </a:ext>
+                </a:extLst>
+              </p:cNvPr>
+              <p:cNvSpPr txBox="1"/>
+              <p:nvPr/>
+            </p:nvSpPr>
+            <p:spPr>
+              <a:xfrm>
+                <a:off x="5292849" y="4622006"/>
+                <a:ext cx="618567" cy="584775"/>
+              </a:xfrm>
+              <a:prstGeom prst="rect">
+                <a:avLst/>
+              </a:prstGeom>
+              <a:noFill/>
+            </p:spPr>
+            <p:txBody>
+              <a:bodyPr wrap="square" rtlCol="0">
+                <a:spAutoFit/>
+              </a:bodyPr>
+              <a:lstStyle/>
+              <a:p>
+                <a:pPr/>
+                <a14:m>
+                  <m:oMathPara xmlns:m="http://schemas.openxmlformats.org/officeDocument/2006/math">
+                    <m:oMathParaPr>
+                      <m:jc m:val="centerGroup"/>
+                    </m:oMathParaPr>
+                    <m:oMath xmlns:m="http://schemas.openxmlformats.org/officeDocument/2006/math">
+                      <m:sSub>
+                        <m:sSubPr>
+                          <m:ctrlPr>
+                            <a:rPr kumimoji="1" lang="en-US" altLang="ja-JP" sz="3200" b="0" i="1" smtClean="0">
+                              <a:latin typeface="Cambria Math" panose="02040503050406030204" pitchFamily="18" charset="0"/>
+                            </a:rPr>
+                          </m:ctrlPr>
+                        </m:sSubPr>
+                        <m:e>
+                          <m:r>
+                            <a:rPr kumimoji="1" lang="en-US" altLang="ja-JP" sz="3200" b="1" i="1" smtClean="0">
+                              <a:latin typeface="Cambria Math" panose="02040503050406030204" pitchFamily="18" charset="0"/>
+                            </a:rPr>
+                            <m:t>𝒙</m:t>
+                          </m:r>
+                        </m:e>
+                        <m:sub>
+                          <m:r>
+                            <a:rPr kumimoji="1" lang="en-US" altLang="ja-JP" sz="3200" b="0" i="1" smtClean="0">
+                              <a:latin typeface="Cambria Math" panose="02040503050406030204" pitchFamily="18" charset="0"/>
+                            </a:rPr>
+                            <m:t>𝑏</m:t>
+                          </m:r>
+                        </m:sub>
+                      </m:sSub>
+                    </m:oMath>
+                  </m:oMathPara>
+                </a14:m>
+                <a:endParaRPr kumimoji="1" lang="ja-JP" altLang="en-US" sz="3200" dirty="0"/>
+              </a:p>
+            </p:txBody>
+          </p:sp>
+        </mc:Choice>
+        <mc:Fallback>
+          <p:sp>
+            <p:nvSpPr>
+              <p:cNvPr id="40" name="テキスト ボックス 39">
+                <a:extLst>
+                  <a:ext uri="{FF2B5EF4-FFF2-40B4-BE49-F238E27FC236}">
+                    <a16:creationId xmlns:a16="http://schemas.microsoft.com/office/drawing/2014/main" id="{DC7FC1C0-7B48-43EF-A6F8-5ED09F12CE2B}"/>
+                  </a:ext>
+                </a:extLst>
+              </p:cNvPr>
+              <p:cNvSpPr txBox="1">
+                <a:spLocks noRot="1" noChangeAspect="1" noMove="1" noResize="1" noEditPoints="1" noAdjustHandles="1" noChangeArrowheads="1" noChangeShapeType="1" noTextEdit="1"/>
+              </p:cNvSpPr>
+              <p:nvPr/>
+            </p:nvSpPr>
+            <p:spPr>
+              <a:xfrm>
+                <a:off x="5292849" y="4622006"/>
+                <a:ext cx="618567" cy="584775"/>
+              </a:xfrm>
+              <a:prstGeom prst="rect">
+                <a:avLst/>
+              </a:prstGeom>
+              <a:blipFill>
+                <a:blip r:embed="rId5"/>
+                <a:stretch>
+                  <a:fillRect/>
+                </a:stretch>
+              </a:blipFill>
+            </p:spPr>
+            <p:txBody>
+              <a:bodyPr/>
+              <a:lstStyle/>
+              <a:p>
+                <a:r>
+                  <a:rPr lang="ja-JP" altLang="en-US">
+                    <a:noFill/>
+                  </a:rPr>
+                  <a:t> </a:t>
+                </a:r>
+              </a:p>
+            </p:txBody>
+          </p:sp>
+        </mc:Fallback>
+      </mc:AlternateContent>
+      <p:cxnSp>
+        <p:nvCxnSpPr>
+          <p:cNvPr id="41" name="直線矢印コネクタ 40">
+            <a:extLst>
+              <a:ext uri="{FF2B5EF4-FFF2-40B4-BE49-F238E27FC236}">
+                <a16:creationId xmlns:a16="http://schemas.microsoft.com/office/drawing/2014/main" id="{5F9E0C92-E9E0-4069-94A9-5AF3F3E693E6}"/>
+              </a:ext>
+            </a:extLst>
+          </p:cNvPr>
+          <p:cNvCxnSpPr>
+            <a:cxnSpLocks/>
+          </p:cNvCxnSpPr>
+          <p:nvPr/>
+        </p:nvCxnSpPr>
+        <p:spPr>
+          <a:xfrm flipH="1">
+            <a:off x="3787551" y="3948968"/>
+            <a:ext cx="2510611" cy="2127400"/>
+          </a:xfrm>
+          <a:prstGeom prst="straightConnector1">
+            <a:avLst/>
+          </a:prstGeom>
+          <a:ln w="38100">
+            <a:tailEnd type="triangle"/>
+          </a:ln>
+        </p:spPr>
+        <p:style>
+          <a:lnRef idx="1">
+            <a:schemeClr val="dk1"/>
+          </a:lnRef>
+          <a:fillRef idx="0">
+            <a:schemeClr val="dk1"/>
+          </a:fillRef>
+          <a:effectRef idx="0">
+            <a:schemeClr val="dk1"/>
+          </a:effectRef>
+          <a:fontRef idx="minor">
+            <a:schemeClr val="tx1"/>
+          </a:fontRef>
+        </p:style>
+      </p:cxnSp>
+      <mc:AlternateContent xmlns:mc="http://schemas.openxmlformats.org/markup-compatibility/2006">
+        <mc:Choice xmlns:a14="http://schemas.microsoft.com/office/drawing/2010/main" Requires="a14">
+          <p:sp>
+            <p:nvSpPr>
+              <p:cNvPr id="42" name="テキスト ボックス 41">
+                <a:extLst>
+                  <a:ext uri="{FF2B5EF4-FFF2-40B4-BE49-F238E27FC236}">
+                    <a16:creationId xmlns:a16="http://schemas.microsoft.com/office/drawing/2014/main" id="{37C0B271-660B-4B7E-BF66-EB528B7D921B}"/>
+                  </a:ext>
+                </a:extLst>
+              </p:cNvPr>
+              <p:cNvSpPr txBox="1"/>
+              <p:nvPr/>
+            </p:nvSpPr>
+            <p:spPr>
+              <a:xfrm>
+                <a:off x="5331256" y="3798205"/>
+                <a:ext cx="618567" cy="584775"/>
+              </a:xfrm>
+              <a:prstGeom prst="rect">
+                <a:avLst/>
+              </a:prstGeom>
+              <a:noFill/>
+            </p:spPr>
+            <p:txBody>
+              <a:bodyPr wrap="square" rtlCol="0">
+                <a:spAutoFit/>
+              </a:bodyPr>
+              <a:lstStyle/>
+              <a:p>
+                <a:pPr/>
+                <a14:m>
+                  <m:oMathPara xmlns:m="http://schemas.openxmlformats.org/officeDocument/2006/math">
+                    <m:oMathParaPr>
+                      <m:jc m:val="centerGroup"/>
+                    </m:oMathParaPr>
+                    <m:oMath xmlns:m="http://schemas.openxmlformats.org/officeDocument/2006/math">
+                      <m:sSubSup>
+                        <m:sSubSupPr>
+                          <m:ctrlPr>
+                            <a:rPr kumimoji="1" lang="en-US" altLang="ja-JP" sz="3200" i="1" smtClean="0">
+                              <a:latin typeface="Cambria Math" panose="02040503050406030204" pitchFamily="18" charset="0"/>
+                            </a:rPr>
+                          </m:ctrlPr>
+                        </m:sSubSupPr>
+                        <m:e>
+                          <m:r>
+                            <a:rPr kumimoji="1" lang="en-US" altLang="ja-JP" sz="3200" b="1" i="1" smtClean="0">
+                              <a:latin typeface="Cambria Math" panose="02040503050406030204" pitchFamily="18" charset="0"/>
+                            </a:rPr>
+                            <m:t>𝒙</m:t>
+                          </m:r>
+                        </m:e>
+                        <m:sub>
+                          <m:r>
+                            <a:rPr kumimoji="1" lang="en-US" altLang="ja-JP" sz="3200" b="0" i="1" smtClean="0">
+                              <a:latin typeface="Cambria Math" panose="02040503050406030204" pitchFamily="18" charset="0"/>
+                            </a:rPr>
+                            <m:t>𝑤</m:t>
+                          </m:r>
+                        </m:sub>
+                        <m:sup>
+                          <m:r>
+                            <a:rPr kumimoji="1" lang="en-US" altLang="ja-JP" sz="3200" b="0" i="1" smtClean="0">
+                              <a:latin typeface="Cambria Math" panose="02040503050406030204" pitchFamily="18" charset="0"/>
+                            </a:rPr>
+                            <m:t>′</m:t>
+                          </m:r>
+                        </m:sup>
+                      </m:sSubSup>
+                    </m:oMath>
+                  </m:oMathPara>
+                </a14:m>
+                <a:endParaRPr kumimoji="1" lang="ja-JP" altLang="en-US" sz="3200" dirty="0"/>
+              </a:p>
+            </p:txBody>
+          </p:sp>
+        </mc:Choice>
+        <mc:Fallback>
+          <p:sp>
+            <p:nvSpPr>
+              <p:cNvPr id="42" name="テキスト ボックス 41">
+                <a:extLst>
+                  <a:ext uri="{FF2B5EF4-FFF2-40B4-BE49-F238E27FC236}">
+                    <a16:creationId xmlns:a16="http://schemas.microsoft.com/office/drawing/2014/main" id="{37C0B271-660B-4B7E-BF66-EB528B7D921B}"/>
+                  </a:ext>
+                </a:extLst>
+              </p:cNvPr>
+              <p:cNvSpPr txBox="1">
+                <a:spLocks noRot="1" noChangeAspect="1" noMove="1" noResize="1" noEditPoints="1" noAdjustHandles="1" noChangeArrowheads="1" noChangeShapeType="1" noTextEdit="1"/>
+              </p:cNvSpPr>
+              <p:nvPr/>
+            </p:nvSpPr>
+            <p:spPr>
+              <a:xfrm>
+                <a:off x="5331256" y="3798205"/>
+                <a:ext cx="618567" cy="584775"/>
+              </a:xfrm>
+              <a:prstGeom prst="rect">
+                <a:avLst/>
+              </a:prstGeom>
+              <a:blipFill>
+                <a:blip r:embed="rId6"/>
+                <a:stretch>
+                  <a:fillRect/>
+                </a:stretch>
+              </a:blipFill>
+            </p:spPr>
+            <p:txBody>
+              <a:bodyPr/>
+              <a:lstStyle/>
+              <a:p>
+                <a:r>
+                  <a:rPr lang="ja-JP" altLang="en-US">
+                    <a:noFill/>
+                  </a:rPr>
+                  <a:t> </a:t>
+                </a:r>
+              </a:p>
+            </p:txBody>
+          </p:sp>
+        </mc:Fallback>
+      </mc:AlternateContent>
+      <p:cxnSp>
+        <p:nvCxnSpPr>
+          <p:cNvPr id="43" name="直線矢印コネクタ 42">
+            <a:extLst>
+              <a:ext uri="{FF2B5EF4-FFF2-40B4-BE49-F238E27FC236}">
+                <a16:creationId xmlns:a16="http://schemas.microsoft.com/office/drawing/2014/main" id="{46EE3AC7-8E53-4474-A602-915FAB7A1678}"/>
+              </a:ext>
+            </a:extLst>
+          </p:cNvPr>
+          <p:cNvCxnSpPr>
+            <a:cxnSpLocks/>
+          </p:cNvCxnSpPr>
+          <p:nvPr/>
+        </p:nvCxnSpPr>
+        <p:spPr>
+          <a:xfrm flipV="1">
+            <a:off x="3848935" y="3982834"/>
+            <a:ext cx="2564101" cy="2141881"/>
+          </a:xfrm>
+          <a:prstGeom prst="straightConnector1">
+            <a:avLst/>
+          </a:prstGeom>
+          <a:ln w="38100">
+            <a:tailEnd type="triangle"/>
+          </a:ln>
+        </p:spPr>
+        <p:style>
+          <a:lnRef idx="1">
+            <a:schemeClr val="dk1"/>
+          </a:lnRef>
+          <a:fillRef idx="0">
+            <a:schemeClr val="dk1"/>
+          </a:fillRef>
+          <a:effectRef idx="0">
+            <a:schemeClr val="dk1"/>
+          </a:effectRef>
+          <a:fontRef idx="minor">
+            <a:schemeClr val="tx1"/>
+          </a:fontRef>
+        </p:style>
+      </p:cxnSp>
+      <p:sp>
+        <p:nvSpPr>
+          <p:cNvPr id="44" name="円弧 43">
+            <a:extLst>
+              <a:ext uri="{FF2B5EF4-FFF2-40B4-BE49-F238E27FC236}">
+                <a16:creationId xmlns:a16="http://schemas.microsoft.com/office/drawing/2014/main" id="{A4D749A6-E227-49B8-94C8-1C68B9DB010E}"/>
+              </a:ext>
+            </a:extLst>
+          </p:cNvPr>
+          <p:cNvSpPr/>
+          <p:nvPr/>
+        </p:nvSpPr>
+        <p:spPr>
+          <a:xfrm rot="21337152">
+            <a:off x="1700746" y="1702810"/>
+            <a:ext cx="5199095" cy="5199095"/>
+          </a:xfrm>
+          <a:prstGeom prst="arc">
+            <a:avLst>
+              <a:gd name="adj1" fmla="val 16333576"/>
+              <a:gd name="adj2" fmla="val 19661286"/>
+            </a:avLst>
+          </a:prstGeom>
+          <a:ln w="38100">
+            <a:solidFill>
+              <a:schemeClr val="tx1"/>
+            </a:solidFill>
+            <a:prstDash val="sysDash"/>
+            <a:headEnd type="arrow" w="med" len="med"/>
+            <a:tailEnd type="none" w="med" len="med"/>
+          </a:ln>
+        </p:spPr>
+        <p:style>
+          <a:lnRef idx="1">
+            <a:schemeClr val="accent1"/>
+          </a:lnRef>
+          <a:fillRef idx="0">
+            <a:schemeClr val="accent1"/>
+          </a:fillRef>
+          <a:effectRef idx="0">
+            <a:schemeClr val="accent1"/>
+          </a:effectRef>
+          <a:fontRef idx="minor">
+            <a:schemeClr val="tx1"/>
+          </a:fontRef>
+        </p:style>
+        <p:txBody>
+          <a:bodyPr rtlCol="0" anchor="ctr"/>
+          <a:lstStyle/>
+          <a:p>
+            <a:pPr algn="ctr"/>
+            <a:endParaRPr kumimoji="1" lang="ja-JP" altLang="en-US"/>
+          </a:p>
+        </p:txBody>
+      </p:sp>
+      <mc:AlternateContent xmlns:mc="http://schemas.openxmlformats.org/markup-compatibility/2006">
+        <mc:Choice xmlns:a14="http://schemas.microsoft.com/office/drawing/2010/main" Requires="a14">
+          <p:sp>
+            <p:nvSpPr>
+              <p:cNvPr id="33" name="テキスト ボックス 32">
+                <a:extLst>
+                  <a:ext uri="{FF2B5EF4-FFF2-40B4-BE49-F238E27FC236}">
+                    <a16:creationId xmlns:a16="http://schemas.microsoft.com/office/drawing/2014/main" id="{F49336E6-A391-44BC-969F-EBCDA7359B47}"/>
+                  </a:ext>
+                </a:extLst>
+              </p:cNvPr>
+              <p:cNvSpPr txBox="1"/>
+              <p:nvPr/>
+            </p:nvSpPr>
+            <p:spPr>
+              <a:xfrm>
+                <a:off x="3465539" y="2217436"/>
+                <a:ext cx="1896204" cy="584775"/>
+              </a:xfrm>
+              <a:prstGeom prst="rect">
+                <a:avLst/>
+              </a:prstGeom>
+              <a:noFill/>
+            </p:spPr>
+            <p:txBody>
+              <a:bodyPr wrap="square" rtlCol="0">
+                <a:spAutoFit/>
+              </a:bodyPr>
+              <a:lstStyle/>
+              <a:p>
+                <a:pPr/>
+                <a14:m>
+                  <m:oMathPara xmlns:m="http://schemas.openxmlformats.org/officeDocument/2006/math">
+                    <m:oMathParaPr>
+                      <m:jc m:val="centerGroup"/>
+                    </m:oMathParaPr>
+                    <m:oMath xmlns:m="http://schemas.openxmlformats.org/officeDocument/2006/math">
+                      <m:sSubSup>
+                        <m:sSubSupPr>
+                          <m:ctrlPr>
+                            <a:rPr kumimoji="1" lang="en-US" altLang="ja-JP" sz="3200" i="1" smtClean="0">
+                              <a:latin typeface="Cambria Math" panose="02040503050406030204" pitchFamily="18" charset="0"/>
+                            </a:rPr>
+                          </m:ctrlPr>
+                        </m:sSubSupPr>
+                        <m:e>
+                          <m:r>
+                            <a:rPr kumimoji="1" lang="en-US" altLang="ja-JP" sz="3200" b="1" i="1" smtClean="0">
+                              <a:latin typeface="Cambria Math" panose="02040503050406030204" pitchFamily="18" charset="0"/>
+                            </a:rPr>
+                            <m:t>𝒙</m:t>
+                          </m:r>
+                        </m:e>
+                        <m:sub>
+                          <m:r>
+                            <a:rPr kumimoji="1" lang="en-US" altLang="ja-JP" sz="3200" b="0" i="1" smtClean="0">
+                              <a:latin typeface="Cambria Math" panose="02040503050406030204" pitchFamily="18" charset="0"/>
+                            </a:rPr>
+                            <m:t>𝑏</m:t>
+                          </m:r>
+                        </m:sub>
+                        <m:sup>
+                          <m:r>
+                            <a:rPr kumimoji="1" lang="en-US" altLang="ja-JP" sz="3200" b="0" i="1" smtClean="0">
+                              <a:latin typeface="Cambria Math" panose="02040503050406030204" pitchFamily="18" charset="0"/>
+                            </a:rPr>
+                            <m:t>′</m:t>
+                          </m:r>
+                        </m:sup>
+                      </m:sSubSup>
+                      <m:r>
+                        <a:rPr kumimoji="1" lang="en-US" altLang="ja-JP" sz="3200" b="0" i="1" smtClean="0">
+                          <a:latin typeface="Cambria Math" panose="02040503050406030204" pitchFamily="18" charset="0"/>
+                        </a:rPr>
+                        <m:t>=</m:t>
+                      </m:r>
+                      <m:r>
+                        <a:rPr kumimoji="1" lang="en-US" altLang="ja-JP" sz="3200" b="1" i="1" smtClean="0">
+                          <a:latin typeface="Cambria Math" panose="02040503050406030204" pitchFamily="18" charset="0"/>
+                        </a:rPr>
+                        <m:t>𝑶</m:t>
+                      </m:r>
+                    </m:oMath>
+                  </m:oMathPara>
+                </a14:m>
+                <a:endParaRPr kumimoji="1" lang="ja-JP" altLang="en-US" sz="3200" b="1" dirty="0"/>
+              </a:p>
+            </p:txBody>
+          </p:sp>
+        </mc:Choice>
+        <mc:Fallback>
+          <p:sp>
+            <p:nvSpPr>
+              <p:cNvPr id="33" name="テキスト ボックス 32">
+                <a:extLst>
+                  <a:ext uri="{FF2B5EF4-FFF2-40B4-BE49-F238E27FC236}">
+                    <a16:creationId xmlns:a16="http://schemas.microsoft.com/office/drawing/2014/main" id="{F49336E6-A391-44BC-969F-EBCDA7359B47}"/>
+                  </a:ext>
+                </a:extLst>
+              </p:cNvPr>
+              <p:cNvSpPr txBox="1">
+                <a:spLocks noRot="1" noChangeAspect="1" noMove="1" noResize="1" noEditPoints="1" noAdjustHandles="1" noChangeArrowheads="1" noChangeShapeType="1" noTextEdit="1"/>
+              </p:cNvSpPr>
+              <p:nvPr/>
+            </p:nvSpPr>
+            <p:spPr>
+              <a:xfrm>
+                <a:off x="3465539" y="2217436"/>
+                <a:ext cx="1896204" cy="584775"/>
+              </a:xfrm>
+              <a:prstGeom prst="rect">
+                <a:avLst/>
+              </a:prstGeom>
+              <a:blipFill>
+                <a:blip r:embed="rId7"/>
+                <a:stretch>
+                  <a:fillRect/>
+                </a:stretch>
+              </a:blipFill>
+            </p:spPr>
+            <p:txBody>
+              <a:bodyPr/>
+              <a:lstStyle/>
+              <a:p>
+                <a:r>
+                  <a:rPr lang="ja-JP" altLang="en-US">
+                    <a:noFill/>
+                  </a:rPr>
+                  <a:t> </a:t>
+                </a:r>
+              </a:p>
+            </p:txBody>
+          </p:sp>
+        </mc:Fallback>
+      </mc:AlternateContent>
+    </p:spTree>
+    <p:extLst>
+      <p:ext uri="{BB962C8B-B14F-4D97-AF65-F5344CB8AC3E}">
+        <p14:creationId xmlns:p14="http://schemas.microsoft.com/office/powerpoint/2010/main" val="1947022095"/>
+      </p:ext>
+    </p:extLst>
+  </p:cSld>
+  <p:clrMapOvr>
+    <a:masterClrMapping/>
+  </p:clrMapOvr>
+</p:sld>
+</file>
+
+<file path=ppt/slides/slide6.xml><?xml version="1.0" encoding="utf-8"?>
+<p:sld xmlns:a="http://schemas.openxmlformats.org/drawingml/2006/main" xmlns:r="http://schemas.openxmlformats.org/officeDocument/2006/relationships" xmlns:p="http://schemas.openxmlformats.org/presentationml/2006/main">
+  <p:cSld>
+    <p:spTree>
+      <p:nvGrpSpPr>
+        <p:cNvPr id="1" name=""/>
+        <p:cNvGrpSpPr/>
+        <p:nvPr/>
+      </p:nvGrpSpPr>
+      <p:grpSpPr>
+        <a:xfrm>
+          <a:off x="0" y="0"/>
+          <a:ext cx="0" cy="0"/>
+          <a:chOff x="0" y="0"/>
+          <a:chExt cx="0" cy="0"/>
+        </a:xfrm>
+      </p:grpSpPr>
+      <p:sp>
+        <p:nvSpPr>
+          <p:cNvPr id="24" name="直方体 23">
+            <a:extLst>
+              <a:ext uri="{FF2B5EF4-FFF2-40B4-BE49-F238E27FC236}">
+                <a16:creationId xmlns:a16="http://schemas.microsoft.com/office/drawing/2014/main" id="{BB43AFFC-41AC-4615-985E-7A94297CB2E3}"/>
+              </a:ext>
+            </a:extLst>
+          </p:cNvPr>
+          <p:cNvSpPr/>
+          <p:nvPr/>
+        </p:nvSpPr>
+        <p:spPr>
+          <a:xfrm rot="3126979" flipV="1">
+            <a:off x="5890742" y="2956826"/>
+            <a:ext cx="947832" cy="769459"/>
+          </a:xfrm>
+          <a:prstGeom prst="cube">
+            <a:avLst>
+              <a:gd name="adj" fmla="val 43413"/>
+            </a:avLst>
+          </a:prstGeom>
+          <a:solidFill>
+            <a:schemeClr val="accent6"/>
+          </a:solidFill>
+          <a:ln>
+            <a:solidFill>
+              <a:schemeClr val="accent6">
+                <a:lumMod val="50000"/>
+              </a:schemeClr>
+            </a:solidFill>
+          </a:ln>
+        </p:spPr>
+        <p:style>
+          <a:lnRef idx="2">
+            <a:schemeClr val="accent1">
+              <a:shade val="50000"/>
+            </a:schemeClr>
+          </a:lnRef>
+          <a:fillRef idx="1">
+            <a:schemeClr val="accent1"/>
+          </a:fillRef>
+          <a:effectRef idx="0">
+            <a:schemeClr val="accent1"/>
+          </a:effectRef>
+          <a:fontRef idx="minor">
+            <a:schemeClr val="lt1"/>
+          </a:fontRef>
+        </p:style>
+        <p:txBody>
+          <a:bodyPr rtlCol="0" anchor="ctr"/>
+          <a:lstStyle/>
+          <a:p>
+            <a:pPr algn="ctr"/>
+            <a:endParaRPr kumimoji="1" lang="ja-JP" altLang="en-US"/>
+          </a:p>
+        </p:txBody>
+      </p:sp>
+      <p:cxnSp>
+        <p:nvCxnSpPr>
+          <p:cNvPr id="25" name="直線矢印コネクタ 24">
+            <a:extLst>
+              <a:ext uri="{FF2B5EF4-FFF2-40B4-BE49-F238E27FC236}">
+                <a16:creationId xmlns:a16="http://schemas.microsoft.com/office/drawing/2014/main" id="{E8E22A49-667F-4573-A8CE-4C00AFF31DCE}"/>
+              </a:ext>
+            </a:extLst>
+          </p:cNvPr>
+          <p:cNvCxnSpPr>
+            <a:cxnSpLocks/>
+          </p:cNvCxnSpPr>
+          <p:nvPr/>
+        </p:nvCxnSpPr>
+        <p:spPr>
+          <a:xfrm flipV="1">
+            <a:off x="3743473" y="4242817"/>
+            <a:ext cx="230601" cy="2004182"/>
+          </a:xfrm>
+          <a:prstGeom prst="straightConnector1">
+            <a:avLst/>
+          </a:prstGeom>
+          <a:ln w="76200">
+            <a:tailEnd type="triangle"/>
+          </a:ln>
+        </p:spPr>
+        <p:style>
+          <a:lnRef idx="1">
+            <a:schemeClr val="dk1"/>
+          </a:lnRef>
+          <a:fillRef idx="0">
+            <a:schemeClr val="dk1"/>
+          </a:fillRef>
+          <a:effectRef idx="0">
+            <a:schemeClr val="dk1"/>
+          </a:effectRef>
+          <a:fontRef idx="minor">
+            <a:schemeClr val="tx1"/>
+          </a:fontRef>
+        </p:style>
+      </p:cxnSp>
+      <p:cxnSp>
+        <p:nvCxnSpPr>
+          <p:cNvPr id="26" name="直線矢印コネクタ 25">
+            <a:extLst>
+              <a:ext uri="{FF2B5EF4-FFF2-40B4-BE49-F238E27FC236}">
+                <a16:creationId xmlns:a16="http://schemas.microsoft.com/office/drawing/2014/main" id="{06EC8E29-7474-4EA2-B413-DA5855643282}"/>
+              </a:ext>
+            </a:extLst>
+          </p:cNvPr>
+          <p:cNvCxnSpPr>
+            <a:cxnSpLocks/>
+          </p:cNvCxnSpPr>
+          <p:nvPr/>
+        </p:nvCxnSpPr>
+        <p:spPr>
+          <a:xfrm flipV="1">
+            <a:off x="3736374" y="5589531"/>
+            <a:ext cx="964742" cy="698835"/>
+          </a:xfrm>
+          <a:prstGeom prst="straightConnector1">
+            <a:avLst/>
+          </a:prstGeom>
+          <a:ln w="76200">
+            <a:tailEnd type="triangle"/>
+          </a:ln>
+        </p:spPr>
+        <p:style>
+          <a:lnRef idx="1">
+            <a:schemeClr val="dk1"/>
+          </a:lnRef>
+          <a:fillRef idx="0">
+            <a:schemeClr val="dk1"/>
+          </a:fillRef>
+          <a:effectRef idx="0">
+            <a:schemeClr val="dk1"/>
+          </a:effectRef>
+          <a:fontRef idx="minor">
+            <a:schemeClr val="tx1"/>
+          </a:fontRef>
+        </p:style>
+      </p:cxnSp>
+      <p:cxnSp>
+        <p:nvCxnSpPr>
+          <p:cNvPr id="27" name="直線矢印コネクタ 26">
+            <a:extLst>
+              <a:ext uri="{FF2B5EF4-FFF2-40B4-BE49-F238E27FC236}">
+                <a16:creationId xmlns:a16="http://schemas.microsoft.com/office/drawing/2014/main" id="{194B5198-F50F-4D14-9517-996419472EA6}"/>
+              </a:ext>
+            </a:extLst>
+          </p:cNvPr>
+          <p:cNvCxnSpPr>
+            <a:cxnSpLocks/>
+          </p:cNvCxnSpPr>
+          <p:nvPr/>
+        </p:nvCxnSpPr>
+        <p:spPr>
+          <a:xfrm flipH="1" flipV="1">
+            <a:off x="3075517" y="5470759"/>
+            <a:ext cx="660857" cy="828475"/>
+          </a:xfrm>
+          <a:prstGeom prst="straightConnector1">
+            <a:avLst/>
+          </a:prstGeom>
+          <a:ln w="76200">
+            <a:tailEnd type="triangle"/>
+          </a:ln>
+        </p:spPr>
+        <p:style>
+          <a:lnRef idx="1">
+            <a:schemeClr val="dk1"/>
+          </a:lnRef>
+          <a:fillRef idx="0">
+            <a:schemeClr val="dk1"/>
+          </a:fillRef>
+          <a:effectRef idx="0">
+            <a:schemeClr val="dk1"/>
+          </a:effectRef>
+          <a:fontRef idx="minor">
+            <a:schemeClr val="tx1"/>
+          </a:fontRef>
+        </p:style>
+      </p:cxnSp>
+      <mc:AlternateContent xmlns:mc="http://schemas.openxmlformats.org/markup-compatibility/2006">
+        <mc:Choice xmlns:a14="http://schemas.microsoft.com/office/drawing/2010/main" Requires="a14">
+          <p:sp>
+            <p:nvSpPr>
+              <p:cNvPr id="28" name="テキスト ボックス 27">
+                <a:extLst>
+                  <a:ext uri="{FF2B5EF4-FFF2-40B4-BE49-F238E27FC236}">
+                    <a16:creationId xmlns:a16="http://schemas.microsoft.com/office/drawing/2014/main" id="{2035DBB9-8364-45D0-B5C3-B459085C2169}"/>
+                  </a:ext>
+                </a:extLst>
+              </p:cNvPr>
+              <p:cNvSpPr txBox="1"/>
+              <p:nvPr/>
+            </p:nvSpPr>
+            <p:spPr>
+              <a:xfrm>
+                <a:off x="3405945" y="6165285"/>
+                <a:ext cx="1994595" cy="584775"/>
+              </a:xfrm>
+              <a:prstGeom prst="rect">
+                <a:avLst/>
+              </a:prstGeom>
+              <a:noFill/>
+            </p:spPr>
+            <p:txBody>
+              <a:bodyPr wrap="square" rtlCol="0">
+                <a:spAutoFit/>
+              </a:bodyPr>
+              <a:lstStyle/>
+              <a:p>
+                <a:pPr/>
+                <a14:m>
+                  <m:oMathPara xmlns:m="http://schemas.openxmlformats.org/officeDocument/2006/math">
+                    <m:oMathParaPr>
+                      <m:jc m:val="centerGroup"/>
+                    </m:oMathParaPr>
+                    <m:oMath xmlns:m="http://schemas.openxmlformats.org/officeDocument/2006/math">
+                      <m:sSub>
+                        <m:sSubPr>
+                          <m:ctrlPr>
+                            <a:rPr kumimoji="1" lang="en-US" altLang="ja-JP" sz="3200" b="0" i="1" smtClean="0">
+                              <a:latin typeface="Cambria Math" panose="02040503050406030204" pitchFamily="18" charset="0"/>
+                            </a:rPr>
+                          </m:ctrlPr>
+                        </m:sSubPr>
+                        <m:e>
+                          <m:r>
+                            <a:rPr kumimoji="1" lang="en-US" altLang="ja-JP" sz="3200" b="1" i="1" smtClean="0">
+                              <a:latin typeface="Cambria Math" panose="02040503050406030204" pitchFamily="18" charset="0"/>
+                            </a:rPr>
+                            <m:t>𝒙</m:t>
+                          </m:r>
+                        </m:e>
+                        <m:sub>
+                          <m:r>
+                            <a:rPr kumimoji="1" lang="en-US" altLang="ja-JP" sz="3200" b="0" i="1" smtClean="0">
+                              <a:latin typeface="Cambria Math" panose="02040503050406030204" pitchFamily="18" charset="0"/>
+                            </a:rPr>
+                            <m:t>𝑤</m:t>
+                          </m:r>
+                        </m:sub>
+                      </m:sSub>
+                      <m:r>
+                        <a:rPr kumimoji="1" lang="en-US" altLang="ja-JP" sz="3200" b="0" i="1" smtClean="0">
+                          <a:latin typeface="Cambria Math" panose="02040503050406030204" pitchFamily="18" charset="0"/>
+                        </a:rPr>
+                        <m:t>=</m:t>
+                      </m:r>
+                      <m:r>
+                        <a:rPr kumimoji="1" lang="en-US" altLang="ja-JP" sz="3200" b="1" i="1" smtClean="0">
+                          <a:latin typeface="Cambria Math" panose="02040503050406030204" pitchFamily="18" charset="0"/>
+                        </a:rPr>
+                        <m:t>𝑶</m:t>
+                      </m:r>
+                    </m:oMath>
+                  </m:oMathPara>
+                </a14:m>
+                <a:endParaRPr kumimoji="1" lang="ja-JP" altLang="en-US" sz="3200" b="1" dirty="0"/>
+              </a:p>
+            </p:txBody>
+          </p:sp>
+        </mc:Choice>
+        <mc:Fallback>
+          <p:sp>
+            <p:nvSpPr>
+              <p:cNvPr id="28" name="テキスト ボックス 27">
+                <a:extLst>
+                  <a:ext uri="{FF2B5EF4-FFF2-40B4-BE49-F238E27FC236}">
+                    <a16:creationId xmlns:a16="http://schemas.microsoft.com/office/drawing/2014/main" id="{2035DBB9-8364-45D0-B5C3-B459085C2169}"/>
+                  </a:ext>
+                </a:extLst>
+              </p:cNvPr>
+              <p:cNvSpPr txBox="1">
+                <a:spLocks noRot="1" noChangeAspect="1" noMove="1" noResize="1" noEditPoints="1" noAdjustHandles="1" noChangeArrowheads="1" noChangeShapeType="1" noTextEdit="1"/>
+              </p:cNvSpPr>
+              <p:nvPr/>
+            </p:nvSpPr>
+            <p:spPr>
+              <a:xfrm>
+                <a:off x="3405945" y="6165285"/>
+                <a:ext cx="1994595" cy="584775"/>
+              </a:xfrm>
+              <a:prstGeom prst="rect">
+                <a:avLst/>
+              </a:prstGeom>
+              <a:blipFill>
+                <a:blip r:embed="rId2"/>
+                <a:stretch>
+                  <a:fillRect/>
+                </a:stretch>
+              </a:blipFill>
+            </p:spPr>
+            <p:txBody>
+              <a:bodyPr/>
+              <a:lstStyle/>
+              <a:p>
+                <a:r>
+                  <a:rPr lang="ja-JP" altLang="en-US">
+                    <a:noFill/>
+                  </a:rPr>
+                  <a:t> </a:t>
+                </a:r>
+              </a:p>
+            </p:txBody>
+          </p:sp>
+        </mc:Fallback>
+      </mc:AlternateContent>
+      <mc:AlternateContent xmlns:mc="http://schemas.openxmlformats.org/markup-compatibility/2006">
+        <mc:Choice xmlns:a14="http://schemas.microsoft.com/office/drawing/2010/main" Requires="a14">
+          <p:sp>
+            <p:nvSpPr>
+              <p:cNvPr id="29" name="テキスト ボックス 28">
+                <a:extLst>
+                  <a:ext uri="{FF2B5EF4-FFF2-40B4-BE49-F238E27FC236}">
+                    <a16:creationId xmlns:a16="http://schemas.microsoft.com/office/drawing/2014/main" id="{9442C12C-52DE-400D-868D-9AAB947F31BA}"/>
+                  </a:ext>
+                </a:extLst>
+              </p:cNvPr>
+              <p:cNvSpPr txBox="1"/>
+              <p:nvPr/>
+            </p:nvSpPr>
+            <p:spPr>
+              <a:xfrm>
+                <a:off x="3538328" y="2542734"/>
+                <a:ext cx="618567" cy="584775"/>
+              </a:xfrm>
+              <a:prstGeom prst="rect">
+                <a:avLst/>
+              </a:prstGeom>
+              <a:noFill/>
+            </p:spPr>
+            <p:txBody>
+              <a:bodyPr wrap="square" rtlCol="0">
+                <a:spAutoFit/>
+              </a:bodyPr>
+              <a:lstStyle/>
+              <a:p>
+                <a:pPr/>
+                <a14:m>
+                  <m:oMathPara xmlns:m="http://schemas.openxmlformats.org/officeDocument/2006/math">
+                    <m:oMathParaPr>
+                      <m:jc m:val="centerGroup"/>
+                    </m:oMathParaPr>
+                    <m:oMath xmlns:m="http://schemas.openxmlformats.org/officeDocument/2006/math">
+                      <m:sSub>
+                        <m:sSubPr>
+                          <m:ctrlPr>
+                            <a:rPr kumimoji="1" lang="en-US" altLang="ja-JP" sz="3200" b="0" i="1" smtClean="0">
+                              <a:latin typeface="Cambria Math" panose="02040503050406030204" pitchFamily="18" charset="0"/>
+                            </a:rPr>
+                          </m:ctrlPr>
+                        </m:sSubPr>
+                        <m:e>
+                          <m:r>
+                            <a:rPr kumimoji="1" lang="en-US" altLang="ja-JP" sz="3200" b="0" i="1" smtClean="0">
+                              <a:latin typeface="Cambria Math" panose="02040503050406030204" pitchFamily="18" charset="0"/>
+                            </a:rPr>
+                            <m:t>𝑅</m:t>
+                          </m:r>
+                          <m:r>
+                            <a:rPr kumimoji="1" lang="en-US" altLang="ja-JP" sz="3200" b="1" i="1" smtClean="0">
+                              <a:latin typeface="Cambria Math" panose="02040503050406030204" pitchFamily="18" charset="0"/>
+                            </a:rPr>
+                            <m:t>𝒙</m:t>
+                          </m:r>
+                        </m:e>
+                        <m:sub>
+                          <m:r>
+                            <a:rPr kumimoji="1" lang="en-US" altLang="ja-JP" sz="3200" b="0" i="1" smtClean="0">
+                              <a:latin typeface="Cambria Math" panose="02040503050406030204" pitchFamily="18" charset="0"/>
+                            </a:rPr>
+                            <m:t>𝑏</m:t>
+                          </m:r>
+                        </m:sub>
+                      </m:sSub>
+                    </m:oMath>
+                  </m:oMathPara>
+                </a14:m>
+                <a:endParaRPr kumimoji="1" lang="ja-JP" altLang="en-US" sz="3200" dirty="0"/>
+              </a:p>
+            </p:txBody>
+          </p:sp>
+        </mc:Choice>
+        <mc:Fallback>
+          <p:sp>
+            <p:nvSpPr>
+              <p:cNvPr id="29" name="テキスト ボックス 28">
+                <a:extLst>
+                  <a:ext uri="{FF2B5EF4-FFF2-40B4-BE49-F238E27FC236}">
+                    <a16:creationId xmlns:a16="http://schemas.microsoft.com/office/drawing/2014/main" id="{9442C12C-52DE-400D-868D-9AAB947F31BA}"/>
+                  </a:ext>
+                </a:extLst>
+              </p:cNvPr>
+              <p:cNvSpPr txBox="1">
+                <a:spLocks noRot="1" noChangeAspect="1" noMove="1" noResize="1" noEditPoints="1" noAdjustHandles="1" noChangeArrowheads="1" noChangeShapeType="1" noTextEdit="1"/>
+              </p:cNvSpPr>
+              <p:nvPr/>
+            </p:nvSpPr>
+            <p:spPr>
+              <a:xfrm>
+                <a:off x="3538328" y="2542734"/>
+                <a:ext cx="618567" cy="584775"/>
+              </a:xfrm>
+              <a:prstGeom prst="rect">
+                <a:avLst/>
+              </a:prstGeom>
+              <a:blipFill>
+                <a:blip r:embed="rId3"/>
+                <a:stretch>
+                  <a:fillRect r="-21569"/>
+                </a:stretch>
+              </a:blipFill>
+            </p:spPr>
+            <p:txBody>
+              <a:bodyPr/>
+              <a:lstStyle/>
+              <a:p>
+                <a:r>
+                  <a:rPr lang="ja-JP" altLang="en-US">
+                    <a:noFill/>
+                  </a:rPr>
+                  <a:t> </a:t>
+                </a:r>
+              </a:p>
+            </p:txBody>
+          </p:sp>
+        </mc:Fallback>
+      </mc:AlternateContent>
+      <p:cxnSp>
+        <p:nvCxnSpPr>
+          <p:cNvPr id="30" name="直線矢印コネクタ 29">
+            <a:extLst>
+              <a:ext uri="{FF2B5EF4-FFF2-40B4-BE49-F238E27FC236}">
+                <a16:creationId xmlns:a16="http://schemas.microsoft.com/office/drawing/2014/main" id="{FB1D2424-1792-4E28-8BA6-E7F7CF0E580C}"/>
+              </a:ext>
+            </a:extLst>
+          </p:cNvPr>
+          <p:cNvCxnSpPr>
+            <a:cxnSpLocks/>
+          </p:cNvCxnSpPr>
+          <p:nvPr/>
+        </p:nvCxnSpPr>
+        <p:spPr>
+          <a:xfrm>
+            <a:off x="3492526" y="2489538"/>
+            <a:ext cx="180266" cy="3594033"/>
+          </a:xfrm>
+          <a:prstGeom prst="straightConnector1">
+            <a:avLst/>
+          </a:prstGeom>
+          <a:ln w="38100">
+            <a:tailEnd type="triangle"/>
+          </a:ln>
+        </p:spPr>
+        <p:style>
+          <a:lnRef idx="1">
+            <a:schemeClr val="dk1"/>
+          </a:lnRef>
+          <a:fillRef idx="0">
+            <a:schemeClr val="dk1"/>
+          </a:fillRef>
+          <a:effectRef idx="0">
+            <a:schemeClr val="dk1"/>
+          </a:effectRef>
+          <a:fontRef idx="minor">
+            <a:schemeClr val="tx1"/>
+          </a:fontRef>
+        </p:style>
+      </p:cxnSp>
+      <mc:AlternateContent xmlns:mc="http://schemas.openxmlformats.org/markup-compatibility/2006">
+        <mc:Choice xmlns:a14="http://schemas.microsoft.com/office/drawing/2010/main" Requires="a14">
+          <p:sp>
+            <p:nvSpPr>
+              <p:cNvPr id="31" name="テキスト ボックス 30">
+                <a:extLst>
+                  <a:ext uri="{FF2B5EF4-FFF2-40B4-BE49-F238E27FC236}">
+                    <a16:creationId xmlns:a16="http://schemas.microsoft.com/office/drawing/2014/main" id="{F44C9D58-E9F7-44C1-9D04-B40FC69CFDC4}"/>
+                  </a:ext>
+                </a:extLst>
+              </p:cNvPr>
+              <p:cNvSpPr txBox="1"/>
+              <p:nvPr/>
+            </p:nvSpPr>
+            <p:spPr>
+              <a:xfrm>
+                <a:off x="2657113" y="3197040"/>
+                <a:ext cx="618567" cy="584775"/>
+              </a:xfrm>
+              <a:prstGeom prst="rect">
+                <a:avLst/>
+              </a:prstGeom>
+              <a:noFill/>
+            </p:spPr>
+            <p:txBody>
+              <a:bodyPr wrap="square" rtlCol="0">
+                <a:spAutoFit/>
+              </a:bodyPr>
+              <a:lstStyle/>
+              <a:p>
+                <a:pPr/>
+                <a14:m>
+                  <m:oMathPara xmlns:m="http://schemas.openxmlformats.org/officeDocument/2006/math">
+                    <m:oMathParaPr>
+                      <m:jc m:val="centerGroup"/>
+                    </m:oMathParaPr>
+                    <m:oMath xmlns:m="http://schemas.openxmlformats.org/officeDocument/2006/math">
+                      <m:sSubSup>
+                        <m:sSubSupPr>
+                          <m:ctrlPr>
+                            <a:rPr kumimoji="1" lang="en-US" altLang="ja-JP" sz="3200" i="1" smtClean="0">
+                              <a:latin typeface="Cambria Math" panose="02040503050406030204" pitchFamily="18" charset="0"/>
+                            </a:rPr>
+                          </m:ctrlPr>
+                        </m:sSubSupPr>
+                        <m:e>
+                          <m:r>
+                            <a:rPr kumimoji="1" lang="en-US" altLang="ja-JP" sz="3200" b="0" i="1" smtClean="0">
+                              <a:latin typeface="Cambria Math" panose="02040503050406030204" pitchFamily="18" charset="0"/>
+                            </a:rPr>
+                            <m:t>𝑅</m:t>
+                          </m:r>
+                          <m:r>
+                            <a:rPr kumimoji="1" lang="en-US" altLang="ja-JP" sz="3200" b="1" i="1" smtClean="0">
+                              <a:latin typeface="Cambria Math" panose="02040503050406030204" pitchFamily="18" charset="0"/>
+                            </a:rPr>
+                            <m:t>𝒙</m:t>
+                          </m:r>
+                        </m:e>
+                        <m:sub>
+                          <m:r>
+                            <a:rPr kumimoji="1" lang="en-US" altLang="ja-JP" sz="3200" b="0" i="1" smtClean="0">
+                              <a:latin typeface="Cambria Math" panose="02040503050406030204" pitchFamily="18" charset="0"/>
+                            </a:rPr>
+                            <m:t>𝑤</m:t>
+                          </m:r>
+                        </m:sub>
+                        <m:sup>
+                          <m:r>
+                            <a:rPr kumimoji="1" lang="en-US" altLang="ja-JP" sz="3200" b="0" i="1" smtClean="0">
+                              <a:latin typeface="Cambria Math" panose="02040503050406030204" pitchFamily="18" charset="0"/>
+                            </a:rPr>
+                            <m:t>′</m:t>
+                          </m:r>
+                        </m:sup>
+                      </m:sSubSup>
+                    </m:oMath>
+                  </m:oMathPara>
+                </a14:m>
+                <a:endParaRPr kumimoji="1" lang="ja-JP" altLang="en-US" sz="3200" dirty="0"/>
+              </a:p>
+            </p:txBody>
+          </p:sp>
+        </mc:Choice>
+        <mc:Fallback>
+          <p:sp>
+            <p:nvSpPr>
+              <p:cNvPr id="31" name="テキスト ボックス 30">
+                <a:extLst>
+                  <a:ext uri="{FF2B5EF4-FFF2-40B4-BE49-F238E27FC236}">
+                    <a16:creationId xmlns:a16="http://schemas.microsoft.com/office/drawing/2014/main" id="{F44C9D58-E9F7-44C1-9D04-B40FC69CFDC4}"/>
+                  </a:ext>
+                </a:extLst>
+              </p:cNvPr>
+              <p:cNvSpPr txBox="1">
+                <a:spLocks noRot="1" noChangeAspect="1" noMove="1" noResize="1" noEditPoints="1" noAdjustHandles="1" noChangeArrowheads="1" noChangeShapeType="1" noTextEdit="1"/>
+              </p:cNvSpPr>
+              <p:nvPr/>
+            </p:nvSpPr>
+            <p:spPr>
+              <a:xfrm>
+                <a:off x="2657113" y="3197040"/>
+                <a:ext cx="618567" cy="584775"/>
+              </a:xfrm>
+              <a:prstGeom prst="rect">
+                <a:avLst/>
+              </a:prstGeom>
+              <a:blipFill>
+                <a:blip r:embed="rId4"/>
+                <a:stretch>
+                  <a:fillRect r="-34653"/>
+                </a:stretch>
+              </a:blipFill>
+            </p:spPr>
+            <p:txBody>
+              <a:bodyPr/>
+              <a:lstStyle/>
+              <a:p>
+                <a:r>
+                  <a:rPr lang="ja-JP" altLang="en-US">
+                    <a:noFill/>
+                  </a:rPr>
+                  <a:t> </a:t>
+                </a:r>
+              </a:p>
+            </p:txBody>
+          </p:sp>
+        </mc:Fallback>
+      </mc:AlternateContent>
+      <p:cxnSp>
+        <p:nvCxnSpPr>
+          <p:cNvPr id="32" name="直線矢印コネクタ 31">
+            <a:extLst>
+              <a:ext uri="{FF2B5EF4-FFF2-40B4-BE49-F238E27FC236}">
+                <a16:creationId xmlns:a16="http://schemas.microsoft.com/office/drawing/2014/main" id="{AE2A24DD-36AA-406F-8351-C003E225DD56}"/>
+              </a:ext>
+            </a:extLst>
+          </p:cNvPr>
+          <p:cNvCxnSpPr>
+            <a:cxnSpLocks/>
+          </p:cNvCxnSpPr>
+          <p:nvPr/>
+        </p:nvCxnSpPr>
+        <p:spPr>
+          <a:xfrm flipH="1" flipV="1">
+            <a:off x="3580587" y="2436342"/>
+            <a:ext cx="193578" cy="3728943"/>
+          </a:xfrm>
+          <a:prstGeom prst="straightConnector1">
+            <a:avLst/>
+          </a:prstGeom>
+          <a:ln w="38100">
+            <a:tailEnd type="triangle"/>
+          </a:ln>
+        </p:spPr>
+        <p:style>
+          <a:lnRef idx="1">
+            <a:schemeClr val="dk1"/>
+          </a:lnRef>
+          <a:fillRef idx="0">
+            <a:schemeClr val="dk1"/>
+          </a:fillRef>
+          <a:effectRef idx="0">
+            <a:schemeClr val="dk1"/>
+          </a:effectRef>
+          <a:fontRef idx="minor">
+            <a:schemeClr val="tx1"/>
+          </a:fontRef>
+        </p:style>
+      </p:cxnSp>
+      <p:cxnSp>
+        <p:nvCxnSpPr>
+          <p:cNvPr id="34" name="直線矢印コネクタ 33">
+            <a:extLst>
+              <a:ext uri="{FF2B5EF4-FFF2-40B4-BE49-F238E27FC236}">
+                <a16:creationId xmlns:a16="http://schemas.microsoft.com/office/drawing/2014/main" id="{0276690A-1598-4DDD-A64D-52D244C6D970}"/>
+              </a:ext>
+            </a:extLst>
+          </p:cNvPr>
+          <p:cNvCxnSpPr>
+            <a:cxnSpLocks/>
+          </p:cNvCxnSpPr>
+          <p:nvPr/>
+        </p:nvCxnSpPr>
+        <p:spPr>
+          <a:xfrm flipV="1">
+            <a:off x="6359546" y="2710088"/>
+            <a:ext cx="142893" cy="1285436"/>
+          </a:xfrm>
+          <a:prstGeom prst="straightConnector1">
+            <a:avLst/>
+          </a:prstGeom>
+          <a:ln w="57150">
+            <a:tailEnd type="triangle"/>
+          </a:ln>
+        </p:spPr>
+        <p:style>
+          <a:lnRef idx="1">
+            <a:schemeClr val="dk1"/>
+          </a:lnRef>
+          <a:fillRef idx="0">
+            <a:schemeClr val="dk1"/>
+          </a:fillRef>
+          <a:effectRef idx="0">
+            <a:schemeClr val="dk1"/>
+          </a:effectRef>
+          <a:fontRef idx="minor">
+            <a:schemeClr val="tx1"/>
+          </a:fontRef>
+        </p:style>
+      </p:cxnSp>
+      <p:cxnSp>
+        <p:nvCxnSpPr>
+          <p:cNvPr id="35" name="直線矢印コネクタ 34">
+            <a:extLst>
+              <a:ext uri="{FF2B5EF4-FFF2-40B4-BE49-F238E27FC236}">
+                <a16:creationId xmlns:a16="http://schemas.microsoft.com/office/drawing/2014/main" id="{9075D600-FD9B-4C91-9063-8F53423FB547}"/>
+              </a:ext>
+            </a:extLst>
+          </p:cNvPr>
+          <p:cNvCxnSpPr>
+            <a:cxnSpLocks/>
+          </p:cNvCxnSpPr>
+          <p:nvPr/>
+        </p:nvCxnSpPr>
+        <p:spPr>
+          <a:xfrm flipV="1">
+            <a:off x="6359547" y="3527196"/>
+            <a:ext cx="599775" cy="434464"/>
+          </a:xfrm>
+          <a:prstGeom prst="straightConnector1">
+            <a:avLst/>
+          </a:prstGeom>
+          <a:ln w="57150">
+            <a:tailEnd type="triangle"/>
+          </a:ln>
+        </p:spPr>
+        <p:style>
+          <a:lnRef idx="1">
+            <a:schemeClr val="dk1"/>
+          </a:lnRef>
+          <a:fillRef idx="0">
+            <a:schemeClr val="dk1"/>
+          </a:fillRef>
+          <a:effectRef idx="0">
+            <a:schemeClr val="dk1"/>
+          </a:effectRef>
+          <a:fontRef idx="minor">
+            <a:schemeClr val="tx1"/>
+          </a:fontRef>
+        </p:style>
+      </p:cxnSp>
+      <p:cxnSp>
+        <p:nvCxnSpPr>
+          <p:cNvPr id="36" name="直線矢印コネクタ 35">
+            <a:extLst>
+              <a:ext uri="{FF2B5EF4-FFF2-40B4-BE49-F238E27FC236}">
+                <a16:creationId xmlns:a16="http://schemas.microsoft.com/office/drawing/2014/main" id="{245EB156-2AF8-4F6F-97FD-B8E78B537B35}"/>
+              </a:ext>
+            </a:extLst>
+          </p:cNvPr>
+          <p:cNvCxnSpPr>
+            <a:cxnSpLocks/>
+          </p:cNvCxnSpPr>
+          <p:nvPr/>
+        </p:nvCxnSpPr>
+        <p:spPr>
+          <a:xfrm flipH="1" flipV="1">
+            <a:off x="5850335" y="3334159"/>
+            <a:ext cx="509213" cy="638368"/>
+          </a:xfrm>
+          <a:prstGeom prst="straightConnector1">
+            <a:avLst/>
+          </a:prstGeom>
+          <a:ln w="57150">
+            <a:tailEnd type="triangle"/>
+          </a:ln>
+        </p:spPr>
+        <p:style>
+          <a:lnRef idx="1">
+            <a:schemeClr val="dk1"/>
+          </a:lnRef>
+          <a:fillRef idx="0">
+            <a:schemeClr val="dk1"/>
+          </a:fillRef>
+          <a:effectRef idx="0">
+            <a:schemeClr val="dk1"/>
+          </a:effectRef>
+          <a:fontRef idx="minor">
+            <a:schemeClr val="tx1"/>
+          </a:fontRef>
+        </p:style>
+      </p:cxnSp>
+      <p:sp>
+        <p:nvSpPr>
+          <p:cNvPr id="21" name="直方体 20">
+            <a:extLst>
+              <a:ext uri="{FF2B5EF4-FFF2-40B4-BE49-F238E27FC236}">
+                <a16:creationId xmlns:a16="http://schemas.microsoft.com/office/drawing/2014/main" id="{3AB75076-CC78-4ECE-935A-B3AE465442B8}"/>
+              </a:ext>
+            </a:extLst>
+          </p:cNvPr>
+          <p:cNvSpPr/>
+          <p:nvPr/>
+        </p:nvSpPr>
+        <p:spPr>
+          <a:xfrm rot="20594060" flipH="1">
+            <a:off x="3244381" y="1584952"/>
+            <a:ext cx="963571" cy="782236"/>
+          </a:xfrm>
+          <a:prstGeom prst="cube">
+            <a:avLst/>
+          </a:prstGeom>
+          <a:solidFill>
+            <a:schemeClr val="accent6"/>
+          </a:solidFill>
+          <a:ln>
+            <a:solidFill>
+              <a:schemeClr val="accent6">
+                <a:lumMod val="50000"/>
+              </a:schemeClr>
+            </a:solidFill>
+          </a:ln>
+        </p:spPr>
+        <p:style>
+          <a:lnRef idx="2">
+            <a:schemeClr val="accent1">
+              <a:shade val="50000"/>
+            </a:schemeClr>
+          </a:lnRef>
+          <a:fillRef idx="1">
+            <a:schemeClr val="accent1"/>
+          </a:fillRef>
+          <a:effectRef idx="0">
+            <a:schemeClr val="accent1"/>
+          </a:effectRef>
+          <a:fontRef idx="minor">
+            <a:schemeClr val="lt1"/>
+          </a:fontRef>
+        </p:style>
+        <p:txBody>
+          <a:bodyPr rtlCol="0" anchor="ctr"/>
+          <a:lstStyle/>
+          <a:p>
+            <a:pPr algn="ctr"/>
+            <a:endParaRPr kumimoji="1" lang="ja-JP" altLang="en-US"/>
+          </a:p>
+        </p:txBody>
+      </p:sp>
+      <p:cxnSp>
+        <p:nvCxnSpPr>
+          <p:cNvPr id="22" name="直線矢印コネクタ 21">
+            <a:extLst>
+              <a:ext uri="{FF2B5EF4-FFF2-40B4-BE49-F238E27FC236}">
+                <a16:creationId xmlns:a16="http://schemas.microsoft.com/office/drawing/2014/main" id="{064DB839-CE5D-4B2B-B4C0-BD7F744BC34B}"/>
+              </a:ext>
+            </a:extLst>
+          </p:cNvPr>
+          <p:cNvCxnSpPr>
+            <a:cxnSpLocks/>
+          </p:cNvCxnSpPr>
+          <p:nvPr/>
+        </p:nvCxnSpPr>
+        <p:spPr>
+          <a:xfrm flipH="1" flipV="1">
+            <a:off x="3272663" y="1408030"/>
+            <a:ext cx="278681" cy="1021833"/>
+          </a:xfrm>
+          <a:prstGeom prst="straightConnector1">
+            <a:avLst/>
+          </a:prstGeom>
+          <a:ln w="57150">
+            <a:tailEnd type="triangle"/>
+          </a:ln>
+        </p:spPr>
+        <p:style>
+          <a:lnRef idx="1">
+            <a:schemeClr val="dk1"/>
+          </a:lnRef>
+          <a:fillRef idx="0">
+            <a:schemeClr val="dk1"/>
+          </a:fillRef>
+          <a:effectRef idx="0">
+            <a:schemeClr val="dk1"/>
+          </a:effectRef>
+          <a:fontRef idx="minor">
+            <a:schemeClr val="tx1"/>
+          </a:fontRef>
+        </p:style>
+      </p:cxnSp>
+      <p:cxnSp>
+        <p:nvCxnSpPr>
+          <p:cNvPr id="37" name="直線矢印コネクタ 36">
+            <a:extLst>
+              <a:ext uri="{FF2B5EF4-FFF2-40B4-BE49-F238E27FC236}">
+                <a16:creationId xmlns:a16="http://schemas.microsoft.com/office/drawing/2014/main" id="{BA24BB61-1A29-4853-B190-84722D822005}"/>
+              </a:ext>
+            </a:extLst>
+          </p:cNvPr>
+          <p:cNvCxnSpPr>
+            <a:cxnSpLocks/>
+          </p:cNvCxnSpPr>
+          <p:nvPr/>
+        </p:nvCxnSpPr>
+        <p:spPr>
+          <a:xfrm flipV="1">
+            <a:off x="3551344" y="2111688"/>
+            <a:ext cx="1046742" cy="318175"/>
+          </a:xfrm>
+          <a:prstGeom prst="straightConnector1">
+            <a:avLst/>
+          </a:prstGeom>
+          <a:ln w="57150">
+            <a:tailEnd type="triangle"/>
+          </a:ln>
+        </p:spPr>
+        <p:style>
+          <a:lnRef idx="1">
+            <a:schemeClr val="dk1"/>
+          </a:lnRef>
+          <a:fillRef idx="0">
+            <a:schemeClr val="dk1"/>
+          </a:fillRef>
+          <a:effectRef idx="0">
+            <a:schemeClr val="dk1"/>
+          </a:effectRef>
+          <a:fontRef idx="minor">
+            <a:schemeClr val="tx1"/>
+          </a:fontRef>
+        </p:style>
+      </p:cxnSp>
+      <p:cxnSp>
+        <p:nvCxnSpPr>
+          <p:cNvPr id="38" name="直線矢印コネクタ 37">
+            <a:extLst>
+              <a:ext uri="{FF2B5EF4-FFF2-40B4-BE49-F238E27FC236}">
+                <a16:creationId xmlns:a16="http://schemas.microsoft.com/office/drawing/2014/main" id="{BCC7594A-1961-4F9C-94F0-6EB13B37B8A1}"/>
+              </a:ext>
+            </a:extLst>
+          </p:cNvPr>
+          <p:cNvCxnSpPr>
+            <a:cxnSpLocks/>
+          </p:cNvCxnSpPr>
+          <p:nvPr/>
+        </p:nvCxnSpPr>
+        <p:spPr>
+          <a:xfrm flipH="1" flipV="1">
+            <a:off x="2985219" y="2120505"/>
+            <a:ext cx="566128" cy="309359"/>
+          </a:xfrm>
+          <a:prstGeom prst="straightConnector1">
+            <a:avLst/>
+          </a:prstGeom>
+          <a:ln w="57150">
+            <a:tailEnd type="triangle"/>
+          </a:ln>
+        </p:spPr>
+        <p:style>
+          <a:lnRef idx="1">
+            <a:schemeClr val="dk1"/>
+          </a:lnRef>
+          <a:fillRef idx="0">
+            <a:schemeClr val="dk1"/>
+          </a:fillRef>
+          <a:effectRef idx="0">
+            <a:schemeClr val="dk1"/>
+          </a:effectRef>
+          <a:fontRef idx="minor">
+            <a:schemeClr val="tx1"/>
+          </a:fontRef>
+        </p:style>
+      </p:cxnSp>
+      <mc:AlternateContent xmlns:mc="http://schemas.openxmlformats.org/markup-compatibility/2006">
+        <mc:Choice xmlns:a14="http://schemas.microsoft.com/office/drawing/2010/main" Requires="a14">
+          <p:sp>
+            <p:nvSpPr>
+              <p:cNvPr id="40" name="テキスト ボックス 39">
+                <a:extLst>
+                  <a:ext uri="{FF2B5EF4-FFF2-40B4-BE49-F238E27FC236}">
+                    <a16:creationId xmlns:a16="http://schemas.microsoft.com/office/drawing/2014/main" id="{DC7FC1C0-7B48-43EF-A6F8-5ED09F12CE2B}"/>
+                  </a:ext>
+                </a:extLst>
+              </p:cNvPr>
+              <p:cNvSpPr txBox="1"/>
+              <p:nvPr/>
+            </p:nvSpPr>
+            <p:spPr>
+              <a:xfrm>
+                <a:off x="5292849" y="4622006"/>
+                <a:ext cx="618567" cy="584775"/>
+              </a:xfrm>
+              <a:prstGeom prst="rect">
+                <a:avLst/>
+              </a:prstGeom>
+              <a:noFill/>
+            </p:spPr>
+            <p:txBody>
+              <a:bodyPr wrap="square" rtlCol="0">
+                <a:spAutoFit/>
+              </a:bodyPr>
+              <a:lstStyle/>
+              <a:p>
+                <a:pPr/>
+                <a14:m>
+                  <m:oMathPara xmlns:m="http://schemas.openxmlformats.org/officeDocument/2006/math">
+                    <m:oMathParaPr>
+                      <m:jc m:val="centerGroup"/>
+                    </m:oMathParaPr>
+                    <m:oMath xmlns:m="http://schemas.openxmlformats.org/officeDocument/2006/math">
+                      <m:sSub>
+                        <m:sSubPr>
+                          <m:ctrlPr>
+                            <a:rPr kumimoji="1" lang="en-US" altLang="ja-JP" sz="3200" b="0" i="1" smtClean="0">
+                              <a:latin typeface="Cambria Math" panose="02040503050406030204" pitchFamily="18" charset="0"/>
+                            </a:rPr>
+                          </m:ctrlPr>
+                        </m:sSubPr>
+                        <m:e>
+                          <m:r>
+                            <a:rPr kumimoji="1" lang="en-US" altLang="ja-JP" sz="3200" b="1" i="1" smtClean="0">
+                              <a:latin typeface="Cambria Math" panose="02040503050406030204" pitchFamily="18" charset="0"/>
+                            </a:rPr>
+                            <m:t>𝒙</m:t>
+                          </m:r>
+                        </m:e>
+                        <m:sub>
+                          <m:r>
+                            <a:rPr kumimoji="1" lang="en-US" altLang="ja-JP" sz="3200" b="0" i="1" smtClean="0">
+                              <a:latin typeface="Cambria Math" panose="02040503050406030204" pitchFamily="18" charset="0"/>
+                            </a:rPr>
+                            <m:t>𝑏</m:t>
+                          </m:r>
+                        </m:sub>
+                      </m:sSub>
+                    </m:oMath>
+                  </m:oMathPara>
+                </a14:m>
+                <a:endParaRPr kumimoji="1" lang="ja-JP" altLang="en-US" sz="3200" dirty="0"/>
+              </a:p>
+            </p:txBody>
+          </p:sp>
+        </mc:Choice>
+        <mc:Fallback>
+          <p:sp>
+            <p:nvSpPr>
+              <p:cNvPr id="40" name="テキスト ボックス 39">
+                <a:extLst>
+                  <a:ext uri="{FF2B5EF4-FFF2-40B4-BE49-F238E27FC236}">
+                    <a16:creationId xmlns:a16="http://schemas.microsoft.com/office/drawing/2014/main" id="{DC7FC1C0-7B48-43EF-A6F8-5ED09F12CE2B}"/>
+                  </a:ext>
+                </a:extLst>
+              </p:cNvPr>
+              <p:cNvSpPr txBox="1">
+                <a:spLocks noRot="1" noChangeAspect="1" noMove="1" noResize="1" noEditPoints="1" noAdjustHandles="1" noChangeArrowheads="1" noChangeShapeType="1" noTextEdit="1"/>
+              </p:cNvSpPr>
+              <p:nvPr/>
+            </p:nvSpPr>
+            <p:spPr>
+              <a:xfrm>
+                <a:off x="5292849" y="4622006"/>
+                <a:ext cx="618567" cy="584775"/>
+              </a:xfrm>
+              <a:prstGeom prst="rect">
+                <a:avLst/>
+              </a:prstGeom>
+              <a:blipFill>
+                <a:blip r:embed="rId5"/>
+                <a:stretch>
+                  <a:fillRect/>
+                </a:stretch>
+              </a:blipFill>
+            </p:spPr>
+            <p:txBody>
+              <a:bodyPr/>
+              <a:lstStyle/>
+              <a:p>
+                <a:r>
+                  <a:rPr lang="ja-JP" altLang="en-US">
+                    <a:noFill/>
+                  </a:rPr>
+                  <a:t> </a:t>
+                </a:r>
+              </a:p>
+            </p:txBody>
+          </p:sp>
+        </mc:Fallback>
+      </mc:AlternateContent>
+      <p:cxnSp>
+        <p:nvCxnSpPr>
+          <p:cNvPr id="41" name="直線矢印コネクタ 40">
+            <a:extLst>
+              <a:ext uri="{FF2B5EF4-FFF2-40B4-BE49-F238E27FC236}">
+                <a16:creationId xmlns:a16="http://schemas.microsoft.com/office/drawing/2014/main" id="{5F9E0C92-E9E0-4069-94A9-5AF3F3E693E6}"/>
+              </a:ext>
+            </a:extLst>
+          </p:cNvPr>
+          <p:cNvCxnSpPr>
+            <a:cxnSpLocks/>
+          </p:cNvCxnSpPr>
+          <p:nvPr/>
+        </p:nvCxnSpPr>
+        <p:spPr>
+          <a:xfrm flipH="1">
+            <a:off x="3787551" y="3948968"/>
+            <a:ext cx="2510611" cy="2127400"/>
+          </a:xfrm>
+          <a:prstGeom prst="straightConnector1">
+            <a:avLst/>
+          </a:prstGeom>
+          <a:ln w="38100">
+            <a:tailEnd type="triangle"/>
+          </a:ln>
+        </p:spPr>
+        <p:style>
+          <a:lnRef idx="1">
+            <a:schemeClr val="dk1"/>
+          </a:lnRef>
+          <a:fillRef idx="0">
+            <a:schemeClr val="dk1"/>
+          </a:fillRef>
+          <a:effectRef idx="0">
+            <a:schemeClr val="dk1"/>
+          </a:effectRef>
+          <a:fontRef idx="minor">
+            <a:schemeClr val="tx1"/>
+          </a:fontRef>
+        </p:style>
+      </p:cxnSp>
+      <mc:AlternateContent xmlns:mc="http://schemas.openxmlformats.org/markup-compatibility/2006">
+        <mc:Choice xmlns:a14="http://schemas.microsoft.com/office/drawing/2010/main" Requires="a14">
+          <p:sp>
+            <p:nvSpPr>
+              <p:cNvPr id="42" name="テキスト ボックス 41">
+                <a:extLst>
+                  <a:ext uri="{FF2B5EF4-FFF2-40B4-BE49-F238E27FC236}">
+                    <a16:creationId xmlns:a16="http://schemas.microsoft.com/office/drawing/2014/main" id="{37C0B271-660B-4B7E-BF66-EB528B7D921B}"/>
+                  </a:ext>
+                </a:extLst>
+              </p:cNvPr>
+              <p:cNvSpPr txBox="1"/>
+              <p:nvPr/>
+            </p:nvSpPr>
+            <p:spPr>
+              <a:xfrm>
+                <a:off x="5331256" y="3798205"/>
+                <a:ext cx="618567" cy="584775"/>
+              </a:xfrm>
+              <a:prstGeom prst="rect">
+                <a:avLst/>
+              </a:prstGeom>
+              <a:noFill/>
+            </p:spPr>
+            <p:txBody>
+              <a:bodyPr wrap="square" rtlCol="0">
+                <a:spAutoFit/>
+              </a:bodyPr>
+              <a:lstStyle/>
+              <a:p>
+                <a:pPr/>
+                <a14:m>
+                  <m:oMathPara xmlns:m="http://schemas.openxmlformats.org/officeDocument/2006/math">
+                    <m:oMathParaPr>
+                      <m:jc m:val="centerGroup"/>
+                    </m:oMathParaPr>
+                    <m:oMath xmlns:m="http://schemas.openxmlformats.org/officeDocument/2006/math">
+                      <m:sSubSup>
+                        <m:sSubSupPr>
+                          <m:ctrlPr>
+                            <a:rPr kumimoji="1" lang="en-US" altLang="ja-JP" sz="3200" i="1" smtClean="0">
+                              <a:latin typeface="Cambria Math" panose="02040503050406030204" pitchFamily="18" charset="0"/>
+                            </a:rPr>
+                          </m:ctrlPr>
+                        </m:sSubSupPr>
+                        <m:e>
+                          <m:r>
+                            <a:rPr kumimoji="1" lang="en-US" altLang="ja-JP" sz="3200" b="1" i="1" smtClean="0">
+                              <a:latin typeface="Cambria Math" panose="02040503050406030204" pitchFamily="18" charset="0"/>
+                            </a:rPr>
+                            <m:t>𝒙</m:t>
+                          </m:r>
+                        </m:e>
+                        <m:sub>
+                          <m:r>
+                            <a:rPr kumimoji="1" lang="en-US" altLang="ja-JP" sz="3200" b="0" i="1" smtClean="0">
+                              <a:latin typeface="Cambria Math" panose="02040503050406030204" pitchFamily="18" charset="0"/>
+                            </a:rPr>
+                            <m:t>𝑤</m:t>
+                          </m:r>
+                        </m:sub>
+                        <m:sup>
+                          <m:r>
+                            <a:rPr kumimoji="1" lang="en-US" altLang="ja-JP" sz="3200" b="0" i="1" smtClean="0">
+                              <a:latin typeface="Cambria Math" panose="02040503050406030204" pitchFamily="18" charset="0"/>
+                            </a:rPr>
+                            <m:t>′</m:t>
+                          </m:r>
+                        </m:sup>
+                      </m:sSubSup>
+                    </m:oMath>
+                  </m:oMathPara>
+                </a14:m>
+                <a:endParaRPr kumimoji="1" lang="ja-JP" altLang="en-US" sz="3200" dirty="0"/>
+              </a:p>
+            </p:txBody>
+          </p:sp>
+        </mc:Choice>
+        <mc:Fallback>
+          <p:sp>
+            <p:nvSpPr>
+              <p:cNvPr id="42" name="テキスト ボックス 41">
+                <a:extLst>
+                  <a:ext uri="{FF2B5EF4-FFF2-40B4-BE49-F238E27FC236}">
+                    <a16:creationId xmlns:a16="http://schemas.microsoft.com/office/drawing/2014/main" id="{37C0B271-660B-4B7E-BF66-EB528B7D921B}"/>
+                  </a:ext>
+                </a:extLst>
+              </p:cNvPr>
+              <p:cNvSpPr txBox="1">
+                <a:spLocks noRot="1" noChangeAspect="1" noMove="1" noResize="1" noEditPoints="1" noAdjustHandles="1" noChangeArrowheads="1" noChangeShapeType="1" noTextEdit="1"/>
+              </p:cNvSpPr>
+              <p:nvPr/>
+            </p:nvSpPr>
+            <p:spPr>
+              <a:xfrm>
+                <a:off x="5331256" y="3798205"/>
+                <a:ext cx="618567" cy="584775"/>
+              </a:xfrm>
+              <a:prstGeom prst="rect">
+                <a:avLst/>
+              </a:prstGeom>
+              <a:blipFill>
+                <a:blip r:embed="rId6"/>
+                <a:stretch>
+                  <a:fillRect/>
+                </a:stretch>
+              </a:blipFill>
+            </p:spPr>
+            <p:txBody>
+              <a:bodyPr/>
+              <a:lstStyle/>
+              <a:p>
+                <a:r>
+                  <a:rPr lang="ja-JP" altLang="en-US">
+                    <a:noFill/>
+                  </a:rPr>
+                  <a:t> </a:t>
+                </a:r>
+              </a:p>
+            </p:txBody>
+          </p:sp>
+        </mc:Fallback>
+      </mc:AlternateContent>
+      <p:cxnSp>
+        <p:nvCxnSpPr>
+          <p:cNvPr id="43" name="直線矢印コネクタ 42">
+            <a:extLst>
+              <a:ext uri="{FF2B5EF4-FFF2-40B4-BE49-F238E27FC236}">
+                <a16:creationId xmlns:a16="http://schemas.microsoft.com/office/drawing/2014/main" id="{46EE3AC7-8E53-4474-A602-915FAB7A1678}"/>
+              </a:ext>
+            </a:extLst>
+          </p:cNvPr>
+          <p:cNvCxnSpPr>
+            <a:cxnSpLocks/>
+          </p:cNvCxnSpPr>
+          <p:nvPr/>
+        </p:nvCxnSpPr>
+        <p:spPr>
+          <a:xfrm flipV="1">
+            <a:off x="3848935" y="3982834"/>
+            <a:ext cx="2564101" cy="2141881"/>
+          </a:xfrm>
+          <a:prstGeom prst="straightConnector1">
+            <a:avLst/>
+          </a:prstGeom>
+          <a:ln w="38100">
+            <a:tailEnd type="triangle"/>
+          </a:ln>
+        </p:spPr>
+        <p:style>
+          <a:lnRef idx="1">
+            <a:schemeClr val="dk1"/>
+          </a:lnRef>
+          <a:fillRef idx="0">
+            <a:schemeClr val="dk1"/>
+          </a:fillRef>
+          <a:effectRef idx="0">
+            <a:schemeClr val="dk1"/>
+          </a:effectRef>
+          <a:fontRef idx="minor">
+            <a:schemeClr val="tx1"/>
+          </a:fontRef>
+        </p:style>
+      </p:cxnSp>
+      <p:sp>
+        <p:nvSpPr>
+          <p:cNvPr id="39" name="楕円 38">
+            <a:extLst>
+              <a:ext uri="{FF2B5EF4-FFF2-40B4-BE49-F238E27FC236}">
+                <a16:creationId xmlns:a16="http://schemas.microsoft.com/office/drawing/2014/main" id="{F17367F1-4FC1-45D2-9E20-B086198418F0}"/>
+              </a:ext>
+            </a:extLst>
+          </p:cNvPr>
+          <p:cNvSpPr/>
+          <p:nvPr/>
+        </p:nvSpPr>
+        <p:spPr>
+          <a:xfrm>
+            <a:off x="7178704" y="1180719"/>
+            <a:ext cx="152400" cy="152400"/>
+          </a:xfrm>
+          <a:prstGeom prst="ellipse">
+            <a:avLst/>
+          </a:prstGeom>
+          <a:solidFill>
+            <a:schemeClr val="accent2">
+              <a:lumMod val="75000"/>
+            </a:schemeClr>
+          </a:solidFill>
+          <a:ln>
+            <a:noFill/>
+          </a:ln>
+        </p:spPr>
+        <p:style>
+          <a:lnRef idx="2">
+            <a:schemeClr val="accent1">
+              <a:shade val="50000"/>
+            </a:schemeClr>
+          </a:lnRef>
+          <a:fillRef idx="1">
+            <a:schemeClr val="accent1"/>
+          </a:fillRef>
+          <a:effectRef idx="0">
+            <a:schemeClr val="accent1"/>
+          </a:effectRef>
+          <a:fontRef idx="minor">
+            <a:schemeClr val="lt1"/>
+          </a:fontRef>
+        </p:style>
+        <p:txBody>
+          <a:bodyPr rtlCol="0" anchor="ctr"/>
+          <a:lstStyle/>
+          <a:p>
+            <a:pPr algn="ctr"/>
+            <a:endParaRPr kumimoji="1" lang="ja-JP" altLang="en-US"/>
+          </a:p>
+        </p:txBody>
+      </p:sp>
+      <p:cxnSp>
+        <p:nvCxnSpPr>
+          <p:cNvPr id="45" name="直線矢印コネクタ 44">
+            <a:extLst>
+              <a:ext uri="{FF2B5EF4-FFF2-40B4-BE49-F238E27FC236}">
+                <a16:creationId xmlns:a16="http://schemas.microsoft.com/office/drawing/2014/main" id="{9DE9DB58-9B6C-42BB-95DC-D92F53A41360}"/>
+              </a:ext>
+            </a:extLst>
+          </p:cNvPr>
+          <p:cNvCxnSpPr>
+            <a:cxnSpLocks/>
+            <a:endCxn id="39" idx="3"/>
+          </p:cNvCxnSpPr>
+          <p:nvPr/>
+        </p:nvCxnSpPr>
+        <p:spPr>
+          <a:xfrm flipV="1">
+            <a:off x="3726167" y="1310801"/>
+            <a:ext cx="3474855" cy="4936198"/>
+          </a:xfrm>
+          <a:prstGeom prst="straightConnector1">
+            <a:avLst/>
+          </a:prstGeom>
+          <a:ln w="19050">
+            <a:prstDash val="dash"/>
+            <a:tailEnd type="triangle"/>
+          </a:ln>
+        </p:spPr>
+        <p:style>
+          <a:lnRef idx="1">
+            <a:schemeClr val="dk1"/>
+          </a:lnRef>
+          <a:fillRef idx="0">
+            <a:schemeClr val="dk1"/>
+          </a:fillRef>
+          <a:effectRef idx="0">
+            <a:schemeClr val="dk1"/>
+          </a:effectRef>
+          <a:fontRef idx="minor">
+            <a:schemeClr val="tx1"/>
+          </a:fontRef>
+        </p:style>
+      </p:cxnSp>
+      <p:cxnSp>
+        <p:nvCxnSpPr>
+          <p:cNvPr id="46" name="直線矢印コネクタ 45">
+            <a:extLst>
+              <a:ext uri="{FF2B5EF4-FFF2-40B4-BE49-F238E27FC236}">
+                <a16:creationId xmlns:a16="http://schemas.microsoft.com/office/drawing/2014/main" id="{7E03CF45-D4B5-4B0A-9783-C76B10D998B9}"/>
+              </a:ext>
+            </a:extLst>
+          </p:cNvPr>
+          <p:cNvCxnSpPr>
+            <a:cxnSpLocks/>
+            <a:endCxn id="39" idx="4"/>
+          </p:cNvCxnSpPr>
+          <p:nvPr/>
+        </p:nvCxnSpPr>
+        <p:spPr>
+          <a:xfrm flipV="1">
+            <a:off x="6342240" y="1333119"/>
+            <a:ext cx="912664" cy="2628542"/>
+          </a:xfrm>
+          <a:prstGeom prst="straightConnector1">
+            <a:avLst/>
+          </a:prstGeom>
+          <a:ln w="19050">
+            <a:prstDash val="dash"/>
+            <a:tailEnd type="triangle"/>
+          </a:ln>
+        </p:spPr>
+        <p:style>
+          <a:lnRef idx="1">
+            <a:schemeClr val="dk1"/>
+          </a:lnRef>
+          <a:fillRef idx="0">
+            <a:schemeClr val="dk1"/>
+          </a:fillRef>
+          <a:effectRef idx="0">
+            <a:schemeClr val="dk1"/>
+          </a:effectRef>
+          <a:fontRef idx="minor">
+            <a:schemeClr val="tx1"/>
+          </a:fontRef>
+        </p:style>
+      </p:cxnSp>
+      <p:cxnSp>
+        <p:nvCxnSpPr>
+          <p:cNvPr id="47" name="直線矢印コネクタ 46">
+            <a:extLst>
+              <a:ext uri="{FF2B5EF4-FFF2-40B4-BE49-F238E27FC236}">
+                <a16:creationId xmlns:a16="http://schemas.microsoft.com/office/drawing/2014/main" id="{866D58FC-F558-47EE-AD4C-053BF8E7A46C}"/>
+              </a:ext>
+            </a:extLst>
+          </p:cNvPr>
+          <p:cNvCxnSpPr>
+            <a:cxnSpLocks/>
+          </p:cNvCxnSpPr>
+          <p:nvPr/>
+        </p:nvCxnSpPr>
+        <p:spPr>
+          <a:xfrm flipV="1">
+            <a:off x="3804431" y="781632"/>
+            <a:ext cx="491120" cy="5381876"/>
+          </a:xfrm>
+          <a:prstGeom prst="straightConnector1">
+            <a:avLst/>
+          </a:prstGeom>
+          <a:ln w="19050">
+            <a:prstDash val="dash"/>
+            <a:tailEnd type="triangle"/>
+          </a:ln>
+        </p:spPr>
+        <p:style>
+          <a:lnRef idx="1">
+            <a:schemeClr val="dk1"/>
+          </a:lnRef>
+          <a:fillRef idx="0">
+            <a:schemeClr val="dk1"/>
+          </a:fillRef>
+          <a:effectRef idx="0">
+            <a:schemeClr val="dk1"/>
+          </a:effectRef>
+          <a:fontRef idx="minor">
+            <a:schemeClr val="tx1"/>
+          </a:fontRef>
+        </p:style>
+      </p:cxnSp>
+      <p:sp>
+        <p:nvSpPr>
+          <p:cNvPr id="48" name="円弧 47">
+            <a:extLst>
+              <a:ext uri="{FF2B5EF4-FFF2-40B4-BE49-F238E27FC236}">
+                <a16:creationId xmlns:a16="http://schemas.microsoft.com/office/drawing/2014/main" id="{5682BF87-3261-40D4-9D1D-F67FEF9D10D3}"/>
+              </a:ext>
+            </a:extLst>
+          </p:cNvPr>
+          <p:cNvSpPr/>
+          <p:nvPr/>
+        </p:nvSpPr>
+        <p:spPr>
+          <a:xfrm rot="20514364">
+            <a:off x="2102781" y="583387"/>
+            <a:ext cx="6380137" cy="6380137"/>
+          </a:xfrm>
+          <a:prstGeom prst="arc">
+            <a:avLst>
+              <a:gd name="adj1" fmla="val 16200000"/>
+              <a:gd name="adj2" fmla="val 19515177"/>
+            </a:avLst>
+          </a:prstGeom>
+          <a:ln w="38100">
+            <a:solidFill>
+              <a:schemeClr val="tx1"/>
+            </a:solidFill>
+            <a:prstDash val="sysDash"/>
+            <a:headEnd type="arrow" w="med" len="med"/>
+            <a:tailEnd type="none" w="med" len="med"/>
+          </a:ln>
+        </p:spPr>
+        <p:style>
+          <a:lnRef idx="1">
+            <a:schemeClr val="accent1"/>
+          </a:lnRef>
+          <a:fillRef idx="0">
+            <a:schemeClr val="accent1"/>
+          </a:fillRef>
+          <a:effectRef idx="0">
+            <a:schemeClr val="accent1"/>
+          </a:effectRef>
+          <a:fontRef idx="minor">
+            <a:schemeClr val="tx1"/>
+          </a:fontRef>
+        </p:style>
+        <p:txBody>
+          <a:bodyPr rtlCol="0" anchor="ctr"/>
+          <a:lstStyle/>
+          <a:p>
+            <a:pPr algn="ctr"/>
+            <a:endParaRPr kumimoji="1" lang="ja-JP" altLang="en-US"/>
+          </a:p>
+        </p:txBody>
+      </p:sp>
+      <p:sp>
+        <p:nvSpPr>
+          <p:cNvPr id="49" name="楕円 48">
+            <a:extLst>
+              <a:ext uri="{FF2B5EF4-FFF2-40B4-BE49-F238E27FC236}">
+                <a16:creationId xmlns:a16="http://schemas.microsoft.com/office/drawing/2014/main" id="{60375D7C-854E-4E6E-B200-F47C366ACD61}"/>
+              </a:ext>
+            </a:extLst>
+          </p:cNvPr>
+          <p:cNvSpPr/>
+          <p:nvPr/>
+        </p:nvSpPr>
+        <p:spPr>
+          <a:xfrm>
+            <a:off x="4209127" y="664967"/>
+            <a:ext cx="152400" cy="152400"/>
+          </a:xfrm>
+          <a:prstGeom prst="ellipse">
+            <a:avLst/>
+          </a:prstGeom>
+          <a:solidFill>
+            <a:schemeClr val="accent2">
+              <a:lumMod val="75000"/>
+            </a:schemeClr>
+          </a:solidFill>
+          <a:ln>
+            <a:noFill/>
+          </a:ln>
+        </p:spPr>
+        <p:style>
+          <a:lnRef idx="2">
+            <a:schemeClr val="accent1">
+              <a:shade val="50000"/>
+            </a:schemeClr>
+          </a:lnRef>
+          <a:fillRef idx="1">
+            <a:schemeClr val="accent1"/>
+          </a:fillRef>
+          <a:effectRef idx="0">
+            <a:schemeClr val="accent1"/>
+          </a:effectRef>
+          <a:fontRef idx="minor">
+            <a:schemeClr val="lt1"/>
+          </a:fontRef>
+        </p:style>
+        <p:txBody>
+          <a:bodyPr rtlCol="0" anchor="ctr"/>
+          <a:lstStyle/>
+          <a:p>
+            <a:pPr algn="ctr"/>
+            <a:endParaRPr kumimoji="1" lang="ja-JP" altLang="en-US"/>
+          </a:p>
+        </p:txBody>
+      </p:sp>
+      <p:cxnSp>
+        <p:nvCxnSpPr>
+          <p:cNvPr id="50" name="直線矢印コネクタ 49">
+            <a:extLst>
+              <a:ext uri="{FF2B5EF4-FFF2-40B4-BE49-F238E27FC236}">
+                <a16:creationId xmlns:a16="http://schemas.microsoft.com/office/drawing/2014/main" id="{638DF235-5AAF-484B-873A-EA89D8A616A6}"/>
+              </a:ext>
+            </a:extLst>
+          </p:cNvPr>
+          <p:cNvCxnSpPr>
+            <a:cxnSpLocks/>
+            <a:endCxn id="49" idx="3"/>
+          </p:cNvCxnSpPr>
+          <p:nvPr/>
+        </p:nvCxnSpPr>
+        <p:spPr>
+          <a:xfrm flipV="1">
+            <a:off x="3568224" y="795049"/>
+            <a:ext cx="663221" cy="1598784"/>
+          </a:xfrm>
+          <a:prstGeom prst="straightConnector1">
+            <a:avLst/>
+          </a:prstGeom>
+          <a:ln w="19050">
+            <a:tailEnd type="triangle"/>
+          </a:ln>
+        </p:spPr>
+        <p:style>
+          <a:lnRef idx="1">
+            <a:schemeClr val="dk1"/>
+          </a:lnRef>
+          <a:fillRef idx="0">
+            <a:schemeClr val="dk1"/>
+          </a:fillRef>
+          <a:effectRef idx="0">
+            <a:schemeClr val="dk1"/>
+          </a:effectRef>
+          <a:fontRef idx="minor">
+            <a:schemeClr val="tx1"/>
+          </a:fontRef>
+        </p:style>
+      </p:cxnSp>
+      <mc:AlternateContent xmlns:mc="http://schemas.openxmlformats.org/markup-compatibility/2006">
+        <mc:Choice xmlns:a14="http://schemas.microsoft.com/office/drawing/2010/main" Requires="a14">
+          <p:sp>
+            <p:nvSpPr>
+              <p:cNvPr id="51" name="テキスト ボックス 50">
+                <a:extLst>
+                  <a:ext uri="{FF2B5EF4-FFF2-40B4-BE49-F238E27FC236}">
+                    <a16:creationId xmlns:a16="http://schemas.microsoft.com/office/drawing/2014/main" id="{22F67937-B385-4DEA-91A6-BDCEF6980CA0}"/>
+                  </a:ext>
+                </a:extLst>
+              </p:cNvPr>
+              <p:cNvSpPr txBox="1"/>
+              <p:nvPr/>
+            </p:nvSpPr>
+            <p:spPr>
+              <a:xfrm>
+                <a:off x="4000730" y="3328423"/>
+                <a:ext cx="639599" cy="492443"/>
+              </a:xfrm>
+              <a:prstGeom prst="rect">
+                <a:avLst/>
+              </a:prstGeom>
+              <a:noFill/>
+            </p:spPr>
+            <p:txBody>
+              <a:bodyPr wrap="none" lIns="0" tIns="0" rIns="0" bIns="0" rtlCol="0">
+                <a:spAutoFit/>
+              </a:bodyPr>
+              <a:lstStyle/>
+              <a:p>
+                <a14:m>
+                  <m:oMathPara xmlns:m="http://schemas.openxmlformats.org/officeDocument/2006/math">
+                    <m:oMathParaPr>
+                      <m:jc m:val="centerGroup"/>
+                    </m:oMathParaPr>
+                    <m:oMath xmlns:m="http://schemas.openxmlformats.org/officeDocument/2006/math">
+                      <m:r>
+                        <a:rPr kumimoji="1" lang="en-US" altLang="ja-JP" sz="3200" b="0" i="1" smtClean="0">
+                          <a:latin typeface="Cambria Math" panose="02040503050406030204" pitchFamily="18" charset="0"/>
+                        </a:rPr>
+                        <m:t>𝑅</m:t>
+                      </m:r>
+                      <m:r>
+                        <a:rPr kumimoji="1" lang="en-US" altLang="ja-JP" sz="3200" b="1" i="1" smtClean="0">
+                          <a:latin typeface="Cambria Math" panose="02040503050406030204" pitchFamily="18" charset="0"/>
+                        </a:rPr>
+                        <m:t>𝒙</m:t>
+                      </m:r>
+                    </m:oMath>
+                  </m:oMathPara>
+                </a14:m>
+                <a:endParaRPr kumimoji="1" lang="ja-JP" altLang="en-US" sz="3200" b="1" dirty="0"/>
+              </a:p>
+            </p:txBody>
+          </p:sp>
+        </mc:Choice>
+        <mc:Fallback>
+          <p:sp>
+            <p:nvSpPr>
+              <p:cNvPr id="51" name="テキスト ボックス 50">
+                <a:extLst>
+                  <a:ext uri="{FF2B5EF4-FFF2-40B4-BE49-F238E27FC236}">
+                    <a16:creationId xmlns:a16="http://schemas.microsoft.com/office/drawing/2014/main" id="{22F67937-B385-4DEA-91A6-BDCEF6980CA0}"/>
+                  </a:ext>
+                </a:extLst>
+              </p:cNvPr>
+              <p:cNvSpPr txBox="1">
+                <a:spLocks noRot="1" noChangeAspect="1" noMove="1" noResize="1" noEditPoints="1" noAdjustHandles="1" noChangeArrowheads="1" noChangeShapeType="1" noTextEdit="1"/>
+              </p:cNvSpPr>
+              <p:nvPr/>
+            </p:nvSpPr>
+            <p:spPr>
+              <a:xfrm>
+                <a:off x="4000730" y="3328423"/>
+                <a:ext cx="639599" cy="492443"/>
+              </a:xfrm>
+              <a:prstGeom prst="rect">
+                <a:avLst/>
+              </a:prstGeom>
+              <a:blipFill>
+                <a:blip r:embed="rId7"/>
+                <a:stretch>
+                  <a:fillRect/>
+                </a:stretch>
+              </a:blipFill>
+            </p:spPr>
+            <p:txBody>
+              <a:bodyPr/>
+              <a:lstStyle/>
+              <a:p>
+                <a:r>
+                  <a:rPr lang="ja-JP" altLang="en-US">
+                    <a:noFill/>
+                  </a:rPr>
+                  <a:t> </a:t>
+                </a:r>
+              </a:p>
+            </p:txBody>
+          </p:sp>
+        </mc:Fallback>
+      </mc:AlternateContent>
+      <mc:AlternateContent xmlns:mc="http://schemas.openxmlformats.org/markup-compatibility/2006">
+        <mc:Choice xmlns:a14="http://schemas.microsoft.com/office/drawing/2010/main" Requires="a14">
+          <p:sp>
+            <p:nvSpPr>
+              <p:cNvPr id="52" name="テキスト ボックス 51">
+                <a:extLst>
+                  <a:ext uri="{FF2B5EF4-FFF2-40B4-BE49-F238E27FC236}">
+                    <a16:creationId xmlns:a16="http://schemas.microsoft.com/office/drawing/2014/main" id="{DA3DA3D0-8539-4154-878B-045ADAAA4165}"/>
+                  </a:ext>
+                </a:extLst>
+              </p:cNvPr>
+              <p:cNvSpPr txBox="1"/>
+              <p:nvPr/>
+            </p:nvSpPr>
+            <p:spPr>
+              <a:xfrm>
+                <a:off x="4113427" y="122012"/>
+                <a:ext cx="479747" cy="492443"/>
+              </a:xfrm>
+              <a:prstGeom prst="rect">
+                <a:avLst/>
+              </a:prstGeom>
+              <a:noFill/>
+            </p:spPr>
+            <p:txBody>
+              <a:bodyPr wrap="none" lIns="0" tIns="0" rIns="0" bIns="0" rtlCol="0">
+                <a:spAutoFit/>
+              </a:bodyPr>
+              <a:lstStyle/>
+              <a:p>
+                <a14:m>
+                  <m:oMathPara xmlns:m="http://schemas.openxmlformats.org/officeDocument/2006/math">
+                    <m:oMathParaPr>
+                      <m:jc m:val="centerGroup"/>
+                    </m:oMathParaPr>
+                    <m:oMath xmlns:m="http://schemas.openxmlformats.org/officeDocument/2006/math">
+                      <m:sSup>
+                        <m:sSupPr>
+                          <m:ctrlPr>
+                            <a:rPr kumimoji="1" lang="en-US" altLang="ja-JP" sz="3200" b="0" i="1" smtClean="0">
+                              <a:latin typeface="Cambria Math" panose="02040503050406030204" pitchFamily="18" charset="0"/>
+                            </a:rPr>
+                          </m:ctrlPr>
+                        </m:sSupPr>
+                        <m:e>
+                          <m:r>
+                            <a:rPr kumimoji="1" lang="en-US" altLang="ja-JP" sz="3200" b="0" i="1" smtClean="0">
+                              <a:latin typeface="Cambria Math" panose="02040503050406030204" pitchFamily="18" charset="0"/>
+                            </a:rPr>
+                            <m:t>𝑝</m:t>
+                          </m:r>
+                        </m:e>
+                        <m:sup>
+                          <m:r>
+                            <a:rPr kumimoji="1" lang="en-US" altLang="ja-JP" sz="3200" b="0" i="1" smtClean="0">
+                              <a:latin typeface="Cambria Math" panose="02040503050406030204" pitchFamily="18" charset="0"/>
+                            </a:rPr>
+                            <m:t>′</m:t>
+                          </m:r>
+                        </m:sup>
+                      </m:sSup>
+                    </m:oMath>
+                  </m:oMathPara>
+                </a14:m>
+                <a:endParaRPr kumimoji="1" lang="ja-JP" altLang="en-US" sz="3200" dirty="0"/>
+              </a:p>
+            </p:txBody>
+          </p:sp>
+        </mc:Choice>
+        <mc:Fallback>
+          <p:sp>
+            <p:nvSpPr>
+              <p:cNvPr id="52" name="テキスト ボックス 51">
+                <a:extLst>
+                  <a:ext uri="{FF2B5EF4-FFF2-40B4-BE49-F238E27FC236}">
+                    <a16:creationId xmlns:a16="http://schemas.microsoft.com/office/drawing/2014/main" id="{DA3DA3D0-8539-4154-878B-045ADAAA4165}"/>
+                  </a:ext>
+                </a:extLst>
+              </p:cNvPr>
+              <p:cNvSpPr txBox="1">
+                <a:spLocks noRot="1" noChangeAspect="1" noMove="1" noResize="1" noEditPoints="1" noAdjustHandles="1" noChangeArrowheads="1" noChangeShapeType="1" noTextEdit="1"/>
+              </p:cNvSpPr>
+              <p:nvPr/>
+            </p:nvSpPr>
+            <p:spPr>
+              <a:xfrm>
+                <a:off x="4113427" y="122012"/>
+                <a:ext cx="479747" cy="492443"/>
+              </a:xfrm>
+              <a:prstGeom prst="rect">
+                <a:avLst/>
+              </a:prstGeom>
+              <a:blipFill>
+                <a:blip r:embed="rId8"/>
+                <a:stretch>
+                  <a:fillRect/>
+                </a:stretch>
+              </a:blipFill>
+            </p:spPr>
+            <p:txBody>
+              <a:bodyPr/>
+              <a:lstStyle/>
+              <a:p>
+                <a:r>
+                  <a:rPr lang="ja-JP" altLang="en-US">
+                    <a:noFill/>
+                  </a:rPr>
+                  <a:t> </a:t>
+                </a:r>
+              </a:p>
+            </p:txBody>
+          </p:sp>
+        </mc:Fallback>
+      </mc:AlternateContent>
+      <mc:AlternateContent xmlns:mc="http://schemas.openxmlformats.org/markup-compatibility/2006">
+        <mc:Choice xmlns:a14="http://schemas.microsoft.com/office/drawing/2010/main" Requires="a14">
+          <p:sp>
+            <p:nvSpPr>
+              <p:cNvPr id="53" name="テキスト ボックス 52">
+                <a:extLst>
+                  <a:ext uri="{FF2B5EF4-FFF2-40B4-BE49-F238E27FC236}">
+                    <a16:creationId xmlns:a16="http://schemas.microsoft.com/office/drawing/2014/main" id="{0B54DD7A-0A75-490C-A63C-ED22C1119DCC}"/>
+                  </a:ext>
+                </a:extLst>
+              </p:cNvPr>
+              <p:cNvSpPr txBox="1"/>
+              <p:nvPr/>
+            </p:nvSpPr>
+            <p:spPr>
+              <a:xfrm>
+                <a:off x="7436617" y="781632"/>
+                <a:ext cx="351250" cy="492443"/>
+              </a:xfrm>
+              <a:prstGeom prst="rect">
+                <a:avLst/>
+              </a:prstGeom>
+              <a:noFill/>
+            </p:spPr>
+            <p:txBody>
+              <a:bodyPr wrap="none" lIns="0" tIns="0" rIns="0" bIns="0" rtlCol="0">
+                <a:spAutoFit/>
+              </a:bodyPr>
+              <a:lstStyle/>
+              <a:p>
+                <a14:m>
+                  <m:oMathPara xmlns:m="http://schemas.openxmlformats.org/officeDocument/2006/math">
+                    <m:oMathParaPr>
+                      <m:jc m:val="centerGroup"/>
+                    </m:oMathParaPr>
+                    <m:oMath xmlns:m="http://schemas.openxmlformats.org/officeDocument/2006/math">
+                      <m:r>
+                        <a:rPr kumimoji="1" lang="en-US" altLang="ja-JP" sz="3200" b="0" i="1" smtClean="0">
+                          <a:latin typeface="Cambria Math" panose="02040503050406030204" pitchFamily="18" charset="0"/>
+                        </a:rPr>
+                        <m:t>𝑝</m:t>
+                      </m:r>
+                    </m:oMath>
+                  </m:oMathPara>
+                </a14:m>
+                <a:endParaRPr kumimoji="1" lang="ja-JP" altLang="en-US" sz="3200" dirty="0"/>
+              </a:p>
+            </p:txBody>
+          </p:sp>
+        </mc:Choice>
+        <mc:Fallback>
+          <p:sp>
+            <p:nvSpPr>
+              <p:cNvPr id="53" name="テキスト ボックス 52">
+                <a:extLst>
+                  <a:ext uri="{FF2B5EF4-FFF2-40B4-BE49-F238E27FC236}">
+                    <a16:creationId xmlns:a16="http://schemas.microsoft.com/office/drawing/2014/main" id="{0B54DD7A-0A75-490C-A63C-ED22C1119DCC}"/>
+                  </a:ext>
+                </a:extLst>
+              </p:cNvPr>
+              <p:cNvSpPr txBox="1">
+                <a:spLocks noRot="1" noChangeAspect="1" noMove="1" noResize="1" noEditPoints="1" noAdjustHandles="1" noChangeArrowheads="1" noChangeShapeType="1" noTextEdit="1"/>
+              </p:cNvSpPr>
+              <p:nvPr/>
+            </p:nvSpPr>
+            <p:spPr>
+              <a:xfrm>
+                <a:off x="7436617" y="781632"/>
+                <a:ext cx="351250" cy="492443"/>
+              </a:xfrm>
+              <a:prstGeom prst="rect">
+                <a:avLst/>
+              </a:prstGeom>
+              <a:blipFill>
+                <a:blip r:embed="rId9"/>
+                <a:stretch>
+                  <a:fillRect/>
+                </a:stretch>
+              </a:blipFill>
+            </p:spPr>
+            <p:txBody>
+              <a:bodyPr/>
+              <a:lstStyle/>
+              <a:p>
+                <a:r>
+                  <a:rPr lang="ja-JP" altLang="en-US">
+                    <a:noFill/>
+                  </a:rPr>
+                  <a:t> </a:t>
+                </a:r>
+              </a:p>
+            </p:txBody>
+          </p:sp>
+        </mc:Fallback>
+      </mc:AlternateContent>
+      <mc:AlternateContent xmlns:mc="http://schemas.openxmlformats.org/markup-compatibility/2006">
+        <mc:Choice xmlns:a14="http://schemas.microsoft.com/office/drawing/2010/main" Requires="a14">
+          <p:sp>
+            <p:nvSpPr>
+              <p:cNvPr id="54" name="テキスト ボックス 53">
+                <a:extLst>
+                  <a:ext uri="{FF2B5EF4-FFF2-40B4-BE49-F238E27FC236}">
+                    <a16:creationId xmlns:a16="http://schemas.microsoft.com/office/drawing/2014/main" id="{FADAE241-9D88-43AD-BB94-2031DA01874D}"/>
+                  </a:ext>
+                </a:extLst>
+              </p:cNvPr>
+              <p:cNvSpPr txBox="1"/>
+              <p:nvPr/>
+            </p:nvSpPr>
+            <p:spPr>
+              <a:xfrm>
+                <a:off x="3521575" y="954585"/>
+                <a:ext cx="618567" cy="584775"/>
+              </a:xfrm>
+              <a:prstGeom prst="rect">
+                <a:avLst/>
+              </a:prstGeom>
+              <a:noFill/>
+            </p:spPr>
+            <p:txBody>
+              <a:bodyPr wrap="square" rtlCol="0">
+                <a:spAutoFit/>
+              </a:bodyPr>
+              <a:lstStyle/>
+              <a:p>
+                <a:pPr/>
+                <a14:m>
+                  <m:oMathPara xmlns:m="http://schemas.openxmlformats.org/officeDocument/2006/math">
+                    <m:oMathParaPr>
+                      <m:jc m:val="centerGroup"/>
+                    </m:oMathParaPr>
+                    <m:oMath xmlns:m="http://schemas.openxmlformats.org/officeDocument/2006/math">
+                      <m:sSup>
+                        <m:sSupPr>
+                          <m:ctrlPr>
+                            <a:rPr kumimoji="1" lang="en-US" altLang="ja-JP" sz="3200" i="1" smtClean="0">
+                              <a:latin typeface="Cambria Math" panose="02040503050406030204" pitchFamily="18" charset="0"/>
+                            </a:rPr>
+                          </m:ctrlPr>
+                        </m:sSupPr>
+                        <m:e>
+                          <m:r>
+                            <a:rPr kumimoji="1" lang="en-US" altLang="ja-JP" sz="3200" b="1" i="1" smtClean="0">
+                              <a:latin typeface="Cambria Math" panose="02040503050406030204" pitchFamily="18" charset="0"/>
+                            </a:rPr>
+                            <m:t>𝒙</m:t>
+                          </m:r>
+                        </m:e>
+                        <m:sup>
+                          <m:r>
+                            <a:rPr kumimoji="1" lang="en-US" altLang="ja-JP" sz="3200" b="0" i="1" smtClean="0">
+                              <a:latin typeface="Cambria Math" panose="02040503050406030204" pitchFamily="18" charset="0"/>
+                            </a:rPr>
+                            <m:t>′</m:t>
+                          </m:r>
+                        </m:sup>
+                      </m:sSup>
+                    </m:oMath>
+                  </m:oMathPara>
+                </a14:m>
+                <a:endParaRPr kumimoji="1" lang="ja-JP" altLang="en-US" sz="3200" dirty="0"/>
+              </a:p>
+            </p:txBody>
+          </p:sp>
+        </mc:Choice>
+        <mc:Fallback>
+          <p:sp>
+            <p:nvSpPr>
+              <p:cNvPr id="54" name="テキスト ボックス 53">
+                <a:extLst>
+                  <a:ext uri="{FF2B5EF4-FFF2-40B4-BE49-F238E27FC236}">
+                    <a16:creationId xmlns:a16="http://schemas.microsoft.com/office/drawing/2014/main" id="{FADAE241-9D88-43AD-BB94-2031DA01874D}"/>
+                  </a:ext>
+                </a:extLst>
+              </p:cNvPr>
+              <p:cNvSpPr txBox="1">
+                <a:spLocks noRot="1" noChangeAspect="1" noMove="1" noResize="1" noEditPoints="1" noAdjustHandles="1" noChangeArrowheads="1" noChangeShapeType="1" noTextEdit="1"/>
+              </p:cNvSpPr>
+              <p:nvPr/>
+            </p:nvSpPr>
+            <p:spPr>
+              <a:xfrm>
+                <a:off x="3521575" y="954585"/>
+                <a:ext cx="618567" cy="584775"/>
+              </a:xfrm>
+              <a:prstGeom prst="rect">
+                <a:avLst/>
+              </a:prstGeom>
+              <a:blipFill>
+                <a:blip r:embed="rId10"/>
+                <a:stretch>
+                  <a:fillRect/>
+                </a:stretch>
+              </a:blipFill>
+            </p:spPr>
+            <p:txBody>
+              <a:bodyPr/>
+              <a:lstStyle/>
+              <a:p>
+                <a:r>
+                  <a:rPr lang="ja-JP" altLang="en-US">
+                    <a:noFill/>
+                  </a:rPr>
+                  <a:t> </a:t>
+                </a:r>
+              </a:p>
+            </p:txBody>
+          </p:sp>
+        </mc:Fallback>
+      </mc:AlternateContent>
+    </p:spTree>
+    <p:extLst>
+      <p:ext uri="{BB962C8B-B14F-4D97-AF65-F5344CB8AC3E}">
+        <p14:creationId xmlns:p14="http://schemas.microsoft.com/office/powerpoint/2010/main" val="2562484479"/>
       </p:ext>
     </p:extLst>
   </p:cSld>

--- a/座標変換.pptx
+++ b/座標変換.pptx
@@ -6,11 +6,12 @@
   </p:sldMasterIdLst>
   <p:sldIdLst>
     <p:sldId id="259" r:id="rId2"/>
-    <p:sldId id="260" r:id="rId3"/>
-    <p:sldId id="261" r:id="rId4"/>
-    <p:sldId id="257" r:id="rId5"/>
-    <p:sldId id="262" r:id="rId6"/>
-    <p:sldId id="263" r:id="rId7"/>
+    <p:sldId id="264" r:id="rId3"/>
+    <p:sldId id="260" r:id="rId4"/>
+    <p:sldId id="261" r:id="rId5"/>
+    <p:sldId id="257" r:id="rId6"/>
+    <p:sldId id="262" r:id="rId7"/>
+    <p:sldId id="263" r:id="rId8"/>
   </p:sldIdLst>
   <p:sldSz cx="12192000" cy="6858000"/>
   <p:notesSz cx="6858000" cy="9144000"/>
@@ -109,6 +110,11 @@
       </a:defRPr>
     </a:lvl9pPr>
   </p:defaultTextStyle>
+  <p:extLst>
+    <p:ext uri="{EFAFB233-063F-42B5-8137-9DF3F51BA10A}">
+      <p15:sldGuideLst xmlns:p15="http://schemas.microsoft.com/office/powerpoint/2012/main"/>
+    </p:ext>
+  </p:extLst>
 </p:presentation>
 </file>
 
@@ -259,7 +265,7 @@
           <a:p>
             <a:fld id="{7CD78266-6DD0-4122-A98C-BADB072C32F9}" type="datetimeFigureOut">
               <a:rPr kumimoji="1" lang="ja-JP" altLang="en-US" smtClean="0"/>
-              <a:t>2021/5/17</a:t>
+              <a:t>2021/5/18</a:t>
             </a:fld>
             <a:endParaRPr kumimoji="1" lang="ja-JP" altLang="en-US"/>
           </a:p>
@@ -489,7 +495,7 @@
           <a:p>
             <a:fld id="{7CD78266-6DD0-4122-A98C-BADB072C32F9}" type="datetimeFigureOut">
               <a:rPr kumimoji="1" lang="ja-JP" altLang="en-US" smtClean="0"/>
-              <a:t>2021/5/17</a:t>
+              <a:t>2021/5/18</a:t>
             </a:fld>
             <a:endParaRPr kumimoji="1" lang="ja-JP" altLang="en-US"/>
           </a:p>
@@ -729,7 +735,7 @@
           <a:p>
             <a:fld id="{7CD78266-6DD0-4122-A98C-BADB072C32F9}" type="datetimeFigureOut">
               <a:rPr kumimoji="1" lang="ja-JP" altLang="en-US" smtClean="0"/>
-              <a:t>2021/5/17</a:t>
+              <a:t>2021/5/18</a:t>
             </a:fld>
             <a:endParaRPr kumimoji="1" lang="ja-JP" altLang="en-US"/>
           </a:p>
@@ -959,7 +965,7 @@
           <a:p>
             <a:fld id="{7CD78266-6DD0-4122-A98C-BADB072C32F9}" type="datetimeFigureOut">
               <a:rPr kumimoji="1" lang="ja-JP" altLang="en-US" smtClean="0"/>
-              <a:t>2021/5/17</a:t>
+              <a:t>2021/5/18</a:t>
             </a:fld>
             <a:endParaRPr kumimoji="1" lang="ja-JP" altLang="en-US"/>
           </a:p>
@@ -1234,7 +1240,7 @@
           <a:p>
             <a:fld id="{7CD78266-6DD0-4122-A98C-BADB072C32F9}" type="datetimeFigureOut">
               <a:rPr kumimoji="1" lang="ja-JP" altLang="en-US" smtClean="0"/>
-              <a:t>2021/5/17</a:t>
+              <a:t>2021/5/18</a:t>
             </a:fld>
             <a:endParaRPr kumimoji="1" lang="ja-JP" altLang="en-US"/>
           </a:p>
@@ -1563,7 +1569,7 @@
           <a:p>
             <a:fld id="{7CD78266-6DD0-4122-A98C-BADB072C32F9}" type="datetimeFigureOut">
               <a:rPr kumimoji="1" lang="ja-JP" altLang="en-US" smtClean="0"/>
-              <a:t>2021/5/17</a:t>
+              <a:t>2021/5/18</a:t>
             </a:fld>
             <a:endParaRPr kumimoji="1" lang="ja-JP" altLang="en-US"/>
           </a:p>
@@ -2039,7 +2045,7 @@
           <a:p>
             <a:fld id="{7CD78266-6DD0-4122-A98C-BADB072C32F9}" type="datetimeFigureOut">
               <a:rPr kumimoji="1" lang="ja-JP" altLang="en-US" smtClean="0"/>
-              <a:t>2021/5/17</a:t>
+              <a:t>2021/5/18</a:t>
             </a:fld>
             <a:endParaRPr kumimoji="1" lang="ja-JP" altLang="en-US"/>
           </a:p>
@@ -2180,7 +2186,7 @@
           <a:p>
             <a:fld id="{7CD78266-6DD0-4122-A98C-BADB072C32F9}" type="datetimeFigureOut">
               <a:rPr kumimoji="1" lang="ja-JP" altLang="en-US" smtClean="0"/>
-              <a:t>2021/5/17</a:t>
+              <a:t>2021/5/18</a:t>
             </a:fld>
             <a:endParaRPr kumimoji="1" lang="ja-JP" altLang="en-US"/>
           </a:p>
@@ -2293,7 +2299,7 @@
           <a:p>
             <a:fld id="{7CD78266-6DD0-4122-A98C-BADB072C32F9}" type="datetimeFigureOut">
               <a:rPr kumimoji="1" lang="ja-JP" altLang="en-US" smtClean="0"/>
-              <a:t>2021/5/17</a:t>
+              <a:t>2021/5/18</a:t>
             </a:fld>
             <a:endParaRPr kumimoji="1" lang="ja-JP" altLang="en-US"/>
           </a:p>
@@ -2636,7 +2642,7 @@
           <a:p>
             <a:fld id="{7CD78266-6DD0-4122-A98C-BADB072C32F9}" type="datetimeFigureOut">
               <a:rPr kumimoji="1" lang="ja-JP" altLang="en-US" smtClean="0"/>
-              <a:t>2021/5/17</a:t>
+              <a:t>2021/5/18</a:t>
             </a:fld>
             <a:endParaRPr kumimoji="1" lang="ja-JP" altLang="en-US"/>
           </a:p>
@@ -2924,7 +2930,7 @@
           <a:p>
             <a:fld id="{7CD78266-6DD0-4122-A98C-BADB072C32F9}" type="datetimeFigureOut">
               <a:rPr kumimoji="1" lang="ja-JP" altLang="en-US" smtClean="0"/>
-              <a:t>2021/5/17</a:t>
+              <a:t>2021/5/18</a:t>
             </a:fld>
             <a:endParaRPr kumimoji="1" lang="ja-JP" altLang="en-US"/>
           </a:p>
@@ -3197,7 +3203,7 @@
           <a:p>
             <a:fld id="{7CD78266-6DD0-4122-A98C-BADB072C32F9}" type="datetimeFigureOut">
               <a:rPr kumimoji="1" lang="ja-JP" altLang="en-US" smtClean="0"/>
-              <a:t>2021/5/17</a:t>
+              <a:t>2021/5/18</a:t>
             </a:fld>
             <a:endParaRPr kumimoji="1" lang="ja-JP" altLang="en-US"/>
           </a:p>
@@ -3996,8 +4002,8 @@
           </a:fontRef>
         </p:style>
       </p:cxnSp>
-      <mc:AlternateContent xmlns:mc="http://schemas.openxmlformats.org/markup-compatibility/2006">
-        <mc:Choice xmlns:a14="http://schemas.microsoft.com/office/drawing/2010/main" Requires="a14">
+      <mc:AlternateContent xmlns:mc="http://schemas.openxmlformats.org/markup-compatibility/2006" xmlns:a14="http://schemas.microsoft.com/office/drawing/2010/main">
+        <mc:Choice Requires="a14">
           <p:sp>
             <p:nvSpPr>
               <p:cNvPr id="28" name="テキスト ボックス 27">
@@ -4078,7 +4084,7 @@
             </p:txBody>
           </p:sp>
         </mc:Choice>
-        <mc:Fallback>
+        <mc:Fallback xmlns="">
           <p:sp>
             <p:nvSpPr>
               <p:cNvPr id="28" name="テキスト ボックス 27">
@@ -4123,8 +4129,8 @@
           </p:sp>
         </mc:Fallback>
       </mc:AlternateContent>
-      <mc:AlternateContent xmlns:mc="http://schemas.openxmlformats.org/markup-compatibility/2006">
-        <mc:Choice xmlns:a14="http://schemas.microsoft.com/office/drawing/2010/main" Requires="a14">
+      <mc:AlternateContent xmlns:mc="http://schemas.openxmlformats.org/markup-compatibility/2006" xmlns:a14="http://schemas.microsoft.com/office/drawing/2010/main">
+        <mc:Choice Requires="a14">
           <p:sp>
             <p:nvSpPr>
               <p:cNvPr id="29" name="テキスト ボックス 28">
@@ -4193,7 +4199,7 @@
             </p:txBody>
           </p:sp>
         </mc:Choice>
-        <mc:Fallback>
+        <mc:Fallback xmlns="">
           <p:sp>
             <p:nvSpPr>
               <p:cNvPr id="29" name="テキスト ボックス 28">
@@ -4279,8 +4285,8 @@
           </a:fontRef>
         </p:style>
       </p:cxnSp>
-      <mc:AlternateContent xmlns:mc="http://schemas.openxmlformats.org/markup-compatibility/2006">
-        <mc:Choice xmlns:a14="http://schemas.microsoft.com/office/drawing/2010/main" Requires="a14">
+      <mc:AlternateContent xmlns:mc="http://schemas.openxmlformats.org/markup-compatibility/2006" xmlns:a14="http://schemas.microsoft.com/office/drawing/2010/main">
+        <mc:Choice Requires="a14">
           <p:sp>
             <p:nvSpPr>
               <p:cNvPr id="31" name="テキスト ボックス 30">
@@ -4357,7 +4363,7 @@
             </p:txBody>
           </p:sp>
         </mc:Choice>
-        <mc:Fallback>
+        <mc:Fallback xmlns="">
           <p:sp>
             <p:nvSpPr>
               <p:cNvPr id="31" name="テキスト ボックス 30">
@@ -4443,8 +4449,8 @@
           </a:fontRef>
         </p:style>
       </p:cxnSp>
-      <mc:AlternateContent xmlns:mc="http://schemas.openxmlformats.org/markup-compatibility/2006">
-        <mc:Choice xmlns:a14="http://schemas.microsoft.com/office/drawing/2010/main" Requires="a14">
+      <mc:AlternateContent xmlns:mc="http://schemas.openxmlformats.org/markup-compatibility/2006" xmlns:a14="http://schemas.microsoft.com/office/drawing/2010/main">
+        <mc:Choice Requires="a14">
           <p:sp>
             <p:nvSpPr>
               <p:cNvPr id="33" name="テキスト ボックス 32">
@@ -4533,7 +4539,7 @@
             </p:txBody>
           </p:sp>
         </mc:Choice>
-        <mc:Fallback>
+        <mc:Fallback xmlns="">
           <p:sp>
             <p:nvSpPr>
               <p:cNvPr id="33" name="テキスト ボックス 32">
@@ -4701,8 +4707,8 @@
           </a:fontRef>
         </p:style>
       </p:cxnSp>
-      <mc:AlternateContent xmlns:mc="http://schemas.openxmlformats.org/markup-compatibility/2006">
-        <mc:Choice xmlns:a14="http://schemas.microsoft.com/office/drawing/2010/main" Requires="a14">
+      <mc:AlternateContent xmlns:mc="http://schemas.openxmlformats.org/markup-compatibility/2006" xmlns:a14="http://schemas.microsoft.com/office/drawing/2010/main">
+        <mc:Choice Requires="a14">
           <p:sp>
             <p:nvSpPr>
               <p:cNvPr id="39" name="テキスト ボックス 38">
@@ -4731,6 +4737,7 @@
               </a:bodyPr>
               <a:lstStyle/>
               <a:p>
+                <a:pPr/>
                 <a14:m>
                   <m:oMathPara xmlns:m="http://schemas.openxmlformats.org/officeDocument/2006/math">
                     <m:oMathParaPr>
@@ -4751,7 +4758,7 @@
             </p:txBody>
           </p:sp>
         </mc:Choice>
-        <mc:Fallback>
+        <mc:Fallback xmlns="">
           <p:sp>
             <p:nvSpPr>
               <p:cNvPr id="39" name="テキスト ボックス 38">
@@ -4828,6 +4835,1232 @@
       </p:grpSpPr>
       <p:sp>
         <p:nvSpPr>
+          <p:cNvPr id="2" name="正方形/長方形 1">
+            <a:extLst>
+              <a:ext uri="{FF2B5EF4-FFF2-40B4-BE49-F238E27FC236}">
+                <a16:creationId xmlns:a16="http://schemas.microsoft.com/office/drawing/2014/main" id="{22DB38B0-00D8-49A3-8CB1-ABC347C98654}"/>
+              </a:ext>
+            </a:extLst>
+          </p:cNvPr>
+          <p:cNvSpPr/>
+          <p:nvPr/>
+        </p:nvSpPr>
+        <p:spPr>
+          <a:xfrm>
+            <a:off x="1496960" y="2560596"/>
+            <a:ext cx="2067461" cy="584775"/>
+          </a:xfrm>
+          <a:prstGeom prst="rect">
+            <a:avLst/>
+          </a:prstGeom>
+          <a:solidFill>
+            <a:schemeClr val="accent1">
+              <a:lumMod val="50000"/>
+            </a:schemeClr>
+          </a:solidFill>
+          <a:ln>
+            <a:solidFill>
+              <a:schemeClr val="tx2">
+                <a:lumMod val="50000"/>
+              </a:schemeClr>
+            </a:solidFill>
+          </a:ln>
+        </p:spPr>
+        <p:style>
+          <a:lnRef idx="2">
+            <a:schemeClr val="accent1">
+              <a:shade val="50000"/>
+            </a:schemeClr>
+          </a:lnRef>
+          <a:fillRef idx="1">
+            <a:schemeClr val="accent1"/>
+          </a:fillRef>
+          <a:effectRef idx="0">
+            <a:schemeClr val="accent1"/>
+          </a:effectRef>
+          <a:fontRef idx="minor">
+            <a:schemeClr val="lt1"/>
+          </a:fontRef>
+        </p:style>
+        <p:txBody>
+          <a:bodyPr rtlCol="0" anchor="ctr"/>
+          <a:lstStyle/>
+          <a:p>
+            <a:pPr algn="ctr"/>
+            <a:r>
+              <a:rPr kumimoji="1" lang="ja-JP" altLang="en-US" sz="2400" dirty="0">
+                <a:latin typeface="ＭＳ Ｐゴシック" panose="020B0600070205080204" pitchFamily="50" charset="-128"/>
+                <a:ea typeface="ＭＳ Ｐゴシック" panose="020B0600070205080204" pitchFamily="50" charset="-128"/>
+              </a:rPr>
+              <a:t>世界座標系 </a:t>
+            </a:r>
+            <a:r>
+              <a:rPr kumimoji="1" lang="en-US" altLang="ja-JP" sz="2400" dirty="0">
+                <a:latin typeface="ＭＳ Ｐゴシック" panose="020B0600070205080204" pitchFamily="50" charset="-128"/>
+                <a:ea typeface="ＭＳ Ｐゴシック" panose="020B0600070205080204" pitchFamily="50" charset="-128"/>
+              </a:rPr>
+              <a:t>W</a:t>
+            </a:r>
+            <a:endParaRPr kumimoji="1" lang="ja-JP" altLang="en-US" sz="2400" dirty="0">
+              <a:latin typeface="ＭＳ Ｐゴシック" panose="020B0600070205080204" pitchFamily="50" charset="-128"/>
+              <a:ea typeface="ＭＳ Ｐゴシック" panose="020B0600070205080204" pitchFamily="50" charset="-128"/>
+            </a:endParaRPr>
+          </a:p>
+        </p:txBody>
+      </p:sp>
+      <p:sp>
+        <p:nvSpPr>
+          <p:cNvPr id="20" name="正方形/長方形 19">
+            <a:extLst>
+              <a:ext uri="{FF2B5EF4-FFF2-40B4-BE49-F238E27FC236}">
+                <a16:creationId xmlns:a16="http://schemas.microsoft.com/office/drawing/2014/main" id="{686E6AC7-E732-43AE-96BE-AAE92851EDFB}"/>
+              </a:ext>
+            </a:extLst>
+          </p:cNvPr>
+          <p:cNvSpPr/>
+          <p:nvPr/>
+        </p:nvSpPr>
+        <p:spPr>
+          <a:xfrm>
+            <a:off x="4592222" y="1260161"/>
+            <a:ext cx="2013087" cy="584775"/>
+          </a:xfrm>
+          <a:prstGeom prst="rect">
+            <a:avLst/>
+          </a:prstGeom>
+          <a:solidFill>
+            <a:schemeClr val="accent2">
+              <a:lumMod val="75000"/>
+            </a:schemeClr>
+          </a:solidFill>
+          <a:ln>
+            <a:solidFill>
+              <a:schemeClr val="accent2">
+                <a:lumMod val="50000"/>
+              </a:schemeClr>
+            </a:solidFill>
+          </a:ln>
+        </p:spPr>
+        <p:style>
+          <a:lnRef idx="2">
+            <a:schemeClr val="accent1">
+              <a:shade val="50000"/>
+            </a:schemeClr>
+          </a:lnRef>
+          <a:fillRef idx="1">
+            <a:schemeClr val="accent1"/>
+          </a:fillRef>
+          <a:effectRef idx="0">
+            <a:schemeClr val="accent1"/>
+          </a:effectRef>
+          <a:fontRef idx="minor">
+            <a:schemeClr val="lt1"/>
+          </a:fontRef>
+        </p:style>
+        <p:txBody>
+          <a:bodyPr rtlCol="0" anchor="ctr"/>
+          <a:lstStyle/>
+          <a:p>
+            <a:pPr algn="ctr"/>
+            <a:r>
+              <a:rPr lang="ja-JP" altLang="en-US" sz="2400" dirty="0">
+                <a:latin typeface="ＭＳ Ｐゴシック" panose="020B0600070205080204" pitchFamily="50" charset="-128"/>
+                <a:ea typeface="ＭＳ Ｐゴシック" panose="020B0600070205080204" pitchFamily="50" charset="-128"/>
+              </a:rPr>
+              <a:t>体内</a:t>
+            </a:r>
+            <a:r>
+              <a:rPr kumimoji="1" lang="ja-JP" altLang="en-US" sz="2400" dirty="0">
+                <a:latin typeface="ＭＳ Ｐゴシック" panose="020B0600070205080204" pitchFamily="50" charset="-128"/>
+                <a:ea typeface="ＭＳ Ｐゴシック" panose="020B0600070205080204" pitchFamily="50" charset="-128"/>
+              </a:rPr>
+              <a:t>座標系 </a:t>
+            </a:r>
+            <a:r>
+              <a:rPr kumimoji="1" lang="en-US" altLang="ja-JP" sz="2400" dirty="0">
+                <a:latin typeface="ＭＳ Ｐゴシック" panose="020B0600070205080204" pitchFamily="50" charset="-128"/>
+                <a:ea typeface="ＭＳ Ｐゴシック" panose="020B0600070205080204" pitchFamily="50" charset="-128"/>
+              </a:rPr>
+              <a:t>A</a:t>
+            </a:r>
+            <a:endParaRPr kumimoji="1" lang="ja-JP" altLang="en-US" sz="2400" dirty="0">
+              <a:latin typeface="ＭＳ Ｐゴシック" panose="020B0600070205080204" pitchFamily="50" charset="-128"/>
+              <a:ea typeface="ＭＳ Ｐゴシック" panose="020B0600070205080204" pitchFamily="50" charset="-128"/>
+            </a:endParaRPr>
+          </a:p>
+        </p:txBody>
+      </p:sp>
+      <p:sp>
+        <p:nvSpPr>
+          <p:cNvPr id="5" name="正方形/長方形 4">
+            <a:extLst>
+              <a:ext uri="{FF2B5EF4-FFF2-40B4-BE49-F238E27FC236}">
+                <a16:creationId xmlns:a16="http://schemas.microsoft.com/office/drawing/2014/main" id="{122B7469-D09F-48C7-A7BB-5F6A9038380C}"/>
+              </a:ext>
+            </a:extLst>
+          </p:cNvPr>
+          <p:cNvSpPr/>
+          <p:nvPr/>
+        </p:nvSpPr>
+        <p:spPr>
+          <a:xfrm>
+            <a:off x="1289185" y="205618"/>
+            <a:ext cx="5583420" cy="914400"/>
+          </a:xfrm>
+          <a:prstGeom prst="rect">
+            <a:avLst/>
+          </a:prstGeom>
+        </p:spPr>
+        <p:style>
+          <a:lnRef idx="2">
+            <a:schemeClr val="accent1">
+              <a:shade val="50000"/>
+            </a:schemeClr>
+          </a:lnRef>
+          <a:fillRef idx="1">
+            <a:schemeClr val="accent1"/>
+          </a:fillRef>
+          <a:effectRef idx="0">
+            <a:schemeClr val="accent1"/>
+          </a:effectRef>
+          <a:fontRef idx="minor">
+            <a:schemeClr val="lt1"/>
+          </a:fontRef>
+        </p:style>
+        <p:txBody>
+          <a:bodyPr rtlCol="0" anchor="ctr"/>
+          <a:lstStyle/>
+          <a:p>
+            <a:pPr algn="ctr"/>
+            <a:r>
+              <a:rPr kumimoji="1" lang="ja-JP" altLang="en-US" sz="2800" dirty="0">
+                <a:latin typeface="ＭＳ Ｐゴシック" panose="020B0600070205080204" pitchFamily="50" charset="-128"/>
+                <a:ea typeface="ＭＳ Ｐゴシック" panose="020B0600070205080204" pitchFamily="50" charset="-128"/>
+              </a:rPr>
+              <a:t>体内座標系の原点を世界座標系を</a:t>
+            </a:r>
+            <a:endParaRPr kumimoji="1" lang="en-US" altLang="ja-JP" sz="2800" dirty="0">
+              <a:latin typeface="ＭＳ Ｐゴシック" panose="020B0600070205080204" pitchFamily="50" charset="-128"/>
+              <a:ea typeface="ＭＳ Ｐゴシック" panose="020B0600070205080204" pitchFamily="50" charset="-128"/>
+            </a:endParaRPr>
+          </a:p>
+          <a:p>
+            <a:pPr algn="ctr"/>
+            <a:r>
+              <a:rPr kumimoji="1" lang="ja-JP" altLang="en-US" sz="2800" dirty="0">
+                <a:latin typeface="ＭＳ Ｐゴシック" panose="020B0600070205080204" pitchFamily="50" charset="-128"/>
+                <a:ea typeface="ＭＳ Ｐゴシック" panose="020B0600070205080204" pitchFamily="50" charset="-128"/>
+              </a:rPr>
+              <a:t>並進移動のみで表せる場合</a:t>
+            </a:r>
+          </a:p>
+        </p:txBody>
+      </p:sp>
+      <p:cxnSp>
+        <p:nvCxnSpPr>
+          <p:cNvPr id="25" name="直線矢印コネクタ 24">
+            <a:extLst>
+              <a:ext uri="{FF2B5EF4-FFF2-40B4-BE49-F238E27FC236}">
+                <a16:creationId xmlns:a16="http://schemas.microsoft.com/office/drawing/2014/main" id="{E8E22A49-667F-4573-A8CE-4C00AFF31DCE}"/>
+              </a:ext>
+            </a:extLst>
+          </p:cNvPr>
+          <p:cNvCxnSpPr>
+            <a:cxnSpLocks/>
+          </p:cNvCxnSpPr>
+          <p:nvPr/>
+        </p:nvCxnSpPr>
+        <p:spPr>
+          <a:xfrm flipV="1">
+            <a:off x="2487440" y="3611863"/>
+            <a:ext cx="0" cy="2004182"/>
+          </a:xfrm>
+          <a:prstGeom prst="straightConnector1">
+            <a:avLst/>
+          </a:prstGeom>
+          <a:ln w="76200">
+            <a:tailEnd type="triangle"/>
+          </a:ln>
+        </p:spPr>
+        <p:style>
+          <a:lnRef idx="1">
+            <a:schemeClr val="dk1"/>
+          </a:lnRef>
+          <a:fillRef idx="0">
+            <a:schemeClr val="dk1"/>
+          </a:fillRef>
+          <a:effectRef idx="0">
+            <a:schemeClr val="dk1"/>
+          </a:effectRef>
+          <a:fontRef idx="minor">
+            <a:schemeClr val="tx1"/>
+          </a:fontRef>
+        </p:style>
+      </p:cxnSp>
+      <p:cxnSp>
+        <p:nvCxnSpPr>
+          <p:cNvPr id="26" name="直線矢印コネクタ 25">
+            <a:extLst>
+              <a:ext uri="{FF2B5EF4-FFF2-40B4-BE49-F238E27FC236}">
+                <a16:creationId xmlns:a16="http://schemas.microsoft.com/office/drawing/2014/main" id="{06EC8E29-7474-4EA2-B413-DA5855643282}"/>
+              </a:ext>
+            </a:extLst>
+          </p:cNvPr>
+          <p:cNvCxnSpPr>
+            <a:cxnSpLocks/>
+          </p:cNvCxnSpPr>
+          <p:nvPr/>
+        </p:nvCxnSpPr>
+        <p:spPr>
+          <a:xfrm flipV="1">
+            <a:off x="2459431" y="5582488"/>
+            <a:ext cx="1445936" cy="1"/>
+          </a:xfrm>
+          <a:prstGeom prst="straightConnector1">
+            <a:avLst/>
+          </a:prstGeom>
+          <a:ln w="76200">
+            <a:tailEnd type="triangle"/>
+          </a:ln>
+        </p:spPr>
+        <p:style>
+          <a:lnRef idx="1">
+            <a:schemeClr val="dk1"/>
+          </a:lnRef>
+          <a:fillRef idx="0">
+            <a:schemeClr val="dk1"/>
+          </a:fillRef>
+          <a:effectRef idx="0">
+            <a:schemeClr val="dk1"/>
+          </a:effectRef>
+          <a:fontRef idx="minor">
+            <a:schemeClr val="tx1"/>
+          </a:fontRef>
+        </p:style>
+      </p:cxnSp>
+      <mc:AlternateContent xmlns:mc="http://schemas.openxmlformats.org/markup-compatibility/2006">
+        <mc:Choice xmlns:a14="http://schemas.microsoft.com/office/drawing/2010/main" Requires="a14">
+          <p:sp>
+            <p:nvSpPr>
+              <p:cNvPr id="29" name="テキスト ボックス 28">
+                <a:extLst>
+                  <a:ext uri="{FF2B5EF4-FFF2-40B4-BE49-F238E27FC236}">
+                    <a16:creationId xmlns:a16="http://schemas.microsoft.com/office/drawing/2014/main" id="{9442C12C-52DE-400D-868D-9AAB947F31BA}"/>
+                  </a:ext>
+                </a:extLst>
+              </p:cNvPr>
+              <p:cNvSpPr txBox="1"/>
+              <p:nvPr/>
+            </p:nvSpPr>
+            <p:spPr>
+              <a:xfrm>
+                <a:off x="4059461" y="4399489"/>
+                <a:ext cx="902837" cy="650306"/>
+              </a:xfrm>
+              <a:prstGeom prst="rect">
+                <a:avLst/>
+              </a:prstGeom>
+              <a:noFill/>
+            </p:spPr>
+            <p:txBody>
+              <a:bodyPr wrap="square" rtlCol="0">
+                <a:spAutoFit/>
+              </a:bodyPr>
+              <a:lstStyle/>
+              <a:p>
+                <a:pPr/>
+                <a14:m>
+                  <m:oMathPara xmlns:m="http://schemas.openxmlformats.org/officeDocument/2006/math">
+                    <m:oMathParaPr>
+                      <m:jc m:val="centerGroup"/>
+                    </m:oMathParaPr>
+                    <m:oMath xmlns:m="http://schemas.openxmlformats.org/officeDocument/2006/math">
+                      <m:sPre>
+                        <m:sPrePr>
+                          <m:ctrlPr>
+                            <a:rPr kumimoji="1" lang="en-US" altLang="ja-JP" sz="3200" i="1" smtClean="0">
+                              <a:latin typeface="Cambria Math" panose="02040503050406030204" pitchFamily="18" charset="0"/>
+                            </a:rPr>
+                          </m:ctrlPr>
+                        </m:sPrePr>
+                        <m:sub/>
+                        <m:sup>
+                          <m:r>
+                            <a:rPr lang="en-US" altLang="ja-JP" sz="3200" b="0" i="1" smtClean="0">
+                              <a:latin typeface="Cambria Math" panose="02040503050406030204" pitchFamily="18" charset="0"/>
+                            </a:rPr>
+                            <m:t>𝑤</m:t>
+                          </m:r>
+                        </m:sup>
+                        <m:e>
+                          <m:sSubSup>
+                            <m:sSubSupPr>
+                              <m:ctrlPr>
+                                <a:rPr lang="en-US" altLang="ja-JP" sz="3200" i="1" smtClean="0">
+                                  <a:latin typeface="Cambria Math" panose="02040503050406030204" pitchFamily="18" charset="0"/>
+                                </a:rPr>
+                              </m:ctrlPr>
+                            </m:sSubSupPr>
+                            <m:e>
+                              <m:r>
+                                <a:rPr lang="en-US" altLang="ja-JP" sz="3200" b="1" i="1" smtClean="0">
+                                  <a:latin typeface="Cambria Math" panose="02040503050406030204" pitchFamily="18" charset="0"/>
+                                </a:rPr>
+                                <m:t>𝒒</m:t>
+                              </m:r>
+                            </m:e>
+                            <m:sub>
+                              <m:r>
+                                <a:rPr lang="en-US" altLang="ja-JP" sz="3200" b="0" i="1" smtClean="0">
+                                  <a:latin typeface="Cambria Math" panose="02040503050406030204" pitchFamily="18" charset="0"/>
+                                </a:rPr>
+                                <m:t>𝑎</m:t>
+                              </m:r>
+                            </m:sub>
+                            <m:sup/>
+                          </m:sSubSup>
+                        </m:e>
+                      </m:sPre>
+                    </m:oMath>
+                  </m:oMathPara>
+                </a14:m>
+                <a:endParaRPr kumimoji="1" lang="ja-JP" altLang="en-US" sz="3200" dirty="0"/>
+              </a:p>
+            </p:txBody>
+          </p:sp>
+        </mc:Choice>
+        <mc:Fallback>
+          <p:sp>
+            <p:nvSpPr>
+              <p:cNvPr id="29" name="テキスト ボックス 28">
+                <a:extLst>
+                  <a:ext uri="{FF2B5EF4-FFF2-40B4-BE49-F238E27FC236}">
+                    <a16:creationId xmlns:a16="http://schemas.microsoft.com/office/drawing/2014/main" id="{9442C12C-52DE-400D-868D-9AAB947F31BA}"/>
+                  </a:ext>
+                </a:extLst>
+              </p:cNvPr>
+              <p:cNvSpPr txBox="1">
+                <a:spLocks noRot="1" noChangeAspect="1" noMove="1" noResize="1" noEditPoints="1" noAdjustHandles="1" noChangeArrowheads="1" noChangeShapeType="1" noTextEdit="1"/>
+              </p:cNvSpPr>
+              <p:nvPr/>
+            </p:nvSpPr>
+            <p:spPr>
+              <a:xfrm>
+                <a:off x="4059461" y="4399489"/>
+                <a:ext cx="902837" cy="650306"/>
+              </a:xfrm>
+              <a:prstGeom prst="rect">
+                <a:avLst/>
+              </a:prstGeom>
+              <a:blipFill>
+                <a:blip r:embed="rId2"/>
+                <a:stretch>
+                  <a:fillRect/>
+                </a:stretch>
+              </a:blipFill>
+            </p:spPr>
+            <p:txBody>
+              <a:bodyPr/>
+              <a:lstStyle/>
+              <a:p>
+                <a:r>
+                  <a:rPr lang="ja-JP" altLang="en-US">
+                    <a:noFill/>
+                  </a:rPr>
+                  <a:t> </a:t>
+                </a:r>
+              </a:p>
+            </p:txBody>
+          </p:sp>
+        </mc:Fallback>
+      </mc:AlternateContent>
+      <p:cxnSp>
+        <p:nvCxnSpPr>
+          <p:cNvPr id="32" name="直線矢印コネクタ 31">
+            <a:extLst>
+              <a:ext uri="{FF2B5EF4-FFF2-40B4-BE49-F238E27FC236}">
+                <a16:creationId xmlns:a16="http://schemas.microsoft.com/office/drawing/2014/main" id="{AE2A24DD-36AA-406F-8351-C003E225DD56}"/>
+              </a:ext>
+            </a:extLst>
+          </p:cNvPr>
+          <p:cNvCxnSpPr>
+            <a:cxnSpLocks/>
+          </p:cNvCxnSpPr>
+          <p:nvPr/>
+        </p:nvCxnSpPr>
+        <p:spPr>
+          <a:xfrm flipV="1">
+            <a:off x="2651185" y="3686829"/>
+            <a:ext cx="2499418" cy="1844424"/>
+          </a:xfrm>
+          <a:prstGeom prst="straightConnector1">
+            <a:avLst/>
+          </a:prstGeom>
+          <a:ln w="38100">
+            <a:tailEnd type="triangle"/>
+          </a:ln>
+        </p:spPr>
+        <p:style>
+          <a:lnRef idx="1">
+            <a:schemeClr val="dk1"/>
+          </a:lnRef>
+          <a:fillRef idx="0">
+            <a:schemeClr val="dk1"/>
+          </a:fillRef>
+          <a:effectRef idx="0">
+            <a:schemeClr val="dk1"/>
+          </a:effectRef>
+          <a:fontRef idx="minor">
+            <a:schemeClr val="tx1"/>
+          </a:fontRef>
+        </p:style>
+      </p:cxnSp>
+      <p:cxnSp>
+        <p:nvCxnSpPr>
+          <p:cNvPr id="34" name="直線矢印コネクタ 33">
+            <a:extLst>
+              <a:ext uri="{FF2B5EF4-FFF2-40B4-BE49-F238E27FC236}">
+                <a16:creationId xmlns:a16="http://schemas.microsoft.com/office/drawing/2014/main" id="{0276690A-1598-4DDD-A64D-52D244C6D970}"/>
+              </a:ext>
+            </a:extLst>
+          </p:cNvPr>
+          <p:cNvCxnSpPr>
+            <a:cxnSpLocks/>
+          </p:cNvCxnSpPr>
+          <p:nvPr/>
+        </p:nvCxnSpPr>
+        <p:spPr>
+          <a:xfrm flipV="1">
+            <a:off x="5145087" y="2299742"/>
+            <a:ext cx="0" cy="1317108"/>
+          </a:xfrm>
+          <a:prstGeom prst="straightConnector1">
+            <a:avLst/>
+          </a:prstGeom>
+          <a:ln w="57150">
+            <a:tailEnd type="triangle"/>
+          </a:ln>
+        </p:spPr>
+        <p:style>
+          <a:lnRef idx="1">
+            <a:schemeClr val="dk1"/>
+          </a:lnRef>
+          <a:fillRef idx="0">
+            <a:schemeClr val="dk1"/>
+          </a:fillRef>
+          <a:effectRef idx="0">
+            <a:schemeClr val="dk1"/>
+          </a:effectRef>
+          <a:fontRef idx="minor">
+            <a:schemeClr val="tx1"/>
+          </a:fontRef>
+        </p:style>
+      </p:cxnSp>
+      <p:cxnSp>
+        <p:nvCxnSpPr>
+          <p:cNvPr id="37" name="直線矢印コネクタ 36">
+            <a:extLst>
+              <a:ext uri="{FF2B5EF4-FFF2-40B4-BE49-F238E27FC236}">
+                <a16:creationId xmlns:a16="http://schemas.microsoft.com/office/drawing/2014/main" id="{9CF37CA9-53E8-46E4-8AFB-FF9AE82D547F}"/>
+              </a:ext>
+            </a:extLst>
+          </p:cNvPr>
+          <p:cNvCxnSpPr>
+            <a:cxnSpLocks/>
+          </p:cNvCxnSpPr>
+          <p:nvPr/>
+        </p:nvCxnSpPr>
+        <p:spPr>
+          <a:xfrm>
+            <a:off x="5117026" y="3630172"/>
+            <a:ext cx="963481" cy="0"/>
+          </a:xfrm>
+          <a:prstGeom prst="straightConnector1">
+            <a:avLst/>
+          </a:prstGeom>
+          <a:ln w="57150">
+            <a:tailEnd type="triangle"/>
+          </a:ln>
+        </p:spPr>
+        <p:style>
+          <a:lnRef idx="1">
+            <a:schemeClr val="dk1"/>
+          </a:lnRef>
+          <a:fillRef idx="0">
+            <a:schemeClr val="dk1"/>
+          </a:fillRef>
+          <a:effectRef idx="0">
+            <a:schemeClr val="dk1"/>
+          </a:effectRef>
+          <a:fontRef idx="minor">
+            <a:schemeClr val="tx1"/>
+          </a:fontRef>
+        </p:style>
+      </p:cxnSp>
+      <p:sp>
+        <p:nvSpPr>
+          <p:cNvPr id="6" name="正方形/長方形 5">
+            <a:extLst>
+              <a:ext uri="{FF2B5EF4-FFF2-40B4-BE49-F238E27FC236}">
+                <a16:creationId xmlns:a16="http://schemas.microsoft.com/office/drawing/2014/main" id="{A5AD69C9-5AC9-4B33-9F33-3FC74B4C88E5}"/>
+              </a:ext>
+            </a:extLst>
+          </p:cNvPr>
+          <p:cNvSpPr/>
+          <p:nvPr/>
+        </p:nvSpPr>
+        <p:spPr>
+          <a:xfrm>
+            <a:off x="5158768" y="2606160"/>
+            <a:ext cx="660857" cy="1005703"/>
+          </a:xfrm>
+          <a:prstGeom prst="rect">
+            <a:avLst/>
+          </a:prstGeom>
+          <a:solidFill>
+            <a:schemeClr val="accent6">
+              <a:lumMod val="60000"/>
+              <a:lumOff val="40000"/>
+            </a:schemeClr>
+          </a:solidFill>
+          <a:ln>
+            <a:solidFill>
+              <a:schemeClr val="accent6">
+                <a:lumMod val="50000"/>
+              </a:schemeClr>
+            </a:solidFill>
+          </a:ln>
+        </p:spPr>
+        <p:style>
+          <a:lnRef idx="2">
+            <a:schemeClr val="accent1">
+              <a:shade val="50000"/>
+            </a:schemeClr>
+          </a:lnRef>
+          <a:fillRef idx="1">
+            <a:schemeClr val="accent1"/>
+          </a:fillRef>
+          <a:effectRef idx="0">
+            <a:schemeClr val="accent1"/>
+          </a:effectRef>
+          <a:fontRef idx="minor">
+            <a:schemeClr val="lt1"/>
+          </a:fontRef>
+        </p:style>
+        <p:txBody>
+          <a:bodyPr rtlCol="0" anchor="ctr"/>
+          <a:lstStyle/>
+          <a:p>
+            <a:pPr algn="ctr"/>
+            <a:endParaRPr kumimoji="1" lang="ja-JP" altLang="en-US"/>
+          </a:p>
+        </p:txBody>
+      </p:sp>
+      <p:cxnSp>
+        <p:nvCxnSpPr>
+          <p:cNvPr id="38" name="直線矢印コネクタ 37">
+            <a:extLst>
+              <a:ext uri="{FF2B5EF4-FFF2-40B4-BE49-F238E27FC236}">
+                <a16:creationId xmlns:a16="http://schemas.microsoft.com/office/drawing/2014/main" id="{4B299CE8-462D-413B-AC8D-C1557DEA8467}"/>
+              </a:ext>
+            </a:extLst>
+          </p:cNvPr>
+          <p:cNvCxnSpPr>
+            <a:cxnSpLocks/>
+          </p:cNvCxnSpPr>
+          <p:nvPr/>
+        </p:nvCxnSpPr>
+        <p:spPr>
+          <a:xfrm flipH="1">
+            <a:off x="2515450" y="3653273"/>
+            <a:ext cx="2513087" cy="1840298"/>
+          </a:xfrm>
+          <a:prstGeom prst="straightConnector1">
+            <a:avLst/>
+          </a:prstGeom>
+          <a:ln w="38100">
+            <a:tailEnd type="triangle"/>
+          </a:ln>
+        </p:spPr>
+        <p:style>
+          <a:lnRef idx="1">
+            <a:schemeClr val="dk1"/>
+          </a:lnRef>
+          <a:fillRef idx="0">
+            <a:schemeClr val="dk1"/>
+          </a:fillRef>
+          <a:effectRef idx="0">
+            <a:schemeClr val="dk1"/>
+          </a:effectRef>
+          <a:fontRef idx="minor">
+            <a:schemeClr val="tx1"/>
+          </a:fontRef>
+        </p:style>
+      </p:cxnSp>
+      <mc:AlternateContent xmlns:mc="http://schemas.openxmlformats.org/markup-compatibility/2006">
+        <mc:Choice xmlns:a14="http://schemas.microsoft.com/office/drawing/2010/main" Requires="a14">
+          <p:sp>
+            <p:nvSpPr>
+              <p:cNvPr id="40" name="テキスト ボックス 39">
+                <a:extLst>
+                  <a:ext uri="{FF2B5EF4-FFF2-40B4-BE49-F238E27FC236}">
+                    <a16:creationId xmlns:a16="http://schemas.microsoft.com/office/drawing/2014/main" id="{25880AA9-1118-483A-86F3-0A463DEE3591}"/>
+                  </a:ext>
+                </a:extLst>
+              </p:cNvPr>
+              <p:cNvSpPr txBox="1"/>
+              <p:nvPr/>
+            </p:nvSpPr>
+            <p:spPr>
+              <a:xfrm>
+                <a:off x="3113003" y="3759206"/>
+                <a:ext cx="902837" cy="650434"/>
+              </a:xfrm>
+              <a:prstGeom prst="rect">
+                <a:avLst/>
+              </a:prstGeom>
+              <a:noFill/>
+            </p:spPr>
+            <p:txBody>
+              <a:bodyPr wrap="square" rtlCol="0">
+                <a:spAutoFit/>
+              </a:bodyPr>
+              <a:lstStyle/>
+              <a:p>
+                <a:pPr/>
+                <a14:m>
+                  <m:oMathPara xmlns:m="http://schemas.openxmlformats.org/officeDocument/2006/math">
+                    <m:oMathParaPr>
+                      <m:jc m:val="centerGroup"/>
+                    </m:oMathParaPr>
+                    <m:oMath xmlns:m="http://schemas.openxmlformats.org/officeDocument/2006/math">
+                      <m:sPre>
+                        <m:sPrePr>
+                          <m:ctrlPr>
+                            <a:rPr kumimoji="1" lang="en-US" altLang="ja-JP" sz="3200" i="1" smtClean="0">
+                              <a:latin typeface="Cambria Math" panose="02040503050406030204" pitchFamily="18" charset="0"/>
+                            </a:rPr>
+                          </m:ctrlPr>
+                        </m:sPrePr>
+                        <m:sub/>
+                        <m:sup>
+                          <m:r>
+                            <a:rPr lang="en-US" altLang="ja-JP" sz="3200" b="0" i="1" smtClean="0">
+                              <a:latin typeface="Cambria Math" panose="02040503050406030204" pitchFamily="18" charset="0"/>
+                            </a:rPr>
+                            <m:t>𝑎</m:t>
+                          </m:r>
+                        </m:sup>
+                        <m:e>
+                          <m:sSubSup>
+                            <m:sSubSupPr>
+                              <m:ctrlPr>
+                                <a:rPr lang="en-US" altLang="ja-JP" sz="3200" i="1" smtClean="0">
+                                  <a:latin typeface="Cambria Math" panose="02040503050406030204" pitchFamily="18" charset="0"/>
+                                </a:rPr>
+                              </m:ctrlPr>
+                            </m:sSubSupPr>
+                            <m:e>
+                              <m:r>
+                                <a:rPr lang="en-US" altLang="ja-JP" sz="3200" b="1" i="1" smtClean="0">
+                                  <a:latin typeface="Cambria Math" panose="02040503050406030204" pitchFamily="18" charset="0"/>
+                                </a:rPr>
+                                <m:t>𝒒</m:t>
+                              </m:r>
+                            </m:e>
+                            <m:sub>
+                              <m:r>
+                                <a:rPr lang="en-US" altLang="ja-JP" sz="3200" b="0" i="1" smtClean="0">
+                                  <a:latin typeface="Cambria Math" panose="02040503050406030204" pitchFamily="18" charset="0"/>
+                                </a:rPr>
+                                <m:t>𝑤</m:t>
+                              </m:r>
+                            </m:sub>
+                            <m:sup/>
+                          </m:sSubSup>
+                        </m:e>
+                      </m:sPre>
+                    </m:oMath>
+                  </m:oMathPara>
+                </a14:m>
+                <a:endParaRPr kumimoji="1" lang="ja-JP" altLang="en-US" sz="3200" dirty="0"/>
+              </a:p>
+            </p:txBody>
+          </p:sp>
+        </mc:Choice>
+        <mc:Fallback>
+          <p:sp>
+            <p:nvSpPr>
+              <p:cNvPr id="40" name="テキスト ボックス 39">
+                <a:extLst>
+                  <a:ext uri="{FF2B5EF4-FFF2-40B4-BE49-F238E27FC236}">
+                    <a16:creationId xmlns:a16="http://schemas.microsoft.com/office/drawing/2014/main" id="{25880AA9-1118-483A-86F3-0A463DEE3591}"/>
+                  </a:ext>
+                </a:extLst>
+              </p:cNvPr>
+              <p:cNvSpPr txBox="1">
+                <a:spLocks noRot="1" noChangeAspect="1" noMove="1" noResize="1" noEditPoints="1" noAdjustHandles="1" noChangeArrowheads="1" noChangeShapeType="1" noTextEdit="1"/>
+              </p:cNvSpPr>
+              <p:nvPr/>
+            </p:nvSpPr>
+            <p:spPr>
+              <a:xfrm>
+                <a:off x="3113003" y="3759206"/>
+                <a:ext cx="902837" cy="650434"/>
+              </a:xfrm>
+              <a:prstGeom prst="rect">
+                <a:avLst/>
+              </a:prstGeom>
+              <a:blipFill>
+                <a:blip r:embed="rId3"/>
+                <a:stretch>
+                  <a:fillRect/>
+                </a:stretch>
+              </a:blipFill>
+            </p:spPr>
+            <p:txBody>
+              <a:bodyPr/>
+              <a:lstStyle/>
+              <a:p>
+                <a:r>
+                  <a:rPr lang="ja-JP" altLang="en-US">
+                    <a:noFill/>
+                  </a:rPr>
+                  <a:t> </a:t>
+                </a:r>
+              </a:p>
+            </p:txBody>
+          </p:sp>
+        </mc:Fallback>
+      </mc:AlternateContent>
+      <mc:AlternateContent xmlns:mc="http://schemas.openxmlformats.org/markup-compatibility/2006">
+        <mc:Choice xmlns:a14="http://schemas.microsoft.com/office/drawing/2010/main" Requires="a14">
+          <p:sp>
+            <p:nvSpPr>
+              <p:cNvPr id="41" name="テキスト ボックス 40">
+                <a:extLst>
+                  <a:ext uri="{FF2B5EF4-FFF2-40B4-BE49-F238E27FC236}">
+                    <a16:creationId xmlns:a16="http://schemas.microsoft.com/office/drawing/2014/main" id="{09EA743E-081D-476B-A05B-1988F965FE42}"/>
+                  </a:ext>
+                </a:extLst>
+              </p:cNvPr>
+              <p:cNvSpPr txBox="1"/>
+              <p:nvPr/>
+            </p:nvSpPr>
+            <p:spPr>
+              <a:xfrm>
+                <a:off x="3905367" y="5357408"/>
+                <a:ext cx="351057" cy="492443"/>
+              </a:xfrm>
+              <a:prstGeom prst="rect">
+                <a:avLst/>
+              </a:prstGeom>
+              <a:noFill/>
+            </p:spPr>
+            <p:txBody>
+              <a:bodyPr wrap="none" lIns="0" tIns="0" rIns="0" bIns="0" rtlCol="0">
+                <a:spAutoFit/>
+              </a:bodyPr>
+              <a:lstStyle/>
+              <a:p>
+                <a:pPr/>
+                <a14:m>
+                  <m:oMathPara xmlns:m="http://schemas.openxmlformats.org/officeDocument/2006/math">
+                    <m:oMathParaPr>
+                      <m:jc m:val="centerGroup"/>
+                    </m:oMathParaPr>
+                    <m:oMath xmlns:m="http://schemas.openxmlformats.org/officeDocument/2006/math">
+                      <m:r>
+                        <m:rPr>
+                          <m:sty m:val="p"/>
+                        </m:rPr>
+                        <a:rPr kumimoji="1" lang="en-US" altLang="ja-JP" sz="3200" b="0" i="0" smtClean="0">
+                          <a:latin typeface="Cambria Math" panose="02040503050406030204" pitchFamily="18" charset="0"/>
+                        </a:rPr>
+                        <m:t>X</m:t>
+                      </m:r>
+                    </m:oMath>
+                  </m:oMathPara>
+                </a14:m>
+                <a:endParaRPr kumimoji="1" lang="ja-JP" altLang="en-US" sz="3200" dirty="0"/>
+              </a:p>
+            </p:txBody>
+          </p:sp>
+        </mc:Choice>
+        <mc:Fallback>
+          <p:sp>
+            <p:nvSpPr>
+              <p:cNvPr id="41" name="テキスト ボックス 40">
+                <a:extLst>
+                  <a:ext uri="{FF2B5EF4-FFF2-40B4-BE49-F238E27FC236}">
+                    <a16:creationId xmlns:a16="http://schemas.microsoft.com/office/drawing/2014/main" id="{09EA743E-081D-476B-A05B-1988F965FE42}"/>
+                  </a:ext>
+                </a:extLst>
+              </p:cNvPr>
+              <p:cNvSpPr txBox="1">
+                <a:spLocks noRot="1" noChangeAspect="1" noMove="1" noResize="1" noEditPoints="1" noAdjustHandles="1" noChangeArrowheads="1" noChangeShapeType="1" noTextEdit="1"/>
+              </p:cNvSpPr>
+              <p:nvPr/>
+            </p:nvSpPr>
+            <p:spPr>
+              <a:xfrm>
+                <a:off x="3905367" y="5357408"/>
+                <a:ext cx="351057" cy="492443"/>
+              </a:xfrm>
+              <a:prstGeom prst="rect">
+                <a:avLst/>
+              </a:prstGeom>
+              <a:blipFill>
+                <a:blip r:embed="rId4"/>
+                <a:stretch>
+                  <a:fillRect/>
+                </a:stretch>
+              </a:blipFill>
+            </p:spPr>
+            <p:txBody>
+              <a:bodyPr/>
+              <a:lstStyle/>
+              <a:p>
+                <a:r>
+                  <a:rPr lang="ja-JP" altLang="en-US">
+                    <a:noFill/>
+                  </a:rPr>
+                  <a:t> </a:t>
+                </a:r>
+              </a:p>
+            </p:txBody>
+          </p:sp>
+        </mc:Fallback>
+      </mc:AlternateContent>
+      <mc:AlternateContent xmlns:mc="http://schemas.openxmlformats.org/markup-compatibility/2006">
+        <mc:Choice xmlns:a14="http://schemas.microsoft.com/office/drawing/2010/main" Requires="a14">
+          <p:sp>
+            <p:nvSpPr>
+              <p:cNvPr id="42" name="テキスト ボックス 41">
+                <a:extLst>
+                  <a:ext uri="{FF2B5EF4-FFF2-40B4-BE49-F238E27FC236}">
+                    <a16:creationId xmlns:a16="http://schemas.microsoft.com/office/drawing/2014/main" id="{FD523E0A-0E7C-46E6-B803-C05DDCA2B8CD}"/>
+                  </a:ext>
+                </a:extLst>
+              </p:cNvPr>
+              <p:cNvSpPr txBox="1"/>
+              <p:nvPr/>
+            </p:nvSpPr>
+            <p:spPr>
+              <a:xfrm>
+                <a:off x="2311911" y="3184736"/>
+                <a:ext cx="351058" cy="492443"/>
+              </a:xfrm>
+              <a:prstGeom prst="rect">
+                <a:avLst/>
+              </a:prstGeom>
+              <a:noFill/>
+            </p:spPr>
+            <p:txBody>
+              <a:bodyPr wrap="none" lIns="0" tIns="0" rIns="0" bIns="0" rtlCol="0">
+                <a:spAutoFit/>
+              </a:bodyPr>
+              <a:lstStyle/>
+              <a:p>
+                <a:pPr/>
+                <a14:m>
+                  <m:oMathPara xmlns:m="http://schemas.openxmlformats.org/officeDocument/2006/math">
+                    <m:oMathParaPr>
+                      <m:jc m:val="centerGroup"/>
+                    </m:oMathParaPr>
+                    <m:oMath xmlns:m="http://schemas.openxmlformats.org/officeDocument/2006/math">
+                      <m:r>
+                        <m:rPr>
+                          <m:sty m:val="p"/>
+                        </m:rPr>
+                        <a:rPr kumimoji="1" lang="en-US" altLang="ja-JP" sz="3200" b="0" i="0" smtClean="0">
+                          <a:latin typeface="Cambria Math" panose="02040503050406030204" pitchFamily="18" charset="0"/>
+                        </a:rPr>
+                        <m:t>Y</m:t>
+                      </m:r>
+                    </m:oMath>
+                  </m:oMathPara>
+                </a14:m>
+                <a:endParaRPr kumimoji="1" lang="ja-JP" altLang="en-US" sz="3200" dirty="0"/>
+              </a:p>
+            </p:txBody>
+          </p:sp>
+        </mc:Choice>
+        <mc:Fallback>
+          <p:sp>
+            <p:nvSpPr>
+              <p:cNvPr id="42" name="テキスト ボックス 41">
+                <a:extLst>
+                  <a:ext uri="{FF2B5EF4-FFF2-40B4-BE49-F238E27FC236}">
+                    <a16:creationId xmlns:a16="http://schemas.microsoft.com/office/drawing/2014/main" id="{FD523E0A-0E7C-46E6-B803-C05DDCA2B8CD}"/>
+                  </a:ext>
+                </a:extLst>
+              </p:cNvPr>
+              <p:cNvSpPr txBox="1">
+                <a:spLocks noRot="1" noChangeAspect="1" noMove="1" noResize="1" noEditPoints="1" noAdjustHandles="1" noChangeArrowheads="1" noChangeShapeType="1" noTextEdit="1"/>
+              </p:cNvSpPr>
+              <p:nvPr/>
+            </p:nvSpPr>
+            <p:spPr>
+              <a:xfrm>
+                <a:off x="2311911" y="3184736"/>
+                <a:ext cx="351058" cy="492443"/>
+              </a:xfrm>
+              <a:prstGeom prst="rect">
+                <a:avLst/>
+              </a:prstGeom>
+              <a:blipFill>
+                <a:blip r:embed="rId5"/>
+                <a:stretch>
+                  <a:fillRect/>
+                </a:stretch>
+              </a:blipFill>
+            </p:spPr>
+            <p:txBody>
+              <a:bodyPr/>
+              <a:lstStyle/>
+              <a:p>
+                <a:r>
+                  <a:rPr lang="ja-JP" altLang="en-US">
+                    <a:noFill/>
+                  </a:rPr>
+                  <a:t> </a:t>
+                </a:r>
+              </a:p>
+            </p:txBody>
+          </p:sp>
+        </mc:Fallback>
+      </mc:AlternateContent>
+      <mc:AlternateContent xmlns:mc="http://schemas.openxmlformats.org/markup-compatibility/2006">
+        <mc:Choice xmlns:a14="http://schemas.microsoft.com/office/drawing/2010/main" Requires="a14">
+          <p:sp>
+            <p:nvSpPr>
+              <p:cNvPr id="43" name="テキスト ボックス 42">
+                <a:extLst>
+                  <a:ext uri="{FF2B5EF4-FFF2-40B4-BE49-F238E27FC236}">
+                    <a16:creationId xmlns:a16="http://schemas.microsoft.com/office/drawing/2014/main" id="{A684F4EF-7398-400D-B418-FC54BEBE4D51}"/>
+                  </a:ext>
+                </a:extLst>
+              </p:cNvPr>
+              <p:cNvSpPr txBox="1"/>
+              <p:nvPr/>
+            </p:nvSpPr>
+            <p:spPr>
+              <a:xfrm>
+                <a:off x="6159132" y="3383950"/>
+                <a:ext cx="383117" cy="492443"/>
+              </a:xfrm>
+              <a:prstGeom prst="rect">
+                <a:avLst/>
+              </a:prstGeom>
+              <a:noFill/>
+            </p:spPr>
+            <p:txBody>
+              <a:bodyPr wrap="none" lIns="0" tIns="0" rIns="0" bIns="0" rtlCol="0">
+                <a:spAutoFit/>
+              </a:bodyPr>
+              <a:lstStyle/>
+              <a:p>
+                <a:pPr/>
+                <a14:m>
+                  <m:oMathPara xmlns:m="http://schemas.openxmlformats.org/officeDocument/2006/math">
+                    <m:oMathParaPr>
+                      <m:jc m:val="centerGroup"/>
+                    </m:oMathParaPr>
+                    <m:oMath xmlns:m="http://schemas.openxmlformats.org/officeDocument/2006/math">
+                      <m:r>
+                        <m:rPr>
+                          <m:sty m:val="p"/>
+                        </m:rPr>
+                        <a:rPr kumimoji="1" lang="en-US" altLang="ja-JP" sz="3200" b="0" i="0" smtClean="0">
+                          <a:latin typeface="Cambria Math" panose="02040503050406030204" pitchFamily="18" charset="0"/>
+                        </a:rPr>
+                        <m:t>U</m:t>
+                      </m:r>
+                    </m:oMath>
+                  </m:oMathPara>
+                </a14:m>
+                <a:endParaRPr kumimoji="1" lang="ja-JP" altLang="en-US" sz="3200" dirty="0"/>
+              </a:p>
+            </p:txBody>
+          </p:sp>
+        </mc:Choice>
+        <mc:Fallback>
+          <p:sp>
+            <p:nvSpPr>
+              <p:cNvPr id="43" name="テキスト ボックス 42">
+                <a:extLst>
+                  <a:ext uri="{FF2B5EF4-FFF2-40B4-BE49-F238E27FC236}">
+                    <a16:creationId xmlns:a16="http://schemas.microsoft.com/office/drawing/2014/main" id="{A684F4EF-7398-400D-B418-FC54BEBE4D51}"/>
+                  </a:ext>
+                </a:extLst>
+              </p:cNvPr>
+              <p:cNvSpPr txBox="1">
+                <a:spLocks noRot="1" noChangeAspect="1" noMove="1" noResize="1" noEditPoints="1" noAdjustHandles="1" noChangeArrowheads="1" noChangeShapeType="1" noTextEdit="1"/>
+              </p:cNvSpPr>
+              <p:nvPr/>
+            </p:nvSpPr>
+            <p:spPr>
+              <a:xfrm>
+                <a:off x="6159132" y="3383950"/>
+                <a:ext cx="383117" cy="492443"/>
+              </a:xfrm>
+              <a:prstGeom prst="rect">
+                <a:avLst/>
+              </a:prstGeom>
+              <a:blipFill>
+                <a:blip r:embed="rId6"/>
+                <a:stretch>
+                  <a:fillRect/>
+                </a:stretch>
+              </a:blipFill>
+            </p:spPr>
+            <p:txBody>
+              <a:bodyPr/>
+              <a:lstStyle/>
+              <a:p>
+                <a:r>
+                  <a:rPr lang="ja-JP" altLang="en-US">
+                    <a:noFill/>
+                  </a:rPr>
+                  <a:t> </a:t>
+                </a:r>
+              </a:p>
+            </p:txBody>
+          </p:sp>
+        </mc:Fallback>
+      </mc:AlternateContent>
+      <mc:AlternateContent xmlns:mc="http://schemas.openxmlformats.org/markup-compatibility/2006">
+        <mc:Choice xmlns:a14="http://schemas.microsoft.com/office/drawing/2010/main" Requires="a14">
+          <p:sp>
+            <p:nvSpPr>
+              <p:cNvPr id="44" name="テキスト ボックス 43">
+                <a:extLst>
+                  <a:ext uri="{FF2B5EF4-FFF2-40B4-BE49-F238E27FC236}">
+                    <a16:creationId xmlns:a16="http://schemas.microsoft.com/office/drawing/2014/main" id="{91C78D81-3FF6-4E2C-A596-46AE99F82057}"/>
+                  </a:ext>
+                </a:extLst>
+              </p:cNvPr>
+              <p:cNvSpPr txBox="1"/>
+              <p:nvPr/>
+            </p:nvSpPr>
+            <p:spPr>
+              <a:xfrm>
+                <a:off x="4953528" y="1885127"/>
+                <a:ext cx="365485" cy="492443"/>
+              </a:xfrm>
+              <a:prstGeom prst="rect">
+                <a:avLst/>
+              </a:prstGeom>
+              <a:noFill/>
+            </p:spPr>
+            <p:txBody>
+              <a:bodyPr wrap="none" lIns="0" tIns="0" rIns="0" bIns="0" rtlCol="0">
+                <a:spAutoFit/>
+              </a:bodyPr>
+              <a:lstStyle/>
+              <a:p>
+                <a:pPr/>
+                <a14:m>
+                  <m:oMathPara xmlns:m="http://schemas.openxmlformats.org/officeDocument/2006/math">
+                    <m:oMathParaPr>
+                      <m:jc m:val="centerGroup"/>
+                    </m:oMathParaPr>
+                    <m:oMath xmlns:m="http://schemas.openxmlformats.org/officeDocument/2006/math">
+                      <m:r>
+                        <m:rPr>
+                          <m:sty m:val="p"/>
+                        </m:rPr>
+                        <a:rPr kumimoji="1" lang="en-US" altLang="ja-JP" sz="3200" b="0" i="0" smtClean="0">
+                          <a:latin typeface="Cambria Math" panose="02040503050406030204" pitchFamily="18" charset="0"/>
+                        </a:rPr>
+                        <m:t>V</m:t>
+                      </m:r>
+                    </m:oMath>
+                  </m:oMathPara>
+                </a14:m>
+                <a:endParaRPr kumimoji="1" lang="ja-JP" altLang="en-US" sz="3200" dirty="0"/>
+              </a:p>
+            </p:txBody>
+          </p:sp>
+        </mc:Choice>
+        <mc:Fallback>
+          <p:sp>
+            <p:nvSpPr>
+              <p:cNvPr id="44" name="テキスト ボックス 43">
+                <a:extLst>
+                  <a:ext uri="{FF2B5EF4-FFF2-40B4-BE49-F238E27FC236}">
+                    <a16:creationId xmlns:a16="http://schemas.microsoft.com/office/drawing/2014/main" id="{91C78D81-3FF6-4E2C-A596-46AE99F82057}"/>
+                  </a:ext>
+                </a:extLst>
+              </p:cNvPr>
+              <p:cNvSpPr txBox="1">
+                <a:spLocks noRot="1" noChangeAspect="1" noMove="1" noResize="1" noEditPoints="1" noAdjustHandles="1" noChangeArrowheads="1" noChangeShapeType="1" noTextEdit="1"/>
+              </p:cNvSpPr>
+              <p:nvPr/>
+            </p:nvSpPr>
+            <p:spPr>
+              <a:xfrm>
+                <a:off x="4953528" y="1885127"/>
+                <a:ext cx="365485" cy="492443"/>
+              </a:xfrm>
+              <a:prstGeom prst="rect">
+                <a:avLst/>
+              </a:prstGeom>
+              <a:blipFill>
+                <a:blip r:embed="rId7"/>
+                <a:stretch>
+                  <a:fillRect/>
+                </a:stretch>
+              </a:blipFill>
+            </p:spPr>
+            <p:txBody>
+              <a:bodyPr/>
+              <a:lstStyle/>
+              <a:p>
+                <a:r>
+                  <a:rPr lang="ja-JP" altLang="en-US">
+                    <a:noFill/>
+                  </a:rPr>
+                  <a:t> </a:t>
+                </a:r>
+              </a:p>
+            </p:txBody>
+          </p:sp>
+        </mc:Fallback>
+      </mc:AlternateContent>
+    </p:spTree>
+    <p:extLst>
+      <p:ext uri="{BB962C8B-B14F-4D97-AF65-F5344CB8AC3E}">
+        <p14:creationId xmlns:p14="http://schemas.microsoft.com/office/powerpoint/2010/main" val="227095301"/>
+      </p:ext>
+    </p:extLst>
+  </p:cSld>
+  <p:clrMapOvr>
+    <a:masterClrMapping/>
+  </p:clrMapOvr>
+</p:sld>
+</file>
+
+<file path=ppt/slides/slide3.xml><?xml version="1.0" encoding="utf-8"?>
+<p:sld xmlns:a="http://schemas.openxmlformats.org/drawingml/2006/main" xmlns:r="http://schemas.openxmlformats.org/officeDocument/2006/relationships" xmlns:p="http://schemas.openxmlformats.org/presentationml/2006/main">
+  <p:cSld>
+    <p:spTree>
+      <p:nvGrpSpPr>
+        <p:cNvPr id="1" name=""/>
+        <p:cNvGrpSpPr/>
+        <p:nvPr/>
+      </p:nvGrpSpPr>
+      <p:grpSpPr>
+        <a:xfrm>
+          <a:off x="0" y="0"/>
+          <a:ext cx="0" cy="0"/>
+          <a:chOff x="0" y="0"/>
+          <a:chExt cx="0" cy="0"/>
+        </a:xfrm>
+      </p:grpSpPr>
+      <p:sp>
+        <p:nvSpPr>
           <p:cNvPr id="78" name="直方体 77">
             <a:extLst>
               <a:ext uri="{FF2B5EF4-FFF2-40B4-BE49-F238E27FC236}">
@@ -5270,8 +6503,8 @@
           </a:fontRef>
         </p:style>
       </p:cxnSp>
-      <mc:AlternateContent xmlns:mc="http://schemas.openxmlformats.org/markup-compatibility/2006">
-        <mc:Choice xmlns:a14="http://schemas.microsoft.com/office/drawing/2010/main" Requires="a14">
+      <mc:AlternateContent xmlns:mc="http://schemas.openxmlformats.org/markup-compatibility/2006" xmlns:a14="http://schemas.microsoft.com/office/drawing/2010/main">
+        <mc:Choice Requires="a14">
           <p:sp>
             <p:nvSpPr>
               <p:cNvPr id="37" name="テキスト ボックス 36">
@@ -5352,7 +6585,7 @@
             </p:txBody>
           </p:sp>
         </mc:Choice>
-        <mc:Fallback>
+        <mc:Fallback xmlns="">
           <p:sp>
             <p:nvSpPr>
               <p:cNvPr id="37" name="テキスト ボックス 36">
@@ -5397,8 +6630,8 @@
           </p:sp>
         </mc:Fallback>
       </mc:AlternateContent>
-      <mc:AlternateContent xmlns:mc="http://schemas.openxmlformats.org/markup-compatibility/2006">
-        <mc:Choice xmlns:a14="http://schemas.microsoft.com/office/drawing/2010/main" Requires="a14">
+      <mc:AlternateContent xmlns:mc="http://schemas.openxmlformats.org/markup-compatibility/2006" xmlns:a14="http://schemas.microsoft.com/office/drawing/2010/main">
+        <mc:Choice Requires="a14">
           <p:sp>
             <p:nvSpPr>
               <p:cNvPr id="38" name="テキスト ボックス 37">
@@ -5467,7 +6700,7 @@
             </p:txBody>
           </p:sp>
         </mc:Choice>
-        <mc:Fallback>
+        <mc:Fallback xmlns="">
           <p:sp>
             <p:nvSpPr>
               <p:cNvPr id="38" name="テキスト ボックス 37">
@@ -5553,8 +6786,8 @@
           </a:fontRef>
         </p:style>
       </p:cxnSp>
-      <mc:AlternateContent xmlns:mc="http://schemas.openxmlformats.org/markup-compatibility/2006">
-        <mc:Choice xmlns:a14="http://schemas.microsoft.com/office/drawing/2010/main" Requires="a14">
+      <mc:AlternateContent xmlns:mc="http://schemas.openxmlformats.org/markup-compatibility/2006" xmlns:a14="http://schemas.microsoft.com/office/drawing/2010/main">
+        <mc:Choice Requires="a14">
           <p:sp>
             <p:nvSpPr>
               <p:cNvPr id="23" name="テキスト ボックス 22">
@@ -5583,6 +6816,7 @@
               </a:bodyPr>
               <a:lstStyle/>
               <a:p>
+                <a:pPr/>
                 <a14:m>
                   <m:oMathPara xmlns:m="http://schemas.openxmlformats.org/officeDocument/2006/math">
                     <m:oMathParaPr>
@@ -5603,7 +6837,7 @@
             </p:txBody>
           </p:sp>
         </mc:Choice>
-        <mc:Fallback>
+        <mc:Fallback xmlns="">
           <p:sp>
             <p:nvSpPr>
               <p:cNvPr id="23" name="テキスト ボックス 22">
@@ -5648,8 +6882,8 @@
           </p:sp>
         </mc:Fallback>
       </mc:AlternateContent>
-      <mc:AlternateContent xmlns:mc="http://schemas.openxmlformats.org/markup-compatibility/2006">
-        <mc:Choice xmlns:a14="http://schemas.microsoft.com/office/drawing/2010/main" Requires="a14">
+      <mc:AlternateContent xmlns:mc="http://schemas.openxmlformats.org/markup-compatibility/2006" xmlns:a14="http://schemas.microsoft.com/office/drawing/2010/main">
+        <mc:Choice Requires="a14">
           <p:sp>
             <p:nvSpPr>
               <p:cNvPr id="25" name="テキスト ボックス 24">
@@ -5718,7 +6952,7 @@
             </p:txBody>
           </p:sp>
         </mc:Choice>
-        <mc:Fallback>
+        <mc:Fallback xmlns="">
           <p:sp>
             <p:nvSpPr>
               <p:cNvPr id="25" name="テキスト ボックス 24">
@@ -5763,8 +6997,8 @@
           </p:sp>
         </mc:Fallback>
       </mc:AlternateContent>
-      <mc:AlternateContent xmlns:mc="http://schemas.openxmlformats.org/markup-compatibility/2006">
-        <mc:Choice xmlns:a14="http://schemas.microsoft.com/office/drawing/2010/main" Requires="a14">
+      <mc:AlternateContent xmlns:mc="http://schemas.openxmlformats.org/markup-compatibility/2006" xmlns:a14="http://schemas.microsoft.com/office/drawing/2010/main">
+        <mc:Choice Requires="a14">
           <p:sp>
             <p:nvSpPr>
               <p:cNvPr id="26" name="テキスト ボックス 25">
@@ -5793,6 +7027,7 @@
               </a:bodyPr>
               <a:lstStyle/>
               <a:p>
+                <a:pPr/>
                 <a14:m>
                   <m:oMathPara xmlns:m="http://schemas.openxmlformats.org/officeDocument/2006/math">
                     <m:oMathParaPr>
@@ -5813,7 +7048,7 @@
             </p:txBody>
           </p:sp>
         </mc:Choice>
-        <mc:Fallback>
+        <mc:Fallback xmlns="">
           <p:sp>
             <p:nvSpPr>
               <p:cNvPr id="26" name="テキスト ボックス 25">
@@ -5871,7 +7106,7 @@
 </p:sld>
 </file>
 
-<file path=ppt/slides/slide3.xml><?xml version="1.0" encoding="utf-8"?>
+<file path=ppt/slides/slide4.xml><?xml version="1.0" encoding="utf-8"?>
 <p:sld xmlns:a="http://schemas.openxmlformats.org/drawingml/2006/main" xmlns:r="http://schemas.openxmlformats.org/officeDocument/2006/relationships" xmlns:p="http://schemas.openxmlformats.org/presentationml/2006/main">
   <p:cSld>
     <p:spTree>
@@ -6332,8 +7567,8 @@
           </a:fontRef>
         </p:style>
       </p:cxnSp>
-      <mc:AlternateContent xmlns:mc="http://schemas.openxmlformats.org/markup-compatibility/2006">
-        <mc:Choice xmlns:a14="http://schemas.microsoft.com/office/drawing/2010/main" Requires="a14">
+      <mc:AlternateContent xmlns:mc="http://schemas.openxmlformats.org/markup-compatibility/2006" xmlns:a14="http://schemas.microsoft.com/office/drawing/2010/main">
+        <mc:Choice Requires="a14">
           <p:sp>
             <p:nvSpPr>
               <p:cNvPr id="37" name="テキスト ボックス 36">
@@ -6414,7 +7649,7 @@
             </p:txBody>
           </p:sp>
         </mc:Choice>
-        <mc:Fallback>
+        <mc:Fallback xmlns="">
           <p:sp>
             <p:nvSpPr>
               <p:cNvPr id="37" name="テキスト ボックス 36">
@@ -6459,8 +7694,8 @@
           </p:sp>
         </mc:Fallback>
       </mc:AlternateContent>
-      <mc:AlternateContent xmlns:mc="http://schemas.openxmlformats.org/markup-compatibility/2006">
-        <mc:Choice xmlns:a14="http://schemas.microsoft.com/office/drawing/2010/main" Requires="a14">
+      <mc:AlternateContent xmlns:mc="http://schemas.openxmlformats.org/markup-compatibility/2006" xmlns:a14="http://schemas.microsoft.com/office/drawing/2010/main">
+        <mc:Choice Requires="a14">
           <p:sp>
             <p:nvSpPr>
               <p:cNvPr id="23" name="テキスト ボックス 22">
@@ -6489,6 +7724,7 @@
               </a:bodyPr>
               <a:lstStyle/>
               <a:p>
+                <a:pPr/>
                 <a14:m>
                   <m:oMathPara xmlns:m="http://schemas.openxmlformats.org/officeDocument/2006/math">
                     <m:oMathParaPr>
@@ -6509,7 +7745,7 @@
             </p:txBody>
           </p:sp>
         </mc:Choice>
-        <mc:Fallback>
+        <mc:Fallback xmlns="">
           <p:sp>
             <p:nvSpPr>
               <p:cNvPr id="23" name="テキスト ボックス 22">
@@ -6554,8 +7790,8 @@
           </p:sp>
         </mc:Fallback>
       </mc:AlternateContent>
-      <mc:AlternateContent xmlns:mc="http://schemas.openxmlformats.org/markup-compatibility/2006">
-        <mc:Choice xmlns:a14="http://schemas.microsoft.com/office/drawing/2010/main" Requires="a14">
+      <mc:AlternateContent xmlns:mc="http://schemas.openxmlformats.org/markup-compatibility/2006" xmlns:a14="http://schemas.microsoft.com/office/drawing/2010/main">
+        <mc:Choice Requires="a14">
           <p:sp>
             <p:nvSpPr>
               <p:cNvPr id="25" name="テキスト ボックス 24">
@@ -6624,7 +7860,7 @@
             </p:txBody>
           </p:sp>
         </mc:Choice>
-        <mc:Fallback>
+        <mc:Fallback xmlns="">
           <p:sp>
             <p:nvSpPr>
               <p:cNvPr id="25" name="テキスト ボックス 24">
@@ -6669,8 +7905,8 @@
           </p:sp>
         </mc:Fallback>
       </mc:AlternateContent>
-      <mc:AlternateContent xmlns:mc="http://schemas.openxmlformats.org/markup-compatibility/2006">
-        <mc:Choice xmlns:a14="http://schemas.microsoft.com/office/drawing/2010/main" Requires="a14">
+      <mc:AlternateContent xmlns:mc="http://schemas.openxmlformats.org/markup-compatibility/2006" xmlns:a14="http://schemas.microsoft.com/office/drawing/2010/main">
+        <mc:Choice Requires="a14">
           <p:sp>
             <p:nvSpPr>
               <p:cNvPr id="26" name="テキスト ボックス 25">
@@ -6699,6 +7935,7 @@
               </a:bodyPr>
               <a:lstStyle/>
               <a:p>
+                <a:pPr/>
                 <a14:m>
                   <m:oMathPara xmlns:m="http://schemas.openxmlformats.org/officeDocument/2006/math">
                     <m:oMathParaPr>
@@ -6719,7 +7956,7 @@
             </p:txBody>
           </p:sp>
         </mc:Choice>
-        <mc:Fallback>
+        <mc:Fallback xmlns="">
           <p:sp>
             <p:nvSpPr>
               <p:cNvPr id="26" name="テキスト ボックス 25">
@@ -6805,8 +8042,8 @@
           </a:fontRef>
         </p:style>
       </p:cxnSp>
-      <mc:AlternateContent xmlns:mc="http://schemas.openxmlformats.org/markup-compatibility/2006">
-        <mc:Choice xmlns:a14="http://schemas.microsoft.com/office/drawing/2010/main" Requires="a14">
+      <mc:AlternateContent xmlns:mc="http://schemas.openxmlformats.org/markup-compatibility/2006" xmlns:a14="http://schemas.microsoft.com/office/drawing/2010/main">
+        <mc:Choice Requires="a14">
           <p:sp>
             <p:nvSpPr>
               <p:cNvPr id="20" name="テキスト ボックス 19">
@@ -6883,7 +8120,7 @@
             </p:txBody>
           </p:sp>
         </mc:Choice>
-        <mc:Fallback>
+        <mc:Fallback xmlns="">
           <p:sp>
             <p:nvSpPr>
               <p:cNvPr id="20" name="テキスト ボックス 19">
@@ -6928,8 +8165,8 @@
           </p:sp>
         </mc:Fallback>
       </mc:AlternateContent>
-      <mc:AlternateContent xmlns:mc="http://schemas.openxmlformats.org/markup-compatibility/2006">
-        <mc:Choice xmlns:a14="http://schemas.microsoft.com/office/drawing/2010/main" Requires="a14">
+      <mc:AlternateContent xmlns:mc="http://schemas.openxmlformats.org/markup-compatibility/2006" xmlns:a14="http://schemas.microsoft.com/office/drawing/2010/main">
+        <mc:Choice Requires="a14">
           <p:sp>
             <p:nvSpPr>
               <p:cNvPr id="24" name="テキスト ボックス 23">
@@ -7018,7 +8255,7 @@
             </p:txBody>
           </p:sp>
         </mc:Choice>
-        <mc:Fallback>
+        <mc:Fallback xmlns="">
           <p:sp>
             <p:nvSpPr>
               <p:cNvPr id="24" name="テキスト ボックス 23">
@@ -7076,7 +8313,7 @@
 </p:sld>
 </file>
 
-<file path=ppt/slides/slide4.xml><?xml version="1.0" encoding="utf-8"?>
+<file path=ppt/slides/slide5.xml><?xml version="1.0" encoding="utf-8"?>
 <p:sld xmlns:a="http://schemas.openxmlformats.org/drawingml/2006/main" xmlns:r="http://schemas.openxmlformats.org/officeDocument/2006/relationships" xmlns:p="http://schemas.openxmlformats.org/presentationml/2006/main">
   <p:cSld>
     <p:spTree>
@@ -7433,8 +8670,8 @@
           </a:fontRef>
         </p:style>
       </p:cxnSp>
-      <mc:AlternateContent xmlns:mc="http://schemas.openxmlformats.org/markup-compatibility/2006">
-        <mc:Choice xmlns:a14="http://schemas.microsoft.com/office/drawing/2010/main" Requires="a14">
+      <mc:AlternateContent xmlns:mc="http://schemas.openxmlformats.org/markup-compatibility/2006" xmlns:a14="http://schemas.microsoft.com/office/drawing/2010/main">
+        <mc:Choice Requires="a14">
           <p:sp>
             <p:nvSpPr>
               <p:cNvPr id="37" name="テキスト ボックス 36">
@@ -7463,6 +8700,7 @@
               </a:bodyPr>
               <a:lstStyle/>
               <a:p>
+                <a:pPr/>
                 <a14:m>
                   <m:oMathPara xmlns:m="http://schemas.openxmlformats.org/officeDocument/2006/math">
                     <m:oMathParaPr>
@@ -7514,7 +8752,7 @@
             </p:txBody>
           </p:sp>
         </mc:Choice>
-        <mc:Fallback>
+        <mc:Fallback xmlns="">
           <p:sp>
             <p:nvSpPr>
               <p:cNvPr id="37" name="テキスト ボックス 36">
@@ -7559,8 +8797,8 @@
           </p:sp>
         </mc:Fallback>
       </mc:AlternateContent>
-      <mc:AlternateContent xmlns:mc="http://schemas.openxmlformats.org/markup-compatibility/2006">
-        <mc:Choice xmlns:a14="http://schemas.microsoft.com/office/drawing/2010/main" Requires="a14">
+      <mc:AlternateContent xmlns:mc="http://schemas.openxmlformats.org/markup-compatibility/2006" xmlns:a14="http://schemas.microsoft.com/office/drawing/2010/main">
+        <mc:Choice Requires="a14">
           <p:sp>
             <p:nvSpPr>
               <p:cNvPr id="38" name="テキスト ボックス 37">
@@ -7589,6 +8827,7 @@
               </a:bodyPr>
               <a:lstStyle/>
               <a:p>
+                <a:pPr/>
                 <a14:m>
                   <m:oMathPara xmlns:m="http://schemas.openxmlformats.org/officeDocument/2006/math">
                     <m:oMathParaPr>
@@ -7628,7 +8867,7 @@
             </p:txBody>
           </p:sp>
         </mc:Choice>
-        <mc:Fallback>
+        <mc:Fallback xmlns="">
           <p:sp>
             <p:nvSpPr>
               <p:cNvPr id="38" name="テキスト ボックス 37">
@@ -7714,8 +8953,8 @@
           </a:fontRef>
         </p:style>
       </p:cxnSp>
-      <mc:AlternateContent xmlns:mc="http://schemas.openxmlformats.org/markup-compatibility/2006">
-        <mc:Choice xmlns:a14="http://schemas.microsoft.com/office/drawing/2010/main" Requires="a14">
+      <mc:AlternateContent xmlns:mc="http://schemas.openxmlformats.org/markup-compatibility/2006" xmlns:a14="http://schemas.microsoft.com/office/drawing/2010/main">
+        <mc:Choice Requires="a14">
           <p:sp>
             <p:nvSpPr>
               <p:cNvPr id="45" name="テキスト ボックス 44">
@@ -7744,6 +8983,7 @@
               </a:bodyPr>
               <a:lstStyle/>
               <a:p>
+                <a:pPr/>
                 <a14:m>
                   <m:oMathPara xmlns:m="http://schemas.openxmlformats.org/officeDocument/2006/math">
                     <m:oMathParaPr>
@@ -7791,7 +9031,7 @@
             </p:txBody>
           </p:sp>
         </mc:Choice>
-        <mc:Fallback>
+        <mc:Fallback xmlns="">
           <p:sp>
             <p:nvSpPr>
               <p:cNvPr id="45" name="テキスト ボックス 44">
@@ -7877,8 +9117,8 @@
           </a:fontRef>
         </p:style>
       </p:cxnSp>
-      <mc:AlternateContent xmlns:mc="http://schemas.openxmlformats.org/markup-compatibility/2006">
-        <mc:Choice xmlns:a14="http://schemas.microsoft.com/office/drawing/2010/main" Requires="a14">
+      <mc:AlternateContent xmlns:mc="http://schemas.openxmlformats.org/markup-compatibility/2006" xmlns:a14="http://schemas.microsoft.com/office/drawing/2010/main">
+        <mc:Choice Requires="a14">
           <p:sp>
             <p:nvSpPr>
               <p:cNvPr id="49" name="テキスト ボックス 48">
@@ -7907,6 +9147,7 @@
               </a:bodyPr>
               <a:lstStyle/>
               <a:p>
+                <a:pPr/>
                 <a14:m>
                   <m:oMathPara xmlns:m="http://schemas.openxmlformats.org/officeDocument/2006/math">
                     <m:oMathParaPr>
@@ -7966,7 +9207,7 @@
             </p:txBody>
           </p:sp>
         </mc:Choice>
-        <mc:Fallback>
+        <mc:Fallback xmlns="">
           <p:sp>
             <p:nvSpPr>
               <p:cNvPr id="49" name="テキスト ボックス 48">
@@ -8151,8 +9392,8 @@
           </a:fontRef>
         </p:style>
       </p:cxnSp>
-      <mc:AlternateContent xmlns:mc="http://schemas.openxmlformats.org/markup-compatibility/2006">
-        <mc:Choice xmlns:a14="http://schemas.microsoft.com/office/drawing/2010/main" Requires="a14">
+      <mc:AlternateContent xmlns:mc="http://schemas.openxmlformats.org/markup-compatibility/2006" xmlns:a14="http://schemas.microsoft.com/office/drawing/2010/main">
+        <mc:Choice Requires="a14">
           <p:sp>
             <p:nvSpPr>
               <p:cNvPr id="62" name="テキスト ボックス 61">
@@ -8181,6 +9422,7 @@
               </a:bodyPr>
               <a:lstStyle/>
               <a:p>
+                <a:pPr/>
                 <a14:m>
                   <m:oMathPara xmlns:m="http://schemas.openxmlformats.org/officeDocument/2006/math">
                     <m:oMathParaPr>
@@ -8201,7 +9443,7 @@
             </p:txBody>
           </p:sp>
         </mc:Choice>
-        <mc:Fallback>
+        <mc:Fallback xmlns="">
           <p:sp>
             <p:nvSpPr>
               <p:cNvPr id="62" name="テキスト ボックス 61">
@@ -8520,8 +9762,8 @@
           </a:p>
         </p:txBody>
       </p:sp>
-      <mc:AlternateContent xmlns:mc="http://schemas.openxmlformats.org/markup-compatibility/2006">
-        <mc:Choice xmlns:a14="http://schemas.microsoft.com/office/drawing/2010/main" Requires="a14">
+      <mc:AlternateContent xmlns:mc="http://schemas.openxmlformats.org/markup-compatibility/2006" xmlns:a14="http://schemas.microsoft.com/office/drawing/2010/main">
+        <mc:Choice Requires="a14">
           <p:sp>
             <p:nvSpPr>
               <p:cNvPr id="91" name="テキスト ボックス 90">
@@ -8550,6 +9792,7 @@
               </a:bodyPr>
               <a:lstStyle/>
               <a:p>
+                <a:pPr/>
                 <a14:m>
                   <m:oMathPara xmlns:m="http://schemas.openxmlformats.org/officeDocument/2006/math">
                     <m:oMathParaPr>
@@ -8576,7 +9819,7 @@
             </p:txBody>
           </p:sp>
         </mc:Choice>
-        <mc:Fallback>
+        <mc:Fallback xmlns="">
           <p:sp>
             <p:nvSpPr>
               <p:cNvPr id="91" name="テキスト ボックス 90">
@@ -8662,8 +9905,8 @@
           </a:fontRef>
         </p:style>
       </p:cxnSp>
-      <mc:AlternateContent xmlns:mc="http://schemas.openxmlformats.org/markup-compatibility/2006">
-        <mc:Choice xmlns:a14="http://schemas.microsoft.com/office/drawing/2010/main" Requires="a14">
+      <mc:AlternateContent xmlns:mc="http://schemas.openxmlformats.org/markup-compatibility/2006" xmlns:a14="http://schemas.microsoft.com/office/drawing/2010/main">
+        <mc:Choice Requires="a14">
           <p:sp>
             <p:nvSpPr>
               <p:cNvPr id="93" name="テキスト ボックス 92">
@@ -8692,6 +9935,7 @@
               </a:bodyPr>
               <a:lstStyle/>
               <a:p>
+                <a:pPr/>
                 <a14:m>
                   <m:oMathPara xmlns:m="http://schemas.openxmlformats.org/officeDocument/2006/math">
                     <m:oMathParaPr>
@@ -8739,7 +9983,7 @@
             </p:txBody>
           </p:sp>
         </mc:Choice>
-        <mc:Fallback>
+        <mc:Fallback xmlns="">
           <p:sp>
             <p:nvSpPr>
               <p:cNvPr id="93" name="テキスト ボックス 92">
@@ -8839,7 +10083,7 @@
 </p:sld>
 </file>
 
-<file path=ppt/slides/slide5.xml><?xml version="1.0" encoding="utf-8"?>
+<file path=ppt/slides/slide6.xml><?xml version="1.0" encoding="utf-8"?>
 <p:sld xmlns:a="http://schemas.openxmlformats.org/drawingml/2006/main" xmlns:r="http://schemas.openxmlformats.org/officeDocument/2006/relationships" xmlns:p="http://schemas.openxmlformats.org/presentationml/2006/main">
   <p:cSld>
     <p:spTree>
@@ -9252,8 +10496,8 @@
           </a:fontRef>
         </p:style>
       </p:cxnSp>
-      <mc:AlternateContent xmlns:mc="http://schemas.openxmlformats.org/markup-compatibility/2006">
-        <mc:Choice xmlns:a14="http://schemas.microsoft.com/office/drawing/2010/main" Requires="a14">
+      <mc:AlternateContent xmlns:mc="http://schemas.openxmlformats.org/markup-compatibility/2006" xmlns:a14="http://schemas.microsoft.com/office/drawing/2010/main">
+        <mc:Choice Requires="a14">
           <p:sp>
             <p:nvSpPr>
               <p:cNvPr id="28" name="テキスト ボックス 27">
@@ -9334,7 +10578,7 @@
             </p:txBody>
           </p:sp>
         </mc:Choice>
-        <mc:Fallback>
+        <mc:Fallback xmlns="">
           <p:sp>
             <p:nvSpPr>
               <p:cNvPr id="28" name="テキスト ボックス 27">
@@ -9379,8 +10623,8 @@
           </p:sp>
         </mc:Fallback>
       </mc:AlternateContent>
-      <mc:AlternateContent xmlns:mc="http://schemas.openxmlformats.org/markup-compatibility/2006">
-        <mc:Choice xmlns:a14="http://schemas.microsoft.com/office/drawing/2010/main" Requires="a14">
+      <mc:AlternateContent xmlns:mc="http://schemas.openxmlformats.org/markup-compatibility/2006" xmlns:a14="http://schemas.microsoft.com/office/drawing/2010/main">
+        <mc:Choice Requires="a14">
           <p:sp>
             <p:nvSpPr>
               <p:cNvPr id="29" name="テキスト ボックス 28">
@@ -9455,7 +10699,7 @@
             </p:txBody>
           </p:sp>
         </mc:Choice>
-        <mc:Fallback>
+        <mc:Fallback xmlns="">
           <p:sp>
             <p:nvSpPr>
               <p:cNvPr id="29" name="テキスト ボックス 28">
@@ -9541,8 +10785,8 @@
           </a:fontRef>
         </p:style>
       </p:cxnSp>
-      <mc:AlternateContent xmlns:mc="http://schemas.openxmlformats.org/markup-compatibility/2006">
-        <mc:Choice xmlns:a14="http://schemas.microsoft.com/office/drawing/2010/main" Requires="a14">
+      <mc:AlternateContent xmlns:mc="http://schemas.openxmlformats.org/markup-compatibility/2006" xmlns:a14="http://schemas.microsoft.com/office/drawing/2010/main">
+        <mc:Choice Requires="a14">
           <p:sp>
             <p:nvSpPr>
               <p:cNvPr id="31" name="テキスト ボックス 30">
@@ -9625,7 +10869,7 @@
             </p:txBody>
           </p:sp>
         </mc:Choice>
-        <mc:Fallback>
+        <mc:Fallback xmlns="">
           <p:sp>
             <p:nvSpPr>
               <p:cNvPr id="31" name="テキスト ボックス 30">
@@ -10013,8 +11257,8 @@
           </a:fontRef>
         </p:style>
       </p:cxnSp>
-      <mc:AlternateContent xmlns:mc="http://schemas.openxmlformats.org/markup-compatibility/2006">
-        <mc:Choice xmlns:a14="http://schemas.microsoft.com/office/drawing/2010/main" Requires="a14">
+      <mc:AlternateContent xmlns:mc="http://schemas.openxmlformats.org/markup-compatibility/2006" xmlns:a14="http://schemas.microsoft.com/office/drawing/2010/main">
+        <mc:Choice Requires="a14">
           <p:sp>
             <p:nvSpPr>
               <p:cNvPr id="40" name="テキスト ボックス 39">
@@ -10083,7 +11327,7 @@
             </p:txBody>
           </p:sp>
         </mc:Choice>
-        <mc:Fallback>
+        <mc:Fallback xmlns="">
           <p:sp>
             <p:nvSpPr>
               <p:cNvPr id="40" name="テキスト ボックス 39">
@@ -10169,8 +11413,8 @@
           </a:fontRef>
         </p:style>
       </p:cxnSp>
-      <mc:AlternateContent xmlns:mc="http://schemas.openxmlformats.org/markup-compatibility/2006">
-        <mc:Choice xmlns:a14="http://schemas.microsoft.com/office/drawing/2010/main" Requires="a14">
+      <mc:AlternateContent xmlns:mc="http://schemas.openxmlformats.org/markup-compatibility/2006" xmlns:a14="http://schemas.microsoft.com/office/drawing/2010/main">
+        <mc:Choice Requires="a14">
           <p:sp>
             <p:nvSpPr>
               <p:cNvPr id="42" name="テキスト ボックス 41">
@@ -10247,7 +11491,7 @@
             </p:txBody>
           </p:sp>
         </mc:Choice>
-        <mc:Fallback>
+        <mc:Fallback xmlns="">
           <p:sp>
             <p:nvSpPr>
               <p:cNvPr id="42" name="テキスト ボックス 41">
@@ -10388,8 +11632,8 @@
           </a:p>
         </p:txBody>
       </p:sp>
-      <mc:AlternateContent xmlns:mc="http://schemas.openxmlformats.org/markup-compatibility/2006">
-        <mc:Choice xmlns:a14="http://schemas.microsoft.com/office/drawing/2010/main" Requires="a14">
+      <mc:AlternateContent xmlns:mc="http://schemas.openxmlformats.org/markup-compatibility/2006" xmlns:a14="http://schemas.microsoft.com/office/drawing/2010/main">
+        <mc:Choice Requires="a14">
           <p:sp>
             <p:nvSpPr>
               <p:cNvPr id="33" name="テキスト ボックス 32">
@@ -10478,7 +11722,7 @@
             </p:txBody>
           </p:sp>
         </mc:Choice>
-        <mc:Fallback>
+        <mc:Fallback xmlns="">
           <p:sp>
             <p:nvSpPr>
               <p:cNvPr id="33" name="テキスト ボックス 32">
@@ -10536,7 +11780,7 @@
 </p:sld>
 </file>
 
-<file path=ppt/slides/slide6.xml><?xml version="1.0" encoding="utf-8"?>
+<file path=ppt/slides/slide7.xml><?xml version="1.0" encoding="utf-8"?>
 <p:sld xmlns:a="http://schemas.openxmlformats.org/drawingml/2006/main" xmlns:r="http://schemas.openxmlformats.org/officeDocument/2006/relationships" xmlns:p="http://schemas.openxmlformats.org/presentationml/2006/main">
   <p:cSld>
     <p:spTree>
@@ -10734,8 +11978,8 @@
           </a:fontRef>
         </p:style>
       </p:cxnSp>
-      <mc:AlternateContent xmlns:mc="http://schemas.openxmlformats.org/markup-compatibility/2006">
-        <mc:Choice xmlns:a14="http://schemas.microsoft.com/office/drawing/2010/main" Requires="a14">
+      <mc:AlternateContent xmlns:mc="http://schemas.openxmlformats.org/markup-compatibility/2006" xmlns:a14="http://schemas.microsoft.com/office/drawing/2010/main">
+        <mc:Choice Requires="a14">
           <p:sp>
             <p:nvSpPr>
               <p:cNvPr id="28" name="テキスト ボックス 27">
@@ -10816,7 +12060,7 @@
             </p:txBody>
           </p:sp>
         </mc:Choice>
-        <mc:Fallback>
+        <mc:Fallback xmlns="">
           <p:sp>
             <p:nvSpPr>
               <p:cNvPr id="28" name="テキスト ボックス 27">
@@ -10861,8 +12105,8 @@
           </p:sp>
         </mc:Fallback>
       </mc:AlternateContent>
-      <mc:AlternateContent xmlns:mc="http://schemas.openxmlformats.org/markup-compatibility/2006">
-        <mc:Choice xmlns:a14="http://schemas.microsoft.com/office/drawing/2010/main" Requires="a14">
+      <mc:AlternateContent xmlns:mc="http://schemas.openxmlformats.org/markup-compatibility/2006" xmlns:a14="http://schemas.microsoft.com/office/drawing/2010/main">
+        <mc:Choice Requires="a14">
           <p:sp>
             <p:nvSpPr>
               <p:cNvPr id="29" name="テキスト ボックス 28">
@@ -10937,7 +12181,7 @@
             </p:txBody>
           </p:sp>
         </mc:Choice>
-        <mc:Fallback>
+        <mc:Fallback xmlns="">
           <p:sp>
             <p:nvSpPr>
               <p:cNvPr id="29" name="テキスト ボックス 28">
@@ -11023,8 +12267,8 @@
           </a:fontRef>
         </p:style>
       </p:cxnSp>
-      <mc:AlternateContent xmlns:mc="http://schemas.openxmlformats.org/markup-compatibility/2006">
-        <mc:Choice xmlns:a14="http://schemas.microsoft.com/office/drawing/2010/main" Requires="a14">
+      <mc:AlternateContent xmlns:mc="http://schemas.openxmlformats.org/markup-compatibility/2006" xmlns:a14="http://schemas.microsoft.com/office/drawing/2010/main">
+        <mc:Choice Requires="a14">
           <p:sp>
             <p:nvSpPr>
               <p:cNvPr id="31" name="テキスト ボックス 30">
@@ -11107,7 +12351,7 @@
             </p:txBody>
           </p:sp>
         </mc:Choice>
-        <mc:Fallback>
+        <mc:Fallback xmlns="">
           <p:sp>
             <p:nvSpPr>
               <p:cNvPr id="31" name="テキスト ボックス 30">
@@ -11495,8 +12739,8 @@
           </a:fontRef>
         </p:style>
       </p:cxnSp>
-      <mc:AlternateContent xmlns:mc="http://schemas.openxmlformats.org/markup-compatibility/2006">
-        <mc:Choice xmlns:a14="http://schemas.microsoft.com/office/drawing/2010/main" Requires="a14">
+      <mc:AlternateContent xmlns:mc="http://schemas.openxmlformats.org/markup-compatibility/2006" xmlns:a14="http://schemas.microsoft.com/office/drawing/2010/main">
+        <mc:Choice Requires="a14">
           <p:sp>
             <p:nvSpPr>
               <p:cNvPr id="40" name="テキスト ボックス 39">
@@ -11565,7 +12809,7 @@
             </p:txBody>
           </p:sp>
         </mc:Choice>
-        <mc:Fallback>
+        <mc:Fallback xmlns="">
           <p:sp>
             <p:nvSpPr>
               <p:cNvPr id="40" name="テキスト ボックス 39">
@@ -11651,8 +12895,8 @@
           </a:fontRef>
         </p:style>
       </p:cxnSp>
-      <mc:AlternateContent xmlns:mc="http://schemas.openxmlformats.org/markup-compatibility/2006">
-        <mc:Choice xmlns:a14="http://schemas.microsoft.com/office/drawing/2010/main" Requires="a14">
+      <mc:AlternateContent xmlns:mc="http://schemas.openxmlformats.org/markup-compatibility/2006" xmlns:a14="http://schemas.microsoft.com/office/drawing/2010/main">
+        <mc:Choice Requires="a14">
           <p:sp>
             <p:nvSpPr>
               <p:cNvPr id="42" name="テキスト ボックス 41">
@@ -11729,7 +12973,7 @@
             </p:txBody>
           </p:sp>
         </mc:Choice>
-        <mc:Fallback>
+        <mc:Fallback xmlns="">
           <p:sp>
             <p:nvSpPr>
               <p:cNvPr id="42" name="テキスト ボックス 41">
@@ -12148,8 +13392,8 @@
           </a:fontRef>
         </p:style>
       </p:cxnSp>
-      <mc:AlternateContent xmlns:mc="http://schemas.openxmlformats.org/markup-compatibility/2006">
-        <mc:Choice xmlns:a14="http://schemas.microsoft.com/office/drawing/2010/main" Requires="a14">
+      <mc:AlternateContent xmlns:mc="http://schemas.openxmlformats.org/markup-compatibility/2006" xmlns:a14="http://schemas.microsoft.com/office/drawing/2010/main">
+        <mc:Choice Requires="a14">
           <p:sp>
             <p:nvSpPr>
               <p:cNvPr id="51" name="テキスト ボックス 50">
@@ -12178,6 +13422,7 @@
               </a:bodyPr>
               <a:lstStyle/>
               <a:p>
+                <a:pPr/>
                 <a14:m>
                   <m:oMathPara xmlns:m="http://schemas.openxmlformats.org/officeDocument/2006/math">
                     <m:oMathParaPr>
@@ -12204,7 +13449,7 @@
             </p:txBody>
           </p:sp>
         </mc:Choice>
-        <mc:Fallback>
+        <mc:Fallback xmlns="">
           <p:sp>
             <p:nvSpPr>
               <p:cNvPr id="51" name="テキスト ボックス 50">
@@ -12249,8 +13494,8 @@
           </p:sp>
         </mc:Fallback>
       </mc:AlternateContent>
-      <mc:AlternateContent xmlns:mc="http://schemas.openxmlformats.org/markup-compatibility/2006">
-        <mc:Choice xmlns:a14="http://schemas.microsoft.com/office/drawing/2010/main" Requires="a14">
+      <mc:AlternateContent xmlns:mc="http://schemas.openxmlformats.org/markup-compatibility/2006" xmlns:a14="http://schemas.microsoft.com/office/drawing/2010/main">
+        <mc:Choice Requires="a14">
           <p:sp>
             <p:nvSpPr>
               <p:cNvPr id="52" name="テキスト ボックス 51">
@@ -12279,6 +13524,7 @@
               </a:bodyPr>
               <a:lstStyle/>
               <a:p>
+                <a:pPr/>
                 <a14:m>
                   <m:oMathPara xmlns:m="http://schemas.openxmlformats.org/officeDocument/2006/math">
                     <m:oMathParaPr>
@@ -12318,7 +13564,7 @@
             </p:txBody>
           </p:sp>
         </mc:Choice>
-        <mc:Fallback>
+        <mc:Fallback xmlns="">
           <p:sp>
             <p:nvSpPr>
               <p:cNvPr id="52" name="テキスト ボックス 51">
@@ -12363,8 +13609,8 @@
           </p:sp>
         </mc:Fallback>
       </mc:AlternateContent>
-      <mc:AlternateContent xmlns:mc="http://schemas.openxmlformats.org/markup-compatibility/2006">
-        <mc:Choice xmlns:a14="http://schemas.microsoft.com/office/drawing/2010/main" Requires="a14">
+      <mc:AlternateContent xmlns:mc="http://schemas.openxmlformats.org/markup-compatibility/2006" xmlns:a14="http://schemas.microsoft.com/office/drawing/2010/main">
+        <mc:Choice Requires="a14">
           <p:sp>
             <p:nvSpPr>
               <p:cNvPr id="53" name="テキスト ボックス 52">
@@ -12393,6 +13639,7 @@
               </a:bodyPr>
               <a:lstStyle/>
               <a:p>
+                <a:pPr/>
                 <a14:m>
                   <m:oMathPara xmlns:m="http://schemas.openxmlformats.org/officeDocument/2006/math">
                     <m:oMathParaPr>
@@ -12413,7 +13660,7 @@
             </p:txBody>
           </p:sp>
         </mc:Choice>
-        <mc:Fallback>
+        <mc:Fallback xmlns="">
           <p:sp>
             <p:nvSpPr>
               <p:cNvPr id="53" name="テキスト ボックス 52">
@@ -12458,8 +13705,8 @@
           </p:sp>
         </mc:Fallback>
       </mc:AlternateContent>
-      <mc:AlternateContent xmlns:mc="http://schemas.openxmlformats.org/markup-compatibility/2006">
-        <mc:Choice xmlns:a14="http://schemas.microsoft.com/office/drawing/2010/main" Requires="a14">
+      <mc:AlternateContent xmlns:mc="http://schemas.openxmlformats.org/markup-compatibility/2006" xmlns:a14="http://schemas.microsoft.com/office/drawing/2010/main">
+        <mc:Choice Requires="a14">
           <p:sp>
             <p:nvSpPr>
               <p:cNvPr id="54" name="テキスト ボックス 53">
@@ -12528,7 +13775,7 @@
             </p:txBody>
           </p:sp>
         </mc:Choice>
-        <mc:Fallback>
+        <mc:Fallback xmlns="">
           <p:sp>
             <p:nvSpPr>
               <p:cNvPr id="54" name="テキスト ボックス 53">

--- a/座標変換.pptx
+++ b/座標変換.pptx
@@ -7,11 +7,13 @@
   <p:sldIdLst>
     <p:sldId id="259" r:id="rId2"/>
     <p:sldId id="264" r:id="rId3"/>
-    <p:sldId id="260" r:id="rId4"/>
-    <p:sldId id="261" r:id="rId5"/>
-    <p:sldId id="257" r:id="rId6"/>
-    <p:sldId id="262" r:id="rId7"/>
-    <p:sldId id="263" r:id="rId8"/>
+    <p:sldId id="265" r:id="rId4"/>
+    <p:sldId id="266" r:id="rId5"/>
+    <p:sldId id="260" r:id="rId6"/>
+    <p:sldId id="261" r:id="rId7"/>
+    <p:sldId id="257" r:id="rId8"/>
+    <p:sldId id="262" r:id="rId9"/>
+    <p:sldId id="263" r:id="rId10"/>
   </p:sldIdLst>
   <p:sldSz cx="12192000" cy="6858000"/>
   <p:notesSz cx="6858000" cy="9144000"/>
@@ -5155,7 +5157,7 @@
             <p:spPr>
               <a:xfrm>
                 <a:off x="4059461" y="4399489"/>
-                <a:ext cx="902837" cy="650306"/>
+                <a:ext cx="902837" cy="679866"/>
               </a:xfrm>
               <a:prstGeom prst="rect">
                 <a:avLst/>
@@ -5186,10 +5188,10 @@
                         <m:sub/>
                         <m:sup>
                           <m:r>
-                            <a:rPr lang="en-US" altLang="ja-JP" sz="3200" b="0" i="1" smtClean="0">
+                            <a:rPr kumimoji="1" lang="en-US" altLang="ja-JP" sz="3200" b="0" i="1" smtClean="0">
                               <a:latin typeface="Cambria Math" panose="02040503050406030204" pitchFamily="18" charset="0"/>
                             </a:rPr>
-                            <m:t>𝑤</m:t>
+                            <m:t>𝑊</m:t>
                           </m:r>
                         </m:sup>
                         <m:e>
@@ -5214,7 +5216,7 @@
                                 <a:rPr lang="en-US" altLang="ja-JP" sz="3200" b="0" i="1" smtClean="0">
                                   <a:latin typeface="Cambria Math" panose="02040503050406030204" pitchFamily="18" charset="0"/>
                                 </a:rPr>
-                                <m:t>𝑎</m:t>
+                                <m:t>𝐴</m:t>
                               </m:r>
                             </m:sub>
                             <m:sup/>
@@ -5247,7 +5249,7 @@
             <p:spPr>
               <a:xfrm>
                 <a:off x="4059461" y="4399489"/>
-                <a:ext cx="902837" cy="650306"/>
+                <a:ext cx="902837" cy="679866"/>
               </a:xfrm>
               <a:prstGeom prst="rect">
                 <a:avLst/>
@@ -5514,7 +5516,7 @@
             <p:spPr>
               <a:xfrm>
                 <a:off x="3113003" y="3759206"/>
-                <a:ext cx="902837" cy="650434"/>
+                <a:ext cx="902837" cy="679738"/>
               </a:xfrm>
               <a:prstGeom prst="rect">
                 <a:avLst/>
@@ -5545,10 +5547,10 @@
                         <m:sub/>
                         <m:sup>
                           <m:r>
-                            <a:rPr lang="en-US" altLang="ja-JP" sz="3200" b="0" i="1" smtClean="0">
+                            <a:rPr kumimoji="1" lang="en-US" altLang="ja-JP" sz="3200" b="0" i="1" smtClean="0">
                               <a:latin typeface="Cambria Math" panose="02040503050406030204" pitchFamily="18" charset="0"/>
                             </a:rPr>
-                            <m:t>𝑎</m:t>
+                            <m:t>𝐴</m:t>
                           </m:r>
                         </m:sup>
                         <m:e>
@@ -5573,7 +5575,7 @@
                                 <a:rPr lang="en-US" altLang="ja-JP" sz="3200" b="0" i="1" smtClean="0">
                                   <a:latin typeface="Cambria Math" panose="02040503050406030204" pitchFamily="18" charset="0"/>
                                 </a:rPr>
-                                <m:t>𝑤</m:t>
+                                <m:t>𝑊</m:t>
                               </m:r>
                             </m:sub>
                             <m:sup/>
@@ -5606,7 +5608,7 @@
             <p:spPr>
               <a:xfrm>
                 <a:off x="3113003" y="3759206"/>
-                <a:ext cx="902837" cy="650434"/>
+                <a:ext cx="902837" cy="679738"/>
               </a:xfrm>
               <a:prstGeom prst="rect">
                 <a:avLst/>
@@ -5614,7 +5616,7 @@
               <a:blipFill>
                 <a:blip r:embed="rId3"/>
                 <a:stretch>
-                  <a:fillRect/>
+                  <a:fillRect r="-2703"/>
                 </a:stretch>
               </a:blipFill>
             </p:spPr>
@@ -5633,8 +5635,8 @@
           </p:sp>
         </mc:Fallback>
       </mc:AlternateContent>
-      <mc:AlternateContent xmlns:mc="http://schemas.openxmlformats.org/markup-compatibility/2006">
-        <mc:Choice xmlns:a14="http://schemas.microsoft.com/office/drawing/2010/main" Requires="a14">
+      <mc:AlternateContent xmlns:mc="http://schemas.openxmlformats.org/markup-compatibility/2006" xmlns:a14="http://schemas.microsoft.com/office/drawing/2010/main">
+        <mc:Choice Requires="a14">
           <p:sp>
             <p:nvSpPr>
               <p:cNvPr id="41" name="テキスト ボックス 40">
@@ -5687,7 +5689,7 @@
             </p:txBody>
           </p:sp>
         </mc:Choice>
-        <mc:Fallback>
+        <mc:Fallback xmlns="">
           <p:sp>
             <p:nvSpPr>
               <p:cNvPr id="41" name="テキスト ボックス 40">
@@ -5732,8 +5734,8 @@
           </p:sp>
         </mc:Fallback>
       </mc:AlternateContent>
-      <mc:AlternateContent xmlns:mc="http://schemas.openxmlformats.org/markup-compatibility/2006">
-        <mc:Choice xmlns:a14="http://schemas.microsoft.com/office/drawing/2010/main" Requires="a14">
+      <mc:AlternateContent xmlns:mc="http://schemas.openxmlformats.org/markup-compatibility/2006" xmlns:a14="http://schemas.microsoft.com/office/drawing/2010/main">
+        <mc:Choice Requires="a14">
           <p:sp>
             <p:nvSpPr>
               <p:cNvPr id="42" name="テキスト ボックス 41">
@@ -5786,7 +5788,7 @@
             </p:txBody>
           </p:sp>
         </mc:Choice>
-        <mc:Fallback>
+        <mc:Fallback xmlns="">
           <p:sp>
             <p:nvSpPr>
               <p:cNvPr id="42" name="テキスト ボックス 41">
@@ -5831,6 +5833,509 @@
           </p:sp>
         </mc:Fallback>
       </mc:AlternateContent>
+      <mc:AlternateContent xmlns:mc="http://schemas.openxmlformats.org/markup-compatibility/2006" xmlns:a14="http://schemas.microsoft.com/office/drawing/2010/main">
+        <mc:Choice Requires="a14">
+          <p:sp>
+            <p:nvSpPr>
+              <p:cNvPr id="43" name="テキスト ボックス 42">
+                <a:extLst>
+                  <a:ext uri="{FF2B5EF4-FFF2-40B4-BE49-F238E27FC236}">
+                    <a16:creationId xmlns:a16="http://schemas.microsoft.com/office/drawing/2014/main" id="{A684F4EF-7398-400D-B418-FC54BEBE4D51}"/>
+                  </a:ext>
+                </a:extLst>
+              </p:cNvPr>
+              <p:cNvSpPr txBox="1"/>
+              <p:nvPr/>
+            </p:nvSpPr>
+            <p:spPr>
+              <a:xfrm>
+                <a:off x="6159132" y="3383950"/>
+                <a:ext cx="383117" cy="492443"/>
+              </a:xfrm>
+              <a:prstGeom prst="rect">
+                <a:avLst/>
+              </a:prstGeom>
+              <a:noFill/>
+            </p:spPr>
+            <p:txBody>
+              <a:bodyPr wrap="none" lIns="0" tIns="0" rIns="0" bIns="0" rtlCol="0">
+                <a:spAutoFit/>
+              </a:bodyPr>
+              <a:lstStyle/>
+              <a:p>
+                <a:pPr/>
+                <a14:m>
+                  <m:oMathPara xmlns:m="http://schemas.openxmlformats.org/officeDocument/2006/math">
+                    <m:oMathParaPr>
+                      <m:jc m:val="centerGroup"/>
+                    </m:oMathParaPr>
+                    <m:oMath xmlns:m="http://schemas.openxmlformats.org/officeDocument/2006/math">
+                      <m:r>
+                        <m:rPr>
+                          <m:sty m:val="p"/>
+                        </m:rPr>
+                        <a:rPr kumimoji="1" lang="en-US" altLang="ja-JP" sz="3200" b="0" i="0" smtClean="0">
+                          <a:latin typeface="Cambria Math" panose="02040503050406030204" pitchFamily="18" charset="0"/>
+                        </a:rPr>
+                        <m:t>U</m:t>
+                      </m:r>
+                    </m:oMath>
+                  </m:oMathPara>
+                </a14:m>
+                <a:endParaRPr kumimoji="1" lang="ja-JP" altLang="en-US" sz="3200" dirty="0"/>
+              </a:p>
+            </p:txBody>
+          </p:sp>
+        </mc:Choice>
+        <mc:Fallback xmlns="">
+          <p:sp>
+            <p:nvSpPr>
+              <p:cNvPr id="43" name="テキスト ボックス 42">
+                <a:extLst>
+                  <a:ext uri="{FF2B5EF4-FFF2-40B4-BE49-F238E27FC236}">
+                    <a16:creationId xmlns:a16="http://schemas.microsoft.com/office/drawing/2014/main" id="{A684F4EF-7398-400D-B418-FC54BEBE4D51}"/>
+                  </a:ext>
+                </a:extLst>
+              </p:cNvPr>
+              <p:cNvSpPr txBox="1">
+                <a:spLocks noRot="1" noChangeAspect="1" noMove="1" noResize="1" noEditPoints="1" noAdjustHandles="1" noChangeArrowheads="1" noChangeShapeType="1" noTextEdit="1"/>
+              </p:cNvSpPr>
+              <p:nvPr/>
+            </p:nvSpPr>
+            <p:spPr>
+              <a:xfrm>
+                <a:off x="6159132" y="3383950"/>
+                <a:ext cx="383117" cy="492443"/>
+              </a:xfrm>
+              <a:prstGeom prst="rect">
+                <a:avLst/>
+              </a:prstGeom>
+              <a:blipFill>
+                <a:blip r:embed="rId6"/>
+                <a:stretch>
+                  <a:fillRect/>
+                </a:stretch>
+              </a:blipFill>
+            </p:spPr>
+            <p:txBody>
+              <a:bodyPr/>
+              <a:lstStyle/>
+              <a:p>
+                <a:r>
+                  <a:rPr lang="ja-JP" altLang="en-US">
+                    <a:noFill/>
+                  </a:rPr>
+                  <a:t> </a:t>
+                </a:r>
+              </a:p>
+            </p:txBody>
+          </p:sp>
+        </mc:Fallback>
+      </mc:AlternateContent>
+      <mc:AlternateContent xmlns:mc="http://schemas.openxmlformats.org/markup-compatibility/2006" xmlns:a14="http://schemas.microsoft.com/office/drawing/2010/main">
+        <mc:Choice Requires="a14">
+          <p:sp>
+            <p:nvSpPr>
+              <p:cNvPr id="44" name="テキスト ボックス 43">
+                <a:extLst>
+                  <a:ext uri="{FF2B5EF4-FFF2-40B4-BE49-F238E27FC236}">
+                    <a16:creationId xmlns:a16="http://schemas.microsoft.com/office/drawing/2014/main" id="{91C78D81-3FF6-4E2C-A596-46AE99F82057}"/>
+                  </a:ext>
+                </a:extLst>
+              </p:cNvPr>
+              <p:cNvSpPr txBox="1"/>
+              <p:nvPr/>
+            </p:nvSpPr>
+            <p:spPr>
+              <a:xfrm>
+                <a:off x="4953528" y="1885127"/>
+                <a:ext cx="365485" cy="492443"/>
+              </a:xfrm>
+              <a:prstGeom prst="rect">
+                <a:avLst/>
+              </a:prstGeom>
+              <a:noFill/>
+            </p:spPr>
+            <p:txBody>
+              <a:bodyPr wrap="none" lIns="0" tIns="0" rIns="0" bIns="0" rtlCol="0">
+                <a:spAutoFit/>
+              </a:bodyPr>
+              <a:lstStyle/>
+              <a:p>
+                <a:pPr/>
+                <a14:m>
+                  <m:oMathPara xmlns:m="http://schemas.openxmlformats.org/officeDocument/2006/math">
+                    <m:oMathParaPr>
+                      <m:jc m:val="centerGroup"/>
+                    </m:oMathParaPr>
+                    <m:oMath xmlns:m="http://schemas.openxmlformats.org/officeDocument/2006/math">
+                      <m:r>
+                        <m:rPr>
+                          <m:sty m:val="p"/>
+                        </m:rPr>
+                        <a:rPr kumimoji="1" lang="en-US" altLang="ja-JP" sz="3200" b="0" i="0" smtClean="0">
+                          <a:latin typeface="Cambria Math" panose="02040503050406030204" pitchFamily="18" charset="0"/>
+                        </a:rPr>
+                        <m:t>V</m:t>
+                      </m:r>
+                    </m:oMath>
+                  </m:oMathPara>
+                </a14:m>
+                <a:endParaRPr kumimoji="1" lang="ja-JP" altLang="en-US" sz="3200" dirty="0"/>
+              </a:p>
+            </p:txBody>
+          </p:sp>
+        </mc:Choice>
+        <mc:Fallback xmlns="">
+          <p:sp>
+            <p:nvSpPr>
+              <p:cNvPr id="44" name="テキスト ボックス 43">
+                <a:extLst>
+                  <a:ext uri="{FF2B5EF4-FFF2-40B4-BE49-F238E27FC236}">
+                    <a16:creationId xmlns:a16="http://schemas.microsoft.com/office/drawing/2014/main" id="{91C78D81-3FF6-4E2C-A596-46AE99F82057}"/>
+                  </a:ext>
+                </a:extLst>
+              </p:cNvPr>
+              <p:cNvSpPr txBox="1">
+                <a:spLocks noRot="1" noChangeAspect="1" noMove="1" noResize="1" noEditPoints="1" noAdjustHandles="1" noChangeArrowheads="1" noChangeShapeType="1" noTextEdit="1"/>
+              </p:cNvSpPr>
+              <p:nvPr/>
+            </p:nvSpPr>
+            <p:spPr>
+              <a:xfrm>
+                <a:off x="4953528" y="1885127"/>
+                <a:ext cx="365485" cy="492443"/>
+              </a:xfrm>
+              <a:prstGeom prst="rect">
+                <a:avLst/>
+              </a:prstGeom>
+              <a:blipFill>
+                <a:blip r:embed="rId7"/>
+                <a:stretch>
+                  <a:fillRect/>
+                </a:stretch>
+              </a:blipFill>
+            </p:spPr>
+            <p:txBody>
+              <a:bodyPr/>
+              <a:lstStyle/>
+              <a:p>
+                <a:r>
+                  <a:rPr lang="ja-JP" altLang="en-US">
+                    <a:noFill/>
+                  </a:rPr>
+                  <a:t> </a:t>
+                </a:r>
+              </a:p>
+            </p:txBody>
+          </p:sp>
+        </mc:Fallback>
+      </mc:AlternateContent>
+      <mc:AlternateContent xmlns:mc="http://schemas.openxmlformats.org/markup-compatibility/2006">
+        <mc:Choice xmlns:a14="http://schemas.microsoft.com/office/drawing/2010/main" Requires="a14">
+          <p:sp>
+            <p:nvSpPr>
+              <p:cNvPr id="18" name="テキスト ボックス 17">
+                <a:extLst>
+                  <a:ext uri="{FF2B5EF4-FFF2-40B4-BE49-F238E27FC236}">
+                    <a16:creationId xmlns:a16="http://schemas.microsoft.com/office/drawing/2014/main" id="{1518DA09-CAA7-4BE8-8489-1F24EBF14375}"/>
+                  </a:ext>
+                </a:extLst>
+              </p:cNvPr>
+              <p:cNvSpPr txBox="1"/>
+              <p:nvPr/>
+            </p:nvSpPr>
+            <p:spPr>
+              <a:xfrm>
+                <a:off x="2219290" y="5612731"/>
+                <a:ext cx="351058" cy="492443"/>
+              </a:xfrm>
+              <a:prstGeom prst="rect">
+                <a:avLst/>
+              </a:prstGeom>
+              <a:noFill/>
+            </p:spPr>
+            <p:txBody>
+              <a:bodyPr wrap="square" lIns="0" tIns="0" rIns="0" bIns="0" rtlCol="0">
+                <a:spAutoFit/>
+              </a:bodyPr>
+              <a:lstStyle/>
+              <a:p>
+                <a:pPr/>
+                <a14:m>
+                  <m:oMathPara xmlns:m="http://schemas.openxmlformats.org/officeDocument/2006/math">
+                    <m:oMathParaPr>
+                      <m:jc m:val="centerGroup"/>
+                    </m:oMathParaPr>
+                    <m:oMath xmlns:m="http://schemas.openxmlformats.org/officeDocument/2006/math">
+                      <m:r>
+                        <a:rPr kumimoji="1" lang="en-US" altLang="ja-JP" sz="3200" b="0" i="1" smtClean="0">
+                          <a:latin typeface="Cambria Math" panose="02040503050406030204" pitchFamily="18" charset="0"/>
+                        </a:rPr>
+                        <m:t>𝑊</m:t>
+                      </m:r>
+                    </m:oMath>
+                  </m:oMathPara>
+                </a14:m>
+                <a:endParaRPr kumimoji="1" lang="ja-JP" altLang="en-US" sz="3200" i="1" dirty="0"/>
+              </a:p>
+            </p:txBody>
+          </p:sp>
+        </mc:Choice>
+        <mc:Fallback>
+          <p:sp>
+            <p:nvSpPr>
+              <p:cNvPr id="18" name="テキスト ボックス 17">
+                <a:extLst>
+                  <a:ext uri="{FF2B5EF4-FFF2-40B4-BE49-F238E27FC236}">
+                    <a16:creationId xmlns:a16="http://schemas.microsoft.com/office/drawing/2014/main" id="{1518DA09-CAA7-4BE8-8489-1F24EBF14375}"/>
+                  </a:ext>
+                </a:extLst>
+              </p:cNvPr>
+              <p:cNvSpPr txBox="1">
+                <a:spLocks noRot="1" noChangeAspect="1" noMove="1" noResize="1" noEditPoints="1" noAdjustHandles="1" noChangeArrowheads="1" noChangeShapeType="1" noTextEdit="1"/>
+              </p:cNvSpPr>
+              <p:nvPr/>
+            </p:nvSpPr>
+            <p:spPr>
+              <a:xfrm>
+                <a:off x="2219290" y="5612731"/>
+                <a:ext cx="351058" cy="492443"/>
+              </a:xfrm>
+              <a:prstGeom prst="rect">
+                <a:avLst/>
+              </a:prstGeom>
+              <a:blipFill>
+                <a:blip r:embed="rId8"/>
+                <a:stretch>
+                  <a:fillRect r="-10345"/>
+                </a:stretch>
+              </a:blipFill>
+            </p:spPr>
+            <p:txBody>
+              <a:bodyPr/>
+              <a:lstStyle/>
+              <a:p>
+                <a:r>
+                  <a:rPr lang="ja-JP" altLang="en-US">
+                    <a:noFill/>
+                  </a:rPr>
+                  <a:t> </a:t>
+                </a:r>
+              </a:p>
+            </p:txBody>
+          </p:sp>
+        </mc:Fallback>
+      </mc:AlternateContent>
+      <mc:AlternateContent xmlns:mc="http://schemas.openxmlformats.org/markup-compatibility/2006">
+        <mc:Choice xmlns:a14="http://schemas.microsoft.com/office/drawing/2010/main" Requires="a14">
+          <p:sp>
+            <p:nvSpPr>
+              <p:cNvPr id="19" name="テキスト ボックス 18">
+                <a:extLst>
+                  <a:ext uri="{FF2B5EF4-FFF2-40B4-BE49-F238E27FC236}">
+                    <a16:creationId xmlns:a16="http://schemas.microsoft.com/office/drawing/2014/main" id="{B052128F-2AB5-4B51-9D14-7C1F22259AE2}"/>
+                  </a:ext>
+                </a:extLst>
+              </p:cNvPr>
+              <p:cNvSpPr txBox="1"/>
+              <p:nvPr/>
+            </p:nvSpPr>
+            <p:spPr>
+              <a:xfrm>
+                <a:off x="5071455" y="3630172"/>
+                <a:ext cx="351058" cy="492443"/>
+              </a:xfrm>
+              <a:prstGeom prst="rect">
+                <a:avLst/>
+              </a:prstGeom>
+              <a:noFill/>
+            </p:spPr>
+            <p:txBody>
+              <a:bodyPr wrap="square" lIns="0" tIns="0" rIns="0" bIns="0" rtlCol="0">
+                <a:spAutoFit/>
+              </a:bodyPr>
+              <a:lstStyle/>
+              <a:p>
+                <a:pPr/>
+                <a14:m>
+                  <m:oMathPara xmlns:m="http://schemas.openxmlformats.org/officeDocument/2006/math">
+                    <m:oMathParaPr>
+                      <m:jc m:val="centerGroup"/>
+                    </m:oMathParaPr>
+                    <m:oMath xmlns:m="http://schemas.openxmlformats.org/officeDocument/2006/math">
+                      <m:r>
+                        <a:rPr kumimoji="1" lang="en-US" altLang="ja-JP" sz="3200" b="0" i="1" smtClean="0">
+                          <a:latin typeface="Cambria Math" panose="02040503050406030204" pitchFamily="18" charset="0"/>
+                        </a:rPr>
+                        <m:t>𝐴</m:t>
+                      </m:r>
+                    </m:oMath>
+                  </m:oMathPara>
+                </a14:m>
+                <a:endParaRPr kumimoji="1" lang="ja-JP" altLang="en-US" sz="3200" i="1" dirty="0"/>
+              </a:p>
+            </p:txBody>
+          </p:sp>
+        </mc:Choice>
+        <mc:Fallback>
+          <p:sp>
+            <p:nvSpPr>
+              <p:cNvPr id="19" name="テキスト ボックス 18">
+                <a:extLst>
+                  <a:ext uri="{FF2B5EF4-FFF2-40B4-BE49-F238E27FC236}">
+                    <a16:creationId xmlns:a16="http://schemas.microsoft.com/office/drawing/2014/main" id="{B052128F-2AB5-4B51-9D14-7C1F22259AE2}"/>
+                  </a:ext>
+                </a:extLst>
+              </p:cNvPr>
+              <p:cNvSpPr txBox="1">
+                <a:spLocks noRot="1" noChangeAspect="1" noMove="1" noResize="1" noEditPoints="1" noAdjustHandles="1" noChangeArrowheads="1" noChangeShapeType="1" noTextEdit="1"/>
+              </p:cNvSpPr>
+              <p:nvPr/>
+            </p:nvSpPr>
+            <p:spPr>
+              <a:xfrm>
+                <a:off x="5071455" y="3630172"/>
+                <a:ext cx="351058" cy="492443"/>
+              </a:xfrm>
+              <a:prstGeom prst="rect">
+                <a:avLst/>
+              </a:prstGeom>
+              <a:blipFill>
+                <a:blip r:embed="rId9"/>
+                <a:stretch>
+                  <a:fillRect/>
+                </a:stretch>
+              </a:blipFill>
+            </p:spPr>
+            <p:txBody>
+              <a:bodyPr/>
+              <a:lstStyle/>
+              <a:p>
+                <a:r>
+                  <a:rPr lang="ja-JP" altLang="en-US">
+                    <a:noFill/>
+                  </a:rPr>
+                  <a:t> </a:t>
+                </a:r>
+              </a:p>
+            </p:txBody>
+          </p:sp>
+        </mc:Fallback>
+      </mc:AlternateContent>
+    </p:spTree>
+    <p:extLst>
+      <p:ext uri="{BB962C8B-B14F-4D97-AF65-F5344CB8AC3E}">
+        <p14:creationId xmlns:p14="http://schemas.microsoft.com/office/powerpoint/2010/main" val="227095301"/>
+      </p:ext>
+    </p:extLst>
+  </p:cSld>
+  <p:clrMapOvr>
+    <a:masterClrMapping/>
+  </p:clrMapOvr>
+</p:sld>
+</file>
+
+<file path=ppt/slides/slide3.xml><?xml version="1.0" encoding="utf-8"?>
+<p:sld xmlns:a="http://schemas.openxmlformats.org/drawingml/2006/main" xmlns:r="http://schemas.openxmlformats.org/officeDocument/2006/relationships" xmlns:p="http://schemas.openxmlformats.org/presentationml/2006/main">
+  <p:cSld>
+    <p:spTree>
+      <p:nvGrpSpPr>
+        <p:cNvPr id="1" name=""/>
+        <p:cNvGrpSpPr/>
+        <p:nvPr/>
+      </p:nvGrpSpPr>
+      <p:grpSpPr>
+        <a:xfrm>
+          <a:off x="0" y="0"/>
+          <a:ext cx="0" cy="0"/>
+          <a:chOff x="0" y="0"/>
+          <a:chExt cx="0" cy="0"/>
+        </a:xfrm>
+      </p:grpSpPr>
+      <p:cxnSp>
+        <p:nvCxnSpPr>
+          <p:cNvPr id="34" name="直線矢印コネクタ 33">
+            <a:extLst>
+              <a:ext uri="{FF2B5EF4-FFF2-40B4-BE49-F238E27FC236}">
+                <a16:creationId xmlns:a16="http://schemas.microsoft.com/office/drawing/2014/main" id="{0276690A-1598-4DDD-A64D-52D244C6D970}"/>
+              </a:ext>
+            </a:extLst>
+          </p:cNvPr>
+          <p:cNvCxnSpPr>
+            <a:cxnSpLocks/>
+            <a:endCxn id="44" idx="2"/>
+          </p:cNvCxnSpPr>
+          <p:nvPr/>
+        </p:nvCxnSpPr>
+        <p:spPr>
+          <a:xfrm flipH="1" flipV="1">
+            <a:off x="5136271" y="1598637"/>
+            <a:ext cx="8816" cy="2018214"/>
+          </a:xfrm>
+          <a:prstGeom prst="straightConnector1">
+            <a:avLst/>
+          </a:prstGeom>
+          <a:ln w="57150">
+            <a:tailEnd type="triangle"/>
+          </a:ln>
+        </p:spPr>
+        <p:style>
+          <a:lnRef idx="1">
+            <a:schemeClr val="dk1"/>
+          </a:lnRef>
+          <a:fillRef idx="0">
+            <a:schemeClr val="dk1"/>
+          </a:fillRef>
+          <a:effectRef idx="0">
+            <a:schemeClr val="dk1"/>
+          </a:effectRef>
+          <a:fontRef idx="minor">
+            <a:schemeClr val="tx1"/>
+          </a:fontRef>
+        </p:style>
+      </p:cxnSp>
+      <p:cxnSp>
+        <p:nvCxnSpPr>
+          <p:cNvPr id="37" name="直線矢印コネクタ 36">
+            <a:extLst>
+              <a:ext uri="{FF2B5EF4-FFF2-40B4-BE49-F238E27FC236}">
+                <a16:creationId xmlns:a16="http://schemas.microsoft.com/office/drawing/2014/main" id="{9CF37CA9-53E8-46E4-8AFB-FF9AE82D547F}"/>
+              </a:ext>
+            </a:extLst>
+          </p:cNvPr>
+          <p:cNvCxnSpPr>
+            <a:cxnSpLocks/>
+          </p:cNvCxnSpPr>
+          <p:nvPr/>
+        </p:nvCxnSpPr>
+        <p:spPr>
+          <a:xfrm>
+            <a:off x="5117026" y="3630172"/>
+            <a:ext cx="963481" cy="0"/>
+          </a:xfrm>
+          <a:prstGeom prst="straightConnector1">
+            <a:avLst/>
+          </a:prstGeom>
+          <a:ln w="57150">
+            <a:tailEnd type="triangle"/>
+          </a:ln>
+        </p:spPr>
+        <p:style>
+          <a:lnRef idx="1">
+            <a:schemeClr val="dk1"/>
+          </a:lnRef>
+          <a:fillRef idx="0">
+            <a:schemeClr val="dk1"/>
+          </a:fillRef>
+          <a:effectRef idx="0">
+            <a:schemeClr val="dk1"/>
+          </a:effectRef>
+          <a:fontRef idx="minor">
+            <a:schemeClr val="tx1"/>
+          </a:fontRef>
+        </p:style>
+      </p:cxnSp>
       <mc:AlternateContent xmlns:mc="http://schemas.openxmlformats.org/markup-compatibility/2006">
         <mc:Choice xmlns:a14="http://schemas.microsoft.com/office/drawing/2010/main" Requires="a14">
           <p:sp>
@@ -5847,7 +6352,7 @@
             </p:nvSpPr>
             <p:spPr>
               <a:xfrm>
-                <a:off x="6159132" y="3383950"/>
+                <a:off x="6168668" y="3383950"/>
                 <a:ext cx="383117" cy="492443"/>
               </a:xfrm>
               <a:prstGeom prst="rect">
@@ -5902,14 +6407,14 @@
             </p:nvSpPr>
             <p:spPr>
               <a:xfrm>
-                <a:off x="6159132" y="3383950"/>
+                <a:off x="6168668" y="3383950"/>
                 <a:ext cx="383117" cy="492443"/>
               </a:xfrm>
               <a:prstGeom prst="rect">
                 <a:avLst/>
               </a:prstGeom>
               <a:blipFill>
-                <a:blip r:embed="rId6"/>
+                <a:blip r:embed="rId2"/>
                 <a:stretch>
                   <a:fillRect/>
                 </a:stretch>
@@ -5946,7 +6451,7 @@
             </p:nvSpPr>
             <p:spPr>
               <a:xfrm>
-                <a:off x="4953528" y="1885127"/>
+                <a:off x="4953528" y="1106194"/>
                 <a:ext cx="365485" cy="492443"/>
               </a:xfrm>
               <a:prstGeom prst="rect">
@@ -6001,8 +6506,728 @@
             </p:nvSpPr>
             <p:spPr>
               <a:xfrm>
-                <a:off x="4953528" y="1885127"/>
+                <a:off x="4953528" y="1106194"/>
                 <a:ext cx="365485" cy="492443"/>
+              </a:xfrm>
+              <a:prstGeom prst="rect">
+                <a:avLst/>
+              </a:prstGeom>
+              <a:blipFill>
+                <a:blip r:embed="rId3"/>
+                <a:stretch>
+                  <a:fillRect/>
+                </a:stretch>
+              </a:blipFill>
+            </p:spPr>
+            <p:txBody>
+              <a:bodyPr/>
+              <a:lstStyle/>
+              <a:p>
+                <a:r>
+                  <a:rPr lang="ja-JP" altLang="en-US">
+                    <a:noFill/>
+                  </a:rPr>
+                  <a:t> </a:t>
+                </a:r>
+              </a:p>
+            </p:txBody>
+          </p:sp>
+        </mc:Fallback>
+      </mc:AlternateContent>
+      <p:sp>
+        <p:nvSpPr>
+          <p:cNvPr id="21" name="楕円 20">
+            <a:extLst>
+              <a:ext uri="{FF2B5EF4-FFF2-40B4-BE49-F238E27FC236}">
+                <a16:creationId xmlns:a16="http://schemas.microsoft.com/office/drawing/2014/main" id="{A01CE712-19A0-4EC0-B640-057AD4318171}"/>
+              </a:ext>
+            </a:extLst>
+          </p:cNvPr>
+          <p:cNvSpPr/>
+          <p:nvPr/>
+        </p:nvSpPr>
+        <p:spPr>
+          <a:xfrm>
+            <a:off x="6478265" y="370159"/>
+            <a:ext cx="152400" cy="152400"/>
+          </a:xfrm>
+          <a:prstGeom prst="ellipse">
+            <a:avLst/>
+          </a:prstGeom>
+          <a:solidFill>
+            <a:schemeClr val="accent2">
+              <a:lumMod val="75000"/>
+            </a:schemeClr>
+          </a:solidFill>
+          <a:ln>
+            <a:noFill/>
+          </a:ln>
+        </p:spPr>
+        <p:style>
+          <a:lnRef idx="2">
+            <a:schemeClr val="accent1">
+              <a:shade val="50000"/>
+            </a:schemeClr>
+          </a:lnRef>
+          <a:fillRef idx="1">
+            <a:schemeClr val="accent1"/>
+          </a:fillRef>
+          <a:effectRef idx="0">
+            <a:schemeClr val="accent1"/>
+          </a:effectRef>
+          <a:fontRef idx="minor">
+            <a:schemeClr val="lt1"/>
+          </a:fontRef>
+        </p:style>
+        <p:txBody>
+          <a:bodyPr rtlCol="0" anchor="ctr"/>
+          <a:lstStyle/>
+          <a:p>
+            <a:pPr algn="ctr"/>
+            <a:endParaRPr kumimoji="1" lang="ja-JP" altLang="en-US"/>
+          </a:p>
+        </p:txBody>
+      </p:sp>
+      <mc:AlternateContent xmlns:mc="http://schemas.openxmlformats.org/markup-compatibility/2006">
+        <mc:Choice xmlns:a14="http://schemas.microsoft.com/office/drawing/2010/main" Requires="a14">
+          <p:sp>
+            <p:nvSpPr>
+              <p:cNvPr id="22" name="テキスト ボックス 21">
+                <a:extLst>
+                  <a:ext uri="{FF2B5EF4-FFF2-40B4-BE49-F238E27FC236}">
+                    <a16:creationId xmlns:a16="http://schemas.microsoft.com/office/drawing/2014/main" id="{AF116A0D-83B9-4F5E-841B-418B510DF3A9}"/>
+                  </a:ext>
+                </a:extLst>
+              </p:cNvPr>
+              <p:cNvSpPr txBox="1"/>
+              <p:nvPr/>
+            </p:nvSpPr>
+            <p:spPr>
+              <a:xfrm>
+                <a:off x="6695617" y="123937"/>
+                <a:ext cx="351250" cy="492443"/>
+              </a:xfrm>
+              <a:prstGeom prst="rect">
+                <a:avLst/>
+              </a:prstGeom>
+              <a:noFill/>
+            </p:spPr>
+            <p:txBody>
+              <a:bodyPr wrap="none" lIns="0" tIns="0" rIns="0" bIns="0" rtlCol="0">
+                <a:spAutoFit/>
+              </a:bodyPr>
+              <a:lstStyle/>
+              <a:p>
+                <a:pPr/>
+                <a14:m>
+                  <m:oMathPara xmlns:m="http://schemas.openxmlformats.org/officeDocument/2006/math">
+                    <m:oMathParaPr>
+                      <m:jc m:val="centerGroup"/>
+                    </m:oMathParaPr>
+                    <m:oMath xmlns:m="http://schemas.openxmlformats.org/officeDocument/2006/math">
+                      <m:r>
+                        <a:rPr kumimoji="1" lang="en-US" altLang="ja-JP" sz="3200" b="0" i="1" smtClean="0">
+                          <a:latin typeface="Cambria Math" panose="02040503050406030204" pitchFamily="18" charset="0"/>
+                        </a:rPr>
+                        <m:t>𝑝</m:t>
+                      </m:r>
+                    </m:oMath>
+                  </m:oMathPara>
+                </a14:m>
+                <a:endParaRPr kumimoji="1" lang="ja-JP" altLang="en-US" sz="3200" dirty="0"/>
+              </a:p>
+            </p:txBody>
+          </p:sp>
+        </mc:Choice>
+        <mc:Fallback>
+          <p:sp>
+            <p:nvSpPr>
+              <p:cNvPr id="22" name="テキスト ボックス 21">
+                <a:extLst>
+                  <a:ext uri="{FF2B5EF4-FFF2-40B4-BE49-F238E27FC236}">
+                    <a16:creationId xmlns:a16="http://schemas.microsoft.com/office/drawing/2014/main" id="{AF116A0D-83B9-4F5E-841B-418B510DF3A9}"/>
+                  </a:ext>
+                </a:extLst>
+              </p:cNvPr>
+              <p:cNvSpPr txBox="1">
+                <a:spLocks noRot="1" noChangeAspect="1" noMove="1" noResize="1" noEditPoints="1" noAdjustHandles="1" noChangeArrowheads="1" noChangeShapeType="1" noTextEdit="1"/>
+              </p:cNvSpPr>
+              <p:nvPr/>
+            </p:nvSpPr>
+            <p:spPr>
+              <a:xfrm>
+                <a:off x="6695617" y="123937"/>
+                <a:ext cx="351250" cy="492443"/>
+              </a:xfrm>
+              <a:prstGeom prst="rect">
+                <a:avLst/>
+              </a:prstGeom>
+              <a:blipFill>
+                <a:blip r:embed="rId4"/>
+                <a:stretch>
+                  <a:fillRect/>
+                </a:stretch>
+              </a:blipFill>
+            </p:spPr>
+            <p:txBody>
+              <a:bodyPr/>
+              <a:lstStyle/>
+              <a:p>
+                <a:r>
+                  <a:rPr lang="ja-JP" altLang="en-US">
+                    <a:noFill/>
+                  </a:rPr>
+                  <a:t> </a:t>
+                </a:r>
+              </a:p>
+            </p:txBody>
+          </p:sp>
+        </mc:Fallback>
+      </mc:AlternateContent>
+      <p:cxnSp>
+        <p:nvCxnSpPr>
+          <p:cNvPr id="23" name="直線矢印コネクタ 22">
+            <a:extLst>
+              <a:ext uri="{FF2B5EF4-FFF2-40B4-BE49-F238E27FC236}">
+                <a16:creationId xmlns:a16="http://schemas.microsoft.com/office/drawing/2014/main" id="{084C2411-FB6F-4668-A60B-E4DEA273A3CD}"/>
+              </a:ext>
+            </a:extLst>
+          </p:cNvPr>
+          <p:cNvCxnSpPr>
+            <a:cxnSpLocks/>
+            <a:endCxn id="21" idx="3"/>
+          </p:cNvCxnSpPr>
+          <p:nvPr/>
+        </p:nvCxnSpPr>
+        <p:spPr>
+          <a:xfrm flipV="1">
+            <a:off x="5145087" y="500241"/>
+            <a:ext cx="1355496" cy="3111622"/>
+          </a:xfrm>
+          <a:prstGeom prst="straightConnector1">
+            <a:avLst/>
+          </a:prstGeom>
+          <a:ln w="38100">
+            <a:tailEnd type="triangle"/>
+          </a:ln>
+        </p:spPr>
+        <p:style>
+          <a:lnRef idx="1">
+            <a:schemeClr val="dk1"/>
+          </a:lnRef>
+          <a:fillRef idx="0">
+            <a:schemeClr val="dk1"/>
+          </a:fillRef>
+          <a:effectRef idx="0">
+            <a:schemeClr val="dk1"/>
+          </a:effectRef>
+          <a:fontRef idx="minor">
+            <a:schemeClr val="tx1"/>
+          </a:fontRef>
+        </p:style>
+      </p:cxnSp>
+      <mc:AlternateContent xmlns:mc="http://schemas.openxmlformats.org/markup-compatibility/2006">
+        <mc:Choice xmlns:a14="http://schemas.microsoft.com/office/drawing/2010/main" Requires="a14">
+          <p:sp>
+            <p:nvSpPr>
+              <p:cNvPr id="27" name="テキスト ボックス 26">
+                <a:extLst>
+                  <a:ext uri="{FF2B5EF4-FFF2-40B4-BE49-F238E27FC236}">
+                    <a16:creationId xmlns:a16="http://schemas.microsoft.com/office/drawing/2014/main" id="{09F9145B-B90A-4E28-949C-C75289424592}"/>
+                  </a:ext>
+                </a:extLst>
+              </p:cNvPr>
+              <p:cNvSpPr txBox="1"/>
+              <p:nvPr/>
+            </p:nvSpPr>
+            <p:spPr>
+              <a:xfrm>
+                <a:off x="5656150" y="2359705"/>
+                <a:ext cx="902837" cy="678647"/>
+              </a:xfrm>
+              <a:prstGeom prst="rect">
+                <a:avLst/>
+              </a:prstGeom>
+              <a:noFill/>
+            </p:spPr>
+            <p:txBody>
+              <a:bodyPr wrap="square" rtlCol="0">
+                <a:spAutoFit/>
+              </a:bodyPr>
+              <a:lstStyle/>
+              <a:p>
+                <a:pPr/>
+                <a14:m>
+                  <m:oMathPara xmlns:m="http://schemas.openxmlformats.org/officeDocument/2006/math">
+                    <m:oMathParaPr>
+                      <m:jc m:val="centerGroup"/>
+                    </m:oMathParaPr>
+                    <m:oMath xmlns:m="http://schemas.openxmlformats.org/officeDocument/2006/math">
+                      <m:sPre>
+                        <m:sPrePr>
+                          <m:ctrlPr>
+                            <a:rPr kumimoji="1" lang="en-US" altLang="ja-JP" sz="3200" i="1" smtClean="0">
+                              <a:latin typeface="Cambria Math" panose="02040503050406030204" pitchFamily="18" charset="0"/>
+                            </a:rPr>
+                          </m:ctrlPr>
+                        </m:sPrePr>
+                        <m:sub/>
+                        <m:sup>
+                          <m:r>
+                            <a:rPr kumimoji="1" lang="en-US" altLang="ja-JP" sz="3200" b="0" i="1" smtClean="0">
+                              <a:latin typeface="Cambria Math" panose="02040503050406030204" pitchFamily="18" charset="0"/>
+                            </a:rPr>
+                            <m:t>𝐴</m:t>
+                          </m:r>
+                        </m:sup>
+                        <m:e>
+                          <m:sSubSup>
+                            <m:sSubSupPr>
+                              <m:ctrlPr>
+                                <a:rPr lang="en-US" altLang="ja-JP" sz="3200" i="1" smtClean="0">
+                                  <a:latin typeface="Cambria Math" panose="02040503050406030204" pitchFamily="18" charset="0"/>
+                                </a:rPr>
+                              </m:ctrlPr>
+                            </m:sSubSupPr>
+                            <m:e>
+                              <m:r>
+                                <a:rPr lang="en-US" altLang="ja-JP" sz="3200" b="1" i="1" smtClean="0">
+                                  <a:latin typeface="Cambria Math" panose="02040503050406030204" pitchFamily="18" charset="0"/>
+                                </a:rPr>
+                                <m:t>𝒑</m:t>
+                              </m:r>
+                            </m:e>
+                            <m:sub/>
+                            <m:sup/>
+                          </m:sSubSup>
+                        </m:e>
+                      </m:sPre>
+                    </m:oMath>
+                  </m:oMathPara>
+                </a14:m>
+                <a:endParaRPr kumimoji="1" lang="ja-JP" altLang="en-US" sz="3200" dirty="0"/>
+              </a:p>
+            </p:txBody>
+          </p:sp>
+        </mc:Choice>
+        <mc:Fallback>
+          <p:sp>
+            <p:nvSpPr>
+              <p:cNvPr id="27" name="テキスト ボックス 26">
+                <a:extLst>
+                  <a:ext uri="{FF2B5EF4-FFF2-40B4-BE49-F238E27FC236}">
+                    <a16:creationId xmlns:a16="http://schemas.microsoft.com/office/drawing/2014/main" id="{09F9145B-B90A-4E28-949C-C75289424592}"/>
+                  </a:ext>
+                </a:extLst>
+              </p:cNvPr>
+              <p:cNvSpPr txBox="1">
+                <a:spLocks noRot="1" noChangeAspect="1" noMove="1" noResize="1" noEditPoints="1" noAdjustHandles="1" noChangeArrowheads="1" noChangeShapeType="1" noTextEdit="1"/>
+              </p:cNvSpPr>
+              <p:nvPr/>
+            </p:nvSpPr>
+            <p:spPr>
+              <a:xfrm>
+                <a:off x="5656150" y="2359705"/>
+                <a:ext cx="902837" cy="678647"/>
+              </a:xfrm>
+              <a:prstGeom prst="rect">
+                <a:avLst/>
+              </a:prstGeom>
+              <a:blipFill>
+                <a:blip r:embed="rId5"/>
+                <a:stretch>
+                  <a:fillRect/>
+                </a:stretch>
+              </a:blipFill>
+            </p:spPr>
+            <p:txBody>
+              <a:bodyPr/>
+              <a:lstStyle/>
+              <a:p>
+                <a:r>
+                  <a:rPr lang="ja-JP" altLang="en-US">
+                    <a:noFill/>
+                  </a:rPr>
+                  <a:t> </a:t>
+                </a:r>
+              </a:p>
+            </p:txBody>
+          </p:sp>
+        </mc:Fallback>
+      </mc:AlternateContent>
+      <p:cxnSp>
+        <p:nvCxnSpPr>
+          <p:cNvPr id="28" name="直線矢印コネクタ 27">
+            <a:extLst>
+              <a:ext uri="{FF2B5EF4-FFF2-40B4-BE49-F238E27FC236}">
+                <a16:creationId xmlns:a16="http://schemas.microsoft.com/office/drawing/2014/main" id="{20C9A774-3B51-45A5-B518-601C3D60C6F2}"/>
+              </a:ext>
+            </a:extLst>
+          </p:cNvPr>
+          <p:cNvCxnSpPr>
+            <a:cxnSpLocks/>
+          </p:cNvCxnSpPr>
+          <p:nvPr/>
+        </p:nvCxnSpPr>
+        <p:spPr>
+          <a:xfrm flipV="1">
+            <a:off x="2487440" y="3611863"/>
+            <a:ext cx="0" cy="2004182"/>
+          </a:xfrm>
+          <a:prstGeom prst="straightConnector1">
+            <a:avLst/>
+          </a:prstGeom>
+          <a:ln w="76200">
+            <a:tailEnd type="triangle"/>
+          </a:ln>
+        </p:spPr>
+        <p:style>
+          <a:lnRef idx="1">
+            <a:schemeClr val="dk1"/>
+          </a:lnRef>
+          <a:fillRef idx="0">
+            <a:schemeClr val="dk1"/>
+          </a:fillRef>
+          <a:effectRef idx="0">
+            <a:schemeClr val="dk1"/>
+          </a:effectRef>
+          <a:fontRef idx="minor">
+            <a:schemeClr val="tx1"/>
+          </a:fontRef>
+        </p:style>
+      </p:cxnSp>
+      <p:cxnSp>
+        <p:nvCxnSpPr>
+          <p:cNvPr id="30" name="直線矢印コネクタ 29">
+            <a:extLst>
+              <a:ext uri="{FF2B5EF4-FFF2-40B4-BE49-F238E27FC236}">
+                <a16:creationId xmlns:a16="http://schemas.microsoft.com/office/drawing/2014/main" id="{F0C2AB31-3956-48B5-B2C4-8EEAFB82F363}"/>
+              </a:ext>
+            </a:extLst>
+          </p:cNvPr>
+          <p:cNvCxnSpPr>
+            <a:cxnSpLocks/>
+          </p:cNvCxnSpPr>
+          <p:nvPr/>
+        </p:nvCxnSpPr>
+        <p:spPr>
+          <a:xfrm flipV="1">
+            <a:off x="2459431" y="5582488"/>
+            <a:ext cx="1445936" cy="1"/>
+          </a:xfrm>
+          <a:prstGeom prst="straightConnector1">
+            <a:avLst/>
+          </a:prstGeom>
+          <a:ln w="76200">
+            <a:tailEnd type="triangle"/>
+          </a:ln>
+        </p:spPr>
+        <p:style>
+          <a:lnRef idx="1">
+            <a:schemeClr val="dk1"/>
+          </a:lnRef>
+          <a:fillRef idx="0">
+            <a:schemeClr val="dk1"/>
+          </a:fillRef>
+          <a:effectRef idx="0">
+            <a:schemeClr val="dk1"/>
+          </a:effectRef>
+          <a:fontRef idx="minor">
+            <a:schemeClr val="tx1"/>
+          </a:fontRef>
+        </p:style>
+      </p:cxnSp>
+      <mc:AlternateContent xmlns:mc="http://schemas.openxmlformats.org/markup-compatibility/2006">
+        <mc:Choice xmlns:a14="http://schemas.microsoft.com/office/drawing/2010/main" Requires="a14">
+          <p:sp>
+            <p:nvSpPr>
+              <p:cNvPr id="31" name="テキスト ボックス 30">
+                <a:extLst>
+                  <a:ext uri="{FF2B5EF4-FFF2-40B4-BE49-F238E27FC236}">
+                    <a16:creationId xmlns:a16="http://schemas.microsoft.com/office/drawing/2014/main" id="{6A023AA6-A0E1-4858-BBB2-C44159A9056A}"/>
+                  </a:ext>
+                </a:extLst>
+              </p:cNvPr>
+              <p:cNvSpPr txBox="1"/>
+              <p:nvPr/>
+            </p:nvSpPr>
+            <p:spPr>
+              <a:xfrm>
+                <a:off x="4059461" y="4399489"/>
+                <a:ext cx="902837" cy="679866"/>
+              </a:xfrm>
+              <a:prstGeom prst="rect">
+                <a:avLst/>
+              </a:prstGeom>
+              <a:noFill/>
+            </p:spPr>
+            <p:txBody>
+              <a:bodyPr wrap="square" rtlCol="0">
+                <a:spAutoFit/>
+              </a:bodyPr>
+              <a:lstStyle/>
+              <a:p>
+                <a:pPr/>
+                <a14:m>
+                  <m:oMathPara xmlns:m="http://schemas.openxmlformats.org/officeDocument/2006/math">
+                    <m:oMathParaPr>
+                      <m:jc m:val="centerGroup"/>
+                    </m:oMathParaPr>
+                    <m:oMath xmlns:m="http://schemas.openxmlformats.org/officeDocument/2006/math">
+                      <m:sPre>
+                        <m:sPrePr>
+                          <m:ctrlPr>
+                            <a:rPr kumimoji="1" lang="en-US" altLang="ja-JP" sz="3200" i="1" smtClean="0">
+                              <a:latin typeface="Cambria Math" panose="02040503050406030204" pitchFamily="18" charset="0"/>
+                            </a:rPr>
+                          </m:ctrlPr>
+                        </m:sPrePr>
+                        <m:sub/>
+                        <m:sup>
+                          <m:r>
+                            <a:rPr kumimoji="1" lang="en-US" altLang="ja-JP" sz="3200" b="0" i="1" smtClean="0">
+                              <a:latin typeface="Cambria Math" panose="02040503050406030204" pitchFamily="18" charset="0"/>
+                            </a:rPr>
+                            <m:t>𝑊</m:t>
+                          </m:r>
+                        </m:sup>
+                        <m:e>
+                          <m:sSubSup>
+                            <m:sSubSupPr>
+                              <m:ctrlPr>
+                                <a:rPr lang="en-US" altLang="ja-JP" sz="3200" i="1" smtClean="0">
+                                  <a:latin typeface="Cambria Math" panose="02040503050406030204" pitchFamily="18" charset="0"/>
+                                </a:rPr>
+                              </m:ctrlPr>
+                            </m:sSubSupPr>
+                            <m:e>
+                              <m:r>
+                                <a:rPr lang="en-US" altLang="ja-JP" sz="3200" b="1" i="1" smtClean="0">
+                                  <a:latin typeface="Cambria Math" panose="02040503050406030204" pitchFamily="18" charset="0"/>
+                                </a:rPr>
+                                <m:t>𝒒</m:t>
+                              </m:r>
+                            </m:e>
+                            <m:sub>
+                              <m:r>
+                                <a:rPr lang="en-US" altLang="ja-JP" sz="3200" b="0" i="1" smtClean="0">
+                                  <a:latin typeface="Cambria Math" panose="02040503050406030204" pitchFamily="18" charset="0"/>
+                                </a:rPr>
+                                <m:t>𝐴</m:t>
+                              </m:r>
+                            </m:sub>
+                            <m:sup/>
+                          </m:sSubSup>
+                        </m:e>
+                      </m:sPre>
+                    </m:oMath>
+                  </m:oMathPara>
+                </a14:m>
+                <a:endParaRPr kumimoji="1" lang="ja-JP" altLang="en-US" sz="3200" dirty="0"/>
+              </a:p>
+            </p:txBody>
+          </p:sp>
+        </mc:Choice>
+        <mc:Fallback>
+          <p:sp>
+            <p:nvSpPr>
+              <p:cNvPr id="31" name="テキスト ボックス 30">
+                <a:extLst>
+                  <a:ext uri="{FF2B5EF4-FFF2-40B4-BE49-F238E27FC236}">
+                    <a16:creationId xmlns:a16="http://schemas.microsoft.com/office/drawing/2014/main" id="{6A023AA6-A0E1-4858-BBB2-C44159A9056A}"/>
+                  </a:ext>
+                </a:extLst>
+              </p:cNvPr>
+              <p:cNvSpPr txBox="1">
+                <a:spLocks noRot="1" noChangeAspect="1" noMove="1" noResize="1" noEditPoints="1" noAdjustHandles="1" noChangeArrowheads="1" noChangeShapeType="1" noTextEdit="1"/>
+              </p:cNvSpPr>
+              <p:nvPr/>
+            </p:nvSpPr>
+            <p:spPr>
+              <a:xfrm>
+                <a:off x="4059461" y="4399489"/>
+                <a:ext cx="902837" cy="679866"/>
+              </a:xfrm>
+              <a:prstGeom prst="rect">
+                <a:avLst/>
+              </a:prstGeom>
+              <a:blipFill>
+                <a:blip r:embed="rId6"/>
+                <a:stretch>
+                  <a:fillRect/>
+                </a:stretch>
+              </a:blipFill>
+            </p:spPr>
+            <p:txBody>
+              <a:bodyPr/>
+              <a:lstStyle/>
+              <a:p>
+                <a:r>
+                  <a:rPr lang="ja-JP" altLang="en-US">
+                    <a:noFill/>
+                  </a:rPr>
+                  <a:t> </a:t>
+                </a:r>
+              </a:p>
+            </p:txBody>
+          </p:sp>
+        </mc:Fallback>
+      </mc:AlternateContent>
+      <p:cxnSp>
+        <p:nvCxnSpPr>
+          <p:cNvPr id="33" name="直線矢印コネクタ 32">
+            <a:extLst>
+              <a:ext uri="{FF2B5EF4-FFF2-40B4-BE49-F238E27FC236}">
+                <a16:creationId xmlns:a16="http://schemas.microsoft.com/office/drawing/2014/main" id="{F4B3C7CD-C08F-4D97-ACC6-C6CB4B96E99A}"/>
+              </a:ext>
+            </a:extLst>
+          </p:cNvPr>
+          <p:cNvCxnSpPr>
+            <a:cxnSpLocks/>
+          </p:cNvCxnSpPr>
+          <p:nvPr/>
+        </p:nvCxnSpPr>
+        <p:spPr>
+          <a:xfrm flipV="1">
+            <a:off x="2651185" y="3686829"/>
+            <a:ext cx="2499418" cy="1844424"/>
+          </a:xfrm>
+          <a:prstGeom prst="straightConnector1">
+            <a:avLst/>
+          </a:prstGeom>
+          <a:ln w="38100">
+            <a:tailEnd type="triangle"/>
+          </a:ln>
+        </p:spPr>
+        <p:style>
+          <a:lnRef idx="1">
+            <a:schemeClr val="dk1"/>
+          </a:lnRef>
+          <a:fillRef idx="0">
+            <a:schemeClr val="dk1"/>
+          </a:fillRef>
+          <a:effectRef idx="0">
+            <a:schemeClr val="dk1"/>
+          </a:effectRef>
+          <a:fontRef idx="minor">
+            <a:schemeClr val="tx1"/>
+          </a:fontRef>
+        </p:style>
+      </p:cxnSp>
+      <p:cxnSp>
+        <p:nvCxnSpPr>
+          <p:cNvPr id="35" name="直線矢印コネクタ 34">
+            <a:extLst>
+              <a:ext uri="{FF2B5EF4-FFF2-40B4-BE49-F238E27FC236}">
+                <a16:creationId xmlns:a16="http://schemas.microsoft.com/office/drawing/2014/main" id="{D9217C8B-14B9-41A5-BA0B-CC5D94A33BCB}"/>
+              </a:ext>
+            </a:extLst>
+          </p:cNvPr>
+          <p:cNvCxnSpPr>
+            <a:cxnSpLocks/>
+          </p:cNvCxnSpPr>
+          <p:nvPr/>
+        </p:nvCxnSpPr>
+        <p:spPr>
+          <a:xfrm flipH="1">
+            <a:off x="2515450" y="3653273"/>
+            <a:ext cx="2513087" cy="1840298"/>
+          </a:xfrm>
+          <a:prstGeom prst="straightConnector1">
+            <a:avLst/>
+          </a:prstGeom>
+          <a:ln w="38100">
+            <a:tailEnd type="triangle"/>
+          </a:ln>
+        </p:spPr>
+        <p:style>
+          <a:lnRef idx="1">
+            <a:schemeClr val="dk1"/>
+          </a:lnRef>
+          <a:fillRef idx="0">
+            <a:schemeClr val="dk1"/>
+          </a:fillRef>
+          <a:effectRef idx="0">
+            <a:schemeClr val="dk1"/>
+          </a:effectRef>
+          <a:fontRef idx="minor">
+            <a:schemeClr val="tx1"/>
+          </a:fontRef>
+        </p:style>
+      </p:cxnSp>
+      <mc:AlternateContent xmlns:mc="http://schemas.openxmlformats.org/markup-compatibility/2006">
+        <mc:Choice xmlns:a14="http://schemas.microsoft.com/office/drawing/2010/main" Requires="a14">
+          <p:sp>
+            <p:nvSpPr>
+              <p:cNvPr id="39" name="テキスト ボックス 38">
+                <a:extLst>
+                  <a:ext uri="{FF2B5EF4-FFF2-40B4-BE49-F238E27FC236}">
+                    <a16:creationId xmlns:a16="http://schemas.microsoft.com/office/drawing/2014/main" id="{62F3A020-CD82-4BA8-A0B5-60B18D52CBF8}"/>
+                  </a:ext>
+                </a:extLst>
+              </p:cNvPr>
+              <p:cNvSpPr txBox="1"/>
+              <p:nvPr/>
+            </p:nvSpPr>
+            <p:spPr>
+              <a:xfrm>
+                <a:off x="3905367" y="5357408"/>
+                <a:ext cx="351057" cy="492443"/>
+              </a:xfrm>
+              <a:prstGeom prst="rect">
+                <a:avLst/>
+              </a:prstGeom>
+              <a:noFill/>
+            </p:spPr>
+            <p:txBody>
+              <a:bodyPr wrap="none" lIns="0" tIns="0" rIns="0" bIns="0" rtlCol="0">
+                <a:spAutoFit/>
+              </a:bodyPr>
+              <a:lstStyle/>
+              <a:p>
+                <a:pPr/>
+                <a14:m>
+                  <m:oMathPara xmlns:m="http://schemas.openxmlformats.org/officeDocument/2006/math">
+                    <m:oMathParaPr>
+                      <m:jc m:val="centerGroup"/>
+                    </m:oMathParaPr>
+                    <m:oMath xmlns:m="http://schemas.openxmlformats.org/officeDocument/2006/math">
+                      <m:r>
+                        <m:rPr>
+                          <m:sty m:val="p"/>
+                        </m:rPr>
+                        <a:rPr kumimoji="1" lang="en-US" altLang="ja-JP" sz="3200" b="0" i="0" smtClean="0">
+                          <a:latin typeface="Cambria Math" panose="02040503050406030204" pitchFamily="18" charset="0"/>
+                        </a:rPr>
+                        <m:t>X</m:t>
+                      </m:r>
+                    </m:oMath>
+                  </m:oMathPara>
+                </a14:m>
+                <a:endParaRPr kumimoji="1" lang="ja-JP" altLang="en-US" sz="3200" dirty="0"/>
+              </a:p>
+            </p:txBody>
+          </p:sp>
+        </mc:Choice>
+        <mc:Fallback>
+          <p:sp>
+            <p:nvSpPr>
+              <p:cNvPr id="39" name="テキスト ボックス 38">
+                <a:extLst>
+                  <a:ext uri="{FF2B5EF4-FFF2-40B4-BE49-F238E27FC236}">
+                    <a16:creationId xmlns:a16="http://schemas.microsoft.com/office/drawing/2014/main" id="{62F3A020-CD82-4BA8-A0B5-60B18D52CBF8}"/>
+                  </a:ext>
+                </a:extLst>
+              </p:cNvPr>
+              <p:cNvSpPr txBox="1">
+                <a:spLocks noRot="1" noChangeAspect="1" noMove="1" noResize="1" noEditPoints="1" noAdjustHandles="1" noChangeArrowheads="1" noChangeShapeType="1" noTextEdit="1"/>
+              </p:cNvSpPr>
+              <p:nvPr/>
+            </p:nvSpPr>
+            <p:spPr>
+              <a:xfrm>
+                <a:off x="3905367" y="5357408"/>
+                <a:ext cx="351057" cy="492443"/>
               </a:xfrm>
               <a:prstGeom prst="rect">
                 <a:avLst/>
@@ -6029,10 +7254,608 @@
           </p:sp>
         </mc:Fallback>
       </mc:AlternateContent>
+      <mc:AlternateContent xmlns:mc="http://schemas.openxmlformats.org/markup-compatibility/2006">
+        <mc:Choice xmlns:a14="http://schemas.microsoft.com/office/drawing/2010/main" Requires="a14">
+          <p:sp>
+            <p:nvSpPr>
+              <p:cNvPr id="45" name="テキスト ボックス 44">
+                <a:extLst>
+                  <a:ext uri="{FF2B5EF4-FFF2-40B4-BE49-F238E27FC236}">
+                    <a16:creationId xmlns:a16="http://schemas.microsoft.com/office/drawing/2014/main" id="{17366BCE-6204-45D7-A4CA-ED14874A7AC2}"/>
+                  </a:ext>
+                </a:extLst>
+              </p:cNvPr>
+              <p:cNvSpPr txBox="1"/>
+              <p:nvPr/>
+            </p:nvSpPr>
+            <p:spPr>
+              <a:xfrm>
+                <a:off x="2311911" y="3184736"/>
+                <a:ext cx="351058" cy="492443"/>
+              </a:xfrm>
+              <a:prstGeom prst="rect">
+                <a:avLst/>
+              </a:prstGeom>
+              <a:noFill/>
+            </p:spPr>
+            <p:txBody>
+              <a:bodyPr wrap="none" lIns="0" tIns="0" rIns="0" bIns="0" rtlCol="0">
+                <a:spAutoFit/>
+              </a:bodyPr>
+              <a:lstStyle/>
+              <a:p>
+                <a:pPr/>
+                <a14:m>
+                  <m:oMathPara xmlns:m="http://schemas.openxmlformats.org/officeDocument/2006/math">
+                    <m:oMathParaPr>
+                      <m:jc m:val="centerGroup"/>
+                    </m:oMathParaPr>
+                    <m:oMath xmlns:m="http://schemas.openxmlformats.org/officeDocument/2006/math">
+                      <m:r>
+                        <m:rPr>
+                          <m:sty m:val="p"/>
+                        </m:rPr>
+                        <a:rPr kumimoji="1" lang="en-US" altLang="ja-JP" sz="3200" b="0" i="0" smtClean="0">
+                          <a:latin typeface="Cambria Math" panose="02040503050406030204" pitchFamily="18" charset="0"/>
+                        </a:rPr>
+                        <m:t>Y</m:t>
+                      </m:r>
+                    </m:oMath>
+                  </m:oMathPara>
+                </a14:m>
+                <a:endParaRPr kumimoji="1" lang="ja-JP" altLang="en-US" sz="3200" dirty="0"/>
+              </a:p>
+            </p:txBody>
+          </p:sp>
+        </mc:Choice>
+        <mc:Fallback>
+          <p:sp>
+            <p:nvSpPr>
+              <p:cNvPr id="45" name="テキスト ボックス 44">
+                <a:extLst>
+                  <a:ext uri="{FF2B5EF4-FFF2-40B4-BE49-F238E27FC236}">
+                    <a16:creationId xmlns:a16="http://schemas.microsoft.com/office/drawing/2014/main" id="{17366BCE-6204-45D7-A4CA-ED14874A7AC2}"/>
+                  </a:ext>
+                </a:extLst>
+              </p:cNvPr>
+              <p:cNvSpPr txBox="1">
+                <a:spLocks noRot="1" noChangeAspect="1" noMove="1" noResize="1" noEditPoints="1" noAdjustHandles="1" noChangeArrowheads="1" noChangeShapeType="1" noTextEdit="1"/>
+              </p:cNvSpPr>
+              <p:nvPr/>
+            </p:nvSpPr>
+            <p:spPr>
+              <a:xfrm>
+                <a:off x="2311911" y="3184736"/>
+                <a:ext cx="351058" cy="492443"/>
+              </a:xfrm>
+              <a:prstGeom prst="rect">
+                <a:avLst/>
+              </a:prstGeom>
+              <a:blipFill>
+                <a:blip r:embed="rId8"/>
+                <a:stretch>
+                  <a:fillRect/>
+                </a:stretch>
+              </a:blipFill>
+            </p:spPr>
+            <p:txBody>
+              <a:bodyPr/>
+              <a:lstStyle/>
+              <a:p>
+                <a:r>
+                  <a:rPr lang="ja-JP" altLang="en-US">
+                    <a:noFill/>
+                  </a:rPr>
+                  <a:t> </a:t>
+                </a:r>
+              </a:p>
+            </p:txBody>
+          </p:sp>
+        </mc:Fallback>
+      </mc:AlternateContent>
+      <mc:AlternateContent xmlns:mc="http://schemas.openxmlformats.org/markup-compatibility/2006">
+        <mc:Choice xmlns:a14="http://schemas.microsoft.com/office/drawing/2010/main" Requires="a14">
+          <p:sp>
+            <p:nvSpPr>
+              <p:cNvPr id="46" name="テキスト ボックス 45">
+                <a:extLst>
+                  <a:ext uri="{FF2B5EF4-FFF2-40B4-BE49-F238E27FC236}">
+                    <a16:creationId xmlns:a16="http://schemas.microsoft.com/office/drawing/2014/main" id="{7DFC9B6F-3E00-4E3B-A039-C333063DAD91}"/>
+                  </a:ext>
+                </a:extLst>
+              </p:cNvPr>
+              <p:cNvSpPr txBox="1"/>
+              <p:nvPr/>
+            </p:nvSpPr>
+            <p:spPr>
+              <a:xfrm>
+                <a:off x="2219290" y="5612731"/>
+                <a:ext cx="351058" cy="492443"/>
+              </a:xfrm>
+              <a:prstGeom prst="rect">
+                <a:avLst/>
+              </a:prstGeom>
+              <a:noFill/>
+            </p:spPr>
+            <p:txBody>
+              <a:bodyPr wrap="square" lIns="0" tIns="0" rIns="0" bIns="0" rtlCol="0">
+                <a:spAutoFit/>
+              </a:bodyPr>
+              <a:lstStyle/>
+              <a:p>
+                <a:pPr/>
+                <a14:m>
+                  <m:oMathPara xmlns:m="http://schemas.openxmlformats.org/officeDocument/2006/math">
+                    <m:oMathParaPr>
+                      <m:jc m:val="centerGroup"/>
+                    </m:oMathParaPr>
+                    <m:oMath xmlns:m="http://schemas.openxmlformats.org/officeDocument/2006/math">
+                      <m:r>
+                        <a:rPr kumimoji="1" lang="en-US" altLang="ja-JP" sz="3200" b="0" i="1" smtClean="0">
+                          <a:latin typeface="Cambria Math" panose="02040503050406030204" pitchFamily="18" charset="0"/>
+                        </a:rPr>
+                        <m:t>𝑊</m:t>
+                      </m:r>
+                    </m:oMath>
+                  </m:oMathPara>
+                </a14:m>
+                <a:endParaRPr kumimoji="1" lang="ja-JP" altLang="en-US" sz="3200" i="1" dirty="0"/>
+              </a:p>
+            </p:txBody>
+          </p:sp>
+        </mc:Choice>
+        <mc:Fallback>
+          <p:sp>
+            <p:nvSpPr>
+              <p:cNvPr id="46" name="テキスト ボックス 45">
+                <a:extLst>
+                  <a:ext uri="{FF2B5EF4-FFF2-40B4-BE49-F238E27FC236}">
+                    <a16:creationId xmlns:a16="http://schemas.microsoft.com/office/drawing/2014/main" id="{7DFC9B6F-3E00-4E3B-A039-C333063DAD91}"/>
+                  </a:ext>
+                </a:extLst>
+              </p:cNvPr>
+              <p:cNvSpPr txBox="1">
+                <a:spLocks noRot="1" noChangeAspect="1" noMove="1" noResize="1" noEditPoints="1" noAdjustHandles="1" noChangeArrowheads="1" noChangeShapeType="1" noTextEdit="1"/>
+              </p:cNvSpPr>
+              <p:nvPr/>
+            </p:nvSpPr>
+            <p:spPr>
+              <a:xfrm>
+                <a:off x="2219290" y="5612731"/>
+                <a:ext cx="351058" cy="492443"/>
+              </a:xfrm>
+              <a:prstGeom prst="rect">
+                <a:avLst/>
+              </a:prstGeom>
+              <a:blipFill>
+                <a:blip r:embed="rId9"/>
+                <a:stretch>
+                  <a:fillRect r="-10345"/>
+                </a:stretch>
+              </a:blipFill>
+            </p:spPr>
+            <p:txBody>
+              <a:bodyPr/>
+              <a:lstStyle/>
+              <a:p>
+                <a:r>
+                  <a:rPr lang="ja-JP" altLang="en-US">
+                    <a:noFill/>
+                  </a:rPr>
+                  <a:t> </a:t>
+                </a:r>
+              </a:p>
+            </p:txBody>
+          </p:sp>
+        </mc:Fallback>
+      </mc:AlternateContent>
+      <p:cxnSp>
+        <p:nvCxnSpPr>
+          <p:cNvPr id="48" name="直線矢印コネクタ 47">
+            <a:extLst>
+              <a:ext uri="{FF2B5EF4-FFF2-40B4-BE49-F238E27FC236}">
+                <a16:creationId xmlns:a16="http://schemas.microsoft.com/office/drawing/2014/main" id="{A60A778D-10EB-4D07-8CC9-EA31B5CB2A85}"/>
+              </a:ext>
+            </a:extLst>
+          </p:cNvPr>
+          <p:cNvCxnSpPr>
+            <a:cxnSpLocks/>
+            <a:endCxn id="21" idx="2"/>
+          </p:cNvCxnSpPr>
+          <p:nvPr/>
+        </p:nvCxnSpPr>
+        <p:spPr>
+          <a:xfrm flipV="1">
+            <a:off x="2566066" y="446359"/>
+            <a:ext cx="3912199" cy="5056862"/>
+          </a:xfrm>
+          <a:prstGeom prst="straightConnector1">
+            <a:avLst/>
+          </a:prstGeom>
+          <a:ln w="38100">
+            <a:tailEnd type="triangle"/>
+          </a:ln>
+        </p:spPr>
+        <p:style>
+          <a:lnRef idx="1">
+            <a:schemeClr val="dk1"/>
+          </a:lnRef>
+          <a:fillRef idx="0">
+            <a:schemeClr val="dk1"/>
+          </a:fillRef>
+          <a:effectRef idx="0">
+            <a:schemeClr val="dk1"/>
+          </a:effectRef>
+          <a:fontRef idx="minor">
+            <a:schemeClr val="tx1"/>
+          </a:fontRef>
+        </p:style>
+      </p:cxnSp>
+      <mc:AlternateContent xmlns:mc="http://schemas.openxmlformats.org/markup-compatibility/2006">
+        <mc:Choice xmlns:a14="http://schemas.microsoft.com/office/drawing/2010/main" Requires="a14">
+          <p:sp>
+            <p:nvSpPr>
+              <p:cNvPr id="49" name="テキスト ボックス 48">
+                <a:extLst>
+                  <a:ext uri="{FF2B5EF4-FFF2-40B4-BE49-F238E27FC236}">
+                    <a16:creationId xmlns:a16="http://schemas.microsoft.com/office/drawing/2014/main" id="{7EAC759F-755E-411F-9337-670B6798F4C0}"/>
+                  </a:ext>
+                </a:extLst>
+              </p:cNvPr>
+              <p:cNvSpPr txBox="1"/>
+              <p:nvPr/>
+            </p:nvSpPr>
+            <p:spPr>
+              <a:xfrm>
+                <a:off x="5071455" y="3630172"/>
+                <a:ext cx="351058" cy="492443"/>
+              </a:xfrm>
+              <a:prstGeom prst="rect">
+                <a:avLst/>
+              </a:prstGeom>
+              <a:noFill/>
+            </p:spPr>
+            <p:txBody>
+              <a:bodyPr wrap="square" lIns="0" tIns="0" rIns="0" bIns="0" rtlCol="0">
+                <a:spAutoFit/>
+              </a:bodyPr>
+              <a:lstStyle/>
+              <a:p>
+                <a:pPr/>
+                <a14:m>
+                  <m:oMathPara xmlns:m="http://schemas.openxmlformats.org/officeDocument/2006/math">
+                    <m:oMathParaPr>
+                      <m:jc m:val="centerGroup"/>
+                    </m:oMathParaPr>
+                    <m:oMath xmlns:m="http://schemas.openxmlformats.org/officeDocument/2006/math">
+                      <m:r>
+                        <a:rPr kumimoji="1" lang="en-US" altLang="ja-JP" sz="3200" b="0" i="1" smtClean="0">
+                          <a:latin typeface="Cambria Math" panose="02040503050406030204" pitchFamily="18" charset="0"/>
+                        </a:rPr>
+                        <m:t>𝐴</m:t>
+                      </m:r>
+                    </m:oMath>
+                  </m:oMathPara>
+                </a14:m>
+                <a:endParaRPr kumimoji="1" lang="ja-JP" altLang="en-US" sz="3200" i="1" dirty="0"/>
+              </a:p>
+            </p:txBody>
+          </p:sp>
+        </mc:Choice>
+        <mc:Fallback>
+          <p:sp>
+            <p:nvSpPr>
+              <p:cNvPr id="49" name="テキスト ボックス 48">
+                <a:extLst>
+                  <a:ext uri="{FF2B5EF4-FFF2-40B4-BE49-F238E27FC236}">
+                    <a16:creationId xmlns:a16="http://schemas.microsoft.com/office/drawing/2014/main" id="{7EAC759F-755E-411F-9337-670B6798F4C0}"/>
+                  </a:ext>
+                </a:extLst>
+              </p:cNvPr>
+              <p:cNvSpPr txBox="1">
+                <a:spLocks noRot="1" noChangeAspect="1" noMove="1" noResize="1" noEditPoints="1" noAdjustHandles="1" noChangeArrowheads="1" noChangeShapeType="1" noTextEdit="1"/>
+              </p:cNvSpPr>
+              <p:nvPr/>
+            </p:nvSpPr>
+            <p:spPr>
+              <a:xfrm>
+                <a:off x="5071455" y="3630172"/>
+                <a:ext cx="351058" cy="492443"/>
+              </a:xfrm>
+              <a:prstGeom prst="rect">
+                <a:avLst/>
+              </a:prstGeom>
+              <a:blipFill>
+                <a:blip r:embed="rId10"/>
+                <a:stretch>
+                  <a:fillRect/>
+                </a:stretch>
+              </a:blipFill>
+            </p:spPr>
+            <p:txBody>
+              <a:bodyPr/>
+              <a:lstStyle/>
+              <a:p>
+                <a:r>
+                  <a:rPr lang="ja-JP" altLang="en-US">
+                    <a:noFill/>
+                  </a:rPr>
+                  <a:t> </a:t>
+                </a:r>
+              </a:p>
+            </p:txBody>
+          </p:sp>
+        </mc:Fallback>
+      </mc:AlternateContent>
+      <mc:AlternateContent xmlns:mc="http://schemas.openxmlformats.org/markup-compatibility/2006">
+        <mc:Choice xmlns:a14="http://schemas.microsoft.com/office/drawing/2010/main" Requires="a14">
+          <p:sp>
+            <p:nvSpPr>
+              <p:cNvPr id="51" name="テキスト ボックス 50">
+                <a:extLst>
+                  <a:ext uri="{FF2B5EF4-FFF2-40B4-BE49-F238E27FC236}">
+                    <a16:creationId xmlns:a16="http://schemas.microsoft.com/office/drawing/2014/main" id="{8B554C82-F965-428E-ADB0-E0A9EA116AB1}"/>
+                  </a:ext>
+                </a:extLst>
+              </p:cNvPr>
+              <p:cNvSpPr txBox="1"/>
+              <p:nvPr/>
+            </p:nvSpPr>
+            <p:spPr>
+              <a:xfrm>
+                <a:off x="4112168" y="3092892"/>
+                <a:ext cx="902837" cy="679738"/>
+              </a:xfrm>
+              <a:prstGeom prst="rect">
+                <a:avLst/>
+              </a:prstGeom>
+              <a:noFill/>
+            </p:spPr>
+            <p:txBody>
+              <a:bodyPr wrap="square" rtlCol="0">
+                <a:spAutoFit/>
+              </a:bodyPr>
+              <a:lstStyle/>
+              <a:p>
+                <a:pPr/>
+                <a14:m>
+                  <m:oMathPara xmlns:m="http://schemas.openxmlformats.org/officeDocument/2006/math">
+                    <m:oMathParaPr>
+                      <m:jc m:val="centerGroup"/>
+                    </m:oMathParaPr>
+                    <m:oMath xmlns:m="http://schemas.openxmlformats.org/officeDocument/2006/math">
+                      <m:sPre>
+                        <m:sPrePr>
+                          <m:ctrlPr>
+                            <a:rPr kumimoji="1" lang="en-US" altLang="ja-JP" sz="3200" i="1" smtClean="0">
+                              <a:latin typeface="Cambria Math" panose="02040503050406030204" pitchFamily="18" charset="0"/>
+                            </a:rPr>
+                          </m:ctrlPr>
+                        </m:sPrePr>
+                        <m:sub/>
+                        <m:sup>
+                          <m:r>
+                            <a:rPr kumimoji="1" lang="en-US" altLang="ja-JP" sz="3200" b="0" i="1" smtClean="0">
+                              <a:latin typeface="Cambria Math" panose="02040503050406030204" pitchFamily="18" charset="0"/>
+                            </a:rPr>
+                            <m:t>𝐴</m:t>
+                          </m:r>
+                        </m:sup>
+                        <m:e>
+                          <m:sSubSup>
+                            <m:sSubSupPr>
+                              <m:ctrlPr>
+                                <a:rPr lang="en-US" altLang="ja-JP" sz="3200" i="1" smtClean="0">
+                                  <a:latin typeface="Cambria Math" panose="02040503050406030204" pitchFamily="18" charset="0"/>
+                                </a:rPr>
+                              </m:ctrlPr>
+                            </m:sSubSupPr>
+                            <m:e>
+                              <m:r>
+                                <a:rPr lang="en-US" altLang="ja-JP" sz="3200" b="1" i="1" smtClean="0">
+                                  <a:latin typeface="Cambria Math" panose="02040503050406030204" pitchFamily="18" charset="0"/>
+                                </a:rPr>
+                                <m:t>𝒒</m:t>
+                              </m:r>
+                            </m:e>
+                            <m:sub>
+                              <m:r>
+                                <a:rPr lang="en-US" altLang="ja-JP" sz="3200" b="0" i="1" smtClean="0">
+                                  <a:latin typeface="Cambria Math" panose="02040503050406030204" pitchFamily="18" charset="0"/>
+                                </a:rPr>
+                                <m:t>𝑊</m:t>
+                              </m:r>
+                            </m:sub>
+                            <m:sup/>
+                          </m:sSubSup>
+                        </m:e>
+                      </m:sPre>
+                    </m:oMath>
+                  </m:oMathPara>
+                </a14:m>
+                <a:endParaRPr kumimoji="1" lang="ja-JP" altLang="en-US" sz="3200" dirty="0"/>
+              </a:p>
+            </p:txBody>
+          </p:sp>
+        </mc:Choice>
+        <mc:Fallback>
+          <p:sp>
+            <p:nvSpPr>
+              <p:cNvPr id="51" name="テキスト ボックス 50">
+                <a:extLst>
+                  <a:ext uri="{FF2B5EF4-FFF2-40B4-BE49-F238E27FC236}">
+                    <a16:creationId xmlns:a16="http://schemas.microsoft.com/office/drawing/2014/main" id="{8B554C82-F965-428E-ADB0-E0A9EA116AB1}"/>
+                  </a:ext>
+                </a:extLst>
+              </p:cNvPr>
+              <p:cNvSpPr txBox="1">
+                <a:spLocks noRot="1" noChangeAspect="1" noMove="1" noResize="1" noEditPoints="1" noAdjustHandles="1" noChangeArrowheads="1" noChangeShapeType="1" noTextEdit="1"/>
+              </p:cNvSpPr>
+              <p:nvPr/>
+            </p:nvSpPr>
+            <p:spPr>
+              <a:xfrm>
+                <a:off x="4112168" y="3092892"/>
+                <a:ext cx="902837" cy="679738"/>
+              </a:xfrm>
+              <a:prstGeom prst="rect">
+                <a:avLst/>
+              </a:prstGeom>
+              <a:blipFill>
+                <a:blip r:embed="rId11"/>
+                <a:stretch>
+                  <a:fillRect r="-2703"/>
+                </a:stretch>
+              </a:blipFill>
+            </p:spPr>
+            <p:txBody>
+              <a:bodyPr/>
+              <a:lstStyle/>
+              <a:p>
+                <a:r>
+                  <a:rPr lang="ja-JP" altLang="en-US">
+                    <a:noFill/>
+                  </a:rPr>
+                  <a:t> </a:t>
+                </a:r>
+              </a:p>
+            </p:txBody>
+          </p:sp>
+        </mc:Fallback>
+      </mc:AlternateContent>
+      <mc:AlternateContent xmlns:mc="http://schemas.openxmlformats.org/markup-compatibility/2006">
+        <mc:Choice xmlns:a14="http://schemas.microsoft.com/office/drawing/2010/main" Requires="a14">
+          <p:sp>
+            <p:nvSpPr>
+              <p:cNvPr id="52" name="テキスト ボックス 51">
+                <a:extLst>
+                  <a:ext uri="{FF2B5EF4-FFF2-40B4-BE49-F238E27FC236}">
+                    <a16:creationId xmlns:a16="http://schemas.microsoft.com/office/drawing/2014/main" id="{976F8075-2860-403D-A673-4E8632126A2F}"/>
+                  </a:ext>
+                </a:extLst>
+              </p:cNvPr>
+              <p:cNvSpPr txBox="1"/>
+              <p:nvPr/>
+            </p:nvSpPr>
+            <p:spPr>
+              <a:xfrm>
+                <a:off x="2946661" y="3275275"/>
+                <a:ext cx="902837" cy="678647"/>
+              </a:xfrm>
+              <a:prstGeom prst="rect">
+                <a:avLst/>
+              </a:prstGeom>
+              <a:noFill/>
+            </p:spPr>
+            <p:txBody>
+              <a:bodyPr wrap="square" rtlCol="0">
+                <a:spAutoFit/>
+              </a:bodyPr>
+              <a:lstStyle/>
+              <a:p>
+                <a:pPr/>
+                <a14:m>
+                  <m:oMathPara xmlns:m="http://schemas.openxmlformats.org/officeDocument/2006/math">
+                    <m:oMathParaPr>
+                      <m:jc m:val="centerGroup"/>
+                    </m:oMathParaPr>
+                    <m:oMath xmlns:m="http://schemas.openxmlformats.org/officeDocument/2006/math">
+                      <m:sPre>
+                        <m:sPrePr>
+                          <m:ctrlPr>
+                            <a:rPr kumimoji="1" lang="en-US" altLang="ja-JP" sz="3200" i="1" smtClean="0">
+                              <a:latin typeface="Cambria Math" panose="02040503050406030204" pitchFamily="18" charset="0"/>
+                            </a:rPr>
+                          </m:ctrlPr>
+                        </m:sPrePr>
+                        <m:sub/>
+                        <m:sup>
+                          <m:r>
+                            <a:rPr kumimoji="1" lang="en-US" altLang="ja-JP" sz="3200" b="0" i="1" smtClean="0">
+                              <a:latin typeface="Cambria Math" panose="02040503050406030204" pitchFamily="18" charset="0"/>
+                            </a:rPr>
+                            <m:t>𝑊</m:t>
+                          </m:r>
+                        </m:sup>
+                        <m:e>
+                          <m:sSubSup>
+                            <m:sSubSupPr>
+                              <m:ctrlPr>
+                                <a:rPr lang="en-US" altLang="ja-JP" sz="3200" i="1" smtClean="0">
+                                  <a:latin typeface="Cambria Math" panose="02040503050406030204" pitchFamily="18" charset="0"/>
+                                </a:rPr>
+                              </m:ctrlPr>
+                            </m:sSubSupPr>
+                            <m:e>
+                              <m:r>
+                                <a:rPr lang="en-US" altLang="ja-JP" sz="3200" b="1" i="1" smtClean="0">
+                                  <a:latin typeface="Cambria Math" panose="02040503050406030204" pitchFamily="18" charset="0"/>
+                                </a:rPr>
+                                <m:t>𝒑</m:t>
+                              </m:r>
+                            </m:e>
+                            <m:sub/>
+                            <m:sup/>
+                          </m:sSubSup>
+                        </m:e>
+                      </m:sPre>
+                    </m:oMath>
+                  </m:oMathPara>
+                </a14:m>
+                <a:endParaRPr kumimoji="1" lang="ja-JP" altLang="en-US" sz="3200" dirty="0"/>
+              </a:p>
+            </p:txBody>
+          </p:sp>
+        </mc:Choice>
+        <mc:Fallback>
+          <p:sp>
+            <p:nvSpPr>
+              <p:cNvPr id="52" name="テキスト ボックス 51">
+                <a:extLst>
+                  <a:ext uri="{FF2B5EF4-FFF2-40B4-BE49-F238E27FC236}">
+                    <a16:creationId xmlns:a16="http://schemas.microsoft.com/office/drawing/2014/main" id="{976F8075-2860-403D-A673-4E8632126A2F}"/>
+                  </a:ext>
+                </a:extLst>
+              </p:cNvPr>
+              <p:cNvSpPr txBox="1">
+                <a:spLocks noRot="1" noChangeAspect="1" noMove="1" noResize="1" noEditPoints="1" noAdjustHandles="1" noChangeArrowheads="1" noChangeShapeType="1" noTextEdit="1"/>
+              </p:cNvSpPr>
+              <p:nvPr/>
+            </p:nvSpPr>
+            <p:spPr>
+              <a:xfrm>
+                <a:off x="2946661" y="3275275"/>
+                <a:ext cx="902837" cy="678647"/>
+              </a:xfrm>
+              <a:prstGeom prst="rect">
+                <a:avLst/>
+              </a:prstGeom>
+              <a:blipFill>
+                <a:blip r:embed="rId12"/>
+                <a:stretch>
+                  <a:fillRect/>
+                </a:stretch>
+              </a:blipFill>
+            </p:spPr>
+            <p:txBody>
+              <a:bodyPr/>
+              <a:lstStyle/>
+              <a:p>
+                <a:r>
+                  <a:rPr lang="ja-JP" altLang="en-US">
+                    <a:noFill/>
+                  </a:rPr>
+                  <a:t> </a:t>
+                </a:r>
+              </a:p>
+            </p:txBody>
+          </p:sp>
+        </mc:Fallback>
+      </mc:AlternateContent>
     </p:spTree>
     <p:extLst>
       <p:ext uri="{BB962C8B-B14F-4D97-AF65-F5344CB8AC3E}">
-        <p14:creationId xmlns:p14="http://schemas.microsoft.com/office/powerpoint/2010/main" val="227095301"/>
+        <p14:creationId xmlns:p14="http://schemas.microsoft.com/office/powerpoint/2010/main" val="282699958"/>
       </p:ext>
     </p:extLst>
   </p:cSld>
@@ -6042,7 +7865,1762 @@
 </p:sld>
 </file>
 
-<file path=ppt/slides/slide3.xml><?xml version="1.0" encoding="utf-8"?>
+<file path=ppt/slides/slide4.xml><?xml version="1.0" encoding="utf-8"?>
+<p:sld xmlns:a="http://schemas.openxmlformats.org/drawingml/2006/main" xmlns:r="http://schemas.openxmlformats.org/officeDocument/2006/relationships" xmlns:p="http://schemas.openxmlformats.org/presentationml/2006/main">
+  <p:cSld>
+    <p:spTree>
+      <p:nvGrpSpPr>
+        <p:cNvPr id="1" name=""/>
+        <p:cNvGrpSpPr/>
+        <p:nvPr/>
+      </p:nvGrpSpPr>
+      <p:grpSpPr>
+        <a:xfrm>
+          <a:off x="0" y="0"/>
+          <a:ext cx="0" cy="0"/>
+          <a:chOff x="0" y="0"/>
+          <a:chExt cx="0" cy="0"/>
+        </a:xfrm>
+      </p:grpSpPr>
+      <p:grpSp>
+        <p:nvGrpSpPr>
+          <p:cNvPr id="4" name="グループ化 3">
+            <a:extLst>
+              <a:ext uri="{FF2B5EF4-FFF2-40B4-BE49-F238E27FC236}">
+                <a16:creationId xmlns:a16="http://schemas.microsoft.com/office/drawing/2014/main" id="{B042E50E-8C45-42C5-BEF0-7CF0465829DD}"/>
+              </a:ext>
+            </a:extLst>
+          </p:cNvPr>
+          <p:cNvGrpSpPr/>
+          <p:nvPr/>
+        </p:nvGrpSpPr>
+        <p:grpSpPr>
+          <a:xfrm>
+            <a:off x="1326310" y="2325509"/>
+            <a:ext cx="4810368" cy="3290536"/>
+            <a:chOff x="1769276" y="3611863"/>
+            <a:chExt cx="2929873" cy="2004182"/>
+          </a:xfrm>
+        </p:grpSpPr>
+        <p:cxnSp>
+          <p:nvCxnSpPr>
+            <p:cNvPr id="28" name="直線矢印コネクタ 27">
+              <a:extLst>
+                <a:ext uri="{FF2B5EF4-FFF2-40B4-BE49-F238E27FC236}">
+                  <a16:creationId xmlns:a16="http://schemas.microsoft.com/office/drawing/2014/main" id="{20C9A774-3B51-45A5-B518-601C3D60C6F2}"/>
+                </a:ext>
+              </a:extLst>
+            </p:cNvPr>
+            <p:cNvCxnSpPr>
+              <a:cxnSpLocks/>
+            </p:cNvCxnSpPr>
+            <p:nvPr/>
+          </p:nvCxnSpPr>
+          <p:spPr>
+            <a:xfrm flipV="1">
+              <a:off x="2487440" y="3611863"/>
+              <a:ext cx="0" cy="2004182"/>
+            </a:xfrm>
+            <a:prstGeom prst="straightConnector1">
+              <a:avLst/>
+            </a:prstGeom>
+            <a:ln w="38100">
+              <a:tailEnd type="triangle"/>
+            </a:ln>
+          </p:spPr>
+          <p:style>
+            <a:lnRef idx="1">
+              <a:schemeClr val="dk1"/>
+            </a:lnRef>
+            <a:fillRef idx="0">
+              <a:schemeClr val="dk1"/>
+            </a:fillRef>
+            <a:effectRef idx="0">
+              <a:schemeClr val="dk1"/>
+            </a:effectRef>
+            <a:fontRef idx="minor">
+              <a:schemeClr val="tx1"/>
+            </a:fontRef>
+          </p:style>
+        </p:cxnSp>
+        <p:cxnSp>
+          <p:nvCxnSpPr>
+            <p:cNvPr id="30" name="直線矢印コネクタ 29">
+              <a:extLst>
+                <a:ext uri="{FF2B5EF4-FFF2-40B4-BE49-F238E27FC236}">
+                  <a16:creationId xmlns:a16="http://schemas.microsoft.com/office/drawing/2014/main" id="{F0C2AB31-3956-48B5-B2C4-8EEAFB82F363}"/>
+                </a:ext>
+              </a:extLst>
+            </p:cNvPr>
+            <p:cNvCxnSpPr>
+              <a:cxnSpLocks/>
+            </p:cNvCxnSpPr>
+            <p:nvPr/>
+          </p:nvCxnSpPr>
+          <p:spPr>
+            <a:xfrm>
+              <a:off x="1769276" y="5603115"/>
+              <a:ext cx="2929873" cy="0"/>
+            </a:xfrm>
+            <a:prstGeom prst="straightConnector1">
+              <a:avLst/>
+            </a:prstGeom>
+            <a:ln w="38100">
+              <a:tailEnd type="triangle"/>
+            </a:ln>
+          </p:spPr>
+          <p:style>
+            <a:lnRef idx="1">
+              <a:schemeClr val="dk1"/>
+            </a:lnRef>
+            <a:fillRef idx="0">
+              <a:schemeClr val="dk1"/>
+            </a:fillRef>
+            <a:effectRef idx="0">
+              <a:schemeClr val="dk1"/>
+            </a:effectRef>
+            <a:fontRef idx="minor">
+              <a:schemeClr val="tx1"/>
+            </a:fontRef>
+          </p:style>
+        </p:cxnSp>
+      </p:grpSp>
+      <mc:AlternateContent xmlns:mc="http://schemas.openxmlformats.org/markup-compatibility/2006">
+        <mc:Choice xmlns:a14="http://schemas.microsoft.com/office/drawing/2010/main" Requires="a14">
+          <p:sp>
+            <p:nvSpPr>
+              <p:cNvPr id="39" name="テキスト ボックス 38">
+                <a:extLst>
+                  <a:ext uri="{FF2B5EF4-FFF2-40B4-BE49-F238E27FC236}">
+                    <a16:creationId xmlns:a16="http://schemas.microsoft.com/office/drawing/2014/main" id="{62F3A020-CD82-4BA8-A0B5-60B18D52CBF8}"/>
+                  </a:ext>
+                </a:extLst>
+              </p:cNvPr>
+              <p:cNvSpPr txBox="1"/>
+              <p:nvPr/>
+            </p:nvSpPr>
+            <p:spPr>
+              <a:xfrm>
+                <a:off x="6156084" y="5365525"/>
+                <a:ext cx="351057" cy="492443"/>
+              </a:xfrm>
+              <a:prstGeom prst="rect">
+                <a:avLst/>
+              </a:prstGeom>
+              <a:noFill/>
+            </p:spPr>
+            <p:txBody>
+              <a:bodyPr wrap="none" lIns="0" tIns="0" rIns="0" bIns="0" rtlCol="0">
+                <a:spAutoFit/>
+              </a:bodyPr>
+              <a:lstStyle/>
+              <a:p>
+                <a:pPr/>
+                <a14:m>
+                  <m:oMathPara xmlns:m="http://schemas.openxmlformats.org/officeDocument/2006/math">
+                    <m:oMathParaPr>
+                      <m:jc m:val="centerGroup"/>
+                    </m:oMathParaPr>
+                    <m:oMath xmlns:m="http://schemas.openxmlformats.org/officeDocument/2006/math">
+                      <m:r>
+                        <m:rPr>
+                          <m:sty m:val="p"/>
+                        </m:rPr>
+                        <a:rPr kumimoji="1" lang="en-US" altLang="ja-JP" sz="3200" b="0" i="0" smtClean="0">
+                          <a:latin typeface="Cambria Math" panose="02040503050406030204" pitchFamily="18" charset="0"/>
+                        </a:rPr>
+                        <m:t>X</m:t>
+                      </m:r>
+                    </m:oMath>
+                  </m:oMathPara>
+                </a14:m>
+                <a:endParaRPr kumimoji="1" lang="ja-JP" altLang="en-US" sz="3200" dirty="0"/>
+              </a:p>
+            </p:txBody>
+          </p:sp>
+        </mc:Choice>
+        <mc:Fallback>
+          <p:sp>
+            <p:nvSpPr>
+              <p:cNvPr id="39" name="テキスト ボックス 38">
+                <a:extLst>
+                  <a:ext uri="{FF2B5EF4-FFF2-40B4-BE49-F238E27FC236}">
+                    <a16:creationId xmlns:a16="http://schemas.microsoft.com/office/drawing/2014/main" id="{62F3A020-CD82-4BA8-A0B5-60B18D52CBF8}"/>
+                  </a:ext>
+                </a:extLst>
+              </p:cNvPr>
+              <p:cNvSpPr txBox="1">
+                <a:spLocks noRot="1" noChangeAspect="1" noMove="1" noResize="1" noEditPoints="1" noAdjustHandles="1" noChangeArrowheads="1" noChangeShapeType="1" noTextEdit="1"/>
+              </p:cNvSpPr>
+              <p:nvPr/>
+            </p:nvSpPr>
+            <p:spPr>
+              <a:xfrm>
+                <a:off x="6156084" y="5365525"/>
+                <a:ext cx="351057" cy="492443"/>
+              </a:xfrm>
+              <a:prstGeom prst="rect">
+                <a:avLst/>
+              </a:prstGeom>
+              <a:blipFill>
+                <a:blip r:embed="rId2"/>
+                <a:stretch>
+                  <a:fillRect/>
+                </a:stretch>
+              </a:blipFill>
+            </p:spPr>
+            <p:txBody>
+              <a:bodyPr/>
+              <a:lstStyle/>
+              <a:p>
+                <a:r>
+                  <a:rPr lang="ja-JP" altLang="en-US">
+                    <a:noFill/>
+                  </a:rPr>
+                  <a:t> </a:t>
+                </a:r>
+              </a:p>
+            </p:txBody>
+          </p:sp>
+        </mc:Fallback>
+      </mc:AlternateContent>
+      <mc:AlternateContent xmlns:mc="http://schemas.openxmlformats.org/markup-compatibility/2006">
+        <mc:Choice xmlns:a14="http://schemas.microsoft.com/office/drawing/2010/main" Requires="a14">
+          <p:sp>
+            <p:nvSpPr>
+              <p:cNvPr id="45" name="テキスト ボックス 44">
+                <a:extLst>
+                  <a:ext uri="{FF2B5EF4-FFF2-40B4-BE49-F238E27FC236}">
+                    <a16:creationId xmlns:a16="http://schemas.microsoft.com/office/drawing/2014/main" id="{17366BCE-6204-45D7-A4CA-ED14874A7AC2}"/>
+                  </a:ext>
+                </a:extLst>
+              </p:cNvPr>
+              <p:cNvSpPr txBox="1"/>
+              <p:nvPr/>
+            </p:nvSpPr>
+            <p:spPr>
+              <a:xfrm>
+                <a:off x="2329888" y="1833066"/>
+                <a:ext cx="351058" cy="492443"/>
+              </a:xfrm>
+              <a:prstGeom prst="rect">
+                <a:avLst/>
+              </a:prstGeom>
+              <a:noFill/>
+            </p:spPr>
+            <p:txBody>
+              <a:bodyPr wrap="none" lIns="0" tIns="0" rIns="0" bIns="0" rtlCol="0">
+                <a:spAutoFit/>
+              </a:bodyPr>
+              <a:lstStyle/>
+              <a:p>
+                <a:pPr/>
+                <a14:m>
+                  <m:oMathPara xmlns:m="http://schemas.openxmlformats.org/officeDocument/2006/math">
+                    <m:oMathParaPr>
+                      <m:jc m:val="centerGroup"/>
+                    </m:oMathParaPr>
+                    <m:oMath xmlns:m="http://schemas.openxmlformats.org/officeDocument/2006/math">
+                      <m:r>
+                        <m:rPr>
+                          <m:sty m:val="p"/>
+                        </m:rPr>
+                        <a:rPr kumimoji="1" lang="en-US" altLang="ja-JP" sz="3200" b="0" i="0" smtClean="0">
+                          <a:latin typeface="Cambria Math" panose="02040503050406030204" pitchFamily="18" charset="0"/>
+                        </a:rPr>
+                        <m:t>Y</m:t>
+                      </m:r>
+                    </m:oMath>
+                  </m:oMathPara>
+                </a14:m>
+                <a:endParaRPr kumimoji="1" lang="ja-JP" altLang="en-US" sz="3200" dirty="0"/>
+              </a:p>
+            </p:txBody>
+          </p:sp>
+        </mc:Choice>
+        <mc:Fallback>
+          <p:sp>
+            <p:nvSpPr>
+              <p:cNvPr id="45" name="テキスト ボックス 44">
+                <a:extLst>
+                  <a:ext uri="{FF2B5EF4-FFF2-40B4-BE49-F238E27FC236}">
+                    <a16:creationId xmlns:a16="http://schemas.microsoft.com/office/drawing/2014/main" id="{17366BCE-6204-45D7-A4CA-ED14874A7AC2}"/>
+                  </a:ext>
+                </a:extLst>
+              </p:cNvPr>
+              <p:cNvSpPr txBox="1">
+                <a:spLocks noRot="1" noChangeAspect="1" noMove="1" noResize="1" noEditPoints="1" noAdjustHandles="1" noChangeArrowheads="1" noChangeShapeType="1" noTextEdit="1"/>
+              </p:cNvSpPr>
+              <p:nvPr/>
+            </p:nvSpPr>
+            <p:spPr>
+              <a:xfrm>
+                <a:off x="2329888" y="1833066"/>
+                <a:ext cx="351058" cy="492443"/>
+              </a:xfrm>
+              <a:prstGeom prst="rect">
+                <a:avLst/>
+              </a:prstGeom>
+              <a:blipFill>
+                <a:blip r:embed="rId3"/>
+                <a:stretch>
+                  <a:fillRect/>
+                </a:stretch>
+              </a:blipFill>
+            </p:spPr>
+            <p:txBody>
+              <a:bodyPr/>
+              <a:lstStyle/>
+              <a:p>
+                <a:r>
+                  <a:rPr lang="ja-JP" altLang="en-US">
+                    <a:noFill/>
+                  </a:rPr>
+                  <a:t> </a:t>
+                </a:r>
+              </a:p>
+            </p:txBody>
+          </p:sp>
+        </mc:Fallback>
+      </mc:AlternateContent>
+      <p:grpSp>
+        <p:nvGrpSpPr>
+          <p:cNvPr id="5" name="グループ化 4">
+            <a:extLst>
+              <a:ext uri="{FF2B5EF4-FFF2-40B4-BE49-F238E27FC236}">
+                <a16:creationId xmlns:a16="http://schemas.microsoft.com/office/drawing/2014/main" id="{B3ACBA22-A5C3-4717-AAAC-AA226AD34032}"/>
+              </a:ext>
+            </a:extLst>
+          </p:cNvPr>
+          <p:cNvGrpSpPr/>
+          <p:nvPr/>
+        </p:nvGrpSpPr>
+        <p:grpSpPr>
+          <a:xfrm rot="20113966">
+            <a:off x="1264983" y="2490527"/>
+            <a:ext cx="4788915" cy="3876068"/>
+            <a:chOff x="4543172" y="1095644"/>
+            <a:chExt cx="4788915" cy="3876068"/>
+          </a:xfrm>
+        </p:grpSpPr>
+        <p:cxnSp>
+          <p:nvCxnSpPr>
+            <p:cNvPr id="34" name="直線矢印コネクタ 33">
+              <a:extLst>
+                <a:ext uri="{FF2B5EF4-FFF2-40B4-BE49-F238E27FC236}">
+                  <a16:creationId xmlns:a16="http://schemas.microsoft.com/office/drawing/2014/main" id="{0276690A-1598-4DDD-A64D-52D244C6D970}"/>
+                </a:ext>
+              </a:extLst>
+            </p:cNvPr>
+            <p:cNvCxnSpPr>
+              <a:cxnSpLocks/>
+            </p:cNvCxnSpPr>
+            <p:nvPr/>
+          </p:nvCxnSpPr>
+          <p:spPr>
+            <a:xfrm rot="2311666" flipH="1" flipV="1">
+              <a:off x="4543172" y="1095644"/>
+              <a:ext cx="1735199" cy="2179275"/>
+            </a:xfrm>
+            <a:prstGeom prst="straightConnector1">
+              <a:avLst/>
+            </a:prstGeom>
+            <a:ln w="38100">
+              <a:tailEnd type="triangle"/>
+            </a:ln>
+          </p:spPr>
+          <p:style>
+            <a:lnRef idx="1">
+              <a:schemeClr val="dk1"/>
+            </a:lnRef>
+            <a:fillRef idx="0">
+              <a:schemeClr val="dk1"/>
+            </a:fillRef>
+            <a:effectRef idx="0">
+              <a:schemeClr val="dk1"/>
+            </a:effectRef>
+            <a:fontRef idx="minor">
+              <a:schemeClr val="tx1"/>
+            </a:fontRef>
+          </p:style>
+        </p:cxnSp>
+        <p:cxnSp>
+          <p:nvCxnSpPr>
+            <p:cNvPr id="37" name="直線矢印コネクタ 36">
+              <a:extLst>
+                <a:ext uri="{FF2B5EF4-FFF2-40B4-BE49-F238E27FC236}">
+                  <a16:creationId xmlns:a16="http://schemas.microsoft.com/office/drawing/2014/main" id="{9CF37CA9-53E8-46E4-8AFB-FF9AE82D547F}"/>
+                </a:ext>
+              </a:extLst>
+            </p:cNvPr>
+            <p:cNvCxnSpPr>
+              <a:cxnSpLocks/>
+            </p:cNvCxnSpPr>
+            <p:nvPr/>
+          </p:nvCxnSpPr>
+          <p:spPr>
+            <a:xfrm rot="2311666" flipV="1">
+              <a:off x="5865094" y="2211197"/>
+              <a:ext cx="3466993" cy="2760515"/>
+            </a:xfrm>
+            <a:prstGeom prst="straightConnector1">
+              <a:avLst/>
+            </a:prstGeom>
+            <a:ln w="38100">
+              <a:tailEnd type="triangle"/>
+            </a:ln>
+          </p:spPr>
+          <p:style>
+            <a:lnRef idx="1">
+              <a:schemeClr val="dk1"/>
+            </a:lnRef>
+            <a:fillRef idx="0">
+              <a:schemeClr val="dk1"/>
+            </a:fillRef>
+            <a:effectRef idx="0">
+              <a:schemeClr val="dk1"/>
+            </a:effectRef>
+            <a:fontRef idx="minor">
+              <a:schemeClr val="tx1"/>
+            </a:fontRef>
+          </p:style>
+        </p:cxnSp>
+      </p:grpSp>
+      <mc:AlternateContent xmlns:mc="http://schemas.openxmlformats.org/markup-compatibility/2006">
+        <mc:Choice xmlns:a14="http://schemas.microsoft.com/office/drawing/2010/main" Requires="a14">
+          <p:sp>
+            <p:nvSpPr>
+              <p:cNvPr id="44" name="テキスト ボックス 43">
+                <a:extLst>
+                  <a:ext uri="{FF2B5EF4-FFF2-40B4-BE49-F238E27FC236}">
+                    <a16:creationId xmlns:a16="http://schemas.microsoft.com/office/drawing/2014/main" id="{91C78D81-3FF6-4E2C-A596-46AE99F82057}"/>
+                  </a:ext>
+                </a:extLst>
+              </p:cNvPr>
+              <p:cNvSpPr txBox="1"/>
+              <p:nvPr/>
+            </p:nvSpPr>
+            <p:spPr>
+              <a:xfrm>
+                <a:off x="1143569" y="2564352"/>
+                <a:ext cx="365485" cy="492443"/>
+              </a:xfrm>
+              <a:prstGeom prst="rect">
+                <a:avLst/>
+              </a:prstGeom>
+              <a:noFill/>
+            </p:spPr>
+            <p:txBody>
+              <a:bodyPr wrap="none" lIns="0" tIns="0" rIns="0" bIns="0" rtlCol="0">
+                <a:spAutoFit/>
+              </a:bodyPr>
+              <a:lstStyle/>
+              <a:p>
+                <a:pPr/>
+                <a14:m>
+                  <m:oMathPara xmlns:m="http://schemas.openxmlformats.org/officeDocument/2006/math">
+                    <m:oMathParaPr>
+                      <m:jc m:val="centerGroup"/>
+                    </m:oMathParaPr>
+                    <m:oMath xmlns:m="http://schemas.openxmlformats.org/officeDocument/2006/math">
+                      <m:r>
+                        <m:rPr>
+                          <m:sty m:val="p"/>
+                        </m:rPr>
+                        <a:rPr kumimoji="1" lang="en-US" altLang="ja-JP" sz="3200" b="0" i="0" smtClean="0">
+                          <a:latin typeface="Cambria Math" panose="02040503050406030204" pitchFamily="18" charset="0"/>
+                        </a:rPr>
+                        <m:t>V</m:t>
+                      </m:r>
+                    </m:oMath>
+                  </m:oMathPara>
+                </a14:m>
+                <a:endParaRPr kumimoji="1" lang="ja-JP" altLang="en-US" sz="3200" dirty="0"/>
+              </a:p>
+            </p:txBody>
+          </p:sp>
+        </mc:Choice>
+        <mc:Fallback>
+          <p:sp>
+            <p:nvSpPr>
+              <p:cNvPr id="44" name="テキスト ボックス 43">
+                <a:extLst>
+                  <a:ext uri="{FF2B5EF4-FFF2-40B4-BE49-F238E27FC236}">
+                    <a16:creationId xmlns:a16="http://schemas.microsoft.com/office/drawing/2014/main" id="{91C78D81-3FF6-4E2C-A596-46AE99F82057}"/>
+                  </a:ext>
+                </a:extLst>
+              </p:cNvPr>
+              <p:cNvSpPr txBox="1">
+                <a:spLocks noRot="1" noChangeAspect="1" noMove="1" noResize="1" noEditPoints="1" noAdjustHandles="1" noChangeArrowheads="1" noChangeShapeType="1" noTextEdit="1"/>
+              </p:cNvSpPr>
+              <p:nvPr/>
+            </p:nvSpPr>
+            <p:spPr>
+              <a:xfrm>
+                <a:off x="1143569" y="2564352"/>
+                <a:ext cx="365485" cy="492443"/>
+              </a:xfrm>
+              <a:prstGeom prst="rect">
+                <a:avLst/>
+              </a:prstGeom>
+              <a:blipFill>
+                <a:blip r:embed="rId4"/>
+                <a:stretch>
+                  <a:fillRect/>
+                </a:stretch>
+              </a:blipFill>
+            </p:spPr>
+            <p:txBody>
+              <a:bodyPr/>
+              <a:lstStyle/>
+              <a:p>
+                <a:r>
+                  <a:rPr lang="ja-JP" altLang="en-US">
+                    <a:noFill/>
+                  </a:rPr>
+                  <a:t> </a:t>
+                </a:r>
+              </a:p>
+            </p:txBody>
+          </p:sp>
+        </mc:Fallback>
+      </mc:AlternateContent>
+      <mc:AlternateContent xmlns:mc="http://schemas.openxmlformats.org/markup-compatibility/2006">
+        <mc:Choice xmlns:a14="http://schemas.microsoft.com/office/drawing/2010/main" Requires="a14">
+          <p:sp>
+            <p:nvSpPr>
+              <p:cNvPr id="29" name="テキスト ボックス 28">
+                <a:extLst>
+                  <a:ext uri="{FF2B5EF4-FFF2-40B4-BE49-F238E27FC236}">
+                    <a16:creationId xmlns:a16="http://schemas.microsoft.com/office/drawing/2014/main" id="{C7B17563-559E-41B1-8314-2806B98C5EB0}"/>
+                  </a:ext>
+                </a:extLst>
+              </p:cNvPr>
+              <p:cNvSpPr txBox="1"/>
+              <p:nvPr/>
+            </p:nvSpPr>
+            <p:spPr>
+              <a:xfrm>
+                <a:off x="6531253" y="3478334"/>
+                <a:ext cx="383117" cy="492443"/>
+              </a:xfrm>
+              <a:prstGeom prst="rect">
+                <a:avLst/>
+              </a:prstGeom>
+              <a:noFill/>
+            </p:spPr>
+            <p:txBody>
+              <a:bodyPr wrap="none" lIns="0" tIns="0" rIns="0" bIns="0" rtlCol="0">
+                <a:spAutoFit/>
+              </a:bodyPr>
+              <a:lstStyle/>
+              <a:p>
+                <a:pPr/>
+                <a14:m>
+                  <m:oMathPara xmlns:m="http://schemas.openxmlformats.org/officeDocument/2006/math">
+                    <m:oMathParaPr>
+                      <m:jc m:val="centerGroup"/>
+                    </m:oMathParaPr>
+                    <m:oMath xmlns:m="http://schemas.openxmlformats.org/officeDocument/2006/math">
+                      <m:r>
+                        <m:rPr>
+                          <m:sty m:val="p"/>
+                        </m:rPr>
+                        <a:rPr kumimoji="1" lang="en-US" altLang="ja-JP" sz="3200" b="0" i="0" smtClean="0">
+                          <a:latin typeface="Cambria Math" panose="02040503050406030204" pitchFamily="18" charset="0"/>
+                        </a:rPr>
+                        <m:t>U</m:t>
+                      </m:r>
+                    </m:oMath>
+                  </m:oMathPara>
+                </a14:m>
+                <a:endParaRPr kumimoji="1" lang="ja-JP" altLang="en-US" sz="3200" dirty="0"/>
+              </a:p>
+            </p:txBody>
+          </p:sp>
+        </mc:Choice>
+        <mc:Fallback>
+          <p:sp>
+            <p:nvSpPr>
+              <p:cNvPr id="29" name="テキスト ボックス 28">
+                <a:extLst>
+                  <a:ext uri="{FF2B5EF4-FFF2-40B4-BE49-F238E27FC236}">
+                    <a16:creationId xmlns:a16="http://schemas.microsoft.com/office/drawing/2014/main" id="{C7B17563-559E-41B1-8314-2806B98C5EB0}"/>
+                  </a:ext>
+                </a:extLst>
+              </p:cNvPr>
+              <p:cNvSpPr txBox="1">
+                <a:spLocks noRot="1" noChangeAspect="1" noMove="1" noResize="1" noEditPoints="1" noAdjustHandles="1" noChangeArrowheads="1" noChangeShapeType="1" noTextEdit="1"/>
+              </p:cNvSpPr>
+              <p:nvPr/>
+            </p:nvSpPr>
+            <p:spPr>
+              <a:xfrm>
+                <a:off x="6531253" y="3478334"/>
+                <a:ext cx="383117" cy="492443"/>
+              </a:xfrm>
+              <a:prstGeom prst="rect">
+                <a:avLst/>
+              </a:prstGeom>
+              <a:blipFill>
+                <a:blip r:embed="rId5"/>
+                <a:stretch>
+                  <a:fillRect/>
+                </a:stretch>
+              </a:blipFill>
+            </p:spPr>
+            <p:txBody>
+              <a:bodyPr/>
+              <a:lstStyle/>
+              <a:p>
+                <a:r>
+                  <a:rPr lang="ja-JP" altLang="en-US">
+                    <a:noFill/>
+                  </a:rPr>
+                  <a:t> </a:t>
+                </a:r>
+              </a:p>
+            </p:txBody>
+          </p:sp>
+        </mc:Fallback>
+      </mc:AlternateContent>
+      <p:sp>
+        <p:nvSpPr>
+          <p:cNvPr id="8" name="円弧 7">
+            <a:extLst>
+              <a:ext uri="{FF2B5EF4-FFF2-40B4-BE49-F238E27FC236}">
+                <a16:creationId xmlns:a16="http://schemas.microsoft.com/office/drawing/2014/main" id="{698AD121-DDCE-44BC-9B69-48C42D5A58EC}"/>
+              </a:ext>
+            </a:extLst>
+          </p:cNvPr>
+          <p:cNvSpPr/>
+          <p:nvPr/>
+        </p:nvSpPr>
+        <p:spPr>
+          <a:xfrm>
+            <a:off x="1627680" y="4166386"/>
+            <a:ext cx="2832612" cy="2832612"/>
+          </a:xfrm>
+          <a:prstGeom prst="arc">
+            <a:avLst>
+              <a:gd name="adj1" fmla="val 19690435"/>
+              <a:gd name="adj2" fmla="val 0"/>
+            </a:avLst>
+          </a:prstGeom>
+          <a:ln w="57150">
+            <a:headEnd type="stealth"/>
+          </a:ln>
+        </p:spPr>
+        <p:style>
+          <a:lnRef idx="1">
+            <a:schemeClr val="dk1"/>
+          </a:lnRef>
+          <a:fillRef idx="0">
+            <a:schemeClr val="dk1"/>
+          </a:fillRef>
+          <a:effectRef idx="0">
+            <a:schemeClr val="dk1"/>
+          </a:effectRef>
+          <a:fontRef idx="minor">
+            <a:schemeClr val="tx1"/>
+          </a:fontRef>
+        </p:style>
+        <p:txBody>
+          <a:bodyPr rtlCol="0" anchor="ctr"/>
+          <a:lstStyle/>
+          <a:p>
+            <a:pPr algn="ctr"/>
+            <a:endParaRPr kumimoji="1" lang="ja-JP" altLang="en-US"/>
+          </a:p>
+        </p:txBody>
+      </p:sp>
+      <p:sp>
+        <p:nvSpPr>
+          <p:cNvPr id="10" name="正方形/長方形 9">
+            <a:extLst>
+              <a:ext uri="{FF2B5EF4-FFF2-40B4-BE49-F238E27FC236}">
+                <a16:creationId xmlns:a16="http://schemas.microsoft.com/office/drawing/2014/main" id="{407EF521-191F-4884-906B-DAD29D3A155C}"/>
+              </a:ext>
+            </a:extLst>
+          </p:cNvPr>
+          <p:cNvSpPr/>
+          <p:nvPr/>
+        </p:nvSpPr>
+        <p:spPr>
+          <a:xfrm>
+            <a:off x="2500607" y="3138787"/>
+            <a:ext cx="3251915" cy="2445061"/>
+          </a:xfrm>
+          <a:prstGeom prst="rect">
+            <a:avLst/>
+          </a:prstGeom>
+          <a:noFill/>
+        </p:spPr>
+        <p:style>
+          <a:lnRef idx="2">
+            <a:schemeClr val="accent1">
+              <a:shade val="50000"/>
+            </a:schemeClr>
+          </a:lnRef>
+          <a:fillRef idx="1">
+            <a:schemeClr val="accent1"/>
+          </a:fillRef>
+          <a:effectRef idx="0">
+            <a:schemeClr val="accent1"/>
+          </a:effectRef>
+          <a:fontRef idx="minor">
+            <a:schemeClr val="lt1"/>
+          </a:fontRef>
+        </p:style>
+        <p:txBody>
+          <a:bodyPr rtlCol="0" anchor="ctr"/>
+          <a:lstStyle/>
+          <a:p>
+            <a:pPr algn="ctr"/>
+            <a:endParaRPr kumimoji="1" lang="ja-JP" altLang="en-US"/>
+          </a:p>
+        </p:txBody>
+      </p:sp>
+      <p:sp>
+        <p:nvSpPr>
+          <p:cNvPr id="36" name="楕円 35">
+            <a:extLst>
+              <a:ext uri="{FF2B5EF4-FFF2-40B4-BE49-F238E27FC236}">
+                <a16:creationId xmlns:a16="http://schemas.microsoft.com/office/drawing/2014/main" id="{591A16C3-F041-4729-9A14-9257D1B0FAFB}"/>
+              </a:ext>
+            </a:extLst>
+          </p:cNvPr>
+          <p:cNvSpPr/>
+          <p:nvPr/>
+        </p:nvSpPr>
+        <p:spPr>
+          <a:xfrm>
+            <a:off x="5696200" y="3062587"/>
+            <a:ext cx="152400" cy="152400"/>
+          </a:xfrm>
+          <a:prstGeom prst="ellipse">
+            <a:avLst/>
+          </a:prstGeom>
+          <a:solidFill>
+            <a:schemeClr val="accent2">
+              <a:lumMod val="75000"/>
+            </a:schemeClr>
+          </a:solidFill>
+          <a:ln>
+            <a:noFill/>
+          </a:ln>
+        </p:spPr>
+        <p:style>
+          <a:lnRef idx="2">
+            <a:schemeClr val="accent1">
+              <a:shade val="50000"/>
+            </a:schemeClr>
+          </a:lnRef>
+          <a:fillRef idx="1">
+            <a:schemeClr val="accent1"/>
+          </a:fillRef>
+          <a:effectRef idx="0">
+            <a:schemeClr val="accent1"/>
+          </a:effectRef>
+          <a:fontRef idx="minor">
+            <a:schemeClr val="lt1"/>
+          </a:fontRef>
+        </p:style>
+        <p:txBody>
+          <a:bodyPr rtlCol="0" anchor="ctr"/>
+          <a:lstStyle/>
+          <a:p>
+            <a:pPr algn="ctr"/>
+            <a:endParaRPr kumimoji="1" lang="ja-JP" altLang="en-US"/>
+          </a:p>
+        </p:txBody>
+      </p:sp>
+      <mc:AlternateContent xmlns:mc="http://schemas.openxmlformats.org/markup-compatibility/2006">
+        <mc:Choice xmlns:a14="http://schemas.microsoft.com/office/drawing/2010/main" Requires="a14">
+          <p:sp>
+            <p:nvSpPr>
+              <p:cNvPr id="38" name="テキスト ボックス 37">
+                <a:extLst>
+                  <a:ext uri="{FF2B5EF4-FFF2-40B4-BE49-F238E27FC236}">
+                    <a16:creationId xmlns:a16="http://schemas.microsoft.com/office/drawing/2014/main" id="{B814AF38-44C0-45CD-BE2C-56DF8E614D1F}"/>
+                  </a:ext>
+                </a:extLst>
+              </p:cNvPr>
+              <p:cNvSpPr txBox="1"/>
+              <p:nvPr/>
+            </p:nvSpPr>
+            <p:spPr>
+              <a:xfrm>
+                <a:off x="5772400" y="2564352"/>
+                <a:ext cx="368182" cy="492443"/>
+              </a:xfrm>
+              <a:prstGeom prst="rect">
+                <a:avLst/>
+              </a:prstGeom>
+              <a:noFill/>
+            </p:spPr>
+            <p:txBody>
+              <a:bodyPr wrap="square" lIns="0" tIns="0" rIns="0" bIns="0" rtlCol="0">
+                <a:spAutoFit/>
+              </a:bodyPr>
+              <a:lstStyle/>
+              <a:p>
+                <a:pPr/>
+                <a14:m>
+                  <m:oMathPara xmlns:m="http://schemas.openxmlformats.org/officeDocument/2006/math">
+                    <m:oMathParaPr>
+                      <m:jc m:val="centerGroup"/>
+                    </m:oMathParaPr>
+                    <m:oMath xmlns:m="http://schemas.openxmlformats.org/officeDocument/2006/math">
+                      <m:r>
+                        <a:rPr kumimoji="1" lang="en-US" altLang="ja-JP" sz="3200" b="0" i="1" smtClean="0">
+                          <a:latin typeface="Cambria Math" panose="02040503050406030204" pitchFamily="18" charset="0"/>
+                        </a:rPr>
+                        <m:t>𝑝</m:t>
+                      </m:r>
+                    </m:oMath>
+                  </m:oMathPara>
+                </a14:m>
+                <a:endParaRPr kumimoji="1" lang="ja-JP" altLang="en-US" sz="3200" dirty="0"/>
+              </a:p>
+            </p:txBody>
+          </p:sp>
+        </mc:Choice>
+        <mc:Fallback>
+          <p:sp>
+            <p:nvSpPr>
+              <p:cNvPr id="38" name="テキスト ボックス 37">
+                <a:extLst>
+                  <a:ext uri="{FF2B5EF4-FFF2-40B4-BE49-F238E27FC236}">
+                    <a16:creationId xmlns:a16="http://schemas.microsoft.com/office/drawing/2014/main" id="{B814AF38-44C0-45CD-BE2C-56DF8E614D1F}"/>
+                  </a:ext>
+                </a:extLst>
+              </p:cNvPr>
+              <p:cNvSpPr txBox="1">
+                <a:spLocks noRot="1" noChangeAspect="1" noMove="1" noResize="1" noEditPoints="1" noAdjustHandles="1" noChangeArrowheads="1" noChangeShapeType="1" noTextEdit="1"/>
+              </p:cNvSpPr>
+              <p:nvPr/>
+            </p:nvSpPr>
+            <p:spPr>
+              <a:xfrm>
+                <a:off x="5772400" y="2564352"/>
+                <a:ext cx="368182" cy="492443"/>
+              </a:xfrm>
+              <a:prstGeom prst="rect">
+                <a:avLst/>
+              </a:prstGeom>
+              <a:blipFill>
+                <a:blip r:embed="rId6"/>
+                <a:stretch>
+                  <a:fillRect/>
+                </a:stretch>
+              </a:blipFill>
+            </p:spPr>
+            <p:txBody>
+              <a:bodyPr/>
+              <a:lstStyle/>
+              <a:p>
+                <a:r>
+                  <a:rPr lang="ja-JP" altLang="en-US">
+                    <a:noFill/>
+                  </a:rPr>
+                  <a:t> </a:t>
+                </a:r>
+              </a:p>
+            </p:txBody>
+          </p:sp>
+        </mc:Fallback>
+      </mc:AlternateContent>
+      <p:sp>
+        <p:nvSpPr>
+          <p:cNvPr id="40" name="正方形/長方形 39">
+            <a:extLst>
+              <a:ext uri="{FF2B5EF4-FFF2-40B4-BE49-F238E27FC236}">
+                <a16:creationId xmlns:a16="http://schemas.microsoft.com/office/drawing/2014/main" id="{5FB5CAF0-14AB-4DC7-B1CD-C6C0D4ABA89E}"/>
+              </a:ext>
+            </a:extLst>
+          </p:cNvPr>
+          <p:cNvSpPr/>
+          <p:nvPr/>
+        </p:nvSpPr>
+        <p:spPr>
+          <a:xfrm rot="20128930">
+            <a:off x="2164970" y="3924970"/>
+            <a:ext cx="3939529" cy="854822"/>
+          </a:xfrm>
+          <a:prstGeom prst="rect">
+            <a:avLst/>
+          </a:prstGeom>
+          <a:noFill/>
+          <a:ln>
+            <a:solidFill>
+              <a:schemeClr val="accent6">
+                <a:lumMod val="75000"/>
+              </a:schemeClr>
+            </a:solidFill>
+          </a:ln>
+        </p:spPr>
+        <p:style>
+          <a:lnRef idx="2">
+            <a:schemeClr val="accent1">
+              <a:shade val="50000"/>
+            </a:schemeClr>
+          </a:lnRef>
+          <a:fillRef idx="1">
+            <a:schemeClr val="accent1"/>
+          </a:fillRef>
+          <a:effectRef idx="0">
+            <a:schemeClr val="accent1"/>
+          </a:effectRef>
+          <a:fontRef idx="minor">
+            <a:schemeClr val="lt1"/>
+          </a:fontRef>
+        </p:style>
+        <p:txBody>
+          <a:bodyPr rtlCol="0" anchor="ctr"/>
+          <a:lstStyle/>
+          <a:p>
+            <a:pPr algn="ctr"/>
+            <a:endParaRPr kumimoji="1" lang="ja-JP" altLang="en-US"/>
+          </a:p>
+        </p:txBody>
+      </p:sp>
+      <p:grpSp>
+        <p:nvGrpSpPr>
+          <p:cNvPr id="14" name="グループ化 13">
+            <a:extLst>
+              <a:ext uri="{FF2B5EF4-FFF2-40B4-BE49-F238E27FC236}">
+                <a16:creationId xmlns:a16="http://schemas.microsoft.com/office/drawing/2014/main" id="{360BC873-9AD6-409B-8353-F386231F9BC4}"/>
+              </a:ext>
+            </a:extLst>
+          </p:cNvPr>
+          <p:cNvGrpSpPr/>
+          <p:nvPr/>
+        </p:nvGrpSpPr>
+        <p:grpSpPr>
+          <a:xfrm>
+            <a:off x="2498151" y="4804768"/>
+            <a:ext cx="797311" cy="790045"/>
+            <a:chOff x="2498151" y="4804768"/>
+            <a:chExt cx="797311" cy="790045"/>
+          </a:xfrm>
+        </p:grpSpPr>
+        <p:cxnSp>
+          <p:nvCxnSpPr>
+            <p:cNvPr id="41" name="直線矢印コネクタ 40">
+              <a:extLst>
+                <a:ext uri="{FF2B5EF4-FFF2-40B4-BE49-F238E27FC236}">
+                  <a16:creationId xmlns:a16="http://schemas.microsoft.com/office/drawing/2014/main" id="{733D5266-7C03-4703-9000-11F2581A227D}"/>
+                </a:ext>
+              </a:extLst>
+            </p:cNvPr>
+            <p:cNvCxnSpPr>
+              <a:cxnSpLocks/>
+            </p:cNvCxnSpPr>
+            <p:nvPr/>
+          </p:nvCxnSpPr>
+          <p:spPr>
+            <a:xfrm flipV="1">
+              <a:off x="2498151" y="4804768"/>
+              <a:ext cx="0" cy="790045"/>
+            </a:xfrm>
+            <a:prstGeom prst="straightConnector1">
+              <a:avLst/>
+            </a:prstGeom>
+            <a:ln w="76200">
+              <a:tailEnd type="triangle"/>
+            </a:ln>
+          </p:spPr>
+          <p:style>
+            <a:lnRef idx="1">
+              <a:schemeClr val="dk1"/>
+            </a:lnRef>
+            <a:fillRef idx="0">
+              <a:schemeClr val="dk1"/>
+            </a:fillRef>
+            <a:effectRef idx="0">
+              <a:schemeClr val="dk1"/>
+            </a:effectRef>
+            <a:fontRef idx="minor">
+              <a:schemeClr val="tx1"/>
+            </a:fontRef>
+          </p:style>
+        </p:cxnSp>
+        <p:cxnSp>
+          <p:nvCxnSpPr>
+            <p:cNvPr id="42" name="直線矢印コネクタ 41">
+              <a:extLst>
+                <a:ext uri="{FF2B5EF4-FFF2-40B4-BE49-F238E27FC236}">
+                  <a16:creationId xmlns:a16="http://schemas.microsoft.com/office/drawing/2014/main" id="{8FDEB84B-5BEC-4C1B-A1EB-FB3CBFEB3B40}"/>
+                </a:ext>
+              </a:extLst>
+            </p:cNvPr>
+            <p:cNvCxnSpPr>
+              <a:cxnSpLocks/>
+            </p:cNvCxnSpPr>
+            <p:nvPr/>
+          </p:nvCxnSpPr>
+          <p:spPr>
+            <a:xfrm rot="5400000" flipV="1">
+              <a:off x="2900440" y="5178179"/>
+              <a:ext cx="0" cy="790045"/>
+            </a:xfrm>
+            <a:prstGeom prst="straightConnector1">
+              <a:avLst/>
+            </a:prstGeom>
+            <a:ln w="76200">
+              <a:tailEnd type="triangle"/>
+            </a:ln>
+          </p:spPr>
+          <p:style>
+            <a:lnRef idx="1">
+              <a:schemeClr val="dk1"/>
+            </a:lnRef>
+            <a:fillRef idx="0">
+              <a:schemeClr val="dk1"/>
+            </a:fillRef>
+            <a:effectRef idx="0">
+              <a:schemeClr val="dk1"/>
+            </a:effectRef>
+            <a:fontRef idx="minor">
+              <a:schemeClr val="tx1"/>
+            </a:fontRef>
+          </p:style>
+        </p:cxnSp>
+      </p:grpSp>
+      <p:grpSp>
+        <p:nvGrpSpPr>
+          <p:cNvPr id="47" name="グループ化 46">
+            <a:extLst>
+              <a:ext uri="{FF2B5EF4-FFF2-40B4-BE49-F238E27FC236}">
+                <a16:creationId xmlns:a16="http://schemas.microsoft.com/office/drawing/2014/main" id="{0BEDC4BA-A3B2-4293-807F-41C90ADEA2A2}"/>
+              </a:ext>
+            </a:extLst>
+          </p:cNvPr>
+          <p:cNvGrpSpPr/>
+          <p:nvPr/>
+        </p:nvGrpSpPr>
+        <p:grpSpPr>
+          <a:xfrm rot="19993012">
+            <a:off x="2341922" y="4684439"/>
+            <a:ext cx="797311" cy="790045"/>
+            <a:chOff x="2498151" y="4804768"/>
+            <a:chExt cx="797311" cy="790045"/>
+          </a:xfrm>
+        </p:grpSpPr>
+        <p:cxnSp>
+          <p:nvCxnSpPr>
+            <p:cNvPr id="50" name="直線矢印コネクタ 49">
+              <a:extLst>
+                <a:ext uri="{FF2B5EF4-FFF2-40B4-BE49-F238E27FC236}">
+                  <a16:creationId xmlns:a16="http://schemas.microsoft.com/office/drawing/2014/main" id="{F5712760-3A15-4EFC-8F7F-F07E7BA8E9B8}"/>
+                </a:ext>
+              </a:extLst>
+            </p:cNvPr>
+            <p:cNvCxnSpPr>
+              <a:cxnSpLocks/>
+            </p:cNvCxnSpPr>
+            <p:nvPr/>
+          </p:nvCxnSpPr>
+          <p:spPr>
+            <a:xfrm flipV="1">
+              <a:off x="2498151" y="4804768"/>
+              <a:ext cx="0" cy="790045"/>
+            </a:xfrm>
+            <a:prstGeom prst="straightConnector1">
+              <a:avLst/>
+            </a:prstGeom>
+            <a:ln w="76200">
+              <a:tailEnd type="triangle"/>
+            </a:ln>
+          </p:spPr>
+          <p:style>
+            <a:lnRef idx="1">
+              <a:schemeClr val="dk1"/>
+            </a:lnRef>
+            <a:fillRef idx="0">
+              <a:schemeClr val="dk1"/>
+            </a:fillRef>
+            <a:effectRef idx="0">
+              <a:schemeClr val="dk1"/>
+            </a:effectRef>
+            <a:fontRef idx="minor">
+              <a:schemeClr val="tx1"/>
+            </a:fontRef>
+          </p:style>
+        </p:cxnSp>
+        <p:cxnSp>
+          <p:nvCxnSpPr>
+            <p:cNvPr id="53" name="直線矢印コネクタ 52">
+              <a:extLst>
+                <a:ext uri="{FF2B5EF4-FFF2-40B4-BE49-F238E27FC236}">
+                  <a16:creationId xmlns:a16="http://schemas.microsoft.com/office/drawing/2014/main" id="{41B12B8A-AA26-4E09-9FF6-DCCB40AC46EB}"/>
+                </a:ext>
+              </a:extLst>
+            </p:cNvPr>
+            <p:cNvCxnSpPr>
+              <a:cxnSpLocks/>
+            </p:cNvCxnSpPr>
+            <p:nvPr/>
+          </p:nvCxnSpPr>
+          <p:spPr>
+            <a:xfrm rot="5400000" flipV="1">
+              <a:off x="2900440" y="5178179"/>
+              <a:ext cx="0" cy="790045"/>
+            </a:xfrm>
+            <a:prstGeom prst="straightConnector1">
+              <a:avLst/>
+            </a:prstGeom>
+            <a:ln w="76200">
+              <a:tailEnd type="triangle"/>
+            </a:ln>
+          </p:spPr>
+          <p:style>
+            <a:lnRef idx="1">
+              <a:schemeClr val="dk1"/>
+            </a:lnRef>
+            <a:fillRef idx="0">
+              <a:schemeClr val="dk1"/>
+            </a:fillRef>
+            <a:effectRef idx="0">
+              <a:schemeClr val="dk1"/>
+            </a:effectRef>
+            <a:fontRef idx="minor">
+              <a:schemeClr val="tx1"/>
+            </a:fontRef>
+          </p:style>
+        </p:cxnSp>
+      </p:grpSp>
+      <mc:AlternateContent xmlns:mc="http://schemas.openxmlformats.org/markup-compatibility/2006">
+        <mc:Choice xmlns:a14="http://schemas.microsoft.com/office/drawing/2010/main" Requires="a14">
+          <p:sp>
+            <p:nvSpPr>
+              <p:cNvPr id="54" name="テキスト ボックス 53">
+                <a:extLst>
+                  <a:ext uri="{FF2B5EF4-FFF2-40B4-BE49-F238E27FC236}">
+                    <a16:creationId xmlns:a16="http://schemas.microsoft.com/office/drawing/2014/main" id="{CC22A296-B010-4193-B5DF-02AE0A3C0197}"/>
+                  </a:ext>
+                </a:extLst>
+              </p:cNvPr>
+              <p:cNvSpPr txBox="1"/>
+              <p:nvPr/>
+            </p:nvSpPr>
+            <p:spPr>
+              <a:xfrm>
+                <a:off x="3232294" y="5058872"/>
+                <a:ext cx="381515" cy="492443"/>
+              </a:xfrm>
+              <a:prstGeom prst="rect">
+                <a:avLst/>
+              </a:prstGeom>
+              <a:noFill/>
+            </p:spPr>
+            <p:txBody>
+              <a:bodyPr wrap="none" lIns="0" tIns="0" rIns="0" bIns="0" rtlCol="0">
+                <a:spAutoFit/>
+              </a:bodyPr>
+              <a:lstStyle/>
+              <a:p>
+                <a:pPr/>
+                <a14:m>
+                  <m:oMathPara xmlns:m="http://schemas.openxmlformats.org/officeDocument/2006/math">
+                    <m:oMathParaPr>
+                      <m:jc m:val="centerGroup"/>
+                    </m:oMathParaPr>
+                    <m:oMath xmlns:m="http://schemas.openxmlformats.org/officeDocument/2006/math">
+                      <m:r>
+                        <a:rPr kumimoji="1" lang="en-US" altLang="ja-JP" sz="3200" b="1" i="1" smtClean="0">
+                          <a:latin typeface="Cambria Math" panose="02040503050406030204" pitchFamily="18" charset="0"/>
+                        </a:rPr>
+                        <m:t>𝒖</m:t>
+                      </m:r>
+                    </m:oMath>
+                  </m:oMathPara>
+                </a14:m>
+                <a:endParaRPr kumimoji="1" lang="ja-JP" altLang="en-US" sz="3200" b="1" i="1" dirty="0"/>
+              </a:p>
+            </p:txBody>
+          </p:sp>
+        </mc:Choice>
+        <mc:Fallback>
+          <p:sp>
+            <p:nvSpPr>
+              <p:cNvPr id="54" name="テキスト ボックス 53">
+                <a:extLst>
+                  <a:ext uri="{FF2B5EF4-FFF2-40B4-BE49-F238E27FC236}">
+                    <a16:creationId xmlns:a16="http://schemas.microsoft.com/office/drawing/2014/main" id="{CC22A296-B010-4193-B5DF-02AE0A3C0197}"/>
+                  </a:ext>
+                </a:extLst>
+              </p:cNvPr>
+              <p:cNvSpPr txBox="1">
+                <a:spLocks noRot="1" noChangeAspect="1" noMove="1" noResize="1" noEditPoints="1" noAdjustHandles="1" noChangeArrowheads="1" noChangeShapeType="1" noTextEdit="1"/>
+              </p:cNvSpPr>
+              <p:nvPr/>
+            </p:nvSpPr>
+            <p:spPr>
+              <a:xfrm>
+                <a:off x="3232294" y="5058872"/>
+                <a:ext cx="381515" cy="492443"/>
+              </a:xfrm>
+              <a:prstGeom prst="rect">
+                <a:avLst/>
+              </a:prstGeom>
+              <a:blipFill>
+                <a:blip r:embed="rId7"/>
+                <a:stretch>
+                  <a:fillRect/>
+                </a:stretch>
+              </a:blipFill>
+            </p:spPr>
+            <p:txBody>
+              <a:bodyPr/>
+              <a:lstStyle/>
+              <a:p>
+                <a:r>
+                  <a:rPr lang="ja-JP" altLang="en-US">
+                    <a:noFill/>
+                  </a:rPr>
+                  <a:t> </a:t>
+                </a:r>
+              </a:p>
+            </p:txBody>
+          </p:sp>
+        </mc:Fallback>
+      </mc:AlternateContent>
+      <mc:AlternateContent xmlns:mc="http://schemas.openxmlformats.org/markup-compatibility/2006">
+        <mc:Choice xmlns:a14="http://schemas.microsoft.com/office/drawing/2010/main" Requires="a14">
+          <p:sp>
+            <p:nvSpPr>
+              <p:cNvPr id="55" name="テキスト ボックス 54">
+                <a:extLst>
+                  <a:ext uri="{FF2B5EF4-FFF2-40B4-BE49-F238E27FC236}">
+                    <a16:creationId xmlns:a16="http://schemas.microsoft.com/office/drawing/2014/main" id="{199ABB50-7425-4E83-8B65-C6FE48881C4F}"/>
+                  </a:ext>
+                </a:extLst>
+              </p:cNvPr>
+              <p:cNvSpPr txBox="1"/>
+              <p:nvPr/>
+            </p:nvSpPr>
+            <p:spPr>
+              <a:xfrm>
+                <a:off x="1796061" y="4766658"/>
+                <a:ext cx="330772" cy="492443"/>
+              </a:xfrm>
+              <a:prstGeom prst="rect">
+                <a:avLst/>
+              </a:prstGeom>
+              <a:noFill/>
+            </p:spPr>
+            <p:txBody>
+              <a:bodyPr wrap="square" lIns="0" tIns="0" rIns="0" bIns="0" rtlCol="0">
+                <a:spAutoFit/>
+              </a:bodyPr>
+              <a:lstStyle/>
+              <a:p>
+                <a:pPr/>
+                <a14:m>
+                  <m:oMathPara xmlns:m="http://schemas.openxmlformats.org/officeDocument/2006/math">
+                    <m:oMathParaPr>
+                      <m:jc m:val="centerGroup"/>
+                    </m:oMathParaPr>
+                    <m:oMath xmlns:m="http://schemas.openxmlformats.org/officeDocument/2006/math">
+                      <m:r>
+                        <a:rPr kumimoji="1" lang="en-US" altLang="ja-JP" sz="3200" b="1" i="1" smtClean="0">
+                          <a:latin typeface="Cambria Math" panose="02040503050406030204" pitchFamily="18" charset="0"/>
+                        </a:rPr>
+                        <m:t>𝒗</m:t>
+                      </m:r>
+                    </m:oMath>
+                  </m:oMathPara>
+                </a14:m>
+                <a:endParaRPr kumimoji="1" lang="ja-JP" altLang="en-US" sz="3200" b="1" i="1" dirty="0"/>
+              </a:p>
+            </p:txBody>
+          </p:sp>
+        </mc:Choice>
+        <mc:Fallback>
+          <p:sp>
+            <p:nvSpPr>
+              <p:cNvPr id="55" name="テキスト ボックス 54">
+                <a:extLst>
+                  <a:ext uri="{FF2B5EF4-FFF2-40B4-BE49-F238E27FC236}">
+                    <a16:creationId xmlns:a16="http://schemas.microsoft.com/office/drawing/2014/main" id="{199ABB50-7425-4E83-8B65-C6FE48881C4F}"/>
+                  </a:ext>
+                </a:extLst>
+              </p:cNvPr>
+              <p:cNvSpPr txBox="1">
+                <a:spLocks noRot="1" noChangeAspect="1" noMove="1" noResize="1" noEditPoints="1" noAdjustHandles="1" noChangeArrowheads="1" noChangeShapeType="1" noTextEdit="1"/>
+              </p:cNvSpPr>
+              <p:nvPr/>
+            </p:nvSpPr>
+            <p:spPr>
+              <a:xfrm>
+                <a:off x="1796061" y="4766658"/>
+                <a:ext cx="330772" cy="492443"/>
+              </a:xfrm>
+              <a:prstGeom prst="rect">
+                <a:avLst/>
+              </a:prstGeom>
+              <a:blipFill>
+                <a:blip r:embed="rId8"/>
+                <a:stretch>
+                  <a:fillRect/>
+                </a:stretch>
+              </a:blipFill>
+            </p:spPr>
+            <p:txBody>
+              <a:bodyPr/>
+              <a:lstStyle/>
+              <a:p>
+                <a:r>
+                  <a:rPr lang="ja-JP" altLang="en-US">
+                    <a:noFill/>
+                  </a:rPr>
+                  <a:t> </a:t>
+                </a:r>
+              </a:p>
+            </p:txBody>
+          </p:sp>
+        </mc:Fallback>
+      </mc:AlternateContent>
+      <mc:AlternateContent xmlns:mc="http://schemas.openxmlformats.org/markup-compatibility/2006">
+        <mc:Choice xmlns:a14="http://schemas.microsoft.com/office/drawing/2010/main" Requires="a14">
+          <p:sp>
+            <p:nvSpPr>
+              <p:cNvPr id="56" name="テキスト ボックス 55">
+                <a:extLst>
+                  <a:ext uri="{FF2B5EF4-FFF2-40B4-BE49-F238E27FC236}">
+                    <a16:creationId xmlns:a16="http://schemas.microsoft.com/office/drawing/2014/main" id="{F4AC760A-4386-4E86-898B-FDCB1A862587}"/>
+                  </a:ext>
+                </a:extLst>
+              </p:cNvPr>
+              <p:cNvSpPr txBox="1"/>
+              <p:nvPr/>
+            </p:nvSpPr>
+            <p:spPr>
+              <a:xfrm>
+                <a:off x="2551432" y="4464501"/>
+                <a:ext cx="362279" cy="492443"/>
+              </a:xfrm>
+              <a:prstGeom prst="rect">
+                <a:avLst/>
+              </a:prstGeom>
+              <a:noFill/>
+            </p:spPr>
+            <p:txBody>
+              <a:bodyPr wrap="none" lIns="0" tIns="0" rIns="0" bIns="0" rtlCol="0">
+                <a:spAutoFit/>
+              </a:bodyPr>
+              <a:lstStyle/>
+              <a:p>
+                <a:pPr/>
+                <a14:m>
+                  <m:oMathPara xmlns:m="http://schemas.openxmlformats.org/officeDocument/2006/math">
+                    <m:oMathParaPr>
+                      <m:jc m:val="centerGroup"/>
+                    </m:oMathParaPr>
+                    <m:oMath xmlns:m="http://schemas.openxmlformats.org/officeDocument/2006/math">
+                      <m:r>
+                        <a:rPr kumimoji="1" lang="en-US" altLang="ja-JP" sz="3200" b="1" i="1" smtClean="0">
+                          <a:latin typeface="Cambria Math" panose="02040503050406030204" pitchFamily="18" charset="0"/>
+                        </a:rPr>
+                        <m:t>𝒚</m:t>
+                      </m:r>
+                    </m:oMath>
+                  </m:oMathPara>
+                </a14:m>
+                <a:endParaRPr kumimoji="1" lang="ja-JP" altLang="en-US" sz="3200" b="1" i="1" dirty="0"/>
+              </a:p>
+            </p:txBody>
+          </p:sp>
+        </mc:Choice>
+        <mc:Fallback>
+          <p:sp>
+            <p:nvSpPr>
+              <p:cNvPr id="56" name="テキスト ボックス 55">
+                <a:extLst>
+                  <a:ext uri="{FF2B5EF4-FFF2-40B4-BE49-F238E27FC236}">
+                    <a16:creationId xmlns:a16="http://schemas.microsoft.com/office/drawing/2014/main" id="{F4AC760A-4386-4E86-898B-FDCB1A862587}"/>
+                  </a:ext>
+                </a:extLst>
+              </p:cNvPr>
+              <p:cNvSpPr txBox="1">
+                <a:spLocks noRot="1" noChangeAspect="1" noMove="1" noResize="1" noEditPoints="1" noAdjustHandles="1" noChangeArrowheads="1" noChangeShapeType="1" noTextEdit="1"/>
+              </p:cNvSpPr>
+              <p:nvPr/>
+            </p:nvSpPr>
+            <p:spPr>
+              <a:xfrm>
+                <a:off x="2551432" y="4464501"/>
+                <a:ext cx="362279" cy="492443"/>
+              </a:xfrm>
+              <a:prstGeom prst="rect">
+                <a:avLst/>
+              </a:prstGeom>
+              <a:blipFill>
+                <a:blip r:embed="rId9"/>
+                <a:stretch>
+                  <a:fillRect/>
+                </a:stretch>
+              </a:blipFill>
+            </p:spPr>
+            <p:txBody>
+              <a:bodyPr/>
+              <a:lstStyle/>
+              <a:p>
+                <a:r>
+                  <a:rPr lang="ja-JP" altLang="en-US">
+                    <a:noFill/>
+                  </a:rPr>
+                  <a:t> </a:t>
+                </a:r>
+              </a:p>
+            </p:txBody>
+          </p:sp>
+        </mc:Fallback>
+      </mc:AlternateContent>
+      <mc:AlternateContent xmlns:mc="http://schemas.openxmlformats.org/markup-compatibility/2006">
+        <mc:Choice xmlns:a14="http://schemas.microsoft.com/office/drawing/2010/main" Requires="a14">
+          <p:sp>
+            <p:nvSpPr>
+              <p:cNvPr id="57" name="テキスト ボックス 56">
+                <a:extLst>
+                  <a:ext uri="{FF2B5EF4-FFF2-40B4-BE49-F238E27FC236}">
+                    <a16:creationId xmlns:a16="http://schemas.microsoft.com/office/drawing/2014/main" id="{0EA06B71-279F-4EAF-B112-740266D3C616}"/>
+                  </a:ext>
+                </a:extLst>
+              </p:cNvPr>
+              <p:cNvSpPr txBox="1"/>
+              <p:nvPr/>
+            </p:nvSpPr>
+            <p:spPr>
+              <a:xfrm>
+                <a:off x="3111670" y="5581593"/>
+                <a:ext cx="354264" cy="492443"/>
+              </a:xfrm>
+              <a:prstGeom prst="rect">
+                <a:avLst/>
+              </a:prstGeom>
+              <a:noFill/>
+            </p:spPr>
+            <p:txBody>
+              <a:bodyPr wrap="none" lIns="0" tIns="0" rIns="0" bIns="0" rtlCol="0">
+                <a:spAutoFit/>
+              </a:bodyPr>
+              <a:lstStyle/>
+              <a:p>
+                <a:pPr/>
+                <a14:m>
+                  <m:oMathPara xmlns:m="http://schemas.openxmlformats.org/officeDocument/2006/math">
+                    <m:oMathParaPr>
+                      <m:jc m:val="centerGroup"/>
+                    </m:oMathParaPr>
+                    <m:oMath xmlns:m="http://schemas.openxmlformats.org/officeDocument/2006/math">
+                      <m:r>
+                        <a:rPr kumimoji="1" lang="en-US" altLang="ja-JP" sz="3200" b="1" i="1" smtClean="0">
+                          <a:latin typeface="Cambria Math" panose="02040503050406030204" pitchFamily="18" charset="0"/>
+                        </a:rPr>
+                        <m:t>𝒙</m:t>
+                      </m:r>
+                    </m:oMath>
+                  </m:oMathPara>
+                </a14:m>
+                <a:endParaRPr kumimoji="1" lang="ja-JP" altLang="en-US" sz="3200" b="1" i="1" dirty="0"/>
+              </a:p>
+            </p:txBody>
+          </p:sp>
+        </mc:Choice>
+        <mc:Fallback>
+          <p:sp>
+            <p:nvSpPr>
+              <p:cNvPr id="57" name="テキスト ボックス 56">
+                <a:extLst>
+                  <a:ext uri="{FF2B5EF4-FFF2-40B4-BE49-F238E27FC236}">
+                    <a16:creationId xmlns:a16="http://schemas.microsoft.com/office/drawing/2014/main" id="{0EA06B71-279F-4EAF-B112-740266D3C616}"/>
+                  </a:ext>
+                </a:extLst>
+              </p:cNvPr>
+              <p:cNvSpPr txBox="1">
+                <a:spLocks noRot="1" noChangeAspect="1" noMove="1" noResize="1" noEditPoints="1" noAdjustHandles="1" noChangeArrowheads="1" noChangeShapeType="1" noTextEdit="1"/>
+              </p:cNvSpPr>
+              <p:nvPr/>
+            </p:nvSpPr>
+            <p:spPr>
+              <a:xfrm>
+                <a:off x="3111670" y="5581593"/>
+                <a:ext cx="354264" cy="492443"/>
+              </a:xfrm>
+              <a:prstGeom prst="rect">
+                <a:avLst/>
+              </a:prstGeom>
+              <a:blipFill>
+                <a:blip r:embed="rId10"/>
+                <a:stretch>
+                  <a:fillRect/>
+                </a:stretch>
+              </a:blipFill>
+            </p:spPr>
+            <p:txBody>
+              <a:bodyPr/>
+              <a:lstStyle/>
+              <a:p>
+                <a:r>
+                  <a:rPr lang="ja-JP" altLang="en-US">
+                    <a:noFill/>
+                  </a:rPr>
+                  <a:t> </a:t>
+                </a:r>
+              </a:p>
+            </p:txBody>
+          </p:sp>
+        </mc:Fallback>
+      </mc:AlternateContent>
+      <mc:AlternateContent xmlns:mc="http://schemas.openxmlformats.org/markup-compatibility/2006">
+        <mc:Choice xmlns:a14="http://schemas.microsoft.com/office/drawing/2010/main" Requires="a14">
+          <p:sp>
+            <p:nvSpPr>
+              <p:cNvPr id="15" name="テキスト ボックス 14">
+                <a:extLst>
+                  <a:ext uri="{FF2B5EF4-FFF2-40B4-BE49-F238E27FC236}">
+                    <a16:creationId xmlns:a16="http://schemas.microsoft.com/office/drawing/2014/main" id="{B90D7B6E-F463-4708-BE56-7D9490B1768A}"/>
+                  </a:ext>
+                </a:extLst>
+              </p:cNvPr>
+              <p:cNvSpPr txBox="1"/>
+              <p:nvPr/>
+            </p:nvSpPr>
+            <p:spPr>
+              <a:xfrm>
+                <a:off x="4554870" y="4906457"/>
+                <a:ext cx="359906" cy="492443"/>
+              </a:xfrm>
+              <a:prstGeom prst="rect">
+                <a:avLst/>
+              </a:prstGeom>
+              <a:noFill/>
+            </p:spPr>
+            <p:txBody>
+              <a:bodyPr wrap="none" lIns="0" tIns="0" rIns="0" bIns="0" rtlCol="0">
+                <a:spAutoFit/>
+              </a:bodyPr>
+              <a:lstStyle/>
+              <a:p>
+                <a14:m>
+                  <m:oMathPara xmlns:m="http://schemas.openxmlformats.org/officeDocument/2006/math">
+                    <m:oMathParaPr>
+                      <m:jc m:val="centerGroup"/>
+                    </m:oMathParaPr>
+                    <m:oMath xmlns:m="http://schemas.openxmlformats.org/officeDocument/2006/math">
+                      <m:r>
+                        <a:rPr kumimoji="1" lang="ja-JP" altLang="en-US" sz="3200" i="1" smtClean="0">
+                          <a:latin typeface="Cambria Math" panose="02040503050406030204" pitchFamily="18" charset="0"/>
+                        </a:rPr>
+                        <m:t>𝜃</m:t>
+                      </m:r>
+                    </m:oMath>
+                  </m:oMathPara>
+                </a14:m>
+                <a:endParaRPr kumimoji="1" lang="ja-JP" altLang="en-US" sz="3200" dirty="0"/>
+              </a:p>
+            </p:txBody>
+          </p:sp>
+        </mc:Choice>
+        <mc:Fallback>
+          <p:sp>
+            <p:nvSpPr>
+              <p:cNvPr id="15" name="テキスト ボックス 14">
+                <a:extLst>
+                  <a:ext uri="{FF2B5EF4-FFF2-40B4-BE49-F238E27FC236}">
+                    <a16:creationId xmlns:a16="http://schemas.microsoft.com/office/drawing/2014/main" id="{B90D7B6E-F463-4708-BE56-7D9490B1768A}"/>
+                  </a:ext>
+                </a:extLst>
+              </p:cNvPr>
+              <p:cNvSpPr txBox="1">
+                <a:spLocks noRot="1" noChangeAspect="1" noMove="1" noResize="1" noEditPoints="1" noAdjustHandles="1" noChangeArrowheads="1" noChangeShapeType="1" noTextEdit="1"/>
+              </p:cNvSpPr>
+              <p:nvPr/>
+            </p:nvSpPr>
+            <p:spPr>
+              <a:xfrm>
+                <a:off x="4554870" y="4906457"/>
+                <a:ext cx="359906" cy="492443"/>
+              </a:xfrm>
+              <a:prstGeom prst="rect">
+                <a:avLst/>
+              </a:prstGeom>
+              <a:blipFill>
+                <a:blip r:embed="rId11"/>
+                <a:stretch>
+                  <a:fillRect/>
+                </a:stretch>
+              </a:blipFill>
+            </p:spPr>
+            <p:txBody>
+              <a:bodyPr/>
+              <a:lstStyle/>
+              <a:p>
+                <a:r>
+                  <a:rPr lang="ja-JP" altLang="en-US">
+                    <a:noFill/>
+                  </a:rPr>
+                  <a:t> </a:t>
+                </a:r>
+              </a:p>
+            </p:txBody>
+          </p:sp>
+        </mc:Fallback>
+      </mc:AlternateContent>
+      <p:cxnSp>
+        <p:nvCxnSpPr>
+          <p:cNvPr id="58" name="直線矢印コネクタ 57">
+            <a:extLst>
+              <a:ext uri="{FF2B5EF4-FFF2-40B4-BE49-F238E27FC236}">
+                <a16:creationId xmlns:a16="http://schemas.microsoft.com/office/drawing/2014/main" id="{0022FF7C-DD92-4CBB-8783-6192C4704A89}"/>
+              </a:ext>
+            </a:extLst>
+          </p:cNvPr>
+          <p:cNvCxnSpPr>
+            <a:cxnSpLocks/>
+          </p:cNvCxnSpPr>
+          <p:nvPr/>
+        </p:nvCxnSpPr>
+        <p:spPr>
+          <a:xfrm flipV="1">
+            <a:off x="2536532" y="3219450"/>
+            <a:ext cx="3216568" cy="2339211"/>
+          </a:xfrm>
+          <a:prstGeom prst="straightConnector1">
+            <a:avLst/>
+          </a:prstGeom>
+          <a:ln w="38100">
+            <a:tailEnd type="triangle"/>
+          </a:ln>
+        </p:spPr>
+        <p:style>
+          <a:lnRef idx="1">
+            <a:schemeClr val="dk1"/>
+          </a:lnRef>
+          <a:fillRef idx="0">
+            <a:schemeClr val="dk1"/>
+          </a:fillRef>
+          <a:effectRef idx="0">
+            <a:schemeClr val="dk1"/>
+          </a:effectRef>
+          <a:fontRef idx="minor">
+            <a:schemeClr val="tx1"/>
+          </a:fontRef>
+        </p:style>
+      </p:cxnSp>
+      <mc:AlternateContent xmlns:mc="http://schemas.openxmlformats.org/markup-compatibility/2006">
+        <mc:Choice xmlns:a14="http://schemas.microsoft.com/office/drawing/2010/main" Requires="a14">
+          <p:sp>
+            <p:nvSpPr>
+              <p:cNvPr id="59" name="テキスト ボックス 58">
+                <a:extLst>
+                  <a:ext uri="{FF2B5EF4-FFF2-40B4-BE49-F238E27FC236}">
+                    <a16:creationId xmlns:a16="http://schemas.microsoft.com/office/drawing/2014/main" id="{0028CE91-DF46-43E1-9198-8E8ADB348214}"/>
+                  </a:ext>
+                </a:extLst>
+              </p:cNvPr>
+              <p:cNvSpPr txBox="1"/>
+              <p:nvPr/>
+            </p:nvSpPr>
+            <p:spPr>
+              <a:xfrm>
+                <a:off x="3539721" y="4149807"/>
+                <a:ext cx="371897" cy="492443"/>
+              </a:xfrm>
+              <a:prstGeom prst="rect">
+                <a:avLst/>
+              </a:prstGeom>
+              <a:noFill/>
+            </p:spPr>
+            <p:txBody>
+              <a:bodyPr wrap="none" lIns="0" tIns="0" rIns="0" bIns="0" rtlCol="0">
+                <a:spAutoFit/>
+              </a:bodyPr>
+              <a:lstStyle/>
+              <a:p>
+                <a:pPr/>
+                <a14:m>
+                  <m:oMathPara xmlns:m="http://schemas.openxmlformats.org/officeDocument/2006/math">
+                    <m:oMathParaPr>
+                      <m:jc m:val="centerGroup"/>
+                    </m:oMathParaPr>
+                    <m:oMath xmlns:m="http://schemas.openxmlformats.org/officeDocument/2006/math">
+                      <m:r>
+                        <a:rPr kumimoji="1" lang="en-US" altLang="ja-JP" sz="3200" b="1" i="1" smtClean="0">
+                          <a:latin typeface="Cambria Math" panose="02040503050406030204" pitchFamily="18" charset="0"/>
+                        </a:rPr>
+                        <m:t>𝒑</m:t>
+                      </m:r>
+                    </m:oMath>
+                  </m:oMathPara>
+                </a14:m>
+                <a:endParaRPr kumimoji="1" lang="ja-JP" altLang="en-US" sz="3200" b="1" i="1" dirty="0"/>
+              </a:p>
+            </p:txBody>
+          </p:sp>
+        </mc:Choice>
+        <mc:Fallback>
+          <p:sp>
+            <p:nvSpPr>
+              <p:cNvPr id="59" name="テキスト ボックス 58">
+                <a:extLst>
+                  <a:ext uri="{FF2B5EF4-FFF2-40B4-BE49-F238E27FC236}">
+                    <a16:creationId xmlns:a16="http://schemas.microsoft.com/office/drawing/2014/main" id="{0028CE91-DF46-43E1-9198-8E8ADB348214}"/>
+                  </a:ext>
+                </a:extLst>
+              </p:cNvPr>
+              <p:cNvSpPr txBox="1">
+                <a:spLocks noRot="1" noChangeAspect="1" noMove="1" noResize="1" noEditPoints="1" noAdjustHandles="1" noChangeArrowheads="1" noChangeShapeType="1" noTextEdit="1"/>
+              </p:cNvSpPr>
+              <p:nvPr/>
+            </p:nvSpPr>
+            <p:spPr>
+              <a:xfrm>
+                <a:off x="3539721" y="4149807"/>
+                <a:ext cx="371897" cy="492443"/>
+              </a:xfrm>
+              <a:prstGeom prst="rect">
+                <a:avLst/>
+              </a:prstGeom>
+              <a:blipFill>
+                <a:blip r:embed="rId12"/>
+                <a:stretch>
+                  <a:fillRect/>
+                </a:stretch>
+              </a:blipFill>
+            </p:spPr>
+            <p:txBody>
+              <a:bodyPr/>
+              <a:lstStyle/>
+              <a:p>
+                <a:r>
+                  <a:rPr lang="ja-JP" altLang="en-US">
+                    <a:noFill/>
+                  </a:rPr>
+                  <a:t> </a:t>
+                </a:r>
+              </a:p>
+            </p:txBody>
+          </p:sp>
+        </mc:Fallback>
+      </mc:AlternateContent>
+    </p:spTree>
+    <p:extLst>
+      <p:ext uri="{BB962C8B-B14F-4D97-AF65-F5344CB8AC3E}">
+        <p14:creationId xmlns:p14="http://schemas.microsoft.com/office/powerpoint/2010/main" val="543387226"/>
+      </p:ext>
+    </p:extLst>
+  </p:cSld>
+  <p:clrMapOvr>
+    <a:masterClrMapping/>
+  </p:clrMapOvr>
+</p:sld>
+</file>
+
+<file path=ppt/slides/slide5.xml><?xml version="1.0" encoding="utf-8"?>
 <p:sld xmlns:a="http://schemas.openxmlformats.org/drawingml/2006/main" xmlns:r="http://schemas.openxmlformats.org/officeDocument/2006/relationships" xmlns:p="http://schemas.openxmlformats.org/presentationml/2006/main">
   <p:cSld>
     <p:spTree>
@@ -7106,7 +10684,7 @@
 </p:sld>
 </file>
 
-<file path=ppt/slides/slide4.xml><?xml version="1.0" encoding="utf-8"?>
+<file path=ppt/slides/slide6.xml><?xml version="1.0" encoding="utf-8"?>
 <p:sld xmlns:a="http://schemas.openxmlformats.org/drawingml/2006/main" xmlns:r="http://schemas.openxmlformats.org/officeDocument/2006/relationships" xmlns:p="http://schemas.openxmlformats.org/presentationml/2006/main">
   <p:cSld>
     <p:spTree>
@@ -8313,7 +11891,7 @@
 </p:sld>
 </file>
 
-<file path=ppt/slides/slide5.xml><?xml version="1.0" encoding="utf-8"?>
+<file path=ppt/slides/slide7.xml><?xml version="1.0" encoding="utf-8"?>
 <p:sld xmlns:a="http://schemas.openxmlformats.org/drawingml/2006/main" xmlns:r="http://schemas.openxmlformats.org/officeDocument/2006/relationships" xmlns:p="http://schemas.openxmlformats.org/presentationml/2006/main">
   <p:cSld>
     <p:spTree>
@@ -10083,7 +13661,7 @@
 </p:sld>
 </file>
 
-<file path=ppt/slides/slide6.xml><?xml version="1.0" encoding="utf-8"?>
+<file path=ppt/slides/slide8.xml><?xml version="1.0" encoding="utf-8"?>
 <p:sld xmlns:a="http://schemas.openxmlformats.org/drawingml/2006/main" xmlns:r="http://schemas.openxmlformats.org/officeDocument/2006/relationships" xmlns:p="http://schemas.openxmlformats.org/presentationml/2006/main">
   <p:cSld>
     <p:spTree>
@@ -11780,7 +15358,7 @@
 </p:sld>
 </file>
 
-<file path=ppt/slides/slide7.xml><?xml version="1.0" encoding="utf-8"?>
+<file path=ppt/slides/slide9.xml><?xml version="1.0" encoding="utf-8"?>
 <p:sld xmlns:a="http://schemas.openxmlformats.org/drawingml/2006/main" xmlns:r="http://schemas.openxmlformats.org/officeDocument/2006/relationships" xmlns:p="http://schemas.openxmlformats.org/presentationml/2006/main">
   <p:cSld>
     <p:spTree>

--- a/座標変換.pptx
+++ b/座標変換.pptx
@@ -9,11 +9,12 @@
     <p:sldId id="264" r:id="rId3"/>
     <p:sldId id="265" r:id="rId4"/>
     <p:sldId id="266" r:id="rId5"/>
-    <p:sldId id="260" r:id="rId6"/>
-    <p:sldId id="261" r:id="rId7"/>
-    <p:sldId id="257" r:id="rId8"/>
-    <p:sldId id="262" r:id="rId9"/>
-    <p:sldId id="263" r:id="rId10"/>
+    <p:sldId id="267" r:id="rId6"/>
+    <p:sldId id="260" r:id="rId7"/>
+    <p:sldId id="261" r:id="rId8"/>
+    <p:sldId id="257" r:id="rId9"/>
+    <p:sldId id="262" r:id="rId10"/>
+    <p:sldId id="263" r:id="rId11"/>
   </p:sldIdLst>
   <p:sldSz cx="12192000" cy="6858000"/>
   <p:notesSz cx="6858000" cy="9144000"/>
@@ -267,7 +268,7 @@
           <a:p>
             <a:fld id="{7CD78266-6DD0-4122-A98C-BADB072C32F9}" type="datetimeFigureOut">
               <a:rPr kumimoji="1" lang="ja-JP" altLang="en-US" smtClean="0"/>
-              <a:t>2021/5/18</a:t>
+              <a:t>2021/5/19</a:t>
             </a:fld>
             <a:endParaRPr kumimoji="1" lang="ja-JP" altLang="en-US"/>
           </a:p>
@@ -497,7 +498,7 @@
           <a:p>
             <a:fld id="{7CD78266-6DD0-4122-A98C-BADB072C32F9}" type="datetimeFigureOut">
               <a:rPr kumimoji="1" lang="ja-JP" altLang="en-US" smtClean="0"/>
-              <a:t>2021/5/18</a:t>
+              <a:t>2021/5/19</a:t>
             </a:fld>
             <a:endParaRPr kumimoji="1" lang="ja-JP" altLang="en-US"/>
           </a:p>
@@ -737,7 +738,7 @@
           <a:p>
             <a:fld id="{7CD78266-6DD0-4122-A98C-BADB072C32F9}" type="datetimeFigureOut">
               <a:rPr kumimoji="1" lang="ja-JP" altLang="en-US" smtClean="0"/>
-              <a:t>2021/5/18</a:t>
+              <a:t>2021/5/19</a:t>
             </a:fld>
             <a:endParaRPr kumimoji="1" lang="ja-JP" altLang="en-US"/>
           </a:p>
@@ -967,7 +968,7 @@
           <a:p>
             <a:fld id="{7CD78266-6DD0-4122-A98C-BADB072C32F9}" type="datetimeFigureOut">
               <a:rPr kumimoji="1" lang="ja-JP" altLang="en-US" smtClean="0"/>
-              <a:t>2021/5/18</a:t>
+              <a:t>2021/5/19</a:t>
             </a:fld>
             <a:endParaRPr kumimoji="1" lang="ja-JP" altLang="en-US"/>
           </a:p>
@@ -1242,7 +1243,7 @@
           <a:p>
             <a:fld id="{7CD78266-6DD0-4122-A98C-BADB072C32F9}" type="datetimeFigureOut">
               <a:rPr kumimoji="1" lang="ja-JP" altLang="en-US" smtClean="0"/>
-              <a:t>2021/5/18</a:t>
+              <a:t>2021/5/19</a:t>
             </a:fld>
             <a:endParaRPr kumimoji="1" lang="ja-JP" altLang="en-US"/>
           </a:p>
@@ -1571,7 +1572,7 @@
           <a:p>
             <a:fld id="{7CD78266-6DD0-4122-A98C-BADB072C32F9}" type="datetimeFigureOut">
               <a:rPr kumimoji="1" lang="ja-JP" altLang="en-US" smtClean="0"/>
-              <a:t>2021/5/18</a:t>
+              <a:t>2021/5/19</a:t>
             </a:fld>
             <a:endParaRPr kumimoji="1" lang="ja-JP" altLang="en-US"/>
           </a:p>
@@ -2047,7 +2048,7 @@
           <a:p>
             <a:fld id="{7CD78266-6DD0-4122-A98C-BADB072C32F9}" type="datetimeFigureOut">
               <a:rPr kumimoji="1" lang="ja-JP" altLang="en-US" smtClean="0"/>
-              <a:t>2021/5/18</a:t>
+              <a:t>2021/5/19</a:t>
             </a:fld>
             <a:endParaRPr kumimoji="1" lang="ja-JP" altLang="en-US"/>
           </a:p>
@@ -2188,7 +2189,7 @@
           <a:p>
             <a:fld id="{7CD78266-6DD0-4122-A98C-BADB072C32F9}" type="datetimeFigureOut">
               <a:rPr kumimoji="1" lang="ja-JP" altLang="en-US" smtClean="0"/>
-              <a:t>2021/5/18</a:t>
+              <a:t>2021/5/19</a:t>
             </a:fld>
             <a:endParaRPr kumimoji="1" lang="ja-JP" altLang="en-US"/>
           </a:p>
@@ -2301,7 +2302,7 @@
           <a:p>
             <a:fld id="{7CD78266-6DD0-4122-A98C-BADB072C32F9}" type="datetimeFigureOut">
               <a:rPr kumimoji="1" lang="ja-JP" altLang="en-US" smtClean="0"/>
-              <a:t>2021/5/18</a:t>
+              <a:t>2021/5/19</a:t>
             </a:fld>
             <a:endParaRPr kumimoji="1" lang="ja-JP" altLang="en-US"/>
           </a:p>
@@ -2644,7 +2645,7 @@
           <a:p>
             <a:fld id="{7CD78266-6DD0-4122-A98C-BADB072C32F9}" type="datetimeFigureOut">
               <a:rPr kumimoji="1" lang="ja-JP" altLang="en-US" smtClean="0"/>
-              <a:t>2021/5/18</a:t>
+              <a:t>2021/5/19</a:t>
             </a:fld>
             <a:endParaRPr kumimoji="1" lang="ja-JP" altLang="en-US"/>
           </a:p>
@@ -2932,7 +2933,7 @@
           <a:p>
             <a:fld id="{7CD78266-6DD0-4122-A98C-BADB072C32F9}" type="datetimeFigureOut">
               <a:rPr kumimoji="1" lang="ja-JP" altLang="en-US" smtClean="0"/>
-              <a:t>2021/5/18</a:t>
+              <a:t>2021/5/19</a:t>
             </a:fld>
             <a:endParaRPr kumimoji="1" lang="ja-JP" altLang="en-US"/>
           </a:p>
@@ -3205,7 +3206,7 @@
           <a:p>
             <a:fld id="{7CD78266-6DD0-4122-A98C-BADB072C32F9}" type="datetimeFigureOut">
               <a:rPr kumimoji="1" lang="ja-JP" altLang="en-US" smtClean="0"/>
-              <a:t>2021/5/18</a:t>
+              <a:t>2021/5/19</a:t>
             </a:fld>
             <a:endParaRPr kumimoji="1" lang="ja-JP" altLang="en-US"/>
           </a:p>
@@ -4818,6 +4819,2059 @@
 </p:sld>
 </file>
 
+<file path=ppt/slides/slide10.xml><?xml version="1.0" encoding="utf-8"?>
+<p:sld xmlns:a="http://schemas.openxmlformats.org/drawingml/2006/main" xmlns:r="http://schemas.openxmlformats.org/officeDocument/2006/relationships" xmlns:p="http://schemas.openxmlformats.org/presentationml/2006/main">
+  <p:cSld>
+    <p:spTree>
+      <p:nvGrpSpPr>
+        <p:cNvPr id="1" name=""/>
+        <p:cNvGrpSpPr/>
+        <p:nvPr/>
+      </p:nvGrpSpPr>
+      <p:grpSpPr>
+        <a:xfrm>
+          <a:off x="0" y="0"/>
+          <a:ext cx="0" cy="0"/>
+          <a:chOff x="0" y="0"/>
+          <a:chExt cx="0" cy="0"/>
+        </a:xfrm>
+      </p:grpSpPr>
+      <p:sp>
+        <p:nvSpPr>
+          <p:cNvPr id="24" name="直方体 23">
+            <a:extLst>
+              <a:ext uri="{FF2B5EF4-FFF2-40B4-BE49-F238E27FC236}">
+                <a16:creationId xmlns:a16="http://schemas.microsoft.com/office/drawing/2014/main" id="{BB43AFFC-41AC-4615-985E-7A94297CB2E3}"/>
+              </a:ext>
+            </a:extLst>
+          </p:cNvPr>
+          <p:cNvSpPr/>
+          <p:nvPr/>
+        </p:nvSpPr>
+        <p:spPr>
+          <a:xfrm rot="3126979" flipV="1">
+            <a:off x="5890742" y="2956826"/>
+            <a:ext cx="947832" cy="769459"/>
+          </a:xfrm>
+          <a:prstGeom prst="cube">
+            <a:avLst>
+              <a:gd name="adj" fmla="val 43413"/>
+            </a:avLst>
+          </a:prstGeom>
+          <a:solidFill>
+            <a:schemeClr val="accent6"/>
+          </a:solidFill>
+          <a:ln>
+            <a:solidFill>
+              <a:schemeClr val="accent6">
+                <a:lumMod val="50000"/>
+              </a:schemeClr>
+            </a:solidFill>
+          </a:ln>
+        </p:spPr>
+        <p:style>
+          <a:lnRef idx="2">
+            <a:schemeClr val="accent1">
+              <a:shade val="50000"/>
+            </a:schemeClr>
+          </a:lnRef>
+          <a:fillRef idx="1">
+            <a:schemeClr val="accent1"/>
+          </a:fillRef>
+          <a:effectRef idx="0">
+            <a:schemeClr val="accent1"/>
+          </a:effectRef>
+          <a:fontRef idx="minor">
+            <a:schemeClr val="lt1"/>
+          </a:fontRef>
+        </p:style>
+        <p:txBody>
+          <a:bodyPr rtlCol="0" anchor="ctr"/>
+          <a:lstStyle/>
+          <a:p>
+            <a:pPr algn="ctr"/>
+            <a:endParaRPr kumimoji="1" lang="ja-JP" altLang="en-US"/>
+          </a:p>
+        </p:txBody>
+      </p:sp>
+      <p:cxnSp>
+        <p:nvCxnSpPr>
+          <p:cNvPr id="25" name="直線矢印コネクタ 24">
+            <a:extLst>
+              <a:ext uri="{FF2B5EF4-FFF2-40B4-BE49-F238E27FC236}">
+                <a16:creationId xmlns:a16="http://schemas.microsoft.com/office/drawing/2014/main" id="{E8E22A49-667F-4573-A8CE-4C00AFF31DCE}"/>
+              </a:ext>
+            </a:extLst>
+          </p:cNvPr>
+          <p:cNvCxnSpPr>
+            <a:cxnSpLocks/>
+          </p:cNvCxnSpPr>
+          <p:nvPr/>
+        </p:nvCxnSpPr>
+        <p:spPr>
+          <a:xfrm flipV="1">
+            <a:off x="3743473" y="4242817"/>
+            <a:ext cx="230601" cy="2004182"/>
+          </a:xfrm>
+          <a:prstGeom prst="straightConnector1">
+            <a:avLst/>
+          </a:prstGeom>
+          <a:ln w="76200">
+            <a:tailEnd type="triangle"/>
+          </a:ln>
+        </p:spPr>
+        <p:style>
+          <a:lnRef idx="1">
+            <a:schemeClr val="dk1"/>
+          </a:lnRef>
+          <a:fillRef idx="0">
+            <a:schemeClr val="dk1"/>
+          </a:fillRef>
+          <a:effectRef idx="0">
+            <a:schemeClr val="dk1"/>
+          </a:effectRef>
+          <a:fontRef idx="minor">
+            <a:schemeClr val="tx1"/>
+          </a:fontRef>
+        </p:style>
+      </p:cxnSp>
+      <p:cxnSp>
+        <p:nvCxnSpPr>
+          <p:cNvPr id="26" name="直線矢印コネクタ 25">
+            <a:extLst>
+              <a:ext uri="{FF2B5EF4-FFF2-40B4-BE49-F238E27FC236}">
+                <a16:creationId xmlns:a16="http://schemas.microsoft.com/office/drawing/2014/main" id="{06EC8E29-7474-4EA2-B413-DA5855643282}"/>
+              </a:ext>
+            </a:extLst>
+          </p:cNvPr>
+          <p:cNvCxnSpPr>
+            <a:cxnSpLocks/>
+          </p:cNvCxnSpPr>
+          <p:nvPr/>
+        </p:nvCxnSpPr>
+        <p:spPr>
+          <a:xfrm flipV="1">
+            <a:off x="3736374" y="5589531"/>
+            <a:ext cx="964742" cy="698835"/>
+          </a:xfrm>
+          <a:prstGeom prst="straightConnector1">
+            <a:avLst/>
+          </a:prstGeom>
+          <a:ln w="76200">
+            <a:tailEnd type="triangle"/>
+          </a:ln>
+        </p:spPr>
+        <p:style>
+          <a:lnRef idx="1">
+            <a:schemeClr val="dk1"/>
+          </a:lnRef>
+          <a:fillRef idx="0">
+            <a:schemeClr val="dk1"/>
+          </a:fillRef>
+          <a:effectRef idx="0">
+            <a:schemeClr val="dk1"/>
+          </a:effectRef>
+          <a:fontRef idx="minor">
+            <a:schemeClr val="tx1"/>
+          </a:fontRef>
+        </p:style>
+      </p:cxnSp>
+      <p:cxnSp>
+        <p:nvCxnSpPr>
+          <p:cNvPr id="27" name="直線矢印コネクタ 26">
+            <a:extLst>
+              <a:ext uri="{FF2B5EF4-FFF2-40B4-BE49-F238E27FC236}">
+                <a16:creationId xmlns:a16="http://schemas.microsoft.com/office/drawing/2014/main" id="{194B5198-F50F-4D14-9517-996419472EA6}"/>
+              </a:ext>
+            </a:extLst>
+          </p:cNvPr>
+          <p:cNvCxnSpPr>
+            <a:cxnSpLocks/>
+          </p:cNvCxnSpPr>
+          <p:nvPr/>
+        </p:nvCxnSpPr>
+        <p:spPr>
+          <a:xfrm flipH="1" flipV="1">
+            <a:off x="3075517" y="5470759"/>
+            <a:ext cx="660857" cy="828475"/>
+          </a:xfrm>
+          <a:prstGeom prst="straightConnector1">
+            <a:avLst/>
+          </a:prstGeom>
+          <a:ln w="76200">
+            <a:tailEnd type="triangle"/>
+          </a:ln>
+        </p:spPr>
+        <p:style>
+          <a:lnRef idx="1">
+            <a:schemeClr val="dk1"/>
+          </a:lnRef>
+          <a:fillRef idx="0">
+            <a:schemeClr val="dk1"/>
+          </a:fillRef>
+          <a:effectRef idx="0">
+            <a:schemeClr val="dk1"/>
+          </a:effectRef>
+          <a:fontRef idx="minor">
+            <a:schemeClr val="tx1"/>
+          </a:fontRef>
+        </p:style>
+      </p:cxnSp>
+      <mc:AlternateContent xmlns:mc="http://schemas.openxmlformats.org/markup-compatibility/2006" xmlns:a14="http://schemas.microsoft.com/office/drawing/2010/main">
+        <mc:Choice Requires="a14">
+          <p:sp>
+            <p:nvSpPr>
+              <p:cNvPr id="28" name="テキスト ボックス 27">
+                <a:extLst>
+                  <a:ext uri="{FF2B5EF4-FFF2-40B4-BE49-F238E27FC236}">
+                    <a16:creationId xmlns:a16="http://schemas.microsoft.com/office/drawing/2014/main" id="{2035DBB9-8364-45D0-B5C3-B459085C2169}"/>
+                  </a:ext>
+                </a:extLst>
+              </p:cNvPr>
+              <p:cNvSpPr txBox="1"/>
+              <p:nvPr/>
+            </p:nvSpPr>
+            <p:spPr>
+              <a:xfrm>
+                <a:off x="3405945" y="6165285"/>
+                <a:ext cx="1994595" cy="584775"/>
+              </a:xfrm>
+              <a:prstGeom prst="rect">
+                <a:avLst/>
+              </a:prstGeom>
+              <a:noFill/>
+            </p:spPr>
+            <p:txBody>
+              <a:bodyPr wrap="square" rtlCol="0">
+                <a:spAutoFit/>
+              </a:bodyPr>
+              <a:lstStyle/>
+              <a:p>
+                <a:pPr/>
+                <a14:m>
+                  <m:oMathPara xmlns:m="http://schemas.openxmlformats.org/officeDocument/2006/math">
+                    <m:oMathParaPr>
+                      <m:jc m:val="centerGroup"/>
+                    </m:oMathParaPr>
+                    <m:oMath xmlns:m="http://schemas.openxmlformats.org/officeDocument/2006/math">
+                      <m:sSub>
+                        <m:sSubPr>
+                          <m:ctrlPr>
+                            <a:rPr kumimoji="1" lang="en-US" altLang="ja-JP" sz="3200" b="0" i="1" smtClean="0">
+                              <a:latin typeface="Cambria Math" panose="02040503050406030204" pitchFamily="18" charset="0"/>
+                            </a:rPr>
+                          </m:ctrlPr>
+                        </m:sSubPr>
+                        <m:e>
+                          <m:r>
+                            <a:rPr kumimoji="1" lang="en-US" altLang="ja-JP" sz="3200" b="1" i="1" smtClean="0">
+                              <a:latin typeface="Cambria Math" panose="02040503050406030204" pitchFamily="18" charset="0"/>
+                            </a:rPr>
+                            <m:t>𝒙</m:t>
+                          </m:r>
+                        </m:e>
+                        <m:sub>
+                          <m:r>
+                            <a:rPr kumimoji="1" lang="en-US" altLang="ja-JP" sz="3200" b="0" i="1" smtClean="0">
+                              <a:latin typeface="Cambria Math" panose="02040503050406030204" pitchFamily="18" charset="0"/>
+                            </a:rPr>
+                            <m:t>𝑤</m:t>
+                          </m:r>
+                        </m:sub>
+                      </m:sSub>
+                      <m:r>
+                        <a:rPr kumimoji="1" lang="en-US" altLang="ja-JP" sz="3200" b="0" i="1" smtClean="0">
+                          <a:latin typeface="Cambria Math" panose="02040503050406030204" pitchFamily="18" charset="0"/>
+                        </a:rPr>
+                        <m:t>=</m:t>
+                      </m:r>
+                      <m:r>
+                        <a:rPr kumimoji="1" lang="en-US" altLang="ja-JP" sz="3200" b="1" i="1" smtClean="0">
+                          <a:latin typeface="Cambria Math" panose="02040503050406030204" pitchFamily="18" charset="0"/>
+                        </a:rPr>
+                        <m:t>𝑶</m:t>
+                      </m:r>
+                    </m:oMath>
+                  </m:oMathPara>
+                </a14:m>
+                <a:endParaRPr kumimoji="1" lang="ja-JP" altLang="en-US" sz="3200" b="1" dirty="0"/>
+              </a:p>
+            </p:txBody>
+          </p:sp>
+        </mc:Choice>
+        <mc:Fallback xmlns="">
+          <p:sp>
+            <p:nvSpPr>
+              <p:cNvPr id="28" name="テキスト ボックス 27">
+                <a:extLst>
+                  <a:ext uri="{FF2B5EF4-FFF2-40B4-BE49-F238E27FC236}">
+                    <a16:creationId xmlns:a16="http://schemas.microsoft.com/office/drawing/2014/main" id="{2035DBB9-8364-45D0-B5C3-B459085C2169}"/>
+                  </a:ext>
+                </a:extLst>
+              </p:cNvPr>
+              <p:cNvSpPr txBox="1">
+                <a:spLocks noRot="1" noChangeAspect="1" noMove="1" noResize="1" noEditPoints="1" noAdjustHandles="1" noChangeArrowheads="1" noChangeShapeType="1" noTextEdit="1"/>
+              </p:cNvSpPr>
+              <p:nvPr/>
+            </p:nvSpPr>
+            <p:spPr>
+              <a:xfrm>
+                <a:off x="3405945" y="6165285"/>
+                <a:ext cx="1994595" cy="584775"/>
+              </a:xfrm>
+              <a:prstGeom prst="rect">
+                <a:avLst/>
+              </a:prstGeom>
+              <a:blipFill>
+                <a:blip r:embed="rId2"/>
+                <a:stretch>
+                  <a:fillRect/>
+                </a:stretch>
+              </a:blipFill>
+            </p:spPr>
+            <p:txBody>
+              <a:bodyPr/>
+              <a:lstStyle/>
+              <a:p>
+                <a:r>
+                  <a:rPr lang="ja-JP" altLang="en-US">
+                    <a:noFill/>
+                  </a:rPr>
+                  <a:t> </a:t>
+                </a:r>
+              </a:p>
+            </p:txBody>
+          </p:sp>
+        </mc:Fallback>
+      </mc:AlternateContent>
+      <mc:AlternateContent xmlns:mc="http://schemas.openxmlformats.org/markup-compatibility/2006" xmlns:a14="http://schemas.microsoft.com/office/drawing/2010/main">
+        <mc:Choice Requires="a14">
+          <p:sp>
+            <p:nvSpPr>
+              <p:cNvPr id="29" name="テキスト ボックス 28">
+                <a:extLst>
+                  <a:ext uri="{FF2B5EF4-FFF2-40B4-BE49-F238E27FC236}">
+                    <a16:creationId xmlns:a16="http://schemas.microsoft.com/office/drawing/2014/main" id="{9442C12C-52DE-400D-868D-9AAB947F31BA}"/>
+                  </a:ext>
+                </a:extLst>
+              </p:cNvPr>
+              <p:cNvSpPr txBox="1"/>
+              <p:nvPr/>
+            </p:nvSpPr>
+            <p:spPr>
+              <a:xfrm>
+                <a:off x="3538328" y="2542734"/>
+                <a:ext cx="618567" cy="584775"/>
+              </a:xfrm>
+              <a:prstGeom prst="rect">
+                <a:avLst/>
+              </a:prstGeom>
+              <a:noFill/>
+            </p:spPr>
+            <p:txBody>
+              <a:bodyPr wrap="square" rtlCol="0">
+                <a:spAutoFit/>
+              </a:bodyPr>
+              <a:lstStyle/>
+              <a:p>
+                <a:pPr/>
+                <a14:m>
+                  <m:oMathPara xmlns:m="http://schemas.openxmlformats.org/officeDocument/2006/math">
+                    <m:oMathParaPr>
+                      <m:jc m:val="centerGroup"/>
+                    </m:oMathParaPr>
+                    <m:oMath xmlns:m="http://schemas.openxmlformats.org/officeDocument/2006/math">
+                      <m:sSub>
+                        <m:sSubPr>
+                          <m:ctrlPr>
+                            <a:rPr kumimoji="1" lang="en-US" altLang="ja-JP" sz="3200" b="0" i="1" smtClean="0">
+                              <a:latin typeface="Cambria Math" panose="02040503050406030204" pitchFamily="18" charset="0"/>
+                            </a:rPr>
+                          </m:ctrlPr>
+                        </m:sSubPr>
+                        <m:e>
+                          <m:r>
+                            <a:rPr kumimoji="1" lang="en-US" altLang="ja-JP" sz="3200" b="0" i="1" smtClean="0">
+                              <a:latin typeface="Cambria Math" panose="02040503050406030204" pitchFamily="18" charset="0"/>
+                            </a:rPr>
+                            <m:t>𝑅</m:t>
+                          </m:r>
+                          <m:r>
+                            <a:rPr kumimoji="1" lang="en-US" altLang="ja-JP" sz="3200" b="1" i="1" smtClean="0">
+                              <a:latin typeface="Cambria Math" panose="02040503050406030204" pitchFamily="18" charset="0"/>
+                            </a:rPr>
+                            <m:t>𝒙</m:t>
+                          </m:r>
+                        </m:e>
+                        <m:sub>
+                          <m:r>
+                            <a:rPr kumimoji="1" lang="en-US" altLang="ja-JP" sz="3200" b="0" i="1" smtClean="0">
+                              <a:latin typeface="Cambria Math" panose="02040503050406030204" pitchFamily="18" charset="0"/>
+                            </a:rPr>
+                            <m:t>𝑏</m:t>
+                          </m:r>
+                        </m:sub>
+                      </m:sSub>
+                    </m:oMath>
+                  </m:oMathPara>
+                </a14:m>
+                <a:endParaRPr kumimoji="1" lang="ja-JP" altLang="en-US" sz="3200" dirty="0"/>
+              </a:p>
+            </p:txBody>
+          </p:sp>
+        </mc:Choice>
+        <mc:Fallback xmlns="">
+          <p:sp>
+            <p:nvSpPr>
+              <p:cNvPr id="29" name="テキスト ボックス 28">
+                <a:extLst>
+                  <a:ext uri="{FF2B5EF4-FFF2-40B4-BE49-F238E27FC236}">
+                    <a16:creationId xmlns:a16="http://schemas.microsoft.com/office/drawing/2014/main" id="{9442C12C-52DE-400D-868D-9AAB947F31BA}"/>
+                  </a:ext>
+                </a:extLst>
+              </p:cNvPr>
+              <p:cNvSpPr txBox="1">
+                <a:spLocks noRot="1" noChangeAspect="1" noMove="1" noResize="1" noEditPoints="1" noAdjustHandles="1" noChangeArrowheads="1" noChangeShapeType="1" noTextEdit="1"/>
+              </p:cNvSpPr>
+              <p:nvPr/>
+            </p:nvSpPr>
+            <p:spPr>
+              <a:xfrm>
+                <a:off x="3538328" y="2542734"/>
+                <a:ext cx="618567" cy="584775"/>
+              </a:xfrm>
+              <a:prstGeom prst="rect">
+                <a:avLst/>
+              </a:prstGeom>
+              <a:blipFill>
+                <a:blip r:embed="rId3"/>
+                <a:stretch>
+                  <a:fillRect r="-21569"/>
+                </a:stretch>
+              </a:blipFill>
+            </p:spPr>
+            <p:txBody>
+              <a:bodyPr/>
+              <a:lstStyle/>
+              <a:p>
+                <a:r>
+                  <a:rPr lang="ja-JP" altLang="en-US">
+                    <a:noFill/>
+                  </a:rPr>
+                  <a:t> </a:t>
+                </a:r>
+              </a:p>
+            </p:txBody>
+          </p:sp>
+        </mc:Fallback>
+      </mc:AlternateContent>
+      <p:cxnSp>
+        <p:nvCxnSpPr>
+          <p:cNvPr id="30" name="直線矢印コネクタ 29">
+            <a:extLst>
+              <a:ext uri="{FF2B5EF4-FFF2-40B4-BE49-F238E27FC236}">
+                <a16:creationId xmlns:a16="http://schemas.microsoft.com/office/drawing/2014/main" id="{FB1D2424-1792-4E28-8BA6-E7F7CF0E580C}"/>
+              </a:ext>
+            </a:extLst>
+          </p:cNvPr>
+          <p:cNvCxnSpPr>
+            <a:cxnSpLocks/>
+          </p:cNvCxnSpPr>
+          <p:nvPr/>
+        </p:nvCxnSpPr>
+        <p:spPr>
+          <a:xfrm>
+            <a:off x="3492526" y="2489538"/>
+            <a:ext cx="180266" cy="3594033"/>
+          </a:xfrm>
+          <a:prstGeom prst="straightConnector1">
+            <a:avLst/>
+          </a:prstGeom>
+          <a:ln w="38100">
+            <a:tailEnd type="triangle"/>
+          </a:ln>
+        </p:spPr>
+        <p:style>
+          <a:lnRef idx="1">
+            <a:schemeClr val="dk1"/>
+          </a:lnRef>
+          <a:fillRef idx="0">
+            <a:schemeClr val="dk1"/>
+          </a:fillRef>
+          <a:effectRef idx="0">
+            <a:schemeClr val="dk1"/>
+          </a:effectRef>
+          <a:fontRef idx="minor">
+            <a:schemeClr val="tx1"/>
+          </a:fontRef>
+        </p:style>
+      </p:cxnSp>
+      <mc:AlternateContent xmlns:mc="http://schemas.openxmlformats.org/markup-compatibility/2006" xmlns:a14="http://schemas.microsoft.com/office/drawing/2010/main">
+        <mc:Choice Requires="a14">
+          <p:sp>
+            <p:nvSpPr>
+              <p:cNvPr id="31" name="テキスト ボックス 30">
+                <a:extLst>
+                  <a:ext uri="{FF2B5EF4-FFF2-40B4-BE49-F238E27FC236}">
+                    <a16:creationId xmlns:a16="http://schemas.microsoft.com/office/drawing/2014/main" id="{F44C9D58-E9F7-44C1-9D04-B40FC69CFDC4}"/>
+                  </a:ext>
+                </a:extLst>
+              </p:cNvPr>
+              <p:cNvSpPr txBox="1"/>
+              <p:nvPr/>
+            </p:nvSpPr>
+            <p:spPr>
+              <a:xfrm>
+                <a:off x="2657113" y="3197040"/>
+                <a:ext cx="618567" cy="584775"/>
+              </a:xfrm>
+              <a:prstGeom prst="rect">
+                <a:avLst/>
+              </a:prstGeom>
+              <a:noFill/>
+            </p:spPr>
+            <p:txBody>
+              <a:bodyPr wrap="square" rtlCol="0">
+                <a:spAutoFit/>
+              </a:bodyPr>
+              <a:lstStyle/>
+              <a:p>
+                <a:pPr/>
+                <a14:m>
+                  <m:oMathPara xmlns:m="http://schemas.openxmlformats.org/officeDocument/2006/math">
+                    <m:oMathParaPr>
+                      <m:jc m:val="centerGroup"/>
+                    </m:oMathParaPr>
+                    <m:oMath xmlns:m="http://schemas.openxmlformats.org/officeDocument/2006/math">
+                      <m:sSubSup>
+                        <m:sSubSupPr>
+                          <m:ctrlPr>
+                            <a:rPr kumimoji="1" lang="en-US" altLang="ja-JP" sz="3200" i="1" smtClean="0">
+                              <a:latin typeface="Cambria Math" panose="02040503050406030204" pitchFamily="18" charset="0"/>
+                            </a:rPr>
+                          </m:ctrlPr>
+                        </m:sSubSupPr>
+                        <m:e>
+                          <m:r>
+                            <a:rPr kumimoji="1" lang="en-US" altLang="ja-JP" sz="3200" b="0" i="1" smtClean="0">
+                              <a:latin typeface="Cambria Math" panose="02040503050406030204" pitchFamily="18" charset="0"/>
+                            </a:rPr>
+                            <m:t>𝑅</m:t>
+                          </m:r>
+                          <m:r>
+                            <a:rPr kumimoji="1" lang="en-US" altLang="ja-JP" sz="3200" b="1" i="1" smtClean="0">
+                              <a:latin typeface="Cambria Math" panose="02040503050406030204" pitchFamily="18" charset="0"/>
+                            </a:rPr>
+                            <m:t>𝒙</m:t>
+                          </m:r>
+                        </m:e>
+                        <m:sub>
+                          <m:r>
+                            <a:rPr kumimoji="1" lang="en-US" altLang="ja-JP" sz="3200" b="0" i="1" smtClean="0">
+                              <a:latin typeface="Cambria Math" panose="02040503050406030204" pitchFamily="18" charset="0"/>
+                            </a:rPr>
+                            <m:t>𝑤</m:t>
+                          </m:r>
+                        </m:sub>
+                        <m:sup>
+                          <m:r>
+                            <a:rPr kumimoji="1" lang="en-US" altLang="ja-JP" sz="3200" b="0" i="1" smtClean="0">
+                              <a:latin typeface="Cambria Math" panose="02040503050406030204" pitchFamily="18" charset="0"/>
+                            </a:rPr>
+                            <m:t>′</m:t>
+                          </m:r>
+                        </m:sup>
+                      </m:sSubSup>
+                    </m:oMath>
+                  </m:oMathPara>
+                </a14:m>
+                <a:endParaRPr kumimoji="1" lang="ja-JP" altLang="en-US" sz="3200" dirty="0"/>
+              </a:p>
+            </p:txBody>
+          </p:sp>
+        </mc:Choice>
+        <mc:Fallback xmlns="">
+          <p:sp>
+            <p:nvSpPr>
+              <p:cNvPr id="31" name="テキスト ボックス 30">
+                <a:extLst>
+                  <a:ext uri="{FF2B5EF4-FFF2-40B4-BE49-F238E27FC236}">
+                    <a16:creationId xmlns:a16="http://schemas.microsoft.com/office/drawing/2014/main" id="{F44C9D58-E9F7-44C1-9D04-B40FC69CFDC4}"/>
+                  </a:ext>
+                </a:extLst>
+              </p:cNvPr>
+              <p:cNvSpPr txBox="1">
+                <a:spLocks noRot="1" noChangeAspect="1" noMove="1" noResize="1" noEditPoints="1" noAdjustHandles="1" noChangeArrowheads="1" noChangeShapeType="1" noTextEdit="1"/>
+              </p:cNvSpPr>
+              <p:nvPr/>
+            </p:nvSpPr>
+            <p:spPr>
+              <a:xfrm>
+                <a:off x="2657113" y="3197040"/>
+                <a:ext cx="618567" cy="584775"/>
+              </a:xfrm>
+              <a:prstGeom prst="rect">
+                <a:avLst/>
+              </a:prstGeom>
+              <a:blipFill>
+                <a:blip r:embed="rId4"/>
+                <a:stretch>
+                  <a:fillRect r="-34653"/>
+                </a:stretch>
+              </a:blipFill>
+            </p:spPr>
+            <p:txBody>
+              <a:bodyPr/>
+              <a:lstStyle/>
+              <a:p>
+                <a:r>
+                  <a:rPr lang="ja-JP" altLang="en-US">
+                    <a:noFill/>
+                  </a:rPr>
+                  <a:t> </a:t>
+                </a:r>
+              </a:p>
+            </p:txBody>
+          </p:sp>
+        </mc:Fallback>
+      </mc:AlternateContent>
+      <p:cxnSp>
+        <p:nvCxnSpPr>
+          <p:cNvPr id="32" name="直線矢印コネクタ 31">
+            <a:extLst>
+              <a:ext uri="{FF2B5EF4-FFF2-40B4-BE49-F238E27FC236}">
+                <a16:creationId xmlns:a16="http://schemas.microsoft.com/office/drawing/2014/main" id="{AE2A24DD-36AA-406F-8351-C003E225DD56}"/>
+              </a:ext>
+            </a:extLst>
+          </p:cNvPr>
+          <p:cNvCxnSpPr>
+            <a:cxnSpLocks/>
+          </p:cNvCxnSpPr>
+          <p:nvPr/>
+        </p:nvCxnSpPr>
+        <p:spPr>
+          <a:xfrm flipH="1" flipV="1">
+            <a:off x="3580587" y="2436342"/>
+            <a:ext cx="193578" cy="3728943"/>
+          </a:xfrm>
+          <a:prstGeom prst="straightConnector1">
+            <a:avLst/>
+          </a:prstGeom>
+          <a:ln w="38100">
+            <a:tailEnd type="triangle"/>
+          </a:ln>
+        </p:spPr>
+        <p:style>
+          <a:lnRef idx="1">
+            <a:schemeClr val="dk1"/>
+          </a:lnRef>
+          <a:fillRef idx="0">
+            <a:schemeClr val="dk1"/>
+          </a:fillRef>
+          <a:effectRef idx="0">
+            <a:schemeClr val="dk1"/>
+          </a:effectRef>
+          <a:fontRef idx="minor">
+            <a:schemeClr val="tx1"/>
+          </a:fontRef>
+        </p:style>
+      </p:cxnSp>
+      <p:cxnSp>
+        <p:nvCxnSpPr>
+          <p:cNvPr id="34" name="直線矢印コネクタ 33">
+            <a:extLst>
+              <a:ext uri="{FF2B5EF4-FFF2-40B4-BE49-F238E27FC236}">
+                <a16:creationId xmlns:a16="http://schemas.microsoft.com/office/drawing/2014/main" id="{0276690A-1598-4DDD-A64D-52D244C6D970}"/>
+              </a:ext>
+            </a:extLst>
+          </p:cNvPr>
+          <p:cNvCxnSpPr>
+            <a:cxnSpLocks/>
+          </p:cNvCxnSpPr>
+          <p:nvPr/>
+        </p:nvCxnSpPr>
+        <p:spPr>
+          <a:xfrm flipV="1">
+            <a:off x="6359546" y="2710088"/>
+            <a:ext cx="142893" cy="1285436"/>
+          </a:xfrm>
+          <a:prstGeom prst="straightConnector1">
+            <a:avLst/>
+          </a:prstGeom>
+          <a:ln w="57150">
+            <a:tailEnd type="triangle"/>
+          </a:ln>
+        </p:spPr>
+        <p:style>
+          <a:lnRef idx="1">
+            <a:schemeClr val="dk1"/>
+          </a:lnRef>
+          <a:fillRef idx="0">
+            <a:schemeClr val="dk1"/>
+          </a:fillRef>
+          <a:effectRef idx="0">
+            <a:schemeClr val="dk1"/>
+          </a:effectRef>
+          <a:fontRef idx="minor">
+            <a:schemeClr val="tx1"/>
+          </a:fontRef>
+        </p:style>
+      </p:cxnSp>
+      <p:cxnSp>
+        <p:nvCxnSpPr>
+          <p:cNvPr id="35" name="直線矢印コネクタ 34">
+            <a:extLst>
+              <a:ext uri="{FF2B5EF4-FFF2-40B4-BE49-F238E27FC236}">
+                <a16:creationId xmlns:a16="http://schemas.microsoft.com/office/drawing/2014/main" id="{9075D600-FD9B-4C91-9063-8F53423FB547}"/>
+              </a:ext>
+            </a:extLst>
+          </p:cNvPr>
+          <p:cNvCxnSpPr>
+            <a:cxnSpLocks/>
+          </p:cNvCxnSpPr>
+          <p:nvPr/>
+        </p:nvCxnSpPr>
+        <p:spPr>
+          <a:xfrm flipV="1">
+            <a:off x="6359547" y="3527196"/>
+            <a:ext cx="599775" cy="434464"/>
+          </a:xfrm>
+          <a:prstGeom prst="straightConnector1">
+            <a:avLst/>
+          </a:prstGeom>
+          <a:ln w="57150">
+            <a:tailEnd type="triangle"/>
+          </a:ln>
+        </p:spPr>
+        <p:style>
+          <a:lnRef idx="1">
+            <a:schemeClr val="dk1"/>
+          </a:lnRef>
+          <a:fillRef idx="0">
+            <a:schemeClr val="dk1"/>
+          </a:fillRef>
+          <a:effectRef idx="0">
+            <a:schemeClr val="dk1"/>
+          </a:effectRef>
+          <a:fontRef idx="minor">
+            <a:schemeClr val="tx1"/>
+          </a:fontRef>
+        </p:style>
+      </p:cxnSp>
+      <p:cxnSp>
+        <p:nvCxnSpPr>
+          <p:cNvPr id="36" name="直線矢印コネクタ 35">
+            <a:extLst>
+              <a:ext uri="{FF2B5EF4-FFF2-40B4-BE49-F238E27FC236}">
+                <a16:creationId xmlns:a16="http://schemas.microsoft.com/office/drawing/2014/main" id="{245EB156-2AF8-4F6F-97FD-B8E78B537B35}"/>
+              </a:ext>
+            </a:extLst>
+          </p:cNvPr>
+          <p:cNvCxnSpPr>
+            <a:cxnSpLocks/>
+          </p:cNvCxnSpPr>
+          <p:nvPr/>
+        </p:nvCxnSpPr>
+        <p:spPr>
+          <a:xfrm flipH="1" flipV="1">
+            <a:off x="5850335" y="3334159"/>
+            <a:ext cx="509213" cy="638368"/>
+          </a:xfrm>
+          <a:prstGeom prst="straightConnector1">
+            <a:avLst/>
+          </a:prstGeom>
+          <a:ln w="57150">
+            <a:tailEnd type="triangle"/>
+          </a:ln>
+        </p:spPr>
+        <p:style>
+          <a:lnRef idx="1">
+            <a:schemeClr val="dk1"/>
+          </a:lnRef>
+          <a:fillRef idx="0">
+            <a:schemeClr val="dk1"/>
+          </a:fillRef>
+          <a:effectRef idx="0">
+            <a:schemeClr val="dk1"/>
+          </a:effectRef>
+          <a:fontRef idx="minor">
+            <a:schemeClr val="tx1"/>
+          </a:fontRef>
+        </p:style>
+      </p:cxnSp>
+      <p:sp>
+        <p:nvSpPr>
+          <p:cNvPr id="21" name="直方体 20">
+            <a:extLst>
+              <a:ext uri="{FF2B5EF4-FFF2-40B4-BE49-F238E27FC236}">
+                <a16:creationId xmlns:a16="http://schemas.microsoft.com/office/drawing/2014/main" id="{3AB75076-CC78-4ECE-935A-B3AE465442B8}"/>
+              </a:ext>
+            </a:extLst>
+          </p:cNvPr>
+          <p:cNvSpPr/>
+          <p:nvPr/>
+        </p:nvSpPr>
+        <p:spPr>
+          <a:xfrm rot="20594060" flipH="1">
+            <a:off x="3244381" y="1584952"/>
+            <a:ext cx="963571" cy="782236"/>
+          </a:xfrm>
+          <a:prstGeom prst="cube">
+            <a:avLst/>
+          </a:prstGeom>
+          <a:solidFill>
+            <a:schemeClr val="accent6"/>
+          </a:solidFill>
+          <a:ln>
+            <a:solidFill>
+              <a:schemeClr val="accent6">
+                <a:lumMod val="50000"/>
+              </a:schemeClr>
+            </a:solidFill>
+          </a:ln>
+        </p:spPr>
+        <p:style>
+          <a:lnRef idx="2">
+            <a:schemeClr val="accent1">
+              <a:shade val="50000"/>
+            </a:schemeClr>
+          </a:lnRef>
+          <a:fillRef idx="1">
+            <a:schemeClr val="accent1"/>
+          </a:fillRef>
+          <a:effectRef idx="0">
+            <a:schemeClr val="accent1"/>
+          </a:effectRef>
+          <a:fontRef idx="minor">
+            <a:schemeClr val="lt1"/>
+          </a:fontRef>
+        </p:style>
+        <p:txBody>
+          <a:bodyPr rtlCol="0" anchor="ctr"/>
+          <a:lstStyle/>
+          <a:p>
+            <a:pPr algn="ctr"/>
+            <a:endParaRPr kumimoji="1" lang="ja-JP" altLang="en-US"/>
+          </a:p>
+        </p:txBody>
+      </p:sp>
+      <p:cxnSp>
+        <p:nvCxnSpPr>
+          <p:cNvPr id="22" name="直線矢印コネクタ 21">
+            <a:extLst>
+              <a:ext uri="{FF2B5EF4-FFF2-40B4-BE49-F238E27FC236}">
+                <a16:creationId xmlns:a16="http://schemas.microsoft.com/office/drawing/2014/main" id="{064DB839-CE5D-4B2B-B4C0-BD7F744BC34B}"/>
+              </a:ext>
+            </a:extLst>
+          </p:cNvPr>
+          <p:cNvCxnSpPr>
+            <a:cxnSpLocks/>
+          </p:cNvCxnSpPr>
+          <p:nvPr/>
+        </p:nvCxnSpPr>
+        <p:spPr>
+          <a:xfrm flipH="1" flipV="1">
+            <a:off x="3272663" y="1408030"/>
+            <a:ext cx="278681" cy="1021833"/>
+          </a:xfrm>
+          <a:prstGeom prst="straightConnector1">
+            <a:avLst/>
+          </a:prstGeom>
+          <a:ln w="57150">
+            <a:tailEnd type="triangle"/>
+          </a:ln>
+        </p:spPr>
+        <p:style>
+          <a:lnRef idx="1">
+            <a:schemeClr val="dk1"/>
+          </a:lnRef>
+          <a:fillRef idx="0">
+            <a:schemeClr val="dk1"/>
+          </a:fillRef>
+          <a:effectRef idx="0">
+            <a:schemeClr val="dk1"/>
+          </a:effectRef>
+          <a:fontRef idx="minor">
+            <a:schemeClr val="tx1"/>
+          </a:fontRef>
+        </p:style>
+      </p:cxnSp>
+      <p:cxnSp>
+        <p:nvCxnSpPr>
+          <p:cNvPr id="37" name="直線矢印コネクタ 36">
+            <a:extLst>
+              <a:ext uri="{FF2B5EF4-FFF2-40B4-BE49-F238E27FC236}">
+                <a16:creationId xmlns:a16="http://schemas.microsoft.com/office/drawing/2014/main" id="{BA24BB61-1A29-4853-B190-84722D822005}"/>
+              </a:ext>
+            </a:extLst>
+          </p:cNvPr>
+          <p:cNvCxnSpPr>
+            <a:cxnSpLocks/>
+          </p:cNvCxnSpPr>
+          <p:nvPr/>
+        </p:nvCxnSpPr>
+        <p:spPr>
+          <a:xfrm flipV="1">
+            <a:off x="3551344" y="2111688"/>
+            <a:ext cx="1046742" cy="318175"/>
+          </a:xfrm>
+          <a:prstGeom prst="straightConnector1">
+            <a:avLst/>
+          </a:prstGeom>
+          <a:ln w="57150">
+            <a:tailEnd type="triangle"/>
+          </a:ln>
+        </p:spPr>
+        <p:style>
+          <a:lnRef idx="1">
+            <a:schemeClr val="dk1"/>
+          </a:lnRef>
+          <a:fillRef idx="0">
+            <a:schemeClr val="dk1"/>
+          </a:fillRef>
+          <a:effectRef idx="0">
+            <a:schemeClr val="dk1"/>
+          </a:effectRef>
+          <a:fontRef idx="minor">
+            <a:schemeClr val="tx1"/>
+          </a:fontRef>
+        </p:style>
+      </p:cxnSp>
+      <p:cxnSp>
+        <p:nvCxnSpPr>
+          <p:cNvPr id="38" name="直線矢印コネクタ 37">
+            <a:extLst>
+              <a:ext uri="{FF2B5EF4-FFF2-40B4-BE49-F238E27FC236}">
+                <a16:creationId xmlns:a16="http://schemas.microsoft.com/office/drawing/2014/main" id="{BCC7594A-1961-4F9C-94F0-6EB13B37B8A1}"/>
+              </a:ext>
+            </a:extLst>
+          </p:cNvPr>
+          <p:cNvCxnSpPr>
+            <a:cxnSpLocks/>
+          </p:cNvCxnSpPr>
+          <p:nvPr/>
+        </p:nvCxnSpPr>
+        <p:spPr>
+          <a:xfrm flipH="1" flipV="1">
+            <a:off x="2985219" y="2120505"/>
+            <a:ext cx="566128" cy="309359"/>
+          </a:xfrm>
+          <a:prstGeom prst="straightConnector1">
+            <a:avLst/>
+          </a:prstGeom>
+          <a:ln w="57150">
+            <a:tailEnd type="triangle"/>
+          </a:ln>
+        </p:spPr>
+        <p:style>
+          <a:lnRef idx="1">
+            <a:schemeClr val="dk1"/>
+          </a:lnRef>
+          <a:fillRef idx="0">
+            <a:schemeClr val="dk1"/>
+          </a:fillRef>
+          <a:effectRef idx="0">
+            <a:schemeClr val="dk1"/>
+          </a:effectRef>
+          <a:fontRef idx="minor">
+            <a:schemeClr val="tx1"/>
+          </a:fontRef>
+        </p:style>
+      </p:cxnSp>
+      <mc:AlternateContent xmlns:mc="http://schemas.openxmlformats.org/markup-compatibility/2006" xmlns:a14="http://schemas.microsoft.com/office/drawing/2010/main">
+        <mc:Choice Requires="a14">
+          <p:sp>
+            <p:nvSpPr>
+              <p:cNvPr id="40" name="テキスト ボックス 39">
+                <a:extLst>
+                  <a:ext uri="{FF2B5EF4-FFF2-40B4-BE49-F238E27FC236}">
+                    <a16:creationId xmlns:a16="http://schemas.microsoft.com/office/drawing/2014/main" id="{DC7FC1C0-7B48-43EF-A6F8-5ED09F12CE2B}"/>
+                  </a:ext>
+                </a:extLst>
+              </p:cNvPr>
+              <p:cNvSpPr txBox="1"/>
+              <p:nvPr/>
+            </p:nvSpPr>
+            <p:spPr>
+              <a:xfrm>
+                <a:off x="5292849" y="4622006"/>
+                <a:ext cx="618567" cy="584775"/>
+              </a:xfrm>
+              <a:prstGeom prst="rect">
+                <a:avLst/>
+              </a:prstGeom>
+              <a:noFill/>
+            </p:spPr>
+            <p:txBody>
+              <a:bodyPr wrap="square" rtlCol="0">
+                <a:spAutoFit/>
+              </a:bodyPr>
+              <a:lstStyle/>
+              <a:p>
+                <a:pPr/>
+                <a14:m>
+                  <m:oMathPara xmlns:m="http://schemas.openxmlformats.org/officeDocument/2006/math">
+                    <m:oMathParaPr>
+                      <m:jc m:val="centerGroup"/>
+                    </m:oMathParaPr>
+                    <m:oMath xmlns:m="http://schemas.openxmlformats.org/officeDocument/2006/math">
+                      <m:sSub>
+                        <m:sSubPr>
+                          <m:ctrlPr>
+                            <a:rPr kumimoji="1" lang="en-US" altLang="ja-JP" sz="3200" b="0" i="1" smtClean="0">
+                              <a:latin typeface="Cambria Math" panose="02040503050406030204" pitchFamily="18" charset="0"/>
+                            </a:rPr>
+                          </m:ctrlPr>
+                        </m:sSubPr>
+                        <m:e>
+                          <m:r>
+                            <a:rPr kumimoji="1" lang="en-US" altLang="ja-JP" sz="3200" b="1" i="1" smtClean="0">
+                              <a:latin typeface="Cambria Math" panose="02040503050406030204" pitchFamily="18" charset="0"/>
+                            </a:rPr>
+                            <m:t>𝒙</m:t>
+                          </m:r>
+                        </m:e>
+                        <m:sub>
+                          <m:r>
+                            <a:rPr kumimoji="1" lang="en-US" altLang="ja-JP" sz="3200" b="0" i="1" smtClean="0">
+                              <a:latin typeface="Cambria Math" panose="02040503050406030204" pitchFamily="18" charset="0"/>
+                            </a:rPr>
+                            <m:t>𝑏</m:t>
+                          </m:r>
+                        </m:sub>
+                      </m:sSub>
+                    </m:oMath>
+                  </m:oMathPara>
+                </a14:m>
+                <a:endParaRPr kumimoji="1" lang="ja-JP" altLang="en-US" sz="3200" dirty="0"/>
+              </a:p>
+            </p:txBody>
+          </p:sp>
+        </mc:Choice>
+        <mc:Fallback xmlns="">
+          <p:sp>
+            <p:nvSpPr>
+              <p:cNvPr id="40" name="テキスト ボックス 39">
+                <a:extLst>
+                  <a:ext uri="{FF2B5EF4-FFF2-40B4-BE49-F238E27FC236}">
+                    <a16:creationId xmlns:a16="http://schemas.microsoft.com/office/drawing/2014/main" id="{DC7FC1C0-7B48-43EF-A6F8-5ED09F12CE2B}"/>
+                  </a:ext>
+                </a:extLst>
+              </p:cNvPr>
+              <p:cNvSpPr txBox="1">
+                <a:spLocks noRot="1" noChangeAspect="1" noMove="1" noResize="1" noEditPoints="1" noAdjustHandles="1" noChangeArrowheads="1" noChangeShapeType="1" noTextEdit="1"/>
+              </p:cNvSpPr>
+              <p:nvPr/>
+            </p:nvSpPr>
+            <p:spPr>
+              <a:xfrm>
+                <a:off x="5292849" y="4622006"/>
+                <a:ext cx="618567" cy="584775"/>
+              </a:xfrm>
+              <a:prstGeom prst="rect">
+                <a:avLst/>
+              </a:prstGeom>
+              <a:blipFill>
+                <a:blip r:embed="rId5"/>
+                <a:stretch>
+                  <a:fillRect/>
+                </a:stretch>
+              </a:blipFill>
+            </p:spPr>
+            <p:txBody>
+              <a:bodyPr/>
+              <a:lstStyle/>
+              <a:p>
+                <a:r>
+                  <a:rPr lang="ja-JP" altLang="en-US">
+                    <a:noFill/>
+                  </a:rPr>
+                  <a:t> </a:t>
+                </a:r>
+              </a:p>
+            </p:txBody>
+          </p:sp>
+        </mc:Fallback>
+      </mc:AlternateContent>
+      <p:cxnSp>
+        <p:nvCxnSpPr>
+          <p:cNvPr id="41" name="直線矢印コネクタ 40">
+            <a:extLst>
+              <a:ext uri="{FF2B5EF4-FFF2-40B4-BE49-F238E27FC236}">
+                <a16:creationId xmlns:a16="http://schemas.microsoft.com/office/drawing/2014/main" id="{5F9E0C92-E9E0-4069-94A9-5AF3F3E693E6}"/>
+              </a:ext>
+            </a:extLst>
+          </p:cNvPr>
+          <p:cNvCxnSpPr>
+            <a:cxnSpLocks/>
+          </p:cNvCxnSpPr>
+          <p:nvPr/>
+        </p:nvCxnSpPr>
+        <p:spPr>
+          <a:xfrm flipH="1">
+            <a:off x="3787551" y="3948968"/>
+            <a:ext cx="2510611" cy="2127400"/>
+          </a:xfrm>
+          <a:prstGeom prst="straightConnector1">
+            <a:avLst/>
+          </a:prstGeom>
+          <a:ln w="38100">
+            <a:tailEnd type="triangle"/>
+          </a:ln>
+        </p:spPr>
+        <p:style>
+          <a:lnRef idx="1">
+            <a:schemeClr val="dk1"/>
+          </a:lnRef>
+          <a:fillRef idx="0">
+            <a:schemeClr val="dk1"/>
+          </a:fillRef>
+          <a:effectRef idx="0">
+            <a:schemeClr val="dk1"/>
+          </a:effectRef>
+          <a:fontRef idx="minor">
+            <a:schemeClr val="tx1"/>
+          </a:fontRef>
+        </p:style>
+      </p:cxnSp>
+      <mc:AlternateContent xmlns:mc="http://schemas.openxmlformats.org/markup-compatibility/2006" xmlns:a14="http://schemas.microsoft.com/office/drawing/2010/main">
+        <mc:Choice Requires="a14">
+          <p:sp>
+            <p:nvSpPr>
+              <p:cNvPr id="42" name="テキスト ボックス 41">
+                <a:extLst>
+                  <a:ext uri="{FF2B5EF4-FFF2-40B4-BE49-F238E27FC236}">
+                    <a16:creationId xmlns:a16="http://schemas.microsoft.com/office/drawing/2014/main" id="{37C0B271-660B-4B7E-BF66-EB528B7D921B}"/>
+                  </a:ext>
+                </a:extLst>
+              </p:cNvPr>
+              <p:cNvSpPr txBox="1"/>
+              <p:nvPr/>
+            </p:nvSpPr>
+            <p:spPr>
+              <a:xfrm>
+                <a:off x="5331256" y="3798205"/>
+                <a:ext cx="618567" cy="584775"/>
+              </a:xfrm>
+              <a:prstGeom prst="rect">
+                <a:avLst/>
+              </a:prstGeom>
+              <a:noFill/>
+            </p:spPr>
+            <p:txBody>
+              <a:bodyPr wrap="square" rtlCol="0">
+                <a:spAutoFit/>
+              </a:bodyPr>
+              <a:lstStyle/>
+              <a:p>
+                <a:pPr/>
+                <a14:m>
+                  <m:oMathPara xmlns:m="http://schemas.openxmlformats.org/officeDocument/2006/math">
+                    <m:oMathParaPr>
+                      <m:jc m:val="centerGroup"/>
+                    </m:oMathParaPr>
+                    <m:oMath xmlns:m="http://schemas.openxmlformats.org/officeDocument/2006/math">
+                      <m:sSubSup>
+                        <m:sSubSupPr>
+                          <m:ctrlPr>
+                            <a:rPr kumimoji="1" lang="en-US" altLang="ja-JP" sz="3200" i="1" smtClean="0">
+                              <a:latin typeface="Cambria Math" panose="02040503050406030204" pitchFamily="18" charset="0"/>
+                            </a:rPr>
+                          </m:ctrlPr>
+                        </m:sSubSupPr>
+                        <m:e>
+                          <m:r>
+                            <a:rPr kumimoji="1" lang="en-US" altLang="ja-JP" sz="3200" b="1" i="1" smtClean="0">
+                              <a:latin typeface="Cambria Math" panose="02040503050406030204" pitchFamily="18" charset="0"/>
+                            </a:rPr>
+                            <m:t>𝒙</m:t>
+                          </m:r>
+                        </m:e>
+                        <m:sub>
+                          <m:r>
+                            <a:rPr kumimoji="1" lang="en-US" altLang="ja-JP" sz="3200" b="0" i="1" smtClean="0">
+                              <a:latin typeface="Cambria Math" panose="02040503050406030204" pitchFamily="18" charset="0"/>
+                            </a:rPr>
+                            <m:t>𝑤</m:t>
+                          </m:r>
+                        </m:sub>
+                        <m:sup>
+                          <m:r>
+                            <a:rPr kumimoji="1" lang="en-US" altLang="ja-JP" sz="3200" b="0" i="1" smtClean="0">
+                              <a:latin typeface="Cambria Math" panose="02040503050406030204" pitchFamily="18" charset="0"/>
+                            </a:rPr>
+                            <m:t>′</m:t>
+                          </m:r>
+                        </m:sup>
+                      </m:sSubSup>
+                    </m:oMath>
+                  </m:oMathPara>
+                </a14:m>
+                <a:endParaRPr kumimoji="1" lang="ja-JP" altLang="en-US" sz="3200" dirty="0"/>
+              </a:p>
+            </p:txBody>
+          </p:sp>
+        </mc:Choice>
+        <mc:Fallback xmlns="">
+          <p:sp>
+            <p:nvSpPr>
+              <p:cNvPr id="42" name="テキスト ボックス 41">
+                <a:extLst>
+                  <a:ext uri="{FF2B5EF4-FFF2-40B4-BE49-F238E27FC236}">
+                    <a16:creationId xmlns:a16="http://schemas.microsoft.com/office/drawing/2014/main" id="{37C0B271-660B-4B7E-BF66-EB528B7D921B}"/>
+                  </a:ext>
+                </a:extLst>
+              </p:cNvPr>
+              <p:cNvSpPr txBox="1">
+                <a:spLocks noRot="1" noChangeAspect="1" noMove="1" noResize="1" noEditPoints="1" noAdjustHandles="1" noChangeArrowheads="1" noChangeShapeType="1" noTextEdit="1"/>
+              </p:cNvSpPr>
+              <p:nvPr/>
+            </p:nvSpPr>
+            <p:spPr>
+              <a:xfrm>
+                <a:off x="5331256" y="3798205"/>
+                <a:ext cx="618567" cy="584775"/>
+              </a:xfrm>
+              <a:prstGeom prst="rect">
+                <a:avLst/>
+              </a:prstGeom>
+              <a:blipFill>
+                <a:blip r:embed="rId6"/>
+                <a:stretch>
+                  <a:fillRect/>
+                </a:stretch>
+              </a:blipFill>
+            </p:spPr>
+            <p:txBody>
+              <a:bodyPr/>
+              <a:lstStyle/>
+              <a:p>
+                <a:r>
+                  <a:rPr lang="ja-JP" altLang="en-US">
+                    <a:noFill/>
+                  </a:rPr>
+                  <a:t> </a:t>
+                </a:r>
+              </a:p>
+            </p:txBody>
+          </p:sp>
+        </mc:Fallback>
+      </mc:AlternateContent>
+      <p:cxnSp>
+        <p:nvCxnSpPr>
+          <p:cNvPr id="43" name="直線矢印コネクタ 42">
+            <a:extLst>
+              <a:ext uri="{FF2B5EF4-FFF2-40B4-BE49-F238E27FC236}">
+                <a16:creationId xmlns:a16="http://schemas.microsoft.com/office/drawing/2014/main" id="{46EE3AC7-8E53-4474-A602-915FAB7A1678}"/>
+              </a:ext>
+            </a:extLst>
+          </p:cNvPr>
+          <p:cNvCxnSpPr>
+            <a:cxnSpLocks/>
+          </p:cNvCxnSpPr>
+          <p:nvPr/>
+        </p:nvCxnSpPr>
+        <p:spPr>
+          <a:xfrm flipV="1">
+            <a:off x="3848935" y="3982834"/>
+            <a:ext cx="2564101" cy="2141881"/>
+          </a:xfrm>
+          <a:prstGeom prst="straightConnector1">
+            <a:avLst/>
+          </a:prstGeom>
+          <a:ln w="38100">
+            <a:tailEnd type="triangle"/>
+          </a:ln>
+        </p:spPr>
+        <p:style>
+          <a:lnRef idx="1">
+            <a:schemeClr val="dk1"/>
+          </a:lnRef>
+          <a:fillRef idx="0">
+            <a:schemeClr val="dk1"/>
+          </a:fillRef>
+          <a:effectRef idx="0">
+            <a:schemeClr val="dk1"/>
+          </a:effectRef>
+          <a:fontRef idx="minor">
+            <a:schemeClr val="tx1"/>
+          </a:fontRef>
+        </p:style>
+      </p:cxnSp>
+      <p:sp>
+        <p:nvSpPr>
+          <p:cNvPr id="39" name="楕円 38">
+            <a:extLst>
+              <a:ext uri="{FF2B5EF4-FFF2-40B4-BE49-F238E27FC236}">
+                <a16:creationId xmlns:a16="http://schemas.microsoft.com/office/drawing/2014/main" id="{F17367F1-4FC1-45D2-9E20-B086198418F0}"/>
+              </a:ext>
+            </a:extLst>
+          </p:cNvPr>
+          <p:cNvSpPr/>
+          <p:nvPr/>
+        </p:nvSpPr>
+        <p:spPr>
+          <a:xfrm>
+            <a:off x="7178704" y="1180719"/>
+            <a:ext cx="152400" cy="152400"/>
+          </a:xfrm>
+          <a:prstGeom prst="ellipse">
+            <a:avLst/>
+          </a:prstGeom>
+          <a:solidFill>
+            <a:schemeClr val="accent2">
+              <a:lumMod val="75000"/>
+            </a:schemeClr>
+          </a:solidFill>
+          <a:ln>
+            <a:noFill/>
+          </a:ln>
+        </p:spPr>
+        <p:style>
+          <a:lnRef idx="2">
+            <a:schemeClr val="accent1">
+              <a:shade val="50000"/>
+            </a:schemeClr>
+          </a:lnRef>
+          <a:fillRef idx="1">
+            <a:schemeClr val="accent1"/>
+          </a:fillRef>
+          <a:effectRef idx="0">
+            <a:schemeClr val="accent1"/>
+          </a:effectRef>
+          <a:fontRef idx="minor">
+            <a:schemeClr val="lt1"/>
+          </a:fontRef>
+        </p:style>
+        <p:txBody>
+          <a:bodyPr rtlCol="0" anchor="ctr"/>
+          <a:lstStyle/>
+          <a:p>
+            <a:pPr algn="ctr"/>
+            <a:endParaRPr kumimoji="1" lang="ja-JP" altLang="en-US"/>
+          </a:p>
+        </p:txBody>
+      </p:sp>
+      <p:cxnSp>
+        <p:nvCxnSpPr>
+          <p:cNvPr id="45" name="直線矢印コネクタ 44">
+            <a:extLst>
+              <a:ext uri="{FF2B5EF4-FFF2-40B4-BE49-F238E27FC236}">
+                <a16:creationId xmlns:a16="http://schemas.microsoft.com/office/drawing/2014/main" id="{9DE9DB58-9B6C-42BB-95DC-D92F53A41360}"/>
+              </a:ext>
+            </a:extLst>
+          </p:cNvPr>
+          <p:cNvCxnSpPr>
+            <a:cxnSpLocks/>
+            <a:endCxn id="39" idx="3"/>
+          </p:cNvCxnSpPr>
+          <p:nvPr/>
+        </p:nvCxnSpPr>
+        <p:spPr>
+          <a:xfrm flipV="1">
+            <a:off x="3726167" y="1310801"/>
+            <a:ext cx="3474855" cy="4936198"/>
+          </a:xfrm>
+          <a:prstGeom prst="straightConnector1">
+            <a:avLst/>
+          </a:prstGeom>
+          <a:ln w="19050">
+            <a:prstDash val="dash"/>
+            <a:tailEnd type="triangle"/>
+          </a:ln>
+        </p:spPr>
+        <p:style>
+          <a:lnRef idx="1">
+            <a:schemeClr val="dk1"/>
+          </a:lnRef>
+          <a:fillRef idx="0">
+            <a:schemeClr val="dk1"/>
+          </a:fillRef>
+          <a:effectRef idx="0">
+            <a:schemeClr val="dk1"/>
+          </a:effectRef>
+          <a:fontRef idx="minor">
+            <a:schemeClr val="tx1"/>
+          </a:fontRef>
+        </p:style>
+      </p:cxnSp>
+      <p:cxnSp>
+        <p:nvCxnSpPr>
+          <p:cNvPr id="46" name="直線矢印コネクタ 45">
+            <a:extLst>
+              <a:ext uri="{FF2B5EF4-FFF2-40B4-BE49-F238E27FC236}">
+                <a16:creationId xmlns:a16="http://schemas.microsoft.com/office/drawing/2014/main" id="{7E03CF45-D4B5-4B0A-9783-C76B10D998B9}"/>
+              </a:ext>
+            </a:extLst>
+          </p:cNvPr>
+          <p:cNvCxnSpPr>
+            <a:cxnSpLocks/>
+            <a:endCxn id="39" idx="4"/>
+          </p:cNvCxnSpPr>
+          <p:nvPr/>
+        </p:nvCxnSpPr>
+        <p:spPr>
+          <a:xfrm flipV="1">
+            <a:off x="6342240" y="1333119"/>
+            <a:ext cx="912664" cy="2628542"/>
+          </a:xfrm>
+          <a:prstGeom prst="straightConnector1">
+            <a:avLst/>
+          </a:prstGeom>
+          <a:ln w="19050">
+            <a:prstDash val="dash"/>
+            <a:tailEnd type="triangle"/>
+          </a:ln>
+        </p:spPr>
+        <p:style>
+          <a:lnRef idx="1">
+            <a:schemeClr val="dk1"/>
+          </a:lnRef>
+          <a:fillRef idx="0">
+            <a:schemeClr val="dk1"/>
+          </a:fillRef>
+          <a:effectRef idx="0">
+            <a:schemeClr val="dk1"/>
+          </a:effectRef>
+          <a:fontRef idx="minor">
+            <a:schemeClr val="tx1"/>
+          </a:fontRef>
+        </p:style>
+      </p:cxnSp>
+      <p:cxnSp>
+        <p:nvCxnSpPr>
+          <p:cNvPr id="47" name="直線矢印コネクタ 46">
+            <a:extLst>
+              <a:ext uri="{FF2B5EF4-FFF2-40B4-BE49-F238E27FC236}">
+                <a16:creationId xmlns:a16="http://schemas.microsoft.com/office/drawing/2014/main" id="{866D58FC-F558-47EE-AD4C-053BF8E7A46C}"/>
+              </a:ext>
+            </a:extLst>
+          </p:cNvPr>
+          <p:cNvCxnSpPr>
+            <a:cxnSpLocks/>
+          </p:cNvCxnSpPr>
+          <p:nvPr/>
+        </p:nvCxnSpPr>
+        <p:spPr>
+          <a:xfrm flipV="1">
+            <a:off x="3804431" y="781632"/>
+            <a:ext cx="491120" cy="5381876"/>
+          </a:xfrm>
+          <a:prstGeom prst="straightConnector1">
+            <a:avLst/>
+          </a:prstGeom>
+          <a:ln w="19050">
+            <a:prstDash val="dash"/>
+            <a:tailEnd type="triangle"/>
+          </a:ln>
+        </p:spPr>
+        <p:style>
+          <a:lnRef idx="1">
+            <a:schemeClr val="dk1"/>
+          </a:lnRef>
+          <a:fillRef idx="0">
+            <a:schemeClr val="dk1"/>
+          </a:fillRef>
+          <a:effectRef idx="0">
+            <a:schemeClr val="dk1"/>
+          </a:effectRef>
+          <a:fontRef idx="minor">
+            <a:schemeClr val="tx1"/>
+          </a:fontRef>
+        </p:style>
+      </p:cxnSp>
+      <p:sp>
+        <p:nvSpPr>
+          <p:cNvPr id="48" name="円弧 47">
+            <a:extLst>
+              <a:ext uri="{FF2B5EF4-FFF2-40B4-BE49-F238E27FC236}">
+                <a16:creationId xmlns:a16="http://schemas.microsoft.com/office/drawing/2014/main" id="{5682BF87-3261-40D4-9D1D-F67FEF9D10D3}"/>
+              </a:ext>
+            </a:extLst>
+          </p:cNvPr>
+          <p:cNvSpPr/>
+          <p:nvPr/>
+        </p:nvSpPr>
+        <p:spPr>
+          <a:xfrm rot="20514364">
+            <a:off x="2102781" y="583387"/>
+            <a:ext cx="6380137" cy="6380137"/>
+          </a:xfrm>
+          <a:prstGeom prst="arc">
+            <a:avLst>
+              <a:gd name="adj1" fmla="val 16200000"/>
+              <a:gd name="adj2" fmla="val 19515177"/>
+            </a:avLst>
+          </a:prstGeom>
+          <a:ln w="38100">
+            <a:solidFill>
+              <a:schemeClr val="tx1"/>
+            </a:solidFill>
+            <a:prstDash val="sysDash"/>
+            <a:headEnd type="arrow" w="med" len="med"/>
+            <a:tailEnd type="none" w="med" len="med"/>
+          </a:ln>
+        </p:spPr>
+        <p:style>
+          <a:lnRef idx="1">
+            <a:schemeClr val="accent1"/>
+          </a:lnRef>
+          <a:fillRef idx="0">
+            <a:schemeClr val="accent1"/>
+          </a:fillRef>
+          <a:effectRef idx="0">
+            <a:schemeClr val="accent1"/>
+          </a:effectRef>
+          <a:fontRef idx="minor">
+            <a:schemeClr val="tx1"/>
+          </a:fontRef>
+        </p:style>
+        <p:txBody>
+          <a:bodyPr rtlCol="0" anchor="ctr"/>
+          <a:lstStyle/>
+          <a:p>
+            <a:pPr algn="ctr"/>
+            <a:endParaRPr kumimoji="1" lang="ja-JP" altLang="en-US"/>
+          </a:p>
+        </p:txBody>
+      </p:sp>
+      <p:sp>
+        <p:nvSpPr>
+          <p:cNvPr id="49" name="楕円 48">
+            <a:extLst>
+              <a:ext uri="{FF2B5EF4-FFF2-40B4-BE49-F238E27FC236}">
+                <a16:creationId xmlns:a16="http://schemas.microsoft.com/office/drawing/2014/main" id="{60375D7C-854E-4E6E-B200-F47C366ACD61}"/>
+              </a:ext>
+            </a:extLst>
+          </p:cNvPr>
+          <p:cNvSpPr/>
+          <p:nvPr/>
+        </p:nvSpPr>
+        <p:spPr>
+          <a:xfrm>
+            <a:off x="4209127" y="664967"/>
+            <a:ext cx="152400" cy="152400"/>
+          </a:xfrm>
+          <a:prstGeom prst="ellipse">
+            <a:avLst/>
+          </a:prstGeom>
+          <a:solidFill>
+            <a:schemeClr val="accent2">
+              <a:lumMod val="75000"/>
+            </a:schemeClr>
+          </a:solidFill>
+          <a:ln>
+            <a:noFill/>
+          </a:ln>
+        </p:spPr>
+        <p:style>
+          <a:lnRef idx="2">
+            <a:schemeClr val="accent1">
+              <a:shade val="50000"/>
+            </a:schemeClr>
+          </a:lnRef>
+          <a:fillRef idx="1">
+            <a:schemeClr val="accent1"/>
+          </a:fillRef>
+          <a:effectRef idx="0">
+            <a:schemeClr val="accent1"/>
+          </a:effectRef>
+          <a:fontRef idx="minor">
+            <a:schemeClr val="lt1"/>
+          </a:fontRef>
+        </p:style>
+        <p:txBody>
+          <a:bodyPr rtlCol="0" anchor="ctr"/>
+          <a:lstStyle/>
+          <a:p>
+            <a:pPr algn="ctr"/>
+            <a:endParaRPr kumimoji="1" lang="ja-JP" altLang="en-US"/>
+          </a:p>
+        </p:txBody>
+      </p:sp>
+      <p:cxnSp>
+        <p:nvCxnSpPr>
+          <p:cNvPr id="50" name="直線矢印コネクタ 49">
+            <a:extLst>
+              <a:ext uri="{FF2B5EF4-FFF2-40B4-BE49-F238E27FC236}">
+                <a16:creationId xmlns:a16="http://schemas.microsoft.com/office/drawing/2014/main" id="{638DF235-5AAF-484B-873A-EA89D8A616A6}"/>
+              </a:ext>
+            </a:extLst>
+          </p:cNvPr>
+          <p:cNvCxnSpPr>
+            <a:cxnSpLocks/>
+            <a:endCxn id="49" idx="3"/>
+          </p:cNvCxnSpPr>
+          <p:nvPr/>
+        </p:nvCxnSpPr>
+        <p:spPr>
+          <a:xfrm flipV="1">
+            <a:off x="3568224" y="795049"/>
+            <a:ext cx="663221" cy="1598784"/>
+          </a:xfrm>
+          <a:prstGeom prst="straightConnector1">
+            <a:avLst/>
+          </a:prstGeom>
+          <a:ln w="19050">
+            <a:tailEnd type="triangle"/>
+          </a:ln>
+        </p:spPr>
+        <p:style>
+          <a:lnRef idx="1">
+            <a:schemeClr val="dk1"/>
+          </a:lnRef>
+          <a:fillRef idx="0">
+            <a:schemeClr val="dk1"/>
+          </a:fillRef>
+          <a:effectRef idx="0">
+            <a:schemeClr val="dk1"/>
+          </a:effectRef>
+          <a:fontRef idx="minor">
+            <a:schemeClr val="tx1"/>
+          </a:fontRef>
+        </p:style>
+      </p:cxnSp>
+      <mc:AlternateContent xmlns:mc="http://schemas.openxmlformats.org/markup-compatibility/2006" xmlns:a14="http://schemas.microsoft.com/office/drawing/2010/main">
+        <mc:Choice Requires="a14">
+          <p:sp>
+            <p:nvSpPr>
+              <p:cNvPr id="51" name="テキスト ボックス 50">
+                <a:extLst>
+                  <a:ext uri="{FF2B5EF4-FFF2-40B4-BE49-F238E27FC236}">
+                    <a16:creationId xmlns:a16="http://schemas.microsoft.com/office/drawing/2014/main" id="{22F67937-B385-4DEA-91A6-BDCEF6980CA0}"/>
+                  </a:ext>
+                </a:extLst>
+              </p:cNvPr>
+              <p:cNvSpPr txBox="1"/>
+              <p:nvPr/>
+            </p:nvSpPr>
+            <p:spPr>
+              <a:xfrm>
+                <a:off x="4000730" y="3328423"/>
+                <a:ext cx="639599" cy="492443"/>
+              </a:xfrm>
+              <a:prstGeom prst="rect">
+                <a:avLst/>
+              </a:prstGeom>
+              <a:noFill/>
+            </p:spPr>
+            <p:txBody>
+              <a:bodyPr wrap="none" lIns="0" tIns="0" rIns="0" bIns="0" rtlCol="0">
+                <a:spAutoFit/>
+              </a:bodyPr>
+              <a:lstStyle/>
+              <a:p>
+                <a:pPr/>
+                <a14:m>
+                  <m:oMathPara xmlns:m="http://schemas.openxmlformats.org/officeDocument/2006/math">
+                    <m:oMathParaPr>
+                      <m:jc m:val="centerGroup"/>
+                    </m:oMathParaPr>
+                    <m:oMath xmlns:m="http://schemas.openxmlformats.org/officeDocument/2006/math">
+                      <m:r>
+                        <a:rPr kumimoji="1" lang="en-US" altLang="ja-JP" sz="3200" b="0" i="1" smtClean="0">
+                          <a:latin typeface="Cambria Math" panose="02040503050406030204" pitchFamily="18" charset="0"/>
+                        </a:rPr>
+                        <m:t>𝑅</m:t>
+                      </m:r>
+                      <m:r>
+                        <a:rPr kumimoji="1" lang="en-US" altLang="ja-JP" sz="3200" b="1" i="1" smtClean="0">
+                          <a:latin typeface="Cambria Math" panose="02040503050406030204" pitchFamily="18" charset="0"/>
+                        </a:rPr>
+                        <m:t>𝒙</m:t>
+                      </m:r>
+                    </m:oMath>
+                  </m:oMathPara>
+                </a14:m>
+                <a:endParaRPr kumimoji="1" lang="ja-JP" altLang="en-US" sz="3200" b="1" dirty="0"/>
+              </a:p>
+            </p:txBody>
+          </p:sp>
+        </mc:Choice>
+        <mc:Fallback xmlns="">
+          <p:sp>
+            <p:nvSpPr>
+              <p:cNvPr id="51" name="テキスト ボックス 50">
+                <a:extLst>
+                  <a:ext uri="{FF2B5EF4-FFF2-40B4-BE49-F238E27FC236}">
+                    <a16:creationId xmlns:a16="http://schemas.microsoft.com/office/drawing/2014/main" id="{22F67937-B385-4DEA-91A6-BDCEF6980CA0}"/>
+                  </a:ext>
+                </a:extLst>
+              </p:cNvPr>
+              <p:cNvSpPr txBox="1">
+                <a:spLocks noRot="1" noChangeAspect="1" noMove="1" noResize="1" noEditPoints="1" noAdjustHandles="1" noChangeArrowheads="1" noChangeShapeType="1" noTextEdit="1"/>
+              </p:cNvSpPr>
+              <p:nvPr/>
+            </p:nvSpPr>
+            <p:spPr>
+              <a:xfrm>
+                <a:off x="4000730" y="3328423"/>
+                <a:ext cx="639599" cy="492443"/>
+              </a:xfrm>
+              <a:prstGeom prst="rect">
+                <a:avLst/>
+              </a:prstGeom>
+              <a:blipFill>
+                <a:blip r:embed="rId7"/>
+                <a:stretch>
+                  <a:fillRect/>
+                </a:stretch>
+              </a:blipFill>
+            </p:spPr>
+            <p:txBody>
+              <a:bodyPr/>
+              <a:lstStyle/>
+              <a:p>
+                <a:r>
+                  <a:rPr lang="ja-JP" altLang="en-US">
+                    <a:noFill/>
+                  </a:rPr>
+                  <a:t> </a:t>
+                </a:r>
+              </a:p>
+            </p:txBody>
+          </p:sp>
+        </mc:Fallback>
+      </mc:AlternateContent>
+      <mc:AlternateContent xmlns:mc="http://schemas.openxmlformats.org/markup-compatibility/2006" xmlns:a14="http://schemas.microsoft.com/office/drawing/2010/main">
+        <mc:Choice Requires="a14">
+          <p:sp>
+            <p:nvSpPr>
+              <p:cNvPr id="52" name="テキスト ボックス 51">
+                <a:extLst>
+                  <a:ext uri="{FF2B5EF4-FFF2-40B4-BE49-F238E27FC236}">
+                    <a16:creationId xmlns:a16="http://schemas.microsoft.com/office/drawing/2014/main" id="{DA3DA3D0-8539-4154-878B-045ADAAA4165}"/>
+                  </a:ext>
+                </a:extLst>
+              </p:cNvPr>
+              <p:cNvSpPr txBox="1"/>
+              <p:nvPr/>
+            </p:nvSpPr>
+            <p:spPr>
+              <a:xfrm>
+                <a:off x="4113427" y="122012"/>
+                <a:ext cx="479747" cy="492443"/>
+              </a:xfrm>
+              <a:prstGeom prst="rect">
+                <a:avLst/>
+              </a:prstGeom>
+              <a:noFill/>
+            </p:spPr>
+            <p:txBody>
+              <a:bodyPr wrap="none" lIns="0" tIns="0" rIns="0" bIns="0" rtlCol="0">
+                <a:spAutoFit/>
+              </a:bodyPr>
+              <a:lstStyle/>
+              <a:p>
+                <a:pPr/>
+                <a14:m>
+                  <m:oMathPara xmlns:m="http://schemas.openxmlformats.org/officeDocument/2006/math">
+                    <m:oMathParaPr>
+                      <m:jc m:val="centerGroup"/>
+                    </m:oMathParaPr>
+                    <m:oMath xmlns:m="http://schemas.openxmlformats.org/officeDocument/2006/math">
+                      <m:sSup>
+                        <m:sSupPr>
+                          <m:ctrlPr>
+                            <a:rPr kumimoji="1" lang="en-US" altLang="ja-JP" sz="3200" b="0" i="1" smtClean="0">
+                              <a:latin typeface="Cambria Math" panose="02040503050406030204" pitchFamily="18" charset="0"/>
+                            </a:rPr>
+                          </m:ctrlPr>
+                        </m:sSupPr>
+                        <m:e>
+                          <m:r>
+                            <a:rPr kumimoji="1" lang="en-US" altLang="ja-JP" sz="3200" b="0" i="1" smtClean="0">
+                              <a:latin typeface="Cambria Math" panose="02040503050406030204" pitchFamily="18" charset="0"/>
+                            </a:rPr>
+                            <m:t>𝑝</m:t>
+                          </m:r>
+                        </m:e>
+                        <m:sup>
+                          <m:r>
+                            <a:rPr kumimoji="1" lang="en-US" altLang="ja-JP" sz="3200" b="0" i="1" smtClean="0">
+                              <a:latin typeface="Cambria Math" panose="02040503050406030204" pitchFamily="18" charset="0"/>
+                            </a:rPr>
+                            <m:t>′</m:t>
+                          </m:r>
+                        </m:sup>
+                      </m:sSup>
+                    </m:oMath>
+                  </m:oMathPara>
+                </a14:m>
+                <a:endParaRPr kumimoji="1" lang="ja-JP" altLang="en-US" sz="3200" dirty="0"/>
+              </a:p>
+            </p:txBody>
+          </p:sp>
+        </mc:Choice>
+        <mc:Fallback xmlns="">
+          <p:sp>
+            <p:nvSpPr>
+              <p:cNvPr id="52" name="テキスト ボックス 51">
+                <a:extLst>
+                  <a:ext uri="{FF2B5EF4-FFF2-40B4-BE49-F238E27FC236}">
+                    <a16:creationId xmlns:a16="http://schemas.microsoft.com/office/drawing/2014/main" id="{DA3DA3D0-8539-4154-878B-045ADAAA4165}"/>
+                  </a:ext>
+                </a:extLst>
+              </p:cNvPr>
+              <p:cNvSpPr txBox="1">
+                <a:spLocks noRot="1" noChangeAspect="1" noMove="1" noResize="1" noEditPoints="1" noAdjustHandles="1" noChangeArrowheads="1" noChangeShapeType="1" noTextEdit="1"/>
+              </p:cNvSpPr>
+              <p:nvPr/>
+            </p:nvSpPr>
+            <p:spPr>
+              <a:xfrm>
+                <a:off x="4113427" y="122012"/>
+                <a:ext cx="479747" cy="492443"/>
+              </a:xfrm>
+              <a:prstGeom prst="rect">
+                <a:avLst/>
+              </a:prstGeom>
+              <a:blipFill>
+                <a:blip r:embed="rId8"/>
+                <a:stretch>
+                  <a:fillRect/>
+                </a:stretch>
+              </a:blipFill>
+            </p:spPr>
+            <p:txBody>
+              <a:bodyPr/>
+              <a:lstStyle/>
+              <a:p>
+                <a:r>
+                  <a:rPr lang="ja-JP" altLang="en-US">
+                    <a:noFill/>
+                  </a:rPr>
+                  <a:t> </a:t>
+                </a:r>
+              </a:p>
+            </p:txBody>
+          </p:sp>
+        </mc:Fallback>
+      </mc:AlternateContent>
+      <mc:AlternateContent xmlns:mc="http://schemas.openxmlformats.org/markup-compatibility/2006" xmlns:a14="http://schemas.microsoft.com/office/drawing/2010/main">
+        <mc:Choice Requires="a14">
+          <p:sp>
+            <p:nvSpPr>
+              <p:cNvPr id="53" name="テキスト ボックス 52">
+                <a:extLst>
+                  <a:ext uri="{FF2B5EF4-FFF2-40B4-BE49-F238E27FC236}">
+                    <a16:creationId xmlns:a16="http://schemas.microsoft.com/office/drawing/2014/main" id="{0B54DD7A-0A75-490C-A63C-ED22C1119DCC}"/>
+                  </a:ext>
+                </a:extLst>
+              </p:cNvPr>
+              <p:cNvSpPr txBox="1"/>
+              <p:nvPr/>
+            </p:nvSpPr>
+            <p:spPr>
+              <a:xfrm>
+                <a:off x="7436617" y="781632"/>
+                <a:ext cx="351250" cy="492443"/>
+              </a:xfrm>
+              <a:prstGeom prst="rect">
+                <a:avLst/>
+              </a:prstGeom>
+              <a:noFill/>
+            </p:spPr>
+            <p:txBody>
+              <a:bodyPr wrap="none" lIns="0" tIns="0" rIns="0" bIns="0" rtlCol="0">
+                <a:spAutoFit/>
+              </a:bodyPr>
+              <a:lstStyle/>
+              <a:p>
+                <a:pPr/>
+                <a14:m>
+                  <m:oMathPara xmlns:m="http://schemas.openxmlformats.org/officeDocument/2006/math">
+                    <m:oMathParaPr>
+                      <m:jc m:val="centerGroup"/>
+                    </m:oMathParaPr>
+                    <m:oMath xmlns:m="http://schemas.openxmlformats.org/officeDocument/2006/math">
+                      <m:r>
+                        <a:rPr kumimoji="1" lang="en-US" altLang="ja-JP" sz="3200" b="0" i="1" smtClean="0">
+                          <a:latin typeface="Cambria Math" panose="02040503050406030204" pitchFamily="18" charset="0"/>
+                        </a:rPr>
+                        <m:t>𝑝</m:t>
+                      </m:r>
+                    </m:oMath>
+                  </m:oMathPara>
+                </a14:m>
+                <a:endParaRPr kumimoji="1" lang="ja-JP" altLang="en-US" sz="3200" dirty="0"/>
+              </a:p>
+            </p:txBody>
+          </p:sp>
+        </mc:Choice>
+        <mc:Fallback xmlns="">
+          <p:sp>
+            <p:nvSpPr>
+              <p:cNvPr id="53" name="テキスト ボックス 52">
+                <a:extLst>
+                  <a:ext uri="{FF2B5EF4-FFF2-40B4-BE49-F238E27FC236}">
+                    <a16:creationId xmlns:a16="http://schemas.microsoft.com/office/drawing/2014/main" id="{0B54DD7A-0A75-490C-A63C-ED22C1119DCC}"/>
+                  </a:ext>
+                </a:extLst>
+              </p:cNvPr>
+              <p:cNvSpPr txBox="1">
+                <a:spLocks noRot="1" noChangeAspect="1" noMove="1" noResize="1" noEditPoints="1" noAdjustHandles="1" noChangeArrowheads="1" noChangeShapeType="1" noTextEdit="1"/>
+              </p:cNvSpPr>
+              <p:nvPr/>
+            </p:nvSpPr>
+            <p:spPr>
+              <a:xfrm>
+                <a:off x="7436617" y="781632"/>
+                <a:ext cx="351250" cy="492443"/>
+              </a:xfrm>
+              <a:prstGeom prst="rect">
+                <a:avLst/>
+              </a:prstGeom>
+              <a:blipFill>
+                <a:blip r:embed="rId9"/>
+                <a:stretch>
+                  <a:fillRect/>
+                </a:stretch>
+              </a:blipFill>
+            </p:spPr>
+            <p:txBody>
+              <a:bodyPr/>
+              <a:lstStyle/>
+              <a:p>
+                <a:r>
+                  <a:rPr lang="ja-JP" altLang="en-US">
+                    <a:noFill/>
+                  </a:rPr>
+                  <a:t> </a:t>
+                </a:r>
+              </a:p>
+            </p:txBody>
+          </p:sp>
+        </mc:Fallback>
+      </mc:AlternateContent>
+      <mc:AlternateContent xmlns:mc="http://schemas.openxmlformats.org/markup-compatibility/2006" xmlns:a14="http://schemas.microsoft.com/office/drawing/2010/main">
+        <mc:Choice Requires="a14">
+          <p:sp>
+            <p:nvSpPr>
+              <p:cNvPr id="54" name="テキスト ボックス 53">
+                <a:extLst>
+                  <a:ext uri="{FF2B5EF4-FFF2-40B4-BE49-F238E27FC236}">
+                    <a16:creationId xmlns:a16="http://schemas.microsoft.com/office/drawing/2014/main" id="{FADAE241-9D88-43AD-BB94-2031DA01874D}"/>
+                  </a:ext>
+                </a:extLst>
+              </p:cNvPr>
+              <p:cNvSpPr txBox="1"/>
+              <p:nvPr/>
+            </p:nvSpPr>
+            <p:spPr>
+              <a:xfrm>
+                <a:off x="3521575" y="954585"/>
+                <a:ext cx="618567" cy="584775"/>
+              </a:xfrm>
+              <a:prstGeom prst="rect">
+                <a:avLst/>
+              </a:prstGeom>
+              <a:noFill/>
+            </p:spPr>
+            <p:txBody>
+              <a:bodyPr wrap="square" rtlCol="0">
+                <a:spAutoFit/>
+              </a:bodyPr>
+              <a:lstStyle/>
+              <a:p>
+                <a:pPr/>
+                <a14:m>
+                  <m:oMathPara xmlns:m="http://schemas.openxmlformats.org/officeDocument/2006/math">
+                    <m:oMathParaPr>
+                      <m:jc m:val="centerGroup"/>
+                    </m:oMathParaPr>
+                    <m:oMath xmlns:m="http://schemas.openxmlformats.org/officeDocument/2006/math">
+                      <m:sSup>
+                        <m:sSupPr>
+                          <m:ctrlPr>
+                            <a:rPr kumimoji="1" lang="en-US" altLang="ja-JP" sz="3200" i="1" smtClean="0">
+                              <a:latin typeface="Cambria Math" panose="02040503050406030204" pitchFamily="18" charset="0"/>
+                            </a:rPr>
+                          </m:ctrlPr>
+                        </m:sSupPr>
+                        <m:e>
+                          <m:r>
+                            <a:rPr kumimoji="1" lang="en-US" altLang="ja-JP" sz="3200" b="1" i="1" smtClean="0">
+                              <a:latin typeface="Cambria Math" panose="02040503050406030204" pitchFamily="18" charset="0"/>
+                            </a:rPr>
+                            <m:t>𝒙</m:t>
+                          </m:r>
+                        </m:e>
+                        <m:sup>
+                          <m:r>
+                            <a:rPr kumimoji="1" lang="en-US" altLang="ja-JP" sz="3200" b="0" i="1" smtClean="0">
+                              <a:latin typeface="Cambria Math" panose="02040503050406030204" pitchFamily="18" charset="0"/>
+                            </a:rPr>
+                            <m:t>′</m:t>
+                          </m:r>
+                        </m:sup>
+                      </m:sSup>
+                    </m:oMath>
+                  </m:oMathPara>
+                </a14:m>
+                <a:endParaRPr kumimoji="1" lang="ja-JP" altLang="en-US" sz="3200" dirty="0"/>
+              </a:p>
+            </p:txBody>
+          </p:sp>
+        </mc:Choice>
+        <mc:Fallback xmlns="">
+          <p:sp>
+            <p:nvSpPr>
+              <p:cNvPr id="54" name="テキスト ボックス 53">
+                <a:extLst>
+                  <a:ext uri="{FF2B5EF4-FFF2-40B4-BE49-F238E27FC236}">
+                    <a16:creationId xmlns:a16="http://schemas.microsoft.com/office/drawing/2014/main" id="{FADAE241-9D88-43AD-BB94-2031DA01874D}"/>
+                  </a:ext>
+                </a:extLst>
+              </p:cNvPr>
+              <p:cNvSpPr txBox="1">
+                <a:spLocks noRot="1" noChangeAspect="1" noMove="1" noResize="1" noEditPoints="1" noAdjustHandles="1" noChangeArrowheads="1" noChangeShapeType="1" noTextEdit="1"/>
+              </p:cNvSpPr>
+              <p:nvPr/>
+            </p:nvSpPr>
+            <p:spPr>
+              <a:xfrm>
+                <a:off x="3521575" y="954585"/>
+                <a:ext cx="618567" cy="584775"/>
+              </a:xfrm>
+              <a:prstGeom prst="rect">
+                <a:avLst/>
+              </a:prstGeom>
+              <a:blipFill>
+                <a:blip r:embed="rId10"/>
+                <a:stretch>
+                  <a:fillRect/>
+                </a:stretch>
+              </a:blipFill>
+            </p:spPr>
+            <p:txBody>
+              <a:bodyPr/>
+              <a:lstStyle/>
+              <a:p>
+                <a:r>
+                  <a:rPr lang="ja-JP" altLang="en-US">
+                    <a:noFill/>
+                  </a:rPr>
+                  <a:t> </a:t>
+                </a:r>
+              </a:p>
+            </p:txBody>
+          </p:sp>
+        </mc:Fallback>
+      </mc:AlternateContent>
+    </p:spTree>
+    <p:extLst>
+      <p:ext uri="{BB962C8B-B14F-4D97-AF65-F5344CB8AC3E}">
+        <p14:creationId xmlns:p14="http://schemas.microsoft.com/office/powerpoint/2010/main" val="2562484479"/>
+      </p:ext>
+    </p:extLst>
+  </p:cSld>
+  <p:clrMapOvr>
+    <a:masterClrMapping/>
+  </p:clrMapOvr>
+</p:sld>
+</file>
+
 <file path=ppt/slides/slide2.xml><?xml version="1.0" encoding="utf-8"?>
 <p:sld xmlns:a="http://schemas.openxmlformats.org/drawingml/2006/main" xmlns:r="http://schemas.openxmlformats.org/officeDocument/2006/relationships" xmlns:p="http://schemas.openxmlformats.org/presentationml/2006/main">
   <p:cSld>
@@ -5140,8 +7194,8 @@
           </a:fontRef>
         </p:style>
       </p:cxnSp>
-      <mc:AlternateContent xmlns:mc="http://schemas.openxmlformats.org/markup-compatibility/2006">
-        <mc:Choice xmlns:a14="http://schemas.microsoft.com/office/drawing/2010/main" Requires="a14">
+      <mc:AlternateContent xmlns:mc="http://schemas.openxmlformats.org/markup-compatibility/2006" xmlns:a14="http://schemas.microsoft.com/office/drawing/2010/main">
+        <mc:Choice Requires="a14">
           <p:sp>
             <p:nvSpPr>
               <p:cNvPr id="29" name="テキスト ボックス 28">
@@ -5231,7 +7285,7 @@
             </p:txBody>
           </p:sp>
         </mc:Choice>
-        <mc:Fallback>
+        <mc:Fallback xmlns="">
           <p:sp>
             <p:nvSpPr>
               <p:cNvPr id="29" name="テキスト ボックス 28">
@@ -5499,8 +7553,8 @@
           </a:fontRef>
         </p:style>
       </p:cxnSp>
-      <mc:AlternateContent xmlns:mc="http://schemas.openxmlformats.org/markup-compatibility/2006">
-        <mc:Choice xmlns:a14="http://schemas.microsoft.com/office/drawing/2010/main" Requires="a14">
+      <mc:AlternateContent xmlns:mc="http://schemas.openxmlformats.org/markup-compatibility/2006" xmlns:a14="http://schemas.microsoft.com/office/drawing/2010/main">
+        <mc:Choice Requires="a14">
           <p:sp>
             <p:nvSpPr>
               <p:cNvPr id="40" name="テキスト ボックス 39">
@@ -5590,7 +7644,7 @@
             </p:txBody>
           </p:sp>
         </mc:Choice>
-        <mc:Fallback>
+        <mc:Fallback xmlns="">
           <p:sp>
             <p:nvSpPr>
               <p:cNvPr id="40" name="テキスト ボックス 39">
@@ -6031,8 +8085,8 @@
           </p:sp>
         </mc:Fallback>
       </mc:AlternateContent>
-      <mc:AlternateContent xmlns:mc="http://schemas.openxmlformats.org/markup-compatibility/2006">
-        <mc:Choice xmlns:a14="http://schemas.microsoft.com/office/drawing/2010/main" Requires="a14">
+      <mc:AlternateContent xmlns:mc="http://schemas.openxmlformats.org/markup-compatibility/2006" xmlns:a14="http://schemas.microsoft.com/office/drawing/2010/main">
+        <mc:Choice Requires="a14">
           <p:sp>
             <p:nvSpPr>
               <p:cNvPr id="18" name="テキスト ボックス 17">
@@ -6082,7 +8136,7 @@
             </p:txBody>
           </p:sp>
         </mc:Choice>
-        <mc:Fallback>
+        <mc:Fallback xmlns="">
           <p:sp>
             <p:nvSpPr>
               <p:cNvPr id="18" name="テキスト ボックス 17">
@@ -6127,8 +8181,8 @@
           </p:sp>
         </mc:Fallback>
       </mc:AlternateContent>
-      <mc:AlternateContent xmlns:mc="http://schemas.openxmlformats.org/markup-compatibility/2006">
-        <mc:Choice xmlns:a14="http://schemas.microsoft.com/office/drawing/2010/main" Requires="a14">
+      <mc:AlternateContent xmlns:mc="http://schemas.openxmlformats.org/markup-compatibility/2006" xmlns:a14="http://schemas.microsoft.com/office/drawing/2010/main">
+        <mc:Choice Requires="a14">
           <p:sp>
             <p:nvSpPr>
               <p:cNvPr id="19" name="テキスト ボックス 18">
@@ -6178,7 +8232,7 @@
             </p:txBody>
           </p:sp>
         </mc:Choice>
-        <mc:Fallback>
+        <mc:Fallback xmlns="">
           <p:sp>
             <p:nvSpPr>
               <p:cNvPr id="19" name="テキスト ボックス 18">
@@ -6336,8 +8390,8 @@
           </a:fontRef>
         </p:style>
       </p:cxnSp>
-      <mc:AlternateContent xmlns:mc="http://schemas.openxmlformats.org/markup-compatibility/2006">
-        <mc:Choice xmlns:a14="http://schemas.microsoft.com/office/drawing/2010/main" Requires="a14">
+      <mc:AlternateContent xmlns:mc="http://schemas.openxmlformats.org/markup-compatibility/2006" xmlns:a14="http://schemas.microsoft.com/office/drawing/2010/main">
+        <mc:Choice Requires="a14">
           <p:sp>
             <p:nvSpPr>
               <p:cNvPr id="43" name="テキスト ボックス 42">
@@ -6390,7 +8444,7 @@
             </p:txBody>
           </p:sp>
         </mc:Choice>
-        <mc:Fallback>
+        <mc:Fallback xmlns="">
           <p:sp>
             <p:nvSpPr>
               <p:cNvPr id="43" name="テキスト ボックス 42">
@@ -6435,8 +8489,8 @@
           </p:sp>
         </mc:Fallback>
       </mc:AlternateContent>
-      <mc:AlternateContent xmlns:mc="http://schemas.openxmlformats.org/markup-compatibility/2006">
-        <mc:Choice xmlns:a14="http://schemas.microsoft.com/office/drawing/2010/main" Requires="a14">
+      <mc:AlternateContent xmlns:mc="http://schemas.openxmlformats.org/markup-compatibility/2006" xmlns:a14="http://schemas.microsoft.com/office/drawing/2010/main">
+        <mc:Choice Requires="a14">
           <p:sp>
             <p:nvSpPr>
               <p:cNvPr id="44" name="テキスト ボックス 43">
@@ -6489,7 +8543,7 @@
             </p:txBody>
           </p:sp>
         </mc:Choice>
-        <mc:Fallback>
+        <mc:Fallback xmlns="">
           <p:sp>
             <p:nvSpPr>
               <p:cNvPr id="44" name="テキスト ボックス 43">
@@ -6588,8 +8642,8 @@
           </a:p>
         </p:txBody>
       </p:sp>
-      <mc:AlternateContent xmlns:mc="http://schemas.openxmlformats.org/markup-compatibility/2006">
-        <mc:Choice xmlns:a14="http://schemas.microsoft.com/office/drawing/2010/main" Requires="a14">
+      <mc:AlternateContent xmlns:mc="http://schemas.openxmlformats.org/markup-compatibility/2006" xmlns:a14="http://schemas.microsoft.com/office/drawing/2010/main">
+        <mc:Choice Requires="a14">
           <p:sp>
             <p:nvSpPr>
               <p:cNvPr id="22" name="テキスト ボックス 21">
@@ -6639,7 +8693,7 @@
             </p:txBody>
           </p:sp>
         </mc:Choice>
-        <mc:Fallback>
+        <mc:Fallback xmlns="">
           <p:sp>
             <p:nvSpPr>
               <p:cNvPr id="22" name="テキスト ボックス 21">
@@ -6726,8 +8780,8 @@
           </a:fontRef>
         </p:style>
       </p:cxnSp>
-      <mc:AlternateContent xmlns:mc="http://schemas.openxmlformats.org/markup-compatibility/2006">
-        <mc:Choice xmlns:a14="http://schemas.microsoft.com/office/drawing/2010/main" Requires="a14">
+      <mc:AlternateContent xmlns:mc="http://schemas.openxmlformats.org/markup-compatibility/2006" xmlns:a14="http://schemas.microsoft.com/office/drawing/2010/main">
+        <mc:Choice Requires="a14">
           <p:sp>
             <p:nvSpPr>
               <p:cNvPr id="27" name="テキスト ボックス 26">
@@ -6810,7 +8864,7 @@
             </p:txBody>
           </p:sp>
         </mc:Choice>
-        <mc:Fallback>
+        <mc:Fallback xmlns="">
           <p:sp>
             <p:nvSpPr>
               <p:cNvPr id="27" name="テキスト ボックス 26">
@@ -6937,8 +8991,8 @@
           </a:fontRef>
         </p:style>
       </p:cxnSp>
-      <mc:AlternateContent xmlns:mc="http://schemas.openxmlformats.org/markup-compatibility/2006">
-        <mc:Choice xmlns:a14="http://schemas.microsoft.com/office/drawing/2010/main" Requires="a14">
+      <mc:AlternateContent xmlns:mc="http://schemas.openxmlformats.org/markup-compatibility/2006" xmlns:a14="http://schemas.microsoft.com/office/drawing/2010/main">
+        <mc:Choice Requires="a14">
           <p:sp>
             <p:nvSpPr>
               <p:cNvPr id="31" name="テキスト ボックス 30">
@@ -7028,7 +9082,7 @@
             </p:txBody>
           </p:sp>
         </mc:Choice>
-        <mc:Fallback>
+        <mc:Fallback xmlns="">
           <p:sp>
             <p:nvSpPr>
               <p:cNvPr id="31" name="テキスト ボックス 30">
@@ -7155,8 +9209,8 @@
           </a:fontRef>
         </p:style>
       </p:cxnSp>
-      <mc:AlternateContent xmlns:mc="http://schemas.openxmlformats.org/markup-compatibility/2006">
-        <mc:Choice xmlns:a14="http://schemas.microsoft.com/office/drawing/2010/main" Requires="a14">
+      <mc:AlternateContent xmlns:mc="http://schemas.openxmlformats.org/markup-compatibility/2006" xmlns:a14="http://schemas.microsoft.com/office/drawing/2010/main">
+        <mc:Choice Requires="a14">
           <p:sp>
             <p:nvSpPr>
               <p:cNvPr id="39" name="テキスト ボックス 38">
@@ -7209,7 +9263,7 @@
             </p:txBody>
           </p:sp>
         </mc:Choice>
-        <mc:Fallback>
+        <mc:Fallback xmlns="">
           <p:sp>
             <p:nvSpPr>
               <p:cNvPr id="39" name="テキスト ボックス 38">
@@ -7254,8 +9308,8 @@
           </p:sp>
         </mc:Fallback>
       </mc:AlternateContent>
-      <mc:AlternateContent xmlns:mc="http://schemas.openxmlformats.org/markup-compatibility/2006">
-        <mc:Choice xmlns:a14="http://schemas.microsoft.com/office/drawing/2010/main" Requires="a14">
+      <mc:AlternateContent xmlns:mc="http://schemas.openxmlformats.org/markup-compatibility/2006" xmlns:a14="http://schemas.microsoft.com/office/drawing/2010/main">
+        <mc:Choice Requires="a14">
           <p:sp>
             <p:nvSpPr>
               <p:cNvPr id="45" name="テキスト ボックス 44">
@@ -7308,7 +9362,7 @@
             </p:txBody>
           </p:sp>
         </mc:Choice>
-        <mc:Fallback>
+        <mc:Fallback xmlns="">
           <p:sp>
             <p:nvSpPr>
               <p:cNvPr id="45" name="テキスト ボックス 44">
@@ -7353,8 +9407,8 @@
           </p:sp>
         </mc:Fallback>
       </mc:AlternateContent>
-      <mc:AlternateContent xmlns:mc="http://schemas.openxmlformats.org/markup-compatibility/2006">
-        <mc:Choice xmlns:a14="http://schemas.microsoft.com/office/drawing/2010/main" Requires="a14">
+      <mc:AlternateContent xmlns:mc="http://schemas.openxmlformats.org/markup-compatibility/2006" xmlns:a14="http://schemas.microsoft.com/office/drawing/2010/main">
+        <mc:Choice Requires="a14">
           <p:sp>
             <p:nvSpPr>
               <p:cNvPr id="46" name="テキスト ボックス 45">
@@ -7404,7 +9458,7 @@
             </p:txBody>
           </p:sp>
         </mc:Choice>
-        <mc:Fallback>
+        <mc:Fallback xmlns="">
           <p:sp>
             <p:nvSpPr>
               <p:cNvPr id="46" name="テキスト ボックス 45">
@@ -7491,8 +9545,8 @@
           </a:fontRef>
         </p:style>
       </p:cxnSp>
-      <mc:AlternateContent xmlns:mc="http://schemas.openxmlformats.org/markup-compatibility/2006">
-        <mc:Choice xmlns:a14="http://schemas.microsoft.com/office/drawing/2010/main" Requires="a14">
+      <mc:AlternateContent xmlns:mc="http://schemas.openxmlformats.org/markup-compatibility/2006" xmlns:a14="http://schemas.microsoft.com/office/drawing/2010/main">
+        <mc:Choice Requires="a14">
           <p:sp>
             <p:nvSpPr>
               <p:cNvPr id="49" name="テキスト ボックス 48">
@@ -7542,7 +9596,7 @@
             </p:txBody>
           </p:sp>
         </mc:Choice>
-        <mc:Fallback>
+        <mc:Fallback xmlns="">
           <p:sp>
             <p:nvSpPr>
               <p:cNvPr id="49" name="テキスト ボックス 48">
@@ -7587,8 +9641,8 @@
           </p:sp>
         </mc:Fallback>
       </mc:AlternateContent>
-      <mc:AlternateContent xmlns:mc="http://schemas.openxmlformats.org/markup-compatibility/2006">
-        <mc:Choice xmlns:a14="http://schemas.microsoft.com/office/drawing/2010/main" Requires="a14">
+      <mc:AlternateContent xmlns:mc="http://schemas.openxmlformats.org/markup-compatibility/2006" xmlns:a14="http://schemas.microsoft.com/office/drawing/2010/main">
+        <mc:Choice Requires="a14">
           <p:sp>
             <p:nvSpPr>
               <p:cNvPr id="51" name="テキスト ボックス 50">
@@ -7678,7 +9732,7 @@
             </p:txBody>
           </p:sp>
         </mc:Choice>
-        <mc:Fallback>
+        <mc:Fallback xmlns="">
           <p:sp>
             <p:nvSpPr>
               <p:cNvPr id="51" name="テキスト ボックス 50">
@@ -7723,8 +9777,8 @@
           </p:sp>
         </mc:Fallback>
       </mc:AlternateContent>
-      <mc:AlternateContent xmlns:mc="http://schemas.openxmlformats.org/markup-compatibility/2006">
-        <mc:Choice xmlns:a14="http://schemas.microsoft.com/office/drawing/2010/main" Requires="a14">
+      <mc:AlternateContent xmlns:mc="http://schemas.openxmlformats.org/markup-compatibility/2006" xmlns:a14="http://schemas.microsoft.com/office/drawing/2010/main">
+        <mc:Choice Requires="a14">
           <p:sp>
             <p:nvSpPr>
               <p:cNvPr id="52" name="テキスト ボックス 51">
@@ -7807,7 +9861,7 @@
             </p:txBody>
           </p:sp>
         </mc:Choice>
-        <mc:Fallback>
+        <mc:Fallback xmlns="">
           <p:sp>
             <p:nvSpPr>
               <p:cNvPr id="52" name="テキスト ボックス 51">
@@ -7985,8 +10039,8 @@
           </p:style>
         </p:cxnSp>
       </p:grpSp>
-      <mc:AlternateContent xmlns:mc="http://schemas.openxmlformats.org/markup-compatibility/2006">
-        <mc:Choice xmlns:a14="http://schemas.microsoft.com/office/drawing/2010/main" Requires="a14">
+      <mc:AlternateContent xmlns:mc="http://schemas.openxmlformats.org/markup-compatibility/2006" xmlns:a14="http://schemas.microsoft.com/office/drawing/2010/main">
+        <mc:Choice Requires="a14">
           <p:sp>
             <p:nvSpPr>
               <p:cNvPr id="39" name="テキスト ボックス 38">
@@ -8039,7 +10093,7 @@
             </p:txBody>
           </p:sp>
         </mc:Choice>
-        <mc:Fallback>
+        <mc:Fallback xmlns="">
           <p:sp>
             <p:nvSpPr>
               <p:cNvPr id="39" name="テキスト ボックス 38">
@@ -8084,8 +10138,8 @@
           </p:sp>
         </mc:Fallback>
       </mc:AlternateContent>
-      <mc:AlternateContent xmlns:mc="http://schemas.openxmlformats.org/markup-compatibility/2006">
-        <mc:Choice xmlns:a14="http://schemas.microsoft.com/office/drawing/2010/main" Requires="a14">
+      <mc:AlternateContent xmlns:mc="http://schemas.openxmlformats.org/markup-compatibility/2006" xmlns:a14="http://schemas.microsoft.com/office/drawing/2010/main">
+        <mc:Choice Requires="a14">
           <p:sp>
             <p:nvSpPr>
               <p:cNvPr id="45" name="テキスト ボックス 44">
@@ -8138,7 +10192,7 @@
             </p:txBody>
           </p:sp>
         </mc:Choice>
-        <mc:Fallback>
+        <mc:Fallback xmlns="">
           <p:sp>
             <p:nvSpPr>
               <p:cNvPr id="45" name="テキスト ボックス 44">
@@ -8286,8 +10340,8 @@
           </p:style>
         </p:cxnSp>
       </p:grpSp>
-      <mc:AlternateContent xmlns:mc="http://schemas.openxmlformats.org/markup-compatibility/2006">
-        <mc:Choice xmlns:a14="http://schemas.microsoft.com/office/drawing/2010/main" Requires="a14">
+      <mc:AlternateContent xmlns:mc="http://schemas.openxmlformats.org/markup-compatibility/2006" xmlns:a14="http://schemas.microsoft.com/office/drawing/2010/main">
+        <mc:Choice Requires="a14">
           <p:sp>
             <p:nvSpPr>
               <p:cNvPr id="44" name="テキスト ボックス 43">
@@ -8340,7 +10394,7 @@
             </p:txBody>
           </p:sp>
         </mc:Choice>
-        <mc:Fallback>
+        <mc:Fallback xmlns="">
           <p:sp>
             <p:nvSpPr>
               <p:cNvPr id="44" name="テキスト ボックス 43">
@@ -8385,8 +10439,8 @@
           </p:sp>
         </mc:Fallback>
       </mc:AlternateContent>
-      <mc:AlternateContent xmlns:mc="http://schemas.openxmlformats.org/markup-compatibility/2006">
-        <mc:Choice xmlns:a14="http://schemas.microsoft.com/office/drawing/2010/main" Requires="a14">
+      <mc:AlternateContent xmlns:mc="http://schemas.openxmlformats.org/markup-compatibility/2006" xmlns:a14="http://schemas.microsoft.com/office/drawing/2010/main">
+        <mc:Choice Requires="a14">
           <p:sp>
             <p:nvSpPr>
               <p:cNvPr id="29" name="テキスト ボックス 28">
@@ -8439,7 +10493,7 @@
             </p:txBody>
           </p:sp>
         </mc:Choice>
-        <mc:Fallback>
+        <mc:Fallback xmlns="">
           <p:sp>
             <p:nvSpPr>
               <p:cNvPr id="29" name="テキスト ボックス 28">
@@ -8635,8 +10689,8 @@
           </a:p>
         </p:txBody>
       </p:sp>
-      <mc:AlternateContent xmlns:mc="http://schemas.openxmlformats.org/markup-compatibility/2006">
-        <mc:Choice xmlns:a14="http://schemas.microsoft.com/office/drawing/2010/main" Requires="a14">
+      <mc:AlternateContent xmlns:mc="http://schemas.openxmlformats.org/markup-compatibility/2006" xmlns:a14="http://schemas.microsoft.com/office/drawing/2010/main">
+        <mc:Choice Requires="a14">
           <p:sp>
             <p:nvSpPr>
               <p:cNvPr id="38" name="テキスト ボックス 37">
@@ -8686,7 +10740,7 @@
             </p:txBody>
           </p:sp>
         </mc:Choice>
-        <mc:Fallback>
+        <mc:Fallback xmlns="">
           <p:sp>
             <p:nvSpPr>
               <p:cNvPr id="38" name="テキスト ボックス 37">
@@ -8991,8 +11045,8 @@
           </p:style>
         </p:cxnSp>
       </p:grpSp>
-      <mc:AlternateContent xmlns:mc="http://schemas.openxmlformats.org/markup-compatibility/2006">
-        <mc:Choice xmlns:a14="http://schemas.microsoft.com/office/drawing/2010/main" Requires="a14">
+      <mc:AlternateContent xmlns:mc="http://schemas.openxmlformats.org/markup-compatibility/2006" xmlns:a14="http://schemas.microsoft.com/office/drawing/2010/main">
+        <mc:Choice Requires="a14">
           <p:sp>
             <p:nvSpPr>
               <p:cNvPr id="54" name="テキスト ボックス 53">
@@ -9042,7 +11096,7 @@
             </p:txBody>
           </p:sp>
         </mc:Choice>
-        <mc:Fallback>
+        <mc:Fallback xmlns="">
           <p:sp>
             <p:nvSpPr>
               <p:cNvPr id="54" name="テキスト ボックス 53">
@@ -9087,8 +11141,8 @@
           </p:sp>
         </mc:Fallback>
       </mc:AlternateContent>
-      <mc:AlternateContent xmlns:mc="http://schemas.openxmlformats.org/markup-compatibility/2006">
-        <mc:Choice xmlns:a14="http://schemas.microsoft.com/office/drawing/2010/main" Requires="a14">
+      <mc:AlternateContent xmlns:mc="http://schemas.openxmlformats.org/markup-compatibility/2006" xmlns:a14="http://schemas.microsoft.com/office/drawing/2010/main">
+        <mc:Choice Requires="a14">
           <p:sp>
             <p:nvSpPr>
               <p:cNvPr id="55" name="テキスト ボックス 54">
@@ -9138,7 +11192,7 @@
             </p:txBody>
           </p:sp>
         </mc:Choice>
-        <mc:Fallback>
+        <mc:Fallback xmlns="">
           <p:sp>
             <p:nvSpPr>
               <p:cNvPr id="55" name="テキスト ボックス 54">
@@ -9183,8 +11237,8 @@
           </p:sp>
         </mc:Fallback>
       </mc:AlternateContent>
-      <mc:AlternateContent xmlns:mc="http://schemas.openxmlformats.org/markup-compatibility/2006">
-        <mc:Choice xmlns:a14="http://schemas.microsoft.com/office/drawing/2010/main" Requires="a14">
+      <mc:AlternateContent xmlns:mc="http://schemas.openxmlformats.org/markup-compatibility/2006" xmlns:a14="http://schemas.microsoft.com/office/drawing/2010/main">
+        <mc:Choice Requires="a14">
           <p:sp>
             <p:nvSpPr>
               <p:cNvPr id="56" name="テキスト ボックス 55">
@@ -9234,7 +11288,7 @@
             </p:txBody>
           </p:sp>
         </mc:Choice>
-        <mc:Fallback>
+        <mc:Fallback xmlns="">
           <p:sp>
             <p:nvSpPr>
               <p:cNvPr id="56" name="テキスト ボックス 55">
@@ -9279,8 +11333,8 @@
           </p:sp>
         </mc:Fallback>
       </mc:AlternateContent>
-      <mc:AlternateContent xmlns:mc="http://schemas.openxmlformats.org/markup-compatibility/2006">
-        <mc:Choice xmlns:a14="http://schemas.microsoft.com/office/drawing/2010/main" Requires="a14">
+      <mc:AlternateContent xmlns:mc="http://schemas.openxmlformats.org/markup-compatibility/2006" xmlns:a14="http://schemas.microsoft.com/office/drawing/2010/main">
+        <mc:Choice Requires="a14">
           <p:sp>
             <p:nvSpPr>
               <p:cNvPr id="57" name="テキスト ボックス 56">
@@ -9330,7 +11384,7 @@
             </p:txBody>
           </p:sp>
         </mc:Choice>
-        <mc:Fallback>
+        <mc:Fallback xmlns="">
           <p:sp>
             <p:nvSpPr>
               <p:cNvPr id="57" name="テキスト ボックス 56">
@@ -9375,8 +11429,8 @@
           </p:sp>
         </mc:Fallback>
       </mc:AlternateContent>
-      <mc:AlternateContent xmlns:mc="http://schemas.openxmlformats.org/markup-compatibility/2006">
-        <mc:Choice xmlns:a14="http://schemas.microsoft.com/office/drawing/2010/main" Requires="a14">
+      <mc:AlternateContent xmlns:mc="http://schemas.openxmlformats.org/markup-compatibility/2006" xmlns:a14="http://schemas.microsoft.com/office/drawing/2010/main">
+        <mc:Choice Requires="a14">
           <p:sp>
             <p:nvSpPr>
               <p:cNvPr id="15" name="テキスト ボックス 14">
@@ -9405,6 +11459,7 @@
               </a:bodyPr>
               <a:lstStyle/>
               <a:p>
+                <a:pPr/>
                 <a14:m>
                   <m:oMathPara xmlns:m="http://schemas.openxmlformats.org/officeDocument/2006/math">
                     <m:oMathParaPr>
@@ -9425,7 +11480,7 @@
             </p:txBody>
           </p:sp>
         </mc:Choice>
-        <mc:Fallback>
+        <mc:Fallback xmlns="">
           <p:sp>
             <p:nvSpPr>
               <p:cNvPr id="15" name="テキスト ボックス 14">
@@ -9511,8 +11566,8 @@
           </a:fontRef>
         </p:style>
       </p:cxnSp>
-      <mc:AlternateContent xmlns:mc="http://schemas.openxmlformats.org/markup-compatibility/2006">
-        <mc:Choice xmlns:a14="http://schemas.microsoft.com/office/drawing/2010/main" Requires="a14">
+      <mc:AlternateContent xmlns:mc="http://schemas.openxmlformats.org/markup-compatibility/2006" xmlns:a14="http://schemas.microsoft.com/office/drawing/2010/main">
+        <mc:Choice Requires="a14">
           <p:sp>
             <p:nvSpPr>
               <p:cNvPr id="59" name="テキスト ボックス 58">
@@ -9562,7 +11617,7 @@
             </p:txBody>
           </p:sp>
         </mc:Choice>
-        <mc:Fallback>
+        <mc:Fallback xmlns="">
           <p:sp>
             <p:nvSpPr>
               <p:cNvPr id="59" name="テキスト ボックス 58">
@@ -9621,6 +11676,2230 @@
 </file>
 
 <file path=ppt/slides/slide5.xml><?xml version="1.0" encoding="utf-8"?>
+<p:sld xmlns:a="http://schemas.openxmlformats.org/drawingml/2006/main" xmlns:r="http://schemas.openxmlformats.org/officeDocument/2006/relationships" xmlns:p="http://schemas.openxmlformats.org/presentationml/2006/main">
+  <p:cSld>
+    <p:spTree>
+      <p:nvGrpSpPr>
+        <p:cNvPr id="1" name=""/>
+        <p:cNvGrpSpPr/>
+        <p:nvPr/>
+      </p:nvGrpSpPr>
+      <p:grpSpPr>
+        <a:xfrm>
+          <a:off x="0" y="0"/>
+          <a:ext cx="0" cy="0"/>
+          <a:chOff x="0" y="0"/>
+          <a:chExt cx="0" cy="0"/>
+        </a:xfrm>
+      </p:grpSpPr>
+      <p:sp>
+        <p:nvSpPr>
+          <p:cNvPr id="10" name="正方形/長方形 9">
+            <a:extLst>
+              <a:ext uri="{FF2B5EF4-FFF2-40B4-BE49-F238E27FC236}">
+                <a16:creationId xmlns:a16="http://schemas.microsoft.com/office/drawing/2014/main" id="{407EF521-191F-4884-906B-DAD29D3A155C}"/>
+              </a:ext>
+            </a:extLst>
+          </p:cNvPr>
+          <p:cNvSpPr/>
+          <p:nvPr/>
+        </p:nvSpPr>
+        <p:spPr>
+          <a:xfrm>
+            <a:off x="2500607" y="3638182"/>
+            <a:ext cx="3271246" cy="1945666"/>
+          </a:xfrm>
+          <a:prstGeom prst="rect">
+            <a:avLst/>
+          </a:prstGeom>
+          <a:noFill/>
+        </p:spPr>
+        <p:style>
+          <a:lnRef idx="2">
+            <a:schemeClr val="accent1">
+              <a:shade val="50000"/>
+            </a:schemeClr>
+          </a:lnRef>
+          <a:fillRef idx="1">
+            <a:schemeClr val="accent1"/>
+          </a:fillRef>
+          <a:effectRef idx="0">
+            <a:schemeClr val="accent1"/>
+          </a:effectRef>
+          <a:fontRef idx="minor">
+            <a:schemeClr val="lt1"/>
+          </a:fontRef>
+        </p:style>
+        <p:txBody>
+          <a:bodyPr rtlCol="0" anchor="ctr"/>
+          <a:lstStyle/>
+          <a:p>
+            <a:pPr algn="ctr"/>
+            <a:endParaRPr kumimoji="1" lang="ja-JP" altLang="en-US"/>
+          </a:p>
+        </p:txBody>
+      </p:sp>
+      <p:sp>
+        <p:nvSpPr>
+          <p:cNvPr id="63" name="正方形/長方形 62">
+            <a:extLst>
+              <a:ext uri="{FF2B5EF4-FFF2-40B4-BE49-F238E27FC236}">
+                <a16:creationId xmlns:a16="http://schemas.microsoft.com/office/drawing/2014/main" id="{C3DDB682-1149-46C6-9564-A99055152419}"/>
+              </a:ext>
+            </a:extLst>
+          </p:cNvPr>
+          <p:cNvSpPr/>
+          <p:nvPr/>
+        </p:nvSpPr>
+        <p:spPr>
+          <a:xfrm rot="20128930">
+            <a:off x="2269271" y="4404986"/>
+            <a:ext cx="3760692" cy="391002"/>
+          </a:xfrm>
+          <a:prstGeom prst="rect">
+            <a:avLst/>
+          </a:prstGeom>
+          <a:noFill/>
+          <a:ln>
+            <a:solidFill>
+              <a:schemeClr val="accent6">
+                <a:lumMod val="75000"/>
+              </a:schemeClr>
+            </a:solidFill>
+          </a:ln>
+        </p:spPr>
+        <p:style>
+          <a:lnRef idx="2">
+            <a:schemeClr val="accent1">
+              <a:shade val="50000"/>
+            </a:schemeClr>
+          </a:lnRef>
+          <a:fillRef idx="1">
+            <a:schemeClr val="accent1"/>
+          </a:fillRef>
+          <a:effectRef idx="0">
+            <a:schemeClr val="accent1"/>
+          </a:effectRef>
+          <a:fontRef idx="minor">
+            <a:schemeClr val="lt1"/>
+          </a:fontRef>
+        </p:style>
+        <p:txBody>
+          <a:bodyPr rtlCol="0" anchor="ctr"/>
+          <a:lstStyle/>
+          <a:p>
+            <a:pPr algn="ctr"/>
+            <a:endParaRPr kumimoji="1" lang="ja-JP" altLang="en-US"/>
+          </a:p>
+        </p:txBody>
+      </p:sp>
+      <p:grpSp>
+        <p:nvGrpSpPr>
+          <p:cNvPr id="4" name="グループ化 3">
+            <a:extLst>
+              <a:ext uri="{FF2B5EF4-FFF2-40B4-BE49-F238E27FC236}">
+                <a16:creationId xmlns:a16="http://schemas.microsoft.com/office/drawing/2014/main" id="{B042E50E-8C45-42C5-BEF0-7CF0465829DD}"/>
+              </a:ext>
+            </a:extLst>
+          </p:cNvPr>
+          <p:cNvGrpSpPr/>
+          <p:nvPr/>
+        </p:nvGrpSpPr>
+        <p:grpSpPr>
+          <a:xfrm>
+            <a:off x="1326310" y="2325509"/>
+            <a:ext cx="4810368" cy="3290536"/>
+            <a:chOff x="1769276" y="3611863"/>
+            <a:chExt cx="2929873" cy="2004182"/>
+          </a:xfrm>
+        </p:grpSpPr>
+        <p:cxnSp>
+          <p:nvCxnSpPr>
+            <p:cNvPr id="28" name="直線矢印コネクタ 27">
+              <a:extLst>
+                <a:ext uri="{FF2B5EF4-FFF2-40B4-BE49-F238E27FC236}">
+                  <a16:creationId xmlns:a16="http://schemas.microsoft.com/office/drawing/2014/main" id="{20C9A774-3B51-45A5-B518-601C3D60C6F2}"/>
+                </a:ext>
+              </a:extLst>
+            </p:cNvPr>
+            <p:cNvCxnSpPr>
+              <a:cxnSpLocks/>
+            </p:cNvCxnSpPr>
+            <p:nvPr/>
+          </p:nvCxnSpPr>
+          <p:spPr>
+            <a:xfrm flipV="1">
+              <a:off x="2487440" y="3611863"/>
+              <a:ext cx="0" cy="2004182"/>
+            </a:xfrm>
+            <a:prstGeom prst="straightConnector1">
+              <a:avLst/>
+            </a:prstGeom>
+            <a:ln w="38100">
+              <a:tailEnd type="triangle"/>
+            </a:ln>
+          </p:spPr>
+          <p:style>
+            <a:lnRef idx="1">
+              <a:schemeClr val="dk1"/>
+            </a:lnRef>
+            <a:fillRef idx="0">
+              <a:schemeClr val="dk1"/>
+            </a:fillRef>
+            <a:effectRef idx="0">
+              <a:schemeClr val="dk1"/>
+            </a:effectRef>
+            <a:fontRef idx="minor">
+              <a:schemeClr val="tx1"/>
+            </a:fontRef>
+          </p:style>
+        </p:cxnSp>
+        <p:cxnSp>
+          <p:nvCxnSpPr>
+            <p:cNvPr id="30" name="直線矢印コネクタ 29">
+              <a:extLst>
+                <a:ext uri="{FF2B5EF4-FFF2-40B4-BE49-F238E27FC236}">
+                  <a16:creationId xmlns:a16="http://schemas.microsoft.com/office/drawing/2014/main" id="{F0C2AB31-3956-48B5-B2C4-8EEAFB82F363}"/>
+                </a:ext>
+              </a:extLst>
+            </p:cNvPr>
+            <p:cNvCxnSpPr>
+              <a:cxnSpLocks/>
+            </p:cNvCxnSpPr>
+            <p:nvPr/>
+          </p:nvCxnSpPr>
+          <p:spPr>
+            <a:xfrm>
+              <a:off x="1769276" y="5603115"/>
+              <a:ext cx="2929873" cy="0"/>
+            </a:xfrm>
+            <a:prstGeom prst="straightConnector1">
+              <a:avLst/>
+            </a:prstGeom>
+            <a:ln w="38100">
+              <a:tailEnd type="triangle"/>
+            </a:ln>
+          </p:spPr>
+          <p:style>
+            <a:lnRef idx="1">
+              <a:schemeClr val="dk1"/>
+            </a:lnRef>
+            <a:fillRef idx="0">
+              <a:schemeClr val="dk1"/>
+            </a:fillRef>
+            <a:effectRef idx="0">
+              <a:schemeClr val="dk1"/>
+            </a:effectRef>
+            <a:fontRef idx="minor">
+              <a:schemeClr val="tx1"/>
+            </a:fontRef>
+          </p:style>
+        </p:cxnSp>
+      </p:grpSp>
+      <mc:AlternateContent xmlns:mc="http://schemas.openxmlformats.org/markup-compatibility/2006" xmlns:a14="http://schemas.microsoft.com/office/drawing/2010/main">
+        <mc:Choice Requires="a14">
+          <p:sp>
+            <p:nvSpPr>
+              <p:cNvPr id="39" name="テキスト ボックス 38">
+                <a:extLst>
+                  <a:ext uri="{FF2B5EF4-FFF2-40B4-BE49-F238E27FC236}">
+                    <a16:creationId xmlns:a16="http://schemas.microsoft.com/office/drawing/2014/main" id="{62F3A020-CD82-4BA8-A0B5-60B18D52CBF8}"/>
+                  </a:ext>
+                </a:extLst>
+              </p:cNvPr>
+              <p:cNvSpPr txBox="1"/>
+              <p:nvPr/>
+            </p:nvSpPr>
+            <p:spPr>
+              <a:xfrm>
+                <a:off x="6156084" y="5365525"/>
+                <a:ext cx="351057" cy="492443"/>
+              </a:xfrm>
+              <a:prstGeom prst="rect">
+                <a:avLst/>
+              </a:prstGeom>
+              <a:noFill/>
+            </p:spPr>
+            <p:txBody>
+              <a:bodyPr wrap="none" lIns="0" tIns="0" rIns="0" bIns="0" rtlCol="0">
+                <a:spAutoFit/>
+              </a:bodyPr>
+              <a:lstStyle/>
+              <a:p>
+                <a:pPr/>
+                <a14:m>
+                  <m:oMathPara xmlns:m="http://schemas.openxmlformats.org/officeDocument/2006/math">
+                    <m:oMathParaPr>
+                      <m:jc m:val="centerGroup"/>
+                    </m:oMathParaPr>
+                    <m:oMath xmlns:m="http://schemas.openxmlformats.org/officeDocument/2006/math">
+                      <m:r>
+                        <m:rPr>
+                          <m:sty m:val="p"/>
+                        </m:rPr>
+                        <a:rPr kumimoji="1" lang="en-US" altLang="ja-JP" sz="3200" b="0" i="0" smtClean="0">
+                          <a:latin typeface="Cambria Math" panose="02040503050406030204" pitchFamily="18" charset="0"/>
+                        </a:rPr>
+                        <m:t>X</m:t>
+                      </m:r>
+                    </m:oMath>
+                  </m:oMathPara>
+                </a14:m>
+                <a:endParaRPr kumimoji="1" lang="ja-JP" altLang="en-US" sz="3200" dirty="0"/>
+              </a:p>
+            </p:txBody>
+          </p:sp>
+        </mc:Choice>
+        <mc:Fallback xmlns="">
+          <p:sp>
+            <p:nvSpPr>
+              <p:cNvPr id="39" name="テキスト ボックス 38">
+                <a:extLst>
+                  <a:ext uri="{FF2B5EF4-FFF2-40B4-BE49-F238E27FC236}">
+                    <a16:creationId xmlns:a16="http://schemas.microsoft.com/office/drawing/2014/main" id="{62F3A020-CD82-4BA8-A0B5-60B18D52CBF8}"/>
+                  </a:ext>
+                </a:extLst>
+              </p:cNvPr>
+              <p:cNvSpPr txBox="1">
+                <a:spLocks noRot="1" noChangeAspect="1" noMove="1" noResize="1" noEditPoints="1" noAdjustHandles="1" noChangeArrowheads="1" noChangeShapeType="1" noTextEdit="1"/>
+              </p:cNvSpPr>
+              <p:nvPr/>
+            </p:nvSpPr>
+            <p:spPr>
+              <a:xfrm>
+                <a:off x="6156084" y="5365525"/>
+                <a:ext cx="351057" cy="492443"/>
+              </a:xfrm>
+              <a:prstGeom prst="rect">
+                <a:avLst/>
+              </a:prstGeom>
+              <a:blipFill>
+                <a:blip r:embed="rId2"/>
+                <a:stretch>
+                  <a:fillRect/>
+                </a:stretch>
+              </a:blipFill>
+            </p:spPr>
+            <p:txBody>
+              <a:bodyPr/>
+              <a:lstStyle/>
+              <a:p>
+                <a:r>
+                  <a:rPr lang="ja-JP" altLang="en-US">
+                    <a:noFill/>
+                  </a:rPr>
+                  <a:t> </a:t>
+                </a:r>
+              </a:p>
+            </p:txBody>
+          </p:sp>
+        </mc:Fallback>
+      </mc:AlternateContent>
+      <mc:AlternateContent xmlns:mc="http://schemas.openxmlformats.org/markup-compatibility/2006" xmlns:a14="http://schemas.microsoft.com/office/drawing/2010/main">
+        <mc:Choice Requires="a14">
+          <p:sp>
+            <p:nvSpPr>
+              <p:cNvPr id="45" name="テキスト ボックス 44">
+                <a:extLst>
+                  <a:ext uri="{FF2B5EF4-FFF2-40B4-BE49-F238E27FC236}">
+                    <a16:creationId xmlns:a16="http://schemas.microsoft.com/office/drawing/2014/main" id="{17366BCE-6204-45D7-A4CA-ED14874A7AC2}"/>
+                  </a:ext>
+                </a:extLst>
+              </p:cNvPr>
+              <p:cNvSpPr txBox="1"/>
+              <p:nvPr/>
+            </p:nvSpPr>
+            <p:spPr>
+              <a:xfrm>
+                <a:off x="2329888" y="1833066"/>
+                <a:ext cx="351058" cy="492443"/>
+              </a:xfrm>
+              <a:prstGeom prst="rect">
+                <a:avLst/>
+              </a:prstGeom>
+              <a:noFill/>
+            </p:spPr>
+            <p:txBody>
+              <a:bodyPr wrap="none" lIns="0" tIns="0" rIns="0" bIns="0" rtlCol="0">
+                <a:spAutoFit/>
+              </a:bodyPr>
+              <a:lstStyle/>
+              <a:p>
+                <a:pPr/>
+                <a14:m>
+                  <m:oMathPara xmlns:m="http://schemas.openxmlformats.org/officeDocument/2006/math">
+                    <m:oMathParaPr>
+                      <m:jc m:val="centerGroup"/>
+                    </m:oMathParaPr>
+                    <m:oMath xmlns:m="http://schemas.openxmlformats.org/officeDocument/2006/math">
+                      <m:r>
+                        <m:rPr>
+                          <m:sty m:val="p"/>
+                        </m:rPr>
+                        <a:rPr kumimoji="1" lang="en-US" altLang="ja-JP" sz="3200" b="0" i="0" smtClean="0">
+                          <a:latin typeface="Cambria Math" panose="02040503050406030204" pitchFamily="18" charset="0"/>
+                        </a:rPr>
+                        <m:t>Y</m:t>
+                      </m:r>
+                    </m:oMath>
+                  </m:oMathPara>
+                </a14:m>
+                <a:endParaRPr kumimoji="1" lang="ja-JP" altLang="en-US" sz="3200" dirty="0"/>
+              </a:p>
+            </p:txBody>
+          </p:sp>
+        </mc:Choice>
+        <mc:Fallback xmlns="">
+          <p:sp>
+            <p:nvSpPr>
+              <p:cNvPr id="45" name="テキスト ボックス 44">
+                <a:extLst>
+                  <a:ext uri="{FF2B5EF4-FFF2-40B4-BE49-F238E27FC236}">
+                    <a16:creationId xmlns:a16="http://schemas.microsoft.com/office/drawing/2014/main" id="{17366BCE-6204-45D7-A4CA-ED14874A7AC2}"/>
+                  </a:ext>
+                </a:extLst>
+              </p:cNvPr>
+              <p:cNvSpPr txBox="1">
+                <a:spLocks noRot="1" noChangeAspect="1" noMove="1" noResize="1" noEditPoints="1" noAdjustHandles="1" noChangeArrowheads="1" noChangeShapeType="1" noTextEdit="1"/>
+              </p:cNvSpPr>
+              <p:nvPr/>
+            </p:nvSpPr>
+            <p:spPr>
+              <a:xfrm>
+                <a:off x="2329888" y="1833066"/>
+                <a:ext cx="351058" cy="492443"/>
+              </a:xfrm>
+              <a:prstGeom prst="rect">
+                <a:avLst/>
+              </a:prstGeom>
+              <a:blipFill>
+                <a:blip r:embed="rId3"/>
+                <a:stretch>
+                  <a:fillRect/>
+                </a:stretch>
+              </a:blipFill>
+            </p:spPr>
+            <p:txBody>
+              <a:bodyPr/>
+              <a:lstStyle/>
+              <a:p>
+                <a:r>
+                  <a:rPr lang="ja-JP" altLang="en-US">
+                    <a:noFill/>
+                  </a:rPr>
+                  <a:t> </a:t>
+                </a:r>
+              </a:p>
+            </p:txBody>
+          </p:sp>
+        </mc:Fallback>
+      </mc:AlternateContent>
+      <p:grpSp>
+        <p:nvGrpSpPr>
+          <p:cNvPr id="5" name="グループ化 4">
+            <a:extLst>
+              <a:ext uri="{FF2B5EF4-FFF2-40B4-BE49-F238E27FC236}">
+                <a16:creationId xmlns:a16="http://schemas.microsoft.com/office/drawing/2014/main" id="{B3ACBA22-A5C3-4717-AAAC-AA226AD34032}"/>
+              </a:ext>
+            </a:extLst>
+          </p:cNvPr>
+          <p:cNvGrpSpPr/>
+          <p:nvPr/>
+        </p:nvGrpSpPr>
+        <p:grpSpPr>
+          <a:xfrm rot="20113966">
+            <a:off x="1264983" y="2490527"/>
+            <a:ext cx="4788915" cy="3876068"/>
+            <a:chOff x="4543172" y="1095644"/>
+            <a:chExt cx="4788915" cy="3876068"/>
+          </a:xfrm>
+        </p:grpSpPr>
+        <p:cxnSp>
+          <p:nvCxnSpPr>
+            <p:cNvPr id="34" name="直線矢印コネクタ 33">
+              <a:extLst>
+                <a:ext uri="{FF2B5EF4-FFF2-40B4-BE49-F238E27FC236}">
+                  <a16:creationId xmlns:a16="http://schemas.microsoft.com/office/drawing/2014/main" id="{0276690A-1598-4DDD-A64D-52D244C6D970}"/>
+                </a:ext>
+              </a:extLst>
+            </p:cNvPr>
+            <p:cNvCxnSpPr>
+              <a:cxnSpLocks/>
+            </p:cNvCxnSpPr>
+            <p:nvPr/>
+          </p:nvCxnSpPr>
+          <p:spPr>
+            <a:xfrm rot="2311666" flipH="1" flipV="1">
+              <a:off x="4543172" y="1095644"/>
+              <a:ext cx="1735199" cy="2179275"/>
+            </a:xfrm>
+            <a:prstGeom prst="straightConnector1">
+              <a:avLst/>
+            </a:prstGeom>
+            <a:ln w="38100">
+              <a:tailEnd type="triangle"/>
+            </a:ln>
+          </p:spPr>
+          <p:style>
+            <a:lnRef idx="1">
+              <a:schemeClr val="dk1"/>
+            </a:lnRef>
+            <a:fillRef idx="0">
+              <a:schemeClr val="dk1"/>
+            </a:fillRef>
+            <a:effectRef idx="0">
+              <a:schemeClr val="dk1"/>
+            </a:effectRef>
+            <a:fontRef idx="minor">
+              <a:schemeClr val="tx1"/>
+            </a:fontRef>
+          </p:style>
+        </p:cxnSp>
+        <p:cxnSp>
+          <p:nvCxnSpPr>
+            <p:cNvPr id="37" name="直線矢印コネクタ 36">
+              <a:extLst>
+                <a:ext uri="{FF2B5EF4-FFF2-40B4-BE49-F238E27FC236}">
+                  <a16:creationId xmlns:a16="http://schemas.microsoft.com/office/drawing/2014/main" id="{9CF37CA9-53E8-46E4-8AFB-FF9AE82D547F}"/>
+                </a:ext>
+              </a:extLst>
+            </p:cNvPr>
+            <p:cNvCxnSpPr>
+              <a:cxnSpLocks/>
+            </p:cNvCxnSpPr>
+            <p:nvPr/>
+          </p:nvCxnSpPr>
+          <p:spPr>
+            <a:xfrm rot="2311666" flipV="1">
+              <a:off x="5865094" y="2211197"/>
+              <a:ext cx="3466993" cy="2760515"/>
+            </a:xfrm>
+            <a:prstGeom prst="straightConnector1">
+              <a:avLst/>
+            </a:prstGeom>
+            <a:ln w="38100">
+              <a:tailEnd type="triangle"/>
+            </a:ln>
+          </p:spPr>
+          <p:style>
+            <a:lnRef idx="1">
+              <a:schemeClr val="dk1"/>
+            </a:lnRef>
+            <a:fillRef idx="0">
+              <a:schemeClr val="dk1"/>
+            </a:fillRef>
+            <a:effectRef idx="0">
+              <a:schemeClr val="dk1"/>
+            </a:effectRef>
+            <a:fontRef idx="minor">
+              <a:schemeClr val="tx1"/>
+            </a:fontRef>
+          </p:style>
+        </p:cxnSp>
+      </p:grpSp>
+      <mc:AlternateContent xmlns:mc="http://schemas.openxmlformats.org/markup-compatibility/2006" xmlns:a14="http://schemas.microsoft.com/office/drawing/2010/main">
+        <mc:Choice Requires="a14">
+          <p:sp>
+            <p:nvSpPr>
+              <p:cNvPr id="44" name="テキスト ボックス 43">
+                <a:extLst>
+                  <a:ext uri="{FF2B5EF4-FFF2-40B4-BE49-F238E27FC236}">
+                    <a16:creationId xmlns:a16="http://schemas.microsoft.com/office/drawing/2014/main" id="{91C78D81-3FF6-4E2C-A596-46AE99F82057}"/>
+                  </a:ext>
+                </a:extLst>
+              </p:cNvPr>
+              <p:cNvSpPr txBox="1"/>
+              <p:nvPr/>
+            </p:nvSpPr>
+            <p:spPr>
+              <a:xfrm>
+                <a:off x="1143569" y="2564352"/>
+                <a:ext cx="365485" cy="492443"/>
+              </a:xfrm>
+              <a:prstGeom prst="rect">
+                <a:avLst/>
+              </a:prstGeom>
+              <a:noFill/>
+            </p:spPr>
+            <p:txBody>
+              <a:bodyPr wrap="none" lIns="0" tIns="0" rIns="0" bIns="0" rtlCol="0">
+                <a:spAutoFit/>
+              </a:bodyPr>
+              <a:lstStyle/>
+              <a:p>
+                <a:pPr/>
+                <a14:m>
+                  <m:oMathPara xmlns:m="http://schemas.openxmlformats.org/officeDocument/2006/math">
+                    <m:oMathParaPr>
+                      <m:jc m:val="centerGroup"/>
+                    </m:oMathParaPr>
+                    <m:oMath xmlns:m="http://schemas.openxmlformats.org/officeDocument/2006/math">
+                      <m:r>
+                        <m:rPr>
+                          <m:sty m:val="p"/>
+                        </m:rPr>
+                        <a:rPr kumimoji="1" lang="en-US" altLang="ja-JP" sz="3200" b="0" i="0" smtClean="0">
+                          <a:latin typeface="Cambria Math" panose="02040503050406030204" pitchFamily="18" charset="0"/>
+                        </a:rPr>
+                        <m:t>V</m:t>
+                      </m:r>
+                    </m:oMath>
+                  </m:oMathPara>
+                </a14:m>
+                <a:endParaRPr kumimoji="1" lang="ja-JP" altLang="en-US" sz="3200" dirty="0"/>
+              </a:p>
+            </p:txBody>
+          </p:sp>
+        </mc:Choice>
+        <mc:Fallback xmlns="">
+          <p:sp>
+            <p:nvSpPr>
+              <p:cNvPr id="44" name="テキスト ボックス 43">
+                <a:extLst>
+                  <a:ext uri="{FF2B5EF4-FFF2-40B4-BE49-F238E27FC236}">
+                    <a16:creationId xmlns:a16="http://schemas.microsoft.com/office/drawing/2014/main" id="{91C78D81-3FF6-4E2C-A596-46AE99F82057}"/>
+                  </a:ext>
+                </a:extLst>
+              </p:cNvPr>
+              <p:cNvSpPr txBox="1">
+                <a:spLocks noRot="1" noChangeAspect="1" noMove="1" noResize="1" noEditPoints="1" noAdjustHandles="1" noChangeArrowheads="1" noChangeShapeType="1" noTextEdit="1"/>
+              </p:cNvSpPr>
+              <p:nvPr/>
+            </p:nvSpPr>
+            <p:spPr>
+              <a:xfrm>
+                <a:off x="1143569" y="2564352"/>
+                <a:ext cx="365485" cy="492443"/>
+              </a:xfrm>
+              <a:prstGeom prst="rect">
+                <a:avLst/>
+              </a:prstGeom>
+              <a:blipFill>
+                <a:blip r:embed="rId4"/>
+                <a:stretch>
+                  <a:fillRect/>
+                </a:stretch>
+              </a:blipFill>
+            </p:spPr>
+            <p:txBody>
+              <a:bodyPr/>
+              <a:lstStyle/>
+              <a:p>
+                <a:r>
+                  <a:rPr lang="ja-JP" altLang="en-US">
+                    <a:noFill/>
+                  </a:rPr>
+                  <a:t> </a:t>
+                </a:r>
+              </a:p>
+            </p:txBody>
+          </p:sp>
+        </mc:Fallback>
+      </mc:AlternateContent>
+      <mc:AlternateContent xmlns:mc="http://schemas.openxmlformats.org/markup-compatibility/2006" xmlns:a14="http://schemas.microsoft.com/office/drawing/2010/main">
+        <mc:Choice Requires="a14">
+          <p:sp>
+            <p:nvSpPr>
+              <p:cNvPr id="29" name="テキスト ボックス 28">
+                <a:extLst>
+                  <a:ext uri="{FF2B5EF4-FFF2-40B4-BE49-F238E27FC236}">
+                    <a16:creationId xmlns:a16="http://schemas.microsoft.com/office/drawing/2014/main" id="{C7B17563-559E-41B1-8314-2806B98C5EB0}"/>
+                  </a:ext>
+                </a:extLst>
+              </p:cNvPr>
+              <p:cNvSpPr txBox="1"/>
+              <p:nvPr/>
+            </p:nvSpPr>
+            <p:spPr>
+              <a:xfrm>
+                <a:off x="6531253" y="3478334"/>
+                <a:ext cx="383117" cy="492443"/>
+              </a:xfrm>
+              <a:prstGeom prst="rect">
+                <a:avLst/>
+              </a:prstGeom>
+              <a:noFill/>
+            </p:spPr>
+            <p:txBody>
+              <a:bodyPr wrap="none" lIns="0" tIns="0" rIns="0" bIns="0" rtlCol="0">
+                <a:spAutoFit/>
+              </a:bodyPr>
+              <a:lstStyle/>
+              <a:p>
+                <a:pPr/>
+                <a14:m>
+                  <m:oMathPara xmlns:m="http://schemas.openxmlformats.org/officeDocument/2006/math">
+                    <m:oMathParaPr>
+                      <m:jc m:val="centerGroup"/>
+                    </m:oMathParaPr>
+                    <m:oMath xmlns:m="http://schemas.openxmlformats.org/officeDocument/2006/math">
+                      <m:r>
+                        <m:rPr>
+                          <m:sty m:val="p"/>
+                        </m:rPr>
+                        <a:rPr kumimoji="1" lang="en-US" altLang="ja-JP" sz="3200" b="0" i="0" smtClean="0">
+                          <a:latin typeface="Cambria Math" panose="02040503050406030204" pitchFamily="18" charset="0"/>
+                        </a:rPr>
+                        <m:t>U</m:t>
+                      </m:r>
+                    </m:oMath>
+                  </m:oMathPara>
+                </a14:m>
+                <a:endParaRPr kumimoji="1" lang="ja-JP" altLang="en-US" sz="3200" dirty="0"/>
+              </a:p>
+            </p:txBody>
+          </p:sp>
+        </mc:Choice>
+        <mc:Fallback xmlns="">
+          <p:sp>
+            <p:nvSpPr>
+              <p:cNvPr id="29" name="テキスト ボックス 28">
+                <a:extLst>
+                  <a:ext uri="{FF2B5EF4-FFF2-40B4-BE49-F238E27FC236}">
+                    <a16:creationId xmlns:a16="http://schemas.microsoft.com/office/drawing/2014/main" id="{C7B17563-559E-41B1-8314-2806B98C5EB0}"/>
+                  </a:ext>
+                </a:extLst>
+              </p:cNvPr>
+              <p:cNvSpPr txBox="1">
+                <a:spLocks noRot="1" noChangeAspect="1" noMove="1" noResize="1" noEditPoints="1" noAdjustHandles="1" noChangeArrowheads="1" noChangeShapeType="1" noTextEdit="1"/>
+              </p:cNvSpPr>
+              <p:nvPr/>
+            </p:nvSpPr>
+            <p:spPr>
+              <a:xfrm>
+                <a:off x="6531253" y="3478334"/>
+                <a:ext cx="383117" cy="492443"/>
+              </a:xfrm>
+              <a:prstGeom prst="rect">
+                <a:avLst/>
+              </a:prstGeom>
+              <a:blipFill>
+                <a:blip r:embed="rId5"/>
+                <a:stretch>
+                  <a:fillRect/>
+                </a:stretch>
+              </a:blipFill>
+            </p:spPr>
+            <p:txBody>
+              <a:bodyPr/>
+              <a:lstStyle/>
+              <a:p>
+                <a:r>
+                  <a:rPr lang="ja-JP" altLang="en-US">
+                    <a:noFill/>
+                  </a:rPr>
+                  <a:t> </a:t>
+                </a:r>
+              </a:p>
+            </p:txBody>
+          </p:sp>
+        </mc:Fallback>
+      </mc:AlternateContent>
+      <p:sp>
+        <p:nvSpPr>
+          <p:cNvPr id="8" name="円弧 7">
+            <a:extLst>
+              <a:ext uri="{FF2B5EF4-FFF2-40B4-BE49-F238E27FC236}">
+                <a16:creationId xmlns:a16="http://schemas.microsoft.com/office/drawing/2014/main" id="{698AD121-DDCE-44BC-9B69-48C42D5A58EC}"/>
+              </a:ext>
+            </a:extLst>
+          </p:cNvPr>
+          <p:cNvSpPr/>
+          <p:nvPr/>
+        </p:nvSpPr>
+        <p:spPr>
+          <a:xfrm>
+            <a:off x="1627680" y="4166386"/>
+            <a:ext cx="2832612" cy="2832612"/>
+          </a:xfrm>
+          <a:prstGeom prst="arc">
+            <a:avLst>
+              <a:gd name="adj1" fmla="val 19690435"/>
+              <a:gd name="adj2" fmla="val 0"/>
+            </a:avLst>
+          </a:prstGeom>
+          <a:ln w="57150">
+            <a:headEnd type="stealth"/>
+          </a:ln>
+        </p:spPr>
+        <p:style>
+          <a:lnRef idx="1">
+            <a:schemeClr val="dk1"/>
+          </a:lnRef>
+          <a:fillRef idx="0">
+            <a:schemeClr val="dk1"/>
+          </a:fillRef>
+          <a:effectRef idx="0">
+            <a:schemeClr val="dk1"/>
+          </a:effectRef>
+          <a:fontRef idx="minor">
+            <a:schemeClr val="tx1"/>
+          </a:fontRef>
+        </p:style>
+        <p:txBody>
+          <a:bodyPr rtlCol="0" anchor="ctr"/>
+          <a:lstStyle/>
+          <a:p>
+            <a:pPr algn="ctr"/>
+            <a:endParaRPr kumimoji="1" lang="ja-JP" altLang="en-US"/>
+          </a:p>
+        </p:txBody>
+      </p:sp>
+      <p:sp>
+        <p:nvSpPr>
+          <p:cNvPr id="36" name="楕円 35">
+            <a:extLst>
+              <a:ext uri="{FF2B5EF4-FFF2-40B4-BE49-F238E27FC236}">
+                <a16:creationId xmlns:a16="http://schemas.microsoft.com/office/drawing/2014/main" id="{591A16C3-F041-4729-9A14-9257D1B0FAFB}"/>
+              </a:ext>
+            </a:extLst>
+          </p:cNvPr>
+          <p:cNvSpPr/>
+          <p:nvPr/>
+        </p:nvSpPr>
+        <p:spPr>
+          <a:xfrm>
+            <a:off x="5682331" y="3571041"/>
+            <a:ext cx="152400" cy="152400"/>
+          </a:xfrm>
+          <a:prstGeom prst="ellipse">
+            <a:avLst/>
+          </a:prstGeom>
+          <a:solidFill>
+            <a:schemeClr val="accent2">
+              <a:lumMod val="75000"/>
+            </a:schemeClr>
+          </a:solidFill>
+          <a:ln>
+            <a:noFill/>
+          </a:ln>
+        </p:spPr>
+        <p:style>
+          <a:lnRef idx="2">
+            <a:schemeClr val="accent1">
+              <a:shade val="50000"/>
+            </a:schemeClr>
+          </a:lnRef>
+          <a:fillRef idx="1">
+            <a:schemeClr val="accent1"/>
+          </a:fillRef>
+          <a:effectRef idx="0">
+            <a:schemeClr val="accent1"/>
+          </a:effectRef>
+          <a:fontRef idx="minor">
+            <a:schemeClr val="lt1"/>
+          </a:fontRef>
+        </p:style>
+        <p:txBody>
+          <a:bodyPr rtlCol="0" anchor="ctr"/>
+          <a:lstStyle/>
+          <a:p>
+            <a:pPr algn="ctr"/>
+            <a:endParaRPr kumimoji="1" lang="ja-JP" altLang="en-US"/>
+          </a:p>
+        </p:txBody>
+      </p:sp>
+      <mc:AlternateContent xmlns:mc="http://schemas.openxmlformats.org/markup-compatibility/2006">
+        <mc:Choice xmlns:a14="http://schemas.microsoft.com/office/drawing/2010/main" Requires="a14">
+          <p:sp>
+            <p:nvSpPr>
+              <p:cNvPr id="38" name="テキスト ボックス 37">
+                <a:extLst>
+                  <a:ext uri="{FF2B5EF4-FFF2-40B4-BE49-F238E27FC236}">
+                    <a16:creationId xmlns:a16="http://schemas.microsoft.com/office/drawing/2014/main" id="{B814AF38-44C0-45CD-BE2C-56DF8E614D1F}"/>
+                  </a:ext>
+                </a:extLst>
+              </p:cNvPr>
+              <p:cNvSpPr txBox="1"/>
+              <p:nvPr/>
+            </p:nvSpPr>
+            <p:spPr>
+              <a:xfrm>
+                <a:off x="5771853" y="3085210"/>
+                <a:ext cx="368182" cy="492443"/>
+              </a:xfrm>
+              <a:prstGeom prst="rect">
+                <a:avLst/>
+              </a:prstGeom>
+              <a:noFill/>
+            </p:spPr>
+            <p:txBody>
+              <a:bodyPr wrap="square" lIns="0" tIns="0" rIns="0" bIns="0" rtlCol="0">
+                <a:spAutoFit/>
+              </a:bodyPr>
+              <a:lstStyle/>
+              <a:p>
+                <a:pPr/>
+                <a14:m>
+                  <m:oMathPara xmlns:m="http://schemas.openxmlformats.org/officeDocument/2006/math">
+                    <m:oMathParaPr>
+                      <m:jc m:val="centerGroup"/>
+                    </m:oMathParaPr>
+                    <m:oMath xmlns:m="http://schemas.openxmlformats.org/officeDocument/2006/math">
+                      <m:r>
+                        <a:rPr kumimoji="1" lang="en-US" altLang="ja-JP" sz="3200" b="0" i="1" smtClean="0">
+                          <a:latin typeface="Cambria Math" panose="02040503050406030204" pitchFamily="18" charset="0"/>
+                        </a:rPr>
+                        <m:t>𝑝</m:t>
+                      </m:r>
+                    </m:oMath>
+                  </m:oMathPara>
+                </a14:m>
+                <a:endParaRPr kumimoji="1" lang="ja-JP" altLang="en-US" sz="3200" dirty="0"/>
+              </a:p>
+            </p:txBody>
+          </p:sp>
+        </mc:Choice>
+        <mc:Fallback>
+          <p:sp>
+            <p:nvSpPr>
+              <p:cNvPr id="38" name="テキスト ボックス 37">
+                <a:extLst>
+                  <a:ext uri="{FF2B5EF4-FFF2-40B4-BE49-F238E27FC236}">
+                    <a16:creationId xmlns:a16="http://schemas.microsoft.com/office/drawing/2014/main" id="{B814AF38-44C0-45CD-BE2C-56DF8E614D1F}"/>
+                  </a:ext>
+                </a:extLst>
+              </p:cNvPr>
+              <p:cNvSpPr txBox="1">
+                <a:spLocks noRot="1" noChangeAspect="1" noMove="1" noResize="1" noEditPoints="1" noAdjustHandles="1" noChangeArrowheads="1" noChangeShapeType="1" noTextEdit="1"/>
+              </p:cNvSpPr>
+              <p:nvPr/>
+            </p:nvSpPr>
+            <p:spPr>
+              <a:xfrm>
+                <a:off x="5771853" y="3085210"/>
+                <a:ext cx="368182" cy="492443"/>
+              </a:xfrm>
+              <a:prstGeom prst="rect">
+                <a:avLst/>
+              </a:prstGeom>
+              <a:blipFill>
+                <a:blip r:embed="rId6"/>
+                <a:stretch>
+                  <a:fillRect/>
+                </a:stretch>
+              </a:blipFill>
+            </p:spPr>
+            <p:txBody>
+              <a:bodyPr/>
+              <a:lstStyle/>
+              <a:p>
+                <a:r>
+                  <a:rPr lang="ja-JP" altLang="en-US">
+                    <a:noFill/>
+                  </a:rPr>
+                  <a:t> </a:t>
+                </a:r>
+              </a:p>
+            </p:txBody>
+          </p:sp>
+        </mc:Fallback>
+      </mc:AlternateContent>
+      <mc:AlternateContent xmlns:mc="http://schemas.openxmlformats.org/markup-compatibility/2006">
+        <mc:Choice xmlns:a14="http://schemas.microsoft.com/office/drawing/2010/main" Requires="a14">
+          <p:sp>
+            <p:nvSpPr>
+              <p:cNvPr id="54" name="テキスト ボックス 53">
+                <a:extLst>
+                  <a:ext uri="{FF2B5EF4-FFF2-40B4-BE49-F238E27FC236}">
+                    <a16:creationId xmlns:a16="http://schemas.microsoft.com/office/drawing/2014/main" id="{CC22A296-B010-4193-B5DF-02AE0A3C0197}"/>
+                  </a:ext>
+                </a:extLst>
+              </p:cNvPr>
+              <p:cNvSpPr txBox="1"/>
+              <p:nvPr/>
+            </p:nvSpPr>
+            <p:spPr>
+              <a:xfrm>
+                <a:off x="3566535" y="4927671"/>
+                <a:ext cx="381515" cy="492443"/>
+              </a:xfrm>
+              <a:prstGeom prst="rect">
+                <a:avLst/>
+              </a:prstGeom>
+              <a:noFill/>
+            </p:spPr>
+            <p:txBody>
+              <a:bodyPr wrap="none" lIns="0" tIns="0" rIns="0" bIns="0" rtlCol="0">
+                <a:spAutoFit/>
+              </a:bodyPr>
+              <a:lstStyle/>
+              <a:p>
+                <a:pPr/>
+                <a14:m>
+                  <m:oMathPara xmlns:m="http://schemas.openxmlformats.org/officeDocument/2006/math">
+                    <m:oMathParaPr>
+                      <m:jc m:val="centerGroup"/>
+                    </m:oMathParaPr>
+                    <m:oMath xmlns:m="http://schemas.openxmlformats.org/officeDocument/2006/math">
+                      <m:r>
+                        <a:rPr kumimoji="1" lang="en-US" altLang="ja-JP" sz="3200" b="1" i="1" smtClean="0">
+                          <a:latin typeface="Cambria Math" panose="02040503050406030204" pitchFamily="18" charset="0"/>
+                        </a:rPr>
+                        <m:t>𝒖</m:t>
+                      </m:r>
+                    </m:oMath>
+                  </m:oMathPara>
+                </a14:m>
+                <a:endParaRPr kumimoji="1" lang="ja-JP" altLang="en-US" sz="3200" b="1" i="1" dirty="0"/>
+              </a:p>
+            </p:txBody>
+          </p:sp>
+        </mc:Choice>
+        <mc:Fallback>
+          <p:sp>
+            <p:nvSpPr>
+              <p:cNvPr id="54" name="テキスト ボックス 53">
+                <a:extLst>
+                  <a:ext uri="{FF2B5EF4-FFF2-40B4-BE49-F238E27FC236}">
+                    <a16:creationId xmlns:a16="http://schemas.microsoft.com/office/drawing/2014/main" id="{CC22A296-B010-4193-B5DF-02AE0A3C0197}"/>
+                  </a:ext>
+                </a:extLst>
+              </p:cNvPr>
+              <p:cNvSpPr txBox="1">
+                <a:spLocks noRot="1" noChangeAspect="1" noMove="1" noResize="1" noEditPoints="1" noAdjustHandles="1" noChangeArrowheads="1" noChangeShapeType="1" noTextEdit="1"/>
+              </p:cNvSpPr>
+              <p:nvPr/>
+            </p:nvSpPr>
+            <p:spPr>
+              <a:xfrm>
+                <a:off x="3566535" y="4927671"/>
+                <a:ext cx="381515" cy="492443"/>
+              </a:xfrm>
+              <a:prstGeom prst="rect">
+                <a:avLst/>
+              </a:prstGeom>
+              <a:blipFill>
+                <a:blip r:embed="rId7"/>
+                <a:stretch>
+                  <a:fillRect/>
+                </a:stretch>
+              </a:blipFill>
+            </p:spPr>
+            <p:txBody>
+              <a:bodyPr/>
+              <a:lstStyle/>
+              <a:p>
+                <a:r>
+                  <a:rPr lang="ja-JP" altLang="en-US">
+                    <a:noFill/>
+                  </a:rPr>
+                  <a:t> </a:t>
+                </a:r>
+              </a:p>
+            </p:txBody>
+          </p:sp>
+        </mc:Fallback>
+      </mc:AlternateContent>
+      <mc:AlternateContent xmlns:mc="http://schemas.openxmlformats.org/markup-compatibility/2006">
+        <mc:Choice xmlns:a14="http://schemas.microsoft.com/office/drawing/2010/main" Requires="a14">
+          <p:sp>
+            <p:nvSpPr>
+              <p:cNvPr id="55" name="テキスト ボックス 54">
+                <a:extLst>
+                  <a:ext uri="{FF2B5EF4-FFF2-40B4-BE49-F238E27FC236}">
+                    <a16:creationId xmlns:a16="http://schemas.microsoft.com/office/drawing/2014/main" id="{199ABB50-7425-4E83-8B65-C6FE48881C4F}"/>
+                  </a:ext>
+                </a:extLst>
+              </p:cNvPr>
+              <p:cNvSpPr txBox="1"/>
+              <p:nvPr/>
+            </p:nvSpPr>
+            <p:spPr>
+              <a:xfrm>
+                <a:off x="1678233" y="4380734"/>
+                <a:ext cx="330772" cy="492443"/>
+              </a:xfrm>
+              <a:prstGeom prst="rect">
+                <a:avLst/>
+              </a:prstGeom>
+              <a:noFill/>
+            </p:spPr>
+            <p:txBody>
+              <a:bodyPr wrap="square" lIns="0" tIns="0" rIns="0" bIns="0" rtlCol="0">
+                <a:spAutoFit/>
+              </a:bodyPr>
+              <a:lstStyle/>
+              <a:p>
+                <a:pPr/>
+                <a14:m>
+                  <m:oMathPara xmlns:m="http://schemas.openxmlformats.org/officeDocument/2006/math">
+                    <m:oMathParaPr>
+                      <m:jc m:val="centerGroup"/>
+                    </m:oMathParaPr>
+                    <m:oMath xmlns:m="http://schemas.openxmlformats.org/officeDocument/2006/math">
+                      <m:r>
+                        <a:rPr kumimoji="1" lang="en-US" altLang="ja-JP" sz="3200" b="1" i="1" smtClean="0">
+                          <a:latin typeface="Cambria Math" panose="02040503050406030204" pitchFamily="18" charset="0"/>
+                        </a:rPr>
+                        <m:t>𝒗</m:t>
+                      </m:r>
+                    </m:oMath>
+                  </m:oMathPara>
+                </a14:m>
+                <a:endParaRPr kumimoji="1" lang="ja-JP" altLang="en-US" sz="3200" b="1" i="1" dirty="0"/>
+              </a:p>
+            </p:txBody>
+          </p:sp>
+        </mc:Choice>
+        <mc:Fallback>
+          <p:sp>
+            <p:nvSpPr>
+              <p:cNvPr id="55" name="テキスト ボックス 54">
+                <a:extLst>
+                  <a:ext uri="{FF2B5EF4-FFF2-40B4-BE49-F238E27FC236}">
+                    <a16:creationId xmlns:a16="http://schemas.microsoft.com/office/drawing/2014/main" id="{199ABB50-7425-4E83-8B65-C6FE48881C4F}"/>
+                  </a:ext>
+                </a:extLst>
+              </p:cNvPr>
+              <p:cNvSpPr txBox="1">
+                <a:spLocks noRot="1" noChangeAspect="1" noMove="1" noResize="1" noEditPoints="1" noAdjustHandles="1" noChangeArrowheads="1" noChangeShapeType="1" noTextEdit="1"/>
+              </p:cNvSpPr>
+              <p:nvPr/>
+            </p:nvSpPr>
+            <p:spPr>
+              <a:xfrm>
+                <a:off x="1678233" y="4380734"/>
+                <a:ext cx="330772" cy="492443"/>
+              </a:xfrm>
+              <a:prstGeom prst="rect">
+                <a:avLst/>
+              </a:prstGeom>
+              <a:blipFill>
+                <a:blip r:embed="rId8"/>
+                <a:stretch>
+                  <a:fillRect/>
+                </a:stretch>
+              </a:blipFill>
+            </p:spPr>
+            <p:txBody>
+              <a:bodyPr/>
+              <a:lstStyle/>
+              <a:p>
+                <a:r>
+                  <a:rPr lang="ja-JP" altLang="en-US">
+                    <a:noFill/>
+                  </a:rPr>
+                  <a:t> </a:t>
+                </a:r>
+              </a:p>
+            </p:txBody>
+          </p:sp>
+        </mc:Fallback>
+      </mc:AlternateContent>
+      <mc:AlternateContent xmlns:mc="http://schemas.openxmlformats.org/markup-compatibility/2006">
+        <mc:Choice xmlns:a14="http://schemas.microsoft.com/office/drawing/2010/main" Requires="a14">
+          <p:sp>
+            <p:nvSpPr>
+              <p:cNvPr id="56" name="テキスト ボックス 55">
+                <a:extLst>
+                  <a:ext uri="{FF2B5EF4-FFF2-40B4-BE49-F238E27FC236}">
+                    <a16:creationId xmlns:a16="http://schemas.microsoft.com/office/drawing/2014/main" id="{F4AC760A-4386-4E86-898B-FDCB1A862587}"/>
+                  </a:ext>
+                </a:extLst>
+              </p:cNvPr>
+              <p:cNvSpPr txBox="1"/>
+              <p:nvPr/>
+            </p:nvSpPr>
+            <p:spPr>
+              <a:xfrm>
+                <a:off x="2146637" y="3990562"/>
+                <a:ext cx="362279" cy="492443"/>
+              </a:xfrm>
+              <a:prstGeom prst="rect">
+                <a:avLst/>
+              </a:prstGeom>
+              <a:noFill/>
+            </p:spPr>
+            <p:txBody>
+              <a:bodyPr wrap="none" lIns="0" tIns="0" rIns="0" bIns="0" rtlCol="0">
+                <a:spAutoFit/>
+              </a:bodyPr>
+              <a:lstStyle/>
+              <a:p>
+                <a:pPr/>
+                <a14:m>
+                  <m:oMathPara xmlns:m="http://schemas.openxmlformats.org/officeDocument/2006/math">
+                    <m:oMathParaPr>
+                      <m:jc m:val="centerGroup"/>
+                    </m:oMathParaPr>
+                    <m:oMath xmlns:m="http://schemas.openxmlformats.org/officeDocument/2006/math">
+                      <m:r>
+                        <a:rPr kumimoji="1" lang="en-US" altLang="ja-JP" sz="3200" b="1" i="1" smtClean="0">
+                          <a:latin typeface="Cambria Math" panose="02040503050406030204" pitchFamily="18" charset="0"/>
+                        </a:rPr>
+                        <m:t>𝒚</m:t>
+                      </m:r>
+                    </m:oMath>
+                  </m:oMathPara>
+                </a14:m>
+                <a:endParaRPr kumimoji="1" lang="ja-JP" altLang="en-US" sz="3200" b="1" i="1" dirty="0"/>
+              </a:p>
+            </p:txBody>
+          </p:sp>
+        </mc:Choice>
+        <mc:Fallback>
+          <p:sp>
+            <p:nvSpPr>
+              <p:cNvPr id="56" name="テキスト ボックス 55">
+                <a:extLst>
+                  <a:ext uri="{FF2B5EF4-FFF2-40B4-BE49-F238E27FC236}">
+                    <a16:creationId xmlns:a16="http://schemas.microsoft.com/office/drawing/2014/main" id="{F4AC760A-4386-4E86-898B-FDCB1A862587}"/>
+                  </a:ext>
+                </a:extLst>
+              </p:cNvPr>
+              <p:cNvSpPr txBox="1">
+                <a:spLocks noRot="1" noChangeAspect="1" noMove="1" noResize="1" noEditPoints="1" noAdjustHandles="1" noChangeArrowheads="1" noChangeShapeType="1" noTextEdit="1"/>
+              </p:cNvSpPr>
+              <p:nvPr/>
+            </p:nvSpPr>
+            <p:spPr>
+              <a:xfrm>
+                <a:off x="2146637" y="3990562"/>
+                <a:ext cx="362279" cy="492443"/>
+              </a:xfrm>
+              <a:prstGeom prst="rect">
+                <a:avLst/>
+              </a:prstGeom>
+              <a:blipFill>
+                <a:blip r:embed="rId9"/>
+                <a:stretch>
+                  <a:fillRect/>
+                </a:stretch>
+              </a:blipFill>
+            </p:spPr>
+            <p:txBody>
+              <a:bodyPr/>
+              <a:lstStyle/>
+              <a:p>
+                <a:r>
+                  <a:rPr lang="ja-JP" altLang="en-US">
+                    <a:noFill/>
+                  </a:rPr>
+                  <a:t> </a:t>
+                </a:r>
+              </a:p>
+            </p:txBody>
+          </p:sp>
+        </mc:Fallback>
+      </mc:AlternateContent>
+      <mc:AlternateContent xmlns:mc="http://schemas.openxmlformats.org/markup-compatibility/2006">
+        <mc:Choice xmlns:a14="http://schemas.microsoft.com/office/drawing/2010/main" Requires="a14">
+          <p:sp>
+            <p:nvSpPr>
+              <p:cNvPr id="57" name="テキスト ボックス 56">
+                <a:extLst>
+                  <a:ext uri="{FF2B5EF4-FFF2-40B4-BE49-F238E27FC236}">
+                    <a16:creationId xmlns:a16="http://schemas.microsoft.com/office/drawing/2014/main" id="{0EA06B71-279F-4EAF-B112-740266D3C616}"/>
+                  </a:ext>
+                </a:extLst>
+              </p:cNvPr>
+              <p:cNvSpPr txBox="1"/>
+              <p:nvPr/>
+            </p:nvSpPr>
+            <p:spPr>
+              <a:xfrm>
+                <a:off x="3551359" y="5614196"/>
+                <a:ext cx="354264" cy="492443"/>
+              </a:xfrm>
+              <a:prstGeom prst="rect">
+                <a:avLst/>
+              </a:prstGeom>
+              <a:noFill/>
+            </p:spPr>
+            <p:txBody>
+              <a:bodyPr wrap="none" lIns="0" tIns="0" rIns="0" bIns="0" rtlCol="0">
+                <a:spAutoFit/>
+              </a:bodyPr>
+              <a:lstStyle/>
+              <a:p>
+                <a:pPr/>
+                <a14:m>
+                  <m:oMathPara xmlns:m="http://schemas.openxmlformats.org/officeDocument/2006/math">
+                    <m:oMathParaPr>
+                      <m:jc m:val="centerGroup"/>
+                    </m:oMathParaPr>
+                    <m:oMath xmlns:m="http://schemas.openxmlformats.org/officeDocument/2006/math">
+                      <m:r>
+                        <a:rPr kumimoji="1" lang="en-US" altLang="ja-JP" sz="3200" b="1" i="1" smtClean="0">
+                          <a:latin typeface="Cambria Math" panose="02040503050406030204" pitchFamily="18" charset="0"/>
+                        </a:rPr>
+                        <m:t>𝒙</m:t>
+                      </m:r>
+                    </m:oMath>
+                  </m:oMathPara>
+                </a14:m>
+                <a:endParaRPr kumimoji="1" lang="ja-JP" altLang="en-US" sz="3200" b="1" i="1" dirty="0"/>
+              </a:p>
+            </p:txBody>
+          </p:sp>
+        </mc:Choice>
+        <mc:Fallback>
+          <p:sp>
+            <p:nvSpPr>
+              <p:cNvPr id="57" name="テキスト ボックス 56">
+                <a:extLst>
+                  <a:ext uri="{FF2B5EF4-FFF2-40B4-BE49-F238E27FC236}">
+                    <a16:creationId xmlns:a16="http://schemas.microsoft.com/office/drawing/2014/main" id="{0EA06B71-279F-4EAF-B112-740266D3C616}"/>
+                  </a:ext>
+                </a:extLst>
+              </p:cNvPr>
+              <p:cNvSpPr txBox="1">
+                <a:spLocks noRot="1" noChangeAspect="1" noMove="1" noResize="1" noEditPoints="1" noAdjustHandles="1" noChangeArrowheads="1" noChangeShapeType="1" noTextEdit="1"/>
+              </p:cNvSpPr>
+              <p:nvPr/>
+            </p:nvSpPr>
+            <p:spPr>
+              <a:xfrm>
+                <a:off x="3551359" y="5614196"/>
+                <a:ext cx="354264" cy="492443"/>
+              </a:xfrm>
+              <a:prstGeom prst="rect">
+                <a:avLst/>
+              </a:prstGeom>
+              <a:blipFill>
+                <a:blip r:embed="rId10"/>
+                <a:stretch>
+                  <a:fillRect/>
+                </a:stretch>
+              </a:blipFill>
+            </p:spPr>
+            <p:txBody>
+              <a:bodyPr/>
+              <a:lstStyle/>
+              <a:p>
+                <a:r>
+                  <a:rPr lang="ja-JP" altLang="en-US">
+                    <a:noFill/>
+                  </a:rPr>
+                  <a:t> </a:t>
+                </a:r>
+              </a:p>
+            </p:txBody>
+          </p:sp>
+        </mc:Fallback>
+      </mc:AlternateContent>
+      <mc:AlternateContent xmlns:mc="http://schemas.openxmlformats.org/markup-compatibility/2006" xmlns:a14="http://schemas.microsoft.com/office/drawing/2010/main">
+        <mc:Choice Requires="a14">
+          <p:sp>
+            <p:nvSpPr>
+              <p:cNvPr id="15" name="テキスト ボックス 14">
+                <a:extLst>
+                  <a:ext uri="{FF2B5EF4-FFF2-40B4-BE49-F238E27FC236}">
+                    <a16:creationId xmlns:a16="http://schemas.microsoft.com/office/drawing/2014/main" id="{B90D7B6E-F463-4708-BE56-7D9490B1768A}"/>
+                  </a:ext>
+                </a:extLst>
+              </p:cNvPr>
+              <p:cNvSpPr txBox="1"/>
+              <p:nvPr/>
+            </p:nvSpPr>
+            <p:spPr>
+              <a:xfrm>
+                <a:off x="4554870" y="4906457"/>
+                <a:ext cx="359906" cy="492443"/>
+              </a:xfrm>
+              <a:prstGeom prst="rect">
+                <a:avLst/>
+              </a:prstGeom>
+              <a:noFill/>
+            </p:spPr>
+            <p:txBody>
+              <a:bodyPr wrap="none" lIns="0" tIns="0" rIns="0" bIns="0" rtlCol="0">
+                <a:spAutoFit/>
+              </a:bodyPr>
+              <a:lstStyle/>
+              <a:p>
+                <a:pPr/>
+                <a14:m>
+                  <m:oMathPara xmlns:m="http://schemas.openxmlformats.org/officeDocument/2006/math">
+                    <m:oMathParaPr>
+                      <m:jc m:val="centerGroup"/>
+                    </m:oMathParaPr>
+                    <m:oMath xmlns:m="http://schemas.openxmlformats.org/officeDocument/2006/math">
+                      <m:r>
+                        <a:rPr kumimoji="1" lang="ja-JP" altLang="en-US" sz="3200" i="1" smtClean="0">
+                          <a:latin typeface="Cambria Math" panose="02040503050406030204" pitchFamily="18" charset="0"/>
+                        </a:rPr>
+                        <m:t>𝜃</m:t>
+                      </m:r>
+                    </m:oMath>
+                  </m:oMathPara>
+                </a14:m>
+                <a:endParaRPr kumimoji="1" lang="ja-JP" altLang="en-US" sz="3200" dirty="0"/>
+              </a:p>
+            </p:txBody>
+          </p:sp>
+        </mc:Choice>
+        <mc:Fallback xmlns="">
+          <p:sp>
+            <p:nvSpPr>
+              <p:cNvPr id="15" name="テキスト ボックス 14">
+                <a:extLst>
+                  <a:ext uri="{FF2B5EF4-FFF2-40B4-BE49-F238E27FC236}">
+                    <a16:creationId xmlns:a16="http://schemas.microsoft.com/office/drawing/2014/main" id="{B90D7B6E-F463-4708-BE56-7D9490B1768A}"/>
+                  </a:ext>
+                </a:extLst>
+              </p:cNvPr>
+              <p:cNvSpPr txBox="1">
+                <a:spLocks noRot="1" noChangeAspect="1" noMove="1" noResize="1" noEditPoints="1" noAdjustHandles="1" noChangeArrowheads="1" noChangeShapeType="1" noTextEdit="1"/>
+              </p:cNvSpPr>
+              <p:nvPr/>
+            </p:nvSpPr>
+            <p:spPr>
+              <a:xfrm>
+                <a:off x="4554870" y="4906457"/>
+                <a:ext cx="359906" cy="492443"/>
+              </a:xfrm>
+              <a:prstGeom prst="rect">
+                <a:avLst/>
+              </a:prstGeom>
+              <a:blipFill>
+                <a:blip r:embed="rId11"/>
+                <a:stretch>
+                  <a:fillRect/>
+                </a:stretch>
+              </a:blipFill>
+            </p:spPr>
+            <p:txBody>
+              <a:bodyPr/>
+              <a:lstStyle/>
+              <a:p>
+                <a:r>
+                  <a:rPr lang="ja-JP" altLang="en-US">
+                    <a:noFill/>
+                  </a:rPr>
+                  <a:t> </a:t>
+                </a:r>
+              </a:p>
+            </p:txBody>
+          </p:sp>
+        </mc:Fallback>
+      </mc:AlternateContent>
+      <mc:AlternateContent xmlns:mc="http://schemas.openxmlformats.org/markup-compatibility/2006">
+        <mc:Choice xmlns:a14="http://schemas.microsoft.com/office/drawing/2010/main" Requires="a14">
+          <p:sp>
+            <p:nvSpPr>
+              <p:cNvPr id="59" name="テキスト ボックス 58">
+                <a:extLst>
+                  <a:ext uri="{FF2B5EF4-FFF2-40B4-BE49-F238E27FC236}">
+                    <a16:creationId xmlns:a16="http://schemas.microsoft.com/office/drawing/2014/main" id="{0028CE91-DF46-43E1-9198-8E8ADB348214}"/>
+                  </a:ext>
+                </a:extLst>
+              </p:cNvPr>
+              <p:cNvSpPr txBox="1"/>
+              <p:nvPr/>
+            </p:nvSpPr>
+            <p:spPr>
+              <a:xfrm>
+                <a:off x="4786688" y="3598290"/>
+                <a:ext cx="371897" cy="492443"/>
+              </a:xfrm>
+              <a:prstGeom prst="rect">
+                <a:avLst/>
+              </a:prstGeom>
+              <a:noFill/>
+            </p:spPr>
+            <p:txBody>
+              <a:bodyPr wrap="none" lIns="0" tIns="0" rIns="0" bIns="0" rtlCol="0">
+                <a:spAutoFit/>
+              </a:bodyPr>
+              <a:lstStyle/>
+              <a:p>
+                <a:pPr/>
+                <a14:m>
+                  <m:oMathPara xmlns:m="http://schemas.openxmlformats.org/officeDocument/2006/math">
+                    <m:oMathParaPr>
+                      <m:jc m:val="centerGroup"/>
+                    </m:oMathParaPr>
+                    <m:oMath xmlns:m="http://schemas.openxmlformats.org/officeDocument/2006/math">
+                      <m:r>
+                        <a:rPr kumimoji="1" lang="en-US" altLang="ja-JP" sz="3200" b="1" i="1" smtClean="0">
+                          <a:latin typeface="Cambria Math" panose="02040503050406030204" pitchFamily="18" charset="0"/>
+                        </a:rPr>
+                        <m:t>𝒑</m:t>
+                      </m:r>
+                    </m:oMath>
+                  </m:oMathPara>
+                </a14:m>
+                <a:endParaRPr kumimoji="1" lang="ja-JP" altLang="en-US" sz="3200" b="1" i="1" dirty="0"/>
+              </a:p>
+            </p:txBody>
+          </p:sp>
+        </mc:Choice>
+        <mc:Fallback>
+          <p:sp>
+            <p:nvSpPr>
+              <p:cNvPr id="59" name="テキスト ボックス 58">
+                <a:extLst>
+                  <a:ext uri="{FF2B5EF4-FFF2-40B4-BE49-F238E27FC236}">
+                    <a16:creationId xmlns:a16="http://schemas.microsoft.com/office/drawing/2014/main" id="{0028CE91-DF46-43E1-9198-8E8ADB348214}"/>
+                  </a:ext>
+                </a:extLst>
+              </p:cNvPr>
+              <p:cNvSpPr txBox="1">
+                <a:spLocks noRot="1" noChangeAspect="1" noMove="1" noResize="1" noEditPoints="1" noAdjustHandles="1" noChangeArrowheads="1" noChangeShapeType="1" noTextEdit="1"/>
+              </p:cNvSpPr>
+              <p:nvPr/>
+            </p:nvSpPr>
+            <p:spPr>
+              <a:xfrm>
+                <a:off x="4786688" y="3598290"/>
+                <a:ext cx="371897" cy="492443"/>
+              </a:xfrm>
+              <a:prstGeom prst="rect">
+                <a:avLst/>
+              </a:prstGeom>
+              <a:blipFill>
+                <a:blip r:embed="rId12"/>
+                <a:stretch>
+                  <a:fillRect/>
+                </a:stretch>
+              </a:blipFill>
+            </p:spPr>
+            <p:txBody>
+              <a:bodyPr/>
+              <a:lstStyle/>
+              <a:p>
+                <a:r>
+                  <a:rPr lang="ja-JP" altLang="en-US">
+                    <a:noFill/>
+                  </a:rPr>
+                  <a:t> </a:t>
+                </a:r>
+              </a:p>
+            </p:txBody>
+          </p:sp>
+        </mc:Fallback>
+      </mc:AlternateContent>
+      <p:cxnSp>
+        <p:nvCxnSpPr>
+          <p:cNvPr id="31" name="直線矢印コネクタ 30">
+            <a:extLst>
+              <a:ext uri="{FF2B5EF4-FFF2-40B4-BE49-F238E27FC236}">
+                <a16:creationId xmlns:a16="http://schemas.microsoft.com/office/drawing/2014/main" id="{7A0FEE4B-3D79-45FC-B04A-2A07099CA9EB}"/>
+              </a:ext>
+            </a:extLst>
+          </p:cNvPr>
+          <p:cNvCxnSpPr>
+            <a:cxnSpLocks/>
+          </p:cNvCxnSpPr>
+          <p:nvPr/>
+        </p:nvCxnSpPr>
+        <p:spPr>
+          <a:xfrm flipV="1">
+            <a:off x="2131280" y="2342088"/>
+            <a:ext cx="3155038" cy="3684563"/>
+          </a:xfrm>
+          <a:prstGeom prst="straightConnector1">
+            <a:avLst/>
+          </a:prstGeom>
+          <a:ln w="38100">
+            <a:tailEnd type="triangle"/>
+          </a:ln>
+        </p:spPr>
+        <p:style>
+          <a:lnRef idx="1">
+            <a:schemeClr val="dk1"/>
+          </a:lnRef>
+          <a:fillRef idx="0">
+            <a:schemeClr val="dk1"/>
+          </a:fillRef>
+          <a:effectRef idx="0">
+            <a:schemeClr val="dk1"/>
+          </a:effectRef>
+          <a:fontRef idx="minor">
+            <a:schemeClr val="tx1"/>
+          </a:fontRef>
+        </p:style>
+      </p:cxnSp>
+      <mc:AlternateContent xmlns:mc="http://schemas.openxmlformats.org/markup-compatibility/2006">
+        <mc:Choice xmlns:a14="http://schemas.microsoft.com/office/drawing/2010/main" Requires="a14">
+          <p:sp>
+            <p:nvSpPr>
+              <p:cNvPr id="35" name="テキスト ボックス 34">
+                <a:extLst>
+                  <a:ext uri="{FF2B5EF4-FFF2-40B4-BE49-F238E27FC236}">
+                    <a16:creationId xmlns:a16="http://schemas.microsoft.com/office/drawing/2014/main" id="{92B2A8E4-3066-4300-AECD-57D6210DAFDA}"/>
+                  </a:ext>
+                </a:extLst>
+              </p:cNvPr>
+              <p:cNvSpPr txBox="1"/>
+              <p:nvPr/>
+            </p:nvSpPr>
+            <p:spPr>
+              <a:xfrm>
+                <a:off x="5069161" y="1933492"/>
+                <a:ext cx="370678" cy="492443"/>
+              </a:xfrm>
+              <a:prstGeom prst="rect">
+                <a:avLst/>
+              </a:prstGeom>
+              <a:noFill/>
+            </p:spPr>
+            <p:txBody>
+              <a:bodyPr wrap="none" lIns="0" tIns="0" rIns="0" bIns="0" rtlCol="0">
+                <a:spAutoFit/>
+              </a:bodyPr>
+              <a:lstStyle/>
+              <a:p>
+                <a:pPr/>
+                <a14:m>
+                  <m:oMathPara xmlns:m="http://schemas.openxmlformats.org/officeDocument/2006/math">
+                    <m:oMathParaPr>
+                      <m:jc m:val="centerGroup"/>
+                    </m:oMathParaPr>
+                    <m:oMath xmlns:m="http://schemas.openxmlformats.org/officeDocument/2006/math">
+                      <m:r>
+                        <a:rPr kumimoji="1" lang="en-US" altLang="ja-JP" sz="3200" b="0" i="1" smtClean="0">
+                          <a:latin typeface="Cambria Math" panose="02040503050406030204" pitchFamily="18" charset="0"/>
+                        </a:rPr>
+                        <m:t>𝑍</m:t>
+                      </m:r>
+                    </m:oMath>
+                  </m:oMathPara>
+                </a14:m>
+                <a:endParaRPr kumimoji="1" lang="ja-JP" altLang="en-US" sz="3200" dirty="0"/>
+              </a:p>
+            </p:txBody>
+          </p:sp>
+        </mc:Choice>
+        <mc:Fallback>
+          <p:sp>
+            <p:nvSpPr>
+              <p:cNvPr id="35" name="テキスト ボックス 34">
+                <a:extLst>
+                  <a:ext uri="{FF2B5EF4-FFF2-40B4-BE49-F238E27FC236}">
+                    <a16:creationId xmlns:a16="http://schemas.microsoft.com/office/drawing/2014/main" id="{92B2A8E4-3066-4300-AECD-57D6210DAFDA}"/>
+                  </a:ext>
+                </a:extLst>
+              </p:cNvPr>
+              <p:cNvSpPr txBox="1">
+                <a:spLocks noRot="1" noChangeAspect="1" noMove="1" noResize="1" noEditPoints="1" noAdjustHandles="1" noChangeArrowheads="1" noChangeShapeType="1" noTextEdit="1"/>
+              </p:cNvSpPr>
+              <p:nvPr/>
+            </p:nvSpPr>
+            <p:spPr>
+              <a:xfrm>
+                <a:off x="5069161" y="1933492"/>
+                <a:ext cx="370678" cy="492443"/>
+              </a:xfrm>
+              <a:prstGeom prst="rect">
+                <a:avLst/>
+              </a:prstGeom>
+              <a:blipFill>
+                <a:blip r:embed="rId13"/>
+                <a:stretch>
+                  <a:fillRect/>
+                </a:stretch>
+              </a:blipFill>
+            </p:spPr>
+            <p:txBody>
+              <a:bodyPr/>
+              <a:lstStyle/>
+              <a:p>
+                <a:r>
+                  <a:rPr lang="ja-JP" altLang="en-US">
+                    <a:noFill/>
+                  </a:rPr>
+                  <a:t> </a:t>
+                </a:r>
+              </a:p>
+            </p:txBody>
+          </p:sp>
+        </mc:Fallback>
+      </mc:AlternateContent>
+      <mc:AlternateContent xmlns:mc="http://schemas.openxmlformats.org/markup-compatibility/2006">
+        <mc:Choice xmlns:a14="http://schemas.microsoft.com/office/drawing/2010/main" Requires="a14">
+          <p:sp>
+            <p:nvSpPr>
+              <p:cNvPr id="43" name="テキスト ボックス 42">
+                <a:extLst>
+                  <a:ext uri="{FF2B5EF4-FFF2-40B4-BE49-F238E27FC236}">
+                    <a16:creationId xmlns:a16="http://schemas.microsoft.com/office/drawing/2014/main" id="{9A96C4D6-943E-47F0-B36E-0ADCA53DBA1A}"/>
+                  </a:ext>
+                </a:extLst>
+              </p:cNvPr>
+              <p:cNvSpPr txBox="1"/>
+              <p:nvPr/>
+            </p:nvSpPr>
+            <p:spPr>
+              <a:xfrm>
+                <a:off x="5244689" y="2173101"/>
+                <a:ext cx="343043" cy="492443"/>
+              </a:xfrm>
+              <a:prstGeom prst="rect">
+                <a:avLst/>
+              </a:prstGeom>
+              <a:noFill/>
+            </p:spPr>
+            <p:txBody>
+              <a:bodyPr wrap="none" lIns="0" tIns="0" rIns="0" bIns="0" rtlCol="0">
+                <a:spAutoFit/>
+              </a:bodyPr>
+              <a:lstStyle/>
+              <a:p>
+                <a:pPr/>
+                <a14:m>
+                  <m:oMathPara xmlns:m="http://schemas.openxmlformats.org/officeDocument/2006/math">
+                    <m:oMathParaPr>
+                      <m:jc m:val="centerGroup"/>
+                    </m:oMathParaPr>
+                    <m:oMath xmlns:m="http://schemas.openxmlformats.org/officeDocument/2006/math">
+                      <m:r>
+                        <a:rPr kumimoji="1" lang="en-US" altLang="ja-JP" sz="3200" b="0" i="1" smtClean="0">
+                          <a:latin typeface="Cambria Math" panose="02040503050406030204" pitchFamily="18" charset="0"/>
+                        </a:rPr>
+                        <m:t>𝑆</m:t>
+                      </m:r>
+                    </m:oMath>
+                  </m:oMathPara>
+                </a14:m>
+                <a:endParaRPr kumimoji="1" lang="ja-JP" altLang="en-US" sz="3200" dirty="0"/>
+              </a:p>
+            </p:txBody>
+          </p:sp>
+        </mc:Choice>
+        <mc:Fallback>
+          <p:sp>
+            <p:nvSpPr>
+              <p:cNvPr id="43" name="テキスト ボックス 42">
+                <a:extLst>
+                  <a:ext uri="{FF2B5EF4-FFF2-40B4-BE49-F238E27FC236}">
+                    <a16:creationId xmlns:a16="http://schemas.microsoft.com/office/drawing/2014/main" id="{9A96C4D6-943E-47F0-B36E-0ADCA53DBA1A}"/>
+                  </a:ext>
+                </a:extLst>
+              </p:cNvPr>
+              <p:cNvSpPr txBox="1">
+                <a:spLocks noRot="1" noChangeAspect="1" noMove="1" noResize="1" noEditPoints="1" noAdjustHandles="1" noChangeArrowheads="1" noChangeShapeType="1" noTextEdit="1"/>
+              </p:cNvSpPr>
+              <p:nvPr/>
+            </p:nvSpPr>
+            <p:spPr>
+              <a:xfrm>
+                <a:off x="5244689" y="2173101"/>
+                <a:ext cx="343043" cy="492443"/>
+              </a:xfrm>
+              <a:prstGeom prst="rect">
+                <a:avLst/>
+              </a:prstGeom>
+              <a:blipFill>
+                <a:blip r:embed="rId14"/>
+                <a:stretch>
+                  <a:fillRect/>
+                </a:stretch>
+              </a:blipFill>
+            </p:spPr>
+            <p:txBody>
+              <a:bodyPr/>
+              <a:lstStyle/>
+              <a:p>
+                <a:r>
+                  <a:rPr lang="ja-JP" altLang="en-US">
+                    <a:noFill/>
+                  </a:rPr>
+                  <a:t> </a:t>
+                </a:r>
+              </a:p>
+            </p:txBody>
+          </p:sp>
+        </mc:Fallback>
+      </mc:AlternateContent>
+      <p:grpSp>
+        <p:nvGrpSpPr>
+          <p:cNvPr id="12" name="グループ化 11">
+            <a:extLst>
+              <a:ext uri="{FF2B5EF4-FFF2-40B4-BE49-F238E27FC236}">
+                <a16:creationId xmlns:a16="http://schemas.microsoft.com/office/drawing/2014/main" id="{AD0841C6-B31D-4E84-AF00-61AC97871F45}"/>
+              </a:ext>
+            </a:extLst>
+          </p:cNvPr>
+          <p:cNvGrpSpPr/>
+          <p:nvPr/>
+        </p:nvGrpSpPr>
+        <p:grpSpPr>
+          <a:xfrm>
+            <a:off x="2492173" y="4611015"/>
+            <a:ext cx="1233496" cy="983800"/>
+            <a:chOff x="2492173" y="4611015"/>
+            <a:chExt cx="1233496" cy="983800"/>
+          </a:xfrm>
+        </p:grpSpPr>
+        <p:cxnSp>
+          <p:nvCxnSpPr>
+            <p:cNvPr id="41" name="直線矢印コネクタ 40">
+              <a:extLst>
+                <a:ext uri="{FF2B5EF4-FFF2-40B4-BE49-F238E27FC236}">
+                  <a16:creationId xmlns:a16="http://schemas.microsoft.com/office/drawing/2014/main" id="{733D5266-7C03-4703-9000-11F2581A227D}"/>
+                </a:ext>
+              </a:extLst>
+            </p:cNvPr>
+            <p:cNvCxnSpPr>
+              <a:cxnSpLocks/>
+              <a:endCxn id="10" idx="1"/>
+            </p:cNvCxnSpPr>
+            <p:nvPr/>
+          </p:nvCxnSpPr>
+          <p:spPr>
+            <a:xfrm flipV="1">
+              <a:off x="2498151" y="4611015"/>
+              <a:ext cx="2456" cy="983800"/>
+            </a:xfrm>
+            <a:prstGeom prst="straightConnector1">
+              <a:avLst/>
+            </a:prstGeom>
+            <a:ln w="76200">
+              <a:tailEnd type="triangle"/>
+            </a:ln>
+          </p:spPr>
+          <p:style>
+            <a:lnRef idx="1">
+              <a:schemeClr val="dk1"/>
+            </a:lnRef>
+            <a:fillRef idx="0">
+              <a:schemeClr val="dk1"/>
+            </a:fillRef>
+            <a:effectRef idx="0">
+              <a:schemeClr val="dk1"/>
+            </a:effectRef>
+            <a:fontRef idx="minor">
+              <a:schemeClr val="tx1"/>
+            </a:fontRef>
+          </p:style>
+        </p:cxnSp>
+        <p:cxnSp>
+          <p:nvCxnSpPr>
+            <p:cNvPr id="46" name="直線矢印コネクタ 45">
+              <a:extLst>
+                <a:ext uri="{FF2B5EF4-FFF2-40B4-BE49-F238E27FC236}">
+                  <a16:creationId xmlns:a16="http://schemas.microsoft.com/office/drawing/2014/main" id="{85D83B2E-6A8C-4834-90D5-DFE587B9DA1E}"/>
+                </a:ext>
+              </a:extLst>
+            </p:cNvPr>
+            <p:cNvCxnSpPr>
+              <a:cxnSpLocks/>
+            </p:cNvCxnSpPr>
+            <p:nvPr/>
+          </p:nvCxnSpPr>
+          <p:spPr>
+            <a:xfrm rot="5400000" flipV="1">
+              <a:off x="3107693" y="4954014"/>
+              <a:ext cx="2456" cy="1233496"/>
+            </a:xfrm>
+            <a:prstGeom prst="straightConnector1">
+              <a:avLst/>
+            </a:prstGeom>
+            <a:ln w="76200">
+              <a:tailEnd type="triangle"/>
+            </a:ln>
+          </p:spPr>
+          <p:style>
+            <a:lnRef idx="1">
+              <a:schemeClr val="dk1"/>
+            </a:lnRef>
+            <a:fillRef idx="0">
+              <a:schemeClr val="dk1"/>
+            </a:fillRef>
+            <a:effectRef idx="0">
+              <a:schemeClr val="dk1"/>
+            </a:effectRef>
+            <a:fontRef idx="minor">
+              <a:schemeClr val="tx1"/>
+            </a:fontRef>
+          </p:style>
+        </p:cxnSp>
+      </p:grpSp>
+      <p:cxnSp>
+        <p:nvCxnSpPr>
+          <p:cNvPr id="48" name="直線矢印コネクタ 47">
+            <a:extLst>
+              <a:ext uri="{FF2B5EF4-FFF2-40B4-BE49-F238E27FC236}">
+                <a16:creationId xmlns:a16="http://schemas.microsoft.com/office/drawing/2014/main" id="{458522AE-7C6E-4D11-887F-FC356DC3D22E}"/>
+              </a:ext>
+            </a:extLst>
+          </p:cNvPr>
+          <p:cNvCxnSpPr>
+            <a:cxnSpLocks/>
+          </p:cNvCxnSpPr>
+          <p:nvPr/>
+        </p:nvCxnSpPr>
+        <p:spPr>
+          <a:xfrm flipV="1">
+            <a:off x="2524806" y="4721795"/>
+            <a:ext cx="703010" cy="832642"/>
+          </a:xfrm>
+          <a:prstGeom prst="straightConnector1">
+            <a:avLst/>
+          </a:prstGeom>
+          <a:ln w="76200">
+            <a:tailEnd type="triangle"/>
+          </a:ln>
+        </p:spPr>
+        <p:style>
+          <a:lnRef idx="1">
+            <a:schemeClr val="dk1"/>
+          </a:lnRef>
+          <a:fillRef idx="0">
+            <a:schemeClr val="dk1"/>
+          </a:fillRef>
+          <a:effectRef idx="0">
+            <a:schemeClr val="dk1"/>
+          </a:effectRef>
+          <a:fontRef idx="minor">
+            <a:schemeClr val="tx1"/>
+          </a:fontRef>
+        </p:style>
+      </p:cxnSp>
+      <p:grpSp>
+        <p:nvGrpSpPr>
+          <p:cNvPr id="49" name="グループ化 48">
+            <a:extLst>
+              <a:ext uri="{FF2B5EF4-FFF2-40B4-BE49-F238E27FC236}">
+                <a16:creationId xmlns:a16="http://schemas.microsoft.com/office/drawing/2014/main" id="{B729BB2D-0D7B-43B8-912D-CEA297EB731D}"/>
+              </a:ext>
+            </a:extLst>
+          </p:cNvPr>
+          <p:cNvGrpSpPr/>
+          <p:nvPr/>
+        </p:nvGrpSpPr>
+        <p:grpSpPr>
+          <a:xfrm rot="19980834">
+            <a:off x="2203067" y="4156684"/>
+            <a:ext cx="1233496" cy="1233496"/>
+            <a:chOff x="2492173" y="4361318"/>
+            <a:chExt cx="1233496" cy="1233496"/>
+          </a:xfrm>
+        </p:grpSpPr>
+        <p:cxnSp>
+          <p:nvCxnSpPr>
+            <p:cNvPr id="51" name="直線矢印コネクタ 50">
+              <a:extLst>
+                <a:ext uri="{FF2B5EF4-FFF2-40B4-BE49-F238E27FC236}">
+                  <a16:creationId xmlns:a16="http://schemas.microsoft.com/office/drawing/2014/main" id="{09B25C0D-D7C6-4BD6-A6E5-A11F1AACCA02}"/>
+                </a:ext>
+              </a:extLst>
+            </p:cNvPr>
+            <p:cNvCxnSpPr>
+              <a:cxnSpLocks/>
+            </p:cNvCxnSpPr>
+            <p:nvPr/>
+          </p:nvCxnSpPr>
+          <p:spPr>
+            <a:xfrm flipV="1">
+              <a:off x="2498151" y="4361318"/>
+              <a:ext cx="2456" cy="1233496"/>
+            </a:xfrm>
+            <a:prstGeom prst="straightConnector1">
+              <a:avLst/>
+            </a:prstGeom>
+            <a:ln w="76200">
+              <a:tailEnd type="triangle"/>
+            </a:ln>
+          </p:spPr>
+          <p:style>
+            <a:lnRef idx="1">
+              <a:schemeClr val="dk1"/>
+            </a:lnRef>
+            <a:fillRef idx="0">
+              <a:schemeClr val="dk1"/>
+            </a:fillRef>
+            <a:effectRef idx="0">
+              <a:schemeClr val="dk1"/>
+            </a:effectRef>
+            <a:fontRef idx="minor">
+              <a:schemeClr val="tx1"/>
+            </a:fontRef>
+          </p:style>
+        </p:cxnSp>
+        <p:cxnSp>
+          <p:nvCxnSpPr>
+            <p:cNvPr id="52" name="直線矢印コネクタ 51">
+              <a:extLst>
+                <a:ext uri="{FF2B5EF4-FFF2-40B4-BE49-F238E27FC236}">
+                  <a16:creationId xmlns:a16="http://schemas.microsoft.com/office/drawing/2014/main" id="{FAF08256-057C-404E-B25C-231980CDC279}"/>
+                </a:ext>
+              </a:extLst>
+            </p:cNvPr>
+            <p:cNvCxnSpPr>
+              <a:cxnSpLocks/>
+            </p:cNvCxnSpPr>
+            <p:nvPr/>
+          </p:nvCxnSpPr>
+          <p:spPr>
+            <a:xfrm rot="5400000" flipV="1">
+              <a:off x="3107693" y="4954014"/>
+              <a:ext cx="2456" cy="1233496"/>
+            </a:xfrm>
+            <a:prstGeom prst="straightConnector1">
+              <a:avLst/>
+            </a:prstGeom>
+            <a:ln w="76200">
+              <a:tailEnd type="triangle"/>
+            </a:ln>
+          </p:spPr>
+          <p:style>
+            <a:lnRef idx="1">
+              <a:schemeClr val="dk1"/>
+            </a:lnRef>
+            <a:fillRef idx="0">
+              <a:schemeClr val="dk1"/>
+            </a:fillRef>
+            <a:effectRef idx="0">
+              <a:schemeClr val="dk1"/>
+            </a:effectRef>
+            <a:fontRef idx="minor">
+              <a:schemeClr val="tx1"/>
+            </a:fontRef>
+          </p:style>
+        </p:cxnSp>
+      </p:grpSp>
+      <mc:AlternateContent xmlns:mc="http://schemas.openxmlformats.org/markup-compatibility/2006">
+        <mc:Choice xmlns:a14="http://schemas.microsoft.com/office/drawing/2010/main" Requires="a14">
+          <p:sp>
+            <p:nvSpPr>
+              <p:cNvPr id="60" name="テキスト ボックス 59">
+                <a:extLst>
+                  <a:ext uri="{FF2B5EF4-FFF2-40B4-BE49-F238E27FC236}">
+                    <a16:creationId xmlns:a16="http://schemas.microsoft.com/office/drawing/2014/main" id="{F23A9FE6-EFA4-41D2-B8B4-01E83FF3960E}"/>
+                  </a:ext>
+                </a:extLst>
+              </p:cNvPr>
+              <p:cNvSpPr txBox="1"/>
+              <p:nvPr/>
+            </p:nvSpPr>
+            <p:spPr>
+              <a:xfrm>
+                <a:off x="2921982" y="4243870"/>
+                <a:ext cx="328616" cy="492443"/>
+              </a:xfrm>
+              <a:prstGeom prst="rect">
+                <a:avLst/>
+              </a:prstGeom>
+              <a:noFill/>
+            </p:spPr>
+            <p:txBody>
+              <a:bodyPr wrap="none" lIns="0" tIns="0" rIns="0" bIns="0" rtlCol="0">
+                <a:spAutoFit/>
+              </a:bodyPr>
+              <a:lstStyle/>
+              <a:p>
+                <a:pPr/>
+                <a14:m>
+                  <m:oMathPara xmlns:m="http://schemas.openxmlformats.org/officeDocument/2006/math">
+                    <m:oMathParaPr>
+                      <m:jc m:val="centerGroup"/>
+                    </m:oMathParaPr>
+                    <m:oMath xmlns:m="http://schemas.openxmlformats.org/officeDocument/2006/math">
+                      <m:r>
+                        <a:rPr kumimoji="1" lang="en-US" altLang="ja-JP" sz="3200" b="1" i="1" smtClean="0">
+                          <a:latin typeface="Cambria Math" panose="02040503050406030204" pitchFamily="18" charset="0"/>
+                        </a:rPr>
+                        <m:t>𝒛</m:t>
+                      </m:r>
+                    </m:oMath>
+                  </m:oMathPara>
+                </a14:m>
+                <a:endParaRPr kumimoji="1" lang="ja-JP" altLang="en-US" sz="3200" b="1" i="1" dirty="0"/>
+              </a:p>
+            </p:txBody>
+          </p:sp>
+        </mc:Choice>
+        <mc:Fallback>
+          <p:sp>
+            <p:nvSpPr>
+              <p:cNvPr id="60" name="テキスト ボックス 59">
+                <a:extLst>
+                  <a:ext uri="{FF2B5EF4-FFF2-40B4-BE49-F238E27FC236}">
+                    <a16:creationId xmlns:a16="http://schemas.microsoft.com/office/drawing/2014/main" id="{F23A9FE6-EFA4-41D2-B8B4-01E83FF3960E}"/>
+                  </a:ext>
+                </a:extLst>
+              </p:cNvPr>
+              <p:cNvSpPr txBox="1">
+                <a:spLocks noRot="1" noChangeAspect="1" noMove="1" noResize="1" noEditPoints="1" noAdjustHandles="1" noChangeArrowheads="1" noChangeShapeType="1" noTextEdit="1"/>
+              </p:cNvSpPr>
+              <p:nvPr/>
+            </p:nvSpPr>
+            <p:spPr>
+              <a:xfrm>
+                <a:off x="2921982" y="4243870"/>
+                <a:ext cx="328616" cy="492443"/>
+              </a:xfrm>
+              <a:prstGeom prst="rect">
+                <a:avLst/>
+              </a:prstGeom>
+              <a:blipFill>
+                <a:blip r:embed="rId15"/>
+                <a:stretch>
+                  <a:fillRect/>
+                </a:stretch>
+              </a:blipFill>
+            </p:spPr>
+            <p:txBody>
+              <a:bodyPr/>
+              <a:lstStyle/>
+              <a:p>
+                <a:r>
+                  <a:rPr lang="ja-JP" altLang="en-US">
+                    <a:noFill/>
+                  </a:rPr>
+                  <a:t> </a:t>
+                </a:r>
+              </a:p>
+            </p:txBody>
+          </p:sp>
+        </mc:Fallback>
+      </mc:AlternateContent>
+      <mc:AlternateContent xmlns:mc="http://schemas.openxmlformats.org/markup-compatibility/2006">
+        <mc:Choice xmlns:a14="http://schemas.microsoft.com/office/drawing/2010/main" Requires="a14">
+          <p:sp>
+            <p:nvSpPr>
+              <p:cNvPr id="61" name="テキスト ボックス 60">
+                <a:extLst>
+                  <a:ext uri="{FF2B5EF4-FFF2-40B4-BE49-F238E27FC236}">
+                    <a16:creationId xmlns:a16="http://schemas.microsoft.com/office/drawing/2014/main" id="{01D3599E-8A84-4DD9-9537-629BB2CBD12F}"/>
+                  </a:ext>
+                </a:extLst>
+              </p:cNvPr>
+              <p:cNvSpPr txBox="1"/>
+              <p:nvPr/>
+            </p:nvSpPr>
+            <p:spPr>
+              <a:xfrm>
+                <a:off x="3226936" y="4464275"/>
+                <a:ext cx="323807" cy="492443"/>
+              </a:xfrm>
+              <a:prstGeom prst="rect">
+                <a:avLst/>
+              </a:prstGeom>
+              <a:noFill/>
+            </p:spPr>
+            <p:txBody>
+              <a:bodyPr wrap="none" lIns="0" tIns="0" rIns="0" bIns="0" rtlCol="0">
+                <a:spAutoFit/>
+              </a:bodyPr>
+              <a:lstStyle/>
+              <a:p>
+                <a:pPr/>
+                <a14:m>
+                  <m:oMathPara xmlns:m="http://schemas.openxmlformats.org/officeDocument/2006/math">
+                    <m:oMathParaPr>
+                      <m:jc m:val="centerGroup"/>
+                    </m:oMathParaPr>
+                    <m:oMath xmlns:m="http://schemas.openxmlformats.org/officeDocument/2006/math">
+                      <m:r>
+                        <a:rPr kumimoji="1" lang="en-US" altLang="ja-JP" sz="3200" b="1" i="1" smtClean="0">
+                          <a:latin typeface="Cambria Math" panose="02040503050406030204" pitchFamily="18" charset="0"/>
+                        </a:rPr>
+                        <m:t>𝒔</m:t>
+                      </m:r>
+                    </m:oMath>
+                  </m:oMathPara>
+                </a14:m>
+                <a:endParaRPr kumimoji="1" lang="ja-JP" altLang="en-US" sz="3200" b="1" i="1" dirty="0"/>
+              </a:p>
+            </p:txBody>
+          </p:sp>
+        </mc:Choice>
+        <mc:Fallback>
+          <p:sp>
+            <p:nvSpPr>
+              <p:cNvPr id="61" name="テキスト ボックス 60">
+                <a:extLst>
+                  <a:ext uri="{FF2B5EF4-FFF2-40B4-BE49-F238E27FC236}">
+                    <a16:creationId xmlns:a16="http://schemas.microsoft.com/office/drawing/2014/main" id="{01D3599E-8A84-4DD9-9537-629BB2CBD12F}"/>
+                  </a:ext>
+                </a:extLst>
+              </p:cNvPr>
+              <p:cNvSpPr txBox="1">
+                <a:spLocks noRot="1" noChangeAspect="1" noMove="1" noResize="1" noEditPoints="1" noAdjustHandles="1" noChangeArrowheads="1" noChangeShapeType="1" noTextEdit="1"/>
+              </p:cNvSpPr>
+              <p:nvPr/>
+            </p:nvSpPr>
+            <p:spPr>
+              <a:xfrm>
+                <a:off x="3226936" y="4464275"/>
+                <a:ext cx="323807" cy="492443"/>
+              </a:xfrm>
+              <a:prstGeom prst="rect">
+                <a:avLst/>
+              </a:prstGeom>
+              <a:blipFill>
+                <a:blip r:embed="rId16"/>
+                <a:stretch>
+                  <a:fillRect/>
+                </a:stretch>
+              </a:blipFill>
+            </p:spPr>
+            <p:txBody>
+              <a:bodyPr/>
+              <a:lstStyle/>
+              <a:p>
+                <a:r>
+                  <a:rPr lang="ja-JP" altLang="en-US">
+                    <a:noFill/>
+                  </a:rPr>
+                  <a:t> </a:t>
+                </a:r>
+              </a:p>
+            </p:txBody>
+          </p:sp>
+        </mc:Fallback>
+      </mc:AlternateContent>
+      <p:cxnSp>
+        <p:nvCxnSpPr>
+          <p:cNvPr id="62" name="直線矢印コネクタ 61">
+            <a:extLst>
+              <a:ext uri="{FF2B5EF4-FFF2-40B4-BE49-F238E27FC236}">
+                <a16:creationId xmlns:a16="http://schemas.microsoft.com/office/drawing/2014/main" id="{A35D3E3F-D732-4EDA-AAF9-A370481990A9}"/>
+              </a:ext>
+            </a:extLst>
+          </p:cNvPr>
+          <p:cNvCxnSpPr>
+            <a:cxnSpLocks/>
+            <a:endCxn id="36" idx="3"/>
+          </p:cNvCxnSpPr>
+          <p:nvPr/>
+        </p:nvCxnSpPr>
+        <p:spPr>
+          <a:xfrm flipV="1">
+            <a:off x="2583521" y="3701123"/>
+            <a:ext cx="3121128" cy="1812858"/>
+          </a:xfrm>
+          <a:prstGeom prst="straightConnector1">
+            <a:avLst/>
+          </a:prstGeom>
+          <a:ln w="38100">
+            <a:tailEnd type="triangle"/>
+          </a:ln>
+        </p:spPr>
+        <p:style>
+          <a:lnRef idx="1">
+            <a:schemeClr val="dk1"/>
+          </a:lnRef>
+          <a:fillRef idx="0">
+            <a:schemeClr val="dk1"/>
+          </a:fillRef>
+          <a:effectRef idx="0">
+            <a:schemeClr val="dk1"/>
+          </a:effectRef>
+          <a:fontRef idx="minor">
+            <a:schemeClr val="tx1"/>
+          </a:fontRef>
+        </p:style>
+      </p:cxnSp>
+    </p:spTree>
+    <p:extLst>
+      <p:ext uri="{BB962C8B-B14F-4D97-AF65-F5344CB8AC3E}">
+        <p14:creationId xmlns:p14="http://schemas.microsoft.com/office/powerpoint/2010/main" val="1384212639"/>
+      </p:ext>
+    </p:extLst>
+  </p:cSld>
+  <p:clrMapOvr>
+    <a:masterClrMapping/>
+  </p:clrMapOvr>
+</p:sld>
+</file>
+
+<file path=ppt/slides/slide6.xml><?xml version="1.0" encoding="utf-8"?>
 <p:sld xmlns:a="http://schemas.openxmlformats.org/drawingml/2006/main" xmlns:r="http://schemas.openxmlformats.org/officeDocument/2006/relationships" xmlns:p="http://schemas.openxmlformats.org/presentationml/2006/main">
   <p:cSld>
     <p:spTree>
@@ -10684,7 +14963,7 @@
 </p:sld>
 </file>
 
-<file path=ppt/slides/slide6.xml><?xml version="1.0" encoding="utf-8"?>
+<file path=ppt/slides/slide7.xml><?xml version="1.0" encoding="utf-8"?>
 <p:sld xmlns:a="http://schemas.openxmlformats.org/drawingml/2006/main" xmlns:r="http://schemas.openxmlformats.org/officeDocument/2006/relationships" xmlns:p="http://schemas.openxmlformats.org/presentationml/2006/main">
   <p:cSld>
     <p:spTree>
@@ -11891,7 +16170,7 @@
 </p:sld>
 </file>
 
-<file path=ppt/slides/slide7.xml><?xml version="1.0" encoding="utf-8"?>
+<file path=ppt/slides/slide8.xml><?xml version="1.0" encoding="utf-8"?>
 <p:sld xmlns:a="http://schemas.openxmlformats.org/drawingml/2006/main" xmlns:r="http://schemas.openxmlformats.org/officeDocument/2006/relationships" xmlns:p="http://schemas.openxmlformats.org/presentationml/2006/main">
   <p:cSld>
     <p:spTree>
@@ -13661,7 +17940,7 @@
 </p:sld>
 </file>
 
-<file path=ppt/slides/slide8.xml><?xml version="1.0" encoding="utf-8"?>
+<file path=ppt/slides/slide9.xml><?xml version="1.0" encoding="utf-8"?>
 <p:sld xmlns:a="http://schemas.openxmlformats.org/drawingml/2006/main" xmlns:r="http://schemas.openxmlformats.org/officeDocument/2006/relationships" xmlns:p="http://schemas.openxmlformats.org/presentationml/2006/main">
   <p:cSld>
     <p:spTree>
@@ -15358,2059 +19637,6 @@
 </p:sld>
 </file>
 
-<file path=ppt/slides/slide9.xml><?xml version="1.0" encoding="utf-8"?>
-<p:sld xmlns:a="http://schemas.openxmlformats.org/drawingml/2006/main" xmlns:r="http://schemas.openxmlformats.org/officeDocument/2006/relationships" xmlns:p="http://schemas.openxmlformats.org/presentationml/2006/main">
-  <p:cSld>
-    <p:spTree>
-      <p:nvGrpSpPr>
-        <p:cNvPr id="1" name=""/>
-        <p:cNvGrpSpPr/>
-        <p:nvPr/>
-      </p:nvGrpSpPr>
-      <p:grpSpPr>
-        <a:xfrm>
-          <a:off x="0" y="0"/>
-          <a:ext cx="0" cy="0"/>
-          <a:chOff x="0" y="0"/>
-          <a:chExt cx="0" cy="0"/>
-        </a:xfrm>
-      </p:grpSpPr>
-      <p:sp>
-        <p:nvSpPr>
-          <p:cNvPr id="24" name="直方体 23">
-            <a:extLst>
-              <a:ext uri="{FF2B5EF4-FFF2-40B4-BE49-F238E27FC236}">
-                <a16:creationId xmlns:a16="http://schemas.microsoft.com/office/drawing/2014/main" id="{BB43AFFC-41AC-4615-985E-7A94297CB2E3}"/>
-              </a:ext>
-            </a:extLst>
-          </p:cNvPr>
-          <p:cNvSpPr/>
-          <p:nvPr/>
-        </p:nvSpPr>
-        <p:spPr>
-          <a:xfrm rot="3126979" flipV="1">
-            <a:off x="5890742" y="2956826"/>
-            <a:ext cx="947832" cy="769459"/>
-          </a:xfrm>
-          <a:prstGeom prst="cube">
-            <a:avLst>
-              <a:gd name="adj" fmla="val 43413"/>
-            </a:avLst>
-          </a:prstGeom>
-          <a:solidFill>
-            <a:schemeClr val="accent6"/>
-          </a:solidFill>
-          <a:ln>
-            <a:solidFill>
-              <a:schemeClr val="accent6">
-                <a:lumMod val="50000"/>
-              </a:schemeClr>
-            </a:solidFill>
-          </a:ln>
-        </p:spPr>
-        <p:style>
-          <a:lnRef idx="2">
-            <a:schemeClr val="accent1">
-              <a:shade val="50000"/>
-            </a:schemeClr>
-          </a:lnRef>
-          <a:fillRef idx="1">
-            <a:schemeClr val="accent1"/>
-          </a:fillRef>
-          <a:effectRef idx="0">
-            <a:schemeClr val="accent1"/>
-          </a:effectRef>
-          <a:fontRef idx="minor">
-            <a:schemeClr val="lt1"/>
-          </a:fontRef>
-        </p:style>
-        <p:txBody>
-          <a:bodyPr rtlCol="0" anchor="ctr"/>
-          <a:lstStyle/>
-          <a:p>
-            <a:pPr algn="ctr"/>
-            <a:endParaRPr kumimoji="1" lang="ja-JP" altLang="en-US"/>
-          </a:p>
-        </p:txBody>
-      </p:sp>
-      <p:cxnSp>
-        <p:nvCxnSpPr>
-          <p:cNvPr id="25" name="直線矢印コネクタ 24">
-            <a:extLst>
-              <a:ext uri="{FF2B5EF4-FFF2-40B4-BE49-F238E27FC236}">
-                <a16:creationId xmlns:a16="http://schemas.microsoft.com/office/drawing/2014/main" id="{E8E22A49-667F-4573-A8CE-4C00AFF31DCE}"/>
-              </a:ext>
-            </a:extLst>
-          </p:cNvPr>
-          <p:cNvCxnSpPr>
-            <a:cxnSpLocks/>
-          </p:cNvCxnSpPr>
-          <p:nvPr/>
-        </p:nvCxnSpPr>
-        <p:spPr>
-          <a:xfrm flipV="1">
-            <a:off x="3743473" y="4242817"/>
-            <a:ext cx="230601" cy="2004182"/>
-          </a:xfrm>
-          <a:prstGeom prst="straightConnector1">
-            <a:avLst/>
-          </a:prstGeom>
-          <a:ln w="76200">
-            <a:tailEnd type="triangle"/>
-          </a:ln>
-        </p:spPr>
-        <p:style>
-          <a:lnRef idx="1">
-            <a:schemeClr val="dk1"/>
-          </a:lnRef>
-          <a:fillRef idx="0">
-            <a:schemeClr val="dk1"/>
-          </a:fillRef>
-          <a:effectRef idx="0">
-            <a:schemeClr val="dk1"/>
-          </a:effectRef>
-          <a:fontRef idx="minor">
-            <a:schemeClr val="tx1"/>
-          </a:fontRef>
-        </p:style>
-      </p:cxnSp>
-      <p:cxnSp>
-        <p:nvCxnSpPr>
-          <p:cNvPr id="26" name="直線矢印コネクタ 25">
-            <a:extLst>
-              <a:ext uri="{FF2B5EF4-FFF2-40B4-BE49-F238E27FC236}">
-                <a16:creationId xmlns:a16="http://schemas.microsoft.com/office/drawing/2014/main" id="{06EC8E29-7474-4EA2-B413-DA5855643282}"/>
-              </a:ext>
-            </a:extLst>
-          </p:cNvPr>
-          <p:cNvCxnSpPr>
-            <a:cxnSpLocks/>
-          </p:cNvCxnSpPr>
-          <p:nvPr/>
-        </p:nvCxnSpPr>
-        <p:spPr>
-          <a:xfrm flipV="1">
-            <a:off x="3736374" y="5589531"/>
-            <a:ext cx="964742" cy="698835"/>
-          </a:xfrm>
-          <a:prstGeom prst="straightConnector1">
-            <a:avLst/>
-          </a:prstGeom>
-          <a:ln w="76200">
-            <a:tailEnd type="triangle"/>
-          </a:ln>
-        </p:spPr>
-        <p:style>
-          <a:lnRef idx="1">
-            <a:schemeClr val="dk1"/>
-          </a:lnRef>
-          <a:fillRef idx="0">
-            <a:schemeClr val="dk1"/>
-          </a:fillRef>
-          <a:effectRef idx="0">
-            <a:schemeClr val="dk1"/>
-          </a:effectRef>
-          <a:fontRef idx="minor">
-            <a:schemeClr val="tx1"/>
-          </a:fontRef>
-        </p:style>
-      </p:cxnSp>
-      <p:cxnSp>
-        <p:nvCxnSpPr>
-          <p:cNvPr id="27" name="直線矢印コネクタ 26">
-            <a:extLst>
-              <a:ext uri="{FF2B5EF4-FFF2-40B4-BE49-F238E27FC236}">
-                <a16:creationId xmlns:a16="http://schemas.microsoft.com/office/drawing/2014/main" id="{194B5198-F50F-4D14-9517-996419472EA6}"/>
-              </a:ext>
-            </a:extLst>
-          </p:cNvPr>
-          <p:cNvCxnSpPr>
-            <a:cxnSpLocks/>
-          </p:cNvCxnSpPr>
-          <p:nvPr/>
-        </p:nvCxnSpPr>
-        <p:spPr>
-          <a:xfrm flipH="1" flipV="1">
-            <a:off x="3075517" y="5470759"/>
-            <a:ext cx="660857" cy="828475"/>
-          </a:xfrm>
-          <a:prstGeom prst="straightConnector1">
-            <a:avLst/>
-          </a:prstGeom>
-          <a:ln w="76200">
-            <a:tailEnd type="triangle"/>
-          </a:ln>
-        </p:spPr>
-        <p:style>
-          <a:lnRef idx="1">
-            <a:schemeClr val="dk1"/>
-          </a:lnRef>
-          <a:fillRef idx="0">
-            <a:schemeClr val="dk1"/>
-          </a:fillRef>
-          <a:effectRef idx="0">
-            <a:schemeClr val="dk1"/>
-          </a:effectRef>
-          <a:fontRef idx="minor">
-            <a:schemeClr val="tx1"/>
-          </a:fontRef>
-        </p:style>
-      </p:cxnSp>
-      <mc:AlternateContent xmlns:mc="http://schemas.openxmlformats.org/markup-compatibility/2006" xmlns:a14="http://schemas.microsoft.com/office/drawing/2010/main">
-        <mc:Choice Requires="a14">
-          <p:sp>
-            <p:nvSpPr>
-              <p:cNvPr id="28" name="テキスト ボックス 27">
-                <a:extLst>
-                  <a:ext uri="{FF2B5EF4-FFF2-40B4-BE49-F238E27FC236}">
-                    <a16:creationId xmlns:a16="http://schemas.microsoft.com/office/drawing/2014/main" id="{2035DBB9-8364-45D0-B5C3-B459085C2169}"/>
-                  </a:ext>
-                </a:extLst>
-              </p:cNvPr>
-              <p:cNvSpPr txBox="1"/>
-              <p:nvPr/>
-            </p:nvSpPr>
-            <p:spPr>
-              <a:xfrm>
-                <a:off x="3405945" y="6165285"/>
-                <a:ext cx="1994595" cy="584775"/>
-              </a:xfrm>
-              <a:prstGeom prst="rect">
-                <a:avLst/>
-              </a:prstGeom>
-              <a:noFill/>
-            </p:spPr>
-            <p:txBody>
-              <a:bodyPr wrap="square" rtlCol="0">
-                <a:spAutoFit/>
-              </a:bodyPr>
-              <a:lstStyle/>
-              <a:p>
-                <a:pPr/>
-                <a14:m>
-                  <m:oMathPara xmlns:m="http://schemas.openxmlformats.org/officeDocument/2006/math">
-                    <m:oMathParaPr>
-                      <m:jc m:val="centerGroup"/>
-                    </m:oMathParaPr>
-                    <m:oMath xmlns:m="http://schemas.openxmlformats.org/officeDocument/2006/math">
-                      <m:sSub>
-                        <m:sSubPr>
-                          <m:ctrlPr>
-                            <a:rPr kumimoji="1" lang="en-US" altLang="ja-JP" sz="3200" b="0" i="1" smtClean="0">
-                              <a:latin typeface="Cambria Math" panose="02040503050406030204" pitchFamily="18" charset="0"/>
-                            </a:rPr>
-                          </m:ctrlPr>
-                        </m:sSubPr>
-                        <m:e>
-                          <m:r>
-                            <a:rPr kumimoji="1" lang="en-US" altLang="ja-JP" sz="3200" b="1" i="1" smtClean="0">
-                              <a:latin typeface="Cambria Math" panose="02040503050406030204" pitchFamily="18" charset="0"/>
-                            </a:rPr>
-                            <m:t>𝒙</m:t>
-                          </m:r>
-                        </m:e>
-                        <m:sub>
-                          <m:r>
-                            <a:rPr kumimoji="1" lang="en-US" altLang="ja-JP" sz="3200" b="0" i="1" smtClean="0">
-                              <a:latin typeface="Cambria Math" panose="02040503050406030204" pitchFamily="18" charset="0"/>
-                            </a:rPr>
-                            <m:t>𝑤</m:t>
-                          </m:r>
-                        </m:sub>
-                      </m:sSub>
-                      <m:r>
-                        <a:rPr kumimoji="1" lang="en-US" altLang="ja-JP" sz="3200" b="0" i="1" smtClean="0">
-                          <a:latin typeface="Cambria Math" panose="02040503050406030204" pitchFamily="18" charset="0"/>
-                        </a:rPr>
-                        <m:t>=</m:t>
-                      </m:r>
-                      <m:r>
-                        <a:rPr kumimoji="1" lang="en-US" altLang="ja-JP" sz="3200" b="1" i="1" smtClean="0">
-                          <a:latin typeface="Cambria Math" panose="02040503050406030204" pitchFamily="18" charset="0"/>
-                        </a:rPr>
-                        <m:t>𝑶</m:t>
-                      </m:r>
-                    </m:oMath>
-                  </m:oMathPara>
-                </a14:m>
-                <a:endParaRPr kumimoji="1" lang="ja-JP" altLang="en-US" sz="3200" b="1" dirty="0"/>
-              </a:p>
-            </p:txBody>
-          </p:sp>
-        </mc:Choice>
-        <mc:Fallback xmlns="">
-          <p:sp>
-            <p:nvSpPr>
-              <p:cNvPr id="28" name="テキスト ボックス 27">
-                <a:extLst>
-                  <a:ext uri="{FF2B5EF4-FFF2-40B4-BE49-F238E27FC236}">
-                    <a16:creationId xmlns:a16="http://schemas.microsoft.com/office/drawing/2014/main" id="{2035DBB9-8364-45D0-B5C3-B459085C2169}"/>
-                  </a:ext>
-                </a:extLst>
-              </p:cNvPr>
-              <p:cNvSpPr txBox="1">
-                <a:spLocks noRot="1" noChangeAspect="1" noMove="1" noResize="1" noEditPoints="1" noAdjustHandles="1" noChangeArrowheads="1" noChangeShapeType="1" noTextEdit="1"/>
-              </p:cNvSpPr>
-              <p:nvPr/>
-            </p:nvSpPr>
-            <p:spPr>
-              <a:xfrm>
-                <a:off x="3405945" y="6165285"/>
-                <a:ext cx="1994595" cy="584775"/>
-              </a:xfrm>
-              <a:prstGeom prst="rect">
-                <a:avLst/>
-              </a:prstGeom>
-              <a:blipFill>
-                <a:blip r:embed="rId2"/>
-                <a:stretch>
-                  <a:fillRect/>
-                </a:stretch>
-              </a:blipFill>
-            </p:spPr>
-            <p:txBody>
-              <a:bodyPr/>
-              <a:lstStyle/>
-              <a:p>
-                <a:r>
-                  <a:rPr lang="ja-JP" altLang="en-US">
-                    <a:noFill/>
-                  </a:rPr>
-                  <a:t> </a:t>
-                </a:r>
-              </a:p>
-            </p:txBody>
-          </p:sp>
-        </mc:Fallback>
-      </mc:AlternateContent>
-      <mc:AlternateContent xmlns:mc="http://schemas.openxmlformats.org/markup-compatibility/2006" xmlns:a14="http://schemas.microsoft.com/office/drawing/2010/main">
-        <mc:Choice Requires="a14">
-          <p:sp>
-            <p:nvSpPr>
-              <p:cNvPr id="29" name="テキスト ボックス 28">
-                <a:extLst>
-                  <a:ext uri="{FF2B5EF4-FFF2-40B4-BE49-F238E27FC236}">
-                    <a16:creationId xmlns:a16="http://schemas.microsoft.com/office/drawing/2014/main" id="{9442C12C-52DE-400D-868D-9AAB947F31BA}"/>
-                  </a:ext>
-                </a:extLst>
-              </p:cNvPr>
-              <p:cNvSpPr txBox="1"/>
-              <p:nvPr/>
-            </p:nvSpPr>
-            <p:spPr>
-              <a:xfrm>
-                <a:off x="3538328" y="2542734"/>
-                <a:ext cx="618567" cy="584775"/>
-              </a:xfrm>
-              <a:prstGeom prst="rect">
-                <a:avLst/>
-              </a:prstGeom>
-              <a:noFill/>
-            </p:spPr>
-            <p:txBody>
-              <a:bodyPr wrap="square" rtlCol="0">
-                <a:spAutoFit/>
-              </a:bodyPr>
-              <a:lstStyle/>
-              <a:p>
-                <a:pPr/>
-                <a14:m>
-                  <m:oMathPara xmlns:m="http://schemas.openxmlformats.org/officeDocument/2006/math">
-                    <m:oMathParaPr>
-                      <m:jc m:val="centerGroup"/>
-                    </m:oMathParaPr>
-                    <m:oMath xmlns:m="http://schemas.openxmlformats.org/officeDocument/2006/math">
-                      <m:sSub>
-                        <m:sSubPr>
-                          <m:ctrlPr>
-                            <a:rPr kumimoji="1" lang="en-US" altLang="ja-JP" sz="3200" b="0" i="1" smtClean="0">
-                              <a:latin typeface="Cambria Math" panose="02040503050406030204" pitchFamily="18" charset="0"/>
-                            </a:rPr>
-                          </m:ctrlPr>
-                        </m:sSubPr>
-                        <m:e>
-                          <m:r>
-                            <a:rPr kumimoji="1" lang="en-US" altLang="ja-JP" sz="3200" b="0" i="1" smtClean="0">
-                              <a:latin typeface="Cambria Math" panose="02040503050406030204" pitchFamily="18" charset="0"/>
-                            </a:rPr>
-                            <m:t>𝑅</m:t>
-                          </m:r>
-                          <m:r>
-                            <a:rPr kumimoji="1" lang="en-US" altLang="ja-JP" sz="3200" b="1" i="1" smtClean="0">
-                              <a:latin typeface="Cambria Math" panose="02040503050406030204" pitchFamily="18" charset="0"/>
-                            </a:rPr>
-                            <m:t>𝒙</m:t>
-                          </m:r>
-                        </m:e>
-                        <m:sub>
-                          <m:r>
-                            <a:rPr kumimoji="1" lang="en-US" altLang="ja-JP" sz="3200" b="0" i="1" smtClean="0">
-                              <a:latin typeface="Cambria Math" panose="02040503050406030204" pitchFamily="18" charset="0"/>
-                            </a:rPr>
-                            <m:t>𝑏</m:t>
-                          </m:r>
-                        </m:sub>
-                      </m:sSub>
-                    </m:oMath>
-                  </m:oMathPara>
-                </a14:m>
-                <a:endParaRPr kumimoji="1" lang="ja-JP" altLang="en-US" sz="3200" dirty="0"/>
-              </a:p>
-            </p:txBody>
-          </p:sp>
-        </mc:Choice>
-        <mc:Fallback xmlns="">
-          <p:sp>
-            <p:nvSpPr>
-              <p:cNvPr id="29" name="テキスト ボックス 28">
-                <a:extLst>
-                  <a:ext uri="{FF2B5EF4-FFF2-40B4-BE49-F238E27FC236}">
-                    <a16:creationId xmlns:a16="http://schemas.microsoft.com/office/drawing/2014/main" id="{9442C12C-52DE-400D-868D-9AAB947F31BA}"/>
-                  </a:ext>
-                </a:extLst>
-              </p:cNvPr>
-              <p:cNvSpPr txBox="1">
-                <a:spLocks noRot="1" noChangeAspect="1" noMove="1" noResize="1" noEditPoints="1" noAdjustHandles="1" noChangeArrowheads="1" noChangeShapeType="1" noTextEdit="1"/>
-              </p:cNvSpPr>
-              <p:nvPr/>
-            </p:nvSpPr>
-            <p:spPr>
-              <a:xfrm>
-                <a:off x="3538328" y="2542734"/>
-                <a:ext cx="618567" cy="584775"/>
-              </a:xfrm>
-              <a:prstGeom prst="rect">
-                <a:avLst/>
-              </a:prstGeom>
-              <a:blipFill>
-                <a:blip r:embed="rId3"/>
-                <a:stretch>
-                  <a:fillRect r="-21569"/>
-                </a:stretch>
-              </a:blipFill>
-            </p:spPr>
-            <p:txBody>
-              <a:bodyPr/>
-              <a:lstStyle/>
-              <a:p>
-                <a:r>
-                  <a:rPr lang="ja-JP" altLang="en-US">
-                    <a:noFill/>
-                  </a:rPr>
-                  <a:t> </a:t>
-                </a:r>
-              </a:p>
-            </p:txBody>
-          </p:sp>
-        </mc:Fallback>
-      </mc:AlternateContent>
-      <p:cxnSp>
-        <p:nvCxnSpPr>
-          <p:cNvPr id="30" name="直線矢印コネクタ 29">
-            <a:extLst>
-              <a:ext uri="{FF2B5EF4-FFF2-40B4-BE49-F238E27FC236}">
-                <a16:creationId xmlns:a16="http://schemas.microsoft.com/office/drawing/2014/main" id="{FB1D2424-1792-4E28-8BA6-E7F7CF0E580C}"/>
-              </a:ext>
-            </a:extLst>
-          </p:cNvPr>
-          <p:cNvCxnSpPr>
-            <a:cxnSpLocks/>
-          </p:cNvCxnSpPr>
-          <p:nvPr/>
-        </p:nvCxnSpPr>
-        <p:spPr>
-          <a:xfrm>
-            <a:off x="3492526" y="2489538"/>
-            <a:ext cx="180266" cy="3594033"/>
-          </a:xfrm>
-          <a:prstGeom prst="straightConnector1">
-            <a:avLst/>
-          </a:prstGeom>
-          <a:ln w="38100">
-            <a:tailEnd type="triangle"/>
-          </a:ln>
-        </p:spPr>
-        <p:style>
-          <a:lnRef idx="1">
-            <a:schemeClr val="dk1"/>
-          </a:lnRef>
-          <a:fillRef idx="0">
-            <a:schemeClr val="dk1"/>
-          </a:fillRef>
-          <a:effectRef idx="0">
-            <a:schemeClr val="dk1"/>
-          </a:effectRef>
-          <a:fontRef idx="minor">
-            <a:schemeClr val="tx1"/>
-          </a:fontRef>
-        </p:style>
-      </p:cxnSp>
-      <mc:AlternateContent xmlns:mc="http://schemas.openxmlformats.org/markup-compatibility/2006" xmlns:a14="http://schemas.microsoft.com/office/drawing/2010/main">
-        <mc:Choice Requires="a14">
-          <p:sp>
-            <p:nvSpPr>
-              <p:cNvPr id="31" name="テキスト ボックス 30">
-                <a:extLst>
-                  <a:ext uri="{FF2B5EF4-FFF2-40B4-BE49-F238E27FC236}">
-                    <a16:creationId xmlns:a16="http://schemas.microsoft.com/office/drawing/2014/main" id="{F44C9D58-E9F7-44C1-9D04-B40FC69CFDC4}"/>
-                  </a:ext>
-                </a:extLst>
-              </p:cNvPr>
-              <p:cNvSpPr txBox="1"/>
-              <p:nvPr/>
-            </p:nvSpPr>
-            <p:spPr>
-              <a:xfrm>
-                <a:off x="2657113" y="3197040"/>
-                <a:ext cx="618567" cy="584775"/>
-              </a:xfrm>
-              <a:prstGeom prst="rect">
-                <a:avLst/>
-              </a:prstGeom>
-              <a:noFill/>
-            </p:spPr>
-            <p:txBody>
-              <a:bodyPr wrap="square" rtlCol="0">
-                <a:spAutoFit/>
-              </a:bodyPr>
-              <a:lstStyle/>
-              <a:p>
-                <a:pPr/>
-                <a14:m>
-                  <m:oMathPara xmlns:m="http://schemas.openxmlformats.org/officeDocument/2006/math">
-                    <m:oMathParaPr>
-                      <m:jc m:val="centerGroup"/>
-                    </m:oMathParaPr>
-                    <m:oMath xmlns:m="http://schemas.openxmlformats.org/officeDocument/2006/math">
-                      <m:sSubSup>
-                        <m:sSubSupPr>
-                          <m:ctrlPr>
-                            <a:rPr kumimoji="1" lang="en-US" altLang="ja-JP" sz="3200" i="1" smtClean="0">
-                              <a:latin typeface="Cambria Math" panose="02040503050406030204" pitchFamily="18" charset="0"/>
-                            </a:rPr>
-                          </m:ctrlPr>
-                        </m:sSubSupPr>
-                        <m:e>
-                          <m:r>
-                            <a:rPr kumimoji="1" lang="en-US" altLang="ja-JP" sz="3200" b="0" i="1" smtClean="0">
-                              <a:latin typeface="Cambria Math" panose="02040503050406030204" pitchFamily="18" charset="0"/>
-                            </a:rPr>
-                            <m:t>𝑅</m:t>
-                          </m:r>
-                          <m:r>
-                            <a:rPr kumimoji="1" lang="en-US" altLang="ja-JP" sz="3200" b="1" i="1" smtClean="0">
-                              <a:latin typeface="Cambria Math" panose="02040503050406030204" pitchFamily="18" charset="0"/>
-                            </a:rPr>
-                            <m:t>𝒙</m:t>
-                          </m:r>
-                        </m:e>
-                        <m:sub>
-                          <m:r>
-                            <a:rPr kumimoji="1" lang="en-US" altLang="ja-JP" sz="3200" b="0" i="1" smtClean="0">
-                              <a:latin typeface="Cambria Math" panose="02040503050406030204" pitchFamily="18" charset="0"/>
-                            </a:rPr>
-                            <m:t>𝑤</m:t>
-                          </m:r>
-                        </m:sub>
-                        <m:sup>
-                          <m:r>
-                            <a:rPr kumimoji="1" lang="en-US" altLang="ja-JP" sz="3200" b="0" i="1" smtClean="0">
-                              <a:latin typeface="Cambria Math" panose="02040503050406030204" pitchFamily="18" charset="0"/>
-                            </a:rPr>
-                            <m:t>′</m:t>
-                          </m:r>
-                        </m:sup>
-                      </m:sSubSup>
-                    </m:oMath>
-                  </m:oMathPara>
-                </a14:m>
-                <a:endParaRPr kumimoji="1" lang="ja-JP" altLang="en-US" sz="3200" dirty="0"/>
-              </a:p>
-            </p:txBody>
-          </p:sp>
-        </mc:Choice>
-        <mc:Fallback xmlns="">
-          <p:sp>
-            <p:nvSpPr>
-              <p:cNvPr id="31" name="テキスト ボックス 30">
-                <a:extLst>
-                  <a:ext uri="{FF2B5EF4-FFF2-40B4-BE49-F238E27FC236}">
-                    <a16:creationId xmlns:a16="http://schemas.microsoft.com/office/drawing/2014/main" id="{F44C9D58-E9F7-44C1-9D04-B40FC69CFDC4}"/>
-                  </a:ext>
-                </a:extLst>
-              </p:cNvPr>
-              <p:cNvSpPr txBox="1">
-                <a:spLocks noRot="1" noChangeAspect="1" noMove="1" noResize="1" noEditPoints="1" noAdjustHandles="1" noChangeArrowheads="1" noChangeShapeType="1" noTextEdit="1"/>
-              </p:cNvSpPr>
-              <p:nvPr/>
-            </p:nvSpPr>
-            <p:spPr>
-              <a:xfrm>
-                <a:off x="2657113" y="3197040"/>
-                <a:ext cx="618567" cy="584775"/>
-              </a:xfrm>
-              <a:prstGeom prst="rect">
-                <a:avLst/>
-              </a:prstGeom>
-              <a:blipFill>
-                <a:blip r:embed="rId4"/>
-                <a:stretch>
-                  <a:fillRect r="-34653"/>
-                </a:stretch>
-              </a:blipFill>
-            </p:spPr>
-            <p:txBody>
-              <a:bodyPr/>
-              <a:lstStyle/>
-              <a:p>
-                <a:r>
-                  <a:rPr lang="ja-JP" altLang="en-US">
-                    <a:noFill/>
-                  </a:rPr>
-                  <a:t> </a:t>
-                </a:r>
-              </a:p>
-            </p:txBody>
-          </p:sp>
-        </mc:Fallback>
-      </mc:AlternateContent>
-      <p:cxnSp>
-        <p:nvCxnSpPr>
-          <p:cNvPr id="32" name="直線矢印コネクタ 31">
-            <a:extLst>
-              <a:ext uri="{FF2B5EF4-FFF2-40B4-BE49-F238E27FC236}">
-                <a16:creationId xmlns:a16="http://schemas.microsoft.com/office/drawing/2014/main" id="{AE2A24DD-36AA-406F-8351-C003E225DD56}"/>
-              </a:ext>
-            </a:extLst>
-          </p:cNvPr>
-          <p:cNvCxnSpPr>
-            <a:cxnSpLocks/>
-          </p:cNvCxnSpPr>
-          <p:nvPr/>
-        </p:nvCxnSpPr>
-        <p:spPr>
-          <a:xfrm flipH="1" flipV="1">
-            <a:off x="3580587" y="2436342"/>
-            <a:ext cx="193578" cy="3728943"/>
-          </a:xfrm>
-          <a:prstGeom prst="straightConnector1">
-            <a:avLst/>
-          </a:prstGeom>
-          <a:ln w="38100">
-            <a:tailEnd type="triangle"/>
-          </a:ln>
-        </p:spPr>
-        <p:style>
-          <a:lnRef idx="1">
-            <a:schemeClr val="dk1"/>
-          </a:lnRef>
-          <a:fillRef idx="0">
-            <a:schemeClr val="dk1"/>
-          </a:fillRef>
-          <a:effectRef idx="0">
-            <a:schemeClr val="dk1"/>
-          </a:effectRef>
-          <a:fontRef idx="minor">
-            <a:schemeClr val="tx1"/>
-          </a:fontRef>
-        </p:style>
-      </p:cxnSp>
-      <p:cxnSp>
-        <p:nvCxnSpPr>
-          <p:cNvPr id="34" name="直線矢印コネクタ 33">
-            <a:extLst>
-              <a:ext uri="{FF2B5EF4-FFF2-40B4-BE49-F238E27FC236}">
-                <a16:creationId xmlns:a16="http://schemas.microsoft.com/office/drawing/2014/main" id="{0276690A-1598-4DDD-A64D-52D244C6D970}"/>
-              </a:ext>
-            </a:extLst>
-          </p:cNvPr>
-          <p:cNvCxnSpPr>
-            <a:cxnSpLocks/>
-          </p:cNvCxnSpPr>
-          <p:nvPr/>
-        </p:nvCxnSpPr>
-        <p:spPr>
-          <a:xfrm flipV="1">
-            <a:off x="6359546" y="2710088"/>
-            <a:ext cx="142893" cy="1285436"/>
-          </a:xfrm>
-          <a:prstGeom prst="straightConnector1">
-            <a:avLst/>
-          </a:prstGeom>
-          <a:ln w="57150">
-            <a:tailEnd type="triangle"/>
-          </a:ln>
-        </p:spPr>
-        <p:style>
-          <a:lnRef idx="1">
-            <a:schemeClr val="dk1"/>
-          </a:lnRef>
-          <a:fillRef idx="0">
-            <a:schemeClr val="dk1"/>
-          </a:fillRef>
-          <a:effectRef idx="0">
-            <a:schemeClr val="dk1"/>
-          </a:effectRef>
-          <a:fontRef idx="minor">
-            <a:schemeClr val="tx1"/>
-          </a:fontRef>
-        </p:style>
-      </p:cxnSp>
-      <p:cxnSp>
-        <p:nvCxnSpPr>
-          <p:cNvPr id="35" name="直線矢印コネクタ 34">
-            <a:extLst>
-              <a:ext uri="{FF2B5EF4-FFF2-40B4-BE49-F238E27FC236}">
-                <a16:creationId xmlns:a16="http://schemas.microsoft.com/office/drawing/2014/main" id="{9075D600-FD9B-4C91-9063-8F53423FB547}"/>
-              </a:ext>
-            </a:extLst>
-          </p:cNvPr>
-          <p:cNvCxnSpPr>
-            <a:cxnSpLocks/>
-          </p:cNvCxnSpPr>
-          <p:nvPr/>
-        </p:nvCxnSpPr>
-        <p:spPr>
-          <a:xfrm flipV="1">
-            <a:off x="6359547" y="3527196"/>
-            <a:ext cx="599775" cy="434464"/>
-          </a:xfrm>
-          <a:prstGeom prst="straightConnector1">
-            <a:avLst/>
-          </a:prstGeom>
-          <a:ln w="57150">
-            <a:tailEnd type="triangle"/>
-          </a:ln>
-        </p:spPr>
-        <p:style>
-          <a:lnRef idx="1">
-            <a:schemeClr val="dk1"/>
-          </a:lnRef>
-          <a:fillRef idx="0">
-            <a:schemeClr val="dk1"/>
-          </a:fillRef>
-          <a:effectRef idx="0">
-            <a:schemeClr val="dk1"/>
-          </a:effectRef>
-          <a:fontRef idx="minor">
-            <a:schemeClr val="tx1"/>
-          </a:fontRef>
-        </p:style>
-      </p:cxnSp>
-      <p:cxnSp>
-        <p:nvCxnSpPr>
-          <p:cNvPr id="36" name="直線矢印コネクタ 35">
-            <a:extLst>
-              <a:ext uri="{FF2B5EF4-FFF2-40B4-BE49-F238E27FC236}">
-                <a16:creationId xmlns:a16="http://schemas.microsoft.com/office/drawing/2014/main" id="{245EB156-2AF8-4F6F-97FD-B8E78B537B35}"/>
-              </a:ext>
-            </a:extLst>
-          </p:cNvPr>
-          <p:cNvCxnSpPr>
-            <a:cxnSpLocks/>
-          </p:cNvCxnSpPr>
-          <p:nvPr/>
-        </p:nvCxnSpPr>
-        <p:spPr>
-          <a:xfrm flipH="1" flipV="1">
-            <a:off x="5850335" y="3334159"/>
-            <a:ext cx="509213" cy="638368"/>
-          </a:xfrm>
-          <a:prstGeom prst="straightConnector1">
-            <a:avLst/>
-          </a:prstGeom>
-          <a:ln w="57150">
-            <a:tailEnd type="triangle"/>
-          </a:ln>
-        </p:spPr>
-        <p:style>
-          <a:lnRef idx="1">
-            <a:schemeClr val="dk1"/>
-          </a:lnRef>
-          <a:fillRef idx="0">
-            <a:schemeClr val="dk1"/>
-          </a:fillRef>
-          <a:effectRef idx="0">
-            <a:schemeClr val="dk1"/>
-          </a:effectRef>
-          <a:fontRef idx="minor">
-            <a:schemeClr val="tx1"/>
-          </a:fontRef>
-        </p:style>
-      </p:cxnSp>
-      <p:sp>
-        <p:nvSpPr>
-          <p:cNvPr id="21" name="直方体 20">
-            <a:extLst>
-              <a:ext uri="{FF2B5EF4-FFF2-40B4-BE49-F238E27FC236}">
-                <a16:creationId xmlns:a16="http://schemas.microsoft.com/office/drawing/2014/main" id="{3AB75076-CC78-4ECE-935A-B3AE465442B8}"/>
-              </a:ext>
-            </a:extLst>
-          </p:cNvPr>
-          <p:cNvSpPr/>
-          <p:nvPr/>
-        </p:nvSpPr>
-        <p:spPr>
-          <a:xfrm rot="20594060" flipH="1">
-            <a:off x="3244381" y="1584952"/>
-            <a:ext cx="963571" cy="782236"/>
-          </a:xfrm>
-          <a:prstGeom prst="cube">
-            <a:avLst/>
-          </a:prstGeom>
-          <a:solidFill>
-            <a:schemeClr val="accent6"/>
-          </a:solidFill>
-          <a:ln>
-            <a:solidFill>
-              <a:schemeClr val="accent6">
-                <a:lumMod val="50000"/>
-              </a:schemeClr>
-            </a:solidFill>
-          </a:ln>
-        </p:spPr>
-        <p:style>
-          <a:lnRef idx="2">
-            <a:schemeClr val="accent1">
-              <a:shade val="50000"/>
-            </a:schemeClr>
-          </a:lnRef>
-          <a:fillRef idx="1">
-            <a:schemeClr val="accent1"/>
-          </a:fillRef>
-          <a:effectRef idx="0">
-            <a:schemeClr val="accent1"/>
-          </a:effectRef>
-          <a:fontRef idx="minor">
-            <a:schemeClr val="lt1"/>
-          </a:fontRef>
-        </p:style>
-        <p:txBody>
-          <a:bodyPr rtlCol="0" anchor="ctr"/>
-          <a:lstStyle/>
-          <a:p>
-            <a:pPr algn="ctr"/>
-            <a:endParaRPr kumimoji="1" lang="ja-JP" altLang="en-US"/>
-          </a:p>
-        </p:txBody>
-      </p:sp>
-      <p:cxnSp>
-        <p:nvCxnSpPr>
-          <p:cNvPr id="22" name="直線矢印コネクタ 21">
-            <a:extLst>
-              <a:ext uri="{FF2B5EF4-FFF2-40B4-BE49-F238E27FC236}">
-                <a16:creationId xmlns:a16="http://schemas.microsoft.com/office/drawing/2014/main" id="{064DB839-CE5D-4B2B-B4C0-BD7F744BC34B}"/>
-              </a:ext>
-            </a:extLst>
-          </p:cNvPr>
-          <p:cNvCxnSpPr>
-            <a:cxnSpLocks/>
-          </p:cNvCxnSpPr>
-          <p:nvPr/>
-        </p:nvCxnSpPr>
-        <p:spPr>
-          <a:xfrm flipH="1" flipV="1">
-            <a:off x="3272663" y="1408030"/>
-            <a:ext cx="278681" cy="1021833"/>
-          </a:xfrm>
-          <a:prstGeom prst="straightConnector1">
-            <a:avLst/>
-          </a:prstGeom>
-          <a:ln w="57150">
-            <a:tailEnd type="triangle"/>
-          </a:ln>
-        </p:spPr>
-        <p:style>
-          <a:lnRef idx="1">
-            <a:schemeClr val="dk1"/>
-          </a:lnRef>
-          <a:fillRef idx="0">
-            <a:schemeClr val="dk1"/>
-          </a:fillRef>
-          <a:effectRef idx="0">
-            <a:schemeClr val="dk1"/>
-          </a:effectRef>
-          <a:fontRef idx="minor">
-            <a:schemeClr val="tx1"/>
-          </a:fontRef>
-        </p:style>
-      </p:cxnSp>
-      <p:cxnSp>
-        <p:nvCxnSpPr>
-          <p:cNvPr id="37" name="直線矢印コネクタ 36">
-            <a:extLst>
-              <a:ext uri="{FF2B5EF4-FFF2-40B4-BE49-F238E27FC236}">
-                <a16:creationId xmlns:a16="http://schemas.microsoft.com/office/drawing/2014/main" id="{BA24BB61-1A29-4853-B190-84722D822005}"/>
-              </a:ext>
-            </a:extLst>
-          </p:cNvPr>
-          <p:cNvCxnSpPr>
-            <a:cxnSpLocks/>
-          </p:cNvCxnSpPr>
-          <p:nvPr/>
-        </p:nvCxnSpPr>
-        <p:spPr>
-          <a:xfrm flipV="1">
-            <a:off x="3551344" y="2111688"/>
-            <a:ext cx="1046742" cy="318175"/>
-          </a:xfrm>
-          <a:prstGeom prst="straightConnector1">
-            <a:avLst/>
-          </a:prstGeom>
-          <a:ln w="57150">
-            <a:tailEnd type="triangle"/>
-          </a:ln>
-        </p:spPr>
-        <p:style>
-          <a:lnRef idx="1">
-            <a:schemeClr val="dk1"/>
-          </a:lnRef>
-          <a:fillRef idx="0">
-            <a:schemeClr val="dk1"/>
-          </a:fillRef>
-          <a:effectRef idx="0">
-            <a:schemeClr val="dk1"/>
-          </a:effectRef>
-          <a:fontRef idx="minor">
-            <a:schemeClr val="tx1"/>
-          </a:fontRef>
-        </p:style>
-      </p:cxnSp>
-      <p:cxnSp>
-        <p:nvCxnSpPr>
-          <p:cNvPr id="38" name="直線矢印コネクタ 37">
-            <a:extLst>
-              <a:ext uri="{FF2B5EF4-FFF2-40B4-BE49-F238E27FC236}">
-                <a16:creationId xmlns:a16="http://schemas.microsoft.com/office/drawing/2014/main" id="{BCC7594A-1961-4F9C-94F0-6EB13B37B8A1}"/>
-              </a:ext>
-            </a:extLst>
-          </p:cNvPr>
-          <p:cNvCxnSpPr>
-            <a:cxnSpLocks/>
-          </p:cNvCxnSpPr>
-          <p:nvPr/>
-        </p:nvCxnSpPr>
-        <p:spPr>
-          <a:xfrm flipH="1" flipV="1">
-            <a:off x="2985219" y="2120505"/>
-            <a:ext cx="566128" cy="309359"/>
-          </a:xfrm>
-          <a:prstGeom prst="straightConnector1">
-            <a:avLst/>
-          </a:prstGeom>
-          <a:ln w="57150">
-            <a:tailEnd type="triangle"/>
-          </a:ln>
-        </p:spPr>
-        <p:style>
-          <a:lnRef idx="1">
-            <a:schemeClr val="dk1"/>
-          </a:lnRef>
-          <a:fillRef idx="0">
-            <a:schemeClr val="dk1"/>
-          </a:fillRef>
-          <a:effectRef idx="0">
-            <a:schemeClr val="dk1"/>
-          </a:effectRef>
-          <a:fontRef idx="minor">
-            <a:schemeClr val="tx1"/>
-          </a:fontRef>
-        </p:style>
-      </p:cxnSp>
-      <mc:AlternateContent xmlns:mc="http://schemas.openxmlformats.org/markup-compatibility/2006" xmlns:a14="http://schemas.microsoft.com/office/drawing/2010/main">
-        <mc:Choice Requires="a14">
-          <p:sp>
-            <p:nvSpPr>
-              <p:cNvPr id="40" name="テキスト ボックス 39">
-                <a:extLst>
-                  <a:ext uri="{FF2B5EF4-FFF2-40B4-BE49-F238E27FC236}">
-                    <a16:creationId xmlns:a16="http://schemas.microsoft.com/office/drawing/2014/main" id="{DC7FC1C0-7B48-43EF-A6F8-5ED09F12CE2B}"/>
-                  </a:ext>
-                </a:extLst>
-              </p:cNvPr>
-              <p:cNvSpPr txBox="1"/>
-              <p:nvPr/>
-            </p:nvSpPr>
-            <p:spPr>
-              <a:xfrm>
-                <a:off x="5292849" y="4622006"/>
-                <a:ext cx="618567" cy="584775"/>
-              </a:xfrm>
-              <a:prstGeom prst="rect">
-                <a:avLst/>
-              </a:prstGeom>
-              <a:noFill/>
-            </p:spPr>
-            <p:txBody>
-              <a:bodyPr wrap="square" rtlCol="0">
-                <a:spAutoFit/>
-              </a:bodyPr>
-              <a:lstStyle/>
-              <a:p>
-                <a:pPr/>
-                <a14:m>
-                  <m:oMathPara xmlns:m="http://schemas.openxmlformats.org/officeDocument/2006/math">
-                    <m:oMathParaPr>
-                      <m:jc m:val="centerGroup"/>
-                    </m:oMathParaPr>
-                    <m:oMath xmlns:m="http://schemas.openxmlformats.org/officeDocument/2006/math">
-                      <m:sSub>
-                        <m:sSubPr>
-                          <m:ctrlPr>
-                            <a:rPr kumimoji="1" lang="en-US" altLang="ja-JP" sz="3200" b="0" i="1" smtClean="0">
-                              <a:latin typeface="Cambria Math" panose="02040503050406030204" pitchFamily="18" charset="0"/>
-                            </a:rPr>
-                          </m:ctrlPr>
-                        </m:sSubPr>
-                        <m:e>
-                          <m:r>
-                            <a:rPr kumimoji="1" lang="en-US" altLang="ja-JP" sz="3200" b="1" i="1" smtClean="0">
-                              <a:latin typeface="Cambria Math" panose="02040503050406030204" pitchFamily="18" charset="0"/>
-                            </a:rPr>
-                            <m:t>𝒙</m:t>
-                          </m:r>
-                        </m:e>
-                        <m:sub>
-                          <m:r>
-                            <a:rPr kumimoji="1" lang="en-US" altLang="ja-JP" sz="3200" b="0" i="1" smtClean="0">
-                              <a:latin typeface="Cambria Math" panose="02040503050406030204" pitchFamily="18" charset="0"/>
-                            </a:rPr>
-                            <m:t>𝑏</m:t>
-                          </m:r>
-                        </m:sub>
-                      </m:sSub>
-                    </m:oMath>
-                  </m:oMathPara>
-                </a14:m>
-                <a:endParaRPr kumimoji="1" lang="ja-JP" altLang="en-US" sz="3200" dirty="0"/>
-              </a:p>
-            </p:txBody>
-          </p:sp>
-        </mc:Choice>
-        <mc:Fallback xmlns="">
-          <p:sp>
-            <p:nvSpPr>
-              <p:cNvPr id="40" name="テキスト ボックス 39">
-                <a:extLst>
-                  <a:ext uri="{FF2B5EF4-FFF2-40B4-BE49-F238E27FC236}">
-                    <a16:creationId xmlns:a16="http://schemas.microsoft.com/office/drawing/2014/main" id="{DC7FC1C0-7B48-43EF-A6F8-5ED09F12CE2B}"/>
-                  </a:ext>
-                </a:extLst>
-              </p:cNvPr>
-              <p:cNvSpPr txBox="1">
-                <a:spLocks noRot="1" noChangeAspect="1" noMove="1" noResize="1" noEditPoints="1" noAdjustHandles="1" noChangeArrowheads="1" noChangeShapeType="1" noTextEdit="1"/>
-              </p:cNvSpPr>
-              <p:nvPr/>
-            </p:nvSpPr>
-            <p:spPr>
-              <a:xfrm>
-                <a:off x="5292849" y="4622006"/>
-                <a:ext cx="618567" cy="584775"/>
-              </a:xfrm>
-              <a:prstGeom prst="rect">
-                <a:avLst/>
-              </a:prstGeom>
-              <a:blipFill>
-                <a:blip r:embed="rId5"/>
-                <a:stretch>
-                  <a:fillRect/>
-                </a:stretch>
-              </a:blipFill>
-            </p:spPr>
-            <p:txBody>
-              <a:bodyPr/>
-              <a:lstStyle/>
-              <a:p>
-                <a:r>
-                  <a:rPr lang="ja-JP" altLang="en-US">
-                    <a:noFill/>
-                  </a:rPr>
-                  <a:t> </a:t>
-                </a:r>
-              </a:p>
-            </p:txBody>
-          </p:sp>
-        </mc:Fallback>
-      </mc:AlternateContent>
-      <p:cxnSp>
-        <p:nvCxnSpPr>
-          <p:cNvPr id="41" name="直線矢印コネクタ 40">
-            <a:extLst>
-              <a:ext uri="{FF2B5EF4-FFF2-40B4-BE49-F238E27FC236}">
-                <a16:creationId xmlns:a16="http://schemas.microsoft.com/office/drawing/2014/main" id="{5F9E0C92-E9E0-4069-94A9-5AF3F3E693E6}"/>
-              </a:ext>
-            </a:extLst>
-          </p:cNvPr>
-          <p:cNvCxnSpPr>
-            <a:cxnSpLocks/>
-          </p:cNvCxnSpPr>
-          <p:nvPr/>
-        </p:nvCxnSpPr>
-        <p:spPr>
-          <a:xfrm flipH="1">
-            <a:off x="3787551" y="3948968"/>
-            <a:ext cx="2510611" cy="2127400"/>
-          </a:xfrm>
-          <a:prstGeom prst="straightConnector1">
-            <a:avLst/>
-          </a:prstGeom>
-          <a:ln w="38100">
-            <a:tailEnd type="triangle"/>
-          </a:ln>
-        </p:spPr>
-        <p:style>
-          <a:lnRef idx="1">
-            <a:schemeClr val="dk1"/>
-          </a:lnRef>
-          <a:fillRef idx="0">
-            <a:schemeClr val="dk1"/>
-          </a:fillRef>
-          <a:effectRef idx="0">
-            <a:schemeClr val="dk1"/>
-          </a:effectRef>
-          <a:fontRef idx="minor">
-            <a:schemeClr val="tx1"/>
-          </a:fontRef>
-        </p:style>
-      </p:cxnSp>
-      <mc:AlternateContent xmlns:mc="http://schemas.openxmlformats.org/markup-compatibility/2006" xmlns:a14="http://schemas.microsoft.com/office/drawing/2010/main">
-        <mc:Choice Requires="a14">
-          <p:sp>
-            <p:nvSpPr>
-              <p:cNvPr id="42" name="テキスト ボックス 41">
-                <a:extLst>
-                  <a:ext uri="{FF2B5EF4-FFF2-40B4-BE49-F238E27FC236}">
-                    <a16:creationId xmlns:a16="http://schemas.microsoft.com/office/drawing/2014/main" id="{37C0B271-660B-4B7E-BF66-EB528B7D921B}"/>
-                  </a:ext>
-                </a:extLst>
-              </p:cNvPr>
-              <p:cNvSpPr txBox="1"/>
-              <p:nvPr/>
-            </p:nvSpPr>
-            <p:spPr>
-              <a:xfrm>
-                <a:off x="5331256" y="3798205"/>
-                <a:ext cx="618567" cy="584775"/>
-              </a:xfrm>
-              <a:prstGeom prst="rect">
-                <a:avLst/>
-              </a:prstGeom>
-              <a:noFill/>
-            </p:spPr>
-            <p:txBody>
-              <a:bodyPr wrap="square" rtlCol="0">
-                <a:spAutoFit/>
-              </a:bodyPr>
-              <a:lstStyle/>
-              <a:p>
-                <a:pPr/>
-                <a14:m>
-                  <m:oMathPara xmlns:m="http://schemas.openxmlformats.org/officeDocument/2006/math">
-                    <m:oMathParaPr>
-                      <m:jc m:val="centerGroup"/>
-                    </m:oMathParaPr>
-                    <m:oMath xmlns:m="http://schemas.openxmlformats.org/officeDocument/2006/math">
-                      <m:sSubSup>
-                        <m:sSubSupPr>
-                          <m:ctrlPr>
-                            <a:rPr kumimoji="1" lang="en-US" altLang="ja-JP" sz="3200" i="1" smtClean="0">
-                              <a:latin typeface="Cambria Math" panose="02040503050406030204" pitchFamily="18" charset="0"/>
-                            </a:rPr>
-                          </m:ctrlPr>
-                        </m:sSubSupPr>
-                        <m:e>
-                          <m:r>
-                            <a:rPr kumimoji="1" lang="en-US" altLang="ja-JP" sz="3200" b="1" i="1" smtClean="0">
-                              <a:latin typeface="Cambria Math" panose="02040503050406030204" pitchFamily="18" charset="0"/>
-                            </a:rPr>
-                            <m:t>𝒙</m:t>
-                          </m:r>
-                        </m:e>
-                        <m:sub>
-                          <m:r>
-                            <a:rPr kumimoji="1" lang="en-US" altLang="ja-JP" sz="3200" b="0" i="1" smtClean="0">
-                              <a:latin typeface="Cambria Math" panose="02040503050406030204" pitchFamily="18" charset="0"/>
-                            </a:rPr>
-                            <m:t>𝑤</m:t>
-                          </m:r>
-                        </m:sub>
-                        <m:sup>
-                          <m:r>
-                            <a:rPr kumimoji="1" lang="en-US" altLang="ja-JP" sz="3200" b="0" i="1" smtClean="0">
-                              <a:latin typeface="Cambria Math" panose="02040503050406030204" pitchFamily="18" charset="0"/>
-                            </a:rPr>
-                            <m:t>′</m:t>
-                          </m:r>
-                        </m:sup>
-                      </m:sSubSup>
-                    </m:oMath>
-                  </m:oMathPara>
-                </a14:m>
-                <a:endParaRPr kumimoji="1" lang="ja-JP" altLang="en-US" sz="3200" dirty="0"/>
-              </a:p>
-            </p:txBody>
-          </p:sp>
-        </mc:Choice>
-        <mc:Fallback xmlns="">
-          <p:sp>
-            <p:nvSpPr>
-              <p:cNvPr id="42" name="テキスト ボックス 41">
-                <a:extLst>
-                  <a:ext uri="{FF2B5EF4-FFF2-40B4-BE49-F238E27FC236}">
-                    <a16:creationId xmlns:a16="http://schemas.microsoft.com/office/drawing/2014/main" id="{37C0B271-660B-4B7E-BF66-EB528B7D921B}"/>
-                  </a:ext>
-                </a:extLst>
-              </p:cNvPr>
-              <p:cNvSpPr txBox="1">
-                <a:spLocks noRot="1" noChangeAspect="1" noMove="1" noResize="1" noEditPoints="1" noAdjustHandles="1" noChangeArrowheads="1" noChangeShapeType="1" noTextEdit="1"/>
-              </p:cNvSpPr>
-              <p:nvPr/>
-            </p:nvSpPr>
-            <p:spPr>
-              <a:xfrm>
-                <a:off x="5331256" y="3798205"/>
-                <a:ext cx="618567" cy="584775"/>
-              </a:xfrm>
-              <a:prstGeom prst="rect">
-                <a:avLst/>
-              </a:prstGeom>
-              <a:blipFill>
-                <a:blip r:embed="rId6"/>
-                <a:stretch>
-                  <a:fillRect/>
-                </a:stretch>
-              </a:blipFill>
-            </p:spPr>
-            <p:txBody>
-              <a:bodyPr/>
-              <a:lstStyle/>
-              <a:p>
-                <a:r>
-                  <a:rPr lang="ja-JP" altLang="en-US">
-                    <a:noFill/>
-                  </a:rPr>
-                  <a:t> </a:t>
-                </a:r>
-              </a:p>
-            </p:txBody>
-          </p:sp>
-        </mc:Fallback>
-      </mc:AlternateContent>
-      <p:cxnSp>
-        <p:nvCxnSpPr>
-          <p:cNvPr id="43" name="直線矢印コネクタ 42">
-            <a:extLst>
-              <a:ext uri="{FF2B5EF4-FFF2-40B4-BE49-F238E27FC236}">
-                <a16:creationId xmlns:a16="http://schemas.microsoft.com/office/drawing/2014/main" id="{46EE3AC7-8E53-4474-A602-915FAB7A1678}"/>
-              </a:ext>
-            </a:extLst>
-          </p:cNvPr>
-          <p:cNvCxnSpPr>
-            <a:cxnSpLocks/>
-          </p:cNvCxnSpPr>
-          <p:nvPr/>
-        </p:nvCxnSpPr>
-        <p:spPr>
-          <a:xfrm flipV="1">
-            <a:off x="3848935" y="3982834"/>
-            <a:ext cx="2564101" cy="2141881"/>
-          </a:xfrm>
-          <a:prstGeom prst="straightConnector1">
-            <a:avLst/>
-          </a:prstGeom>
-          <a:ln w="38100">
-            <a:tailEnd type="triangle"/>
-          </a:ln>
-        </p:spPr>
-        <p:style>
-          <a:lnRef idx="1">
-            <a:schemeClr val="dk1"/>
-          </a:lnRef>
-          <a:fillRef idx="0">
-            <a:schemeClr val="dk1"/>
-          </a:fillRef>
-          <a:effectRef idx="0">
-            <a:schemeClr val="dk1"/>
-          </a:effectRef>
-          <a:fontRef idx="minor">
-            <a:schemeClr val="tx1"/>
-          </a:fontRef>
-        </p:style>
-      </p:cxnSp>
-      <p:sp>
-        <p:nvSpPr>
-          <p:cNvPr id="39" name="楕円 38">
-            <a:extLst>
-              <a:ext uri="{FF2B5EF4-FFF2-40B4-BE49-F238E27FC236}">
-                <a16:creationId xmlns:a16="http://schemas.microsoft.com/office/drawing/2014/main" id="{F17367F1-4FC1-45D2-9E20-B086198418F0}"/>
-              </a:ext>
-            </a:extLst>
-          </p:cNvPr>
-          <p:cNvSpPr/>
-          <p:nvPr/>
-        </p:nvSpPr>
-        <p:spPr>
-          <a:xfrm>
-            <a:off x="7178704" y="1180719"/>
-            <a:ext cx="152400" cy="152400"/>
-          </a:xfrm>
-          <a:prstGeom prst="ellipse">
-            <a:avLst/>
-          </a:prstGeom>
-          <a:solidFill>
-            <a:schemeClr val="accent2">
-              <a:lumMod val="75000"/>
-            </a:schemeClr>
-          </a:solidFill>
-          <a:ln>
-            <a:noFill/>
-          </a:ln>
-        </p:spPr>
-        <p:style>
-          <a:lnRef idx="2">
-            <a:schemeClr val="accent1">
-              <a:shade val="50000"/>
-            </a:schemeClr>
-          </a:lnRef>
-          <a:fillRef idx="1">
-            <a:schemeClr val="accent1"/>
-          </a:fillRef>
-          <a:effectRef idx="0">
-            <a:schemeClr val="accent1"/>
-          </a:effectRef>
-          <a:fontRef idx="minor">
-            <a:schemeClr val="lt1"/>
-          </a:fontRef>
-        </p:style>
-        <p:txBody>
-          <a:bodyPr rtlCol="0" anchor="ctr"/>
-          <a:lstStyle/>
-          <a:p>
-            <a:pPr algn="ctr"/>
-            <a:endParaRPr kumimoji="1" lang="ja-JP" altLang="en-US"/>
-          </a:p>
-        </p:txBody>
-      </p:sp>
-      <p:cxnSp>
-        <p:nvCxnSpPr>
-          <p:cNvPr id="45" name="直線矢印コネクタ 44">
-            <a:extLst>
-              <a:ext uri="{FF2B5EF4-FFF2-40B4-BE49-F238E27FC236}">
-                <a16:creationId xmlns:a16="http://schemas.microsoft.com/office/drawing/2014/main" id="{9DE9DB58-9B6C-42BB-95DC-D92F53A41360}"/>
-              </a:ext>
-            </a:extLst>
-          </p:cNvPr>
-          <p:cNvCxnSpPr>
-            <a:cxnSpLocks/>
-            <a:endCxn id="39" idx="3"/>
-          </p:cNvCxnSpPr>
-          <p:nvPr/>
-        </p:nvCxnSpPr>
-        <p:spPr>
-          <a:xfrm flipV="1">
-            <a:off x="3726167" y="1310801"/>
-            <a:ext cx="3474855" cy="4936198"/>
-          </a:xfrm>
-          <a:prstGeom prst="straightConnector1">
-            <a:avLst/>
-          </a:prstGeom>
-          <a:ln w="19050">
-            <a:prstDash val="dash"/>
-            <a:tailEnd type="triangle"/>
-          </a:ln>
-        </p:spPr>
-        <p:style>
-          <a:lnRef idx="1">
-            <a:schemeClr val="dk1"/>
-          </a:lnRef>
-          <a:fillRef idx="0">
-            <a:schemeClr val="dk1"/>
-          </a:fillRef>
-          <a:effectRef idx="0">
-            <a:schemeClr val="dk1"/>
-          </a:effectRef>
-          <a:fontRef idx="minor">
-            <a:schemeClr val="tx1"/>
-          </a:fontRef>
-        </p:style>
-      </p:cxnSp>
-      <p:cxnSp>
-        <p:nvCxnSpPr>
-          <p:cNvPr id="46" name="直線矢印コネクタ 45">
-            <a:extLst>
-              <a:ext uri="{FF2B5EF4-FFF2-40B4-BE49-F238E27FC236}">
-                <a16:creationId xmlns:a16="http://schemas.microsoft.com/office/drawing/2014/main" id="{7E03CF45-D4B5-4B0A-9783-C76B10D998B9}"/>
-              </a:ext>
-            </a:extLst>
-          </p:cNvPr>
-          <p:cNvCxnSpPr>
-            <a:cxnSpLocks/>
-            <a:endCxn id="39" idx="4"/>
-          </p:cNvCxnSpPr>
-          <p:nvPr/>
-        </p:nvCxnSpPr>
-        <p:spPr>
-          <a:xfrm flipV="1">
-            <a:off x="6342240" y="1333119"/>
-            <a:ext cx="912664" cy="2628542"/>
-          </a:xfrm>
-          <a:prstGeom prst="straightConnector1">
-            <a:avLst/>
-          </a:prstGeom>
-          <a:ln w="19050">
-            <a:prstDash val="dash"/>
-            <a:tailEnd type="triangle"/>
-          </a:ln>
-        </p:spPr>
-        <p:style>
-          <a:lnRef idx="1">
-            <a:schemeClr val="dk1"/>
-          </a:lnRef>
-          <a:fillRef idx="0">
-            <a:schemeClr val="dk1"/>
-          </a:fillRef>
-          <a:effectRef idx="0">
-            <a:schemeClr val="dk1"/>
-          </a:effectRef>
-          <a:fontRef idx="minor">
-            <a:schemeClr val="tx1"/>
-          </a:fontRef>
-        </p:style>
-      </p:cxnSp>
-      <p:cxnSp>
-        <p:nvCxnSpPr>
-          <p:cNvPr id="47" name="直線矢印コネクタ 46">
-            <a:extLst>
-              <a:ext uri="{FF2B5EF4-FFF2-40B4-BE49-F238E27FC236}">
-                <a16:creationId xmlns:a16="http://schemas.microsoft.com/office/drawing/2014/main" id="{866D58FC-F558-47EE-AD4C-053BF8E7A46C}"/>
-              </a:ext>
-            </a:extLst>
-          </p:cNvPr>
-          <p:cNvCxnSpPr>
-            <a:cxnSpLocks/>
-          </p:cNvCxnSpPr>
-          <p:nvPr/>
-        </p:nvCxnSpPr>
-        <p:spPr>
-          <a:xfrm flipV="1">
-            <a:off x="3804431" y="781632"/>
-            <a:ext cx="491120" cy="5381876"/>
-          </a:xfrm>
-          <a:prstGeom prst="straightConnector1">
-            <a:avLst/>
-          </a:prstGeom>
-          <a:ln w="19050">
-            <a:prstDash val="dash"/>
-            <a:tailEnd type="triangle"/>
-          </a:ln>
-        </p:spPr>
-        <p:style>
-          <a:lnRef idx="1">
-            <a:schemeClr val="dk1"/>
-          </a:lnRef>
-          <a:fillRef idx="0">
-            <a:schemeClr val="dk1"/>
-          </a:fillRef>
-          <a:effectRef idx="0">
-            <a:schemeClr val="dk1"/>
-          </a:effectRef>
-          <a:fontRef idx="minor">
-            <a:schemeClr val="tx1"/>
-          </a:fontRef>
-        </p:style>
-      </p:cxnSp>
-      <p:sp>
-        <p:nvSpPr>
-          <p:cNvPr id="48" name="円弧 47">
-            <a:extLst>
-              <a:ext uri="{FF2B5EF4-FFF2-40B4-BE49-F238E27FC236}">
-                <a16:creationId xmlns:a16="http://schemas.microsoft.com/office/drawing/2014/main" id="{5682BF87-3261-40D4-9D1D-F67FEF9D10D3}"/>
-              </a:ext>
-            </a:extLst>
-          </p:cNvPr>
-          <p:cNvSpPr/>
-          <p:nvPr/>
-        </p:nvSpPr>
-        <p:spPr>
-          <a:xfrm rot="20514364">
-            <a:off x="2102781" y="583387"/>
-            <a:ext cx="6380137" cy="6380137"/>
-          </a:xfrm>
-          <a:prstGeom prst="arc">
-            <a:avLst>
-              <a:gd name="adj1" fmla="val 16200000"/>
-              <a:gd name="adj2" fmla="val 19515177"/>
-            </a:avLst>
-          </a:prstGeom>
-          <a:ln w="38100">
-            <a:solidFill>
-              <a:schemeClr val="tx1"/>
-            </a:solidFill>
-            <a:prstDash val="sysDash"/>
-            <a:headEnd type="arrow" w="med" len="med"/>
-            <a:tailEnd type="none" w="med" len="med"/>
-          </a:ln>
-        </p:spPr>
-        <p:style>
-          <a:lnRef idx="1">
-            <a:schemeClr val="accent1"/>
-          </a:lnRef>
-          <a:fillRef idx="0">
-            <a:schemeClr val="accent1"/>
-          </a:fillRef>
-          <a:effectRef idx="0">
-            <a:schemeClr val="accent1"/>
-          </a:effectRef>
-          <a:fontRef idx="minor">
-            <a:schemeClr val="tx1"/>
-          </a:fontRef>
-        </p:style>
-        <p:txBody>
-          <a:bodyPr rtlCol="0" anchor="ctr"/>
-          <a:lstStyle/>
-          <a:p>
-            <a:pPr algn="ctr"/>
-            <a:endParaRPr kumimoji="1" lang="ja-JP" altLang="en-US"/>
-          </a:p>
-        </p:txBody>
-      </p:sp>
-      <p:sp>
-        <p:nvSpPr>
-          <p:cNvPr id="49" name="楕円 48">
-            <a:extLst>
-              <a:ext uri="{FF2B5EF4-FFF2-40B4-BE49-F238E27FC236}">
-                <a16:creationId xmlns:a16="http://schemas.microsoft.com/office/drawing/2014/main" id="{60375D7C-854E-4E6E-B200-F47C366ACD61}"/>
-              </a:ext>
-            </a:extLst>
-          </p:cNvPr>
-          <p:cNvSpPr/>
-          <p:nvPr/>
-        </p:nvSpPr>
-        <p:spPr>
-          <a:xfrm>
-            <a:off x="4209127" y="664967"/>
-            <a:ext cx="152400" cy="152400"/>
-          </a:xfrm>
-          <a:prstGeom prst="ellipse">
-            <a:avLst/>
-          </a:prstGeom>
-          <a:solidFill>
-            <a:schemeClr val="accent2">
-              <a:lumMod val="75000"/>
-            </a:schemeClr>
-          </a:solidFill>
-          <a:ln>
-            <a:noFill/>
-          </a:ln>
-        </p:spPr>
-        <p:style>
-          <a:lnRef idx="2">
-            <a:schemeClr val="accent1">
-              <a:shade val="50000"/>
-            </a:schemeClr>
-          </a:lnRef>
-          <a:fillRef idx="1">
-            <a:schemeClr val="accent1"/>
-          </a:fillRef>
-          <a:effectRef idx="0">
-            <a:schemeClr val="accent1"/>
-          </a:effectRef>
-          <a:fontRef idx="minor">
-            <a:schemeClr val="lt1"/>
-          </a:fontRef>
-        </p:style>
-        <p:txBody>
-          <a:bodyPr rtlCol="0" anchor="ctr"/>
-          <a:lstStyle/>
-          <a:p>
-            <a:pPr algn="ctr"/>
-            <a:endParaRPr kumimoji="1" lang="ja-JP" altLang="en-US"/>
-          </a:p>
-        </p:txBody>
-      </p:sp>
-      <p:cxnSp>
-        <p:nvCxnSpPr>
-          <p:cNvPr id="50" name="直線矢印コネクタ 49">
-            <a:extLst>
-              <a:ext uri="{FF2B5EF4-FFF2-40B4-BE49-F238E27FC236}">
-                <a16:creationId xmlns:a16="http://schemas.microsoft.com/office/drawing/2014/main" id="{638DF235-5AAF-484B-873A-EA89D8A616A6}"/>
-              </a:ext>
-            </a:extLst>
-          </p:cNvPr>
-          <p:cNvCxnSpPr>
-            <a:cxnSpLocks/>
-            <a:endCxn id="49" idx="3"/>
-          </p:cNvCxnSpPr>
-          <p:nvPr/>
-        </p:nvCxnSpPr>
-        <p:spPr>
-          <a:xfrm flipV="1">
-            <a:off x="3568224" y="795049"/>
-            <a:ext cx="663221" cy="1598784"/>
-          </a:xfrm>
-          <a:prstGeom prst="straightConnector1">
-            <a:avLst/>
-          </a:prstGeom>
-          <a:ln w="19050">
-            <a:tailEnd type="triangle"/>
-          </a:ln>
-        </p:spPr>
-        <p:style>
-          <a:lnRef idx="1">
-            <a:schemeClr val="dk1"/>
-          </a:lnRef>
-          <a:fillRef idx="0">
-            <a:schemeClr val="dk1"/>
-          </a:fillRef>
-          <a:effectRef idx="0">
-            <a:schemeClr val="dk1"/>
-          </a:effectRef>
-          <a:fontRef idx="minor">
-            <a:schemeClr val="tx1"/>
-          </a:fontRef>
-        </p:style>
-      </p:cxnSp>
-      <mc:AlternateContent xmlns:mc="http://schemas.openxmlformats.org/markup-compatibility/2006" xmlns:a14="http://schemas.microsoft.com/office/drawing/2010/main">
-        <mc:Choice Requires="a14">
-          <p:sp>
-            <p:nvSpPr>
-              <p:cNvPr id="51" name="テキスト ボックス 50">
-                <a:extLst>
-                  <a:ext uri="{FF2B5EF4-FFF2-40B4-BE49-F238E27FC236}">
-                    <a16:creationId xmlns:a16="http://schemas.microsoft.com/office/drawing/2014/main" id="{22F67937-B385-4DEA-91A6-BDCEF6980CA0}"/>
-                  </a:ext>
-                </a:extLst>
-              </p:cNvPr>
-              <p:cNvSpPr txBox="1"/>
-              <p:nvPr/>
-            </p:nvSpPr>
-            <p:spPr>
-              <a:xfrm>
-                <a:off x="4000730" y="3328423"/>
-                <a:ext cx="639599" cy="492443"/>
-              </a:xfrm>
-              <a:prstGeom prst="rect">
-                <a:avLst/>
-              </a:prstGeom>
-              <a:noFill/>
-            </p:spPr>
-            <p:txBody>
-              <a:bodyPr wrap="none" lIns="0" tIns="0" rIns="0" bIns="0" rtlCol="0">
-                <a:spAutoFit/>
-              </a:bodyPr>
-              <a:lstStyle/>
-              <a:p>
-                <a:pPr/>
-                <a14:m>
-                  <m:oMathPara xmlns:m="http://schemas.openxmlformats.org/officeDocument/2006/math">
-                    <m:oMathParaPr>
-                      <m:jc m:val="centerGroup"/>
-                    </m:oMathParaPr>
-                    <m:oMath xmlns:m="http://schemas.openxmlformats.org/officeDocument/2006/math">
-                      <m:r>
-                        <a:rPr kumimoji="1" lang="en-US" altLang="ja-JP" sz="3200" b="0" i="1" smtClean="0">
-                          <a:latin typeface="Cambria Math" panose="02040503050406030204" pitchFamily="18" charset="0"/>
-                        </a:rPr>
-                        <m:t>𝑅</m:t>
-                      </m:r>
-                      <m:r>
-                        <a:rPr kumimoji="1" lang="en-US" altLang="ja-JP" sz="3200" b="1" i="1" smtClean="0">
-                          <a:latin typeface="Cambria Math" panose="02040503050406030204" pitchFamily="18" charset="0"/>
-                        </a:rPr>
-                        <m:t>𝒙</m:t>
-                      </m:r>
-                    </m:oMath>
-                  </m:oMathPara>
-                </a14:m>
-                <a:endParaRPr kumimoji="1" lang="ja-JP" altLang="en-US" sz="3200" b="1" dirty="0"/>
-              </a:p>
-            </p:txBody>
-          </p:sp>
-        </mc:Choice>
-        <mc:Fallback xmlns="">
-          <p:sp>
-            <p:nvSpPr>
-              <p:cNvPr id="51" name="テキスト ボックス 50">
-                <a:extLst>
-                  <a:ext uri="{FF2B5EF4-FFF2-40B4-BE49-F238E27FC236}">
-                    <a16:creationId xmlns:a16="http://schemas.microsoft.com/office/drawing/2014/main" id="{22F67937-B385-4DEA-91A6-BDCEF6980CA0}"/>
-                  </a:ext>
-                </a:extLst>
-              </p:cNvPr>
-              <p:cNvSpPr txBox="1">
-                <a:spLocks noRot="1" noChangeAspect="1" noMove="1" noResize="1" noEditPoints="1" noAdjustHandles="1" noChangeArrowheads="1" noChangeShapeType="1" noTextEdit="1"/>
-              </p:cNvSpPr>
-              <p:nvPr/>
-            </p:nvSpPr>
-            <p:spPr>
-              <a:xfrm>
-                <a:off x="4000730" y="3328423"/>
-                <a:ext cx="639599" cy="492443"/>
-              </a:xfrm>
-              <a:prstGeom prst="rect">
-                <a:avLst/>
-              </a:prstGeom>
-              <a:blipFill>
-                <a:blip r:embed="rId7"/>
-                <a:stretch>
-                  <a:fillRect/>
-                </a:stretch>
-              </a:blipFill>
-            </p:spPr>
-            <p:txBody>
-              <a:bodyPr/>
-              <a:lstStyle/>
-              <a:p>
-                <a:r>
-                  <a:rPr lang="ja-JP" altLang="en-US">
-                    <a:noFill/>
-                  </a:rPr>
-                  <a:t> </a:t>
-                </a:r>
-              </a:p>
-            </p:txBody>
-          </p:sp>
-        </mc:Fallback>
-      </mc:AlternateContent>
-      <mc:AlternateContent xmlns:mc="http://schemas.openxmlformats.org/markup-compatibility/2006" xmlns:a14="http://schemas.microsoft.com/office/drawing/2010/main">
-        <mc:Choice Requires="a14">
-          <p:sp>
-            <p:nvSpPr>
-              <p:cNvPr id="52" name="テキスト ボックス 51">
-                <a:extLst>
-                  <a:ext uri="{FF2B5EF4-FFF2-40B4-BE49-F238E27FC236}">
-                    <a16:creationId xmlns:a16="http://schemas.microsoft.com/office/drawing/2014/main" id="{DA3DA3D0-8539-4154-878B-045ADAAA4165}"/>
-                  </a:ext>
-                </a:extLst>
-              </p:cNvPr>
-              <p:cNvSpPr txBox="1"/>
-              <p:nvPr/>
-            </p:nvSpPr>
-            <p:spPr>
-              <a:xfrm>
-                <a:off x="4113427" y="122012"/>
-                <a:ext cx="479747" cy="492443"/>
-              </a:xfrm>
-              <a:prstGeom prst="rect">
-                <a:avLst/>
-              </a:prstGeom>
-              <a:noFill/>
-            </p:spPr>
-            <p:txBody>
-              <a:bodyPr wrap="none" lIns="0" tIns="0" rIns="0" bIns="0" rtlCol="0">
-                <a:spAutoFit/>
-              </a:bodyPr>
-              <a:lstStyle/>
-              <a:p>
-                <a:pPr/>
-                <a14:m>
-                  <m:oMathPara xmlns:m="http://schemas.openxmlformats.org/officeDocument/2006/math">
-                    <m:oMathParaPr>
-                      <m:jc m:val="centerGroup"/>
-                    </m:oMathParaPr>
-                    <m:oMath xmlns:m="http://schemas.openxmlformats.org/officeDocument/2006/math">
-                      <m:sSup>
-                        <m:sSupPr>
-                          <m:ctrlPr>
-                            <a:rPr kumimoji="1" lang="en-US" altLang="ja-JP" sz="3200" b="0" i="1" smtClean="0">
-                              <a:latin typeface="Cambria Math" panose="02040503050406030204" pitchFamily="18" charset="0"/>
-                            </a:rPr>
-                          </m:ctrlPr>
-                        </m:sSupPr>
-                        <m:e>
-                          <m:r>
-                            <a:rPr kumimoji="1" lang="en-US" altLang="ja-JP" sz="3200" b="0" i="1" smtClean="0">
-                              <a:latin typeface="Cambria Math" panose="02040503050406030204" pitchFamily="18" charset="0"/>
-                            </a:rPr>
-                            <m:t>𝑝</m:t>
-                          </m:r>
-                        </m:e>
-                        <m:sup>
-                          <m:r>
-                            <a:rPr kumimoji="1" lang="en-US" altLang="ja-JP" sz="3200" b="0" i="1" smtClean="0">
-                              <a:latin typeface="Cambria Math" panose="02040503050406030204" pitchFamily="18" charset="0"/>
-                            </a:rPr>
-                            <m:t>′</m:t>
-                          </m:r>
-                        </m:sup>
-                      </m:sSup>
-                    </m:oMath>
-                  </m:oMathPara>
-                </a14:m>
-                <a:endParaRPr kumimoji="1" lang="ja-JP" altLang="en-US" sz="3200" dirty="0"/>
-              </a:p>
-            </p:txBody>
-          </p:sp>
-        </mc:Choice>
-        <mc:Fallback xmlns="">
-          <p:sp>
-            <p:nvSpPr>
-              <p:cNvPr id="52" name="テキスト ボックス 51">
-                <a:extLst>
-                  <a:ext uri="{FF2B5EF4-FFF2-40B4-BE49-F238E27FC236}">
-                    <a16:creationId xmlns:a16="http://schemas.microsoft.com/office/drawing/2014/main" id="{DA3DA3D0-8539-4154-878B-045ADAAA4165}"/>
-                  </a:ext>
-                </a:extLst>
-              </p:cNvPr>
-              <p:cNvSpPr txBox="1">
-                <a:spLocks noRot="1" noChangeAspect="1" noMove="1" noResize="1" noEditPoints="1" noAdjustHandles="1" noChangeArrowheads="1" noChangeShapeType="1" noTextEdit="1"/>
-              </p:cNvSpPr>
-              <p:nvPr/>
-            </p:nvSpPr>
-            <p:spPr>
-              <a:xfrm>
-                <a:off x="4113427" y="122012"/>
-                <a:ext cx="479747" cy="492443"/>
-              </a:xfrm>
-              <a:prstGeom prst="rect">
-                <a:avLst/>
-              </a:prstGeom>
-              <a:blipFill>
-                <a:blip r:embed="rId8"/>
-                <a:stretch>
-                  <a:fillRect/>
-                </a:stretch>
-              </a:blipFill>
-            </p:spPr>
-            <p:txBody>
-              <a:bodyPr/>
-              <a:lstStyle/>
-              <a:p>
-                <a:r>
-                  <a:rPr lang="ja-JP" altLang="en-US">
-                    <a:noFill/>
-                  </a:rPr>
-                  <a:t> </a:t>
-                </a:r>
-              </a:p>
-            </p:txBody>
-          </p:sp>
-        </mc:Fallback>
-      </mc:AlternateContent>
-      <mc:AlternateContent xmlns:mc="http://schemas.openxmlformats.org/markup-compatibility/2006" xmlns:a14="http://schemas.microsoft.com/office/drawing/2010/main">
-        <mc:Choice Requires="a14">
-          <p:sp>
-            <p:nvSpPr>
-              <p:cNvPr id="53" name="テキスト ボックス 52">
-                <a:extLst>
-                  <a:ext uri="{FF2B5EF4-FFF2-40B4-BE49-F238E27FC236}">
-                    <a16:creationId xmlns:a16="http://schemas.microsoft.com/office/drawing/2014/main" id="{0B54DD7A-0A75-490C-A63C-ED22C1119DCC}"/>
-                  </a:ext>
-                </a:extLst>
-              </p:cNvPr>
-              <p:cNvSpPr txBox="1"/>
-              <p:nvPr/>
-            </p:nvSpPr>
-            <p:spPr>
-              <a:xfrm>
-                <a:off x="7436617" y="781632"/>
-                <a:ext cx="351250" cy="492443"/>
-              </a:xfrm>
-              <a:prstGeom prst="rect">
-                <a:avLst/>
-              </a:prstGeom>
-              <a:noFill/>
-            </p:spPr>
-            <p:txBody>
-              <a:bodyPr wrap="none" lIns="0" tIns="0" rIns="0" bIns="0" rtlCol="0">
-                <a:spAutoFit/>
-              </a:bodyPr>
-              <a:lstStyle/>
-              <a:p>
-                <a:pPr/>
-                <a14:m>
-                  <m:oMathPara xmlns:m="http://schemas.openxmlformats.org/officeDocument/2006/math">
-                    <m:oMathParaPr>
-                      <m:jc m:val="centerGroup"/>
-                    </m:oMathParaPr>
-                    <m:oMath xmlns:m="http://schemas.openxmlformats.org/officeDocument/2006/math">
-                      <m:r>
-                        <a:rPr kumimoji="1" lang="en-US" altLang="ja-JP" sz="3200" b="0" i="1" smtClean="0">
-                          <a:latin typeface="Cambria Math" panose="02040503050406030204" pitchFamily="18" charset="0"/>
-                        </a:rPr>
-                        <m:t>𝑝</m:t>
-                      </m:r>
-                    </m:oMath>
-                  </m:oMathPara>
-                </a14:m>
-                <a:endParaRPr kumimoji="1" lang="ja-JP" altLang="en-US" sz="3200" dirty="0"/>
-              </a:p>
-            </p:txBody>
-          </p:sp>
-        </mc:Choice>
-        <mc:Fallback xmlns="">
-          <p:sp>
-            <p:nvSpPr>
-              <p:cNvPr id="53" name="テキスト ボックス 52">
-                <a:extLst>
-                  <a:ext uri="{FF2B5EF4-FFF2-40B4-BE49-F238E27FC236}">
-                    <a16:creationId xmlns:a16="http://schemas.microsoft.com/office/drawing/2014/main" id="{0B54DD7A-0A75-490C-A63C-ED22C1119DCC}"/>
-                  </a:ext>
-                </a:extLst>
-              </p:cNvPr>
-              <p:cNvSpPr txBox="1">
-                <a:spLocks noRot="1" noChangeAspect="1" noMove="1" noResize="1" noEditPoints="1" noAdjustHandles="1" noChangeArrowheads="1" noChangeShapeType="1" noTextEdit="1"/>
-              </p:cNvSpPr>
-              <p:nvPr/>
-            </p:nvSpPr>
-            <p:spPr>
-              <a:xfrm>
-                <a:off x="7436617" y="781632"/>
-                <a:ext cx="351250" cy="492443"/>
-              </a:xfrm>
-              <a:prstGeom prst="rect">
-                <a:avLst/>
-              </a:prstGeom>
-              <a:blipFill>
-                <a:blip r:embed="rId9"/>
-                <a:stretch>
-                  <a:fillRect/>
-                </a:stretch>
-              </a:blipFill>
-            </p:spPr>
-            <p:txBody>
-              <a:bodyPr/>
-              <a:lstStyle/>
-              <a:p>
-                <a:r>
-                  <a:rPr lang="ja-JP" altLang="en-US">
-                    <a:noFill/>
-                  </a:rPr>
-                  <a:t> </a:t>
-                </a:r>
-              </a:p>
-            </p:txBody>
-          </p:sp>
-        </mc:Fallback>
-      </mc:AlternateContent>
-      <mc:AlternateContent xmlns:mc="http://schemas.openxmlformats.org/markup-compatibility/2006" xmlns:a14="http://schemas.microsoft.com/office/drawing/2010/main">
-        <mc:Choice Requires="a14">
-          <p:sp>
-            <p:nvSpPr>
-              <p:cNvPr id="54" name="テキスト ボックス 53">
-                <a:extLst>
-                  <a:ext uri="{FF2B5EF4-FFF2-40B4-BE49-F238E27FC236}">
-                    <a16:creationId xmlns:a16="http://schemas.microsoft.com/office/drawing/2014/main" id="{FADAE241-9D88-43AD-BB94-2031DA01874D}"/>
-                  </a:ext>
-                </a:extLst>
-              </p:cNvPr>
-              <p:cNvSpPr txBox="1"/>
-              <p:nvPr/>
-            </p:nvSpPr>
-            <p:spPr>
-              <a:xfrm>
-                <a:off x="3521575" y="954585"/>
-                <a:ext cx="618567" cy="584775"/>
-              </a:xfrm>
-              <a:prstGeom prst="rect">
-                <a:avLst/>
-              </a:prstGeom>
-              <a:noFill/>
-            </p:spPr>
-            <p:txBody>
-              <a:bodyPr wrap="square" rtlCol="0">
-                <a:spAutoFit/>
-              </a:bodyPr>
-              <a:lstStyle/>
-              <a:p>
-                <a:pPr/>
-                <a14:m>
-                  <m:oMathPara xmlns:m="http://schemas.openxmlformats.org/officeDocument/2006/math">
-                    <m:oMathParaPr>
-                      <m:jc m:val="centerGroup"/>
-                    </m:oMathParaPr>
-                    <m:oMath xmlns:m="http://schemas.openxmlformats.org/officeDocument/2006/math">
-                      <m:sSup>
-                        <m:sSupPr>
-                          <m:ctrlPr>
-                            <a:rPr kumimoji="1" lang="en-US" altLang="ja-JP" sz="3200" i="1" smtClean="0">
-                              <a:latin typeface="Cambria Math" panose="02040503050406030204" pitchFamily="18" charset="0"/>
-                            </a:rPr>
-                          </m:ctrlPr>
-                        </m:sSupPr>
-                        <m:e>
-                          <m:r>
-                            <a:rPr kumimoji="1" lang="en-US" altLang="ja-JP" sz="3200" b="1" i="1" smtClean="0">
-                              <a:latin typeface="Cambria Math" panose="02040503050406030204" pitchFamily="18" charset="0"/>
-                            </a:rPr>
-                            <m:t>𝒙</m:t>
-                          </m:r>
-                        </m:e>
-                        <m:sup>
-                          <m:r>
-                            <a:rPr kumimoji="1" lang="en-US" altLang="ja-JP" sz="3200" b="0" i="1" smtClean="0">
-                              <a:latin typeface="Cambria Math" panose="02040503050406030204" pitchFamily="18" charset="0"/>
-                            </a:rPr>
-                            <m:t>′</m:t>
-                          </m:r>
-                        </m:sup>
-                      </m:sSup>
-                    </m:oMath>
-                  </m:oMathPara>
-                </a14:m>
-                <a:endParaRPr kumimoji="1" lang="ja-JP" altLang="en-US" sz="3200" dirty="0"/>
-              </a:p>
-            </p:txBody>
-          </p:sp>
-        </mc:Choice>
-        <mc:Fallback xmlns="">
-          <p:sp>
-            <p:nvSpPr>
-              <p:cNvPr id="54" name="テキスト ボックス 53">
-                <a:extLst>
-                  <a:ext uri="{FF2B5EF4-FFF2-40B4-BE49-F238E27FC236}">
-                    <a16:creationId xmlns:a16="http://schemas.microsoft.com/office/drawing/2014/main" id="{FADAE241-9D88-43AD-BB94-2031DA01874D}"/>
-                  </a:ext>
-                </a:extLst>
-              </p:cNvPr>
-              <p:cNvSpPr txBox="1">
-                <a:spLocks noRot="1" noChangeAspect="1" noMove="1" noResize="1" noEditPoints="1" noAdjustHandles="1" noChangeArrowheads="1" noChangeShapeType="1" noTextEdit="1"/>
-              </p:cNvSpPr>
-              <p:nvPr/>
-            </p:nvSpPr>
-            <p:spPr>
-              <a:xfrm>
-                <a:off x="3521575" y="954585"/>
-                <a:ext cx="618567" cy="584775"/>
-              </a:xfrm>
-              <a:prstGeom prst="rect">
-                <a:avLst/>
-              </a:prstGeom>
-              <a:blipFill>
-                <a:blip r:embed="rId10"/>
-                <a:stretch>
-                  <a:fillRect/>
-                </a:stretch>
-              </a:blipFill>
-            </p:spPr>
-            <p:txBody>
-              <a:bodyPr/>
-              <a:lstStyle/>
-              <a:p>
-                <a:r>
-                  <a:rPr lang="ja-JP" altLang="en-US">
-                    <a:noFill/>
-                  </a:rPr>
-                  <a:t> </a:t>
-                </a:r>
-              </a:p>
-            </p:txBody>
-          </p:sp>
-        </mc:Fallback>
-      </mc:AlternateContent>
-    </p:spTree>
-    <p:extLst>
-      <p:ext uri="{BB962C8B-B14F-4D97-AF65-F5344CB8AC3E}">
-        <p14:creationId xmlns:p14="http://schemas.microsoft.com/office/powerpoint/2010/main" val="2562484479"/>
-      </p:ext>
-    </p:extLst>
-  </p:cSld>
-  <p:clrMapOvr>
-    <a:masterClrMapping/>
-  </p:clrMapOvr>
-</p:sld>
-</file>
-
 <file path=ppt/theme/theme1.xml><?xml version="1.0" encoding="utf-8"?>
 <a:theme xmlns:a="http://schemas.openxmlformats.org/drawingml/2006/main" name="Office テーマ">
   <a:themeElements>
